--- a/latex-thesis/figures.pptx
+++ b/latex-thesis/figures.pptx
@@ -6,8 +6,11 @@
   </p:sldMasterIdLst>
   <p:sldIdLst>
     <p:sldId id="258" r:id="rId2"/>
-    <p:sldId id="256" r:id="rId3"/>
-    <p:sldId id="257" r:id="rId4"/>
+    <p:sldId id="259" r:id="rId3"/>
+    <p:sldId id="256" r:id="rId4"/>
+    <p:sldId id="257" r:id="rId5"/>
+    <p:sldId id="260" r:id="rId6"/>
+    <p:sldId id="261" r:id="rId7"/>
   </p:sldIdLst>
   <p:sldSz cx="12192000" cy="6858000"/>
   <p:notesSz cx="6858000" cy="9144000"/>
@@ -106,6 +109,11 @@
       </a:defRPr>
     </a:lvl9pPr>
   </p:defaultTextStyle>
+  <p:extLst>
+    <p:ext uri="{EFAFB233-063F-42B5-8137-9DF3F51BA10A}">
+      <p15:sldGuideLst xmlns:p15="http://schemas.microsoft.com/office/powerpoint/2012/main"/>
+    </p:ext>
+  </p:extLst>
 </p:presentation>
 </file>
 
@@ -823,6 +831,886 @@
     <dgm:fillClrLst meth="repeat">
       <a:schemeClr val="accent1">
         <a:tint val="60000"/>
+      </a:schemeClr>
+    </dgm:fillClrLst>
+    <dgm:linClrLst meth="repeat">
+      <a:schemeClr val="lt1"/>
+    </dgm:linClrLst>
+    <dgm:effectClrLst/>
+    <dgm:txLinClrLst/>
+    <dgm:txFillClrLst meth="repeat">
+      <a:schemeClr val="dk1"/>
+    </dgm:txFillClrLst>
+    <dgm:txEffectClrLst/>
+  </dgm:styleLbl>
+  <dgm:styleLbl name="revTx">
+    <dgm:fillClrLst meth="repeat">
+      <a:schemeClr val="lt1">
+        <a:alpha val="0"/>
+      </a:schemeClr>
+    </dgm:fillClrLst>
+    <dgm:linClrLst meth="repeat">
+      <a:schemeClr val="dk1">
+        <a:alpha val="0"/>
+      </a:schemeClr>
+    </dgm:linClrLst>
+    <dgm:effectClrLst/>
+    <dgm:txLinClrLst/>
+    <dgm:txFillClrLst meth="repeat">
+      <a:schemeClr val="tx1"/>
+    </dgm:txFillClrLst>
+    <dgm:txEffectClrLst/>
+  </dgm:styleLbl>
+</dgm:colorsDef>
+</file>
+
+<file path=ppt/diagrams/colors2.xml><?xml version="1.0" encoding="utf-8"?>
+<dgm:colorsDef xmlns:dgm="http://schemas.openxmlformats.org/drawingml/2006/diagram" xmlns:a="http://schemas.openxmlformats.org/drawingml/2006/main" uniqueId="urn:microsoft.com/office/officeart/2005/8/colors/accent1_5">
+  <dgm:title val=""/>
+  <dgm:desc val=""/>
+  <dgm:catLst>
+    <dgm:cat type="accent1" pri="11500"/>
+  </dgm:catLst>
+  <dgm:styleLbl name="node0">
+    <dgm:fillClrLst meth="cycle">
+      <a:schemeClr val="accent1">
+        <a:alpha val="80000"/>
+      </a:schemeClr>
+    </dgm:fillClrLst>
+    <dgm:linClrLst meth="repeat">
+      <a:schemeClr val="lt1"/>
+    </dgm:linClrLst>
+    <dgm:effectClrLst/>
+    <dgm:txLinClrLst/>
+    <dgm:txFillClrLst/>
+    <dgm:txEffectClrLst/>
+  </dgm:styleLbl>
+  <dgm:styleLbl name="node1">
+    <dgm:fillClrLst>
+      <a:schemeClr val="accent1">
+        <a:alpha val="90000"/>
+      </a:schemeClr>
+      <a:schemeClr val="accent1">
+        <a:alpha val="50000"/>
+      </a:schemeClr>
+    </dgm:fillClrLst>
+    <dgm:linClrLst meth="repeat">
+      <a:schemeClr val="lt1"/>
+    </dgm:linClrLst>
+    <dgm:effectClrLst/>
+    <dgm:txLinClrLst/>
+    <dgm:txFillClrLst/>
+    <dgm:txEffectClrLst/>
+  </dgm:styleLbl>
+  <dgm:styleLbl name="alignNode1">
+    <dgm:fillClrLst>
+      <a:schemeClr val="accent1">
+        <a:alpha val="90000"/>
+      </a:schemeClr>
+      <a:schemeClr val="accent1">
+        <a:alpha val="50000"/>
+      </a:schemeClr>
+    </dgm:fillClrLst>
+    <dgm:linClrLst>
+      <a:schemeClr val="accent1">
+        <a:alpha val="90000"/>
+      </a:schemeClr>
+      <a:schemeClr val="accent1">
+        <a:alpha val="50000"/>
+      </a:schemeClr>
+    </dgm:linClrLst>
+    <dgm:effectClrLst/>
+    <dgm:txLinClrLst/>
+    <dgm:txFillClrLst/>
+    <dgm:txEffectClrLst/>
+  </dgm:styleLbl>
+  <dgm:styleLbl name="lnNode1">
+    <dgm:fillClrLst>
+      <a:schemeClr val="accent1">
+        <a:shade val="90000"/>
+      </a:schemeClr>
+      <a:schemeClr val="accent1">
+        <a:alpha val="50000"/>
+        <a:tint val="50000"/>
+      </a:schemeClr>
+    </dgm:fillClrLst>
+    <dgm:linClrLst meth="repeat">
+      <a:schemeClr val="lt1"/>
+    </dgm:linClrLst>
+    <dgm:effectClrLst/>
+    <dgm:txLinClrLst/>
+    <dgm:txFillClrLst/>
+    <dgm:txEffectClrLst/>
+  </dgm:styleLbl>
+  <dgm:styleLbl name="vennNode1">
+    <dgm:fillClrLst>
+      <a:schemeClr val="accent1">
+        <a:shade val="80000"/>
+        <a:alpha val="50000"/>
+      </a:schemeClr>
+      <a:schemeClr val="accent1">
+        <a:alpha val="80000"/>
+      </a:schemeClr>
+    </dgm:fillClrLst>
+    <dgm:linClrLst meth="repeat">
+      <a:schemeClr val="lt1"/>
+    </dgm:linClrLst>
+    <dgm:effectClrLst/>
+    <dgm:txLinClrLst/>
+    <dgm:txFillClrLst/>
+    <dgm:txEffectClrLst/>
+  </dgm:styleLbl>
+  <dgm:styleLbl name="node2">
+    <dgm:fillClrLst>
+      <a:schemeClr val="accent1">
+        <a:alpha val="70000"/>
+      </a:schemeClr>
+    </dgm:fillClrLst>
+    <dgm:linClrLst meth="repeat">
+      <a:schemeClr val="lt1"/>
+    </dgm:linClrLst>
+    <dgm:effectClrLst/>
+    <dgm:txLinClrLst/>
+    <dgm:txFillClrLst/>
+    <dgm:txEffectClrLst/>
+  </dgm:styleLbl>
+  <dgm:styleLbl name="node3">
+    <dgm:fillClrLst>
+      <a:schemeClr val="accent1">
+        <a:alpha val="50000"/>
+      </a:schemeClr>
+    </dgm:fillClrLst>
+    <dgm:linClrLst meth="repeat">
+      <a:schemeClr val="lt1"/>
+    </dgm:linClrLst>
+    <dgm:effectClrLst/>
+    <dgm:txLinClrLst/>
+    <dgm:txFillClrLst/>
+    <dgm:txEffectClrLst/>
+  </dgm:styleLbl>
+  <dgm:styleLbl name="node4">
+    <dgm:fillClrLst>
+      <a:schemeClr val="accent1">
+        <a:alpha val="30000"/>
+      </a:schemeClr>
+    </dgm:fillClrLst>
+    <dgm:linClrLst meth="repeat">
+      <a:schemeClr val="lt1"/>
+    </dgm:linClrLst>
+    <dgm:effectClrLst/>
+    <dgm:txLinClrLst/>
+    <dgm:txFillClrLst/>
+    <dgm:txEffectClrLst/>
+  </dgm:styleLbl>
+  <dgm:styleLbl name="fgImgPlace1">
+    <dgm:fillClrLst>
+      <a:schemeClr val="accent1">
+        <a:tint val="50000"/>
+        <a:alpha val="90000"/>
+      </a:schemeClr>
+      <a:schemeClr val="accent1">
+        <a:tint val="20000"/>
+        <a:alpha val="50000"/>
+      </a:schemeClr>
+    </dgm:fillClrLst>
+    <dgm:linClrLst meth="repeat">
+      <a:schemeClr val="lt1"/>
+    </dgm:linClrLst>
+    <dgm:effectClrLst/>
+    <dgm:txLinClrLst/>
+    <dgm:txFillClrLst meth="repeat">
+      <a:schemeClr val="lt1"/>
+    </dgm:txFillClrLst>
+    <dgm:txEffectClrLst/>
+  </dgm:styleLbl>
+  <dgm:styleLbl name="alignImgPlace1">
+    <dgm:fillClrLst>
+      <a:schemeClr val="accent1">
+        <a:tint val="50000"/>
+      </a:schemeClr>
+      <a:schemeClr val="accent1">
+        <a:tint val="20000"/>
+      </a:schemeClr>
+    </dgm:fillClrLst>
+    <dgm:linClrLst meth="repeat">
+      <a:schemeClr val="lt1"/>
+    </dgm:linClrLst>
+    <dgm:effectClrLst/>
+    <dgm:txLinClrLst/>
+    <dgm:txFillClrLst meth="repeat">
+      <a:schemeClr val="lt1"/>
+    </dgm:txFillClrLst>
+    <dgm:txEffectClrLst/>
+  </dgm:styleLbl>
+  <dgm:styleLbl name="bgImgPlace1">
+    <dgm:fillClrLst>
+      <a:schemeClr val="accent1">
+        <a:tint val="50000"/>
+      </a:schemeClr>
+      <a:schemeClr val="accent1">
+        <a:tint val="20000"/>
+      </a:schemeClr>
+    </dgm:fillClrLst>
+    <dgm:linClrLst meth="repeat">
+      <a:schemeClr val="lt1"/>
+    </dgm:linClrLst>
+    <dgm:effectClrLst/>
+    <dgm:txLinClrLst/>
+    <dgm:txFillClrLst meth="repeat">
+      <a:schemeClr val="lt1"/>
+    </dgm:txFillClrLst>
+    <dgm:txEffectClrLst/>
+  </dgm:styleLbl>
+  <dgm:styleLbl name="sibTrans2D1">
+    <dgm:fillClrLst>
+      <a:schemeClr val="accent1">
+        <a:shade val="90000"/>
+      </a:schemeClr>
+      <a:schemeClr val="accent1">
+        <a:tint val="50000"/>
+      </a:schemeClr>
+    </dgm:fillClrLst>
+    <dgm:linClrLst>
+      <a:schemeClr val="accent1">
+        <a:shade val="90000"/>
+      </a:schemeClr>
+      <a:schemeClr val="accent1">
+        <a:tint val="50000"/>
+      </a:schemeClr>
+    </dgm:linClrLst>
+    <dgm:effectClrLst/>
+    <dgm:txLinClrLst/>
+    <dgm:txFillClrLst/>
+    <dgm:txEffectClrLst/>
+  </dgm:styleLbl>
+  <dgm:styleLbl name="fgSibTrans2D1">
+    <dgm:fillClrLst>
+      <a:schemeClr val="accent1">
+        <a:shade val="90000"/>
+      </a:schemeClr>
+      <a:schemeClr val="accent1">
+        <a:tint val="50000"/>
+      </a:schemeClr>
+    </dgm:fillClrLst>
+    <dgm:linClrLst>
+      <a:schemeClr val="accent1">
+        <a:shade val="90000"/>
+      </a:schemeClr>
+      <a:schemeClr val="accent1">
+        <a:tint val="50000"/>
+      </a:schemeClr>
+    </dgm:linClrLst>
+    <dgm:effectClrLst/>
+    <dgm:txLinClrLst/>
+    <dgm:txFillClrLst/>
+    <dgm:txEffectClrLst/>
+  </dgm:styleLbl>
+  <dgm:styleLbl name="bgSibTrans2D1">
+    <dgm:fillClrLst>
+      <a:schemeClr val="accent1">
+        <a:shade val="90000"/>
+      </a:schemeClr>
+      <a:schemeClr val="accent1">
+        <a:tint val="50000"/>
+      </a:schemeClr>
+    </dgm:fillClrLst>
+    <dgm:linClrLst>
+      <a:schemeClr val="accent1">
+        <a:shade val="90000"/>
+      </a:schemeClr>
+      <a:schemeClr val="accent1">
+        <a:tint val="50000"/>
+      </a:schemeClr>
+    </dgm:linClrLst>
+    <dgm:effectClrLst/>
+    <dgm:txLinClrLst/>
+    <dgm:txFillClrLst/>
+    <dgm:txEffectClrLst/>
+  </dgm:styleLbl>
+  <dgm:styleLbl name="sibTrans1D1">
+    <dgm:fillClrLst>
+      <a:schemeClr val="accent1">
+        <a:shade val="90000"/>
+      </a:schemeClr>
+      <a:schemeClr val="accent1">
+        <a:tint val="50000"/>
+      </a:schemeClr>
+    </dgm:fillClrLst>
+    <dgm:linClrLst>
+      <a:schemeClr val="accent1">
+        <a:shade val="90000"/>
+      </a:schemeClr>
+      <a:schemeClr val="accent1">
+        <a:tint val="50000"/>
+      </a:schemeClr>
+    </dgm:linClrLst>
+    <dgm:effectClrLst/>
+    <dgm:txLinClrLst/>
+    <dgm:txFillClrLst meth="repeat">
+      <a:schemeClr val="tx1"/>
+    </dgm:txFillClrLst>
+    <dgm:txEffectClrLst/>
+  </dgm:styleLbl>
+  <dgm:styleLbl name="callout">
+    <dgm:fillClrLst meth="repeat">
+      <a:schemeClr val="accent1"/>
+    </dgm:fillClrLst>
+    <dgm:linClrLst meth="repeat">
+      <a:schemeClr val="accent1"/>
+    </dgm:linClrLst>
+    <dgm:effectClrLst/>
+    <dgm:txLinClrLst/>
+    <dgm:txFillClrLst meth="repeat">
+      <a:schemeClr val="tx1"/>
+    </dgm:txFillClrLst>
+    <dgm:txEffectClrLst/>
+  </dgm:styleLbl>
+  <dgm:styleLbl name="asst0">
+    <dgm:fillClrLst meth="repeat">
+      <a:schemeClr val="accent1">
+        <a:alpha val="90000"/>
+      </a:schemeClr>
+    </dgm:fillClrLst>
+    <dgm:linClrLst meth="repeat">
+      <a:schemeClr val="lt1"/>
+    </dgm:linClrLst>
+    <dgm:effectClrLst/>
+    <dgm:txLinClrLst/>
+    <dgm:txFillClrLst/>
+    <dgm:txEffectClrLst/>
+  </dgm:styleLbl>
+  <dgm:styleLbl name="asst1">
+    <dgm:fillClrLst meth="repeat">
+      <a:schemeClr val="accent1">
+        <a:alpha val="90000"/>
+      </a:schemeClr>
+    </dgm:fillClrLst>
+    <dgm:linClrLst meth="repeat">
+      <a:schemeClr val="lt1"/>
+    </dgm:linClrLst>
+    <dgm:effectClrLst/>
+    <dgm:txLinClrLst/>
+    <dgm:txFillClrLst/>
+    <dgm:txEffectClrLst/>
+  </dgm:styleLbl>
+  <dgm:styleLbl name="asst2">
+    <dgm:fillClrLst>
+      <a:schemeClr val="accent1">
+        <a:alpha val="90000"/>
+      </a:schemeClr>
+    </dgm:fillClrLst>
+    <dgm:linClrLst meth="repeat">
+      <a:schemeClr val="lt1"/>
+    </dgm:linClrLst>
+    <dgm:effectClrLst/>
+    <dgm:txLinClrLst/>
+    <dgm:txFillClrLst/>
+    <dgm:txEffectClrLst/>
+  </dgm:styleLbl>
+  <dgm:styleLbl name="asst3">
+    <dgm:fillClrLst>
+      <a:schemeClr val="accent1">
+        <a:alpha val="70000"/>
+      </a:schemeClr>
+    </dgm:fillClrLst>
+    <dgm:linClrLst meth="repeat">
+      <a:schemeClr val="lt1"/>
+    </dgm:linClrLst>
+    <dgm:effectClrLst/>
+    <dgm:txLinClrLst/>
+    <dgm:txFillClrLst/>
+    <dgm:txEffectClrLst/>
+  </dgm:styleLbl>
+  <dgm:styleLbl name="asst4">
+    <dgm:fillClrLst>
+      <a:schemeClr val="accent1">
+        <a:alpha val="50000"/>
+      </a:schemeClr>
+    </dgm:fillClrLst>
+    <dgm:linClrLst meth="repeat">
+      <a:schemeClr val="lt1"/>
+    </dgm:linClrLst>
+    <dgm:effectClrLst/>
+    <dgm:txLinClrLst/>
+    <dgm:txFillClrLst/>
+    <dgm:txEffectClrLst/>
+  </dgm:styleLbl>
+  <dgm:styleLbl name="parChTrans2D1">
+    <dgm:fillClrLst meth="repeat">
+      <a:schemeClr val="accent1">
+        <a:shade val="80000"/>
+      </a:schemeClr>
+    </dgm:fillClrLst>
+    <dgm:linClrLst meth="repeat">
+      <a:schemeClr val="accent1">
+        <a:shade val="80000"/>
+      </a:schemeClr>
+    </dgm:linClrLst>
+    <dgm:effectClrLst/>
+    <dgm:txLinClrLst/>
+    <dgm:txFillClrLst/>
+    <dgm:txEffectClrLst/>
+  </dgm:styleLbl>
+  <dgm:styleLbl name="parChTrans2D2">
+    <dgm:fillClrLst meth="repeat">
+      <a:schemeClr val="accent1">
+        <a:tint val="90000"/>
+      </a:schemeClr>
+    </dgm:fillClrLst>
+    <dgm:linClrLst meth="repeat">
+      <a:schemeClr val="accent1">
+        <a:tint val="90000"/>
+      </a:schemeClr>
+    </dgm:linClrLst>
+    <dgm:effectClrLst/>
+    <dgm:txLinClrLst/>
+    <dgm:txFillClrLst/>
+    <dgm:txEffectClrLst/>
+  </dgm:styleLbl>
+  <dgm:styleLbl name="parChTrans2D3">
+    <dgm:fillClrLst meth="repeat">
+      <a:schemeClr val="accent1">
+        <a:tint val="70000"/>
+      </a:schemeClr>
+    </dgm:fillClrLst>
+    <dgm:linClrLst meth="repeat">
+      <a:schemeClr val="accent1">
+        <a:tint val="70000"/>
+      </a:schemeClr>
+    </dgm:linClrLst>
+    <dgm:effectClrLst/>
+    <dgm:txLinClrLst/>
+    <dgm:txFillClrLst/>
+    <dgm:txEffectClrLst/>
+  </dgm:styleLbl>
+  <dgm:styleLbl name="parChTrans2D4">
+    <dgm:fillClrLst meth="repeat">
+      <a:schemeClr val="accent1">
+        <a:tint val="50000"/>
+      </a:schemeClr>
+    </dgm:fillClrLst>
+    <dgm:linClrLst meth="repeat">
+      <a:schemeClr val="accent1">
+        <a:tint val="50000"/>
+      </a:schemeClr>
+    </dgm:linClrLst>
+    <dgm:effectClrLst/>
+    <dgm:txLinClrLst/>
+    <dgm:txFillClrLst meth="repeat">
+      <a:schemeClr val="dk1"/>
+    </dgm:txFillClrLst>
+    <dgm:txEffectClrLst/>
+  </dgm:styleLbl>
+  <dgm:styleLbl name="parChTrans1D1">
+    <dgm:fillClrLst meth="repeat">
+      <a:schemeClr val="accent1">
+        <a:shade val="80000"/>
+      </a:schemeClr>
+    </dgm:fillClrLst>
+    <dgm:linClrLst meth="repeat">
+      <a:schemeClr val="accent1">
+        <a:shade val="80000"/>
+      </a:schemeClr>
+    </dgm:linClrLst>
+    <dgm:effectClrLst/>
+    <dgm:txLinClrLst/>
+    <dgm:txFillClrLst meth="repeat">
+      <a:schemeClr val="tx1"/>
+    </dgm:txFillClrLst>
+    <dgm:txEffectClrLst/>
+  </dgm:styleLbl>
+  <dgm:styleLbl name="parChTrans1D2">
+    <dgm:fillClrLst meth="repeat">
+      <a:schemeClr val="accent1">
+        <a:tint val="90000"/>
+      </a:schemeClr>
+    </dgm:fillClrLst>
+    <dgm:linClrLst meth="repeat">
+      <a:schemeClr val="accent1">
+        <a:tint val="90000"/>
+      </a:schemeClr>
+    </dgm:linClrLst>
+    <dgm:effectClrLst/>
+    <dgm:txLinClrLst/>
+    <dgm:txFillClrLst meth="repeat">
+      <a:schemeClr val="tx1"/>
+    </dgm:txFillClrLst>
+    <dgm:txEffectClrLst/>
+  </dgm:styleLbl>
+  <dgm:styleLbl name="parChTrans1D3">
+    <dgm:fillClrLst meth="repeat">
+      <a:schemeClr val="accent1">
+        <a:tint val="70000"/>
+      </a:schemeClr>
+    </dgm:fillClrLst>
+    <dgm:linClrLst meth="repeat">
+      <a:schemeClr val="accent1">
+        <a:tint val="70000"/>
+      </a:schemeClr>
+    </dgm:linClrLst>
+    <dgm:effectClrLst/>
+    <dgm:txLinClrLst/>
+    <dgm:txFillClrLst meth="repeat">
+      <a:schemeClr val="tx1"/>
+    </dgm:txFillClrLst>
+    <dgm:txEffectClrLst/>
+  </dgm:styleLbl>
+  <dgm:styleLbl name="parChTrans1D4">
+    <dgm:fillClrLst meth="repeat">
+      <a:schemeClr val="accent1">
+        <a:tint val="50000"/>
+      </a:schemeClr>
+    </dgm:fillClrLst>
+    <dgm:linClrLst meth="repeat">
+      <a:schemeClr val="accent1">
+        <a:tint val="50000"/>
+      </a:schemeClr>
+    </dgm:linClrLst>
+    <dgm:effectClrLst/>
+    <dgm:txLinClrLst/>
+    <dgm:txFillClrLst meth="repeat">
+      <a:schemeClr val="tx1"/>
+    </dgm:txFillClrLst>
+    <dgm:txEffectClrLst/>
+  </dgm:styleLbl>
+  <dgm:styleLbl name="fgAcc1">
+    <dgm:fillClrLst meth="repeat">
+      <a:schemeClr val="lt1">
+        <a:alpha val="90000"/>
+      </a:schemeClr>
+    </dgm:fillClrLst>
+    <dgm:linClrLst>
+      <a:schemeClr val="accent1">
+        <a:alpha val="90000"/>
+      </a:schemeClr>
+      <a:schemeClr val="accent1">
+        <a:alpha val="50000"/>
+      </a:schemeClr>
+    </dgm:linClrLst>
+    <dgm:effectClrLst/>
+    <dgm:txLinClrLst/>
+    <dgm:txFillClrLst meth="repeat">
+      <a:schemeClr val="dk1"/>
+    </dgm:txFillClrLst>
+    <dgm:txEffectClrLst/>
+  </dgm:styleLbl>
+  <dgm:styleLbl name="conFgAcc1">
+    <dgm:fillClrLst meth="repeat">
+      <a:schemeClr val="lt1">
+        <a:alpha val="90000"/>
+      </a:schemeClr>
+    </dgm:fillClrLst>
+    <dgm:linClrLst>
+      <a:schemeClr val="accent1">
+        <a:alpha val="90000"/>
+      </a:schemeClr>
+      <a:schemeClr val="accent1">
+        <a:alpha val="50000"/>
+      </a:schemeClr>
+    </dgm:linClrLst>
+    <dgm:effectClrLst/>
+    <dgm:txLinClrLst/>
+    <dgm:txFillClrLst meth="repeat">
+      <a:schemeClr val="dk1"/>
+    </dgm:txFillClrLst>
+    <dgm:txEffectClrLst/>
+  </dgm:styleLbl>
+  <dgm:styleLbl name="alignAcc1">
+    <dgm:fillClrLst meth="repeat">
+      <a:schemeClr val="lt1">
+        <a:alpha val="90000"/>
+      </a:schemeClr>
+    </dgm:fillClrLst>
+    <dgm:linClrLst>
+      <a:schemeClr val="accent1">
+        <a:alpha val="90000"/>
+      </a:schemeClr>
+      <a:schemeClr val="accent1">
+        <a:alpha val="50000"/>
+      </a:schemeClr>
+    </dgm:linClrLst>
+    <dgm:effectClrLst/>
+    <dgm:txLinClrLst/>
+    <dgm:txFillClrLst meth="repeat">
+      <a:schemeClr val="dk1"/>
+    </dgm:txFillClrLst>
+    <dgm:txEffectClrLst/>
+  </dgm:styleLbl>
+  <dgm:styleLbl name="trAlignAcc1">
+    <dgm:fillClrLst meth="repeat">
+      <a:schemeClr val="lt1">
+        <a:alpha val="40000"/>
+      </a:schemeClr>
+    </dgm:fillClrLst>
+    <dgm:linClrLst>
+      <a:schemeClr val="accent1">
+        <a:alpha val="90000"/>
+      </a:schemeClr>
+      <a:schemeClr val="accent1">
+        <a:alpha val="50000"/>
+      </a:schemeClr>
+    </dgm:linClrLst>
+    <dgm:effectClrLst/>
+    <dgm:txLinClrLst/>
+    <dgm:txFillClrLst meth="repeat">
+      <a:schemeClr val="dk1"/>
+    </dgm:txFillClrLst>
+    <dgm:txEffectClrLst/>
+  </dgm:styleLbl>
+  <dgm:styleLbl name="bgAcc1">
+    <dgm:fillClrLst meth="repeat">
+      <a:schemeClr val="lt1">
+        <a:alpha val="90000"/>
+      </a:schemeClr>
+    </dgm:fillClrLst>
+    <dgm:linClrLst>
+      <a:schemeClr val="accent1">
+        <a:alpha val="90000"/>
+      </a:schemeClr>
+      <a:schemeClr val="accent1">
+        <a:alpha val="50000"/>
+      </a:schemeClr>
+    </dgm:linClrLst>
+    <dgm:effectClrLst/>
+    <dgm:txLinClrLst/>
+    <dgm:txFillClrLst meth="repeat">
+      <a:schemeClr val="dk1"/>
+    </dgm:txFillClrLst>
+    <dgm:txEffectClrLst/>
+  </dgm:styleLbl>
+  <dgm:styleLbl name="solidFgAcc1">
+    <dgm:fillClrLst meth="repeat">
+      <a:schemeClr val="lt1"/>
+    </dgm:fillClrLst>
+    <dgm:linClrLst>
+      <a:schemeClr val="accent1">
+        <a:alpha val="90000"/>
+      </a:schemeClr>
+      <a:schemeClr val="accent1">
+        <a:alpha val="50000"/>
+      </a:schemeClr>
+    </dgm:linClrLst>
+    <dgm:effectClrLst/>
+    <dgm:txLinClrLst/>
+    <dgm:txFillClrLst meth="repeat">
+      <a:schemeClr val="dk1"/>
+    </dgm:txFillClrLst>
+    <dgm:txEffectClrLst/>
+  </dgm:styleLbl>
+  <dgm:styleLbl name="solidAlignAcc1">
+    <dgm:fillClrLst meth="repeat">
+      <a:schemeClr val="lt1"/>
+    </dgm:fillClrLst>
+    <dgm:linClrLst meth="repeat">
+      <a:schemeClr val="accent1"/>
+    </dgm:linClrLst>
+    <dgm:effectClrLst/>
+    <dgm:txLinClrLst/>
+    <dgm:txFillClrLst meth="repeat">
+      <a:schemeClr val="dk1"/>
+    </dgm:txFillClrLst>
+    <dgm:txEffectClrLst/>
+  </dgm:styleLbl>
+  <dgm:styleLbl name="solidBgAcc1">
+    <dgm:fillClrLst meth="repeat">
+      <a:schemeClr val="lt1"/>
+    </dgm:fillClrLst>
+    <dgm:linClrLst meth="repeat">
+      <a:schemeClr val="accent1"/>
+    </dgm:linClrLst>
+    <dgm:effectClrLst/>
+    <dgm:txLinClrLst/>
+    <dgm:txFillClrLst meth="repeat">
+      <a:schemeClr val="dk1"/>
+    </dgm:txFillClrLst>
+    <dgm:txEffectClrLst/>
+  </dgm:styleLbl>
+  <dgm:styleLbl name="fgAccFollowNode1">
+    <dgm:fillClrLst>
+      <a:schemeClr val="accent1">
+        <a:alpha val="90000"/>
+        <a:tint val="40000"/>
+      </a:schemeClr>
+      <a:schemeClr val="accent1">
+        <a:alpha val="50000"/>
+        <a:tint val="40000"/>
+      </a:schemeClr>
+    </dgm:fillClrLst>
+    <dgm:linClrLst meth="repeat">
+      <a:schemeClr val="accent1">
+        <a:alpha val="90000"/>
+        <a:tint val="40000"/>
+      </a:schemeClr>
+    </dgm:linClrLst>
+    <dgm:effectClrLst/>
+    <dgm:txLinClrLst/>
+    <dgm:txFillClrLst meth="repeat">
+      <a:schemeClr val="dk1"/>
+    </dgm:txFillClrLst>
+    <dgm:txEffectClrLst/>
+  </dgm:styleLbl>
+  <dgm:styleLbl name="alignAccFollowNode1">
+    <dgm:fillClrLst meth="repeat">
+      <a:schemeClr val="accent1">
+        <a:alpha val="90000"/>
+        <a:tint val="40000"/>
+      </a:schemeClr>
+    </dgm:fillClrLst>
+    <dgm:linClrLst meth="repeat">
+      <a:schemeClr val="accent1">
+        <a:alpha val="90000"/>
+        <a:tint val="40000"/>
+      </a:schemeClr>
+    </dgm:linClrLst>
+    <dgm:effectClrLst/>
+    <dgm:txLinClrLst/>
+    <dgm:txFillClrLst meth="repeat">
+      <a:schemeClr val="dk1"/>
+    </dgm:txFillClrLst>
+    <dgm:txEffectClrLst/>
+  </dgm:styleLbl>
+  <dgm:styleLbl name="bgAccFollowNode1">
+    <dgm:fillClrLst meth="repeat">
+      <a:schemeClr val="accent1">
+        <a:alpha val="90000"/>
+        <a:tint val="40000"/>
+      </a:schemeClr>
+    </dgm:fillClrLst>
+    <dgm:linClrLst meth="repeat">
+      <a:schemeClr val="lt1"/>
+    </dgm:linClrLst>
+    <dgm:effectClrLst/>
+    <dgm:txLinClrLst/>
+    <dgm:txFillClrLst meth="repeat">
+      <a:schemeClr val="dk1"/>
+    </dgm:txFillClrLst>
+    <dgm:txEffectClrLst/>
+  </dgm:styleLbl>
+  <dgm:styleLbl name="fgAcc0">
+    <dgm:fillClrLst meth="repeat">
+      <a:schemeClr val="lt1">
+        <a:alpha val="90000"/>
+      </a:schemeClr>
+    </dgm:fillClrLst>
+    <dgm:linClrLst meth="repeat">
+      <a:schemeClr val="accent1">
+        <a:shade val="80000"/>
+      </a:schemeClr>
+    </dgm:linClrLst>
+    <dgm:effectClrLst/>
+    <dgm:txLinClrLst/>
+    <dgm:txFillClrLst meth="repeat">
+      <a:schemeClr val="dk1"/>
+    </dgm:txFillClrLst>
+    <dgm:txEffectClrLst/>
+  </dgm:styleLbl>
+  <dgm:styleLbl name="fgAcc2">
+    <dgm:fillClrLst meth="repeat">
+      <a:schemeClr val="lt1">
+        <a:alpha val="90000"/>
+      </a:schemeClr>
+    </dgm:fillClrLst>
+    <dgm:linClrLst meth="repeat">
+      <a:schemeClr val="accent1">
+        <a:tint val="90000"/>
+      </a:schemeClr>
+    </dgm:linClrLst>
+    <dgm:effectClrLst/>
+    <dgm:txLinClrLst/>
+    <dgm:txFillClrLst meth="repeat">
+      <a:schemeClr val="dk1"/>
+    </dgm:txFillClrLst>
+    <dgm:txEffectClrLst/>
+  </dgm:styleLbl>
+  <dgm:styleLbl name="fgAcc3">
+    <dgm:fillClrLst meth="repeat">
+      <a:schemeClr val="lt1">
+        <a:alpha val="90000"/>
+      </a:schemeClr>
+    </dgm:fillClrLst>
+    <dgm:linClrLst meth="repeat">
+      <a:schemeClr val="accent1">
+        <a:tint val="70000"/>
+      </a:schemeClr>
+    </dgm:linClrLst>
+    <dgm:effectClrLst/>
+    <dgm:txLinClrLst/>
+    <dgm:txFillClrLst meth="repeat">
+      <a:schemeClr val="dk1"/>
+    </dgm:txFillClrLst>
+    <dgm:txEffectClrLst/>
+  </dgm:styleLbl>
+  <dgm:styleLbl name="fgAcc4">
+    <dgm:fillClrLst meth="repeat">
+      <a:schemeClr val="lt1">
+        <a:alpha val="90000"/>
+      </a:schemeClr>
+    </dgm:fillClrLst>
+    <dgm:linClrLst meth="repeat">
+      <a:schemeClr val="accent1">
+        <a:tint val="50000"/>
+      </a:schemeClr>
+    </dgm:linClrLst>
+    <dgm:effectClrLst/>
+    <dgm:txLinClrLst/>
+    <dgm:txFillClrLst meth="repeat">
+      <a:schemeClr val="dk1"/>
+    </dgm:txFillClrLst>
+    <dgm:txEffectClrLst/>
+  </dgm:styleLbl>
+  <dgm:styleLbl name="bgShp">
+    <dgm:fillClrLst meth="repeat">
+      <a:schemeClr val="accent1">
+        <a:tint val="40000"/>
+      </a:schemeClr>
+    </dgm:fillClrLst>
+    <dgm:linClrLst meth="repeat">
+      <a:schemeClr val="dk1"/>
+    </dgm:linClrLst>
+    <dgm:effectClrLst/>
+    <dgm:txLinClrLst/>
+    <dgm:txFillClrLst meth="repeat">
+      <a:schemeClr val="dk1"/>
+    </dgm:txFillClrLst>
+    <dgm:txEffectClrLst/>
+  </dgm:styleLbl>
+  <dgm:styleLbl name="dkBgShp">
+    <dgm:fillClrLst meth="repeat">
+      <a:schemeClr val="accent1">
+        <a:shade val="90000"/>
+      </a:schemeClr>
+    </dgm:fillClrLst>
+    <dgm:linClrLst meth="repeat">
+      <a:schemeClr val="dk1"/>
+    </dgm:linClrLst>
+    <dgm:effectClrLst/>
+    <dgm:txLinClrLst/>
+    <dgm:txFillClrLst meth="repeat">
+      <a:schemeClr val="lt1"/>
+    </dgm:txFillClrLst>
+    <dgm:txEffectClrLst/>
+  </dgm:styleLbl>
+  <dgm:styleLbl name="trBgShp">
+    <dgm:fillClrLst meth="repeat">
+      <a:schemeClr val="accent1">
+        <a:tint val="50000"/>
+        <a:alpha val="40000"/>
+      </a:schemeClr>
+    </dgm:fillClrLst>
+    <dgm:linClrLst meth="repeat">
+      <a:schemeClr val="accent1"/>
+    </dgm:linClrLst>
+    <dgm:effectClrLst/>
+    <dgm:txLinClrLst/>
+    <dgm:txFillClrLst meth="repeat">
+      <a:schemeClr val="lt1"/>
+    </dgm:txFillClrLst>
+    <dgm:txEffectClrLst/>
+  </dgm:styleLbl>
+  <dgm:styleLbl name="fgShp">
+    <dgm:fillClrLst meth="repeat">
+      <a:schemeClr val="accent1">
+        <a:tint val="40000"/>
       </a:schemeClr>
     </dgm:fillClrLst>
     <dgm:linClrLst meth="repeat">
@@ -1475,18 +2363,18 @@
     <dgm:cxn modelId="{B5BA0DE0-9096-7446-9B40-1D7421755405}" type="presOf" srcId="{7ED0C1EF-8D3E-A54A-BE19-28493B31649C}" destId="{E8CC4E17-2E60-5844-95FF-1DD72B81D9C8}" srcOrd="0" destOrd="1" presId="urn:microsoft.com/office/officeart/2005/8/layout/chevron2"/>
     <dgm:cxn modelId="{00082EF4-66F9-6147-A63F-81514BC405EB}" type="presOf" srcId="{1E049684-8B52-EC4D-A4C1-AA1B8C77B943}" destId="{70A9D81F-3D3D-3E43-AE66-5841E0C2CAD4}" srcOrd="0" destOrd="0" presId="urn:microsoft.com/office/officeart/2005/8/layout/chevron2"/>
     <dgm:cxn modelId="{4E7B632A-4734-7F46-87EF-10CF4103B8E2}" srcId="{BF716DF5-F4D8-B240-A01C-91D480797A2E}" destId="{CB91CD71-AF99-0F4A-9F78-C571C912841A}" srcOrd="2" destOrd="0" parTransId="{3134F868-3943-5246-B87C-6BAEADBE0666}" sibTransId="{728BACAA-4B14-834A-B3CC-076F3A6FB600}"/>
-    <dgm:cxn modelId="{3EFD1AED-950E-ED45-824E-EB17646910CB}" type="presOf" srcId="{93872EDD-901D-D94E-8AE7-B1F35C325BCB}" destId="{00CE9A4E-5DE7-A345-91DE-C32833047C0C}" srcOrd="0" destOrd="1" presId="urn:microsoft.com/office/officeart/2005/8/layout/chevron2"/>
     <dgm:cxn modelId="{F90C53E7-8124-6749-982B-BB4E0C6E46F9}" srcId="{FE4D7E8D-73EF-3844-8668-41569A99B35C}" destId="{BF716DF5-F4D8-B240-A01C-91D480797A2E}" srcOrd="2" destOrd="0" parTransId="{6B5F9AEB-285B-B84F-A4FF-2358BAC4428B}" sibTransId="{435B3A57-4818-BF4B-9F68-C4B9000E2970}"/>
     <dgm:cxn modelId="{EBC515F4-9602-9340-B29E-173CB7B2DAC9}" srcId="{02CE8B67-9CCA-684D-8C27-FB7497D7DC24}" destId="{D772E4E1-9916-234B-BFF6-E397A25147F9}" srcOrd="0" destOrd="0" parTransId="{94D278DF-F446-2341-83D5-FB3926A93274}" sibTransId="{BF81E100-C370-404C-A2D2-37663D455EFE}"/>
+    <dgm:cxn modelId="{3EFD1AED-950E-ED45-824E-EB17646910CB}" type="presOf" srcId="{93872EDD-901D-D94E-8AE7-B1F35C325BCB}" destId="{00CE9A4E-5DE7-A345-91DE-C32833047C0C}" srcOrd="0" destOrd="1" presId="urn:microsoft.com/office/officeart/2005/8/layout/chevron2"/>
     <dgm:cxn modelId="{161C7159-2070-B245-86ED-96F42B47B3CF}" srcId="{BF716DF5-F4D8-B240-A01C-91D480797A2E}" destId="{1E049684-8B52-EC4D-A4C1-AA1B8C77B943}" srcOrd="0" destOrd="0" parTransId="{81AB9722-95F5-2F49-9C53-974FE60D45B3}" sibTransId="{B580AAC1-B2E5-F847-A5BC-4266E841D6F8}"/>
     <dgm:cxn modelId="{D9612A1D-F50F-714F-879E-93E6B531B4D9}" type="presOf" srcId="{D1B1DF01-AAF5-7E4A-9C25-7B96D4DCB84D}" destId="{E8CC4E17-2E60-5844-95FF-1DD72B81D9C8}" srcOrd="0" destOrd="0" presId="urn:microsoft.com/office/officeart/2005/8/layout/chevron2"/>
     <dgm:cxn modelId="{3ECC328D-ECE5-FF49-BF69-8C176E3FE7B0}" srcId="{BF716DF5-F4D8-B240-A01C-91D480797A2E}" destId="{94BE9B0F-A84B-B04C-88AD-BB1C33E9365D}" srcOrd="1" destOrd="0" parTransId="{76DAAC5F-E0D6-794B-BEE6-F087A318993A}" sibTransId="{5FAB6A49-4EA0-724D-B32C-6F7BBAD6088F}"/>
     <dgm:cxn modelId="{D07392E0-6111-BC4C-99FA-E743E2D596C5}" type="presOf" srcId="{494C75E8-9A16-9440-93C9-FF1CF52468A7}" destId="{3F3BEBEB-86B2-B943-8E9C-4CA33B7ED28C}" srcOrd="0" destOrd="0" presId="urn:microsoft.com/office/officeart/2005/8/layout/chevron2"/>
     <dgm:cxn modelId="{CC46F96A-672D-A94D-8091-F0A1D33C415F}" srcId="{BF716DF5-F4D8-B240-A01C-91D480797A2E}" destId="{8ADA4C0C-AF0A-C548-BFA5-3C5D0E348655}" srcOrd="3" destOrd="0" parTransId="{B7C3B1C0-EE4C-2C4F-9AC3-5C3FBDC3220D}" sibTransId="{51F1C134-4875-B841-96ED-3C1D454478B5}"/>
+    <dgm:cxn modelId="{732765FF-C128-EB4B-884D-2991E48ADF1C}" type="presOf" srcId="{02CE8B67-9CCA-684D-8C27-FB7497D7DC24}" destId="{AB9443C4-7362-3645-8652-7EC380465C85}" srcOrd="0" destOrd="0" presId="urn:microsoft.com/office/officeart/2005/8/layout/chevron2"/>
     <dgm:cxn modelId="{55E25101-822C-B649-8ECB-D14020BC0585}" srcId="{494C75E8-9A16-9440-93C9-FF1CF52468A7}" destId="{D1B1DF01-AAF5-7E4A-9C25-7B96D4DCB84D}" srcOrd="0" destOrd="0" parTransId="{4C604580-6C64-914B-B75D-D49311DBAB0B}" sibTransId="{56C60C57-9357-9743-B96B-11F69A8BC2DF}"/>
-    <dgm:cxn modelId="{732765FF-C128-EB4B-884D-2991E48ADF1C}" type="presOf" srcId="{02CE8B67-9CCA-684D-8C27-FB7497D7DC24}" destId="{AB9443C4-7362-3645-8652-7EC380465C85}" srcOrd="0" destOrd="0" presId="urn:microsoft.com/office/officeart/2005/8/layout/chevron2"/>
+    <dgm:cxn modelId="{6E026162-0060-B643-81F4-8E02FF15FB99}" type="presOf" srcId="{FE4D7E8D-73EF-3844-8668-41569A99B35C}" destId="{F5ED7AF6-370A-344A-93B4-AF2C2C68F098}" srcOrd="0" destOrd="0" presId="urn:microsoft.com/office/officeart/2005/8/layout/chevron2"/>
     <dgm:cxn modelId="{D8AE7CE2-1E2E-DC4A-ACE0-DC6BC359A489}" type="presOf" srcId="{CB91CD71-AF99-0F4A-9F78-C571C912841A}" destId="{70A9D81F-3D3D-3E43-AE66-5841E0C2CAD4}" srcOrd="0" destOrd="2" presId="urn:microsoft.com/office/officeart/2005/8/layout/chevron2"/>
-    <dgm:cxn modelId="{6E026162-0060-B643-81F4-8E02FF15FB99}" type="presOf" srcId="{FE4D7E8D-73EF-3844-8668-41569A99B35C}" destId="{F5ED7AF6-370A-344A-93B4-AF2C2C68F098}" srcOrd="0" destOrd="0" presId="urn:microsoft.com/office/officeart/2005/8/layout/chevron2"/>
     <dgm:cxn modelId="{1C47ED8D-D466-B04C-A391-C62B0BE48CC5}" type="presOf" srcId="{BF716DF5-F4D8-B240-A01C-91D480797A2E}" destId="{B9E5B7BE-CDBC-3244-9B4A-B85F6C607489}" srcOrd="0" destOrd="0" presId="urn:microsoft.com/office/officeart/2005/8/layout/chevron2"/>
     <dgm:cxn modelId="{9E706591-BFBD-1C40-BB4E-E9A8E369C241}" type="presOf" srcId="{D772E4E1-9916-234B-BFF6-E397A25147F9}" destId="{00CE9A4E-5DE7-A345-91DE-C32833047C0C}" srcOrd="0" destOrd="0" presId="urn:microsoft.com/office/officeart/2005/8/layout/chevron2"/>
     <dgm:cxn modelId="{9DD85C0B-BEFB-D040-867A-E110942ED6AD}" srcId="{02CE8B67-9CCA-684D-8C27-FB7497D7DC24}" destId="{93872EDD-901D-D94E-8AE7-B1F35C325BCB}" srcOrd="1" destOrd="0" parTransId="{B76D2A1A-7CCF-544F-9C5C-28CEDA513253}" sibTransId="{C79BFB0C-08B0-1F46-8332-1834F36158F2}"/>
@@ -1502,6 +2390,315 @@
     <dgm:cxn modelId="{6E4A865B-E05E-1947-BFA2-D35957EFEA14}" type="presParOf" srcId="{F5ED7AF6-370A-344A-93B4-AF2C2C68F098}" destId="{8332A9BA-F446-B144-AA70-B492F8A4A216}" srcOrd="4" destOrd="0" presId="urn:microsoft.com/office/officeart/2005/8/layout/chevron2"/>
     <dgm:cxn modelId="{03B2C0C8-BFE2-3D42-A7C2-85D549A88745}" type="presParOf" srcId="{8332A9BA-F446-B144-AA70-B492F8A4A216}" destId="{B9E5B7BE-CDBC-3244-9B4A-B85F6C607489}" srcOrd="0" destOrd="0" presId="urn:microsoft.com/office/officeart/2005/8/layout/chevron2"/>
     <dgm:cxn modelId="{5A693555-D6B0-8341-99D1-5AD4DEE320D5}" type="presParOf" srcId="{8332A9BA-F446-B144-AA70-B492F8A4A216}" destId="{70A9D81F-3D3D-3E43-AE66-5841E0C2CAD4}" srcOrd="1" destOrd="0" presId="urn:microsoft.com/office/officeart/2005/8/layout/chevron2"/>
+  </dgm:cxnLst>
+  <dgm:bg/>
+  <dgm:whole/>
+  <dgm:extLst>
+    <a:ext uri="http://schemas.microsoft.com/office/drawing/2008/diagram">
+      <dsp:dataModelExt xmlns:dsp="http://schemas.microsoft.com/office/drawing/2008/diagram" relId="rId6" minVer="http://schemas.openxmlformats.org/drawingml/2006/diagram"/>
+    </a:ext>
+  </dgm:extLst>
+</dgm:dataModel>
+</file>
+
+<file path=ppt/diagrams/data2.xml><?xml version="1.0" encoding="utf-8"?>
+<dgm:dataModel xmlns:dgm="http://schemas.openxmlformats.org/drawingml/2006/diagram" xmlns:a="http://schemas.openxmlformats.org/drawingml/2006/main">
+  <dgm:ptLst>
+    <dgm:pt modelId="{A47AB59B-2A6B-FF4C-9F65-36DBB52B8E9C}" type="doc">
+      <dgm:prSet loTypeId="urn:microsoft.com/office/officeart/2005/8/layout/venn1" loCatId="" qsTypeId="urn:microsoft.com/office/officeart/2005/8/quickstyle/simple4" qsCatId="simple" csTypeId="urn:microsoft.com/office/officeart/2005/8/colors/accent1_5" csCatId="accent1" phldr="1"/>
+      <dgm:spPr/>
+    </dgm:pt>
+    <dgm:pt modelId="{7846C04D-0B11-E040-A533-E7CB48A08ED1}">
+      <dgm:prSet phldrT="[Text]" custT="1"/>
+      <dgm:spPr/>
+      <dgm:t>
+        <a:bodyPr/>
+        <a:lstStyle/>
+        <a:p>
+          <a:r>
+            <a:rPr lang="en-US" sz="2000" dirty="0" smtClean="0"/>
+            <a:t>Naive</a:t>
+          </a:r>
+        </a:p>
+        <a:p>
+          <a:r>
+            <a:rPr lang="en-US" sz="1200" dirty="0" smtClean="0"/>
+            <a:t>[</a:t>
+          </a:r>
+          <a:r>
+            <a:rPr lang="en-US" sz="1000" dirty="0" smtClean="0"/>
+            <a:t>No Model Structure,</a:t>
+          </a:r>
+          <a:r>
+            <a:rPr lang="en-US" sz="1000" baseline="0" dirty="0" smtClean="0"/>
+            <a:t> </a:t>
+          </a:r>
+          <a:r>
+            <a:rPr lang="en-US" sz="1000" dirty="0" smtClean="0"/>
+            <a:t>No Parameters]</a:t>
+          </a:r>
+        </a:p>
+        <a:p>
+          <a:r>
+            <a:rPr lang="en-US" sz="1000" dirty="0" smtClean="0"/>
+            <a:t>Ex. - Historical</a:t>
+          </a:r>
+          <a:r>
+            <a:rPr lang="en-US" sz="1000" baseline="0" dirty="0" smtClean="0"/>
+            <a:t> averages, Naive forecast</a:t>
+          </a:r>
+          <a:endParaRPr lang="en-US" sz="1000" dirty="0"/>
+        </a:p>
+      </dgm:t>
+    </dgm:pt>
+    <dgm:pt modelId="{5C703F7E-D3F8-474F-BE0B-CBE507727B8A}" type="parTrans" cxnId="{D2A03665-FC33-7544-8F98-709F61F92050}">
+      <dgm:prSet/>
+      <dgm:spPr/>
+      <dgm:t>
+        <a:bodyPr/>
+        <a:lstStyle/>
+        <a:p>
+          <a:endParaRPr lang="en-US"/>
+        </a:p>
+      </dgm:t>
+    </dgm:pt>
+    <dgm:pt modelId="{58D0A8ED-1568-5C42-9AD1-20A016A3820C}" type="sibTrans" cxnId="{D2A03665-FC33-7544-8F98-709F61F92050}">
+      <dgm:prSet/>
+      <dgm:spPr/>
+      <dgm:t>
+        <a:bodyPr/>
+        <a:lstStyle/>
+        <a:p>
+          <a:endParaRPr lang="en-US"/>
+        </a:p>
+      </dgm:t>
+    </dgm:pt>
+    <dgm:pt modelId="{6199E2EC-7DDC-2942-A069-D568D6C2B018}">
+      <dgm:prSet phldrT="[Text]" custT="1"/>
+      <dgm:spPr/>
+      <dgm:t>
+        <a:bodyPr/>
+        <a:lstStyle/>
+        <a:p>
+          <a:r>
+            <a:rPr lang="en-US" sz="2000" dirty="0" smtClean="0"/>
+            <a:t> Parametric</a:t>
+          </a:r>
+        </a:p>
+        <a:p>
+          <a:r>
+            <a:rPr lang="en-US" sz="1000" dirty="0" smtClean="0"/>
+            <a:t>[Predetermined</a:t>
+          </a:r>
+          <a:r>
+            <a:rPr lang="en-US" sz="1000" baseline="0" dirty="0" smtClean="0"/>
+            <a:t> structure, Parameters from data]</a:t>
+          </a:r>
+        </a:p>
+        <a:p>
+          <a:r>
+            <a:rPr lang="en-US" sz="1000" baseline="0" dirty="0" smtClean="0"/>
+            <a:t>Ex.- ARIMA, Linear &amp; Non-linear Regression</a:t>
+          </a:r>
+          <a:endParaRPr lang="en-US" sz="1000" dirty="0"/>
+        </a:p>
+      </dgm:t>
+    </dgm:pt>
+    <dgm:pt modelId="{D249B680-5E65-8E4E-94D8-63FD07B1BA89}" type="parTrans" cxnId="{195EC035-97A3-DB44-A12E-F84D3ECA0F02}">
+      <dgm:prSet/>
+      <dgm:spPr/>
+      <dgm:t>
+        <a:bodyPr/>
+        <a:lstStyle/>
+        <a:p>
+          <a:endParaRPr lang="en-US"/>
+        </a:p>
+      </dgm:t>
+    </dgm:pt>
+    <dgm:pt modelId="{CF745CBE-3640-9E4E-8D00-B5E5FCA201F9}" type="sibTrans" cxnId="{195EC035-97A3-DB44-A12E-F84D3ECA0F02}">
+      <dgm:prSet/>
+      <dgm:spPr/>
+      <dgm:t>
+        <a:bodyPr/>
+        <a:lstStyle/>
+        <a:p>
+          <a:endParaRPr lang="en-US"/>
+        </a:p>
+      </dgm:t>
+    </dgm:pt>
+    <dgm:pt modelId="{208487A5-BA59-8742-8F0A-077B52D3CFC2}">
+      <dgm:prSet phldrT="[Text]" custT="1"/>
+      <dgm:spPr/>
+      <dgm:t>
+        <a:bodyPr/>
+        <a:lstStyle/>
+        <a:p>
+          <a:r>
+            <a:rPr lang="en-US" sz="2000" dirty="0" smtClean="0"/>
+            <a:t>Non-Parametric</a:t>
+          </a:r>
+        </a:p>
+        <a:p>
+          <a:r>
+            <a:rPr lang="en-US" sz="1000" dirty="0" smtClean="0"/>
+            <a:t>[Structure and</a:t>
+          </a:r>
+          <a:r>
+            <a:rPr lang="en-US" sz="1000" baseline="0" dirty="0" smtClean="0"/>
+            <a:t> parameters from data]</a:t>
+          </a:r>
+        </a:p>
+        <a:p>
+          <a:r>
+            <a:rPr lang="en-US" sz="1000" baseline="0" dirty="0" smtClean="0"/>
+            <a:t>Ex. - Neural Networks, K-  Nearest </a:t>
+          </a:r>
+          <a:r>
+            <a:rPr lang="en-AU" sz="1000" baseline="0" noProof="0" dirty="0" smtClean="0"/>
+            <a:t>Neighbour</a:t>
+          </a:r>
+          <a:r>
+            <a:rPr lang="en-US" sz="1000" baseline="0" dirty="0" smtClean="0"/>
+            <a:t> </a:t>
+          </a:r>
+          <a:endParaRPr lang="en-US" sz="1000" dirty="0"/>
+        </a:p>
+      </dgm:t>
+    </dgm:pt>
+    <dgm:pt modelId="{62C73803-EA91-584C-914A-7DEE4913B21E}" type="parTrans" cxnId="{59BA3778-D2C6-D349-8B9B-BC423FC97EB8}">
+      <dgm:prSet/>
+      <dgm:spPr/>
+      <dgm:t>
+        <a:bodyPr/>
+        <a:lstStyle/>
+        <a:p>
+          <a:endParaRPr lang="en-US"/>
+        </a:p>
+      </dgm:t>
+    </dgm:pt>
+    <dgm:pt modelId="{CBE291FC-D482-7046-AB24-E8C66DB6E4E5}" type="sibTrans" cxnId="{59BA3778-D2C6-D349-8B9B-BC423FC97EB8}">
+      <dgm:prSet/>
+      <dgm:spPr/>
+      <dgm:t>
+        <a:bodyPr/>
+        <a:lstStyle/>
+        <a:p>
+          <a:endParaRPr lang="en-US"/>
+        </a:p>
+      </dgm:t>
+    </dgm:pt>
+    <dgm:pt modelId="{2E1CCC51-B407-274F-87D5-263C3E949434}" type="pres">
+      <dgm:prSet presAssocID="{A47AB59B-2A6B-FF4C-9F65-36DBB52B8E9C}" presName="compositeShape" presStyleCnt="0">
+        <dgm:presLayoutVars>
+          <dgm:chMax val="7"/>
+          <dgm:dir/>
+          <dgm:resizeHandles val="exact"/>
+        </dgm:presLayoutVars>
+      </dgm:prSet>
+      <dgm:spPr/>
+    </dgm:pt>
+    <dgm:pt modelId="{4FBCADA7-6052-2A48-8231-7E19C294BA61}" type="pres">
+      <dgm:prSet presAssocID="{7846C04D-0B11-E040-A533-E7CB48A08ED1}" presName="circ1" presStyleLbl="vennNode1" presStyleIdx="0" presStyleCnt="3"/>
+      <dgm:spPr/>
+      <dgm:t>
+        <a:bodyPr/>
+        <a:lstStyle/>
+        <a:p>
+          <a:endParaRPr lang="en-US"/>
+        </a:p>
+      </dgm:t>
+    </dgm:pt>
+    <dgm:pt modelId="{8F834796-834D-9F4D-8D25-73C6AC101054}" type="pres">
+      <dgm:prSet presAssocID="{7846C04D-0B11-E040-A533-E7CB48A08ED1}" presName="circ1Tx" presStyleLbl="revTx" presStyleIdx="0" presStyleCnt="0">
+        <dgm:presLayoutVars>
+          <dgm:chMax val="0"/>
+          <dgm:chPref val="0"/>
+          <dgm:bulletEnabled val="1"/>
+        </dgm:presLayoutVars>
+      </dgm:prSet>
+      <dgm:spPr/>
+      <dgm:t>
+        <a:bodyPr/>
+        <a:lstStyle/>
+        <a:p>
+          <a:endParaRPr lang="en-US"/>
+        </a:p>
+      </dgm:t>
+    </dgm:pt>
+    <dgm:pt modelId="{88179BFA-E643-C544-9185-19735E72FB39}" type="pres">
+      <dgm:prSet presAssocID="{6199E2EC-7DDC-2942-A069-D568D6C2B018}" presName="circ2" presStyleLbl="vennNode1" presStyleIdx="1" presStyleCnt="3"/>
+      <dgm:spPr/>
+      <dgm:t>
+        <a:bodyPr/>
+        <a:lstStyle/>
+        <a:p>
+          <a:endParaRPr lang="en-US"/>
+        </a:p>
+      </dgm:t>
+    </dgm:pt>
+    <dgm:pt modelId="{D909E11F-39E7-1C40-B301-8E26F59B0D02}" type="pres">
+      <dgm:prSet presAssocID="{6199E2EC-7DDC-2942-A069-D568D6C2B018}" presName="circ2Tx" presStyleLbl="revTx" presStyleIdx="0" presStyleCnt="0">
+        <dgm:presLayoutVars>
+          <dgm:chMax val="0"/>
+          <dgm:chPref val="0"/>
+          <dgm:bulletEnabled val="1"/>
+        </dgm:presLayoutVars>
+      </dgm:prSet>
+      <dgm:spPr/>
+      <dgm:t>
+        <a:bodyPr/>
+        <a:lstStyle/>
+        <a:p>
+          <a:endParaRPr lang="en-US"/>
+        </a:p>
+      </dgm:t>
+    </dgm:pt>
+    <dgm:pt modelId="{5DC82B30-A559-7641-82D6-167445DFC131}" type="pres">
+      <dgm:prSet presAssocID="{208487A5-BA59-8742-8F0A-077B52D3CFC2}" presName="circ3" presStyleLbl="vennNode1" presStyleIdx="2" presStyleCnt="3"/>
+      <dgm:spPr/>
+      <dgm:t>
+        <a:bodyPr/>
+        <a:lstStyle/>
+        <a:p>
+          <a:endParaRPr lang="en-US"/>
+        </a:p>
+      </dgm:t>
+    </dgm:pt>
+    <dgm:pt modelId="{F7420C4B-4647-E645-8FD0-FA4E110FCC67}" type="pres">
+      <dgm:prSet presAssocID="{208487A5-BA59-8742-8F0A-077B52D3CFC2}" presName="circ3Tx" presStyleLbl="revTx" presStyleIdx="0" presStyleCnt="0">
+        <dgm:presLayoutVars>
+          <dgm:chMax val="0"/>
+          <dgm:chPref val="0"/>
+          <dgm:bulletEnabled val="1"/>
+        </dgm:presLayoutVars>
+      </dgm:prSet>
+      <dgm:spPr/>
+      <dgm:t>
+        <a:bodyPr/>
+        <a:lstStyle/>
+        <a:p>
+          <a:endParaRPr lang="en-US"/>
+        </a:p>
+      </dgm:t>
+    </dgm:pt>
+  </dgm:ptLst>
+  <dgm:cxnLst>
+    <dgm:cxn modelId="{8ED2278A-BA5D-C847-99EB-5AEA1ECE2C43}" type="presOf" srcId="{6199E2EC-7DDC-2942-A069-D568D6C2B018}" destId="{88179BFA-E643-C544-9185-19735E72FB39}" srcOrd="0" destOrd="0" presId="urn:microsoft.com/office/officeart/2005/8/layout/venn1"/>
+    <dgm:cxn modelId="{195EC035-97A3-DB44-A12E-F84D3ECA0F02}" srcId="{A47AB59B-2A6B-FF4C-9F65-36DBB52B8E9C}" destId="{6199E2EC-7DDC-2942-A069-D568D6C2B018}" srcOrd="1" destOrd="0" parTransId="{D249B680-5E65-8E4E-94D8-63FD07B1BA89}" sibTransId="{CF745CBE-3640-9E4E-8D00-B5E5FCA201F9}"/>
+    <dgm:cxn modelId="{5306E850-AA79-0F4D-8D7A-EDB1FE73A7D4}" type="presOf" srcId="{208487A5-BA59-8742-8F0A-077B52D3CFC2}" destId="{5DC82B30-A559-7641-82D6-167445DFC131}" srcOrd="0" destOrd="0" presId="urn:microsoft.com/office/officeart/2005/8/layout/venn1"/>
+    <dgm:cxn modelId="{59BA3778-D2C6-D349-8B9B-BC423FC97EB8}" srcId="{A47AB59B-2A6B-FF4C-9F65-36DBB52B8E9C}" destId="{208487A5-BA59-8742-8F0A-077B52D3CFC2}" srcOrd="2" destOrd="0" parTransId="{62C73803-EA91-584C-914A-7DEE4913B21E}" sibTransId="{CBE291FC-D482-7046-AB24-E8C66DB6E4E5}"/>
+    <dgm:cxn modelId="{44A0236C-4B43-6F4C-BCBB-8A6A4441FED5}" type="presOf" srcId="{6199E2EC-7DDC-2942-A069-D568D6C2B018}" destId="{D909E11F-39E7-1C40-B301-8E26F59B0D02}" srcOrd="1" destOrd="0" presId="urn:microsoft.com/office/officeart/2005/8/layout/venn1"/>
+    <dgm:cxn modelId="{A4072431-10BC-2E4F-8DF1-30880E6D0A0E}" type="presOf" srcId="{208487A5-BA59-8742-8F0A-077B52D3CFC2}" destId="{F7420C4B-4647-E645-8FD0-FA4E110FCC67}" srcOrd="1" destOrd="0" presId="urn:microsoft.com/office/officeart/2005/8/layout/venn1"/>
+    <dgm:cxn modelId="{AF33DE25-0B84-AB49-999E-E8F338844EF0}" type="presOf" srcId="{7846C04D-0B11-E040-A533-E7CB48A08ED1}" destId="{4FBCADA7-6052-2A48-8231-7E19C294BA61}" srcOrd="0" destOrd="0" presId="urn:microsoft.com/office/officeart/2005/8/layout/venn1"/>
+    <dgm:cxn modelId="{E4197490-882C-AB42-81AE-82051A91E693}" type="presOf" srcId="{A47AB59B-2A6B-FF4C-9F65-36DBB52B8E9C}" destId="{2E1CCC51-B407-274F-87D5-263C3E949434}" srcOrd="0" destOrd="0" presId="urn:microsoft.com/office/officeart/2005/8/layout/venn1"/>
+    <dgm:cxn modelId="{D2A03665-FC33-7544-8F98-709F61F92050}" srcId="{A47AB59B-2A6B-FF4C-9F65-36DBB52B8E9C}" destId="{7846C04D-0B11-E040-A533-E7CB48A08ED1}" srcOrd="0" destOrd="0" parTransId="{5C703F7E-D3F8-474F-BE0B-CBE507727B8A}" sibTransId="{58D0A8ED-1568-5C42-9AD1-20A016A3820C}"/>
+    <dgm:cxn modelId="{90A42EB3-BF86-E64D-BDF7-0FF0F0E1EEBF}" type="presOf" srcId="{7846C04D-0B11-E040-A533-E7CB48A08ED1}" destId="{8F834796-834D-9F4D-8D25-73C6AC101054}" srcOrd="1" destOrd="0" presId="urn:microsoft.com/office/officeart/2005/8/layout/venn1"/>
+    <dgm:cxn modelId="{C8162920-75F8-C841-AA71-C8FFFC9D378B}" type="presParOf" srcId="{2E1CCC51-B407-274F-87D5-263C3E949434}" destId="{4FBCADA7-6052-2A48-8231-7E19C294BA61}" srcOrd="0" destOrd="0" presId="urn:microsoft.com/office/officeart/2005/8/layout/venn1"/>
+    <dgm:cxn modelId="{E24CF786-2EC8-B840-BA7D-5506FE380F9E}" type="presParOf" srcId="{2E1CCC51-B407-274F-87D5-263C3E949434}" destId="{8F834796-834D-9F4D-8D25-73C6AC101054}" srcOrd="1" destOrd="0" presId="urn:microsoft.com/office/officeart/2005/8/layout/venn1"/>
+    <dgm:cxn modelId="{6FE25220-6033-D645-863F-4DADAA78B3AE}" type="presParOf" srcId="{2E1CCC51-B407-274F-87D5-263C3E949434}" destId="{88179BFA-E643-C544-9185-19735E72FB39}" srcOrd="2" destOrd="0" presId="urn:microsoft.com/office/officeart/2005/8/layout/venn1"/>
+    <dgm:cxn modelId="{09D5ED27-3985-F94C-BE6C-DA101DC76D03}" type="presParOf" srcId="{2E1CCC51-B407-274F-87D5-263C3E949434}" destId="{D909E11F-39E7-1C40-B301-8E26F59B0D02}" srcOrd="3" destOrd="0" presId="urn:microsoft.com/office/officeart/2005/8/layout/venn1"/>
+    <dgm:cxn modelId="{F213840B-6713-F244-96CF-5AC073E9E550}" type="presParOf" srcId="{2E1CCC51-B407-274F-87D5-263C3E949434}" destId="{5DC82B30-A559-7641-82D6-167445DFC131}" srcOrd="4" destOrd="0" presId="urn:microsoft.com/office/officeart/2005/8/layout/venn1"/>
+    <dgm:cxn modelId="{5B810AE4-FEF2-C14E-B580-1E69D4CB0D8A}" type="presParOf" srcId="{2E1CCC51-B407-274F-87D5-263C3E949434}" destId="{F7420C4B-4647-E645-8FD0-FA4E110FCC67}" srcOrd="5" destOrd="0" presId="urn:microsoft.com/office/officeart/2005/8/layout/venn1"/>
   </dgm:cxnLst>
   <dgm:bg/>
   <dgm:whole/>
@@ -2202,6 +3399,467 @@
 </dsp:drawing>
 </file>
 
+<file path=ppt/diagrams/drawing2.xml><?xml version="1.0" encoding="utf-8"?>
+<dsp:drawing xmlns:dgm="http://schemas.openxmlformats.org/drawingml/2006/diagram" xmlns:dsp="http://schemas.microsoft.com/office/drawing/2008/diagram" xmlns:a="http://schemas.openxmlformats.org/drawingml/2006/main">
+  <dsp:spTree>
+    <dsp:nvGrpSpPr>
+      <dsp:cNvPr id="0" name=""/>
+      <dsp:cNvGrpSpPr/>
+    </dsp:nvGrpSpPr>
+    <dsp:grpSpPr/>
+    <dsp:sp modelId="{4FBCADA7-6052-2A48-8231-7E19C294BA61}">
+      <dsp:nvSpPr>
+        <dsp:cNvPr id="0" name=""/>
+        <dsp:cNvSpPr/>
+      </dsp:nvSpPr>
+      <dsp:spPr>
+        <a:xfrm>
+          <a:off x="739099" y="98258"/>
+          <a:ext cx="2032932" cy="2032932"/>
+        </a:xfrm>
+        <a:prstGeom prst="ellipse">
+          <a:avLst/>
+        </a:prstGeom>
+        <a:gradFill rotWithShape="0">
+          <a:gsLst>
+            <a:gs pos="0">
+              <a:schemeClr val="accent1">
+                <a:shade val="80000"/>
+                <a:alpha val="50000"/>
+                <a:hueOff val="0"/>
+                <a:satOff val="0"/>
+                <a:lumOff val="0"/>
+                <a:alphaOff val="0"/>
+                <a:satMod val="103000"/>
+                <a:lumMod val="102000"/>
+                <a:tint val="94000"/>
+              </a:schemeClr>
+            </a:gs>
+            <a:gs pos="50000">
+              <a:schemeClr val="accent1">
+                <a:shade val="80000"/>
+                <a:alpha val="50000"/>
+                <a:hueOff val="0"/>
+                <a:satOff val="0"/>
+                <a:lumOff val="0"/>
+                <a:alphaOff val="0"/>
+                <a:satMod val="110000"/>
+                <a:lumMod val="100000"/>
+                <a:shade val="100000"/>
+              </a:schemeClr>
+            </a:gs>
+            <a:gs pos="100000">
+              <a:schemeClr val="accent1">
+                <a:shade val="80000"/>
+                <a:alpha val="50000"/>
+                <a:hueOff val="0"/>
+                <a:satOff val="0"/>
+                <a:lumOff val="0"/>
+                <a:alphaOff val="0"/>
+                <a:lumMod val="99000"/>
+                <a:satMod val="120000"/>
+                <a:shade val="78000"/>
+              </a:schemeClr>
+            </a:gs>
+          </a:gsLst>
+          <a:lin ang="5400000" scaled="0"/>
+        </a:gradFill>
+        <a:ln>
+          <a:noFill/>
+        </a:ln>
+        <a:effectLst/>
+      </dsp:spPr>
+      <dsp:style>
+        <a:lnRef idx="0">
+          <a:scrgbClr r="0" g="0" b="0"/>
+        </a:lnRef>
+        <a:fillRef idx="3">
+          <a:scrgbClr r="0" g="0" b="0"/>
+        </a:fillRef>
+        <a:effectRef idx="0">
+          <a:scrgbClr r="0" g="0" b="0"/>
+        </a:effectRef>
+        <a:fontRef idx="minor">
+          <a:schemeClr val="tx1"/>
+        </a:fontRef>
+      </dsp:style>
+      <dsp:txBody>
+        <a:bodyPr spcFirstLastPara="0" vert="horz" wrap="square" lIns="0" tIns="0" rIns="0" bIns="0" numCol="1" spcCol="1270" anchor="ctr" anchorCtr="0">
+          <a:noAutofit/>
+        </a:bodyPr>
+        <a:lstStyle/>
+        <a:p>
+          <a:pPr lvl="0" algn="ctr" defTabSz="889000">
+            <a:lnSpc>
+              <a:spcPct val="90000"/>
+            </a:lnSpc>
+            <a:spcBef>
+              <a:spcPct val="0"/>
+            </a:spcBef>
+            <a:spcAft>
+              <a:spcPct val="35000"/>
+            </a:spcAft>
+          </a:pPr>
+          <a:r>
+            <a:rPr lang="en-US" sz="2000" kern="1200" dirty="0" smtClean="0"/>
+            <a:t>Naive</a:t>
+          </a:r>
+        </a:p>
+        <a:p>
+          <a:pPr lvl="0" algn="ctr" defTabSz="889000">
+            <a:lnSpc>
+              <a:spcPct val="90000"/>
+            </a:lnSpc>
+            <a:spcBef>
+              <a:spcPct val="0"/>
+            </a:spcBef>
+            <a:spcAft>
+              <a:spcPct val="35000"/>
+            </a:spcAft>
+          </a:pPr>
+          <a:r>
+            <a:rPr lang="en-US" sz="1200" kern="1200" dirty="0" smtClean="0"/>
+            <a:t>[</a:t>
+          </a:r>
+          <a:r>
+            <a:rPr lang="en-US" sz="1000" kern="1200" dirty="0" smtClean="0"/>
+            <a:t>No Model Structure,</a:t>
+          </a:r>
+          <a:r>
+            <a:rPr lang="en-US" sz="1000" kern="1200" baseline="0" dirty="0" smtClean="0"/>
+            <a:t> </a:t>
+          </a:r>
+          <a:r>
+            <a:rPr lang="en-US" sz="1000" kern="1200" dirty="0" smtClean="0"/>
+            <a:t>No Parameters]</a:t>
+          </a:r>
+        </a:p>
+        <a:p>
+          <a:pPr lvl="0" algn="ctr" defTabSz="889000">
+            <a:lnSpc>
+              <a:spcPct val="90000"/>
+            </a:lnSpc>
+            <a:spcBef>
+              <a:spcPct val="0"/>
+            </a:spcBef>
+            <a:spcAft>
+              <a:spcPct val="35000"/>
+            </a:spcAft>
+          </a:pPr>
+          <a:r>
+            <a:rPr lang="en-US" sz="1000" kern="1200" dirty="0" smtClean="0"/>
+            <a:t>Ex. - Historical</a:t>
+          </a:r>
+          <a:r>
+            <a:rPr lang="en-US" sz="1000" kern="1200" baseline="0" dirty="0" smtClean="0"/>
+            <a:t> averages, Naive forecast</a:t>
+          </a:r>
+          <a:endParaRPr lang="en-US" sz="1000" kern="1200" dirty="0"/>
+        </a:p>
+      </dsp:txBody>
+      <dsp:txXfrm>
+        <a:off x="1010156" y="454021"/>
+        <a:ext cx="1490817" cy="914819"/>
+      </dsp:txXfrm>
+    </dsp:sp>
+    <dsp:sp modelId="{88179BFA-E643-C544-9185-19735E72FB39}">
+      <dsp:nvSpPr>
+        <dsp:cNvPr id="0" name=""/>
+        <dsp:cNvSpPr/>
+      </dsp:nvSpPr>
+      <dsp:spPr>
+        <a:xfrm>
+          <a:off x="1472649" y="1368841"/>
+          <a:ext cx="2032932" cy="2032932"/>
+        </a:xfrm>
+        <a:prstGeom prst="ellipse">
+          <a:avLst/>
+        </a:prstGeom>
+        <a:gradFill rotWithShape="0">
+          <a:gsLst>
+            <a:gs pos="0">
+              <a:schemeClr val="accent1">
+                <a:shade val="80000"/>
+                <a:alpha val="50000"/>
+                <a:hueOff val="-28"/>
+                <a:satOff val="6008"/>
+                <a:lumOff val="2890"/>
+                <a:alphaOff val="15000"/>
+                <a:satMod val="103000"/>
+                <a:lumMod val="102000"/>
+                <a:tint val="94000"/>
+              </a:schemeClr>
+            </a:gs>
+            <a:gs pos="50000">
+              <a:schemeClr val="accent1">
+                <a:shade val="80000"/>
+                <a:alpha val="50000"/>
+                <a:hueOff val="-28"/>
+                <a:satOff val="6008"/>
+                <a:lumOff val="2890"/>
+                <a:alphaOff val="15000"/>
+                <a:satMod val="110000"/>
+                <a:lumMod val="100000"/>
+                <a:shade val="100000"/>
+              </a:schemeClr>
+            </a:gs>
+            <a:gs pos="100000">
+              <a:schemeClr val="accent1">
+                <a:shade val="80000"/>
+                <a:alpha val="50000"/>
+                <a:hueOff val="-28"/>
+                <a:satOff val="6008"/>
+                <a:lumOff val="2890"/>
+                <a:alphaOff val="15000"/>
+                <a:lumMod val="99000"/>
+                <a:satMod val="120000"/>
+                <a:shade val="78000"/>
+              </a:schemeClr>
+            </a:gs>
+          </a:gsLst>
+          <a:lin ang="5400000" scaled="0"/>
+        </a:gradFill>
+        <a:ln>
+          <a:noFill/>
+        </a:ln>
+        <a:effectLst/>
+      </dsp:spPr>
+      <dsp:style>
+        <a:lnRef idx="0">
+          <a:scrgbClr r="0" g="0" b="0"/>
+        </a:lnRef>
+        <a:fillRef idx="3">
+          <a:scrgbClr r="0" g="0" b="0"/>
+        </a:fillRef>
+        <a:effectRef idx="0">
+          <a:scrgbClr r="0" g="0" b="0"/>
+        </a:effectRef>
+        <a:fontRef idx="minor">
+          <a:schemeClr val="tx1"/>
+        </a:fontRef>
+      </dsp:style>
+      <dsp:txBody>
+        <a:bodyPr spcFirstLastPara="0" vert="horz" wrap="square" lIns="0" tIns="0" rIns="0" bIns="0" numCol="1" spcCol="1270" anchor="ctr" anchorCtr="0">
+          <a:noAutofit/>
+        </a:bodyPr>
+        <a:lstStyle/>
+        <a:p>
+          <a:pPr lvl="0" algn="ctr" defTabSz="889000">
+            <a:lnSpc>
+              <a:spcPct val="90000"/>
+            </a:lnSpc>
+            <a:spcBef>
+              <a:spcPct val="0"/>
+            </a:spcBef>
+            <a:spcAft>
+              <a:spcPct val="35000"/>
+            </a:spcAft>
+          </a:pPr>
+          <a:r>
+            <a:rPr lang="en-US" sz="2000" kern="1200" dirty="0" smtClean="0"/>
+            <a:t> Parametric</a:t>
+          </a:r>
+        </a:p>
+        <a:p>
+          <a:pPr lvl="0" algn="ctr" defTabSz="889000">
+            <a:lnSpc>
+              <a:spcPct val="90000"/>
+            </a:lnSpc>
+            <a:spcBef>
+              <a:spcPct val="0"/>
+            </a:spcBef>
+            <a:spcAft>
+              <a:spcPct val="35000"/>
+            </a:spcAft>
+          </a:pPr>
+          <a:r>
+            <a:rPr lang="en-US" sz="1000" kern="1200" dirty="0" smtClean="0"/>
+            <a:t>[Predetermined</a:t>
+          </a:r>
+          <a:r>
+            <a:rPr lang="en-US" sz="1000" kern="1200" baseline="0" dirty="0" smtClean="0"/>
+            <a:t> structure, Parameters from data]</a:t>
+          </a:r>
+        </a:p>
+        <a:p>
+          <a:pPr lvl="0" algn="ctr" defTabSz="889000">
+            <a:lnSpc>
+              <a:spcPct val="90000"/>
+            </a:lnSpc>
+            <a:spcBef>
+              <a:spcPct val="0"/>
+            </a:spcBef>
+            <a:spcAft>
+              <a:spcPct val="35000"/>
+            </a:spcAft>
+          </a:pPr>
+          <a:r>
+            <a:rPr lang="en-US" sz="1000" kern="1200" baseline="0" dirty="0" smtClean="0"/>
+            <a:t>Ex.- ARIMA, Linear &amp; Non-linear Regression</a:t>
+          </a:r>
+          <a:endParaRPr lang="en-US" sz="1000" kern="1200" dirty="0"/>
+        </a:p>
+      </dsp:txBody>
+      <dsp:txXfrm>
+        <a:off x="2094387" y="1894015"/>
+        <a:ext cx="1219759" cy="1118112"/>
+      </dsp:txXfrm>
+    </dsp:sp>
+    <dsp:sp modelId="{5DC82B30-A559-7641-82D6-167445DFC131}">
+      <dsp:nvSpPr>
+        <dsp:cNvPr id="0" name=""/>
+        <dsp:cNvSpPr/>
+      </dsp:nvSpPr>
+      <dsp:spPr>
+        <a:xfrm>
+          <a:off x="5549" y="1368841"/>
+          <a:ext cx="2032932" cy="2032932"/>
+        </a:xfrm>
+        <a:prstGeom prst="ellipse">
+          <a:avLst/>
+        </a:prstGeom>
+        <a:gradFill rotWithShape="0">
+          <a:gsLst>
+            <a:gs pos="0">
+              <a:schemeClr val="accent1">
+                <a:shade val="80000"/>
+                <a:alpha val="50000"/>
+                <a:hueOff val="-57"/>
+                <a:satOff val="12015"/>
+                <a:lumOff val="5780"/>
+                <a:alphaOff val="30000"/>
+                <a:satMod val="103000"/>
+                <a:lumMod val="102000"/>
+                <a:tint val="94000"/>
+              </a:schemeClr>
+            </a:gs>
+            <a:gs pos="50000">
+              <a:schemeClr val="accent1">
+                <a:shade val="80000"/>
+                <a:alpha val="50000"/>
+                <a:hueOff val="-57"/>
+                <a:satOff val="12015"/>
+                <a:lumOff val="5780"/>
+                <a:alphaOff val="30000"/>
+                <a:satMod val="110000"/>
+                <a:lumMod val="100000"/>
+                <a:shade val="100000"/>
+              </a:schemeClr>
+            </a:gs>
+            <a:gs pos="100000">
+              <a:schemeClr val="accent1">
+                <a:shade val="80000"/>
+                <a:alpha val="50000"/>
+                <a:hueOff val="-57"/>
+                <a:satOff val="12015"/>
+                <a:lumOff val="5780"/>
+                <a:alphaOff val="30000"/>
+                <a:lumMod val="99000"/>
+                <a:satMod val="120000"/>
+                <a:shade val="78000"/>
+              </a:schemeClr>
+            </a:gs>
+          </a:gsLst>
+          <a:lin ang="5400000" scaled="0"/>
+        </a:gradFill>
+        <a:ln>
+          <a:noFill/>
+        </a:ln>
+        <a:effectLst/>
+      </dsp:spPr>
+      <dsp:style>
+        <a:lnRef idx="0">
+          <a:scrgbClr r="0" g="0" b="0"/>
+        </a:lnRef>
+        <a:fillRef idx="3">
+          <a:scrgbClr r="0" g="0" b="0"/>
+        </a:fillRef>
+        <a:effectRef idx="0">
+          <a:scrgbClr r="0" g="0" b="0"/>
+        </a:effectRef>
+        <a:fontRef idx="minor">
+          <a:schemeClr val="tx1"/>
+        </a:fontRef>
+      </dsp:style>
+      <dsp:txBody>
+        <a:bodyPr spcFirstLastPara="0" vert="horz" wrap="square" lIns="0" tIns="0" rIns="0" bIns="0" numCol="1" spcCol="1270" anchor="ctr" anchorCtr="0">
+          <a:noAutofit/>
+        </a:bodyPr>
+        <a:lstStyle/>
+        <a:p>
+          <a:pPr lvl="0" algn="ctr" defTabSz="889000">
+            <a:lnSpc>
+              <a:spcPct val="90000"/>
+            </a:lnSpc>
+            <a:spcBef>
+              <a:spcPct val="0"/>
+            </a:spcBef>
+            <a:spcAft>
+              <a:spcPct val="35000"/>
+            </a:spcAft>
+          </a:pPr>
+          <a:r>
+            <a:rPr lang="en-US" sz="2000" kern="1200" dirty="0" smtClean="0"/>
+            <a:t>Non-Parametric</a:t>
+          </a:r>
+        </a:p>
+        <a:p>
+          <a:pPr lvl="0" algn="ctr" defTabSz="889000">
+            <a:lnSpc>
+              <a:spcPct val="90000"/>
+            </a:lnSpc>
+            <a:spcBef>
+              <a:spcPct val="0"/>
+            </a:spcBef>
+            <a:spcAft>
+              <a:spcPct val="35000"/>
+            </a:spcAft>
+          </a:pPr>
+          <a:r>
+            <a:rPr lang="en-US" sz="1000" kern="1200" dirty="0" smtClean="0"/>
+            <a:t>[Structure and</a:t>
+          </a:r>
+          <a:r>
+            <a:rPr lang="en-US" sz="1000" kern="1200" baseline="0" dirty="0" smtClean="0"/>
+            <a:t> parameters from data]</a:t>
+          </a:r>
+        </a:p>
+        <a:p>
+          <a:pPr lvl="0" algn="ctr" defTabSz="889000">
+            <a:lnSpc>
+              <a:spcPct val="90000"/>
+            </a:lnSpc>
+            <a:spcBef>
+              <a:spcPct val="0"/>
+            </a:spcBef>
+            <a:spcAft>
+              <a:spcPct val="35000"/>
+            </a:spcAft>
+          </a:pPr>
+          <a:r>
+            <a:rPr lang="en-US" sz="1000" kern="1200" baseline="0" dirty="0" smtClean="0"/>
+            <a:t>Ex. - Neural Networks, K-  Nearest </a:t>
+          </a:r>
+          <a:r>
+            <a:rPr lang="en-AU" sz="1000" kern="1200" baseline="0" noProof="0" dirty="0" smtClean="0"/>
+            <a:t>Neighbour</a:t>
+          </a:r>
+          <a:r>
+            <a:rPr lang="en-US" sz="1000" kern="1200" baseline="0" dirty="0" smtClean="0"/>
+            <a:t> </a:t>
+          </a:r>
+          <a:endParaRPr lang="en-US" sz="1000" kern="1200" dirty="0"/>
+        </a:p>
+      </dsp:txBody>
+      <dsp:txXfrm>
+        <a:off x="196983" y="1894015"/>
+        <a:ext cx="1219759" cy="1118112"/>
+      </dsp:txXfrm>
+    </dsp:sp>
+  </dsp:spTree>
+</dsp:drawing>
+</file>
+
 <file path=ppt/diagrams/layout1.xml><?xml version="1.0" encoding="utf-8"?>
 <dgm:layoutDef xmlns:dgm="http://schemas.openxmlformats.org/drawingml/2006/diagram" xmlns:a="http://schemas.openxmlformats.org/drawingml/2006/main" uniqueId="urn:microsoft.com/office/officeart/2005/8/layout/chevron2">
   <dgm:title val=""/>
@@ -2458,7 +4116,1916 @@
 </dgm:layoutDef>
 </file>
 
+<file path=ppt/diagrams/layout2.xml><?xml version="1.0" encoding="utf-8"?>
+<dgm:layoutDef xmlns:dgm="http://schemas.openxmlformats.org/drawingml/2006/diagram" xmlns:a="http://schemas.openxmlformats.org/drawingml/2006/main" uniqueId="urn:microsoft.com/office/officeart/2005/8/layout/venn1">
+  <dgm:title val=""/>
+  <dgm:desc val=""/>
+  <dgm:catLst>
+    <dgm:cat type="relationship" pri="28000"/>
+    <dgm:cat type="convert" pri="19000"/>
+  </dgm:catLst>
+  <dgm:sampData useDef="1">
+    <dgm:dataModel>
+      <dgm:ptLst/>
+      <dgm:bg/>
+      <dgm:whole/>
+    </dgm:dataModel>
+  </dgm:sampData>
+  <dgm:styleData useDef="1">
+    <dgm:dataModel>
+      <dgm:ptLst/>
+      <dgm:bg/>
+      <dgm:whole/>
+    </dgm:dataModel>
+  </dgm:styleData>
+  <dgm:clrData>
+    <dgm:dataModel>
+      <dgm:ptLst>
+        <dgm:pt modelId="0" type="doc"/>
+        <dgm:pt modelId="1"/>
+        <dgm:pt modelId="2"/>
+        <dgm:pt modelId="3"/>
+        <dgm:pt modelId="4"/>
+      </dgm:ptLst>
+      <dgm:cxnLst>
+        <dgm:cxn modelId="7" srcId="0" destId="1" srcOrd="0" destOrd="0"/>
+        <dgm:cxn modelId="8" srcId="0" destId="2" srcOrd="1" destOrd="0"/>
+        <dgm:cxn modelId="9" srcId="0" destId="3" srcOrd="2" destOrd="0"/>
+        <dgm:cxn modelId="10" srcId="0" destId="4" srcOrd="3" destOrd="0"/>
+      </dgm:cxnLst>
+      <dgm:bg/>
+      <dgm:whole/>
+    </dgm:dataModel>
+  </dgm:clrData>
+  <dgm:layoutNode name="compositeShape">
+    <dgm:varLst>
+      <dgm:chMax val="7"/>
+      <dgm:dir/>
+      <dgm:resizeHandles val="exact"/>
+    </dgm:varLst>
+    <dgm:choose name="Name0">
+      <dgm:if name="Name1" axis="ch" ptType="node" func="cnt" op="equ" val="1">
+        <dgm:alg type="composite">
+          <dgm:param type="ar" val="1"/>
+        </dgm:alg>
+      </dgm:if>
+      <dgm:if name="Name2" axis="ch" ptType="node" func="cnt" op="equ" val="2">
+        <dgm:alg type="composite">
+          <dgm:param type="ar" val="1.792"/>
+        </dgm:alg>
+      </dgm:if>
+      <dgm:if name="Name3" axis="ch" ptType="node" func="cnt" op="equ" val="3">
+        <dgm:alg type="composite">
+          <dgm:param type="ar" val="1"/>
+        </dgm:alg>
+      </dgm:if>
+      <dgm:if name="Name4" axis="ch" ptType="node" func="cnt" op="equ" val="4">
+        <dgm:alg type="composite">
+          <dgm:param type="ar" val="1"/>
+        </dgm:alg>
+      </dgm:if>
+      <dgm:if name="Name5" axis="ch" ptType="node" func="cnt" op="equ" val="5">
+        <dgm:alg type="composite">
+          <dgm:param type="ar" val="1.4"/>
+        </dgm:alg>
+      </dgm:if>
+      <dgm:if name="Name6" axis="ch" ptType="node" func="cnt" op="equ" val="6">
+        <dgm:alg type="composite">
+          <dgm:param type="ar" val="1.285"/>
+        </dgm:alg>
+      </dgm:if>
+      <dgm:if name="Name7" axis="ch" ptType="node" func="cnt" op="equ" val="7">
+        <dgm:alg type="composite">
+          <dgm:param type="ar" val="1.359"/>
+        </dgm:alg>
+      </dgm:if>
+      <dgm:else name="Name8">
+        <dgm:alg type="composite">
+          <dgm:param type="ar" val="1.359"/>
+        </dgm:alg>
+      </dgm:else>
+    </dgm:choose>
+    <dgm:shape xmlns:r="http://schemas.openxmlformats.org/officeDocument/2006/relationships" r:blip="">
+      <dgm:adjLst/>
+    </dgm:shape>
+    <dgm:presOf/>
+    <dgm:choose name="Name9">
+      <dgm:if name="Name10" axis="ch" ptType="node" func="cnt" op="equ" val="1">
+        <dgm:constrLst>
+          <dgm:constr type="ctrX" for="ch" forName="circ1TxSh" refType="w" fact="0.5"/>
+          <dgm:constr type="ctrY" for="ch" forName="circ1TxSh" refType="h" fact="0.5"/>
+          <dgm:constr type="w" for="ch" forName="circ1TxSh" refType="w"/>
+          <dgm:constr type="h" for="ch" forName="circ1TxSh" refType="h"/>
+          <dgm:constr type="primFontSz" for="ch" ptType="node" op="equ"/>
+        </dgm:constrLst>
+      </dgm:if>
+      <dgm:if name="Name11" axis="ch" ptType="node" func="cnt" op="equ" val="2">
+        <dgm:constrLst>
+          <dgm:constr type="ctrX" for="ch" forName="circ1" refType="w" fact="0.3"/>
+          <dgm:constr type="ctrY" for="ch" forName="circ1" refType="h" fact="0.5"/>
+          <dgm:constr type="w" for="ch" forName="circ1" refType="w" fact="0.555"/>
+          <dgm:constr type="h" for="ch" forName="circ1" refType="h" fact="0.99456"/>
+          <dgm:constr type="l" for="ch" forName="circ1Tx" refType="w" fact="0.1"/>
+          <dgm:constr type="t" for="ch" forName="circ1Tx" refType="h" fact="0.12"/>
+          <dgm:constr type="w" for="ch" forName="circ1Tx" refType="w" fact="0.32"/>
+          <dgm:constr type="h" for="ch" forName="circ1Tx" refType="h" fact="0.76"/>
+          <dgm:constr type="ctrX" for="ch" forName="circ2" refType="w" fact="0.7"/>
+          <dgm:constr type="ctrY" for="ch" forName="circ2" refType="h" fact="0.5"/>
+          <dgm:constr type="w" for="ch" forName="circ2" refType="w" fact="0.555"/>
+          <dgm:constr type="h" for="ch" forName="circ2" refType="h" fact="0.99456"/>
+          <dgm:constr type="l" for="ch" forName="circ2Tx" refType="w" fact="0.58"/>
+          <dgm:constr type="t" for="ch" forName="circ2Tx" refType="h" fact="0.12"/>
+          <dgm:constr type="w" for="ch" forName="circ2Tx" refType="w" fact="0.32"/>
+          <dgm:constr type="h" for="ch" forName="circ2Tx" refType="h" fact="0.76"/>
+          <dgm:constr type="primFontSz" for="ch" ptType="node" op="equ"/>
+        </dgm:constrLst>
+      </dgm:if>
+      <dgm:if name="Name12" axis="ch" ptType="node" func="cnt" op="equ" val="3">
+        <dgm:constrLst>
+          <dgm:constr type="ctrX" for="ch" forName="circ1" refType="w" fact="0.5"/>
+          <dgm:constr type="ctrY" for="ch" forName="circ1" refType="w" fact="0.25"/>
+          <dgm:constr type="w" for="ch" forName="circ1" refType="w" fact="0.6"/>
+          <dgm:constr type="h" for="ch" forName="circ1" refType="h" fact="0.6"/>
+          <dgm:constr type="l" for="ch" forName="circ1Tx" refType="w" fact="0.28"/>
+          <dgm:constr type="t" for="ch" forName="circ1Tx" refType="h" fact="0.055"/>
+          <dgm:constr type="w" for="ch" forName="circ1Tx" refType="w" fact="0.44"/>
+          <dgm:constr type="h" for="ch" forName="circ1Tx" refType="h" fact="0.27"/>
+          <dgm:constr type="ctrX" for="ch" forName="circ2" refType="w" fact="0.7165"/>
+          <dgm:constr type="ctrY" for="ch" forName="circ2" refType="w" fact="0.625"/>
+          <dgm:constr type="w" for="ch" forName="circ2" refType="w" fact="0.6"/>
+          <dgm:constr type="h" for="ch" forName="circ2" refType="h" fact="0.6"/>
+          <dgm:constr type="l" for="ch" forName="circ2Tx" refType="w" fact="0.6"/>
+          <dgm:constr type="t" for="ch" forName="circ2Tx" refType="h" fact="0.48"/>
+          <dgm:constr type="w" for="ch" forName="circ2Tx" refType="w" fact="0.36"/>
+          <dgm:constr type="h" for="ch" forName="circ2Tx" refType="h" fact="0.33"/>
+          <dgm:constr type="ctrX" for="ch" forName="circ3" refType="w" fact="0.2835"/>
+          <dgm:constr type="ctrY" for="ch" forName="circ3" refType="w" fact="0.625"/>
+          <dgm:constr type="w" for="ch" forName="circ3" refType="w" fact="0.6"/>
+          <dgm:constr type="h" for="ch" forName="circ3" refType="h" fact="0.6"/>
+          <dgm:constr type="l" for="ch" forName="circ3Tx" refType="w" fact="0.04"/>
+          <dgm:constr type="t" for="ch" forName="circ3Tx" refType="h" fact="0.48"/>
+          <dgm:constr type="w" for="ch" forName="circ3Tx" refType="w" fact="0.36"/>
+          <dgm:constr type="h" for="ch" forName="circ3Tx" refType="h" fact="0.33"/>
+          <dgm:constr type="primFontSz" for="ch" ptType="node" op="equ"/>
+        </dgm:constrLst>
+      </dgm:if>
+      <dgm:if name="Name13" axis="ch" ptType="node" func="cnt" op="equ" val="4">
+        <dgm:constrLst>
+          <dgm:constr type="ctrX" for="ch" forName="circ1" refType="w" fact="0.5"/>
+          <dgm:constr type="ctrY" for="ch" forName="circ1" refType="w" fact="0.27"/>
+          <dgm:constr type="w" for="ch" forName="circ1" refType="w" fact="0.52"/>
+          <dgm:constr type="h" for="ch" forName="circ1" refType="h" fact="0.52"/>
+          <dgm:constr type="l" for="ch" forName="circ1Tx" refType="w" fact="0.3"/>
+          <dgm:constr type="t" for="ch" forName="circ1Tx" refType="h" fact="0.08"/>
+          <dgm:constr type="w" for="ch" forName="circ1Tx" refType="w" fact="0.4"/>
+          <dgm:constr type="h" for="ch" forName="circ1Tx" refType="h" fact="0.165"/>
+          <dgm:constr type="ctrX" for="ch" forName="circ2" refType="w" fact="0.73"/>
+          <dgm:constr type="ctrY" for="ch" forName="circ2" refType="w" fact="0.5"/>
+          <dgm:constr type="w" for="ch" forName="circ2" refType="w" fact="0.52"/>
+          <dgm:constr type="h" for="ch" forName="circ2" refType="h" fact="0.52"/>
+          <dgm:constr type="r" for="ch" forName="circ2Tx" refType="w" fact="0.95"/>
+          <dgm:constr type="t" for="ch" forName="circ2Tx" refType="h" fact="0.3"/>
+          <dgm:constr type="w" for="ch" forName="circ2Tx" refType="w" fact="0.2"/>
+          <dgm:constr type="h" for="ch" forName="circ2Tx" refType="h" fact="0.4"/>
+          <dgm:constr type="ctrX" for="ch" forName="circ3" refType="w" fact="0.5"/>
+          <dgm:constr type="ctrY" for="ch" forName="circ3" refType="w" fact="0.73"/>
+          <dgm:constr type="w" for="ch" forName="circ3" refType="w" fact="0.52"/>
+          <dgm:constr type="h" for="ch" forName="circ3" refType="h" fact="0.52"/>
+          <dgm:constr type="l" for="ch" forName="circ3Tx" refType="w" fact="0.3"/>
+          <dgm:constr type="b" for="ch" forName="circ3Tx" refType="h" fact="0.92"/>
+          <dgm:constr type="w" for="ch" forName="circ3Tx" refType="w" fact="0.4"/>
+          <dgm:constr type="h" for="ch" forName="circ3Tx" refType="h" fact="0.165"/>
+          <dgm:constr type="ctrX" for="ch" forName="circ4" refType="w" fact="0.27"/>
+          <dgm:constr type="ctrY" for="ch" forName="circ4" refType="h" fact="0.5"/>
+          <dgm:constr type="w" for="ch" forName="circ4" refType="w" fact="0.52"/>
+          <dgm:constr type="h" for="ch" forName="circ4" refType="h" fact="0.52"/>
+          <dgm:constr type="l" for="ch" forName="circ4Tx" refType="w" fact="0.05"/>
+          <dgm:constr type="t" for="ch" forName="circ4Tx" refType="h" fact="0.3"/>
+          <dgm:constr type="w" for="ch" forName="circ4Tx" refType="w" fact="0.2"/>
+          <dgm:constr type="h" for="ch" forName="circ4Tx" refType="h" fact="0.4"/>
+          <dgm:constr type="primFontSz" for="ch" ptType="node" op="equ"/>
+        </dgm:constrLst>
+      </dgm:if>
+      <dgm:if name="Name14" axis="ch" ptType="node" func="cnt" op="equ" val="5">
+        <dgm:constrLst>
+          <dgm:constr type="ctrX" for="ch" forName="circ1" refType="w" fact="0.5"/>
+          <dgm:constr type="ctrY" for="ch" forName="circ1" refType="h" fact="0.46"/>
+          <dgm:constr type="w" for="ch" forName="circ1" refType="w" fact="0.25"/>
+          <dgm:constr type="h" for="ch" forName="circ1" refType="h" fact="0.35"/>
+          <dgm:constr type="l" for="ch" forName="circ1Tx" refType="w" fact="0.355"/>
+          <dgm:constr type="t" for="ch" forName="circ1Tx"/>
+          <dgm:constr type="w" for="ch" forName="circ1Tx" refType="w" fact="0.29"/>
+          <dgm:constr type="h" for="ch" forName="circ1Tx" refType="h" fact="0.235"/>
+          <dgm:constr type="ctrX" for="ch" forName="circ2" refType="w" fact="0.5951"/>
+          <dgm:constr type="ctrY" for="ch" forName="circ2" refType="h" fact="0.5567"/>
+          <dgm:constr type="w" for="ch" forName="circ2" refType="w" fact="0.25"/>
+          <dgm:constr type="h" for="ch" forName="circ2" refType="h" fact="0.35"/>
+          <dgm:constr type="l" for="ch" forName="circ2Tx" refType="w" fact="0.74"/>
+          <dgm:constr type="t" for="ch" forName="circ2Tx" refType="h" fact="0.31"/>
+          <dgm:constr type="w" for="ch" forName="circ2Tx" refType="w" fact="0.26"/>
+          <dgm:constr type="h" for="ch" forName="circ2Tx" refType="h" fact="0.255"/>
+          <dgm:constr type="ctrX" for="ch" forName="circ3" refType="w" fact="0.5588"/>
+          <dgm:constr type="ctrY" for="ch" forName="circ3" refType="h" fact="0.7133"/>
+          <dgm:constr type="w" for="ch" forName="circ3" refType="w" fact="0.25"/>
+          <dgm:constr type="h" for="ch" forName="circ3" refType="h" fact="0.35"/>
+          <dgm:constr type="l" for="ch" forName="circ3Tx" refType="w" fact="0.7"/>
+          <dgm:constr type="t" for="ch" forName="circ3Tx" refType="h" fact="0.745"/>
+          <dgm:constr type="w" for="ch" forName="circ3Tx" refType="w" fact="0.26"/>
+          <dgm:constr type="h" for="ch" forName="circ3Tx" refType="h" fact="0.255"/>
+          <dgm:constr type="ctrX" for="ch" forName="circ4" refType="w" fact="0.4412"/>
+          <dgm:constr type="ctrY" for="ch" forName="circ4" refType="h" fact="0.7133"/>
+          <dgm:constr type="w" for="ch" forName="circ4" refType="w" fact="0.25"/>
+          <dgm:constr type="h" for="ch" forName="circ4" refType="h" fact="0.35"/>
+          <dgm:constr type="l" for="ch" forName="circ4Tx" refType="w" fact="0.04"/>
+          <dgm:constr type="t" for="ch" forName="circ4Tx" refType="h" fact="0.745"/>
+          <dgm:constr type="w" for="ch" forName="circ4Tx" refType="w" fact="0.26"/>
+          <dgm:constr type="h" for="ch" forName="circ4Tx" refType="h" fact="0.255"/>
+          <dgm:constr type="ctrX" for="ch" forName="circ5" refType="w" fact="0.4049"/>
+          <dgm:constr type="ctrY" for="ch" forName="circ5" refType="h" fact="0.5567"/>
+          <dgm:constr type="w" for="ch" forName="circ5" refType="w" fact="0.25"/>
+          <dgm:constr type="h" for="ch" forName="circ5" refType="h" fact="0.35"/>
+          <dgm:constr type="l" for="ch" forName="circ5Tx"/>
+          <dgm:constr type="t" for="ch" forName="circ5Tx" refType="h" fact="0.31"/>
+          <dgm:constr type="w" for="ch" forName="circ5Tx" refType="w" fact="0.26"/>
+          <dgm:constr type="h" for="ch" forName="circ5Tx" refType="h" fact="0.255"/>
+          <dgm:constr type="primFontSz" for="ch" ptType="node" op="equ"/>
+        </dgm:constrLst>
+      </dgm:if>
+      <dgm:if name="Name15" axis="ch" ptType="node" func="cnt" op="equ" val="6">
+        <dgm:constrLst>
+          <dgm:constr type="ctrX" for="ch" forName="circ1" refType="w" fact="0.5"/>
+          <dgm:constr type="ctrY" for="ch" forName="circ1" refType="h" fact="0.3844"/>
+          <dgm:constr type="w" for="ch" forName="circ1" refType="w" fact="0.24"/>
+          <dgm:constr type="h" for="ch" forName="circ1" refType="h" fact="0.3084"/>
+          <dgm:constr type="l" for="ch" forName="circ1Tx" refType="w" fact="0.35"/>
+          <dgm:constr type="t" for="ch" forName="circ1Tx"/>
+          <dgm:constr type="w" for="ch" forName="circ1Tx" refType="w" fact="0.3"/>
+          <dgm:constr type="h" for="ch" forName="circ1Tx" refType="h" fact="0.21"/>
+          <dgm:constr type="ctrX" for="ch" forName="circ2" refType="w" fact="0.5779"/>
+          <dgm:constr type="ctrY" for="ch" forName="circ2" refType="h" fact="0.4422"/>
+          <dgm:constr type="w" for="ch" forName="circ2" refType="w" fact="0.24"/>
+          <dgm:constr type="h" for="ch" forName="circ2" refType="h" fact="0.3084"/>
+          <dgm:constr type="l" for="ch" forName="circ2Tx" refType="w" fact="0.7157"/>
+          <dgm:constr type="t" for="ch" forName="circ2Tx" refType="h" fact="0.2"/>
+          <dgm:constr type="w" for="ch" forName="circ2Tx" refType="w" fact="0.2843"/>
+          <dgm:constr type="h" for="ch" forName="circ2Tx" refType="h" fact="0.23"/>
+          <dgm:constr type="ctrX" for="ch" forName="circ3" refType="w" fact="0.5779"/>
+          <dgm:constr type="ctrY" for="ch" forName="circ3" refType="h" fact="0.5578"/>
+          <dgm:constr type="w" for="ch" forName="circ3" refType="w" fact="0.24"/>
+          <dgm:constr type="h" for="ch" forName="circ3" refType="h" fact="0.3084"/>
+          <dgm:constr type="l" for="ch" forName="circ3Tx" refType="w" fact="0.7157"/>
+          <dgm:constr type="t" for="ch" forName="circ3Tx" refType="h" fact="0.543"/>
+          <dgm:constr type="w" for="ch" forName="circ3Tx" refType="w" fact="0.2843"/>
+          <dgm:constr type="h" for="ch" forName="circ3Tx" refType="h" fact="0.257"/>
+          <dgm:constr type="ctrX" for="ch" forName="circ4" refType="w" fact="0.5"/>
+          <dgm:constr type="ctrY" for="ch" forName="circ4" refType="h" fact="0.6157"/>
+          <dgm:constr type="w" for="ch" forName="circ4" refType="w" fact="0.24"/>
+          <dgm:constr type="h" for="ch" forName="circ4" refType="h" fact="0.3084"/>
+          <dgm:constr type="l" for="ch" forName="circ4Tx" refType="w" fact="0.35"/>
+          <dgm:constr type="t" for="ch" forName="circ4Tx" refType="h" fact="0.79"/>
+          <dgm:constr type="w" for="ch" forName="circ4Tx" refType="w" fact="0.3"/>
+          <dgm:constr type="h" for="ch" forName="circ4Tx" refType="h" fact="0.21"/>
+          <dgm:constr type="ctrX" for="ch" forName="circ5" refType="w" fact="0.4221"/>
+          <dgm:constr type="ctrY" for="ch" forName="circ5" refType="h" fact="0.5578"/>
+          <dgm:constr type="w" for="ch" forName="circ5" refType="w" fact="0.24"/>
+          <dgm:constr type="h" for="ch" forName="circ5" refType="h" fact="0.3084"/>
+          <dgm:constr type="l" for="ch" forName="circ5Tx" refType="w" fact="0"/>
+          <dgm:constr type="t" for="ch" forName="circ5Tx" refType="h" fact="0.543"/>
+          <dgm:constr type="w" for="ch" forName="circ5Tx" refType="w" fact="0.2843"/>
+          <dgm:constr type="h" for="ch" forName="circ5Tx" refType="h" fact="0.257"/>
+          <dgm:constr type="ctrX" for="ch" forName="circ6" refType="w" fact="0.4221"/>
+          <dgm:constr type="ctrY" for="ch" forName="circ6" refType="h" fact="0.4422"/>
+          <dgm:constr type="w" for="ch" forName="circ6" refType="w" fact="0.24"/>
+          <dgm:constr type="h" for="ch" forName="circ6" refType="h" fact="0.3084"/>
+          <dgm:constr type="l" for="ch" forName="circ6Tx" refType="w" fact="0"/>
+          <dgm:constr type="t" for="ch" forName="circ6Tx" refType="h" fact="0.2"/>
+          <dgm:constr type="w" for="ch" forName="circ6Tx" refType="w" fact="0.2843"/>
+          <dgm:constr type="h" for="ch" forName="circ6Tx" refType="h" fact="0.257"/>
+          <dgm:constr type="primFontSz" for="ch" ptType="node" op="equ"/>
+        </dgm:constrLst>
+      </dgm:if>
+      <dgm:else name="Name16">
+        <dgm:constrLst>
+          <dgm:constr type="ctrX" for="ch" forName="circ1" refType="w" fact="0.5"/>
+          <dgm:constr type="ctrY" for="ch" forName="circ1" refType="h" fact="0.4177"/>
+          <dgm:constr type="w" for="ch" forName="circ1" refType="w" fact="0.24"/>
+          <dgm:constr type="h" for="ch" forName="circ1" refType="h" fact="0.3262"/>
+          <dgm:constr type="l" for="ch" forName="circ1Tx" refType="w" fact="0.3625"/>
+          <dgm:constr type="t" for="ch" forName="circ1Tx"/>
+          <dgm:constr type="w" for="ch" forName="circ1Tx" refType="w" fact="0.275"/>
+          <dgm:constr type="h" for="ch" forName="circ1Tx" refType="h" fact="0.2"/>
+          <dgm:constr type="ctrX" for="ch" forName="circ2" refType="w" fact="0.5704"/>
+          <dgm:constr type="ctrY" for="ch" forName="circ2" refType="h" fact="0.4637"/>
+          <dgm:constr type="w" for="ch" forName="circ2" refType="w" fact="0.24"/>
+          <dgm:constr type="h" for="ch" forName="circ2" refType="h" fact="0.3262"/>
+          <dgm:constr type="l" for="ch" forName="circ2Tx" refType="w" fact="0.72"/>
+          <dgm:constr type="t" for="ch" forName="circ2Tx" refType="h" fact="0.19"/>
+          <dgm:constr type="w" for="ch" forName="circ2Tx" refType="w" fact="0.26"/>
+          <dgm:constr type="h" for="ch" forName="circ2Tx" refType="h" fact="0.22"/>
+          <dgm:constr type="ctrX" for="ch" forName="circ3" refType="w" fact="0.5877"/>
+          <dgm:constr type="ctrY" for="ch" forName="circ3" refType="h" fact="0.5672"/>
+          <dgm:constr type="w" for="ch" forName="circ3" refType="w" fact="0.24"/>
+          <dgm:constr type="h" for="ch" forName="circ3" refType="h" fact="0.3262"/>
+          <dgm:constr type="l" for="ch" forName="circ3Tx" refType="w" fact="0.745"/>
+          <dgm:constr type="t" for="ch" forName="circ3Tx" refType="h" fact="0.47"/>
+          <dgm:constr type="w" for="ch" forName="circ3Tx" refType="w" fact="0.255"/>
+          <dgm:constr type="h" for="ch" forName="circ3Tx" refType="h" fact="0.235"/>
+          <dgm:constr type="ctrX" for="ch" forName="circ4" refType="w" fact="0.539"/>
+          <dgm:constr type="ctrY" for="ch" forName="circ4" refType="h" fact="0.6502"/>
+          <dgm:constr type="w" for="ch" forName="circ4" refType="w" fact="0.24"/>
+          <dgm:constr type="h" for="ch" forName="circ4" refType="h" fact="0.3262"/>
+          <dgm:constr type="l" for="ch" forName="circ4Tx" refType="w" fact="0.635"/>
+          <dgm:constr type="t" for="ch" forName="circ4Tx" refType="h" fact="0.785"/>
+          <dgm:constr type="w" for="ch" forName="circ4Tx" refType="w" fact="0.275"/>
+          <dgm:constr type="h" for="ch" forName="circ4Tx" refType="h" fact="0.215"/>
+          <dgm:constr type="ctrX" for="ch" forName="circ5" refType="w" fact="0.461"/>
+          <dgm:constr type="ctrY" for="ch" forName="circ5" refType="h" fact="0.6502"/>
+          <dgm:constr type="w" for="ch" forName="circ5" refType="w" fact="0.24"/>
+          <dgm:constr type="h" for="ch" forName="circ5" refType="h" fact="0.3262"/>
+          <dgm:constr type="l" for="ch" forName="circ5Tx" refType="w" fact="0.09"/>
+          <dgm:constr type="t" for="ch" forName="circ5Tx" refType="h" fact="0.785"/>
+          <dgm:constr type="w" for="ch" forName="circ5Tx" refType="w" fact="0.275"/>
+          <dgm:constr type="h" for="ch" forName="circ5Tx" refType="h" fact="0.215"/>
+          <dgm:constr type="ctrX" for="ch" forName="circ6" refType="w" fact="0.4123"/>
+          <dgm:constr type="ctrY" for="ch" forName="circ6" refType="h" fact="0.5672"/>
+          <dgm:constr type="w" for="ch" forName="circ6" refType="w" fact="0.24"/>
+          <dgm:constr type="h" for="ch" forName="circ6" refType="h" fact="0.3262"/>
+          <dgm:constr type="l" for="ch" forName="circ6Tx"/>
+          <dgm:constr type="t" for="ch" forName="circ6Tx" refType="h" fact="0.47"/>
+          <dgm:constr type="w" for="ch" forName="circ6Tx" refType="w" fact="0.255"/>
+          <dgm:constr type="h" for="ch" forName="circ6Tx" refType="h" fact="0.235"/>
+          <dgm:constr type="ctrX" for="ch" forName="circ7" refType="w" fact="0.4296"/>
+          <dgm:constr type="ctrY" for="ch" forName="circ7" refType="h" fact="0.4637"/>
+          <dgm:constr type="w" for="ch" forName="circ7" refType="w" fact="0.24"/>
+          <dgm:constr type="h" for="ch" forName="circ7" refType="h" fact="0.3262"/>
+          <dgm:constr type="l" for="ch" forName="circ7Tx" refType="w" fact="0.02"/>
+          <dgm:constr type="t" for="ch" forName="circ7Tx" refType="h" fact="0.19"/>
+          <dgm:constr type="w" for="ch" forName="circ7Tx" refType="w" fact="0.26"/>
+          <dgm:constr type="h" for="ch" forName="circ7Tx" refType="h" fact="0.22"/>
+          <dgm:constr type="primFontSz" for="ch" ptType="node" op="equ"/>
+        </dgm:constrLst>
+      </dgm:else>
+    </dgm:choose>
+    <dgm:ruleLst/>
+    <dgm:forEach name="Name17" axis="ch" ptType="node" cnt="1">
+      <dgm:choose name="Name18">
+        <dgm:if name="Name19" axis="root ch" ptType="all node" func="cnt" op="equ" val="1">
+          <dgm:layoutNode name="circ1TxSh" styleLbl="vennNode1">
+            <dgm:alg type="tx">
+              <dgm:param type="txAnchorHorzCh" val="ctr"/>
+              <dgm:param type="txAnchorVertCh" val="mid"/>
+            </dgm:alg>
+            <dgm:shape xmlns:r="http://schemas.openxmlformats.org/officeDocument/2006/relationships" type="ellipse" r:blip="">
+              <dgm:adjLst/>
+            </dgm:shape>
+            <dgm:choose name="Name20">
+              <dgm:if name="Name21" func="var" arg="dir" op="equ" val="norm">
+                <dgm:choose name="Name22">
+                  <dgm:if name="Name23" axis="root ch" ptType="all node" func="cnt" op="lte" val="4">
+                    <dgm:presOf axis="desOrSelf" ptType="node"/>
+                  </dgm:if>
+                  <dgm:else name="Name24">
+                    <dgm:presOf/>
+                  </dgm:else>
+                </dgm:choose>
+              </dgm:if>
+              <dgm:else name="Name25">
+                <dgm:choose name="Name26">
+                  <dgm:if name="Name27" axis="root ch" ptType="all node" func="cnt" op="equ" val="2">
+                    <dgm:presOf axis="root ch desOrSelf" ptType="all node node" st="1 2 1" cnt="1 1 0"/>
+                  </dgm:if>
+                  <dgm:else name="Name28">
+                    <dgm:presOf axis="desOrSelf" ptType="node"/>
+                  </dgm:else>
+                </dgm:choose>
+              </dgm:else>
+            </dgm:choose>
+            <dgm:constrLst>
+              <dgm:constr type="tMarg"/>
+              <dgm:constr type="bMarg"/>
+              <dgm:constr type="lMarg"/>
+              <dgm:constr type="rMarg"/>
+              <dgm:constr type="primFontSz" val="65"/>
+            </dgm:constrLst>
+            <dgm:ruleLst>
+              <dgm:rule type="primFontSz" val="5" fact="NaN" max="NaN"/>
+            </dgm:ruleLst>
+          </dgm:layoutNode>
+        </dgm:if>
+        <dgm:else name="Name29">
+          <dgm:layoutNode name="circ1" styleLbl="vennNode1">
+            <dgm:alg type="sp"/>
+            <dgm:shape xmlns:r="http://schemas.openxmlformats.org/officeDocument/2006/relationships" type="ellipse" r:blip="">
+              <dgm:adjLst/>
+            </dgm:shape>
+            <dgm:choose name="Name30">
+              <dgm:if name="Name31" func="var" arg="dir" op="equ" val="norm">
+                <dgm:choose name="Name32">
+                  <dgm:if name="Name33" axis="root ch" ptType="all node" func="cnt" op="lte" val="4">
+                    <dgm:presOf axis="desOrSelf" ptType="node"/>
+                  </dgm:if>
+                  <dgm:else name="Name34">
+                    <dgm:presOf/>
+                  </dgm:else>
+                </dgm:choose>
+              </dgm:if>
+              <dgm:else name="Name35">
+                <dgm:choose name="Name36">
+                  <dgm:if name="Name37" axis="root ch" ptType="all node" func="cnt" op="equ" val="2">
+                    <dgm:presOf axis="root ch desOrSelf" ptType="all node node" st="1 2 1" cnt="1 1 0"/>
+                  </dgm:if>
+                  <dgm:else name="Name38">
+                    <dgm:choose name="Name39">
+                      <dgm:if name="Name40" axis="root ch" ptType="all node" func="cnt" op="lte" val="4">
+                        <dgm:presOf axis="desOrSelf" ptType="node"/>
+                      </dgm:if>
+                      <dgm:else name="Name41">
+                        <dgm:presOf/>
+                      </dgm:else>
+                    </dgm:choose>
+                  </dgm:else>
+                </dgm:choose>
+              </dgm:else>
+            </dgm:choose>
+            <dgm:constrLst/>
+            <dgm:ruleLst/>
+          </dgm:layoutNode>
+          <dgm:layoutNode name="circ1Tx" styleLbl="revTx">
+            <dgm:varLst>
+              <dgm:chMax val="0"/>
+              <dgm:chPref val="0"/>
+              <dgm:bulletEnabled val="1"/>
+            </dgm:varLst>
+            <dgm:alg type="tx">
+              <dgm:param type="txAnchorHorzCh" val="ctr"/>
+              <dgm:param type="txAnchorVertCh" val="mid"/>
+            </dgm:alg>
+            <dgm:shape xmlns:r="http://schemas.openxmlformats.org/officeDocument/2006/relationships" type="rect" r:blip="" hideGeom="1">
+              <dgm:adjLst/>
+            </dgm:shape>
+            <dgm:choose name="Name42">
+              <dgm:if name="Name43" func="var" arg="dir" op="equ" val="norm">
+                <dgm:presOf axis="desOrSelf" ptType="node"/>
+              </dgm:if>
+              <dgm:else name="Name44">
+                <dgm:choose name="Name45">
+                  <dgm:if name="Name46" axis="root ch" ptType="all node" func="cnt" op="equ" val="2">
+                    <dgm:presOf axis="root ch desOrSelf" ptType="all node node" st="1 2 1" cnt="1 1 0"/>
+                  </dgm:if>
+                  <dgm:else name="Name47">
+                    <dgm:presOf axis="desOrSelf" ptType="node"/>
+                  </dgm:else>
+                </dgm:choose>
+              </dgm:else>
+            </dgm:choose>
+            <dgm:constrLst>
+              <dgm:constr type="tMarg"/>
+              <dgm:constr type="bMarg"/>
+              <dgm:constr type="lMarg"/>
+              <dgm:constr type="rMarg"/>
+              <dgm:constr type="primFontSz" val="65"/>
+            </dgm:constrLst>
+            <dgm:ruleLst>
+              <dgm:rule type="primFontSz" val="5" fact="NaN" max="NaN"/>
+            </dgm:ruleLst>
+          </dgm:layoutNode>
+        </dgm:else>
+      </dgm:choose>
+    </dgm:forEach>
+    <dgm:forEach name="Name48" axis="ch" ptType="node" st="2" cnt="1">
+      <dgm:layoutNode name="circ2" styleLbl="vennNode1">
+        <dgm:alg type="sp"/>
+        <dgm:shape xmlns:r="http://schemas.openxmlformats.org/officeDocument/2006/relationships" type="ellipse" r:blip="">
+          <dgm:adjLst/>
+        </dgm:shape>
+        <dgm:choose name="Name49">
+          <dgm:if name="Name50" func="var" arg="dir" op="equ" val="norm">
+            <dgm:choose name="Name51">
+              <dgm:if name="Name52" axis="root ch" ptType="all node" func="cnt" op="lte" val="4">
+                <dgm:presOf axis="desOrSelf" ptType="node"/>
+              </dgm:if>
+              <dgm:else name="Name53">
+                <dgm:presOf/>
+              </dgm:else>
+            </dgm:choose>
+          </dgm:if>
+          <dgm:else name="Name54">
+            <dgm:choose name="Name55">
+              <dgm:if name="Name56" axis="root ch" ptType="all node" func="cnt" op="equ" val="2">
+                <dgm:presOf axis="root ch desOrSelf" ptType="all node node" st="1 1 1" cnt="1 1 0"/>
+              </dgm:if>
+              <dgm:if name="Name57" axis="root ch" ptType="all node" func="cnt" op="equ" val="3">
+                <dgm:presOf axis="root ch desOrSelf" ptType="all node node" st="1 3 1" cnt="1 1 0"/>
+              </dgm:if>
+              <dgm:if name="Name58" axis="root ch" ptType="all node" func="cnt" op="equ" val="4">
+                <dgm:presOf axis="root ch desOrSelf" ptType="all node node" st="1 4 1" cnt="1 1 0"/>
+              </dgm:if>
+              <dgm:else name="Name59">
+                <dgm:presOf/>
+              </dgm:else>
+            </dgm:choose>
+          </dgm:else>
+        </dgm:choose>
+        <dgm:constrLst/>
+        <dgm:ruleLst/>
+      </dgm:layoutNode>
+      <dgm:layoutNode name="circ2Tx" styleLbl="revTx">
+        <dgm:varLst>
+          <dgm:chMax val="0"/>
+          <dgm:chPref val="0"/>
+          <dgm:bulletEnabled val="1"/>
+        </dgm:varLst>
+        <dgm:alg type="tx">
+          <dgm:param type="txAnchorHorzCh" val="ctr"/>
+          <dgm:param type="txAnchorVertCh" val="mid"/>
+        </dgm:alg>
+        <dgm:shape xmlns:r="http://schemas.openxmlformats.org/officeDocument/2006/relationships" type="rect" r:blip="" hideGeom="1">
+          <dgm:adjLst/>
+        </dgm:shape>
+        <dgm:choose name="Name60">
+          <dgm:if name="Name61" func="var" arg="dir" op="equ" val="norm">
+            <dgm:presOf axis="desOrSelf" ptType="node"/>
+          </dgm:if>
+          <dgm:else name="Name62">
+            <dgm:choose name="Name63">
+              <dgm:if name="Name64" axis="root ch" ptType="all node" func="cnt" op="equ" val="2">
+                <dgm:presOf axis="root ch desOrSelf" ptType="all node node" st="1 1 1" cnt="1 1 0"/>
+              </dgm:if>
+              <dgm:if name="Name65" axis="root ch" ptType="all node" func="cnt" op="equ" val="3">
+                <dgm:presOf axis="root ch desOrSelf" ptType="all node node" st="1 3 1" cnt="1 1 0"/>
+              </dgm:if>
+              <dgm:if name="Name66" axis="root ch" ptType="all node" func="cnt" op="equ" val="4">
+                <dgm:presOf axis="root ch desOrSelf" ptType="all node node" st="1 4 1" cnt="1 1 0"/>
+              </dgm:if>
+              <dgm:if name="Name67" axis="root ch" ptType="all node" func="cnt" op="equ" val="5">
+                <dgm:presOf axis="root ch desOrSelf" ptType="all node node" st="1 5 1" cnt="1 1 0"/>
+              </dgm:if>
+              <dgm:if name="Name68" axis="root ch" ptType="all node" func="cnt" op="equ" val="6">
+                <dgm:presOf axis="root ch desOrSelf" ptType="all node node" st="1 6 1" cnt="1 1 0"/>
+              </dgm:if>
+              <dgm:else name="Name69">
+                <dgm:presOf axis="root ch desOrSelf" ptType="all node node" st="1 7 1" cnt="1 1 0"/>
+              </dgm:else>
+            </dgm:choose>
+          </dgm:else>
+        </dgm:choose>
+        <dgm:constrLst>
+          <dgm:constr type="tMarg"/>
+          <dgm:constr type="bMarg"/>
+          <dgm:constr type="lMarg"/>
+          <dgm:constr type="rMarg"/>
+          <dgm:constr type="primFontSz" val="65"/>
+        </dgm:constrLst>
+        <dgm:ruleLst>
+          <dgm:rule type="primFontSz" val="5" fact="NaN" max="NaN"/>
+        </dgm:ruleLst>
+      </dgm:layoutNode>
+    </dgm:forEach>
+    <dgm:forEach name="Name70" axis="ch" ptType="node" st="3" cnt="1">
+      <dgm:layoutNode name="circ3" styleLbl="vennNode1">
+        <dgm:alg type="sp"/>
+        <dgm:shape xmlns:r="http://schemas.openxmlformats.org/officeDocument/2006/relationships" type="ellipse" r:blip="">
+          <dgm:adjLst/>
+        </dgm:shape>
+        <dgm:choose name="Name71">
+          <dgm:if name="Name72" func="var" arg="dir" op="equ" val="norm">
+            <dgm:choose name="Name73">
+              <dgm:if name="Name74" axis="root ch" ptType="all node" func="cnt" op="lte" val="4">
+                <dgm:presOf axis="desOrSelf" ptType="node"/>
+              </dgm:if>
+              <dgm:else name="Name75">
+                <dgm:presOf/>
+              </dgm:else>
+            </dgm:choose>
+          </dgm:if>
+          <dgm:else name="Name76">
+            <dgm:choose name="Name77">
+              <dgm:if name="Name78" axis="root ch" ptType="all node" func="cnt" op="equ" val="3">
+                <dgm:presOf axis="root ch desOrSelf" ptType="all node node" st="1 2 1" cnt="1 1 0"/>
+              </dgm:if>
+              <dgm:if name="Name79" axis="root ch" ptType="all node" func="cnt" op="equ" val="4">
+                <dgm:presOf axis="root ch desOrSelf" ptType="all node node" st="1 3 1" cnt="1 1 0"/>
+              </dgm:if>
+              <dgm:else name="Name80">
+                <dgm:presOf/>
+              </dgm:else>
+            </dgm:choose>
+          </dgm:else>
+        </dgm:choose>
+        <dgm:constrLst/>
+        <dgm:ruleLst/>
+      </dgm:layoutNode>
+      <dgm:layoutNode name="circ3Tx" styleLbl="revTx">
+        <dgm:varLst>
+          <dgm:chMax val="0"/>
+          <dgm:chPref val="0"/>
+          <dgm:bulletEnabled val="1"/>
+        </dgm:varLst>
+        <dgm:alg type="tx">
+          <dgm:param type="txAnchorHorzCh" val="ctr"/>
+          <dgm:param type="txAnchorVertCh" val="mid"/>
+        </dgm:alg>
+        <dgm:shape xmlns:r="http://schemas.openxmlformats.org/officeDocument/2006/relationships" type="rect" r:blip="" hideGeom="1">
+          <dgm:adjLst/>
+        </dgm:shape>
+        <dgm:choose name="Name81">
+          <dgm:if name="Name82" func="var" arg="dir" op="equ" val="norm">
+            <dgm:presOf axis="desOrSelf" ptType="node"/>
+          </dgm:if>
+          <dgm:else name="Name83">
+            <dgm:choose name="Name84">
+              <dgm:if name="Name85" axis="root ch" ptType="all node" func="cnt" op="equ" val="3">
+                <dgm:presOf axis="root ch desOrSelf" ptType="all node node" st="1 2 1" cnt="1 1 0"/>
+              </dgm:if>
+              <dgm:if name="Name86" axis="root ch" ptType="all node" func="cnt" op="equ" val="4">
+                <dgm:presOf axis="root ch desOrSelf" ptType="all node node" st="1 3 1" cnt="1 1 0"/>
+              </dgm:if>
+              <dgm:if name="Name87" axis="root ch" ptType="all node" func="cnt" op="equ" val="5">
+                <dgm:presOf axis="root ch desOrSelf" ptType="all node node" st="1 4 1" cnt="1 1 0"/>
+              </dgm:if>
+              <dgm:if name="Name88" axis="root ch" ptType="all node" func="cnt" op="equ" val="6">
+                <dgm:presOf axis="root ch desOrSelf" ptType="all node node" st="1 5 1" cnt="1 1 0"/>
+              </dgm:if>
+              <dgm:else name="Name89">
+                <dgm:presOf axis="root ch desOrSelf" ptType="all node node" st="1 6 1" cnt="1 1 0"/>
+              </dgm:else>
+            </dgm:choose>
+          </dgm:else>
+        </dgm:choose>
+        <dgm:constrLst>
+          <dgm:constr type="tMarg"/>
+          <dgm:constr type="bMarg"/>
+          <dgm:constr type="lMarg"/>
+          <dgm:constr type="rMarg"/>
+          <dgm:constr type="primFontSz" val="65"/>
+        </dgm:constrLst>
+        <dgm:ruleLst>
+          <dgm:rule type="primFontSz" val="5" fact="NaN" max="NaN"/>
+        </dgm:ruleLst>
+      </dgm:layoutNode>
+    </dgm:forEach>
+    <dgm:forEach name="Name90" axis="ch" ptType="node" st="4" cnt="1">
+      <dgm:layoutNode name="circ4" styleLbl="vennNode1">
+        <dgm:alg type="sp"/>
+        <dgm:shape xmlns:r="http://schemas.openxmlformats.org/officeDocument/2006/relationships" type="ellipse" r:blip="">
+          <dgm:adjLst/>
+        </dgm:shape>
+        <dgm:choose name="Name91">
+          <dgm:if name="Name92" func="var" arg="dir" op="equ" val="norm">
+            <dgm:choose name="Name93">
+              <dgm:if name="Name94" axis="root ch" ptType="all node" func="cnt" op="lte" val="4">
+                <dgm:presOf axis="desOrSelf" ptType="node"/>
+              </dgm:if>
+              <dgm:else name="Name95">
+                <dgm:presOf/>
+              </dgm:else>
+            </dgm:choose>
+          </dgm:if>
+          <dgm:else name="Name96">
+            <dgm:choose name="Name97">
+              <dgm:if name="Name98" axis="root ch" ptType="all node" func="cnt" op="equ" val="4">
+                <dgm:presOf axis="root ch desOrSelf" ptType="all node node" st="1 2 1" cnt="1 1 0"/>
+              </dgm:if>
+              <dgm:else name="Name99">
+                <dgm:presOf/>
+              </dgm:else>
+            </dgm:choose>
+          </dgm:else>
+        </dgm:choose>
+        <dgm:constrLst/>
+        <dgm:ruleLst/>
+      </dgm:layoutNode>
+      <dgm:layoutNode name="circ4Tx" styleLbl="revTx">
+        <dgm:varLst>
+          <dgm:chMax val="0"/>
+          <dgm:chPref val="0"/>
+          <dgm:bulletEnabled val="1"/>
+        </dgm:varLst>
+        <dgm:alg type="tx">
+          <dgm:param type="txAnchorHorzCh" val="ctr"/>
+          <dgm:param type="txAnchorVertCh" val="mid"/>
+        </dgm:alg>
+        <dgm:shape xmlns:r="http://schemas.openxmlformats.org/officeDocument/2006/relationships" type="rect" r:blip="" hideGeom="1">
+          <dgm:adjLst/>
+        </dgm:shape>
+        <dgm:choose name="Name100">
+          <dgm:if name="Name101" func="var" arg="dir" op="equ" val="norm">
+            <dgm:presOf axis="desOrSelf" ptType="node"/>
+          </dgm:if>
+          <dgm:else name="Name102">
+            <dgm:choose name="Name103">
+              <dgm:if name="Name104" axis="root ch" ptType="all node" func="cnt" op="equ" val="4">
+                <dgm:presOf axis="root ch desOrSelf" ptType="all node node" st="1 2 1" cnt="1 1 0"/>
+              </dgm:if>
+              <dgm:if name="Name105" axis="root ch" ptType="all node" func="cnt" op="equ" val="5">
+                <dgm:presOf axis="root ch desOrSelf" ptType="all node node" st="1 3 1" cnt="1 1 0"/>
+              </dgm:if>
+              <dgm:if name="Name106" axis="root ch" ptType="all node" func="cnt" op="equ" val="6">
+                <dgm:presOf axis="root ch desOrSelf" ptType="all node node" st="1 4 1" cnt="1 1 0"/>
+              </dgm:if>
+              <dgm:else name="Name107">
+                <dgm:presOf axis="root ch desOrSelf" ptType="all node node" st="1 5 1" cnt="1 1 0"/>
+              </dgm:else>
+            </dgm:choose>
+          </dgm:else>
+        </dgm:choose>
+        <dgm:constrLst>
+          <dgm:constr type="tMarg"/>
+          <dgm:constr type="bMarg"/>
+          <dgm:constr type="lMarg"/>
+          <dgm:constr type="rMarg"/>
+          <dgm:constr type="primFontSz" val="65"/>
+        </dgm:constrLst>
+        <dgm:ruleLst>
+          <dgm:rule type="primFontSz" val="5" fact="NaN" max="NaN"/>
+        </dgm:ruleLst>
+      </dgm:layoutNode>
+    </dgm:forEach>
+    <dgm:forEach name="Name108" axis="ch" ptType="node" st="5" cnt="1">
+      <dgm:layoutNode name="circ5" styleLbl="vennNode1">
+        <dgm:alg type="sp"/>
+        <dgm:shape xmlns:r="http://schemas.openxmlformats.org/officeDocument/2006/relationships" type="ellipse" r:blip="">
+          <dgm:adjLst/>
+        </dgm:shape>
+        <dgm:presOf/>
+        <dgm:constrLst/>
+        <dgm:ruleLst/>
+      </dgm:layoutNode>
+      <dgm:layoutNode name="circ5Tx" styleLbl="revTx">
+        <dgm:varLst>
+          <dgm:chMax val="0"/>
+          <dgm:chPref val="0"/>
+          <dgm:bulletEnabled val="1"/>
+        </dgm:varLst>
+        <dgm:alg type="tx">
+          <dgm:param type="txAnchorHorzCh" val="ctr"/>
+          <dgm:param type="txAnchorVertCh" val="mid"/>
+        </dgm:alg>
+        <dgm:shape xmlns:r="http://schemas.openxmlformats.org/officeDocument/2006/relationships" type="rect" r:blip="" hideGeom="1">
+          <dgm:adjLst/>
+        </dgm:shape>
+        <dgm:choose name="Name109">
+          <dgm:if name="Name110" func="var" arg="dir" op="equ" val="norm">
+            <dgm:presOf axis="desOrSelf" ptType="node"/>
+          </dgm:if>
+          <dgm:else name="Name111">
+            <dgm:choose name="Name112">
+              <dgm:if name="Name113" axis="root ch" ptType="all node" func="cnt" op="equ" val="5">
+                <dgm:presOf axis="root ch desOrSelf" ptType="all node node" st="1 2 1" cnt="1 1 0"/>
+              </dgm:if>
+              <dgm:if name="Name114" axis="root ch" ptType="all node" func="cnt" op="equ" val="6">
+                <dgm:presOf axis="root ch desOrSelf" ptType="all node node" st="1 3 1" cnt="1 1 0"/>
+              </dgm:if>
+              <dgm:else name="Name115">
+                <dgm:presOf axis="root ch desOrSelf" ptType="all node node" st="1 4 1" cnt="1 1 0"/>
+              </dgm:else>
+            </dgm:choose>
+          </dgm:else>
+        </dgm:choose>
+        <dgm:constrLst>
+          <dgm:constr type="tMarg"/>
+          <dgm:constr type="bMarg"/>
+          <dgm:constr type="lMarg"/>
+          <dgm:constr type="rMarg"/>
+          <dgm:constr type="primFontSz" val="65"/>
+        </dgm:constrLst>
+        <dgm:ruleLst>
+          <dgm:rule type="primFontSz" val="5" fact="NaN" max="NaN"/>
+        </dgm:ruleLst>
+      </dgm:layoutNode>
+    </dgm:forEach>
+    <dgm:forEach name="Name116" axis="ch" ptType="node" st="6" cnt="1">
+      <dgm:layoutNode name="circ6" styleLbl="vennNode1">
+        <dgm:alg type="sp"/>
+        <dgm:shape xmlns:r="http://schemas.openxmlformats.org/officeDocument/2006/relationships" type="ellipse" r:blip="">
+          <dgm:adjLst/>
+        </dgm:shape>
+        <dgm:presOf/>
+        <dgm:constrLst/>
+        <dgm:ruleLst/>
+      </dgm:layoutNode>
+      <dgm:layoutNode name="circ6Tx" styleLbl="revTx">
+        <dgm:varLst>
+          <dgm:chMax val="0"/>
+          <dgm:chPref val="0"/>
+          <dgm:bulletEnabled val="1"/>
+        </dgm:varLst>
+        <dgm:alg type="tx">
+          <dgm:param type="txAnchorHorzCh" val="ctr"/>
+          <dgm:param type="txAnchorVertCh" val="mid"/>
+        </dgm:alg>
+        <dgm:shape xmlns:r="http://schemas.openxmlformats.org/officeDocument/2006/relationships" type="rect" r:blip="" hideGeom="1">
+          <dgm:adjLst/>
+        </dgm:shape>
+        <dgm:choose name="Name117">
+          <dgm:if name="Name118" func="var" arg="dir" op="equ" val="norm">
+            <dgm:presOf axis="desOrSelf" ptType="node"/>
+          </dgm:if>
+          <dgm:else name="Name119">
+            <dgm:choose name="Name120">
+              <dgm:if name="Name121" axis="root ch" ptType="all node" func="cnt" op="equ" val="6">
+                <dgm:presOf axis="root ch desOrSelf" ptType="all node node" st="1 2 1" cnt="1 1 0"/>
+              </dgm:if>
+              <dgm:else name="Name122">
+                <dgm:presOf axis="root ch desOrSelf" ptType="all node node" st="1 3 1" cnt="1 1 0"/>
+              </dgm:else>
+            </dgm:choose>
+          </dgm:else>
+        </dgm:choose>
+        <dgm:constrLst>
+          <dgm:constr type="tMarg"/>
+          <dgm:constr type="bMarg"/>
+          <dgm:constr type="lMarg"/>
+          <dgm:constr type="rMarg"/>
+          <dgm:constr type="primFontSz" val="65"/>
+        </dgm:constrLst>
+        <dgm:ruleLst>
+          <dgm:rule type="primFontSz" val="5" fact="NaN" max="NaN"/>
+        </dgm:ruleLst>
+      </dgm:layoutNode>
+    </dgm:forEach>
+    <dgm:forEach name="Name123" axis="ch" ptType="node" st="7" cnt="1">
+      <dgm:layoutNode name="circ7" styleLbl="vennNode1">
+        <dgm:alg type="sp"/>
+        <dgm:shape xmlns:r="http://schemas.openxmlformats.org/officeDocument/2006/relationships" type="ellipse" r:blip="">
+          <dgm:adjLst/>
+        </dgm:shape>
+        <dgm:presOf/>
+        <dgm:constrLst/>
+        <dgm:ruleLst/>
+      </dgm:layoutNode>
+      <dgm:layoutNode name="circ7Tx" styleLbl="revTx">
+        <dgm:varLst>
+          <dgm:chMax val="0"/>
+          <dgm:chPref val="0"/>
+          <dgm:bulletEnabled val="1"/>
+        </dgm:varLst>
+        <dgm:alg type="tx">
+          <dgm:param type="txAnchorHorzCh" val="ctr"/>
+          <dgm:param type="txAnchorVertCh" val="mid"/>
+        </dgm:alg>
+        <dgm:shape xmlns:r="http://schemas.openxmlformats.org/officeDocument/2006/relationships" type="rect" r:blip="" hideGeom="1">
+          <dgm:adjLst/>
+        </dgm:shape>
+        <dgm:choose name="Name124">
+          <dgm:if name="Name125" func="var" arg="dir" op="equ" val="norm">
+            <dgm:presOf axis="desOrSelf" ptType="node"/>
+          </dgm:if>
+          <dgm:else name="Name126">
+            <dgm:presOf axis="root ch desOrSelf" ptType="all node node" st="1 2 1" cnt="1 1 0"/>
+          </dgm:else>
+        </dgm:choose>
+        <dgm:constrLst>
+          <dgm:constr type="tMarg"/>
+          <dgm:constr type="bMarg"/>
+          <dgm:constr type="lMarg"/>
+          <dgm:constr type="rMarg"/>
+          <dgm:constr type="primFontSz" val="65"/>
+        </dgm:constrLst>
+        <dgm:ruleLst>
+          <dgm:rule type="primFontSz" val="5" fact="NaN" max="NaN"/>
+        </dgm:ruleLst>
+      </dgm:layoutNode>
+    </dgm:forEach>
+  </dgm:layoutNode>
+</dgm:layoutDef>
+</file>
+
 <file path=ppt/diagrams/quickStyle1.xml><?xml version="1.0" encoding="utf-8"?>
+<dgm:styleDef xmlns:dgm="http://schemas.openxmlformats.org/drawingml/2006/diagram" xmlns:a="http://schemas.openxmlformats.org/drawingml/2006/main" uniqueId="urn:microsoft.com/office/officeart/2005/8/quickstyle/simple4">
+  <dgm:title val=""/>
+  <dgm:desc val=""/>
+  <dgm:catLst>
+    <dgm:cat type="simple" pri="10400"/>
+  </dgm:catLst>
+  <dgm:scene3d>
+    <a:camera prst="orthographicFront"/>
+    <a:lightRig rig="threePt" dir="t"/>
+  </dgm:scene3d>
+  <dgm:styleLbl name="node0">
+    <dgm:scene3d>
+      <a:camera prst="orthographicFront"/>
+      <a:lightRig rig="threePt" dir="t"/>
+    </dgm:scene3d>
+    <dgm:sp3d/>
+    <dgm:txPr/>
+    <dgm:style>
+      <a:lnRef idx="0">
+        <a:scrgbClr r="0" g="0" b="0"/>
+      </a:lnRef>
+      <a:fillRef idx="3">
+        <a:scrgbClr r="0" g="0" b="0"/>
+      </a:fillRef>
+      <a:effectRef idx="2">
+        <a:scrgbClr r="0" g="0" b="0"/>
+      </a:effectRef>
+      <a:fontRef idx="minor">
+        <a:schemeClr val="lt1"/>
+      </a:fontRef>
+    </dgm:style>
+  </dgm:styleLbl>
+  <dgm:styleLbl name="lnNode1">
+    <dgm:scene3d>
+      <a:camera prst="orthographicFront"/>
+      <a:lightRig rig="threePt" dir="t"/>
+    </dgm:scene3d>
+    <dgm:sp3d/>
+    <dgm:txPr/>
+    <dgm:style>
+      <a:lnRef idx="1">
+        <a:scrgbClr r="0" g="0" b="0"/>
+      </a:lnRef>
+      <a:fillRef idx="3">
+        <a:scrgbClr r="0" g="0" b="0"/>
+      </a:fillRef>
+      <a:effectRef idx="2">
+        <a:scrgbClr r="0" g="0" b="0"/>
+      </a:effectRef>
+      <a:fontRef idx="minor">
+        <a:schemeClr val="lt1"/>
+      </a:fontRef>
+    </dgm:style>
+  </dgm:styleLbl>
+  <dgm:styleLbl name="vennNode1">
+    <dgm:scene3d>
+      <a:camera prst="orthographicFront"/>
+      <a:lightRig rig="threePt" dir="t"/>
+    </dgm:scene3d>
+    <dgm:sp3d/>
+    <dgm:txPr/>
+    <dgm:style>
+      <a:lnRef idx="0">
+        <a:scrgbClr r="0" g="0" b="0"/>
+      </a:lnRef>
+      <a:fillRef idx="3">
+        <a:scrgbClr r="0" g="0" b="0"/>
+      </a:fillRef>
+      <a:effectRef idx="0">
+        <a:scrgbClr r="0" g="0" b="0"/>
+      </a:effectRef>
+      <a:fontRef idx="minor">
+        <a:schemeClr val="tx1"/>
+      </a:fontRef>
+    </dgm:style>
+  </dgm:styleLbl>
+  <dgm:styleLbl name="alignNode1">
+    <dgm:scene3d>
+      <a:camera prst="orthographicFront"/>
+      <a:lightRig rig="threePt" dir="t"/>
+    </dgm:scene3d>
+    <dgm:sp3d/>
+    <dgm:txPr/>
+    <dgm:style>
+      <a:lnRef idx="1">
+        <a:scrgbClr r="0" g="0" b="0"/>
+      </a:lnRef>
+      <a:fillRef idx="3">
+        <a:scrgbClr r="0" g="0" b="0"/>
+      </a:fillRef>
+      <a:effectRef idx="2">
+        <a:scrgbClr r="0" g="0" b="0"/>
+      </a:effectRef>
+      <a:fontRef idx="minor">
+        <a:schemeClr val="lt1"/>
+      </a:fontRef>
+    </dgm:style>
+  </dgm:styleLbl>
+  <dgm:styleLbl name="node1">
+    <dgm:scene3d>
+      <a:camera prst="orthographicFront"/>
+      <a:lightRig rig="threePt" dir="t"/>
+    </dgm:scene3d>
+    <dgm:sp3d/>
+    <dgm:txPr/>
+    <dgm:style>
+      <a:lnRef idx="0">
+        <a:scrgbClr r="0" g="0" b="0"/>
+      </a:lnRef>
+      <a:fillRef idx="3">
+        <a:scrgbClr r="0" g="0" b="0"/>
+      </a:fillRef>
+      <a:effectRef idx="2">
+        <a:scrgbClr r="0" g="0" b="0"/>
+      </a:effectRef>
+      <a:fontRef idx="minor">
+        <a:schemeClr val="lt1"/>
+      </a:fontRef>
+    </dgm:style>
+  </dgm:styleLbl>
+  <dgm:styleLbl name="node2">
+    <dgm:scene3d>
+      <a:camera prst="orthographicFront"/>
+      <a:lightRig rig="threePt" dir="t"/>
+    </dgm:scene3d>
+    <dgm:sp3d/>
+    <dgm:txPr/>
+    <dgm:style>
+      <a:lnRef idx="0">
+        <a:scrgbClr r="0" g="0" b="0"/>
+      </a:lnRef>
+      <a:fillRef idx="3">
+        <a:scrgbClr r="0" g="0" b="0"/>
+      </a:fillRef>
+      <a:effectRef idx="2">
+        <a:scrgbClr r="0" g="0" b="0"/>
+      </a:effectRef>
+      <a:fontRef idx="minor">
+        <a:schemeClr val="lt1"/>
+      </a:fontRef>
+    </dgm:style>
+  </dgm:styleLbl>
+  <dgm:styleLbl name="node3">
+    <dgm:scene3d>
+      <a:camera prst="orthographicFront"/>
+      <a:lightRig rig="threePt" dir="t"/>
+    </dgm:scene3d>
+    <dgm:sp3d/>
+    <dgm:txPr/>
+    <dgm:style>
+      <a:lnRef idx="0">
+        <a:scrgbClr r="0" g="0" b="0"/>
+      </a:lnRef>
+      <a:fillRef idx="3">
+        <a:scrgbClr r="0" g="0" b="0"/>
+      </a:fillRef>
+      <a:effectRef idx="2">
+        <a:scrgbClr r="0" g="0" b="0"/>
+      </a:effectRef>
+      <a:fontRef idx="minor">
+        <a:schemeClr val="lt1"/>
+      </a:fontRef>
+    </dgm:style>
+  </dgm:styleLbl>
+  <dgm:styleLbl name="node4">
+    <dgm:scene3d>
+      <a:camera prst="orthographicFront"/>
+      <a:lightRig rig="threePt" dir="t"/>
+    </dgm:scene3d>
+    <dgm:sp3d/>
+    <dgm:txPr/>
+    <dgm:style>
+      <a:lnRef idx="0">
+        <a:scrgbClr r="0" g="0" b="0"/>
+      </a:lnRef>
+      <a:fillRef idx="3">
+        <a:scrgbClr r="0" g="0" b="0"/>
+      </a:fillRef>
+      <a:effectRef idx="2">
+        <a:scrgbClr r="0" g="0" b="0"/>
+      </a:effectRef>
+      <a:fontRef idx="minor">
+        <a:schemeClr val="lt1"/>
+      </a:fontRef>
+    </dgm:style>
+  </dgm:styleLbl>
+  <dgm:styleLbl name="fgImgPlace1">
+    <dgm:scene3d>
+      <a:camera prst="orthographicFront"/>
+      <a:lightRig rig="threePt" dir="t"/>
+    </dgm:scene3d>
+    <dgm:sp3d/>
+    <dgm:txPr/>
+    <dgm:style>
+      <a:lnRef idx="0">
+        <a:scrgbClr r="0" g="0" b="0"/>
+      </a:lnRef>
+      <a:fillRef idx="1">
+        <a:scrgbClr r="0" g="0" b="0"/>
+      </a:fillRef>
+      <a:effectRef idx="2">
+        <a:scrgbClr r="0" g="0" b="0"/>
+      </a:effectRef>
+      <a:fontRef idx="minor"/>
+    </dgm:style>
+  </dgm:styleLbl>
+  <dgm:styleLbl name="alignImgPlace1">
+    <dgm:scene3d>
+      <a:camera prst="orthographicFront"/>
+      <a:lightRig rig="threePt" dir="t"/>
+    </dgm:scene3d>
+    <dgm:sp3d/>
+    <dgm:txPr/>
+    <dgm:style>
+      <a:lnRef idx="0">
+        <a:scrgbClr r="0" g="0" b="0"/>
+      </a:lnRef>
+      <a:fillRef idx="1">
+        <a:scrgbClr r="0" g="0" b="0"/>
+      </a:fillRef>
+      <a:effectRef idx="2">
+        <a:scrgbClr r="0" g="0" b="0"/>
+      </a:effectRef>
+      <a:fontRef idx="minor"/>
+    </dgm:style>
+  </dgm:styleLbl>
+  <dgm:styleLbl name="bgImgPlace1">
+    <dgm:scene3d>
+      <a:camera prst="orthographicFront"/>
+      <a:lightRig rig="threePt" dir="t"/>
+    </dgm:scene3d>
+    <dgm:sp3d/>
+    <dgm:txPr/>
+    <dgm:style>
+      <a:lnRef idx="0">
+        <a:scrgbClr r="0" g="0" b="0"/>
+      </a:lnRef>
+      <a:fillRef idx="1">
+        <a:scrgbClr r="0" g="0" b="0"/>
+      </a:fillRef>
+      <a:effectRef idx="2">
+        <a:scrgbClr r="0" g="0" b="0"/>
+      </a:effectRef>
+      <a:fontRef idx="minor"/>
+    </dgm:style>
+  </dgm:styleLbl>
+  <dgm:styleLbl name="sibTrans2D1">
+    <dgm:scene3d>
+      <a:camera prst="orthographicFront"/>
+      <a:lightRig rig="threePt" dir="t"/>
+    </dgm:scene3d>
+    <dgm:sp3d/>
+    <dgm:txPr/>
+    <dgm:style>
+      <a:lnRef idx="0">
+        <a:scrgbClr r="0" g="0" b="0"/>
+      </a:lnRef>
+      <a:fillRef idx="3">
+        <a:scrgbClr r="0" g="0" b="0"/>
+      </a:fillRef>
+      <a:effectRef idx="2">
+        <a:scrgbClr r="0" g="0" b="0"/>
+      </a:effectRef>
+      <a:fontRef idx="minor">
+        <a:schemeClr val="lt1"/>
+      </a:fontRef>
+    </dgm:style>
+  </dgm:styleLbl>
+  <dgm:styleLbl name="fgSibTrans2D1">
+    <dgm:scene3d>
+      <a:camera prst="orthographicFront"/>
+      <a:lightRig rig="threePt" dir="t"/>
+    </dgm:scene3d>
+    <dgm:sp3d/>
+    <dgm:txPr/>
+    <dgm:style>
+      <a:lnRef idx="0">
+        <a:scrgbClr r="0" g="0" b="0"/>
+      </a:lnRef>
+      <a:fillRef idx="3">
+        <a:scrgbClr r="0" g="0" b="0"/>
+      </a:fillRef>
+      <a:effectRef idx="2">
+        <a:scrgbClr r="0" g="0" b="0"/>
+      </a:effectRef>
+      <a:fontRef idx="minor">
+        <a:schemeClr val="lt1"/>
+      </a:fontRef>
+    </dgm:style>
+  </dgm:styleLbl>
+  <dgm:styleLbl name="bgSibTrans2D1">
+    <dgm:scene3d>
+      <a:camera prst="orthographicFront"/>
+      <a:lightRig rig="threePt" dir="t"/>
+    </dgm:scene3d>
+    <dgm:sp3d/>
+    <dgm:txPr/>
+    <dgm:style>
+      <a:lnRef idx="0">
+        <a:scrgbClr r="0" g="0" b="0"/>
+      </a:lnRef>
+      <a:fillRef idx="3">
+        <a:scrgbClr r="0" g="0" b="0"/>
+      </a:fillRef>
+      <a:effectRef idx="2">
+        <a:scrgbClr r="0" g="0" b="0"/>
+      </a:effectRef>
+      <a:fontRef idx="minor">
+        <a:schemeClr val="lt1"/>
+      </a:fontRef>
+    </dgm:style>
+  </dgm:styleLbl>
+  <dgm:styleLbl name="sibTrans1D1">
+    <dgm:scene3d>
+      <a:camera prst="orthographicFront"/>
+      <a:lightRig rig="threePt" dir="t"/>
+    </dgm:scene3d>
+    <dgm:sp3d/>
+    <dgm:txPr/>
+    <dgm:style>
+      <a:lnRef idx="1">
+        <a:scrgbClr r="0" g="0" b="0"/>
+      </a:lnRef>
+      <a:fillRef idx="0">
+        <a:scrgbClr r="0" g="0" b="0"/>
+      </a:fillRef>
+      <a:effectRef idx="0">
+        <a:scrgbClr r="0" g="0" b="0"/>
+      </a:effectRef>
+      <a:fontRef idx="minor"/>
+    </dgm:style>
+  </dgm:styleLbl>
+  <dgm:styleLbl name="callout">
+    <dgm:scene3d>
+      <a:camera prst="orthographicFront"/>
+      <a:lightRig rig="threePt" dir="t"/>
+    </dgm:scene3d>
+    <dgm:sp3d/>
+    <dgm:txPr/>
+    <dgm:style>
+      <a:lnRef idx="2">
+        <a:scrgbClr r="0" g="0" b="0"/>
+      </a:lnRef>
+      <a:fillRef idx="1">
+        <a:scrgbClr r="0" g="0" b="0"/>
+      </a:fillRef>
+      <a:effectRef idx="1">
+        <a:scrgbClr r="0" g="0" b="0"/>
+      </a:effectRef>
+      <a:fontRef idx="minor"/>
+    </dgm:style>
+  </dgm:styleLbl>
+  <dgm:styleLbl name="asst0">
+    <dgm:scene3d>
+      <a:camera prst="orthographicFront"/>
+      <a:lightRig rig="threePt" dir="t"/>
+    </dgm:scene3d>
+    <dgm:sp3d/>
+    <dgm:txPr/>
+    <dgm:style>
+      <a:lnRef idx="0">
+        <a:scrgbClr r="0" g="0" b="0"/>
+      </a:lnRef>
+      <a:fillRef idx="3">
+        <a:scrgbClr r="0" g="0" b="0"/>
+      </a:fillRef>
+      <a:effectRef idx="2">
+        <a:scrgbClr r="0" g="0" b="0"/>
+      </a:effectRef>
+      <a:fontRef idx="minor">
+        <a:schemeClr val="lt1"/>
+      </a:fontRef>
+    </dgm:style>
+  </dgm:styleLbl>
+  <dgm:styleLbl name="asst1">
+    <dgm:scene3d>
+      <a:camera prst="orthographicFront"/>
+      <a:lightRig rig="threePt" dir="t"/>
+    </dgm:scene3d>
+    <dgm:sp3d/>
+    <dgm:txPr/>
+    <dgm:style>
+      <a:lnRef idx="0">
+        <a:scrgbClr r="0" g="0" b="0"/>
+      </a:lnRef>
+      <a:fillRef idx="3">
+        <a:scrgbClr r="0" g="0" b="0"/>
+      </a:fillRef>
+      <a:effectRef idx="2">
+        <a:scrgbClr r="0" g="0" b="0"/>
+      </a:effectRef>
+      <a:fontRef idx="minor">
+        <a:schemeClr val="lt1"/>
+      </a:fontRef>
+    </dgm:style>
+  </dgm:styleLbl>
+  <dgm:styleLbl name="asst2">
+    <dgm:scene3d>
+      <a:camera prst="orthographicFront"/>
+      <a:lightRig rig="threePt" dir="t"/>
+    </dgm:scene3d>
+    <dgm:sp3d/>
+    <dgm:txPr/>
+    <dgm:style>
+      <a:lnRef idx="0">
+        <a:scrgbClr r="0" g="0" b="0"/>
+      </a:lnRef>
+      <a:fillRef idx="3">
+        <a:scrgbClr r="0" g="0" b="0"/>
+      </a:fillRef>
+      <a:effectRef idx="2">
+        <a:scrgbClr r="0" g="0" b="0"/>
+      </a:effectRef>
+      <a:fontRef idx="minor">
+        <a:schemeClr val="lt1"/>
+      </a:fontRef>
+    </dgm:style>
+  </dgm:styleLbl>
+  <dgm:styleLbl name="asst3">
+    <dgm:scene3d>
+      <a:camera prst="orthographicFront"/>
+      <a:lightRig rig="threePt" dir="t"/>
+    </dgm:scene3d>
+    <dgm:sp3d/>
+    <dgm:txPr/>
+    <dgm:style>
+      <a:lnRef idx="0">
+        <a:scrgbClr r="0" g="0" b="0"/>
+      </a:lnRef>
+      <a:fillRef idx="3">
+        <a:scrgbClr r="0" g="0" b="0"/>
+      </a:fillRef>
+      <a:effectRef idx="2">
+        <a:scrgbClr r="0" g="0" b="0"/>
+      </a:effectRef>
+      <a:fontRef idx="minor">
+        <a:schemeClr val="lt1"/>
+      </a:fontRef>
+    </dgm:style>
+  </dgm:styleLbl>
+  <dgm:styleLbl name="asst4">
+    <dgm:scene3d>
+      <a:camera prst="orthographicFront"/>
+      <a:lightRig rig="threePt" dir="t"/>
+    </dgm:scene3d>
+    <dgm:sp3d/>
+    <dgm:txPr/>
+    <dgm:style>
+      <a:lnRef idx="0">
+        <a:scrgbClr r="0" g="0" b="0"/>
+      </a:lnRef>
+      <a:fillRef idx="3">
+        <a:scrgbClr r="0" g="0" b="0"/>
+      </a:fillRef>
+      <a:effectRef idx="2">
+        <a:scrgbClr r="0" g="0" b="0"/>
+      </a:effectRef>
+      <a:fontRef idx="minor">
+        <a:schemeClr val="lt1"/>
+      </a:fontRef>
+    </dgm:style>
+  </dgm:styleLbl>
+  <dgm:styleLbl name="parChTrans2D1">
+    <dgm:scene3d>
+      <a:camera prst="orthographicFront"/>
+      <a:lightRig rig="threePt" dir="t"/>
+    </dgm:scene3d>
+    <dgm:sp3d/>
+    <dgm:txPr/>
+    <dgm:style>
+      <a:lnRef idx="0">
+        <a:scrgbClr r="0" g="0" b="0"/>
+      </a:lnRef>
+      <a:fillRef idx="3">
+        <a:scrgbClr r="0" g="0" b="0"/>
+      </a:fillRef>
+      <a:effectRef idx="2">
+        <a:scrgbClr r="0" g="0" b="0"/>
+      </a:effectRef>
+      <a:fontRef idx="minor">
+        <a:schemeClr val="lt1"/>
+      </a:fontRef>
+    </dgm:style>
+  </dgm:styleLbl>
+  <dgm:styleLbl name="parChTrans2D2">
+    <dgm:scene3d>
+      <a:camera prst="orthographicFront"/>
+      <a:lightRig rig="threePt" dir="t"/>
+    </dgm:scene3d>
+    <dgm:sp3d/>
+    <dgm:txPr/>
+    <dgm:style>
+      <a:lnRef idx="0">
+        <a:scrgbClr r="0" g="0" b="0"/>
+      </a:lnRef>
+      <a:fillRef idx="3">
+        <a:scrgbClr r="0" g="0" b="0"/>
+      </a:fillRef>
+      <a:effectRef idx="2">
+        <a:scrgbClr r="0" g="0" b="0"/>
+      </a:effectRef>
+      <a:fontRef idx="minor">
+        <a:schemeClr val="lt1"/>
+      </a:fontRef>
+    </dgm:style>
+  </dgm:styleLbl>
+  <dgm:styleLbl name="parChTrans2D3">
+    <dgm:scene3d>
+      <a:camera prst="orthographicFront"/>
+      <a:lightRig rig="threePt" dir="t"/>
+    </dgm:scene3d>
+    <dgm:sp3d/>
+    <dgm:txPr/>
+    <dgm:style>
+      <a:lnRef idx="1">
+        <a:scrgbClr r="0" g="0" b="0"/>
+      </a:lnRef>
+      <a:fillRef idx="3">
+        <a:scrgbClr r="0" g="0" b="0"/>
+      </a:fillRef>
+      <a:effectRef idx="2">
+        <a:scrgbClr r="0" g="0" b="0"/>
+      </a:effectRef>
+      <a:fontRef idx="minor">
+        <a:schemeClr val="lt1"/>
+      </a:fontRef>
+    </dgm:style>
+  </dgm:styleLbl>
+  <dgm:styleLbl name="parChTrans2D4">
+    <dgm:scene3d>
+      <a:camera prst="orthographicFront"/>
+      <a:lightRig rig="threePt" dir="t"/>
+    </dgm:scene3d>
+    <dgm:sp3d/>
+    <dgm:txPr/>
+    <dgm:style>
+      <a:lnRef idx="1">
+        <a:scrgbClr r="0" g="0" b="0"/>
+      </a:lnRef>
+      <a:fillRef idx="3">
+        <a:scrgbClr r="0" g="0" b="0"/>
+      </a:fillRef>
+      <a:effectRef idx="2">
+        <a:scrgbClr r="0" g="0" b="0"/>
+      </a:effectRef>
+      <a:fontRef idx="minor">
+        <a:schemeClr val="lt1"/>
+      </a:fontRef>
+    </dgm:style>
+  </dgm:styleLbl>
+  <dgm:styleLbl name="parChTrans1D1">
+    <dgm:scene3d>
+      <a:camera prst="orthographicFront"/>
+      <a:lightRig rig="threePt" dir="t"/>
+    </dgm:scene3d>
+    <dgm:sp3d/>
+    <dgm:txPr/>
+    <dgm:style>
+      <a:lnRef idx="1">
+        <a:scrgbClr r="0" g="0" b="0"/>
+      </a:lnRef>
+      <a:fillRef idx="0">
+        <a:scrgbClr r="0" g="0" b="0"/>
+      </a:fillRef>
+      <a:effectRef idx="0">
+        <a:scrgbClr r="0" g="0" b="0"/>
+      </a:effectRef>
+      <a:fontRef idx="minor"/>
+    </dgm:style>
+  </dgm:styleLbl>
+  <dgm:styleLbl name="parChTrans1D2">
+    <dgm:scene3d>
+      <a:camera prst="orthographicFront"/>
+      <a:lightRig rig="threePt" dir="t"/>
+    </dgm:scene3d>
+    <dgm:sp3d/>
+    <dgm:txPr/>
+    <dgm:style>
+      <a:lnRef idx="1">
+        <a:scrgbClr r="0" g="0" b="0"/>
+      </a:lnRef>
+      <a:fillRef idx="0">
+        <a:scrgbClr r="0" g="0" b="0"/>
+      </a:fillRef>
+      <a:effectRef idx="0">
+        <a:scrgbClr r="0" g="0" b="0"/>
+      </a:effectRef>
+      <a:fontRef idx="minor"/>
+    </dgm:style>
+  </dgm:styleLbl>
+  <dgm:styleLbl name="parChTrans1D3">
+    <dgm:scene3d>
+      <a:camera prst="orthographicFront"/>
+      <a:lightRig rig="threePt" dir="t"/>
+    </dgm:scene3d>
+    <dgm:sp3d/>
+    <dgm:txPr/>
+    <dgm:style>
+      <a:lnRef idx="1">
+        <a:scrgbClr r="0" g="0" b="0"/>
+      </a:lnRef>
+      <a:fillRef idx="0">
+        <a:scrgbClr r="0" g="0" b="0"/>
+      </a:fillRef>
+      <a:effectRef idx="0">
+        <a:scrgbClr r="0" g="0" b="0"/>
+      </a:effectRef>
+      <a:fontRef idx="minor"/>
+    </dgm:style>
+  </dgm:styleLbl>
+  <dgm:styleLbl name="parChTrans1D4">
+    <dgm:scene3d>
+      <a:camera prst="orthographicFront"/>
+      <a:lightRig rig="threePt" dir="t"/>
+    </dgm:scene3d>
+    <dgm:sp3d/>
+    <dgm:txPr/>
+    <dgm:style>
+      <a:lnRef idx="1">
+        <a:scrgbClr r="0" g="0" b="0"/>
+      </a:lnRef>
+      <a:fillRef idx="0">
+        <a:scrgbClr r="0" g="0" b="0"/>
+      </a:fillRef>
+      <a:effectRef idx="0">
+        <a:scrgbClr r="0" g="0" b="0"/>
+      </a:effectRef>
+      <a:fontRef idx="minor"/>
+    </dgm:style>
+  </dgm:styleLbl>
+  <dgm:styleLbl name="fgAcc1">
+    <dgm:scene3d>
+      <a:camera prst="orthographicFront"/>
+      <a:lightRig rig="threePt" dir="t"/>
+    </dgm:scene3d>
+    <dgm:sp3d/>
+    <dgm:txPr/>
+    <dgm:style>
+      <a:lnRef idx="1">
+        <a:scrgbClr r="0" g="0" b="0"/>
+      </a:lnRef>
+      <a:fillRef idx="1">
+        <a:scrgbClr r="0" g="0" b="0"/>
+      </a:fillRef>
+      <a:effectRef idx="0">
+        <a:scrgbClr r="0" g="0" b="0"/>
+      </a:effectRef>
+      <a:fontRef idx="minor"/>
+    </dgm:style>
+  </dgm:styleLbl>
+  <dgm:styleLbl name="conFgAcc1">
+    <dgm:scene3d>
+      <a:camera prst="orthographicFront"/>
+      <a:lightRig rig="threePt" dir="t"/>
+    </dgm:scene3d>
+    <dgm:sp3d/>
+    <dgm:txPr/>
+    <dgm:style>
+      <a:lnRef idx="1">
+        <a:scrgbClr r="0" g="0" b="0"/>
+      </a:lnRef>
+      <a:fillRef idx="1">
+        <a:scrgbClr r="0" g="0" b="0"/>
+      </a:fillRef>
+      <a:effectRef idx="0">
+        <a:scrgbClr r="0" g="0" b="0"/>
+      </a:effectRef>
+      <a:fontRef idx="minor"/>
+    </dgm:style>
+  </dgm:styleLbl>
+  <dgm:styleLbl name="alignAcc1">
+    <dgm:scene3d>
+      <a:camera prst="orthographicFront"/>
+      <a:lightRig rig="threePt" dir="t"/>
+    </dgm:scene3d>
+    <dgm:sp3d/>
+    <dgm:txPr/>
+    <dgm:style>
+      <a:lnRef idx="1">
+        <a:scrgbClr r="0" g="0" b="0"/>
+      </a:lnRef>
+      <a:fillRef idx="1">
+        <a:scrgbClr r="0" g="0" b="0"/>
+      </a:fillRef>
+      <a:effectRef idx="0">
+        <a:scrgbClr r="0" g="0" b="0"/>
+      </a:effectRef>
+      <a:fontRef idx="minor"/>
+    </dgm:style>
+  </dgm:styleLbl>
+  <dgm:styleLbl name="trAlignAcc1">
+    <dgm:scene3d>
+      <a:camera prst="orthographicFront"/>
+      <a:lightRig rig="threePt" dir="t"/>
+    </dgm:scene3d>
+    <dgm:sp3d/>
+    <dgm:txPr/>
+    <dgm:style>
+      <a:lnRef idx="1">
+        <a:scrgbClr r="0" g="0" b="0"/>
+      </a:lnRef>
+      <a:fillRef idx="1">
+        <a:scrgbClr r="0" g="0" b="0"/>
+      </a:fillRef>
+      <a:effectRef idx="0">
+        <a:scrgbClr r="0" g="0" b="0"/>
+      </a:effectRef>
+      <a:fontRef idx="minor"/>
+    </dgm:style>
+  </dgm:styleLbl>
+  <dgm:styleLbl name="bgAcc1">
+    <dgm:scene3d>
+      <a:camera prst="orthographicFront"/>
+      <a:lightRig rig="threePt" dir="t"/>
+    </dgm:scene3d>
+    <dgm:sp3d/>
+    <dgm:txPr/>
+    <dgm:style>
+      <a:lnRef idx="1">
+        <a:scrgbClr r="0" g="0" b="0"/>
+      </a:lnRef>
+      <a:fillRef idx="1">
+        <a:scrgbClr r="0" g="0" b="0"/>
+      </a:fillRef>
+      <a:effectRef idx="0">
+        <a:scrgbClr r="0" g="0" b="0"/>
+      </a:effectRef>
+      <a:fontRef idx="minor"/>
+    </dgm:style>
+  </dgm:styleLbl>
+  <dgm:styleLbl name="solidFgAcc1">
+    <dgm:scene3d>
+      <a:camera prst="orthographicFront"/>
+      <a:lightRig rig="threePt" dir="t"/>
+    </dgm:scene3d>
+    <dgm:sp3d/>
+    <dgm:txPr/>
+    <dgm:style>
+      <a:lnRef idx="1">
+        <a:scrgbClr r="0" g="0" b="0"/>
+      </a:lnRef>
+      <a:fillRef idx="1">
+        <a:scrgbClr r="0" g="0" b="0"/>
+      </a:fillRef>
+      <a:effectRef idx="0">
+        <a:scrgbClr r="0" g="0" b="0"/>
+      </a:effectRef>
+      <a:fontRef idx="minor"/>
+    </dgm:style>
+  </dgm:styleLbl>
+  <dgm:styleLbl name="solidAlignAcc1">
+    <dgm:scene3d>
+      <a:camera prst="orthographicFront"/>
+      <a:lightRig rig="threePt" dir="t"/>
+    </dgm:scene3d>
+    <dgm:sp3d/>
+    <dgm:txPr/>
+    <dgm:style>
+      <a:lnRef idx="1">
+        <a:scrgbClr r="0" g="0" b="0"/>
+      </a:lnRef>
+      <a:fillRef idx="1">
+        <a:scrgbClr r="0" g="0" b="0"/>
+      </a:fillRef>
+      <a:effectRef idx="0">
+        <a:scrgbClr r="0" g="0" b="0"/>
+      </a:effectRef>
+      <a:fontRef idx="minor"/>
+    </dgm:style>
+  </dgm:styleLbl>
+  <dgm:styleLbl name="solidBgAcc1">
+    <dgm:scene3d>
+      <a:camera prst="orthographicFront"/>
+      <a:lightRig rig="threePt" dir="t"/>
+    </dgm:scene3d>
+    <dgm:sp3d/>
+    <dgm:txPr/>
+    <dgm:style>
+      <a:lnRef idx="1">
+        <a:scrgbClr r="0" g="0" b="0"/>
+      </a:lnRef>
+      <a:fillRef idx="1">
+        <a:scrgbClr r="0" g="0" b="0"/>
+      </a:fillRef>
+      <a:effectRef idx="0">
+        <a:scrgbClr r="0" g="0" b="0"/>
+      </a:effectRef>
+      <a:fontRef idx="minor"/>
+    </dgm:style>
+  </dgm:styleLbl>
+  <dgm:styleLbl name="fgAccFollowNode1">
+    <dgm:scene3d>
+      <a:camera prst="orthographicFront"/>
+      <a:lightRig rig="threePt" dir="t"/>
+    </dgm:scene3d>
+    <dgm:sp3d/>
+    <dgm:txPr/>
+    <dgm:style>
+      <a:lnRef idx="1">
+        <a:scrgbClr r="0" g="0" b="0"/>
+      </a:lnRef>
+      <a:fillRef idx="1">
+        <a:scrgbClr r="0" g="0" b="0"/>
+      </a:fillRef>
+      <a:effectRef idx="0">
+        <a:scrgbClr r="0" g="0" b="0"/>
+      </a:effectRef>
+      <a:fontRef idx="minor"/>
+    </dgm:style>
+  </dgm:styleLbl>
+  <dgm:styleLbl name="alignAccFollowNode1">
+    <dgm:scene3d>
+      <a:camera prst="orthographicFront"/>
+      <a:lightRig rig="threePt" dir="t"/>
+    </dgm:scene3d>
+    <dgm:sp3d/>
+    <dgm:txPr/>
+    <dgm:style>
+      <a:lnRef idx="1">
+        <a:scrgbClr r="0" g="0" b="0"/>
+      </a:lnRef>
+      <a:fillRef idx="1">
+        <a:scrgbClr r="0" g="0" b="0"/>
+      </a:fillRef>
+      <a:effectRef idx="0">
+        <a:scrgbClr r="0" g="0" b="0"/>
+      </a:effectRef>
+      <a:fontRef idx="minor"/>
+    </dgm:style>
+  </dgm:styleLbl>
+  <dgm:styleLbl name="bgAccFollowNode1">
+    <dgm:scene3d>
+      <a:camera prst="orthographicFront"/>
+      <a:lightRig rig="threePt" dir="t"/>
+    </dgm:scene3d>
+    <dgm:sp3d/>
+    <dgm:txPr/>
+    <dgm:style>
+      <a:lnRef idx="1">
+        <a:scrgbClr r="0" g="0" b="0"/>
+      </a:lnRef>
+      <a:fillRef idx="1">
+        <a:scrgbClr r="0" g="0" b="0"/>
+      </a:fillRef>
+      <a:effectRef idx="0">
+        <a:scrgbClr r="0" g="0" b="0"/>
+      </a:effectRef>
+      <a:fontRef idx="minor"/>
+    </dgm:style>
+  </dgm:styleLbl>
+  <dgm:styleLbl name="fgAcc0">
+    <dgm:scene3d>
+      <a:camera prst="orthographicFront"/>
+      <a:lightRig rig="threePt" dir="t"/>
+    </dgm:scene3d>
+    <dgm:sp3d/>
+    <dgm:txPr/>
+    <dgm:style>
+      <a:lnRef idx="1">
+        <a:scrgbClr r="0" g="0" b="0"/>
+      </a:lnRef>
+      <a:fillRef idx="1">
+        <a:scrgbClr r="0" g="0" b="0"/>
+      </a:fillRef>
+      <a:effectRef idx="0">
+        <a:scrgbClr r="0" g="0" b="0"/>
+      </a:effectRef>
+      <a:fontRef idx="minor"/>
+    </dgm:style>
+  </dgm:styleLbl>
+  <dgm:styleLbl name="fgAcc2">
+    <dgm:scene3d>
+      <a:camera prst="orthographicFront"/>
+      <a:lightRig rig="threePt" dir="t"/>
+    </dgm:scene3d>
+    <dgm:sp3d/>
+    <dgm:txPr/>
+    <dgm:style>
+      <a:lnRef idx="1">
+        <a:scrgbClr r="0" g="0" b="0"/>
+      </a:lnRef>
+      <a:fillRef idx="1">
+        <a:scrgbClr r="0" g="0" b="0"/>
+      </a:fillRef>
+      <a:effectRef idx="0">
+        <a:scrgbClr r="0" g="0" b="0"/>
+      </a:effectRef>
+      <a:fontRef idx="minor"/>
+    </dgm:style>
+  </dgm:styleLbl>
+  <dgm:styleLbl name="fgAcc3">
+    <dgm:scene3d>
+      <a:camera prst="orthographicFront"/>
+      <a:lightRig rig="threePt" dir="t"/>
+    </dgm:scene3d>
+    <dgm:sp3d/>
+    <dgm:txPr/>
+    <dgm:style>
+      <a:lnRef idx="1">
+        <a:scrgbClr r="0" g="0" b="0"/>
+      </a:lnRef>
+      <a:fillRef idx="1">
+        <a:scrgbClr r="0" g="0" b="0"/>
+      </a:fillRef>
+      <a:effectRef idx="0">
+        <a:scrgbClr r="0" g="0" b="0"/>
+      </a:effectRef>
+      <a:fontRef idx="minor"/>
+    </dgm:style>
+  </dgm:styleLbl>
+  <dgm:styleLbl name="fgAcc4">
+    <dgm:scene3d>
+      <a:camera prst="orthographicFront"/>
+      <a:lightRig rig="threePt" dir="t"/>
+    </dgm:scene3d>
+    <dgm:sp3d/>
+    <dgm:txPr/>
+    <dgm:style>
+      <a:lnRef idx="1">
+        <a:scrgbClr r="0" g="0" b="0"/>
+      </a:lnRef>
+      <a:fillRef idx="1">
+        <a:scrgbClr r="0" g="0" b="0"/>
+      </a:fillRef>
+      <a:effectRef idx="0">
+        <a:scrgbClr r="0" g="0" b="0"/>
+      </a:effectRef>
+      <a:fontRef idx="minor"/>
+    </dgm:style>
+  </dgm:styleLbl>
+  <dgm:styleLbl name="bgShp">
+    <dgm:scene3d>
+      <a:camera prst="orthographicFront"/>
+      <a:lightRig rig="threePt" dir="t"/>
+    </dgm:scene3d>
+    <dgm:sp3d/>
+    <dgm:txPr/>
+    <dgm:style>
+      <a:lnRef idx="0">
+        <a:scrgbClr r="0" g="0" b="0"/>
+      </a:lnRef>
+      <a:fillRef idx="1">
+        <a:scrgbClr r="0" g="0" b="0"/>
+      </a:fillRef>
+      <a:effectRef idx="2">
+        <a:scrgbClr r="0" g="0" b="0"/>
+      </a:effectRef>
+      <a:fontRef idx="minor"/>
+    </dgm:style>
+  </dgm:styleLbl>
+  <dgm:styleLbl name="dkBgShp">
+    <dgm:scene3d>
+      <a:camera prst="orthographicFront"/>
+      <a:lightRig rig="threePt" dir="t"/>
+    </dgm:scene3d>
+    <dgm:sp3d/>
+    <dgm:txPr/>
+    <dgm:style>
+      <a:lnRef idx="0">
+        <a:scrgbClr r="0" g="0" b="0"/>
+      </a:lnRef>
+      <a:fillRef idx="1">
+        <a:scrgbClr r="0" g="0" b="0"/>
+      </a:fillRef>
+      <a:effectRef idx="2">
+        <a:scrgbClr r="0" g="0" b="0"/>
+      </a:effectRef>
+      <a:fontRef idx="minor"/>
+    </dgm:style>
+  </dgm:styleLbl>
+  <dgm:styleLbl name="trBgShp">
+    <dgm:scene3d>
+      <a:camera prst="orthographicFront"/>
+      <a:lightRig rig="threePt" dir="t"/>
+    </dgm:scene3d>
+    <dgm:sp3d/>
+    <dgm:txPr/>
+    <dgm:style>
+      <a:lnRef idx="0">
+        <a:scrgbClr r="0" g="0" b="0"/>
+      </a:lnRef>
+      <a:fillRef idx="1">
+        <a:scrgbClr r="0" g="0" b="0"/>
+      </a:fillRef>
+      <a:effectRef idx="0">
+        <a:scrgbClr r="0" g="0" b="0"/>
+      </a:effectRef>
+      <a:fontRef idx="minor"/>
+    </dgm:style>
+  </dgm:styleLbl>
+  <dgm:styleLbl name="fgShp">
+    <dgm:scene3d>
+      <a:camera prst="orthographicFront"/>
+      <a:lightRig rig="threePt" dir="t"/>
+    </dgm:scene3d>
+    <dgm:sp3d/>
+    <dgm:txPr/>
+    <dgm:style>
+      <a:lnRef idx="0">
+        <a:scrgbClr r="0" g="0" b="0"/>
+      </a:lnRef>
+      <a:fillRef idx="3">
+        <a:scrgbClr r="0" g="0" b="0"/>
+      </a:fillRef>
+      <a:effectRef idx="2">
+        <a:scrgbClr r="0" g="0" b="0"/>
+      </a:effectRef>
+      <a:fontRef idx="minor"/>
+    </dgm:style>
+  </dgm:styleLbl>
+  <dgm:styleLbl name="revTx">
+    <dgm:scene3d>
+      <a:camera prst="orthographicFront"/>
+      <a:lightRig rig="threePt" dir="t"/>
+    </dgm:scene3d>
+    <dgm:sp3d/>
+    <dgm:txPr/>
+    <dgm:style>
+      <a:lnRef idx="0">
+        <a:scrgbClr r="0" g="0" b="0"/>
+      </a:lnRef>
+      <a:fillRef idx="0">
+        <a:scrgbClr r="0" g="0" b="0"/>
+      </a:fillRef>
+      <a:effectRef idx="0">
+        <a:scrgbClr r="0" g="0" b="0"/>
+      </a:effectRef>
+      <a:fontRef idx="minor"/>
+    </dgm:style>
+  </dgm:styleLbl>
+</dgm:styleDef>
+</file>
+
+<file path=ppt/diagrams/quickStyle2.xml><?xml version="1.0" encoding="utf-8"?>
 <dgm:styleDef xmlns:dgm="http://schemas.openxmlformats.org/drawingml/2006/diagram" xmlns:a="http://schemas.openxmlformats.org/drawingml/2006/main" uniqueId="urn:microsoft.com/office/officeart/2005/8/quickstyle/simple4">
   <dgm:title val=""/>
   <dgm:desc val=""/>
@@ -6406,6 +9973,97 @@
       </p:grpSpPr>
       <p:graphicFrame>
         <p:nvGraphicFramePr>
+          <p:cNvPr id="5" name="Content Placeholder 3"/>
+          <p:cNvGraphicFramePr>
+            <a:graphicFrameLocks noGrp="1"/>
+          </p:cNvGraphicFramePr>
+          <p:nvPr>
+            <p:ph idx="1"/>
+            <p:extLst>
+              <p:ext uri="{D42A27DB-BD31-4B8C-83A1-F6EECF244321}">
+                <p14:modId xmlns:p14="http://schemas.microsoft.com/office/powerpoint/2010/main" val="814345265"/>
+              </p:ext>
+            </p:extLst>
+          </p:nvPr>
+        </p:nvGraphicFramePr>
+        <p:xfrm>
+          <a:off x="1789448" y="904864"/>
+          <a:ext cx="3511131" cy="3500032"/>
+        </p:xfrm>
+        <a:graphic>
+          <a:graphicData uri="http://schemas.openxmlformats.org/drawingml/2006/diagram">
+            <dgm:relIds xmlns:dgm="http://schemas.openxmlformats.org/drawingml/2006/diagram" xmlns:r="http://schemas.openxmlformats.org/officeDocument/2006/relationships" r:dm="rId2" r:lo="rId3" r:qs="rId4" r:cs="rId5"/>
+          </a:graphicData>
+        </a:graphic>
+      </p:graphicFrame>
+      <p:sp>
+        <p:nvSpPr>
+          <p:cNvPr id="6" name="TextBox 5"/>
+          <p:cNvSpPr txBox="1"/>
+          <p:nvPr/>
+        </p:nvSpPr>
+        <p:spPr>
+          <a:xfrm>
+            <a:off x="2967972" y="2552025"/>
+            <a:ext cx="1101776" cy="369332"/>
+          </a:xfrm>
+          <a:prstGeom prst="rect">
+            <a:avLst/>
+          </a:prstGeom>
+          <a:noFill/>
+          <a:ln>
+            <a:noFill/>
+          </a:ln>
+        </p:spPr>
+        <p:txBody>
+          <a:bodyPr wrap="square" rtlCol="0">
+            <a:spAutoFit/>
+          </a:bodyPr>
+          <a:lstStyle/>
+          <a:p>
+            <a:r>
+              <a:rPr lang="en-US"/>
+              <a:t> </a:t>
+            </a:r>
+            <a:r>
+              <a:rPr lang="en-US" smtClean="0"/>
+              <a:t>   Hybrid</a:t>
+            </a:r>
+          </a:p>
+        </p:txBody>
+      </p:sp>
+    </p:spTree>
+    <p:extLst>
+      <p:ext uri="{BB962C8B-B14F-4D97-AF65-F5344CB8AC3E}">
+        <p14:creationId xmlns:p14="http://schemas.microsoft.com/office/powerpoint/2010/main" val="1845639722"/>
+      </p:ext>
+    </p:extLst>
+  </p:cSld>
+  <p:clrMapOvr>
+    <a:masterClrMapping/>
+  </p:clrMapOvr>
+</p:sld>
+</file>
+
+<file path=ppt/slides/slide3.xml><?xml version="1.0" encoding="utf-8"?>
+<p:sld xmlns:a="http://schemas.openxmlformats.org/drawingml/2006/main" xmlns:r="http://schemas.openxmlformats.org/officeDocument/2006/relationships" xmlns:p="http://schemas.openxmlformats.org/presentationml/2006/main">
+  <p:cSld>
+    <p:spTree>
+      <p:nvGrpSpPr>
+        <p:cNvPr id="1" name=""/>
+        <p:cNvGrpSpPr/>
+        <p:nvPr/>
+      </p:nvGrpSpPr>
+      <p:grpSpPr>
+        <a:xfrm>
+          <a:off x="0" y="0"/>
+          <a:ext cx="0" cy="0"/>
+          <a:chOff x="0" y="0"/>
+          <a:chExt cx="0" cy="0"/>
+        </a:xfrm>
+      </p:grpSpPr>
+      <p:graphicFrame>
+        <p:nvGraphicFramePr>
           <p:cNvPr id="4" name="Table 3"/>
           <p:cNvGraphicFramePr>
             <a:graphicFrameLocks noGrp="1"/>
@@ -6413,14 +10071,14 @@
           <p:nvPr>
             <p:extLst>
               <p:ext uri="{D42A27DB-BD31-4B8C-83A1-F6EECF244321}">
-                <p14:modId xmlns:p14="http://schemas.microsoft.com/office/powerpoint/2010/main" val="1085408592"/>
+                <p14:modId xmlns:p14="http://schemas.microsoft.com/office/powerpoint/2010/main" val="454414916"/>
               </p:ext>
             </p:extLst>
           </p:nvPr>
         </p:nvGraphicFramePr>
         <p:xfrm>
           <a:off x="769251" y="1726795"/>
-          <a:ext cx="8137000" cy="2834640"/>
+          <a:ext cx="8387449" cy="3337560"/>
         </p:xfrm>
         <a:graphic>
           <a:graphicData uri="http://schemas.openxmlformats.org/drawingml/2006/table">
@@ -6430,10 +10088,10 @@
               </a:tblPr>
               <a:tblGrid>
                 <a:gridCol w="1627400"/>
-                <a:gridCol w="1627400"/>
-                <a:gridCol w="1627400"/>
-                <a:gridCol w="1627400"/>
-                <a:gridCol w="1627400"/>
+                <a:gridCol w="1136650"/>
+                <a:gridCol w="1295718"/>
+                <a:gridCol w="2247900"/>
+                <a:gridCol w="2079781"/>
               </a:tblGrid>
               <a:tr h="0">
                 <a:tc>
@@ -6443,10 +10101,10 @@
                     <a:p>
                       <a:pPr algn="ctr"/>
                       <a:r>
-                        <a:rPr lang="en-AU" sz="1200" dirty="0" smtClean="0"/>
+                        <a:rPr lang="en-AU" sz="1200" smtClean="0"/>
                         <a:t>Model</a:t>
                       </a:r>
-                      <a:endParaRPr lang="en-AU" sz="1200" dirty="0"/>
+                      <a:endParaRPr lang="en-AU" sz="1200"/>
                     </a:p>
                   </a:txBody>
                   <a:tcPr>
@@ -6479,10 +10137,10 @@
                     <a:p>
                       <a:pPr algn="ctr"/>
                       <a:r>
-                        <a:rPr lang="en-AU" sz="1200" dirty="0" smtClean="0"/>
+                        <a:rPr lang="en-AU" sz="1200" smtClean="0"/>
                         <a:t>Characteristics</a:t>
                       </a:r>
-                      <a:endParaRPr lang="en-AU" sz="1200" dirty="0"/>
+                      <a:endParaRPr lang="en-AU" sz="1200"/>
                     </a:p>
                   </a:txBody>
                   <a:tcPr>
@@ -6555,10 +10213,10 @@
                     <a:p>
                       <a:pPr algn="ctr"/>
                       <a:r>
-                        <a:rPr lang="en-AU" sz="1200" dirty="0" smtClean="0"/>
+                        <a:rPr lang="en-AU" sz="1200" smtClean="0"/>
                         <a:t>Advantages</a:t>
                       </a:r>
-                      <a:endParaRPr lang="en-AU" sz="1200" dirty="0"/>
+                      <a:endParaRPr lang="en-AU" sz="1200"/>
                     </a:p>
                   </a:txBody>
                   <a:tcPr>
@@ -6591,10 +10249,10 @@
                     <a:p>
                       <a:pPr algn="ctr"/>
                       <a:r>
-                        <a:rPr lang="en-AU" sz="1200" dirty="0" smtClean="0"/>
+                        <a:rPr lang="en-AU" sz="1200" smtClean="0"/>
                         <a:t>Disadvantages</a:t>
                       </a:r>
-                      <a:endParaRPr lang="en-AU" sz="1200" dirty="0"/>
+                      <a:endParaRPr lang="en-AU" sz="1200"/>
                     </a:p>
                   </a:txBody>
                   <a:tcPr>
@@ -6628,10 +10286,10 @@
                     <a:lstStyle/>
                     <a:p>
                       <a:r>
-                        <a:rPr lang="en-AU" sz="1100" dirty="0" smtClean="0"/>
+                        <a:rPr lang="en-AU" sz="1100" smtClean="0"/>
                         <a:t>Exponential smoothing</a:t>
                       </a:r>
-                      <a:endParaRPr lang="en-AU" sz="1100" dirty="0"/>
+                      <a:endParaRPr lang="en-AU" sz="1100"/>
                     </a:p>
                   </a:txBody>
                   <a:tcPr>
@@ -6646,12 +10304,12 @@
                     <a:lstStyle/>
                     <a:p>
                       <a:r>
-                        <a:rPr lang="en-AU" sz="1100" dirty="0" smtClean="0"/>
+                        <a:rPr lang="en-AU" sz="1100" smtClean="0"/>
                         <a:t>linear</a:t>
                       </a:r>
                     </a:p>
                     <a:p>
-                      <a:endParaRPr lang="en-AU" sz="1100" dirty="0"/>
+                      <a:endParaRPr lang="en-AU" sz="1100"/>
                     </a:p>
                   </a:txBody>
                   <a:tcPr>
@@ -6670,7 +10328,7 @@
                         <a:buChar char="•"/>
                       </a:pPr>
                       <a:r>
-                        <a:rPr lang="en-AU" sz="1100" dirty="0" smtClean="0"/>
+                        <a:rPr lang="en-AU" sz="1100" smtClean="0"/>
                         <a:t>deterministic</a:t>
                       </a:r>
                     </a:p>
@@ -6680,8 +10338,8 @@
                         <a:buChar char="•"/>
                       </a:pPr>
                       <a:r>
-                        <a:rPr lang="en-AU" sz="1100" dirty="0" smtClean="0"/>
-                        <a:t>stationary time series</a:t>
+                        <a:rPr lang="en-AU" sz="1100" smtClean="0"/>
+                        <a:t>stationarity</a:t>
                       </a:r>
                     </a:p>
                     <a:p>
@@ -6690,11 +10348,11 @@
                         <a:buChar char="•"/>
                       </a:pPr>
                       <a:r>
-                        <a:rPr lang="en-AU" sz="1100" dirty="0" smtClean="0"/>
+                        <a:rPr lang="en-AU" sz="1100" smtClean="0"/>
                         <a:t>small</a:t>
                       </a:r>
                       <a:r>
-                        <a:rPr lang="en-AU" sz="1100" baseline="0" dirty="0" smtClean="0"/>
+                        <a:rPr lang="en-AU" sz="1100" baseline="0" smtClean="0"/>
                         <a:t> quantity</a:t>
                       </a:r>
                     </a:p>
@@ -6704,10 +10362,10 @@
                         <a:buChar char="•"/>
                       </a:pPr>
                       <a:r>
-                        <a:rPr lang="en-AU" sz="1100" baseline="0" dirty="0" smtClean="0"/>
+                        <a:rPr lang="en-AU" sz="1100" baseline="0" smtClean="0"/>
                         <a:t>continuity</a:t>
                       </a:r>
-                      <a:endParaRPr lang="en-AU" sz="1100" dirty="0" smtClean="0"/>
+                      <a:endParaRPr lang="en-AU" sz="1100" smtClean="0"/>
                     </a:p>
                   </a:txBody>
                   <a:tcPr>
@@ -6721,15 +10379,19 @@
                     <a:bodyPr/>
                     <a:lstStyle/>
                     <a:p>
+                      <a:pPr marL="171450" indent="-171450">
+                        <a:buFont typeface="Arial" charset="0"/>
+                        <a:buChar char="•"/>
+                      </a:pPr>
                       <a:r>
-                        <a:rPr lang="en-AU" sz="1100" dirty="0" smtClean="0"/>
+                        <a:rPr lang="en-AU" sz="1100" smtClean="0"/>
                         <a:t>small</a:t>
                       </a:r>
                       <a:r>
-                        <a:rPr lang="en-AU" sz="1100" baseline="0" dirty="0" smtClean="0"/>
+                        <a:rPr lang="en-AU" sz="1100" baseline="0" smtClean="0"/>
                         <a:t> quantity of data needed</a:t>
                       </a:r>
-                      <a:endParaRPr lang="en-AU" sz="1100" dirty="0"/>
+                      <a:endParaRPr lang="en-AU" sz="1100"/>
                     </a:p>
                   </a:txBody>
                   <a:tcPr>
@@ -6743,7 +10405,7 @@
                     <a:bodyPr/>
                     <a:lstStyle/>
                     <a:p>
-                      <a:endParaRPr lang="en-AU" sz="1100" dirty="0"/>
+                      <a:endParaRPr lang="en-AU" sz="1100"/>
                     </a:p>
                   </a:txBody>
                   <a:tcPr>
@@ -6760,10 +10422,10 @@
                     <a:lstStyle/>
                     <a:p>
                       <a:r>
-                        <a:rPr lang="en-AU" sz="1100" dirty="0" smtClean="0"/>
+                        <a:rPr lang="en-AU" sz="1100" smtClean="0"/>
                         <a:t>ARIMA</a:t>
                       </a:r>
-                      <a:endParaRPr lang="en-AU" sz="1100" dirty="0"/>
+                      <a:endParaRPr lang="en-AU" sz="1100"/>
                     </a:p>
                   </a:txBody>
                   <a:tcPr/>
@@ -6773,7 +10435,7 @@
                     <a:bodyPr/>
                     <a:lstStyle/>
                     <a:p>
-                      <a:endParaRPr lang="en-AU" sz="1100" dirty="0"/>
+                      <a:endParaRPr lang="en-AU" sz="1100"/>
                     </a:p>
                   </a:txBody>
                   <a:tcPr/>
@@ -6788,10 +10450,34 @@
                         <a:buChar char="•"/>
                       </a:pPr>
                       <a:r>
-                        <a:rPr lang="en-AU" sz="1100" dirty="0" smtClean="0"/>
+                        <a:rPr lang="en-AU" sz="1100" smtClean="0"/>
                         <a:t>stochastic</a:t>
                       </a:r>
-                      <a:endParaRPr lang="en-AU" sz="1100" dirty="0"/>
+                    </a:p>
+                    <a:p>
+                      <a:pPr marL="171450" indent="-171450">
+                        <a:buFont typeface="Arial" charset="0"/>
+                        <a:buChar char="•"/>
+                      </a:pPr>
+                      <a:r>
+                        <a:rPr lang="en-AU" sz="1100" smtClean="0"/>
+                        <a:t>non-stationarity</a:t>
+                      </a:r>
+                    </a:p>
+                    <a:p>
+                      <a:pPr marL="171450" indent="-171450">
+                        <a:buFont typeface="Arial" charset="0"/>
+                        <a:buChar char="•"/>
+                      </a:pPr>
+                      <a:r>
+                        <a:rPr lang="en-AU" sz="1100" smtClean="0"/>
+                        <a:t>small</a:t>
+                      </a:r>
+                      <a:r>
+                        <a:rPr lang="en-AU" sz="1100" baseline="0" smtClean="0"/>
+                        <a:t> quantity</a:t>
+                      </a:r>
+                      <a:endParaRPr lang="en-AU" sz="1100"/>
                     </a:p>
                   </a:txBody>
                   <a:tcPr/>
@@ -6801,11 +10487,15 @@
                     <a:bodyPr/>
                     <a:lstStyle/>
                     <a:p>
+                      <a:pPr marL="171450" indent="-171450">
+                        <a:buFont typeface="Arial" charset="0"/>
+                        <a:buChar char="•"/>
+                      </a:pPr>
                       <a:r>
-                        <a:rPr lang="en-AU" sz="1100" dirty="0" smtClean="0"/>
+                        <a:rPr lang="en-AU" sz="1100" smtClean="0"/>
                         <a:t>well established theoretical background</a:t>
                       </a:r>
-                      <a:endParaRPr lang="en-AU" sz="1100" dirty="0"/>
+                      <a:endParaRPr lang="en-AU" sz="1100"/>
                     </a:p>
                   </a:txBody>
                   <a:tcPr/>
@@ -6815,7 +10505,7 @@
                     <a:bodyPr/>
                     <a:lstStyle/>
                     <a:p>
-                      <a:endParaRPr lang="en-AU" sz="1100" dirty="0"/>
+                      <a:endParaRPr lang="en-AU" sz="1100"/>
                     </a:p>
                   </a:txBody>
                   <a:tcPr/>
@@ -6845,7 +10535,7 @@
                     <a:bodyPr/>
                     <a:lstStyle/>
                     <a:p>
-                      <a:endParaRPr lang="en-AU" sz="1100" dirty="0"/>
+                      <a:endParaRPr lang="en-AU" sz="1100"/>
                     </a:p>
                   </a:txBody>
                   <a:tcPr/>
@@ -6855,7 +10545,7 @@
                     <a:bodyPr/>
                     <a:lstStyle/>
                     <a:p>
-                      <a:endParaRPr lang="en-AU" sz="1100" dirty="0"/>
+                      <a:endParaRPr lang="en-AU" sz="1100"/>
                     </a:p>
                   </a:txBody>
                   <a:tcPr/>
@@ -6865,11 +10555,15 @@
                     <a:bodyPr/>
                     <a:lstStyle/>
                     <a:p>
+                      <a:pPr marL="171450" indent="-171450">
+                        <a:buFont typeface="Arial" charset="0"/>
+                        <a:buChar char="•"/>
+                      </a:pPr>
                       <a:r>
-                        <a:rPr lang="en-AU" sz="1100" dirty="0" smtClean="0"/>
+                        <a:rPr lang="en-AU" sz="1100" smtClean="0"/>
                         <a:t>multivariate modelling</a:t>
                       </a:r>
-                      <a:endParaRPr lang="en-AU" sz="1100" dirty="0"/>
+                      <a:endParaRPr lang="en-AU" sz="1100"/>
                     </a:p>
                   </a:txBody>
                   <a:tcPr/>
@@ -6879,7 +10573,7 @@
                     <a:bodyPr/>
                     <a:lstStyle/>
                     <a:p>
-                      <a:endParaRPr lang="en-AU" sz="1100" dirty="0"/>
+                      <a:endParaRPr lang="en-AU" sz="1100"/>
                     </a:p>
                   </a:txBody>
                   <a:tcPr/>
@@ -6892,10 +10586,10 @@
                     <a:lstStyle/>
                     <a:p>
                       <a:r>
-                        <a:rPr lang="en-AU" sz="1100" dirty="0" smtClean="0"/>
+                        <a:rPr lang="en-AU" sz="1100" smtClean="0"/>
                         <a:t>Nearest neighbour</a:t>
                       </a:r>
-                      <a:endParaRPr lang="en-AU" sz="1100" dirty="0"/>
+                      <a:endParaRPr lang="en-AU" sz="1100"/>
                     </a:p>
                   </a:txBody>
                   <a:tcPr/>
@@ -6905,7 +10599,7 @@
                     <a:bodyPr/>
                     <a:lstStyle/>
                     <a:p>
-                      <a:endParaRPr lang="en-AU" sz="1100" dirty="0"/>
+                      <a:endParaRPr lang="en-AU" sz="1100"/>
                     </a:p>
                   </a:txBody>
                   <a:tcPr/>
@@ -6915,7 +10609,7 @@
                     <a:bodyPr/>
                     <a:lstStyle/>
                     <a:p>
-                      <a:endParaRPr lang="en-AU" sz="1100" dirty="0"/>
+                      <a:endParaRPr lang="en-AU" sz="1100"/>
                     </a:p>
                   </a:txBody>
                   <a:tcPr/>
@@ -6925,15 +10619,19 @@
                     <a:bodyPr/>
                     <a:lstStyle/>
                     <a:p>
+                      <a:pPr marL="171450" indent="-171450">
+                        <a:buFont typeface="Arial" charset="0"/>
+                        <a:buChar char="•"/>
+                      </a:pPr>
                       <a:r>
-                        <a:rPr lang="en-AU" sz="1100" dirty="0" smtClean="0"/>
+                        <a:rPr lang="en-AU" sz="1100" smtClean="0"/>
                         <a:t>simple</a:t>
                       </a:r>
                       <a:r>
-                        <a:rPr lang="en-AU" sz="1100" baseline="0" dirty="0" smtClean="0"/>
-                        <a:t> model</a:t>
+                        <a:rPr lang="en-AU" sz="1100" baseline="0" smtClean="0"/>
+                        <a:t> model structure</a:t>
                       </a:r>
-                      <a:endParaRPr lang="en-AU" sz="1100" dirty="0"/>
+                      <a:endParaRPr lang="en-AU" sz="1100"/>
                     </a:p>
                   </a:txBody>
                   <a:tcPr/>
@@ -6943,7 +10641,7 @@
                     <a:bodyPr/>
                     <a:lstStyle/>
                     <a:p>
-                      <a:endParaRPr lang="en-AU" sz="1100" dirty="0"/>
+                      <a:endParaRPr lang="en-AU" sz="1100"/>
                     </a:p>
                   </a:txBody>
                   <a:tcPr/>
@@ -6956,10 +10654,10 @@
                     <a:lstStyle/>
                     <a:p>
                       <a:r>
-                        <a:rPr lang="en-AU" sz="1100" dirty="0" smtClean="0"/>
+                        <a:rPr lang="en-AU" sz="1100" smtClean="0"/>
                         <a:t>Neural networks</a:t>
                       </a:r>
-                      <a:endParaRPr lang="en-AU" sz="1100" dirty="0"/>
+                      <a:endParaRPr lang="en-AU" sz="1100"/>
                     </a:p>
                   </a:txBody>
                   <a:tcPr/>
@@ -6969,7 +10667,7 @@
                     <a:bodyPr/>
                     <a:lstStyle/>
                     <a:p>
-                      <a:endParaRPr lang="en-AU" sz="1100" dirty="0"/>
+                      <a:endParaRPr lang="en-AU" sz="1100"/>
                     </a:p>
                   </a:txBody>
                   <a:tcPr/>
@@ -6979,7 +10677,7 @@
                     <a:bodyPr/>
                     <a:lstStyle/>
                     <a:p>
-                      <a:endParaRPr lang="en-AU" sz="1100" dirty="0"/>
+                      <a:endParaRPr lang="en-AU" sz="1100"/>
                     </a:p>
                   </a:txBody>
                   <a:tcPr/>
@@ -6989,15 +10687,39 @@
                     <a:bodyPr/>
                     <a:lstStyle/>
                     <a:p>
+                      <a:pPr marL="171450" indent="-171450">
+                        <a:buFont typeface="Arial" charset="0"/>
+                        <a:buChar char="•"/>
+                      </a:pPr>
                       <a:r>
-                        <a:rPr lang="en-AU" sz="1100" dirty="0" smtClean="0"/>
-                        <a:t>able to map complex relationships, multivariate</a:t>
+                        <a:rPr lang="en-AU" sz="1100" smtClean="0"/>
+                        <a:t>able to map complex tempo-spatial relationships</a:t>
+                      </a:r>
+                    </a:p>
+                    <a:p>
+                      <a:pPr marL="171450" indent="-171450">
+                        <a:buFont typeface="Arial" charset="0"/>
+                        <a:buChar char="•"/>
+                      </a:pPr>
+                      <a:r>
+                        <a:rPr lang="en-AU" sz="1100" smtClean="0"/>
+                        <a:t>multivariate</a:t>
                       </a:r>
                       <a:r>
-                        <a:rPr lang="en-AU" sz="1100" baseline="0" dirty="0" smtClean="0"/>
+                        <a:rPr lang="en-AU" sz="1100" baseline="0" smtClean="0"/>
                         <a:t> modelling</a:t>
                       </a:r>
-                      <a:endParaRPr lang="en-AU" sz="1100" dirty="0"/>
+                    </a:p>
+                    <a:p>
+                      <a:pPr marL="171450" indent="-171450">
+                        <a:buFont typeface="Arial" charset="0"/>
+                        <a:buChar char="•"/>
+                      </a:pPr>
+                      <a:r>
+                        <a:rPr lang="en-AU" sz="1100" baseline="0" smtClean="0"/>
+                        <a:t>accurate multistep-ahead predictions</a:t>
+                      </a:r>
+                      <a:endParaRPr lang="en-AU" sz="1100"/>
                     </a:p>
                   </a:txBody>
                   <a:tcPr/>
@@ -7008,10 +10730,10 @@
                     <a:lstStyle/>
                     <a:p>
                       <a:r>
-                        <a:rPr lang="en-AU" sz="1100" dirty="0" smtClean="0"/>
+                        <a:rPr lang="en-AU" sz="1100" smtClean="0"/>
                         <a:t>data intensive</a:t>
                       </a:r>
-                      <a:endParaRPr lang="en-AU" sz="1100" dirty="0"/>
+                      <a:endParaRPr lang="en-AU" sz="1100"/>
                     </a:p>
                   </a:txBody>
                   <a:tcPr/>
@@ -7024,14 +10746,14 @@
                     <a:lstStyle/>
                     <a:p>
                       <a:r>
-                        <a:rPr lang="en-AU" sz="1100" dirty="0" smtClean="0"/>
+                        <a:rPr lang="en-AU" sz="1100" smtClean="0"/>
                         <a:t>Support vector</a:t>
                       </a:r>
                       <a:r>
-                        <a:rPr lang="en-AU" sz="1100" baseline="0" dirty="0" smtClean="0"/>
+                        <a:rPr lang="en-AU" sz="1100" baseline="0" smtClean="0"/>
                         <a:t> machines</a:t>
                       </a:r>
-                      <a:endParaRPr lang="en-AU" sz="1100" dirty="0"/>
+                      <a:endParaRPr lang="en-AU" sz="1100"/>
                     </a:p>
                   </a:txBody>
                   <a:tcPr/>
@@ -7041,7 +10763,7 @@
                     <a:bodyPr/>
                     <a:lstStyle/>
                     <a:p>
-                      <a:endParaRPr lang="en-AU" sz="1100" dirty="0"/>
+                      <a:endParaRPr lang="en-AU" sz="1100"/>
                     </a:p>
                   </a:txBody>
                   <a:tcPr/>
@@ -7051,7 +10773,7 @@
                     <a:bodyPr/>
                     <a:lstStyle/>
                     <a:p>
-                      <a:endParaRPr lang="en-AU" sz="1100" dirty="0"/>
+                      <a:endParaRPr lang="en-AU" sz="1100"/>
                     </a:p>
                   </a:txBody>
                   <a:tcPr/>
@@ -7061,7 +10783,7 @@
                     <a:bodyPr/>
                     <a:lstStyle/>
                     <a:p>
-                      <a:endParaRPr lang="en-AU" sz="1100" dirty="0"/>
+                      <a:endParaRPr lang="en-AU" sz="1100"/>
                     </a:p>
                   </a:txBody>
                   <a:tcPr/>
@@ -7101,7 +10823,7 @@
 </p:sld>
 </file>
 
-<file path=ppt/slides/slide3.xml><?xml version="1.0" encoding="utf-8"?>
+<file path=ppt/slides/slide4.xml><?xml version="1.0" encoding="utf-8"?>
 <p:sld xmlns:a="http://schemas.openxmlformats.org/drawingml/2006/main" xmlns:r="http://schemas.openxmlformats.org/officeDocument/2006/relationships" xmlns:p="http://schemas.openxmlformats.org/presentationml/2006/main">
   <p:cSld>
     <p:spTree>
@@ -7128,7 +10850,7 @@
             <p:ph idx="1"/>
             <p:extLst>
               <p:ext uri="{D42A27DB-BD31-4B8C-83A1-F6EECF244321}">
-                <p14:modId xmlns:p14="http://schemas.microsoft.com/office/powerpoint/2010/main" val="23499630"/>
+                <p14:modId xmlns:p14="http://schemas.microsoft.com/office/powerpoint/2010/main" val="841021650"/>
               </p:ext>
             </p:extLst>
           </p:nvPr>
@@ -7180,7 +10902,7 @@
                         <a:defRPr/>
                       </a:pPr>
                       <a:r>
-                        <a:rPr lang="en-US" sz="1200" b="1" kern="1200" dirty="0" smtClean="0">
+                        <a:rPr lang="en-US" sz="1200" b="1" kern="1200" smtClean="0">
                           <a:solidFill>
                             <a:schemeClr val="bg1">
                               <a:lumMod val="95000"/>
@@ -7193,7 +10915,7 @@
                         </a:rPr>
                         <a:t>Model</a:t>
                       </a:r>
-                      <a:endParaRPr lang="en-AU" sz="1200" dirty="0">
+                      <a:endParaRPr lang="en-AU" sz="1200">
                         <a:solidFill>
                           <a:schemeClr val="bg1">
                             <a:lumMod val="95000"/>
@@ -7327,7 +11049,7 @@
                     <a:p>
                       <a:pPr algn="ctr"/>
                       <a:r>
-                        <a:rPr lang="en-AU" sz="1200" dirty="0" smtClean="0">
+                        <a:rPr lang="en-AU" sz="1200" smtClean="0">
                           <a:solidFill>
                             <a:schemeClr val="bg1">
                               <a:lumMod val="95000"/>
@@ -7336,7 +11058,7 @@
                         </a:rPr>
                         <a:t>MAE</a:t>
                       </a:r>
-                      <a:endParaRPr lang="en-AU" sz="1200" dirty="0">
+                      <a:endParaRPr lang="en-AU" sz="1200">
                         <a:solidFill>
                           <a:schemeClr val="bg1">
                             <a:lumMod val="95000"/>
@@ -7385,7 +11107,7 @@
                     <a:p>
                       <a:pPr algn="ctr"/>
                       <a:r>
-                        <a:rPr lang="en-AU" sz="1200" dirty="0" smtClean="0">
+                        <a:rPr lang="en-AU" sz="1200" smtClean="0">
                           <a:solidFill>
                             <a:schemeClr val="bg1">
                               <a:lumMod val="95000"/>
@@ -7394,7 +11116,7 @@
                         </a:rPr>
                         <a:t>RMSE</a:t>
                       </a:r>
-                      <a:endParaRPr lang="en-AU" sz="1200" dirty="0">
+                      <a:endParaRPr lang="en-AU" sz="1200">
                         <a:solidFill>
                           <a:schemeClr val="bg1">
                             <a:lumMod val="95000"/>
@@ -7443,7 +11165,7 @@
                     <a:p>
                       <a:pPr algn="ctr"/>
                       <a:r>
-                        <a:rPr lang="en-AU" sz="1200" dirty="0" smtClean="0">
+                        <a:rPr lang="en-AU" sz="1200" smtClean="0">
                           <a:solidFill>
                             <a:schemeClr val="bg1">
                               <a:lumMod val="95000"/>
@@ -7452,7 +11174,7 @@
                         </a:rPr>
                         <a:t>MPE</a:t>
                       </a:r>
-                      <a:endParaRPr lang="en-AU" sz="1200" dirty="0">
+                      <a:endParaRPr lang="en-AU" sz="1200">
                         <a:solidFill>
                           <a:schemeClr val="bg1">
                             <a:lumMod val="95000"/>
@@ -7501,7 +11223,7 @@
                     <a:p>
                       <a:pPr algn="ctr"/>
                       <a:r>
-                        <a:rPr lang="en-AU" sz="1200" dirty="0" smtClean="0">
+                        <a:rPr lang="en-AU" sz="1200" smtClean="0">
                           <a:solidFill>
                             <a:schemeClr val="bg1">
                               <a:lumMod val="95000"/>
@@ -7510,7 +11232,7 @@
                         </a:rPr>
                         <a:t>MAPE</a:t>
                       </a:r>
-                      <a:endParaRPr lang="en-AU" sz="1200" dirty="0">
+                      <a:endParaRPr lang="en-AU" sz="1200">
                         <a:solidFill>
                           <a:schemeClr val="bg1">
                             <a:lumMod val="95000"/>
@@ -7576,7 +11298,7 @@
                         <a:tabLst/>
                         <a:defRPr/>
                       </a:pPr>
-                      <a:endParaRPr lang="en-AU" sz="1200" b="1" kern="1200" dirty="0">
+                      <a:endParaRPr lang="en-AU" sz="1200" b="1" kern="1200">
                         <a:solidFill>
                           <a:schemeClr val="bg1">
                             <a:lumMod val="95000"/>
@@ -7637,7 +11359,7 @@
                         <a:defRPr/>
                       </a:pPr>
                       <a:r>
-                        <a:rPr lang="en-AU" sz="1200" dirty="0" smtClean="0">
+                        <a:rPr lang="en-AU" sz="1200" smtClean="0">
                           <a:solidFill>
                             <a:schemeClr val="bg1">
                               <a:lumMod val="95000"/>
@@ -7646,7 +11368,7 @@
                         </a:rPr>
                         <a:t>15 min</a:t>
                       </a:r>
-                      <a:endParaRPr lang="en-AU" sz="1200" dirty="0">
+                      <a:endParaRPr lang="en-AU" sz="1200">
                         <a:solidFill>
                           <a:schemeClr val="bg1">
                             <a:lumMod val="95000"/>
@@ -7704,7 +11426,7 @@
                         <a:defRPr/>
                       </a:pPr>
                       <a:r>
-                        <a:rPr lang="en-AU" sz="1200" dirty="0" smtClean="0">
+                        <a:rPr lang="en-AU" sz="1200" smtClean="0">
                           <a:solidFill>
                             <a:schemeClr val="bg1">
                               <a:lumMod val="95000"/>
@@ -7713,7 +11435,7 @@
                         </a:rPr>
                         <a:t>30 min</a:t>
                       </a:r>
-                      <a:endParaRPr lang="en-AU" sz="1200" dirty="0">
+                      <a:endParaRPr lang="en-AU" sz="1200">
                         <a:solidFill>
                           <a:schemeClr val="bg1">
                             <a:lumMod val="95000"/>
@@ -7754,7 +11476,7 @@
                     <a:lstStyle/>
                     <a:p>
                       <a:r>
-                        <a:rPr lang="en-AU" sz="1200" dirty="0" smtClean="0">
+                        <a:rPr lang="en-AU" sz="1200" smtClean="0">
                           <a:solidFill>
                             <a:schemeClr val="bg1">
                               <a:lumMod val="95000"/>
@@ -7763,7 +11485,7 @@
                         </a:rPr>
                         <a:t>15 min</a:t>
                       </a:r>
-                      <a:endParaRPr lang="en-AU" sz="1200" dirty="0">
+                      <a:endParaRPr lang="en-AU" sz="1200">
                         <a:solidFill>
                           <a:schemeClr val="bg1">
                             <a:lumMod val="95000"/>
@@ -7804,7 +11526,7 @@
                     <a:lstStyle/>
                     <a:p>
                       <a:r>
-                        <a:rPr lang="en-AU" sz="1200" dirty="0" smtClean="0">
+                        <a:rPr lang="en-AU" sz="1200" smtClean="0">
                           <a:solidFill>
                             <a:schemeClr val="bg1">
                               <a:lumMod val="95000"/>
@@ -7813,7 +11535,7 @@
                         </a:rPr>
                         <a:t>30 min</a:t>
                       </a:r>
-                      <a:endParaRPr lang="en-AU" sz="1200" dirty="0">
+                      <a:endParaRPr lang="en-AU" sz="1200">
                         <a:solidFill>
                           <a:schemeClr val="bg1">
                             <a:lumMod val="95000"/>
@@ -7854,7 +11576,7 @@
                     <a:lstStyle/>
                     <a:p>
                       <a:r>
-                        <a:rPr lang="en-AU" sz="1200" dirty="0" smtClean="0">
+                        <a:rPr lang="en-AU" sz="1200" smtClean="0">
                           <a:solidFill>
                             <a:schemeClr val="bg1">
                               <a:lumMod val="95000"/>
@@ -7863,7 +11585,7 @@
                         </a:rPr>
                         <a:t>15 min</a:t>
                       </a:r>
-                      <a:endParaRPr lang="en-AU" sz="1200" dirty="0">
+                      <a:endParaRPr lang="en-AU" sz="1200">
                         <a:solidFill>
                           <a:schemeClr val="bg1">
                             <a:lumMod val="95000"/>
@@ -7904,7 +11626,7 @@
                     <a:lstStyle/>
                     <a:p>
                       <a:r>
-                        <a:rPr lang="en-AU" sz="1200" dirty="0" smtClean="0">
+                        <a:rPr lang="en-AU" sz="1200" smtClean="0">
                           <a:solidFill>
                             <a:schemeClr val="bg1">
                               <a:lumMod val="95000"/>
@@ -7913,7 +11635,7 @@
                         </a:rPr>
                         <a:t>30 min</a:t>
                       </a:r>
-                      <a:endParaRPr lang="en-AU" sz="1200" dirty="0">
+                      <a:endParaRPr lang="en-AU" sz="1200">
                         <a:solidFill>
                           <a:schemeClr val="bg1">
                             <a:lumMod val="95000"/>
@@ -7954,7 +11676,7 @@
                     <a:lstStyle/>
                     <a:p>
                       <a:r>
-                        <a:rPr lang="en-AU" sz="1200" dirty="0" smtClean="0">
+                        <a:rPr lang="en-AU" sz="1200" smtClean="0">
                           <a:solidFill>
                             <a:schemeClr val="bg1">
                               <a:lumMod val="95000"/>
@@ -7963,7 +11685,7 @@
                         </a:rPr>
                         <a:t>15 min</a:t>
                       </a:r>
-                      <a:endParaRPr lang="en-AU" sz="1200" dirty="0">
+                      <a:endParaRPr lang="en-AU" sz="1200">
                         <a:solidFill>
                           <a:schemeClr val="bg1">
                             <a:lumMod val="95000"/>
@@ -8004,7 +11726,7 @@
                     <a:lstStyle/>
                     <a:p>
                       <a:r>
-                        <a:rPr lang="en-AU" sz="1200" dirty="0" smtClean="0">
+                        <a:rPr lang="en-AU" sz="1200" smtClean="0">
                           <a:solidFill>
                             <a:schemeClr val="bg1">
                               <a:lumMod val="95000"/>
@@ -8013,7 +11735,7 @@
                         </a:rPr>
                         <a:t>30 min</a:t>
                       </a:r>
-                      <a:endParaRPr lang="en-AU" sz="1200" dirty="0">
+                      <a:endParaRPr lang="en-AU" sz="1200">
                         <a:solidFill>
                           <a:schemeClr val="bg1">
                             <a:lumMod val="95000"/>
@@ -8054,7 +11776,7 @@
                     <a:lstStyle/>
                     <a:p>
                       <a:r>
-                        <a:rPr lang="en-AU" sz="1200" dirty="0" smtClean="0">
+                        <a:rPr lang="en-AU" sz="1200" smtClean="0">
                           <a:solidFill>
                             <a:schemeClr val="bg1">
                               <a:lumMod val="95000"/>
@@ -8063,7 +11785,7 @@
                         </a:rPr>
                         <a:t>15 min</a:t>
                       </a:r>
-                      <a:endParaRPr lang="en-AU" sz="1200" dirty="0">
+                      <a:endParaRPr lang="en-AU" sz="1200">
                         <a:solidFill>
                           <a:schemeClr val="bg1">
                             <a:lumMod val="95000"/>
@@ -8104,7 +11826,7 @@
                     <a:lstStyle/>
                     <a:p>
                       <a:r>
-                        <a:rPr lang="en-AU" sz="1200" dirty="0" smtClean="0">
+                        <a:rPr lang="en-AU" sz="1200" smtClean="0">
                           <a:solidFill>
                             <a:schemeClr val="bg1">
                               <a:lumMod val="95000"/>
@@ -8113,7 +11835,7 @@
                         </a:rPr>
                         <a:t>30 min</a:t>
                       </a:r>
-                      <a:endParaRPr lang="en-AU" sz="1200" dirty="0">
+                      <a:endParaRPr lang="en-AU" sz="1200">
                         <a:solidFill>
                           <a:schemeClr val="bg1">
                             <a:lumMod val="95000"/>
@@ -8157,7 +11879,7 @@
                     <a:p>
                       <a:r>
                         <a:rPr lang="en-AU" sz="1100" dirty="0" smtClean="0"/>
-                        <a:t>Mean forecast</a:t>
+                        <a:t>Historical averages</a:t>
                       </a:r>
                       <a:endParaRPr lang="en-AU" sz="1100" dirty="0"/>
                     </a:p>
@@ -8191,10 +11913,10 @@
                         <a:defRPr/>
                       </a:pPr>
                       <a:r>
-                        <a:rPr lang="nb-NO" sz="1100" dirty="0" smtClean="0"/>
+                        <a:rPr lang="nb-NO" sz="1100" smtClean="0"/>
                         <a:t>-11.50</a:t>
                       </a:r>
-                      <a:endParaRPr lang="en-AU" sz="1100" dirty="0"/>
+                      <a:endParaRPr lang="en-AU" sz="1100"/>
                     </a:p>
                   </a:txBody>
                   <a:tcPr>
@@ -8209,10 +11931,10 @@
                     <a:lstStyle/>
                     <a:p>
                       <a:r>
-                        <a:rPr lang="en-AU" sz="1100" dirty="0" smtClean="0"/>
+                        <a:rPr lang="en-AU" sz="1100" smtClean="0"/>
                         <a:t>-22.98</a:t>
                       </a:r>
-                      <a:endParaRPr lang="en-AU" sz="1100" dirty="0"/>
+                      <a:endParaRPr lang="en-AU" sz="1100"/>
                     </a:p>
                   </a:txBody>
                   <a:tcPr>
@@ -8227,10 +11949,10 @@
                     <a:lstStyle/>
                     <a:p>
                       <a:r>
-                        <a:rPr lang="en-AU" sz="1100" dirty="0" smtClean="0"/>
+                        <a:rPr lang="en-AU" sz="1100" smtClean="0"/>
                         <a:t>48.15</a:t>
                       </a:r>
-                      <a:endParaRPr lang="en-AU" sz="1100" dirty="0"/>
+                      <a:endParaRPr lang="en-AU" sz="1100"/>
                     </a:p>
                   </a:txBody>
                   <a:tcPr>
@@ -8245,10 +11967,10 @@
                     <a:lstStyle/>
                     <a:p>
                       <a:r>
-                        <a:rPr lang="en-AU" sz="1100" dirty="0" smtClean="0"/>
+                        <a:rPr lang="en-AU" sz="1100" smtClean="0"/>
                         <a:t>93.80</a:t>
                       </a:r>
-                      <a:endParaRPr lang="en-AU" sz="1100" dirty="0"/>
+                      <a:endParaRPr lang="en-AU" sz="1100"/>
                     </a:p>
                   </a:txBody>
                   <a:tcPr>
@@ -8263,10 +11985,10 @@
                     <a:lstStyle/>
                     <a:p>
                       <a:r>
-                        <a:rPr lang="en-AU" sz="1100" dirty="0" smtClean="0"/>
+                        <a:rPr lang="en-AU" sz="1100" smtClean="0"/>
                         <a:t>61.76</a:t>
                       </a:r>
-                      <a:endParaRPr lang="en-AU" sz="1100" dirty="0"/>
+                      <a:endParaRPr lang="en-AU" sz="1100"/>
                     </a:p>
                   </a:txBody>
                   <a:tcPr>
@@ -8281,10 +12003,10 @@
                     <a:lstStyle/>
                     <a:p>
                       <a:r>
-                        <a:rPr lang="en-AU" sz="1100" dirty="0" smtClean="0"/>
+                        <a:rPr lang="en-AU" sz="1100" smtClean="0"/>
                         <a:t>120.40</a:t>
                       </a:r>
-                      <a:endParaRPr lang="en-AU" sz="1100" dirty="0"/>
+                      <a:endParaRPr lang="en-AU" sz="1100"/>
                     </a:p>
                   </a:txBody>
                   <a:tcPr>
@@ -8299,10 +12021,10 @@
                     <a:lstStyle/>
                     <a:p>
                       <a:r>
-                        <a:rPr lang="en-AU" sz="1100" dirty="0" smtClean="0"/>
+                        <a:rPr lang="en-AU" sz="1100" smtClean="0"/>
                         <a:t>-14.12</a:t>
                       </a:r>
-                      <a:endParaRPr lang="en-AU" sz="1100" dirty="0"/>
+                      <a:endParaRPr lang="en-AU" sz="1100"/>
                     </a:p>
                   </a:txBody>
                   <a:tcPr>
@@ -8317,10 +12039,10 @@
                     <a:lstStyle/>
                     <a:p>
                       <a:r>
-                        <a:rPr lang="en-AU" sz="1100" dirty="0" smtClean="0"/>
+                        <a:rPr lang="en-AU" sz="1100" smtClean="0"/>
                         <a:t>-14.01</a:t>
                       </a:r>
-                      <a:endParaRPr lang="en-AU" sz="1100" dirty="0"/>
+                      <a:endParaRPr lang="en-AU" sz="1100"/>
                     </a:p>
                   </a:txBody>
                   <a:tcPr>
@@ -8335,10 +12057,10 @@
                     <a:lstStyle/>
                     <a:p>
                       <a:r>
-                        <a:rPr lang="en-AU" sz="1100" dirty="0" smtClean="0"/>
+                        <a:rPr lang="en-AU" sz="1100" smtClean="0"/>
                         <a:t>54.79</a:t>
                       </a:r>
-                      <a:endParaRPr lang="en-AU" sz="1100" dirty="0"/>
+                      <a:endParaRPr lang="en-AU" sz="1100"/>
                     </a:p>
                   </a:txBody>
                   <a:tcPr>
@@ -8353,10 +12075,10 @@
                     <a:lstStyle/>
                     <a:p>
                       <a:r>
-                        <a:rPr lang="en-AU" sz="1100" dirty="0" smtClean="0"/>
+                        <a:rPr lang="en-AU" sz="1100" smtClean="0"/>
                         <a:t>53.14</a:t>
                       </a:r>
-                      <a:endParaRPr lang="en-AU" sz="1100" dirty="0"/>
+                      <a:endParaRPr lang="en-AU" sz="1100"/>
                     </a:p>
                   </a:txBody>
                   <a:tcPr>
@@ -8373,10 +12095,10 @@
                     <a:lstStyle/>
                     <a:p>
                       <a:r>
-                        <a:rPr lang="en-AU" sz="1100" dirty="0" smtClean="0"/>
+                        <a:rPr lang="en-AU" sz="1100" smtClean="0"/>
                         <a:t>Naive</a:t>
                       </a:r>
-                      <a:endParaRPr lang="en-AU" sz="1100" dirty="0"/>
+                      <a:endParaRPr lang="en-AU" sz="1100"/>
                     </a:p>
                   </a:txBody>
                   <a:tcPr/>
@@ -8387,10 +12109,10 @@
                     <a:lstStyle/>
                     <a:p>
                       <a:r>
-                        <a:rPr lang="en-AU" sz="1100" dirty="0" smtClean="0"/>
+                        <a:rPr lang="en-AU" sz="1100" smtClean="0"/>
                         <a:t>-0.18</a:t>
                       </a:r>
-                      <a:endParaRPr lang="en-AU" sz="1100" dirty="0"/>
+                      <a:endParaRPr lang="en-AU" sz="1100"/>
                     </a:p>
                   </a:txBody>
                   <a:tcPr/>
@@ -8401,10 +12123,10 @@
                     <a:lstStyle/>
                     <a:p>
                       <a:r>
-                        <a:rPr lang="en-AU" sz="1100" dirty="0" smtClean="0"/>
+                        <a:rPr lang="en-AU" sz="1100" smtClean="0"/>
                         <a:t>-0.34</a:t>
                       </a:r>
-                      <a:endParaRPr lang="en-AU" sz="1100" dirty="0"/>
+                      <a:endParaRPr lang="en-AU" sz="1100"/>
                     </a:p>
                   </a:txBody>
                   <a:tcPr/>
@@ -8415,10 +12137,10 @@
                     <a:lstStyle/>
                     <a:p>
                       <a:r>
-                        <a:rPr lang="en-AU" sz="1100" dirty="0" smtClean="0"/>
+                        <a:rPr lang="en-AU" sz="1100" smtClean="0"/>
                         <a:t>15.79</a:t>
                       </a:r>
-                      <a:endParaRPr lang="en-AU" sz="1100" dirty="0"/>
+                      <a:endParaRPr lang="en-AU" sz="1100"/>
                     </a:p>
                   </a:txBody>
                   <a:tcPr/>
@@ -8429,10 +12151,10 @@
                     <a:lstStyle/>
                     <a:p>
                       <a:r>
-                        <a:rPr lang="en-AU" sz="1100" dirty="0" smtClean="0"/>
+                        <a:rPr lang="en-AU" sz="1100" smtClean="0"/>
                         <a:t>30.88</a:t>
                       </a:r>
-                      <a:endParaRPr lang="en-AU" sz="1100" dirty="0"/>
+                      <a:endParaRPr lang="en-AU" sz="1100"/>
                     </a:p>
                   </a:txBody>
                   <a:tcPr/>
@@ -8443,10 +12165,10 @@
                     <a:lstStyle/>
                     <a:p>
                       <a:r>
-                        <a:rPr lang="en-AU" sz="1100" dirty="0" smtClean="0"/>
+                        <a:rPr lang="en-AU" sz="1100" smtClean="0"/>
                         <a:t>25.48</a:t>
                       </a:r>
-                      <a:endParaRPr lang="en-AU" sz="1100" dirty="0"/>
+                      <a:endParaRPr lang="en-AU" sz="1100"/>
                     </a:p>
                   </a:txBody>
                   <a:tcPr/>
@@ -8457,10 +12179,10 @@
                     <a:lstStyle/>
                     <a:p>
                       <a:r>
-                        <a:rPr lang="en-AU" sz="1100" dirty="0" smtClean="0"/>
+                        <a:rPr lang="en-AU" sz="1100" smtClean="0"/>
                         <a:t>49.21</a:t>
                       </a:r>
-                      <a:endParaRPr lang="en-AU" sz="1100" dirty="0"/>
+                      <a:endParaRPr lang="en-AU" sz="1100"/>
                     </a:p>
                   </a:txBody>
                   <a:tcPr/>
@@ -8471,10 +12193,10 @@
                     <a:lstStyle/>
                     <a:p>
                       <a:r>
-                        <a:rPr lang="en-AU" sz="1100" dirty="0" smtClean="0"/>
+                        <a:rPr lang="en-AU" sz="1100" smtClean="0"/>
                         <a:t>-3.60</a:t>
                       </a:r>
-                      <a:endParaRPr lang="en-AU" sz="1100" dirty="0"/>
+                      <a:endParaRPr lang="en-AU" sz="1100"/>
                     </a:p>
                   </a:txBody>
                   <a:tcPr/>
@@ -8485,10 +12207,10 @@
                     <a:lstStyle/>
                     <a:p>
                       <a:r>
-                        <a:rPr lang="en-AU" sz="1100" dirty="0" smtClean="0"/>
+                        <a:rPr lang="en-AU" sz="1100" smtClean="0"/>
                         <a:t>-4.16</a:t>
                       </a:r>
-                      <a:endParaRPr lang="en-AU" sz="1100" dirty="0"/>
+                      <a:endParaRPr lang="en-AU" sz="1100"/>
                     </a:p>
                   </a:txBody>
                   <a:tcPr/>
@@ -8499,10 +12221,10 @@
                     <a:lstStyle/>
                     <a:p>
                       <a:r>
-                        <a:rPr lang="en-AU" sz="1100" dirty="0" smtClean="0"/>
+                        <a:rPr lang="en-AU" sz="1100" smtClean="0"/>
                         <a:t>20.52</a:t>
                       </a:r>
-                      <a:endParaRPr lang="en-AU" sz="1100" dirty="0"/>
+                      <a:endParaRPr lang="en-AU" sz="1100"/>
                     </a:p>
                   </a:txBody>
                   <a:tcPr/>
@@ -8513,10 +12235,10 @@
                     <a:lstStyle/>
                     <a:p>
                       <a:r>
-                        <a:rPr lang="en-AU" sz="1100" dirty="0" smtClean="0"/>
+                        <a:rPr lang="en-AU" sz="1100" smtClean="0"/>
                         <a:t>19.73</a:t>
                       </a:r>
-                      <a:endParaRPr lang="en-AU" sz="1100" dirty="0"/>
+                      <a:endParaRPr lang="en-AU" sz="1100"/>
                     </a:p>
                   </a:txBody>
                   <a:tcPr/>
@@ -8547,10 +12269,10 @@
                     <a:lstStyle/>
                     <a:p>
                       <a:r>
-                        <a:rPr lang="en-AU" sz="1100" dirty="0" smtClean="0"/>
+                        <a:rPr lang="en-AU" sz="1100" smtClean="0"/>
                         <a:t>-11.06</a:t>
                       </a:r>
-                      <a:endParaRPr lang="en-AU" sz="1100" dirty="0"/>
+                      <a:endParaRPr lang="en-AU" sz="1100"/>
                     </a:p>
                   </a:txBody>
                   <a:tcPr/>
@@ -8561,10 +12283,10 @@
                     <a:lstStyle/>
                     <a:p>
                       <a:r>
-                        <a:rPr lang="en-AU" sz="1100" dirty="0" smtClean="0"/>
+                        <a:rPr lang="en-AU" sz="1100" smtClean="0"/>
                         <a:t>-22.09</a:t>
                       </a:r>
-                      <a:endParaRPr lang="en-AU" sz="1100" dirty="0"/>
+                      <a:endParaRPr lang="en-AU" sz="1100"/>
                     </a:p>
                   </a:txBody>
                   <a:tcPr/>
@@ -8575,10 +12297,10 @@
                     <a:lstStyle/>
                     <a:p>
                       <a:r>
-                        <a:rPr lang="en-AU" sz="1100" dirty="0" smtClean="0"/>
+                        <a:rPr lang="en-AU" sz="1100" smtClean="0"/>
                         <a:t>48.08</a:t>
                       </a:r>
-                      <a:endParaRPr lang="en-AU" sz="1100" dirty="0"/>
+                      <a:endParaRPr lang="en-AU" sz="1100"/>
                     </a:p>
                   </a:txBody>
                   <a:tcPr/>
@@ -8589,10 +12311,10 @@
                     <a:lstStyle/>
                     <a:p>
                       <a:r>
-                        <a:rPr lang="en-AU" sz="1100" dirty="0" smtClean="0"/>
+                        <a:rPr lang="en-AU" sz="1100" smtClean="0"/>
                         <a:t>93.53</a:t>
                       </a:r>
-                      <a:endParaRPr lang="en-AU" sz="1100" dirty="0"/>
+                      <a:endParaRPr lang="en-AU" sz="1100"/>
                     </a:p>
                   </a:txBody>
                   <a:tcPr/>
@@ -8603,10 +12325,10 @@
                     <a:lstStyle/>
                     <a:p>
                       <a:r>
-                        <a:rPr lang="en-AU" sz="1100" dirty="0" smtClean="0"/>
+                        <a:rPr lang="en-AU" sz="1100" smtClean="0"/>
                         <a:t>61.81</a:t>
                       </a:r>
-                      <a:endParaRPr lang="en-AU" sz="1100" dirty="0"/>
+                      <a:endParaRPr lang="en-AU" sz="1100"/>
                     </a:p>
                   </a:txBody>
                   <a:tcPr/>
@@ -8617,10 +12339,10 @@
                     <a:lstStyle/>
                     <a:p>
                       <a:r>
-                        <a:rPr lang="en-AU" sz="1100" dirty="0" smtClean="0"/>
+                        <a:rPr lang="en-AU" sz="1100" smtClean="0"/>
                         <a:t>120.50</a:t>
                       </a:r>
-                      <a:endParaRPr lang="en-AU" sz="1100" dirty="0"/>
+                      <a:endParaRPr lang="en-AU" sz="1100"/>
                     </a:p>
                   </a:txBody>
                   <a:tcPr/>
@@ -8630,7 +12352,7 @@
                     <a:bodyPr/>
                     <a:lstStyle/>
                     <a:p>
-                      <a:endParaRPr lang="en-AU" sz="1100" dirty="0"/>
+                      <a:endParaRPr lang="en-AU" sz="1100"/>
                     </a:p>
                   </a:txBody>
                   <a:tcPr/>
@@ -8640,7 +12362,7 @@
                     <a:bodyPr/>
                     <a:lstStyle/>
                     <a:p>
-                      <a:endParaRPr lang="en-AU" sz="1100" dirty="0"/>
+                      <a:endParaRPr lang="en-AU" sz="1100"/>
                     </a:p>
                   </a:txBody>
                   <a:tcPr/>
@@ -8650,7 +12372,11 @@
                     <a:bodyPr/>
                     <a:lstStyle/>
                     <a:p>
-                      <a:endParaRPr lang="en-AU" sz="1100" dirty="0"/>
+                      <a:r>
+                        <a:rPr lang="en-AU" sz="1100" smtClean="0"/>
+                        <a:t>55.36</a:t>
+                      </a:r>
+                      <a:endParaRPr lang="en-AU" sz="1100"/>
                     </a:p>
                   </a:txBody>
                   <a:tcPr/>
@@ -8660,7 +12386,11 @@
                     <a:bodyPr/>
                     <a:lstStyle/>
                     <a:p>
-                      <a:endParaRPr lang="en-AU" sz="1100" dirty="0"/>
+                      <a:r>
+                        <a:rPr lang="en-AU" sz="1100" smtClean="0"/>
+                        <a:t>53.57</a:t>
+                      </a:r>
+                      <a:endParaRPr lang="en-AU" sz="1100"/>
                     </a:p>
                   </a:txBody>
                   <a:tcPr/>
@@ -8673,10 +12403,10 @@
                     <a:lstStyle/>
                     <a:p>
                       <a:r>
-                        <a:rPr lang="en-AU" sz="1100" dirty="0" smtClean="0"/>
+                        <a:rPr lang="en-AU" sz="1100" smtClean="0"/>
                         <a:t>ARIMA</a:t>
                       </a:r>
-                      <a:endParaRPr lang="en-AU" sz="1100" dirty="0"/>
+                      <a:endParaRPr lang="en-AU" sz="1100"/>
                     </a:p>
                   </a:txBody>
                   <a:tcPr/>
@@ -8687,10 +12417,10 @@
                     <a:lstStyle/>
                     <a:p>
                       <a:r>
-                        <a:rPr lang="en-AU" sz="1100" dirty="0" smtClean="0"/>
+                        <a:rPr lang="en-AU" sz="1100" smtClean="0"/>
                         <a:t>0.63</a:t>
                       </a:r>
-                      <a:endParaRPr lang="en-AU" sz="1100" dirty="0"/>
+                      <a:endParaRPr lang="en-AU" sz="1100"/>
                     </a:p>
                   </a:txBody>
                   <a:tcPr/>
@@ -8701,10 +12431,10 @@
                     <a:lstStyle/>
                     <a:p>
                       <a:r>
-                        <a:rPr lang="en-AU" sz="1100" dirty="0" smtClean="0"/>
+                        <a:rPr lang="en-AU" sz="1100" smtClean="0"/>
                         <a:t>2.13</a:t>
                       </a:r>
-                      <a:endParaRPr lang="en-AU" sz="1100" dirty="0"/>
+                      <a:endParaRPr lang="en-AU" sz="1100"/>
                     </a:p>
                   </a:txBody>
                   <a:tcPr/>
@@ -8715,10 +12445,10 @@
                     <a:lstStyle/>
                     <a:p>
                       <a:r>
-                        <a:rPr lang="en-AU" sz="1100" dirty="0" smtClean="0"/>
+                        <a:rPr lang="en-AU" sz="1100" smtClean="0"/>
                         <a:t>15.33</a:t>
                       </a:r>
-                      <a:endParaRPr lang="en-AU" sz="1100" dirty="0"/>
+                      <a:endParaRPr lang="en-AU" sz="1100"/>
                     </a:p>
                   </a:txBody>
                   <a:tcPr/>
@@ -8729,10 +12459,10 @@
                     <a:lstStyle/>
                     <a:p>
                       <a:r>
-                        <a:rPr lang="en-AU" sz="1100" dirty="0" smtClean="0"/>
+                        <a:rPr lang="en-AU" sz="1100" smtClean="0"/>
                         <a:t>29.85</a:t>
                       </a:r>
-                      <a:endParaRPr lang="en-AU" sz="1100" dirty="0"/>
+                      <a:endParaRPr lang="en-AU" sz="1100"/>
                     </a:p>
                   </a:txBody>
                   <a:tcPr/>
@@ -8743,10 +12473,10 @@
                     <a:lstStyle/>
                     <a:p>
                       <a:r>
-                        <a:rPr lang="en-AU" sz="1100" dirty="0" smtClean="0"/>
+                        <a:rPr lang="en-AU" sz="1100" smtClean="0"/>
                         <a:t>23.52</a:t>
                       </a:r>
-                      <a:endParaRPr lang="en-AU" sz="1100" dirty="0"/>
+                      <a:endParaRPr lang="en-AU" sz="1100"/>
                     </a:p>
                   </a:txBody>
                   <a:tcPr/>
@@ -8757,10 +12487,10 @@
                     <a:lstStyle/>
                     <a:p>
                       <a:r>
-                        <a:rPr lang="en-AU" sz="1100" dirty="0" smtClean="0"/>
+                        <a:rPr lang="en-AU" sz="1100" smtClean="0"/>
                         <a:t>45.39</a:t>
                       </a:r>
-                      <a:endParaRPr lang="en-AU" sz="1100" dirty="0"/>
+                      <a:endParaRPr lang="en-AU" sz="1100"/>
                     </a:p>
                   </a:txBody>
                   <a:tcPr/>
@@ -8770,7 +12500,7 @@
                     <a:bodyPr/>
                     <a:lstStyle/>
                     <a:p>
-                      <a:endParaRPr lang="en-AU" sz="1100" dirty="0"/>
+                      <a:endParaRPr lang="en-AU" sz="1100"/>
                     </a:p>
                   </a:txBody>
                   <a:tcPr/>
@@ -8780,7 +12510,7 @@
                     <a:bodyPr/>
                     <a:lstStyle/>
                     <a:p>
-                      <a:endParaRPr lang="en-AU" sz="1100" dirty="0"/>
+                      <a:endParaRPr lang="en-AU" sz="1100"/>
                     </a:p>
                   </a:txBody>
                   <a:tcPr/>
@@ -8790,7 +12520,11 @@
                     <a:bodyPr/>
                     <a:lstStyle/>
                     <a:p>
-                      <a:endParaRPr lang="en-AU" sz="1100" dirty="0"/>
+                      <a:r>
+                        <a:rPr lang="en-AU" sz="1100" smtClean="0"/>
+                        <a:t>31.71</a:t>
+                      </a:r>
+                      <a:endParaRPr lang="en-AU" sz="1100"/>
                     </a:p>
                   </a:txBody>
                   <a:tcPr/>
@@ -8800,7 +12534,11 @@
                     <a:bodyPr/>
                     <a:lstStyle/>
                     <a:p>
-                      <a:endParaRPr lang="en-AU" sz="1100" dirty="0"/>
+                      <a:r>
+                        <a:rPr lang="en-AU" sz="1100" smtClean="0"/>
+                        <a:t>25.87</a:t>
+                      </a:r>
+                      <a:endParaRPr lang="en-AU" sz="1100"/>
                     </a:p>
                   </a:txBody>
                   <a:tcPr/>
@@ -8813,10 +12551,10 @@
                     <a:lstStyle/>
                     <a:p>
                       <a:r>
-                        <a:rPr lang="en-AU" sz="1100" dirty="0" smtClean="0"/>
+                        <a:rPr lang="en-AU" sz="1100" smtClean="0"/>
                         <a:t>Exponential smoothing</a:t>
                       </a:r>
-                      <a:endParaRPr lang="en-AU" sz="1100" dirty="0"/>
+                      <a:endParaRPr lang="en-AU" sz="1100"/>
                     </a:p>
                   </a:txBody>
                   <a:tcPr/>
@@ -8827,10 +12565,10 @@
                     <a:lstStyle/>
                     <a:p>
                       <a:r>
-                        <a:rPr lang="en-AU" sz="1100" dirty="0" smtClean="0"/>
+                        <a:rPr lang="en-AU" sz="1100" smtClean="0"/>
                         <a:t>0.12</a:t>
                       </a:r>
-                      <a:endParaRPr lang="en-AU" sz="1100" dirty="0"/>
+                      <a:endParaRPr lang="en-AU" sz="1100"/>
                     </a:p>
                   </a:txBody>
                   <a:tcPr/>
@@ -8841,10 +12579,10 @@
                     <a:lstStyle/>
                     <a:p>
                       <a:r>
-                        <a:rPr lang="en-AU" sz="1100" dirty="0" smtClean="0"/>
+                        <a:rPr lang="en-AU" sz="1100" smtClean="0"/>
                         <a:t>0.84</a:t>
                       </a:r>
-                      <a:endParaRPr lang="en-AU" sz="1100" dirty="0"/>
+                      <a:endParaRPr lang="en-AU" sz="1100"/>
                     </a:p>
                   </a:txBody>
                   <a:tcPr/>
@@ -8855,10 +12593,10 @@
                     <a:lstStyle/>
                     <a:p>
                       <a:r>
-                        <a:rPr lang="en-AU" sz="1100" dirty="0" smtClean="0"/>
+                        <a:rPr lang="en-AU" sz="1100" smtClean="0"/>
                         <a:t>15.41</a:t>
                       </a:r>
-                      <a:endParaRPr lang="en-AU" sz="1100" dirty="0"/>
+                      <a:endParaRPr lang="en-AU" sz="1100"/>
                     </a:p>
                   </a:txBody>
                   <a:tcPr/>
@@ -8869,10 +12607,10 @@
                     <a:lstStyle/>
                     <a:p>
                       <a:r>
-                        <a:rPr lang="en-AU" sz="1100" dirty="0" smtClean="0"/>
+                        <a:rPr lang="en-AU" sz="1100" smtClean="0"/>
                         <a:t>30.04</a:t>
                       </a:r>
-                      <a:endParaRPr lang="en-AU" sz="1100" dirty="0"/>
+                      <a:endParaRPr lang="en-AU" sz="1100"/>
                     </a:p>
                   </a:txBody>
                   <a:tcPr/>
@@ -8883,10 +12621,10 @@
                     <a:lstStyle/>
                     <a:p>
                       <a:r>
-                        <a:rPr lang="en-AU" sz="1100" dirty="0" smtClean="0"/>
+                        <a:rPr lang="en-AU" sz="1100" smtClean="0"/>
                         <a:t>25.33</a:t>
                       </a:r>
-                      <a:endParaRPr lang="en-AU" sz="1100" dirty="0"/>
+                      <a:endParaRPr lang="en-AU" sz="1100"/>
                     </a:p>
                   </a:txBody>
                   <a:tcPr/>
@@ -8897,10 +12635,10 @@
                     <a:lstStyle/>
                     <a:p>
                       <a:r>
-                        <a:rPr lang="en-AU" sz="1100" dirty="0" smtClean="0"/>
+                        <a:rPr lang="en-AU" sz="1100" smtClean="0"/>
                         <a:t>50.44</a:t>
                       </a:r>
-                      <a:endParaRPr lang="en-AU" sz="1100" dirty="0"/>
+                      <a:endParaRPr lang="en-AU" sz="1100"/>
                     </a:p>
                   </a:txBody>
                   <a:tcPr/>
@@ -8910,7 +12648,7 @@
                     <a:bodyPr/>
                     <a:lstStyle/>
                     <a:p>
-                      <a:endParaRPr lang="en-AU" sz="1100" dirty="0"/>
+                      <a:endParaRPr lang="en-AU" sz="1100"/>
                     </a:p>
                   </a:txBody>
                   <a:tcPr/>
@@ -8920,7 +12658,7 @@
                     <a:bodyPr/>
                     <a:lstStyle/>
                     <a:p>
-                      <a:endParaRPr lang="en-AU" sz="1100" dirty="0"/>
+                      <a:endParaRPr lang="en-AU" sz="1100"/>
                     </a:p>
                   </a:txBody>
                   <a:tcPr/>
@@ -8930,7 +12668,11 @@
                     <a:bodyPr/>
                     <a:lstStyle/>
                     <a:p>
-                      <a:endParaRPr lang="en-AU" sz="1100" dirty="0"/>
+                      <a:r>
+                        <a:rPr lang="en-AU" sz="1100" smtClean="0"/>
+                        <a:t>20.16</a:t>
+                      </a:r>
+                      <a:endParaRPr lang="en-AU" sz="1100"/>
                     </a:p>
                   </a:txBody>
                   <a:tcPr/>
@@ -8940,7 +12682,11 @@
                     <a:bodyPr/>
                     <a:lstStyle/>
                     <a:p>
-                      <a:endParaRPr lang="en-AU" sz="1100" dirty="0"/>
+                      <a:r>
+                        <a:rPr lang="en-AU" sz="1100" smtClean="0"/>
+                        <a:t>19.77</a:t>
+                      </a:r>
+                      <a:endParaRPr lang="en-AU" sz="1100"/>
                     </a:p>
                   </a:txBody>
                   <a:tcPr/>
@@ -8953,14 +12699,14 @@
                     <a:lstStyle/>
                     <a:p>
                       <a:r>
-                        <a:rPr lang="en-AU" sz="1100" dirty="0" smtClean="0"/>
+                        <a:rPr lang="en-AU" sz="1100" smtClean="0"/>
                         <a:t>Neural</a:t>
                       </a:r>
                       <a:r>
-                        <a:rPr lang="en-AU" sz="1100" baseline="0" dirty="0" smtClean="0"/>
+                        <a:rPr lang="en-AU" sz="1100" baseline="0" smtClean="0"/>
                         <a:t> network autoregressive</a:t>
                       </a:r>
-                      <a:endParaRPr lang="en-AU" sz="1100" dirty="0"/>
+                      <a:endParaRPr lang="en-AU" sz="1100"/>
                     </a:p>
                   </a:txBody>
                   <a:tcPr/>
@@ -8971,10 +12717,10 @@
                     <a:lstStyle/>
                     <a:p>
                       <a:r>
-                        <a:rPr lang="en-AU" sz="1100" dirty="0" smtClean="0"/>
+                        <a:rPr lang="en-AU" sz="1100" smtClean="0"/>
                         <a:t>-0.42</a:t>
                       </a:r>
-                      <a:endParaRPr lang="en-AU" sz="1100" dirty="0"/>
+                      <a:endParaRPr lang="en-AU" sz="1100"/>
                     </a:p>
                   </a:txBody>
                   <a:tcPr/>
@@ -8985,10 +12731,10 @@
                     <a:lstStyle/>
                     <a:p>
                       <a:r>
-                        <a:rPr lang="en-AU" sz="1100" dirty="0" smtClean="0"/>
+                        <a:rPr lang="en-AU" sz="1100" smtClean="0"/>
                         <a:t>-0.29</a:t>
                       </a:r>
-                      <a:endParaRPr lang="en-AU" sz="1100" dirty="0"/>
+                      <a:endParaRPr lang="en-AU" sz="1100"/>
                     </a:p>
                   </a:txBody>
                   <a:tcPr/>
@@ -8999,10 +12745,10 @@
                     <a:lstStyle/>
                     <a:p>
                       <a:r>
-                        <a:rPr lang="en-AU" sz="1100" dirty="0" smtClean="0"/>
+                        <a:rPr lang="en-AU" sz="1100" smtClean="0"/>
                         <a:t>16.20</a:t>
                       </a:r>
-                      <a:endParaRPr lang="en-AU" sz="1100" dirty="0"/>
+                      <a:endParaRPr lang="en-AU" sz="1100"/>
                     </a:p>
                   </a:txBody>
                   <a:tcPr/>
@@ -9013,10 +12759,10 @@
                     <a:lstStyle/>
                     <a:p>
                       <a:r>
-                        <a:rPr lang="en-AU" sz="1100" dirty="0" smtClean="0"/>
+                        <a:rPr lang="en-AU" sz="1100" smtClean="0"/>
                         <a:t>28.93</a:t>
                       </a:r>
-                      <a:endParaRPr lang="en-AU" sz="1100" dirty="0"/>
+                      <a:endParaRPr lang="en-AU" sz="1100"/>
                     </a:p>
                   </a:txBody>
                   <a:tcPr/>
@@ -9027,10 +12773,10 @@
                     <a:lstStyle/>
                     <a:p>
                       <a:r>
-                        <a:rPr lang="en-AU" sz="1100" dirty="0" smtClean="0"/>
+                        <a:rPr lang="en-AU" sz="1100" smtClean="0"/>
                         <a:t>24.95</a:t>
                       </a:r>
-                      <a:endParaRPr lang="en-AU" sz="1100" dirty="0"/>
+                      <a:endParaRPr lang="en-AU" sz="1100"/>
                     </a:p>
                   </a:txBody>
                   <a:tcPr/>
@@ -9041,10 +12787,10 @@
                     <a:lstStyle/>
                     <a:p>
                       <a:r>
-                        <a:rPr lang="en-AU" sz="1100" dirty="0" smtClean="0"/>
+                        <a:rPr lang="en-AU" sz="1100" smtClean="0"/>
                         <a:t>42.96</a:t>
                       </a:r>
-                      <a:endParaRPr lang="en-AU" sz="1100" dirty="0"/>
+                      <a:endParaRPr lang="en-AU" sz="1100"/>
                     </a:p>
                   </a:txBody>
                   <a:tcPr/>
@@ -9054,7 +12800,7 @@
                     <a:bodyPr/>
                     <a:lstStyle/>
                     <a:p>
-                      <a:endParaRPr lang="en-AU" sz="1100" dirty="0"/>
+                      <a:endParaRPr lang="en-AU" sz="1100"/>
                     </a:p>
                   </a:txBody>
                   <a:tcPr/>
@@ -9064,7 +12810,7 @@
                     <a:bodyPr/>
                     <a:lstStyle/>
                     <a:p>
-                      <a:endParaRPr lang="en-AU" sz="1100" dirty="0"/>
+                      <a:endParaRPr lang="en-AU" sz="1100"/>
                     </a:p>
                   </a:txBody>
                   <a:tcPr/>
@@ -9074,7 +12820,11 @@
                     <a:bodyPr/>
                     <a:lstStyle/>
                     <a:p>
-                      <a:endParaRPr lang="en-AU" sz="1100" dirty="0"/>
+                      <a:r>
+                        <a:rPr lang="en-AU" sz="1100" smtClean="0"/>
+                        <a:t>18.65</a:t>
+                      </a:r>
+                      <a:endParaRPr lang="en-AU" sz="1100"/>
                     </a:p>
                   </a:txBody>
                   <a:tcPr/>
@@ -9084,7 +12834,11 @@
                     <a:bodyPr/>
                     <a:lstStyle/>
                     <a:p>
-                      <a:endParaRPr lang="en-AU" sz="1100" dirty="0"/>
+                      <a:r>
+                        <a:rPr lang="en-AU" sz="1100" smtClean="0"/>
+                        <a:t>16.62</a:t>
+                      </a:r>
+                      <a:endParaRPr lang="en-AU" sz="1100"/>
                     </a:p>
                   </a:txBody>
                   <a:tcPr/>
@@ -9097,10 +12851,10 @@
                     <a:lstStyle/>
                     <a:p>
                       <a:r>
-                        <a:rPr lang="en-AU" sz="1100" dirty="0" smtClean="0"/>
+                        <a:rPr lang="en-AU" sz="1100" smtClean="0"/>
                         <a:t>K-nearest neighbour</a:t>
                       </a:r>
-                      <a:endParaRPr lang="en-AU" sz="1100" dirty="0"/>
+                      <a:endParaRPr lang="en-AU" sz="1100"/>
                     </a:p>
                   </a:txBody>
                   <a:tcPr/>
@@ -9131,10 +12885,10 @@
                     <a:lstStyle/>
                     <a:p>
                       <a:r>
-                        <a:rPr lang="en-AU" sz="1100" dirty="0" smtClean="0"/>
+                        <a:rPr lang="en-AU" sz="1100" smtClean="0"/>
                         <a:t>14.24</a:t>
                       </a:r>
-                      <a:endParaRPr lang="en-AU" sz="1100" dirty="0"/>
+                      <a:endParaRPr lang="en-AU" sz="1100"/>
                     </a:p>
                   </a:txBody>
                   <a:tcPr/>
@@ -9145,10 +12899,10 @@
                     <a:lstStyle/>
                     <a:p>
                       <a:r>
-                        <a:rPr lang="en-AU" sz="1100" dirty="0" smtClean="0"/>
+                        <a:rPr lang="en-AU" sz="1100" smtClean="0"/>
                         <a:t>25.78</a:t>
                       </a:r>
-                      <a:endParaRPr lang="en-AU" sz="1100" dirty="0"/>
+                      <a:endParaRPr lang="en-AU" sz="1100"/>
                     </a:p>
                   </a:txBody>
                   <a:tcPr/>
@@ -9158,7 +12912,11 @@
                     <a:bodyPr/>
                     <a:lstStyle/>
                     <a:p>
-                      <a:endParaRPr lang="en-AU" sz="1100" dirty="0"/>
+                      <a:r>
+                        <a:rPr lang="en-AU" sz="1100" smtClean="0"/>
+                        <a:t>20.73</a:t>
+                      </a:r>
+                      <a:endParaRPr lang="en-AU" sz="1100"/>
                     </a:p>
                   </a:txBody>
                   <a:tcPr/>
@@ -9168,7 +12926,11 @@
                     <a:bodyPr/>
                     <a:lstStyle/>
                     <a:p>
-                      <a:endParaRPr lang="en-AU" sz="1100" dirty="0"/>
+                      <a:r>
+                        <a:rPr lang="en-AU" sz="1100" smtClean="0"/>
+                        <a:t>39.00</a:t>
+                      </a:r>
+                      <a:endParaRPr lang="en-AU" sz="1100"/>
                     </a:p>
                   </a:txBody>
                   <a:tcPr/>
@@ -9178,7 +12940,7 @@
                     <a:bodyPr/>
                     <a:lstStyle/>
                     <a:p>
-                      <a:endParaRPr lang="en-AU" sz="1100" dirty="0"/>
+                      <a:endParaRPr lang="en-AU" sz="1100"/>
                     </a:p>
                   </a:txBody>
                   <a:tcPr/>
@@ -9188,7 +12950,7 @@
                     <a:bodyPr/>
                     <a:lstStyle/>
                     <a:p>
-                      <a:endParaRPr lang="en-AU" sz="1100" dirty="0"/>
+                      <a:endParaRPr lang="en-AU" sz="1100"/>
                     </a:p>
                   </a:txBody>
                   <a:tcPr/>
@@ -9198,7 +12960,11 @@
                     <a:bodyPr/>
                     <a:lstStyle/>
                     <a:p>
-                      <a:endParaRPr lang="en-AU" sz="1100" dirty="0"/>
+                      <a:r>
+                        <a:rPr lang="en-AU" sz="1100" smtClean="0"/>
+                        <a:t>17.44</a:t>
+                      </a:r>
+                      <a:endParaRPr lang="en-AU" sz="1100"/>
                     </a:p>
                   </a:txBody>
                   <a:tcPr/>
@@ -9208,7 +12974,11 @@
                     <a:bodyPr/>
                     <a:lstStyle/>
                     <a:p>
-                      <a:endParaRPr lang="en-AU" sz="1100" dirty="0"/>
+                      <a:r>
+                        <a:rPr lang="en-AU" sz="1100" smtClean="0"/>
+                        <a:t>15.10</a:t>
+                      </a:r>
+                      <a:endParaRPr lang="en-AU" sz="1100"/>
                     </a:p>
                   </a:txBody>
                   <a:tcPr/>
@@ -9221,14 +12991,14 @@
                     <a:lstStyle/>
                     <a:p>
                       <a:r>
-                        <a:rPr lang="en-AU" sz="1100" dirty="0" smtClean="0"/>
+                        <a:rPr lang="en-AU" sz="1100" smtClean="0"/>
                         <a:t>Support vector</a:t>
                       </a:r>
                       <a:r>
-                        <a:rPr lang="en-AU" sz="1100" baseline="0" dirty="0" smtClean="0"/>
+                        <a:rPr lang="en-AU" sz="1100" baseline="0" smtClean="0"/>
                         <a:t> regression</a:t>
                       </a:r>
-                      <a:endParaRPr lang="en-AU" sz="1100" dirty="0"/>
+                      <a:endParaRPr lang="en-AU" sz="1100"/>
                     </a:p>
                   </a:txBody>
                   <a:tcPr/>
@@ -9259,10 +13029,10 @@
                     <a:lstStyle/>
                     <a:p>
                       <a:r>
-                        <a:rPr lang="en-AU" sz="1100" dirty="0" smtClean="0"/>
+                        <a:rPr lang="en-AU" sz="1100" smtClean="0"/>
                         <a:t>16.26</a:t>
                       </a:r>
-                      <a:endParaRPr lang="en-AU" sz="1100" dirty="0"/>
+                      <a:endParaRPr lang="en-AU" sz="1100"/>
                     </a:p>
                   </a:txBody>
                   <a:tcPr/>
@@ -9273,10 +13043,10 @@
                     <a:lstStyle/>
                     <a:p>
                       <a:r>
-                        <a:rPr lang="en-AU" sz="1100" dirty="0" smtClean="0"/>
+                        <a:rPr lang="en-AU" sz="1100" smtClean="0"/>
                         <a:t>32.79</a:t>
                       </a:r>
-                      <a:endParaRPr lang="en-AU" sz="1100" dirty="0"/>
+                      <a:endParaRPr lang="en-AU" sz="1100"/>
                     </a:p>
                   </a:txBody>
                   <a:tcPr/>
@@ -9287,10 +13057,10 @@
                     <a:lstStyle/>
                     <a:p>
                       <a:r>
-                        <a:rPr lang="en-AU" sz="1100" dirty="0" smtClean="0"/>
+                        <a:rPr lang="en-AU" sz="1100" smtClean="0"/>
                         <a:t>21.33</a:t>
                       </a:r>
-                      <a:endParaRPr lang="en-AU" sz="1100" dirty="0"/>
+                      <a:endParaRPr lang="en-AU" sz="1100"/>
                     </a:p>
                   </a:txBody>
                   <a:tcPr/>
@@ -9301,10 +13071,10 @@
                     <a:lstStyle/>
                     <a:p>
                       <a:r>
-                        <a:rPr lang="en-AU" sz="1100" dirty="0" smtClean="0"/>
+                        <a:rPr lang="en-AU" sz="1100" smtClean="0"/>
                         <a:t>42.55</a:t>
                       </a:r>
-                      <a:endParaRPr lang="en-AU" sz="1100" dirty="0"/>
+                      <a:endParaRPr lang="en-AU" sz="1100"/>
                     </a:p>
                   </a:txBody>
                   <a:tcPr/>
@@ -9314,7 +13084,7 @@
                     <a:bodyPr/>
                     <a:lstStyle/>
                     <a:p>
-                      <a:endParaRPr lang="en-AU" sz="1100" dirty="0"/>
+                      <a:endParaRPr lang="en-AU" sz="1100"/>
                     </a:p>
                   </a:txBody>
                   <a:tcPr/>
@@ -9324,7 +13094,7 @@
                     <a:bodyPr/>
                     <a:lstStyle/>
                     <a:p>
-                      <a:endParaRPr lang="en-AU" sz="1100" dirty="0"/>
+                      <a:endParaRPr lang="en-AU" sz="1100"/>
                     </a:p>
                   </a:txBody>
                   <a:tcPr/>
@@ -9334,7 +13104,11 @@
                     <a:bodyPr/>
                     <a:lstStyle/>
                     <a:p>
-                      <a:endParaRPr lang="en-AU" sz="1100" dirty="0"/>
+                      <a:r>
+                        <a:rPr lang="en-AU" sz="1100" smtClean="0"/>
+                        <a:t>31.48</a:t>
+                      </a:r>
+                      <a:endParaRPr lang="en-AU" sz="1100"/>
                     </a:p>
                   </a:txBody>
                   <a:tcPr/>
@@ -9344,7 +13118,11 @@
                     <a:bodyPr/>
                     <a:lstStyle/>
                     <a:p>
-                      <a:endParaRPr lang="en-AU" sz="1100" dirty="0"/>
+                      <a:r>
+                        <a:rPr lang="en-AU" sz="1100" smtClean="0"/>
+                        <a:t>30.19</a:t>
+                      </a:r>
+                      <a:endParaRPr lang="en-AU" sz="1100"/>
                     </a:p>
                   </a:txBody>
                   <a:tcPr/>
@@ -9357,10 +13135,10 @@
                     <a:lstStyle/>
                     <a:p>
                       <a:r>
-                        <a:rPr lang="en-AU" sz="1100" dirty="0" smtClean="0"/>
+                        <a:rPr lang="en-AU" sz="1100" smtClean="0"/>
                         <a:t>Simple RNN</a:t>
                       </a:r>
-                      <a:endParaRPr lang="en-AU" sz="1100" dirty="0"/>
+                      <a:endParaRPr lang="en-AU" sz="1100"/>
                     </a:p>
                   </a:txBody>
                   <a:tcPr/>
@@ -9391,10 +13169,10 @@
                     <a:lstStyle/>
                     <a:p>
                       <a:r>
-                        <a:rPr lang="en-AU" sz="1100" dirty="0" smtClean="0"/>
+                        <a:rPr lang="en-AU" sz="1100" smtClean="0"/>
                         <a:t>13.87</a:t>
                       </a:r>
-                      <a:endParaRPr lang="en-AU" sz="1100" dirty="0"/>
+                      <a:endParaRPr lang="en-AU" sz="1100"/>
                     </a:p>
                   </a:txBody>
                   <a:tcPr/>
@@ -9405,10 +13183,10 @@
                     <a:lstStyle/>
                     <a:p>
                       <a:r>
-                        <a:rPr lang="en-AU" sz="1100" dirty="0" smtClean="0"/>
+                        <a:rPr lang="en-AU" sz="1100" smtClean="0"/>
                         <a:t>25.81</a:t>
                       </a:r>
-                      <a:endParaRPr lang="en-AU" sz="1100" dirty="0"/>
+                      <a:endParaRPr lang="en-AU" sz="1100"/>
                     </a:p>
                   </a:txBody>
                   <a:tcPr/>
@@ -9418,7 +13196,11 @@
                     <a:bodyPr/>
                     <a:lstStyle/>
                     <a:p>
-                      <a:endParaRPr lang="en-AU" sz="1100" dirty="0"/>
+                      <a:r>
+                        <a:rPr lang="en-AU" sz="1100" smtClean="0"/>
+                        <a:t>19.99</a:t>
+                      </a:r>
+                      <a:endParaRPr lang="en-AU" sz="1100"/>
                     </a:p>
                   </a:txBody>
                   <a:tcPr/>
@@ -9428,7 +13210,11 @@
                     <a:bodyPr/>
                     <a:lstStyle/>
                     <a:p>
-                      <a:endParaRPr lang="en-AU" sz="1100" dirty="0"/>
+                      <a:r>
+                        <a:rPr lang="en-AU" sz="1100" smtClean="0"/>
+                        <a:t>36.86</a:t>
+                      </a:r>
+                      <a:endParaRPr lang="en-AU" sz="1100"/>
                     </a:p>
                   </a:txBody>
                   <a:tcPr/>
@@ -9438,7 +13224,7 @@
                     <a:bodyPr/>
                     <a:lstStyle/>
                     <a:p>
-                      <a:endParaRPr lang="en-AU" sz="1100" dirty="0"/>
+                      <a:endParaRPr lang="en-AU" sz="1100"/>
                     </a:p>
                   </a:txBody>
                   <a:tcPr/>
@@ -9448,7 +13234,7 @@
                     <a:bodyPr/>
                     <a:lstStyle/>
                     <a:p>
-                      <a:endParaRPr lang="en-AU" sz="1100" dirty="0"/>
+                      <a:endParaRPr lang="en-AU" sz="1100"/>
                     </a:p>
                   </a:txBody>
                   <a:tcPr/>
@@ -9458,7 +13244,11 @@
                     <a:bodyPr/>
                     <a:lstStyle/>
                     <a:p>
-                      <a:endParaRPr lang="en-AU" sz="1100" dirty="0"/>
+                      <a:r>
+                        <a:rPr lang="en-AU" sz="1100" smtClean="0"/>
+                        <a:t>17.41</a:t>
+                      </a:r>
+                      <a:endParaRPr lang="en-AU" sz="1100"/>
                     </a:p>
                   </a:txBody>
                   <a:tcPr/>
@@ -9468,7 +13258,11 @@
                     <a:bodyPr/>
                     <a:lstStyle/>
                     <a:p>
-                      <a:endParaRPr lang="en-AU" sz="1100" dirty="0"/>
+                      <a:r>
+                        <a:rPr lang="en-AU" sz="1100" smtClean="0"/>
+                        <a:t>16.05</a:t>
+                      </a:r>
+                      <a:endParaRPr lang="en-AU" sz="1100"/>
                     </a:p>
                   </a:txBody>
                   <a:tcPr/>
@@ -9481,10 +13275,10 @@
                     <a:lstStyle/>
                     <a:p>
                       <a:r>
-                        <a:rPr lang="en-AU" sz="1100" dirty="0" smtClean="0"/>
+                        <a:rPr lang="en-AU" sz="1100" smtClean="0"/>
                         <a:t>GRU</a:t>
                       </a:r>
-                      <a:endParaRPr lang="en-AU" sz="1100" dirty="0"/>
+                      <a:endParaRPr lang="en-AU" sz="1100"/>
                     </a:p>
                   </a:txBody>
                   <a:tcPr/>
@@ -9515,10 +13309,10 @@
                     <a:lstStyle/>
                     <a:p>
                       <a:r>
-                        <a:rPr lang="en-AU" sz="1100" dirty="0" smtClean="0"/>
+                        <a:rPr lang="en-AU" sz="1100" smtClean="0"/>
                         <a:t>14.21</a:t>
                       </a:r>
-                      <a:endParaRPr lang="en-AU" sz="1100" dirty="0"/>
+                      <a:endParaRPr lang="en-AU" sz="1100"/>
                     </a:p>
                   </a:txBody>
                   <a:tcPr/>
@@ -9529,10 +13323,10 @@
                     <a:lstStyle/>
                     <a:p>
                       <a:r>
-                        <a:rPr lang="en-AU" sz="1100" dirty="0" smtClean="0"/>
+                        <a:rPr lang="en-AU" sz="1100" smtClean="0"/>
                         <a:t>27.85</a:t>
                       </a:r>
-                      <a:endParaRPr lang="en-AU" sz="1100" dirty="0"/>
+                      <a:endParaRPr lang="en-AU" sz="1100"/>
                     </a:p>
                   </a:txBody>
                   <a:tcPr/>
@@ -9542,7 +13336,11 @@
                     <a:bodyPr/>
                     <a:lstStyle/>
                     <a:p>
-                      <a:endParaRPr lang="en-AU" sz="1100" dirty="0"/>
+                      <a:r>
+                        <a:rPr lang="en-AU" sz="1100" smtClean="0"/>
+                        <a:t>20.31</a:t>
+                      </a:r>
+                      <a:endParaRPr lang="en-AU" sz="1100"/>
                     </a:p>
                   </a:txBody>
                   <a:tcPr/>
@@ -9552,7 +13350,11 @@
                     <a:bodyPr/>
                     <a:lstStyle/>
                     <a:p>
-                      <a:endParaRPr lang="en-AU" sz="1100" dirty="0"/>
+                      <a:r>
+                        <a:rPr lang="en-AU" sz="1100" smtClean="0"/>
+                        <a:t>39.59</a:t>
+                      </a:r>
+                      <a:endParaRPr lang="en-AU" sz="1100"/>
                     </a:p>
                   </a:txBody>
                   <a:tcPr/>
@@ -9562,7 +13364,7 @@
                     <a:bodyPr/>
                     <a:lstStyle/>
                     <a:p>
-                      <a:endParaRPr lang="en-AU" sz="1100" dirty="0"/>
+                      <a:endParaRPr lang="en-AU" sz="1100"/>
                     </a:p>
                   </a:txBody>
                   <a:tcPr/>
@@ -9572,7 +13374,7 @@
                     <a:bodyPr/>
                     <a:lstStyle/>
                     <a:p>
-                      <a:endParaRPr lang="en-AU" sz="1100" dirty="0"/>
+                      <a:endParaRPr lang="en-AU" sz="1100"/>
                     </a:p>
                   </a:txBody>
                   <a:tcPr/>
@@ -9582,7 +13384,11 @@
                     <a:bodyPr/>
                     <a:lstStyle/>
                     <a:p>
-                      <a:endParaRPr lang="en-AU" sz="1100" dirty="0"/>
+                      <a:r>
+                        <a:rPr lang="en-AU" sz="1100" smtClean="0"/>
+                        <a:t>18.14</a:t>
+                      </a:r>
+                      <a:endParaRPr lang="en-AU" sz="1100"/>
                     </a:p>
                   </a:txBody>
                   <a:tcPr/>
@@ -9592,7 +13398,11 @@
                     <a:bodyPr/>
                     <a:lstStyle/>
                     <a:p>
-                      <a:endParaRPr lang="en-AU" sz="1100" dirty="0"/>
+                      <a:r>
+                        <a:rPr lang="en-AU" sz="1100" smtClean="0"/>
+                        <a:t>18.62</a:t>
+                      </a:r>
+                      <a:endParaRPr lang="en-AU" sz="1100"/>
                     </a:p>
                   </a:txBody>
                   <a:tcPr/>
@@ -9605,10 +13415,10 @@
                     <a:lstStyle/>
                     <a:p>
                       <a:r>
-                        <a:rPr lang="en-AU" sz="1100" dirty="0" smtClean="0"/>
+                        <a:rPr lang="en-AU" sz="1100" smtClean="0"/>
                         <a:t>LSTM</a:t>
                       </a:r>
-                      <a:endParaRPr lang="en-AU" sz="1100" dirty="0"/>
+                      <a:endParaRPr lang="en-AU" sz="1100"/>
                     </a:p>
                   </a:txBody>
                   <a:tcPr/>
@@ -9618,7 +13428,7 @@
                     <a:bodyPr/>
                     <a:lstStyle/>
                     <a:p>
-                      <a:endParaRPr lang="en-AU" sz="1100" dirty="0"/>
+                      <a:endParaRPr lang="en-AU" sz="1100"/>
                     </a:p>
                   </a:txBody>
                   <a:tcPr/>
@@ -9628,7 +13438,7 @@
                     <a:bodyPr/>
                     <a:lstStyle/>
                     <a:p>
-                      <a:endParaRPr lang="en-AU" sz="1100" dirty="0"/>
+                      <a:endParaRPr lang="en-AU" sz="1100"/>
                     </a:p>
                   </a:txBody>
                   <a:tcPr/>
@@ -9639,10 +13449,10 @@
                     <a:lstStyle/>
                     <a:p>
                       <a:r>
-                        <a:rPr lang="en-AU" sz="1100" dirty="0" smtClean="0"/>
+                        <a:rPr lang="en-AU" sz="1100" smtClean="0"/>
                         <a:t>13.97</a:t>
                       </a:r>
-                      <a:endParaRPr lang="en-AU" sz="1100" dirty="0"/>
+                      <a:endParaRPr lang="en-AU" sz="1100"/>
                     </a:p>
                   </a:txBody>
                   <a:tcPr/>
@@ -9653,10 +13463,10 @@
                     <a:lstStyle/>
                     <a:p>
                       <a:r>
-                        <a:rPr lang="en-AU" sz="1100" dirty="0" smtClean="0"/>
+                        <a:rPr lang="en-AU" sz="1100" smtClean="0"/>
                         <a:t>31.12</a:t>
                       </a:r>
-                      <a:endParaRPr lang="en-AU" sz="1100" dirty="0"/>
+                      <a:endParaRPr lang="en-AU" sz="1100"/>
                     </a:p>
                   </a:txBody>
                   <a:tcPr/>
@@ -9666,7 +13476,11 @@
                     <a:bodyPr/>
                     <a:lstStyle/>
                     <a:p>
-                      <a:endParaRPr lang="en-AU" sz="1100" dirty="0"/>
+                      <a:r>
+                        <a:rPr lang="en-AU" sz="1100" smtClean="0"/>
+                        <a:t>20.28</a:t>
+                      </a:r>
+                      <a:endParaRPr lang="en-AU" sz="1100"/>
                     </a:p>
                   </a:txBody>
                   <a:tcPr/>
@@ -9676,7 +13490,11 @@
                     <a:bodyPr/>
                     <a:lstStyle/>
                     <a:p>
-                      <a:endParaRPr lang="en-AU" sz="1100" dirty="0"/>
+                      <a:r>
+                        <a:rPr lang="en-AU" sz="1100" smtClean="0"/>
+                        <a:t>42.69</a:t>
+                      </a:r>
+                      <a:endParaRPr lang="en-AU" sz="1100"/>
                     </a:p>
                   </a:txBody>
                   <a:tcPr/>
@@ -9686,7 +13504,7 @@
                     <a:bodyPr/>
                     <a:lstStyle/>
                     <a:p>
-                      <a:endParaRPr lang="en-AU" sz="1100" dirty="0"/>
+                      <a:endParaRPr lang="en-AU" sz="1100"/>
                     </a:p>
                   </a:txBody>
                   <a:tcPr/>
@@ -9696,7 +13514,7 @@
                     <a:bodyPr/>
                     <a:lstStyle/>
                     <a:p>
-                      <a:endParaRPr lang="en-AU" sz="1100" dirty="0"/>
+                      <a:endParaRPr lang="en-AU" sz="1100"/>
                     </a:p>
                   </a:txBody>
                   <a:tcPr/>
@@ -9706,7 +13524,11 @@
                     <a:bodyPr/>
                     <a:lstStyle/>
                     <a:p>
-                      <a:endParaRPr lang="en-AU" sz="1100" dirty="0"/>
+                      <a:r>
+                        <a:rPr lang="en-AU" sz="1100" smtClean="0"/>
+                        <a:t>17.64</a:t>
+                      </a:r>
+                      <a:endParaRPr lang="en-AU" sz="1100"/>
                     </a:p>
                   </a:txBody>
                   <a:tcPr/>
@@ -9716,7 +13538,11 @@
                     <a:bodyPr/>
                     <a:lstStyle/>
                     <a:p>
-                      <a:endParaRPr lang="en-AU" sz="1100" dirty="0"/>
+                      <a:r>
+                        <a:rPr lang="en-AU" sz="1100" smtClean="0"/>
+                        <a:t>19.16</a:t>
+                      </a:r>
+                      <a:endParaRPr lang="en-AU" sz="1100"/>
                     </a:p>
                   </a:txBody>
                   <a:tcPr/>
@@ -9729,14 +13555,14 @@
                     <a:lstStyle/>
                     <a:p>
                       <a:r>
-                        <a:rPr lang="en-AU" sz="1100" dirty="0" smtClean="0"/>
+                        <a:rPr lang="en-AU" sz="1100" smtClean="0"/>
                         <a:t>LSTM</a:t>
                       </a:r>
                       <a:r>
-                        <a:rPr lang="en-AU" sz="1100" baseline="0" dirty="0" smtClean="0"/>
+                        <a:rPr lang="en-AU" sz="1100" baseline="0" smtClean="0"/>
                         <a:t> (Multiple locations)</a:t>
                       </a:r>
-                      <a:endParaRPr lang="en-AU" sz="1100" dirty="0"/>
+                      <a:endParaRPr lang="en-AU" sz="1100"/>
                     </a:p>
                   </a:txBody>
                   <a:tcPr/>
@@ -9746,7 +13572,7 @@
                     <a:bodyPr/>
                     <a:lstStyle/>
                     <a:p>
-                      <a:endParaRPr lang="en-AU" sz="1100" dirty="0"/>
+                      <a:endParaRPr lang="en-AU" sz="1100"/>
                     </a:p>
                   </a:txBody>
                   <a:tcPr/>
@@ -9756,7 +13582,97 @@
                     <a:bodyPr/>
                     <a:lstStyle/>
                     <a:p>
-                      <a:endParaRPr lang="en-AU" sz="1100" dirty="0"/>
+                      <a:endParaRPr lang="en-AU" sz="1100"/>
+                    </a:p>
+                  </a:txBody>
+                  <a:tcPr/>
+                </a:tc>
+                <a:tc>
+                  <a:txBody>
+                    <a:bodyPr/>
+                    <a:lstStyle/>
+                    <a:p>
+                      <a:r>
+                        <a:rPr lang="en-AU" sz="1100" smtClean="0"/>
+                        <a:t>15.14</a:t>
+                      </a:r>
+                      <a:endParaRPr lang="en-AU" sz="1100"/>
+                    </a:p>
+                  </a:txBody>
+                  <a:tcPr/>
+                </a:tc>
+                <a:tc>
+                  <a:txBody>
+                    <a:bodyPr/>
+                    <a:lstStyle/>
+                    <a:p>
+                      <a:r>
+                        <a:rPr lang="en-AU" sz="1100" smtClean="0"/>
+                        <a:t>18.25</a:t>
+                      </a:r>
+                      <a:endParaRPr lang="en-AU" sz="1100"/>
+                    </a:p>
+                  </a:txBody>
+                  <a:tcPr/>
+                </a:tc>
+                <a:tc>
+                  <a:txBody>
+                    <a:bodyPr/>
+                    <a:lstStyle/>
+                    <a:p>
+                      <a:r>
+                        <a:rPr lang="en-AU" sz="1100" smtClean="0"/>
+                        <a:t>21.90</a:t>
+                      </a:r>
+                      <a:endParaRPr lang="en-AU" sz="1100"/>
+                    </a:p>
+                  </a:txBody>
+                  <a:tcPr/>
+                </a:tc>
+                <a:tc>
+                  <a:txBody>
+                    <a:bodyPr/>
+                    <a:lstStyle/>
+                    <a:p>
+                      <a:r>
+                        <a:rPr lang="en-AU" sz="1100" smtClean="0"/>
+                        <a:t>25.36</a:t>
+                      </a:r>
+                      <a:endParaRPr lang="en-AU" sz="1100"/>
+                    </a:p>
+                  </a:txBody>
+                  <a:tcPr/>
+                </a:tc>
+                <a:tc>
+                  <a:txBody>
+                    <a:bodyPr/>
+                    <a:lstStyle/>
+                    <a:p>
+                      <a:endParaRPr lang="en-AU" sz="1100"/>
+                    </a:p>
+                  </a:txBody>
+                  <a:tcPr/>
+                </a:tc>
+                <a:tc>
+                  <a:txBody>
+                    <a:bodyPr/>
+                    <a:lstStyle/>
+                    <a:p>
+                      <a:endParaRPr lang="en-AU" sz="1100"/>
+                    </a:p>
+                  </a:txBody>
+                  <a:tcPr/>
+                </a:tc>
+                <a:tc>
+                  <a:txBody>
+                    <a:bodyPr/>
+                    <a:lstStyle/>
+                    <a:p>
+                      <a:r>
+                        <a:rPr lang="en-AU" sz="1100" smtClean="0"/>
+                        <a:t>17.77</a:t>
+                      </a:r>
+                      <a:endParaRPr lang="en-AU" sz="1100"/>
                     </a:p>
                   </a:txBody>
                   <a:tcPr/>
@@ -9768,82 +13684,8 @@
                     <a:p>
                       <a:r>
                         <a:rPr lang="en-AU" sz="1100" dirty="0" smtClean="0"/>
-                        <a:t>15.14</a:t>
+                        <a:t>21.78</a:t>
                       </a:r>
-                      <a:endParaRPr lang="en-AU" sz="1100" dirty="0"/>
-                    </a:p>
-                  </a:txBody>
-                  <a:tcPr/>
-                </a:tc>
-                <a:tc>
-                  <a:txBody>
-                    <a:bodyPr/>
-                    <a:lstStyle/>
-                    <a:p>
-                      <a:r>
-                        <a:rPr lang="en-AU" sz="1100" dirty="0" smtClean="0"/>
-                        <a:t>18.25</a:t>
-                      </a:r>
-                      <a:endParaRPr lang="en-AU" sz="1100" dirty="0"/>
-                    </a:p>
-                  </a:txBody>
-                  <a:tcPr/>
-                </a:tc>
-                <a:tc>
-                  <a:txBody>
-                    <a:bodyPr/>
-                    <a:lstStyle/>
-                    <a:p>
-                      <a:endParaRPr lang="en-AU" sz="1100" dirty="0"/>
-                    </a:p>
-                  </a:txBody>
-                  <a:tcPr/>
-                </a:tc>
-                <a:tc>
-                  <a:txBody>
-                    <a:bodyPr/>
-                    <a:lstStyle/>
-                    <a:p>
-                      <a:endParaRPr lang="en-AU" sz="1100" dirty="0"/>
-                    </a:p>
-                  </a:txBody>
-                  <a:tcPr/>
-                </a:tc>
-                <a:tc>
-                  <a:txBody>
-                    <a:bodyPr/>
-                    <a:lstStyle/>
-                    <a:p>
-                      <a:endParaRPr lang="en-AU" sz="1100" dirty="0"/>
-                    </a:p>
-                  </a:txBody>
-                  <a:tcPr/>
-                </a:tc>
-                <a:tc>
-                  <a:txBody>
-                    <a:bodyPr/>
-                    <a:lstStyle/>
-                    <a:p>
-                      <a:endParaRPr lang="en-AU" sz="1100" dirty="0"/>
-                    </a:p>
-                  </a:txBody>
-                  <a:tcPr/>
-                </a:tc>
-                <a:tc>
-                  <a:txBody>
-                    <a:bodyPr/>
-                    <a:lstStyle/>
-                    <a:p>
-                      <a:endParaRPr lang="en-AU" sz="1100" dirty="0"/>
-                    </a:p>
-                  </a:txBody>
-                  <a:tcPr/>
-                </a:tc>
-                <a:tc>
-                  <a:txBody>
-                    <a:bodyPr/>
-                    <a:lstStyle/>
-                    <a:p>
                       <a:endParaRPr lang="en-AU" sz="1100" dirty="0"/>
                     </a:p>
                   </a:txBody>
@@ -9858,6 +13700,3056 @@
     <p:extLst>
       <p:ext uri="{BB962C8B-B14F-4D97-AF65-F5344CB8AC3E}">
         <p14:creationId xmlns:p14="http://schemas.microsoft.com/office/powerpoint/2010/main" val="1025259091"/>
+      </p:ext>
+    </p:extLst>
+  </p:cSld>
+  <p:clrMapOvr>
+    <a:masterClrMapping/>
+  </p:clrMapOvr>
+</p:sld>
+</file>
+
+<file path=ppt/slides/slide5.xml><?xml version="1.0" encoding="utf-8"?>
+<p:sld xmlns:a="http://schemas.openxmlformats.org/drawingml/2006/main" xmlns:r="http://schemas.openxmlformats.org/officeDocument/2006/relationships" xmlns:p="http://schemas.openxmlformats.org/presentationml/2006/main">
+  <p:cSld>
+    <p:spTree>
+      <p:nvGrpSpPr>
+        <p:cNvPr id="1" name=""/>
+        <p:cNvGrpSpPr/>
+        <p:nvPr/>
+      </p:nvGrpSpPr>
+      <p:grpSpPr>
+        <a:xfrm>
+          <a:off x="0" y="0"/>
+          <a:ext cx="0" cy="0"/>
+          <a:chOff x="0" y="0"/>
+          <a:chExt cx="0" cy="0"/>
+        </a:xfrm>
+      </p:grpSpPr>
+      <mc:AlternateContent xmlns:mc="http://schemas.openxmlformats.org/markup-compatibility/2006">
+        <mc:Choice xmlns:a14="http://schemas.microsoft.com/office/drawing/2010/main" Requires="a14">
+          <p:sp>
+            <p:nvSpPr>
+              <p:cNvPr id="6" name="Oval 5"/>
+              <p:cNvSpPr/>
+              <p:nvPr/>
+            </p:nvSpPr>
+            <p:spPr>
+              <a:xfrm>
+                <a:off x="3530600" y="2038350"/>
+                <a:ext cx="520700" cy="546100"/>
+              </a:xfrm>
+              <a:prstGeom prst="ellipse">
+                <a:avLst/>
+              </a:prstGeom>
+              <a:solidFill>
+                <a:schemeClr val="accent3">
+                  <a:lumMod val="60000"/>
+                  <a:lumOff val="40000"/>
+                  <a:alpha val="80000"/>
+                </a:schemeClr>
+              </a:solidFill>
+            </p:spPr>
+            <p:style>
+              <a:lnRef idx="2">
+                <a:schemeClr val="accent1">
+                  <a:shade val="50000"/>
+                </a:schemeClr>
+              </a:lnRef>
+              <a:fillRef idx="1">
+                <a:schemeClr val="accent1"/>
+              </a:fillRef>
+              <a:effectRef idx="0">
+                <a:schemeClr val="accent1"/>
+              </a:effectRef>
+              <a:fontRef idx="minor">
+                <a:schemeClr val="lt1"/>
+              </a:fontRef>
+            </p:style>
+            <p:txBody>
+              <a:bodyPr rtlCol="0" anchor="ctr"/>
+              <a:lstStyle/>
+              <a:p>
+                <a:pPr algn="ctr"/>
+                <a14:m>
+                  <m:oMathPara xmlns:m="http://schemas.openxmlformats.org/officeDocument/2006/math">
+                    <m:oMathParaPr>
+                      <m:jc m:val="centerGroup"/>
+                    </m:oMathParaPr>
+                    <m:oMath xmlns:m="http://schemas.openxmlformats.org/officeDocument/2006/math">
+                      <m:r>
+                        <a:rPr lang="en-AU" sz="1200" i="1" dirty="0" smtClean="0">
+                          <a:solidFill>
+                            <a:schemeClr val="tx1"/>
+                          </a:solidFill>
+                          <a:latin typeface="Cambria Math" charset="0"/>
+                        </a:rPr>
+                        <m:t>𝑥</m:t>
+                      </m:r>
+                      <m:r>
+                        <a:rPr lang="en-AU" sz="1200" i="1" baseline="-25000" dirty="0">
+                          <a:solidFill>
+                            <a:schemeClr val="tx1"/>
+                          </a:solidFill>
+                          <a:latin typeface="Cambria Math" charset="0"/>
+                        </a:rPr>
+                        <m:t>0</m:t>
+                      </m:r>
+                    </m:oMath>
+                  </m:oMathPara>
+                </a14:m>
+                <a:endParaRPr lang="en-AU" sz="1200" dirty="0">
+                  <a:solidFill>
+                    <a:schemeClr val="tx1"/>
+                  </a:solidFill>
+                </a:endParaRPr>
+              </a:p>
+            </p:txBody>
+          </p:sp>
+        </mc:Choice>
+        <mc:Fallback>
+          <p:sp>
+            <p:nvSpPr>
+              <p:cNvPr id="6" name="Oval 5"/>
+              <p:cNvSpPr>
+                <a:spLocks noRot="1" noChangeAspect="1" noMove="1" noResize="1" noEditPoints="1" noAdjustHandles="1" noChangeArrowheads="1" noChangeShapeType="1" noTextEdit="1"/>
+              </p:cNvSpPr>
+              <p:nvPr/>
+            </p:nvSpPr>
+            <p:spPr>
+              <a:xfrm>
+                <a:off x="3530600" y="2038350"/>
+                <a:ext cx="520700" cy="546100"/>
+              </a:xfrm>
+              <a:prstGeom prst="ellipse">
+                <a:avLst/>
+              </a:prstGeom>
+              <a:blipFill rotWithShape="0">
+                <a:blip r:embed="rId2"/>
+                <a:stretch>
+                  <a:fillRect/>
+                </a:stretch>
+              </a:blipFill>
+            </p:spPr>
+            <p:txBody>
+              <a:bodyPr/>
+              <a:lstStyle/>
+              <a:p>
+                <a:r>
+                  <a:rPr lang="en-AU">
+                    <a:noFill/>
+                  </a:rPr>
+                  <a:t> </a:t>
+                </a:r>
+              </a:p>
+            </p:txBody>
+          </p:sp>
+        </mc:Fallback>
+      </mc:AlternateContent>
+      <mc:AlternateContent xmlns:mc="http://schemas.openxmlformats.org/markup-compatibility/2006">
+        <mc:Choice xmlns:a14="http://schemas.microsoft.com/office/drawing/2010/main" Requires="a14">
+          <p:sp>
+            <p:nvSpPr>
+              <p:cNvPr id="8" name="Oval 7"/>
+              <p:cNvSpPr/>
+              <p:nvPr/>
+            </p:nvSpPr>
+            <p:spPr>
+              <a:xfrm>
+                <a:off x="6149383" y="2038350"/>
+                <a:ext cx="520700" cy="546100"/>
+              </a:xfrm>
+              <a:prstGeom prst="ellipse">
+                <a:avLst/>
+              </a:prstGeom>
+              <a:solidFill>
+                <a:schemeClr val="accent3">
+                  <a:lumMod val="60000"/>
+                  <a:lumOff val="40000"/>
+                </a:schemeClr>
+              </a:solidFill>
+            </p:spPr>
+            <p:style>
+              <a:lnRef idx="2">
+                <a:schemeClr val="accent1">
+                  <a:shade val="50000"/>
+                </a:schemeClr>
+              </a:lnRef>
+              <a:fillRef idx="1">
+                <a:schemeClr val="accent1"/>
+              </a:fillRef>
+              <a:effectRef idx="0">
+                <a:schemeClr val="accent1"/>
+              </a:effectRef>
+              <a:fontRef idx="minor">
+                <a:schemeClr val="lt1"/>
+              </a:fontRef>
+            </p:style>
+            <p:txBody>
+              <a:bodyPr rtlCol="0" anchor="ctr"/>
+              <a:lstStyle/>
+              <a:p>
+                <a:pPr algn="ctr"/>
+                <a14:m>
+                  <m:oMathPara xmlns:m="http://schemas.openxmlformats.org/officeDocument/2006/math">
+                    <m:oMathParaPr>
+                      <m:jc m:val="centerGroup"/>
+                    </m:oMathParaPr>
+                    <m:oMath xmlns:m="http://schemas.openxmlformats.org/officeDocument/2006/math">
+                      <m:r>
+                        <a:rPr lang="en-AU" sz="1200" i="1" dirty="0" smtClean="0">
+                          <a:solidFill>
+                            <a:schemeClr val="tx1"/>
+                          </a:solidFill>
+                          <a:latin typeface="Cambria Math" charset="0"/>
+                        </a:rPr>
+                        <m:t>𝑥</m:t>
+                      </m:r>
+                      <m:r>
+                        <a:rPr lang="en-AU" sz="1200" i="1" baseline="-25000" dirty="0" smtClean="0">
+                          <a:solidFill>
+                            <a:schemeClr val="tx1"/>
+                          </a:solidFill>
+                          <a:latin typeface="Cambria Math" charset="0"/>
+                        </a:rPr>
+                        <m:t>2</m:t>
+                      </m:r>
+                    </m:oMath>
+                  </m:oMathPara>
+                </a14:m>
+                <a:endParaRPr lang="en-AU" sz="1200" dirty="0"/>
+              </a:p>
+            </p:txBody>
+          </p:sp>
+        </mc:Choice>
+        <mc:Fallback>
+          <p:sp>
+            <p:nvSpPr>
+              <p:cNvPr id="8" name="Oval 7"/>
+              <p:cNvSpPr>
+                <a:spLocks noRot="1" noChangeAspect="1" noMove="1" noResize="1" noEditPoints="1" noAdjustHandles="1" noChangeArrowheads="1" noChangeShapeType="1" noTextEdit="1"/>
+              </p:cNvSpPr>
+              <p:nvPr/>
+            </p:nvSpPr>
+            <p:spPr>
+              <a:xfrm>
+                <a:off x="6149383" y="2038350"/>
+                <a:ext cx="520700" cy="546100"/>
+              </a:xfrm>
+              <a:prstGeom prst="ellipse">
+                <a:avLst/>
+              </a:prstGeom>
+              <a:blipFill rotWithShape="0">
+                <a:blip r:embed="rId3"/>
+                <a:stretch>
+                  <a:fillRect/>
+                </a:stretch>
+              </a:blipFill>
+            </p:spPr>
+            <p:txBody>
+              <a:bodyPr/>
+              <a:lstStyle/>
+              <a:p>
+                <a:r>
+                  <a:rPr lang="en-AU">
+                    <a:noFill/>
+                  </a:rPr>
+                  <a:t> </a:t>
+                </a:r>
+              </a:p>
+            </p:txBody>
+          </p:sp>
+        </mc:Fallback>
+      </mc:AlternateContent>
+      <mc:AlternateContent xmlns:mc="http://schemas.openxmlformats.org/markup-compatibility/2006">
+        <mc:Choice xmlns:a14="http://schemas.microsoft.com/office/drawing/2010/main" Requires="a14">
+          <p:sp>
+            <p:nvSpPr>
+              <p:cNvPr id="9" name="Oval 8"/>
+              <p:cNvSpPr/>
+              <p:nvPr/>
+            </p:nvSpPr>
+            <p:spPr>
+              <a:xfrm>
+                <a:off x="4673600" y="2038350"/>
+                <a:ext cx="520700" cy="546100"/>
+              </a:xfrm>
+              <a:prstGeom prst="ellipse">
+                <a:avLst/>
+              </a:prstGeom>
+              <a:solidFill>
+                <a:schemeClr val="accent3">
+                  <a:lumMod val="60000"/>
+                  <a:lumOff val="40000"/>
+                </a:schemeClr>
+              </a:solidFill>
+            </p:spPr>
+            <p:style>
+              <a:lnRef idx="2">
+                <a:schemeClr val="accent1">
+                  <a:shade val="50000"/>
+                </a:schemeClr>
+              </a:lnRef>
+              <a:fillRef idx="1">
+                <a:schemeClr val="accent1"/>
+              </a:fillRef>
+              <a:effectRef idx="0">
+                <a:schemeClr val="accent1"/>
+              </a:effectRef>
+              <a:fontRef idx="minor">
+                <a:schemeClr val="lt1"/>
+              </a:fontRef>
+            </p:style>
+            <p:txBody>
+              <a:bodyPr rtlCol="0" anchor="ctr"/>
+              <a:lstStyle/>
+              <a:p>
+                <a:pPr algn="ctr"/>
+                <a14:m>
+                  <m:oMathPara xmlns:m="http://schemas.openxmlformats.org/officeDocument/2006/math">
+                    <m:oMathParaPr>
+                      <m:jc m:val="centerGroup"/>
+                    </m:oMathParaPr>
+                    <m:oMath xmlns:m="http://schemas.openxmlformats.org/officeDocument/2006/math">
+                      <m:r>
+                        <a:rPr lang="en-AU" sz="1200" i="1" dirty="0" smtClean="0">
+                          <a:solidFill>
+                            <a:schemeClr val="tx1"/>
+                          </a:solidFill>
+                          <a:latin typeface="Cambria Math" charset="0"/>
+                        </a:rPr>
+                        <m:t>𝑥</m:t>
+                      </m:r>
+                      <m:r>
+                        <a:rPr lang="en-AU" sz="1200" i="1" baseline="-25000" dirty="0" smtClean="0">
+                          <a:solidFill>
+                            <a:schemeClr val="tx1"/>
+                          </a:solidFill>
+                          <a:latin typeface="Cambria Math" charset="0"/>
+                        </a:rPr>
+                        <m:t>1</m:t>
+                      </m:r>
+                    </m:oMath>
+                  </m:oMathPara>
+                </a14:m>
+                <a:endParaRPr lang="en-AU" sz="1200" dirty="0"/>
+              </a:p>
+            </p:txBody>
+          </p:sp>
+        </mc:Choice>
+        <mc:Fallback>
+          <p:sp>
+            <p:nvSpPr>
+              <p:cNvPr id="9" name="Oval 8"/>
+              <p:cNvSpPr>
+                <a:spLocks noRot="1" noChangeAspect="1" noMove="1" noResize="1" noEditPoints="1" noAdjustHandles="1" noChangeArrowheads="1" noChangeShapeType="1" noTextEdit="1"/>
+              </p:cNvSpPr>
+              <p:nvPr/>
+            </p:nvSpPr>
+            <p:spPr>
+              <a:xfrm>
+                <a:off x="4673600" y="2038350"/>
+                <a:ext cx="520700" cy="546100"/>
+              </a:xfrm>
+              <a:prstGeom prst="ellipse">
+                <a:avLst/>
+              </a:prstGeom>
+              <a:blipFill rotWithShape="0">
+                <a:blip r:embed="rId4"/>
+                <a:stretch>
+                  <a:fillRect/>
+                </a:stretch>
+              </a:blipFill>
+            </p:spPr>
+            <p:txBody>
+              <a:bodyPr/>
+              <a:lstStyle/>
+              <a:p>
+                <a:r>
+                  <a:rPr lang="en-AU">
+                    <a:noFill/>
+                  </a:rPr>
+                  <a:t> </a:t>
+                </a:r>
+              </a:p>
+            </p:txBody>
+          </p:sp>
+        </mc:Fallback>
+      </mc:AlternateContent>
+      <mc:AlternateContent xmlns:mc="http://schemas.openxmlformats.org/markup-compatibility/2006">
+        <mc:Choice xmlns:a14="http://schemas.microsoft.com/office/drawing/2010/main" Requires="a14">
+          <p:sp>
+            <p:nvSpPr>
+              <p:cNvPr id="10" name="Oval 9"/>
+              <p:cNvSpPr/>
+              <p:nvPr/>
+            </p:nvSpPr>
+            <p:spPr>
+              <a:xfrm>
+                <a:off x="4673600" y="3244850"/>
+                <a:ext cx="520700" cy="546100"/>
+              </a:xfrm>
+              <a:prstGeom prst="ellipse">
+                <a:avLst/>
+              </a:prstGeom>
+              <a:solidFill>
+                <a:schemeClr val="accent4">
+                  <a:lumMod val="75000"/>
+                </a:schemeClr>
+              </a:solidFill>
+            </p:spPr>
+            <p:style>
+              <a:lnRef idx="2">
+                <a:schemeClr val="accent1">
+                  <a:shade val="50000"/>
+                </a:schemeClr>
+              </a:lnRef>
+              <a:fillRef idx="1">
+                <a:schemeClr val="accent1"/>
+              </a:fillRef>
+              <a:effectRef idx="0">
+                <a:schemeClr val="accent1"/>
+              </a:effectRef>
+              <a:fontRef idx="minor">
+                <a:schemeClr val="lt1"/>
+              </a:fontRef>
+            </p:style>
+            <p:txBody>
+              <a:bodyPr rtlCol="0" anchor="ctr"/>
+              <a:lstStyle/>
+              <a:p>
+                <a:pPr algn="ctr"/>
+                <a14:m>
+                  <m:oMathPara xmlns:m="http://schemas.openxmlformats.org/officeDocument/2006/math">
+                    <m:oMathParaPr>
+                      <m:jc m:val="centerGroup"/>
+                    </m:oMathParaPr>
+                    <m:oMath xmlns:m="http://schemas.openxmlformats.org/officeDocument/2006/math">
+                      <m:r>
+                        <a:rPr lang="en-AU" sz="1200" i="1" dirty="0" smtClean="0">
+                          <a:solidFill>
+                            <a:schemeClr val="tx1"/>
+                          </a:solidFill>
+                          <a:latin typeface="Cambria Math" charset="0"/>
+                        </a:rPr>
+                        <m:t>𝑦</m:t>
+                      </m:r>
+                      <m:r>
+                        <a:rPr lang="en-AU" sz="1200" i="1" baseline="-25000" dirty="0" smtClean="0">
+                          <a:solidFill>
+                            <a:schemeClr val="tx1"/>
+                          </a:solidFill>
+                          <a:latin typeface="Cambria Math" charset="0"/>
+                        </a:rPr>
+                        <m:t>1</m:t>
+                      </m:r>
+                    </m:oMath>
+                  </m:oMathPara>
+                </a14:m>
+                <a:endParaRPr lang="en-AU" sz="1200" dirty="0"/>
+              </a:p>
+            </p:txBody>
+          </p:sp>
+        </mc:Choice>
+        <mc:Fallback>
+          <p:sp>
+            <p:nvSpPr>
+              <p:cNvPr id="10" name="Oval 9"/>
+              <p:cNvSpPr>
+                <a:spLocks noRot="1" noChangeAspect="1" noMove="1" noResize="1" noEditPoints="1" noAdjustHandles="1" noChangeArrowheads="1" noChangeShapeType="1" noTextEdit="1"/>
+              </p:cNvSpPr>
+              <p:nvPr/>
+            </p:nvSpPr>
+            <p:spPr>
+              <a:xfrm>
+                <a:off x="4673600" y="3244850"/>
+                <a:ext cx="520700" cy="546100"/>
+              </a:xfrm>
+              <a:prstGeom prst="ellipse">
+                <a:avLst/>
+              </a:prstGeom>
+              <a:blipFill rotWithShape="0">
+                <a:blip r:embed="rId5"/>
+                <a:stretch>
+                  <a:fillRect/>
+                </a:stretch>
+              </a:blipFill>
+            </p:spPr>
+            <p:txBody>
+              <a:bodyPr/>
+              <a:lstStyle/>
+              <a:p>
+                <a:r>
+                  <a:rPr lang="en-AU">
+                    <a:noFill/>
+                  </a:rPr>
+                  <a:t> </a:t>
+                </a:r>
+              </a:p>
+            </p:txBody>
+          </p:sp>
+        </mc:Fallback>
+      </mc:AlternateContent>
+      <mc:AlternateContent xmlns:mc="http://schemas.openxmlformats.org/markup-compatibility/2006">
+        <mc:Choice xmlns:a14="http://schemas.microsoft.com/office/drawing/2010/main" Requires="a14">
+          <p:sp>
+            <p:nvSpPr>
+              <p:cNvPr id="11" name="Oval 10"/>
+              <p:cNvSpPr/>
+              <p:nvPr/>
+            </p:nvSpPr>
+            <p:spPr>
+              <a:xfrm>
+                <a:off x="6149383" y="3244850"/>
+                <a:ext cx="520700" cy="546100"/>
+              </a:xfrm>
+              <a:prstGeom prst="ellipse">
+                <a:avLst/>
+              </a:prstGeom>
+              <a:solidFill>
+                <a:schemeClr val="accent4">
+                  <a:lumMod val="75000"/>
+                </a:schemeClr>
+              </a:solidFill>
+            </p:spPr>
+            <p:style>
+              <a:lnRef idx="2">
+                <a:schemeClr val="accent1">
+                  <a:shade val="50000"/>
+                </a:schemeClr>
+              </a:lnRef>
+              <a:fillRef idx="1">
+                <a:schemeClr val="accent1"/>
+              </a:fillRef>
+              <a:effectRef idx="0">
+                <a:schemeClr val="accent1"/>
+              </a:effectRef>
+              <a:fontRef idx="minor">
+                <a:schemeClr val="lt1"/>
+              </a:fontRef>
+            </p:style>
+            <p:txBody>
+              <a:bodyPr rtlCol="0" anchor="ctr"/>
+              <a:lstStyle/>
+              <a:p>
+                <a:pPr algn="ctr"/>
+                <a14:m>
+                  <m:oMathPara xmlns:m="http://schemas.openxmlformats.org/officeDocument/2006/math">
+                    <m:oMathParaPr>
+                      <m:jc m:val="centerGroup"/>
+                    </m:oMathParaPr>
+                    <m:oMath xmlns:m="http://schemas.openxmlformats.org/officeDocument/2006/math">
+                      <m:r>
+                        <a:rPr lang="en-AU" sz="1200" i="1" dirty="0" smtClean="0">
+                          <a:solidFill>
+                            <a:schemeClr val="tx1"/>
+                          </a:solidFill>
+                          <a:latin typeface="Cambria Math" charset="0"/>
+                        </a:rPr>
+                        <m:t>𝑦</m:t>
+                      </m:r>
+                      <m:r>
+                        <a:rPr lang="en-AU" sz="1200" i="1" baseline="-25000" dirty="0">
+                          <a:solidFill>
+                            <a:schemeClr val="tx1"/>
+                          </a:solidFill>
+                          <a:latin typeface="Cambria Math" charset="0"/>
+                        </a:rPr>
+                        <m:t>2</m:t>
+                      </m:r>
+                    </m:oMath>
+                  </m:oMathPara>
+                </a14:m>
+                <a:endParaRPr lang="en-AU" sz="1200" dirty="0"/>
+              </a:p>
+            </p:txBody>
+          </p:sp>
+        </mc:Choice>
+        <mc:Fallback>
+          <p:sp>
+            <p:nvSpPr>
+              <p:cNvPr id="11" name="Oval 10"/>
+              <p:cNvSpPr>
+                <a:spLocks noRot="1" noChangeAspect="1" noMove="1" noResize="1" noEditPoints="1" noAdjustHandles="1" noChangeArrowheads="1" noChangeShapeType="1" noTextEdit="1"/>
+              </p:cNvSpPr>
+              <p:nvPr/>
+            </p:nvSpPr>
+            <p:spPr>
+              <a:xfrm>
+                <a:off x="6149383" y="3244850"/>
+                <a:ext cx="520700" cy="546100"/>
+              </a:xfrm>
+              <a:prstGeom prst="ellipse">
+                <a:avLst/>
+              </a:prstGeom>
+              <a:blipFill rotWithShape="0">
+                <a:blip r:embed="rId6"/>
+                <a:stretch>
+                  <a:fillRect/>
+                </a:stretch>
+              </a:blipFill>
+            </p:spPr>
+            <p:txBody>
+              <a:bodyPr/>
+              <a:lstStyle/>
+              <a:p>
+                <a:r>
+                  <a:rPr lang="en-AU">
+                    <a:noFill/>
+                  </a:rPr>
+                  <a:t> </a:t>
+                </a:r>
+              </a:p>
+            </p:txBody>
+          </p:sp>
+        </mc:Fallback>
+      </mc:AlternateContent>
+      <p:cxnSp>
+        <p:nvCxnSpPr>
+          <p:cNvPr id="15" name="Straight Arrow Connector 14"/>
+          <p:cNvCxnSpPr>
+            <a:stCxn id="9" idx="6"/>
+            <a:endCxn id="8" idx="2"/>
+          </p:cNvCxnSpPr>
+          <p:nvPr/>
+        </p:nvCxnSpPr>
+        <p:spPr>
+          <a:xfrm>
+            <a:off x="5194300" y="2311400"/>
+            <a:ext cx="955083" cy="0"/>
+          </a:xfrm>
+          <a:prstGeom prst="straightConnector1">
+            <a:avLst/>
+          </a:prstGeom>
+          <a:ln>
+            <a:tailEnd type="triangle"/>
+          </a:ln>
+        </p:spPr>
+        <p:style>
+          <a:lnRef idx="1">
+            <a:schemeClr val="accent1"/>
+          </a:lnRef>
+          <a:fillRef idx="0">
+            <a:schemeClr val="accent1"/>
+          </a:fillRef>
+          <a:effectRef idx="0">
+            <a:schemeClr val="accent1"/>
+          </a:effectRef>
+          <a:fontRef idx="minor">
+            <a:schemeClr val="tx1"/>
+          </a:fontRef>
+        </p:style>
+      </p:cxnSp>
+      <p:cxnSp>
+        <p:nvCxnSpPr>
+          <p:cNvPr id="17" name="Straight Arrow Connector 16"/>
+          <p:cNvCxnSpPr>
+            <a:stCxn id="6" idx="6"/>
+            <a:endCxn id="9" idx="2"/>
+          </p:cNvCxnSpPr>
+          <p:nvPr/>
+        </p:nvCxnSpPr>
+        <p:spPr>
+          <a:xfrm>
+            <a:off x="4051300" y="2311400"/>
+            <a:ext cx="622300" cy="0"/>
+          </a:xfrm>
+          <a:prstGeom prst="straightConnector1">
+            <a:avLst/>
+          </a:prstGeom>
+          <a:ln>
+            <a:tailEnd type="triangle"/>
+          </a:ln>
+        </p:spPr>
+        <p:style>
+          <a:lnRef idx="1">
+            <a:schemeClr val="accent1"/>
+          </a:lnRef>
+          <a:fillRef idx="0">
+            <a:schemeClr val="accent1"/>
+          </a:fillRef>
+          <a:effectRef idx="0">
+            <a:schemeClr val="accent1"/>
+          </a:effectRef>
+          <a:fontRef idx="minor">
+            <a:schemeClr val="tx1"/>
+          </a:fontRef>
+        </p:style>
+      </p:cxnSp>
+      <p:cxnSp>
+        <p:nvCxnSpPr>
+          <p:cNvPr id="19" name="Straight Arrow Connector 18"/>
+          <p:cNvCxnSpPr>
+            <a:stCxn id="9" idx="4"/>
+            <a:endCxn id="10" idx="0"/>
+          </p:cNvCxnSpPr>
+          <p:nvPr/>
+        </p:nvCxnSpPr>
+        <p:spPr>
+          <a:xfrm>
+            <a:off x="4933950" y="2584450"/>
+            <a:ext cx="0" cy="660400"/>
+          </a:xfrm>
+          <a:prstGeom prst="straightConnector1">
+            <a:avLst/>
+          </a:prstGeom>
+          <a:ln>
+            <a:tailEnd type="triangle"/>
+          </a:ln>
+        </p:spPr>
+        <p:style>
+          <a:lnRef idx="1">
+            <a:schemeClr val="accent1"/>
+          </a:lnRef>
+          <a:fillRef idx="0">
+            <a:schemeClr val="accent1"/>
+          </a:fillRef>
+          <a:effectRef idx="0">
+            <a:schemeClr val="accent1"/>
+          </a:effectRef>
+          <a:fontRef idx="minor">
+            <a:schemeClr val="tx1"/>
+          </a:fontRef>
+        </p:style>
+      </p:cxnSp>
+      <p:cxnSp>
+        <p:nvCxnSpPr>
+          <p:cNvPr id="21" name="Straight Arrow Connector 20"/>
+          <p:cNvCxnSpPr>
+            <a:stCxn id="8" idx="4"/>
+            <a:endCxn id="11" idx="0"/>
+          </p:cNvCxnSpPr>
+          <p:nvPr/>
+        </p:nvCxnSpPr>
+        <p:spPr>
+          <a:xfrm>
+            <a:off x="6409733" y="2584450"/>
+            <a:ext cx="0" cy="660400"/>
+          </a:xfrm>
+          <a:prstGeom prst="straightConnector1">
+            <a:avLst/>
+          </a:prstGeom>
+          <a:ln>
+            <a:tailEnd type="triangle"/>
+          </a:ln>
+        </p:spPr>
+        <p:style>
+          <a:lnRef idx="1">
+            <a:schemeClr val="accent1"/>
+          </a:lnRef>
+          <a:fillRef idx="0">
+            <a:schemeClr val="accent1"/>
+          </a:fillRef>
+          <a:effectRef idx="0">
+            <a:schemeClr val="accent1"/>
+          </a:effectRef>
+          <a:fontRef idx="minor">
+            <a:schemeClr val="tx1"/>
+          </a:fontRef>
+        </p:style>
+      </p:cxnSp>
+      <p:cxnSp>
+        <p:nvCxnSpPr>
+          <p:cNvPr id="23" name="Straight Arrow Connector 22"/>
+          <p:cNvCxnSpPr>
+            <a:stCxn id="8" idx="6"/>
+          </p:cNvCxnSpPr>
+          <p:nvPr/>
+        </p:nvCxnSpPr>
+        <p:spPr>
+          <a:xfrm>
+            <a:off x="6670083" y="2311400"/>
+            <a:ext cx="647700" cy="0"/>
+          </a:xfrm>
+          <a:prstGeom prst="straightConnector1">
+            <a:avLst/>
+          </a:prstGeom>
+          <a:ln>
+            <a:tailEnd type="triangle"/>
+          </a:ln>
+        </p:spPr>
+        <p:style>
+          <a:lnRef idx="1">
+            <a:schemeClr val="accent1"/>
+          </a:lnRef>
+          <a:fillRef idx="0">
+            <a:schemeClr val="accent1"/>
+          </a:fillRef>
+          <a:effectRef idx="0">
+            <a:schemeClr val="accent1"/>
+          </a:effectRef>
+          <a:fontRef idx="minor">
+            <a:schemeClr val="tx1"/>
+          </a:fontRef>
+        </p:style>
+      </p:cxnSp>
+      <p:cxnSp>
+        <p:nvCxnSpPr>
+          <p:cNvPr id="25" name="Straight Connector 24"/>
+          <p:cNvCxnSpPr/>
+          <p:nvPr/>
+        </p:nvCxnSpPr>
+        <p:spPr>
+          <a:xfrm flipH="1">
+            <a:off x="6937456" y="2609850"/>
+            <a:ext cx="279400" cy="0"/>
+          </a:xfrm>
+          <a:prstGeom prst="line">
+            <a:avLst/>
+          </a:prstGeom>
+          <a:ln w="34925" cap="rnd" cmpd="sng">
+            <a:prstDash val="sysDot"/>
+          </a:ln>
+        </p:spPr>
+        <p:style>
+          <a:lnRef idx="1">
+            <a:schemeClr val="accent1"/>
+          </a:lnRef>
+          <a:fillRef idx="0">
+            <a:schemeClr val="accent1"/>
+          </a:fillRef>
+          <a:effectRef idx="0">
+            <a:schemeClr val="accent1"/>
+          </a:effectRef>
+          <a:fontRef idx="minor">
+            <a:schemeClr val="tx1"/>
+          </a:fontRef>
+        </p:style>
+      </p:cxnSp>
+      <mc:AlternateContent xmlns:mc="http://schemas.openxmlformats.org/markup-compatibility/2006">
+        <mc:Choice xmlns:a14="http://schemas.microsoft.com/office/drawing/2010/main" Requires="a14">
+          <p:sp>
+            <p:nvSpPr>
+              <p:cNvPr id="31" name="TextBox 30"/>
+              <p:cNvSpPr txBox="1"/>
+              <p:nvPr/>
+            </p:nvSpPr>
+            <p:spPr>
+              <a:xfrm>
+                <a:off x="3552744" y="1625600"/>
+                <a:ext cx="574453" cy="276999"/>
+              </a:xfrm>
+              <a:prstGeom prst="rect">
+                <a:avLst/>
+              </a:prstGeom>
+              <a:noFill/>
+            </p:spPr>
+            <p:txBody>
+              <a:bodyPr wrap="none" rtlCol="0">
+                <a:spAutoFit/>
+              </a:bodyPr>
+              <a:lstStyle/>
+              <a:p>
+                <a14:m>
+                  <m:oMathPara xmlns:m="http://schemas.openxmlformats.org/officeDocument/2006/math">
+                    <m:oMathParaPr>
+                      <m:jc m:val="centerGroup"/>
+                    </m:oMathParaPr>
+                    <m:oMath xmlns:m="http://schemas.openxmlformats.org/officeDocument/2006/math">
+                      <m:r>
+                        <a:rPr lang="en-AU" sz="1200" i="1" dirty="0" smtClean="0">
+                          <a:latin typeface="Cambria Math" charset="0"/>
+                        </a:rPr>
+                        <m:t>𝑝</m:t>
+                      </m:r>
+                      <m:r>
+                        <a:rPr lang="en-AU" sz="1200" i="1" dirty="0" smtClean="0">
+                          <a:latin typeface="Cambria Math" charset="0"/>
+                        </a:rPr>
+                        <m:t>(</m:t>
+                      </m:r>
+                      <m:r>
+                        <a:rPr lang="en-AU" sz="1200" i="1" dirty="0" smtClean="0">
+                          <a:solidFill>
+                            <a:schemeClr val="tx1"/>
+                          </a:solidFill>
+                          <a:latin typeface="Cambria Math" charset="0"/>
+                        </a:rPr>
+                        <m:t>𝑥</m:t>
+                      </m:r>
+                      <m:r>
+                        <a:rPr lang="en-AU" sz="1200" i="1" baseline="-25000" dirty="0" smtClean="0">
+                          <a:solidFill>
+                            <a:schemeClr val="tx1"/>
+                          </a:solidFill>
+                          <a:latin typeface="Cambria Math" charset="0"/>
+                        </a:rPr>
+                        <m:t>0</m:t>
+                      </m:r>
+                      <m:r>
+                        <a:rPr lang="en-AU" sz="1200" i="1" dirty="0" smtClean="0">
+                          <a:latin typeface="Cambria Math" charset="0"/>
+                        </a:rPr>
+                        <m:t>)</m:t>
+                      </m:r>
+                    </m:oMath>
+                  </m:oMathPara>
+                </a14:m>
+                <a:endParaRPr lang="en-AU" sz="1200" dirty="0"/>
+              </a:p>
+            </p:txBody>
+          </p:sp>
+        </mc:Choice>
+        <mc:Fallback>
+          <p:sp>
+            <p:nvSpPr>
+              <p:cNvPr id="31" name="TextBox 30"/>
+              <p:cNvSpPr txBox="1">
+                <a:spLocks noRot="1" noChangeAspect="1" noMove="1" noResize="1" noEditPoints="1" noAdjustHandles="1" noChangeArrowheads="1" noChangeShapeType="1" noTextEdit="1"/>
+              </p:cNvSpPr>
+              <p:nvPr/>
+            </p:nvSpPr>
+            <p:spPr>
+              <a:xfrm>
+                <a:off x="3552744" y="1625600"/>
+                <a:ext cx="574453" cy="276999"/>
+              </a:xfrm>
+              <a:prstGeom prst="rect">
+                <a:avLst/>
+              </a:prstGeom>
+              <a:blipFill rotWithShape="0">
+                <a:blip r:embed="rId7"/>
+                <a:stretch>
+                  <a:fillRect b="-4444"/>
+                </a:stretch>
+              </a:blipFill>
+            </p:spPr>
+            <p:txBody>
+              <a:bodyPr/>
+              <a:lstStyle/>
+              <a:p>
+                <a:r>
+                  <a:rPr lang="en-AU">
+                    <a:noFill/>
+                  </a:rPr>
+                  <a:t> </a:t>
+                </a:r>
+              </a:p>
+            </p:txBody>
+          </p:sp>
+        </mc:Fallback>
+      </mc:AlternateContent>
+      <mc:AlternateContent xmlns:mc="http://schemas.openxmlformats.org/markup-compatibility/2006">
+        <mc:Choice xmlns:a14="http://schemas.microsoft.com/office/drawing/2010/main" Requires="a14">
+          <p:sp>
+            <p:nvSpPr>
+              <p:cNvPr id="32" name="TextBox 31"/>
+              <p:cNvSpPr txBox="1"/>
+              <p:nvPr/>
+            </p:nvSpPr>
+            <p:spPr>
+              <a:xfrm>
+                <a:off x="4667250" y="1625600"/>
+                <a:ext cx="760401" cy="276999"/>
+              </a:xfrm>
+              <a:prstGeom prst="rect">
+                <a:avLst/>
+              </a:prstGeom>
+              <a:noFill/>
+            </p:spPr>
+            <p:txBody>
+              <a:bodyPr wrap="none" rtlCol="0">
+                <a:spAutoFit/>
+              </a:bodyPr>
+              <a:lstStyle/>
+              <a:p>
+                <a14:m>
+                  <m:oMathPara xmlns:m="http://schemas.openxmlformats.org/officeDocument/2006/math">
+                    <m:oMathParaPr>
+                      <m:jc m:val="centerGroup"/>
+                    </m:oMathParaPr>
+                    <m:oMath xmlns:m="http://schemas.openxmlformats.org/officeDocument/2006/math">
+                      <m:r>
+                        <a:rPr lang="en-AU" sz="1200" i="1" dirty="0" smtClean="0">
+                          <a:latin typeface="Cambria Math" charset="0"/>
+                        </a:rPr>
+                        <m:t>𝑝</m:t>
+                      </m:r>
+                      <m:r>
+                        <a:rPr lang="en-AU" sz="1200" i="1" dirty="0" smtClean="0">
+                          <a:latin typeface="Cambria Math" charset="0"/>
+                        </a:rPr>
+                        <m:t>(</m:t>
+                      </m:r>
+                      <m:r>
+                        <a:rPr lang="en-AU" sz="1200" i="1" dirty="0" smtClean="0">
+                          <a:solidFill>
+                            <a:schemeClr val="tx1"/>
+                          </a:solidFill>
+                          <a:latin typeface="Cambria Math" charset="0"/>
+                        </a:rPr>
+                        <m:t>𝑥</m:t>
+                      </m:r>
+                      <m:r>
+                        <a:rPr lang="en-AU" sz="1200" i="1" baseline="-25000" dirty="0">
+                          <a:latin typeface="Cambria Math" charset="0"/>
+                        </a:rPr>
+                        <m:t>1</m:t>
+                      </m:r>
+                      <m:r>
+                        <a:rPr lang="en-AU" sz="1200" i="1" dirty="0" smtClean="0">
+                          <a:latin typeface="Cambria Math" charset="0"/>
+                        </a:rPr>
+                        <m:t>|</m:t>
+                      </m:r>
+                      <m:r>
+                        <a:rPr lang="en-AU" sz="1200" i="1" dirty="0" smtClean="0">
+                          <a:solidFill>
+                            <a:schemeClr val="tx1"/>
+                          </a:solidFill>
+                          <a:latin typeface="Cambria Math" charset="0"/>
+                        </a:rPr>
+                        <m:t>𝑥</m:t>
+                      </m:r>
+                      <m:r>
+                        <a:rPr lang="en-AU" sz="1200" i="1" baseline="-25000" dirty="0" smtClean="0">
+                          <a:solidFill>
+                            <a:schemeClr val="tx1"/>
+                          </a:solidFill>
+                          <a:latin typeface="Cambria Math" charset="0"/>
+                        </a:rPr>
+                        <m:t>0</m:t>
+                      </m:r>
+                      <m:r>
+                        <a:rPr lang="en-AU" sz="1200" i="1" dirty="0" smtClean="0">
+                          <a:latin typeface="Cambria Math" charset="0"/>
+                        </a:rPr>
+                        <m:t>)</m:t>
+                      </m:r>
+                    </m:oMath>
+                  </m:oMathPara>
+                </a14:m>
+                <a:endParaRPr lang="en-AU" sz="1200" dirty="0"/>
+              </a:p>
+            </p:txBody>
+          </p:sp>
+        </mc:Choice>
+        <mc:Fallback>
+          <p:sp>
+            <p:nvSpPr>
+              <p:cNvPr id="32" name="TextBox 31"/>
+              <p:cNvSpPr txBox="1">
+                <a:spLocks noRot="1" noChangeAspect="1" noMove="1" noResize="1" noEditPoints="1" noAdjustHandles="1" noChangeArrowheads="1" noChangeShapeType="1" noTextEdit="1"/>
+              </p:cNvSpPr>
+              <p:nvPr/>
+            </p:nvSpPr>
+            <p:spPr>
+              <a:xfrm>
+                <a:off x="4667250" y="1625600"/>
+                <a:ext cx="760401" cy="276999"/>
+              </a:xfrm>
+              <a:prstGeom prst="rect">
+                <a:avLst/>
+              </a:prstGeom>
+              <a:blipFill rotWithShape="0">
+                <a:blip r:embed="rId8"/>
+                <a:stretch>
+                  <a:fillRect b="-6667"/>
+                </a:stretch>
+              </a:blipFill>
+            </p:spPr>
+            <p:txBody>
+              <a:bodyPr/>
+              <a:lstStyle/>
+              <a:p>
+                <a:r>
+                  <a:rPr lang="en-AU">
+                    <a:noFill/>
+                  </a:rPr>
+                  <a:t> </a:t>
+                </a:r>
+              </a:p>
+            </p:txBody>
+          </p:sp>
+        </mc:Fallback>
+      </mc:AlternateContent>
+      <mc:AlternateContent xmlns:mc="http://schemas.openxmlformats.org/markup-compatibility/2006">
+        <mc:Choice xmlns:a14="http://schemas.microsoft.com/office/drawing/2010/main" Requires="a14">
+          <p:sp>
+            <p:nvSpPr>
+              <p:cNvPr id="33" name="TextBox 32"/>
+              <p:cNvSpPr txBox="1"/>
+              <p:nvPr/>
+            </p:nvSpPr>
+            <p:spPr>
+              <a:xfrm>
+                <a:off x="6122687" y="1625600"/>
+                <a:ext cx="760401" cy="276999"/>
+              </a:xfrm>
+              <a:prstGeom prst="rect">
+                <a:avLst/>
+              </a:prstGeom>
+              <a:noFill/>
+            </p:spPr>
+            <p:txBody>
+              <a:bodyPr wrap="none" rtlCol="0">
+                <a:spAutoFit/>
+              </a:bodyPr>
+              <a:lstStyle/>
+              <a:p>
+                <a14:m>
+                  <m:oMathPara xmlns:m="http://schemas.openxmlformats.org/officeDocument/2006/math">
+                    <m:oMathParaPr>
+                      <m:jc m:val="centerGroup"/>
+                    </m:oMathParaPr>
+                    <m:oMath xmlns:m="http://schemas.openxmlformats.org/officeDocument/2006/math">
+                      <m:r>
+                        <a:rPr lang="en-AU" sz="1200" i="1" dirty="0" smtClean="0">
+                          <a:latin typeface="Cambria Math" charset="0"/>
+                        </a:rPr>
+                        <m:t>𝑝</m:t>
+                      </m:r>
+                      <m:r>
+                        <a:rPr lang="en-AU" sz="1200" i="1" dirty="0" smtClean="0">
+                          <a:latin typeface="Cambria Math" charset="0"/>
+                        </a:rPr>
+                        <m:t>(</m:t>
+                      </m:r>
+                      <m:r>
+                        <a:rPr lang="en-AU" sz="1200" i="1" dirty="0" smtClean="0">
+                          <a:solidFill>
+                            <a:schemeClr val="tx1"/>
+                          </a:solidFill>
+                          <a:latin typeface="Cambria Math" charset="0"/>
+                        </a:rPr>
+                        <m:t>𝑥</m:t>
+                      </m:r>
+                      <m:r>
+                        <a:rPr lang="en-AU" sz="1200" i="1" baseline="-25000" dirty="0" smtClean="0">
+                          <a:latin typeface="Cambria Math" charset="0"/>
+                        </a:rPr>
+                        <m:t>2</m:t>
+                      </m:r>
+                      <m:r>
+                        <a:rPr lang="en-AU" sz="1200" i="1" dirty="0" smtClean="0">
+                          <a:latin typeface="Cambria Math" charset="0"/>
+                        </a:rPr>
+                        <m:t>|</m:t>
+                      </m:r>
+                      <m:r>
+                        <a:rPr lang="en-AU" sz="1200" i="1" dirty="0" smtClean="0">
+                          <a:solidFill>
+                            <a:schemeClr val="tx1"/>
+                          </a:solidFill>
+                          <a:latin typeface="Cambria Math" charset="0"/>
+                        </a:rPr>
+                        <m:t>𝑥</m:t>
+                      </m:r>
+                      <m:r>
+                        <a:rPr lang="en-AU" sz="1200" i="1" baseline="-25000" dirty="0">
+                          <a:latin typeface="Cambria Math" charset="0"/>
+                        </a:rPr>
+                        <m:t>1</m:t>
+                      </m:r>
+                      <m:r>
+                        <a:rPr lang="en-AU" sz="1200" i="1" dirty="0" smtClean="0">
+                          <a:latin typeface="Cambria Math" charset="0"/>
+                        </a:rPr>
+                        <m:t>)</m:t>
+                      </m:r>
+                    </m:oMath>
+                  </m:oMathPara>
+                </a14:m>
+                <a:endParaRPr lang="en-AU" sz="1200" dirty="0"/>
+              </a:p>
+            </p:txBody>
+          </p:sp>
+        </mc:Choice>
+        <mc:Fallback>
+          <p:sp>
+            <p:nvSpPr>
+              <p:cNvPr id="33" name="TextBox 32"/>
+              <p:cNvSpPr txBox="1">
+                <a:spLocks noRot="1" noChangeAspect="1" noMove="1" noResize="1" noEditPoints="1" noAdjustHandles="1" noChangeArrowheads="1" noChangeShapeType="1" noTextEdit="1"/>
+              </p:cNvSpPr>
+              <p:nvPr/>
+            </p:nvSpPr>
+            <p:spPr>
+              <a:xfrm>
+                <a:off x="6122687" y="1625600"/>
+                <a:ext cx="760401" cy="276999"/>
+              </a:xfrm>
+              <a:prstGeom prst="rect">
+                <a:avLst/>
+              </a:prstGeom>
+              <a:blipFill rotWithShape="0">
+                <a:blip r:embed="rId9"/>
+                <a:stretch>
+                  <a:fillRect b="-6667"/>
+                </a:stretch>
+              </a:blipFill>
+            </p:spPr>
+            <p:txBody>
+              <a:bodyPr/>
+              <a:lstStyle/>
+              <a:p>
+                <a:r>
+                  <a:rPr lang="en-AU">
+                    <a:noFill/>
+                  </a:rPr>
+                  <a:t> </a:t>
+                </a:r>
+              </a:p>
+            </p:txBody>
+          </p:sp>
+        </mc:Fallback>
+      </mc:AlternateContent>
+      <mc:AlternateContent xmlns:mc="http://schemas.openxmlformats.org/markup-compatibility/2006">
+        <mc:Choice xmlns:a14="http://schemas.microsoft.com/office/drawing/2010/main" Requires="a14">
+          <p:sp>
+            <p:nvSpPr>
+              <p:cNvPr id="34" name="TextBox 33"/>
+              <p:cNvSpPr txBox="1"/>
+              <p:nvPr/>
+            </p:nvSpPr>
+            <p:spPr>
+              <a:xfrm>
+                <a:off x="5000033" y="2774175"/>
+                <a:ext cx="765209" cy="276999"/>
+              </a:xfrm>
+              <a:prstGeom prst="rect">
+                <a:avLst/>
+              </a:prstGeom>
+              <a:noFill/>
+            </p:spPr>
+            <p:txBody>
+              <a:bodyPr wrap="none" rtlCol="0">
+                <a:spAutoFit/>
+              </a:bodyPr>
+              <a:lstStyle/>
+              <a:p>
+                <a14:m>
+                  <m:oMathPara xmlns:m="http://schemas.openxmlformats.org/officeDocument/2006/math">
+                    <m:oMathParaPr>
+                      <m:jc m:val="centerGroup"/>
+                    </m:oMathParaPr>
+                    <m:oMath xmlns:m="http://schemas.openxmlformats.org/officeDocument/2006/math">
+                      <m:r>
+                        <a:rPr lang="en-AU" sz="1200" i="1" dirty="0" smtClean="0">
+                          <a:latin typeface="Cambria Math" charset="0"/>
+                        </a:rPr>
+                        <m:t>𝑝</m:t>
+                      </m:r>
+                      <m:r>
+                        <a:rPr lang="en-AU" sz="1200" i="1" dirty="0" smtClean="0">
+                          <a:latin typeface="Cambria Math" charset="0"/>
+                        </a:rPr>
+                        <m:t>(</m:t>
+                      </m:r>
+                      <m:r>
+                        <a:rPr lang="en-AU" sz="1200" i="1" dirty="0" smtClean="0">
+                          <a:latin typeface="Cambria Math" charset="0"/>
+                        </a:rPr>
+                        <m:t>𝑦</m:t>
+                      </m:r>
+                      <m:r>
+                        <a:rPr lang="en-AU" sz="1200" i="1" baseline="-25000" dirty="0" smtClean="0">
+                          <a:latin typeface="Cambria Math" charset="0"/>
+                        </a:rPr>
+                        <m:t>1</m:t>
+                      </m:r>
+                      <m:r>
+                        <a:rPr lang="en-AU" sz="1200" i="1" dirty="0" smtClean="0">
+                          <a:latin typeface="Cambria Math" charset="0"/>
+                        </a:rPr>
+                        <m:t>|</m:t>
+                      </m:r>
+                      <m:r>
+                        <a:rPr lang="en-AU" sz="1200" i="1" dirty="0" smtClean="0">
+                          <a:solidFill>
+                            <a:schemeClr val="tx1"/>
+                          </a:solidFill>
+                          <a:latin typeface="Cambria Math" charset="0"/>
+                        </a:rPr>
+                        <m:t>𝑥</m:t>
+                      </m:r>
+                      <m:r>
+                        <a:rPr lang="en-AU" sz="1200" i="1" baseline="-25000" dirty="0">
+                          <a:latin typeface="Cambria Math" charset="0"/>
+                        </a:rPr>
+                        <m:t>1</m:t>
+                      </m:r>
+                      <m:r>
+                        <a:rPr lang="en-AU" sz="1200" i="1" dirty="0" smtClean="0">
+                          <a:latin typeface="Cambria Math" charset="0"/>
+                        </a:rPr>
+                        <m:t>)</m:t>
+                      </m:r>
+                    </m:oMath>
+                  </m:oMathPara>
+                </a14:m>
+                <a:endParaRPr lang="en-AU" sz="1200" dirty="0"/>
+              </a:p>
+            </p:txBody>
+          </p:sp>
+        </mc:Choice>
+        <mc:Fallback>
+          <p:sp>
+            <p:nvSpPr>
+              <p:cNvPr id="34" name="TextBox 33"/>
+              <p:cNvSpPr txBox="1">
+                <a:spLocks noRot="1" noChangeAspect="1" noMove="1" noResize="1" noEditPoints="1" noAdjustHandles="1" noChangeArrowheads="1" noChangeShapeType="1" noTextEdit="1"/>
+              </p:cNvSpPr>
+              <p:nvPr/>
+            </p:nvSpPr>
+            <p:spPr>
+              <a:xfrm>
+                <a:off x="5000033" y="2774175"/>
+                <a:ext cx="765209" cy="276999"/>
+              </a:xfrm>
+              <a:prstGeom prst="rect">
+                <a:avLst/>
+              </a:prstGeom>
+              <a:blipFill rotWithShape="0">
+                <a:blip r:embed="rId10"/>
+                <a:stretch>
+                  <a:fillRect b="-6522"/>
+                </a:stretch>
+              </a:blipFill>
+            </p:spPr>
+            <p:txBody>
+              <a:bodyPr/>
+              <a:lstStyle/>
+              <a:p>
+                <a:r>
+                  <a:rPr lang="en-AU">
+                    <a:noFill/>
+                  </a:rPr>
+                  <a:t> </a:t>
+                </a:r>
+              </a:p>
+            </p:txBody>
+          </p:sp>
+        </mc:Fallback>
+      </mc:AlternateContent>
+      <mc:AlternateContent xmlns:mc="http://schemas.openxmlformats.org/markup-compatibility/2006">
+        <mc:Choice xmlns:a14="http://schemas.microsoft.com/office/drawing/2010/main" Requires="a14">
+          <p:sp>
+            <p:nvSpPr>
+              <p:cNvPr id="35" name="TextBox 34"/>
+              <p:cNvSpPr txBox="1"/>
+              <p:nvPr/>
+            </p:nvSpPr>
+            <p:spPr>
+              <a:xfrm>
+                <a:off x="6348816" y="2826175"/>
+                <a:ext cx="765209" cy="276999"/>
+              </a:xfrm>
+              <a:prstGeom prst="rect">
+                <a:avLst/>
+              </a:prstGeom>
+              <a:noFill/>
+            </p:spPr>
+            <p:txBody>
+              <a:bodyPr wrap="none" rtlCol="0">
+                <a:spAutoFit/>
+              </a:bodyPr>
+              <a:lstStyle/>
+              <a:p>
+                <a14:m>
+                  <m:oMathPara xmlns:m="http://schemas.openxmlformats.org/officeDocument/2006/math">
+                    <m:oMathParaPr>
+                      <m:jc m:val="centerGroup"/>
+                    </m:oMathParaPr>
+                    <m:oMath xmlns:m="http://schemas.openxmlformats.org/officeDocument/2006/math">
+                      <m:r>
+                        <a:rPr lang="en-AU" sz="1200" i="1" dirty="0" smtClean="0">
+                          <a:latin typeface="Cambria Math" charset="0"/>
+                        </a:rPr>
+                        <m:t>𝑝</m:t>
+                      </m:r>
+                      <m:r>
+                        <a:rPr lang="en-AU" sz="1200" i="1" dirty="0" smtClean="0">
+                          <a:latin typeface="Cambria Math" charset="0"/>
+                        </a:rPr>
+                        <m:t>(</m:t>
+                      </m:r>
+                      <m:r>
+                        <a:rPr lang="en-AU" sz="1200" i="1" dirty="0" smtClean="0">
+                          <a:latin typeface="Cambria Math" charset="0"/>
+                        </a:rPr>
+                        <m:t>𝑦</m:t>
+                      </m:r>
+                      <m:r>
+                        <a:rPr lang="en-AU" sz="1200" i="1" baseline="-25000" dirty="0">
+                          <a:latin typeface="Cambria Math" charset="0"/>
+                        </a:rPr>
+                        <m:t>2</m:t>
+                      </m:r>
+                      <m:r>
+                        <a:rPr lang="en-AU" sz="1200" i="1" dirty="0" smtClean="0">
+                          <a:latin typeface="Cambria Math" charset="0"/>
+                        </a:rPr>
+                        <m:t>|</m:t>
+                      </m:r>
+                      <m:r>
+                        <a:rPr lang="en-AU" sz="1200" i="1" dirty="0" smtClean="0">
+                          <a:solidFill>
+                            <a:schemeClr val="tx1"/>
+                          </a:solidFill>
+                          <a:latin typeface="Cambria Math" charset="0"/>
+                        </a:rPr>
+                        <m:t>𝑥</m:t>
+                      </m:r>
+                      <m:r>
+                        <a:rPr lang="en-AU" sz="1200" i="1" baseline="-25000" dirty="0" smtClean="0">
+                          <a:latin typeface="Cambria Math" charset="0"/>
+                        </a:rPr>
+                        <m:t>2</m:t>
+                      </m:r>
+                      <m:r>
+                        <a:rPr lang="en-AU" sz="1200" i="1" dirty="0" smtClean="0">
+                          <a:latin typeface="Cambria Math" charset="0"/>
+                        </a:rPr>
+                        <m:t>)</m:t>
+                      </m:r>
+                    </m:oMath>
+                  </m:oMathPara>
+                </a14:m>
+                <a:endParaRPr lang="en-AU" sz="1200" dirty="0"/>
+              </a:p>
+            </p:txBody>
+          </p:sp>
+        </mc:Choice>
+        <mc:Fallback>
+          <p:sp>
+            <p:nvSpPr>
+              <p:cNvPr id="35" name="TextBox 34"/>
+              <p:cNvSpPr txBox="1">
+                <a:spLocks noRot="1" noChangeAspect="1" noMove="1" noResize="1" noEditPoints="1" noAdjustHandles="1" noChangeArrowheads="1" noChangeShapeType="1" noTextEdit="1"/>
+              </p:cNvSpPr>
+              <p:nvPr/>
+            </p:nvSpPr>
+            <p:spPr>
+              <a:xfrm>
+                <a:off x="6348816" y="2826175"/>
+                <a:ext cx="765209" cy="276999"/>
+              </a:xfrm>
+              <a:prstGeom prst="rect">
+                <a:avLst/>
+              </a:prstGeom>
+              <a:blipFill rotWithShape="0">
+                <a:blip r:embed="rId11"/>
+                <a:stretch>
+                  <a:fillRect b="-6667"/>
+                </a:stretch>
+              </a:blipFill>
+            </p:spPr>
+            <p:txBody>
+              <a:bodyPr/>
+              <a:lstStyle/>
+              <a:p>
+                <a:r>
+                  <a:rPr lang="en-AU">
+                    <a:noFill/>
+                  </a:rPr>
+                  <a:t> </a:t>
+                </a:r>
+              </a:p>
+            </p:txBody>
+          </p:sp>
+        </mc:Fallback>
+      </mc:AlternateContent>
+      <p:cxnSp>
+        <p:nvCxnSpPr>
+          <p:cNvPr id="37" name="Straight Arrow Connector 36"/>
+          <p:cNvCxnSpPr>
+            <a:stCxn id="10" idx="4"/>
+          </p:cNvCxnSpPr>
+          <p:nvPr/>
+        </p:nvCxnSpPr>
+        <p:spPr>
+          <a:xfrm>
+            <a:off x="4933950" y="3790950"/>
+            <a:ext cx="0" cy="730250"/>
+          </a:xfrm>
+          <a:prstGeom prst="straightConnector1">
+            <a:avLst/>
+          </a:prstGeom>
+          <a:ln>
+            <a:tailEnd type="triangle"/>
+          </a:ln>
+        </p:spPr>
+        <p:style>
+          <a:lnRef idx="1">
+            <a:schemeClr val="accent1"/>
+          </a:lnRef>
+          <a:fillRef idx="0">
+            <a:schemeClr val="accent1"/>
+          </a:fillRef>
+          <a:effectRef idx="0">
+            <a:schemeClr val="accent1"/>
+          </a:effectRef>
+          <a:fontRef idx="minor">
+            <a:schemeClr val="tx1"/>
+          </a:fontRef>
+        </p:style>
+      </p:cxnSp>
+      <p:cxnSp>
+        <p:nvCxnSpPr>
+          <p:cNvPr id="39" name="Straight Arrow Connector 38"/>
+          <p:cNvCxnSpPr>
+            <a:stCxn id="11" idx="4"/>
+          </p:cNvCxnSpPr>
+          <p:nvPr/>
+        </p:nvCxnSpPr>
+        <p:spPr>
+          <a:xfrm>
+            <a:off x="6409733" y="3790950"/>
+            <a:ext cx="0" cy="730250"/>
+          </a:xfrm>
+          <a:prstGeom prst="straightConnector1">
+            <a:avLst/>
+          </a:prstGeom>
+          <a:ln>
+            <a:tailEnd type="triangle"/>
+          </a:ln>
+        </p:spPr>
+        <p:style>
+          <a:lnRef idx="1">
+            <a:schemeClr val="accent1"/>
+          </a:lnRef>
+          <a:fillRef idx="0">
+            <a:schemeClr val="accent1"/>
+          </a:fillRef>
+          <a:effectRef idx="0">
+            <a:schemeClr val="accent1"/>
+          </a:effectRef>
+          <a:fontRef idx="minor">
+            <a:schemeClr val="tx1"/>
+          </a:fontRef>
+        </p:style>
+      </p:cxnSp>
+      <mc:AlternateContent xmlns:mc="http://schemas.openxmlformats.org/markup-compatibility/2006">
+        <mc:Choice xmlns:a14="http://schemas.microsoft.com/office/drawing/2010/main" Requires="a14">
+          <p:sp>
+            <p:nvSpPr>
+              <p:cNvPr id="41" name="TextBox 40"/>
+              <p:cNvSpPr txBox="1"/>
+              <p:nvPr/>
+            </p:nvSpPr>
+            <p:spPr>
+              <a:xfrm>
+                <a:off x="4970058" y="4017575"/>
+                <a:ext cx="1233864" cy="276999"/>
+              </a:xfrm>
+              <a:prstGeom prst="rect">
+                <a:avLst/>
+              </a:prstGeom>
+              <a:noFill/>
+            </p:spPr>
+            <p:txBody>
+              <a:bodyPr wrap="none" rtlCol="0">
+                <a:spAutoFit/>
+              </a:bodyPr>
+              <a:lstStyle/>
+              <a:p>
+                <a14:m>
+                  <m:oMathPara xmlns:m="http://schemas.openxmlformats.org/officeDocument/2006/math">
+                    <m:oMathParaPr>
+                      <m:jc m:val="centerGroup"/>
+                    </m:oMathParaPr>
+                    <m:oMath xmlns:m="http://schemas.openxmlformats.org/officeDocument/2006/math">
+                      <m:r>
+                        <a:rPr lang="en-AU" sz="1200" i="1" dirty="0" smtClean="0">
+                          <a:latin typeface="Cambria Math" charset="0"/>
+                        </a:rPr>
+                        <m:t>𝑝</m:t>
+                      </m:r>
+                      <m:r>
+                        <a:rPr lang="en-AU" sz="1200" i="1" dirty="0" smtClean="0">
+                          <a:latin typeface="Cambria Math" charset="0"/>
+                        </a:rPr>
+                        <m:t>(</m:t>
+                      </m:r>
+                      <m:r>
+                        <a:rPr lang="en-AU" sz="1200" i="1" dirty="0" smtClean="0">
+                          <a:solidFill>
+                            <a:schemeClr val="tx1"/>
+                          </a:solidFill>
+                          <a:latin typeface="Cambria Math" charset="0"/>
+                        </a:rPr>
+                        <m:t>𝑥</m:t>
+                      </m:r>
+                      <m:r>
+                        <a:rPr lang="en-AU" sz="1200" i="1" baseline="-25000" dirty="0" smtClean="0">
+                          <a:latin typeface="Cambria Math" charset="0"/>
+                        </a:rPr>
+                        <m:t>1</m:t>
+                      </m:r>
+                      <m:r>
+                        <a:rPr lang="en-AU" sz="1200" i="1" dirty="0" smtClean="0">
+                          <a:latin typeface="Cambria Math" charset="0"/>
+                        </a:rPr>
+                        <m:t>|</m:t>
+                      </m:r>
+                      <m:r>
+                        <a:rPr lang="en-AU" sz="1200" i="1" dirty="0" smtClean="0">
+                          <a:latin typeface="Cambria Math" charset="0"/>
+                        </a:rPr>
+                        <m:t>𝑌</m:t>
+                      </m:r>
+                      <m:r>
+                        <a:rPr lang="en-AU" sz="1200" i="1" baseline="-25000" dirty="0" smtClean="0">
+                          <a:latin typeface="Cambria Math" charset="0"/>
+                        </a:rPr>
+                        <m:t>1</m:t>
+                      </m:r>
+                      <m:r>
+                        <a:rPr lang="en-AU" sz="1200" i="1" dirty="0" smtClean="0">
+                          <a:latin typeface="Cambria Math" charset="0"/>
+                        </a:rPr>
+                        <m:t>={</m:t>
+                      </m:r>
+                      <m:r>
+                        <a:rPr lang="en-AU" sz="1200" i="1" dirty="0" smtClean="0">
+                          <a:latin typeface="Cambria Math" charset="0"/>
+                        </a:rPr>
+                        <m:t>𝑦</m:t>
+                      </m:r>
+                      <m:r>
+                        <a:rPr lang="en-AU" sz="1200" i="1" baseline="-25000" dirty="0" smtClean="0">
+                          <a:latin typeface="Cambria Math" charset="0"/>
+                        </a:rPr>
+                        <m:t>1</m:t>
+                      </m:r>
+                      <m:r>
+                        <a:rPr lang="en-AU" sz="1200" i="1" dirty="0" smtClean="0">
+                          <a:latin typeface="Cambria Math" charset="0"/>
+                        </a:rPr>
+                        <m:t>})</m:t>
+                      </m:r>
+                    </m:oMath>
+                  </m:oMathPara>
+                </a14:m>
+                <a:endParaRPr lang="en-AU" sz="1200" dirty="0"/>
+              </a:p>
+            </p:txBody>
+          </p:sp>
+        </mc:Choice>
+        <mc:Fallback>
+          <p:sp>
+            <p:nvSpPr>
+              <p:cNvPr id="41" name="TextBox 40"/>
+              <p:cNvSpPr txBox="1">
+                <a:spLocks noRot="1" noChangeAspect="1" noMove="1" noResize="1" noEditPoints="1" noAdjustHandles="1" noChangeArrowheads="1" noChangeShapeType="1" noTextEdit="1"/>
+              </p:cNvSpPr>
+              <p:nvPr/>
+            </p:nvSpPr>
+            <p:spPr>
+              <a:xfrm>
+                <a:off x="4970058" y="4017575"/>
+                <a:ext cx="1233864" cy="276999"/>
+              </a:xfrm>
+              <a:prstGeom prst="rect">
+                <a:avLst/>
+              </a:prstGeom>
+              <a:blipFill rotWithShape="0">
+                <a:blip r:embed="rId12"/>
+                <a:stretch>
+                  <a:fillRect b="-8889"/>
+                </a:stretch>
+              </a:blipFill>
+            </p:spPr>
+            <p:txBody>
+              <a:bodyPr/>
+              <a:lstStyle/>
+              <a:p>
+                <a:r>
+                  <a:rPr lang="en-AU">
+                    <a:noFill/>
+                  </a:rPr>
+                  <a:t> </a:t>
+                </a:r>
+              </a:p>
+            </p:txBody>
+          </p:sp>
+        </mc:Fallback>
+      </mc:AlternateContent>
+      <mc:AlternateContent xmlns:mc="http://schemas.openxmlformats.org/markup-compatibility/2006">
+        <mc:Choice xmlns:a14="http://schemas.microsoft.com/office/drawing/2010/main" Requires="a14">
+          <p:sp>
+            <p:nvSpPr>
+              <p:cNvPr id="42" name="TextBox 41"/>
+              <p:cNvSpPr txBox="1"/>
+              <p:nvPr/>
+            </p:nvSpPr>
+            <p:spPr>
+              <a:xfrm>
+                <a:off x="6348816" y="4030487"/>
+                <a:ext cx="1456681" cy="276999"/>
+              </a:xfrm>
+              <a:prstGeom prst="rect">
+                <a:avLst/>
+              </a:prstGeom>
+              <a:noFill/>
+            </p:spPr>
+            <p:txBody>
+              <a:bodyPr wrap="none" rtlCol="0">
+                <a:spAutoFit/>
+              </a:bodyPr>
+              <a:lstStyle/>
+              <a:p>
+                <a14:m>
+                  <m:oMathPara xmlns:m="http://schemas.openxmlformats.org/officeDocument/2006/math">
+                    <m:oMathParaPr>
+                      <m:jc m:val="centerGroup"/>
+                    </m:oMathParaPr>
+                    <m:oMath xmlns:m="http://schemas.openxmlformats.org/officeDocument/2006/math">
+                      <m:r>
+                        <a:rPr lang="en-AU" sz="1200" i="1" dirty="0" smtClean="0">
+                          <a:latin typeface="Cambria Math" charset="0"/>
+                        </a:rPr>
+                        <m:t>𝑝</m:t>
+                      </m:r>
+                      <m:r>
+                        <a:rPr lang="en-AU" sz="1200" i="1" dirty="0" smtClean="0">
+                          <a:latin typeface="Cambria Math" charset="0"/>
+                        </a:rPr>
+                        <m:t>(</m:t>
+                      </m:r>
+                      <m:r>
+                        <a:rPr lang="en-AU" sz="1200" i="1" dirty="0" smtClean="0">
+                          <a:solidFill>
+                            <a:schemeClr val="tx1"/>
+                          </a:solidFill>
+                          <a:latin typeface="Cambria Math" charset="0"/>
+                        </a:rPr>
+                        <m:t>𝑥</m:t>
+                      </m:r>
+                      <m:r>
+                        <a:rPr lang="en-AU" sz="1200" i="1" baseline="-25000" dirty="0" smtClean="0">
+                          <a:latin typeface="Cambria Math" charset="0"/>
+                        </a:rPr>
+                        <m:t>2</m:t>
+                      </m:r>
+                      <m:r>
+                        <a:rPr lang="en-AU" sz="1200" i="1" dirty="0" smtClean="0">
+                          <a:latin typeface="Cambria Math" charset="0"/>
+                        </a:rPr>
+                        <m:t>|</m:t>
+                      </m:r>
+                      <m:r>
+                        <a:rPr lang="en-AU" sz="1200" i="1" dirty="0" smtClean="0">
+                          <a:latin typeface="Cambria Math" charset="0"/>
+                        </a:rPr>
+                        <m:t>𝑌</m:t>
+                      </m:r>
+                      <m:r>
+                        <a:rPr lang="en-AU" sz="1200" i="1" baseline="-25000" dirty="0">
+                          <a:latin typeface="Cambria Math" charset="0"/>
+                        </a:rPr>
+                        <m:t>2</m:t>
+                      </m:r>
+                      <m:r>
+                        <a:rPr lang="en-AU" sz="1200" i="1" dirty="0" smtClean="0">
+                          <a:latin typeface="Cambria Math" charset="0"/>
+                        </a:rPr>
+                        <m:t>={</m:t>
+                      </m:r>
+                      <m:r>
+                        <a:rPr lang="en-AU" sz="1200" i="1" dirty="0" smtClean="0">
+                          <a:latin typeface="Cambria Math" charset="0"/>
+                        </a:rPr>
+                        <m:t>𝑦</m:t>
+                      </m:r>
+                      <m:r>
+                        <a:rPr lang="en-AU" sz="1200" i="1" baseline="-25000" dirty="0" smtClean="0">
+                          <a:latin typeface="Cambria Math" charset="0"/>
+                        </a:rPr>
+                        <m:t>1 </m:t>
+                      </m:r>
+                      <m:r>
+                        <a:rPr lang="en-AU" sz="1200" i="1" dirty="0" smtClean="0">
+                          <a:latin typeface="Cambria Math" charset="0"/>
+                        </a:rPr>
+                        <m:t>,</m:t>
+                      </m:r>
+                      <m:r>
+                        <a:rPr lang="en-AU" sz="1200" i="1" dirty="0" smtClean="0">
+                          <a:latin typeface="Cambria Math" charset="0"/>
+                        </a:rPr>
+                        <m:t>𝑦</m:t>
+                      </m:r>
+                      <m:r>
+                        <a:rPr lang="en-AU" sz="1200" i="1" baseline="-25000" dirty="0">
+                          <a:latin typeface="Cambria Math" charset="0"/>
+                        </a:rPr>
+                        <m:t>2</m:t>
+                      </m:r>
+                      <m:r>
+                        <a:rPr lang="en-AU" sz="1200" i="1" dirty="0" smtClean="0">
+                          <a:latin typeface="Cambria Math" charset="0"/>
+                        </a:rPr>
+                        <m:t>})</m:t>
+                      </m:r>
+                    </m:oMath>
+                  </m:oMathPara>
+                </a14:m>
+                <a:endParaRPr lang="en-AU" sz="1200" dirty="0"/>
+              </a:p>
+            </p:txBody>
+          </p:sp>
+        </mc:Choice>
+        <mc:Fallback>
+          <p:sp>
+            <p:nvSpPr>
+              <p:cNvPr id="42" name="TextBox 41"/>
+              <p:cNvSpPr txBox="1">
+                <a:spLocks noRot="1" noChangeAspect="1" noMove="1" noResize="1" noEditPoints="1" noAdjustHandles="1" noChangeArrowheads="1" noChangeShapeType="1" noTextEdit="1"/>
+              </p:cNvSpPr>
+              <p:nvPr/>
+            </p:nvSpPr>
+            <p:spPr>
+              <a:xfrm>
+                <a:off x="6348816" y="4030487"/>
+                <a:ext cx="1456681" cy="276999"/>
+              </a:xfrm>
+              <a:prstGeom prst="rect">
+                <a:avLst/>
+              </a:prstGeom>
+              <a:blipFill rotWithShape="0">
+                <a:blip r:embed="rId13"/>
+                <a:stretch>
+                  <a:fillRect t="-10870" b="-78261"/>
+                </a:stretch>
+              </a:blipFill>
+            </p:spPr>
+            <p:txBody>
+              <a:bodyPr/>
+              <a:lstStyle/>
+              <a:p>
+                <a:r>
+                  <a:rPr lang="en-AU">
+                    <a:noFill/>
+                  </a:rPr>
+                  <a:t> </a:t>
+                </a:r>
+              </a:p>
+            </p:txBody>
+          </p:sp>
+        </mc:Fallback>
+      </mc:AlternateContent>
+      <mc:AlternateContent xmlns:mc="http://schemas.openxmlformats.org/markup-compatibility/2006">
+        <mc:Choice xmlns:a14="http://schemas.microsoft.com/office/drawing/2010/main" Requires="a14">
+          <p:sp>
+            <p:nvSpPr>
+              <p:cNvPr id="2" name="Rectangle 1"/>
+              <p:cNvSpPr/>
+              <p:nvPr/>
+            </p:nvSpPr>
+            <p:spPr>
+              <a:xfrm>
+                <a:off x="4337050" y="4538274"/>
+                <a:ext cx="1187450" cy="438150"/>
+              </a:xfrm>
+              <a:prstGeom prst="rect">
+                <a:avLst/>
+              </a:prstGeom>
+              <a:solidFill>
+                <a:schemeClr val="accent6">
+                  <a:lumMod val="40000"/>
+                  <a:lumOff val="60000"/>
+                </a:schemeClr>
+              </a:solidFill>
+            </p:spPr>
+            <p:style>
+              <a:lnRef idx="2">
+                <a:schemeClr val="accent1">
+                  <a:shade val="50000"/>
+                </a:schemeClr>
+              </a:lnRef>
+              <a:fillRef idx="1">
+                <a:schemeClr val="accent1"/>
+              </a:fillRef>
+              <a:effectRef idx="0">
+                <a:schemeClr val="accent1"/>
+              </a:effectRef>
+              <a:fontRef idx="minor">
+                <a:schemeClr val="lt1"/>
+              </a:fontRef>
+            </p:style>
+            <p:txBody>
+              <a:bodyPr rtlCol="0" anchor="ctr"/>
+              <a:lstStyle/>
+              <a:p>
+                <a14:m>
+                  <m:oMath xmlns:m="http://schemas.openxmlformats.org/officeDocument/2006/math">
+                    <m:r>
+                      <a:rPr lang="en-US" sz="1200" i="1" dirty="0" smtClean="0">
+                        <a:solidFill>
+                          <a:schemeClr val="tx1"/>
+                        </a:solidFill>
+                        <a:latin typeface="Cambria Math" charset="0"/>
+                      </a:rPr>
+                      <m:t>𝑥</m:t>
+                    </m:r>
+                    <m:r>
+                      <a:rPr lang="en-AU" sz="1200" b="0" i="1" dirty="0" smtClean="0">
+                        <a:solidFill>
+                          <a:schemeClr val="tx1"/>
+                        </a:solidFill>
+                        <a:latin typeface="Cambria Math" charset="0"/>
+                      </a:rPr>
+                      <m:t>′</m:t>
+                    </m:r>
+                    <m:r>
+                      <a:rPr lang="en-US" sz="1200" i="1" baseline="-25000" dirty="0" smtClean="0">
+                        <a:solidFill>
+                          <a:schemeClr val="tx1"/>
+                        </a:solidFill>
+                        <a:latin typeface="Cambria Math" charset="0"/>
+                      </a:rPr>
+                      <m:t>1 </m:t>
+                    </m:r>
+                    <m:r>
+                      <a:rPr lang="en-US" sz="1200" i="1" dirty="0" smtClean="0">
+                        <a:solidFill>
+                          <a:schemeClr val="tx1"/>
+                        </a:solidFill>
+                        <a:latin typeface="Cambria Math" charset="0"/>
+                      </a:rPr>
+                      <m:t>= </m:t>
+                    </m:r>
+                    <m:r>
+                      <a:rPr lang="en-US" sz="1200" i="1" dirty="0" smtClean="0">
+                        <a:solidFill>
+                          <a:schemeClr val="tx1"/>
+                        </a:solidFill>
+                        <a:latin typeface="Cambria Math" charset="0"/>
+                      </a:rPr>
+                      <m:t>𝐸</m:t>
+                    </m:r>
+                    <m:r>
+                      <a:rPr lang="en-US" sz="1200" i="1" dirty="0" smtClean="0">
+                        <a:solidFill>
+                          <a:schemeClr val="tx1"/>
+                        </a:solidFill>
+                        <a:latin typeface="Cambria Math" charset="0"/>
+                      </a:rPr>
+                      <m:t>[</m:t>
+                    </m:r>
+                    <m:r>
+                      <a:rPr lang="en-US" sz="1200" i="1" dirty="0" smtClean="0">
+                        <a:solidFill>
+                          <a:schemeClr val="tx1"/>
+                        </a:solidFill>
+                        <a:latin typeface="Cambria Math" charset="0"/>
+                      </a:rPr>
+                      <m:t>𝑥</m:t>
+                    </m:r>
+                    <m:r>
+                      <a:rPr lang="en-US" sz="1200" i="1" baseline="-25000" dirty="0" smtClean="0">
+                        <a:solidFill>
+                          <a:schemeClr val="tx1"/>
+                        </a:solidFill>
+                        <a:latin typeface="Cambria Math" charset="0"/>
+                      </a:rPr>
+                      <m:t>1</m:t>
+                    </m:r>
+                    <m:r>
+                      <a:rPr lang="en-US" sz="1200" i="1" dirty="0" smtClean="0">
+                        <a:solidFill>
+                          <a:schemeClr val="tx1"/>
+                        </a:solidFill>
+                        <a:latin typeface="Cambria Math" charset="0"/>
+                      </a:rPr>
+                      <m:t>|</m:t>
+                    </m:r>
+                    <m:r>
+                      <a:rPr lang="en-US" sz="1200" i="1" dirty="0" smtClean="0">
+                        <a:solidFill>
+                          <a:schemeClr val="tx1"/>
+                        </a:solidFill>
+                        <a:latin typeface="Cambria Math" charset="0"/>
+                      </a:rPr>
+                      <m:t>𝑌</m:t>
+                    </m:r>
+                    <m:r>
+                      <a:rPr lang="en-US" sz="1200" i="1" baseline="-25000" dirty="0" smtClean="0">
+                        <a:solidFill>
+                          <a:schemeClr val="tx1"/>
+                        </a:solidFill>
+                        <a:latin typeface="Cambria Math" charset="0"/>
+                      </a:rPr>
+                      <m:t>1</m:t>
+                    </m:r>
+                    <m:r>
+                      <a:rPr lang="en-US" sz="1200" i="1" dirty="0" smtClean="0">
+                        <a:solidFill>
+                          <a:schemeClr val="tx1"/>
+                        </a:solidFill>
+                        <a:latin typeface="Cambria Math" charset="0"/>
+                      </a:rPr>
+                      <m:t>]</m:t>
+                    </m:r>
+                  </m:oMath>
+                </a14:m>
+                <a:r>
+                  <a:rPr lang="en-US" sz="1200" dirty="0" smtClean="0"/>
+                  <a:t> </a:t>
+                </a:r>
+                <a:endParaRPr lang="en-US" sz="1200" dirty="0"/>
+              </a:p>
+            </p:txBody>
+          </p:sp>
+        </mc:Choice>
+        <mc:Fallback>
+          <p:sp>
+            <p:nvSpPr>
+              <p:cNvPr id="2" name="Rectangle 1"/>
+              <p:cNvSpPr>
+                <a:spLocks noRot="1" noChangeAspect="1" noMove="1" noResize="1" noEditPoints="1" noAdjustHandles="1" noChangeArrowheads="1" noChangeShapeType="1" noTextEdit="1"/>
+              </p:cNvSpPr>
+              <p:nvPr/>
+            </p:nvSpPr>
+            <p:spPr>
+              <a:xfrm>
+                <a:off x="4337050" y="4538274"/>
+                <a:ext cx="1187450" cy="438150"/>
+              </a:xfrm>
+              <a:prstGeom prst="rect">
+                <a:avLst/>
+              </a:prstGeom>
+              <a:blipFill rotWithShape="0">
+                <a:blip r:embed="rId14"/>
+                <a:stretch>
+                  <a:fillRect t="-28378" b="-43243"/>
+                </a:stretch>
+              </a:blipFill>
+            </p:spPr>
+            <p:txBody>
+              <a:bodyPr/>
+              <a:lstStyle/>
+              <a:p>
+                <a:r>
+                  <a:rPr lang="en-AU">
+                    <a:noFill/>
+                  </a:rPr>
+                  <a:t> </a:t>
+                </a:r>
+              </a:p>
+            </p:txBody>
+          </p:sp>
+        </mc:Fallback>
+      </mc:AlternateContent>
+      <mc:AlternateContent xmlns:mc="http://schemas.openxmlformats.org/markup-compatibility/2006">
+        <mc:Choice xmlns:a14="http://schemas.microsoft.com/office/drawing/2010/main" Requires="a14">
+          <p:sp>
+            <p:nvSpPr>
+              <p:cNvPr id="26" name="Rectangle 25"/>
+              <p:cNvSpPr/>
+              <p:nvPr/>
+            </p:nvSpPr>
+            <p:spPr>
+              <a:xfrm>
+                <a:off x="5771837" y="4538274"/>
+                <a:ext cx="1275792" cy="438150"/>
+              </a:xfrm>
+              <a:prstGeom prst="rect">
+                <a:avLst/>
+              </a:prstGeom>
+              <a:solidFill>
+                <a:schemeClr val="accent6">
+                  <a:lumMod val="40000"/>
+                  <a:lumOff val="60000"/>
+                </a:schemeClr>
+              </a:solidFill>
+            </p:spPr>
+            <p:style>
+              <a:lnRef idx="2">
+                <a:schemeClr val="accent1">
+                  <a:shade val="50000"/>
+                </a:schemeClr>
+              </a:lnRef>
+              <a:fillRef idx="1">
+                <a:schemeClr val="accent1"/>
+              </a:fillRef>
+              <a:effectRef idx="0">
+                <a:schemeClr val="accent1"/>
+              </a:effectRef>
+              <a:fontRef idx="minor">
+                <a:schemeClr val="lt1"/>
+              </a:fontRef>
+            </p:style>
+            <p:txBody>
+              <a:bodyPr rtlCol="0" anchor="ctr"/>
+              <a:lstStyle/>
+              <a:p>
+                <a14:m>
+                  <m:oMath xmlns:m="http://schemas.openxmlformats.org/officeDocument/2006/math">
+                    <m:r>
+                      <a:rPr lang="en-US" sz="1200" i="1" dirty="0" smtClean="0">
+                        <a:solidFill>
+                          <a:schemeClr val="tx1"/>
+                        </a:solidFill>
+                        <a:latin typeface="Cambria Math" charset="0"/>
+                      </a:rPr>
+                      <m:t>𝑥</m:t>
+                    </m:r>
+                    <m:r>
+                      <a:rPr lang="en-AU" sz="1200" b="0" i="1" dirty="0" smtClean="0">
+                        <a:solidFill>
+                          <a:schemeClr val="tx1"/>
+                        </a:solidFill>
+                        <a:latin typeface="Cambria Math" charset="0"/>
+                      </a:rPr>
+                      <m:t>′</m:t>
+                    </m:r>
+                    <m:r>
+                      <a:rPr lang="en-AU" sz="1200" b="0" i="1" baseline="-25000" dirty="0" smtClean="0">
+                        <a:solidFill>
+                          <a:schemeClr val="tx1"/>
+                        </a:solidFill>
+                        <a:latin typeface="Cambria Math" charset="0"/>
+                      </a:rPr>
+                      <m:t>2</m:t>
+                    </m:r>
+                    <m:r>
+                      <a:rPr lang="en-US" sz="1200" i="1" baseline="-25000" dirty="0" smtClean="0">
+                        <a:solidFill>
+                          <a:schemeClr val="tx1"/>
+                        </a:solidFill>
+                        <a:latin typeface="Cambria Math" charset="0"/>
+                      </a:rPr>
+                      <m:t> </m:t>
+                    </m:r>
+                    <m:r>
+                      <a:rPr lang="en-US" sz="1200" i="1" dirty="0" smtClean="0">
+                        <a:solidFill>
+                          <a:schemeClr val="tx1"/>
+                        </a:solidFill>
+                        <a:latin typeface="Cambria Math" charset="0"/>
+                      </a:rPr>
+                      <m:t>= </m:t>
+                    </m:r>
+                    <m:r>
+                      <a:rPr lang="en-US" sz="1200" i="1" dirty="0" smtClean="0">
+                        <a:solidFill>
+                          <a:schemeClr val="tx1"/>
+                        </a:solidFill>
+                        <a:latin typeface="Cambria Math" charset="0"/>
+                      </a:rPr>
+                      <m:t>𝐸</m:t>
+                    </m:r>
+                    <m:r>
+                      <a:rPr lang="en-US" sz="1200" i="1" dirty="0" smtClean="0">
+                        <a:solidFill>
+                          <a:schemeClr val="tx1"/>
+                        </a:solidFill>
+                        <a:latin typeface="Cambria Math" charset="0"/>
+                      </a:rPr>
+                      <m:t>[</m:t>
+                    </m:r>
+                    <m:r>
+                      <a:rPr lang="en-US" sz="1200" i="1" dirty="0" smtClean="0">
+                        <a:solidFill>
+                          <a:schemeClr val="tx1"/>
+                        </a:solidFill>
+                        <a:latin typeface="Cambria Math" charset="0"/>
+                      </a:rPr>
+                      <m:t>𝑥</m:t>
+                    </m:r>
+                    <m:r>
+                      <a:rPr lang="en-AU" sz="1200" b="0" i="1" baseline="-25000" dirty="0" smtClean="0">
+                        <a:solidFill>
+                          <a:schemeClr val="tx1"/>
+                        </a:solidFill>
+                        <a:latin typeface="Cambria Math" charset="0"/>
+                      </a:rPr>
+                      <m:t>2</m:t>
+                    </m:r>
+                    <m:r>
+                      <a:rPr lang="en-US" sz="1200" i="1" dirty="0" smtClean="0">
+                        <a:solidFill>
+                          <a:schemeClr val="tx1"/>
+                        </a:solidFill>
+                        <a:latin typeface="Cambria Math" charset="0"/>
+                      </a:rPr>
+                      <m:t>|</m:t>
+                    </m:r>
+                    <m:r>
+                      <a:rPr lang="en-US" sz="1200" i="1" dirty="0" smtClean="0">
+                        <a:solidFill>
+                          <a:schemeClr val="tx1"/>
+                        </a:solidFill>
+                        <a:latin typeface="Cambria Math" charset="0"/>
+                      </a:rPr>
+                      <m:t>𝑌</m:t>
+                    </m:r>
+                    <m:r>
+                      <a:rPr lang="en-AU" sz="1200" b="0" i="1" baseline="-25000" dirty="0" smtClean="0">
+                        <a:solidFill>
+                          <a:schemeClr val="tx1"/>
+                        </a:solidFill>
+                        <a:latin typeface="Cambria Math" charset="0"/>
+                      </a:rPr>
+                      <m:t>2</m:t>
+                    </m:r>
+                    <m:r>
+                      <a:rPr lang="en-US" sz="1200" i="1" dirty="0" smtClean="0">
+                        <a:solidFill>
+                          <a:schemeClr val="tx1"/>
+                        </a:solidFill>
+                        <a:latin typeface="Cambria Math" charset="0"/>
+                      </a:rPr>
+                      <m:t>]</m:t>
+                    </m:r>
+                  </m:oMath>
+                </a14:m>
+                <a:r>
+                  <a:rPr lang="en-US" sz="1200" dirty="0" smtClean="0"/>
+                  <a:t> </a:t>
+                </a:r>
+                <a:endParaRPr lang="en-US" sz="1200" dirty="0"/>
+              </a:p>
+            </p:txBody>
+          </p:sp>
+        </mc:Choice>
+        <mc:Fallback>
+          <p:sp>
+            <p:nvSpPr>
+              <p:cNvPr id="26" name="Rectangle 25"/>
+              <p:cNvSpPr>
+                <a:spLocks noRot="1" noChangeAspect="1" noMove="1" noResize="1" noEditPoints="1" noAdjustHandles="1" noChangeArrowheads="1" noChangeShapeType="1" noTextEdit="1"/>
+              </p:cNvSpPr>
+              <p:nvPr/>
+            </p:nvSpPr>
+            <p:spPr>
+              <a:xfrm>
+                <a:off x="5771837" y="4538274"/>
+                <a:ext cx="1275792" cy="438150"/>
+              </a:xfrm>
+              <a:prstGeom prst="rect">
+                <a:avLst/>
+              </a:prstGeom>
+              <a:blipFill rotWithShape="0">
+                <a:blip r:embed="rId15"/>
+                <a:stretch>
+                  <a:fillRect t="-28378" b="-43243"/>
+                </a:stretch>
+              </a:blipFill>
+            </p:spPr>
+            <p:txBody>
+              <a:bodyPr/>
+              <a:lstStyle/>
+              <a:p>
+                <a:r>
+                  <a:rPr lang="en-AU">
+                    <a:noFill/>
+                  </a:rPr>
+                  <a:t> </a:t>
+                </a:r>
+              </a:p>
+            </p:txBody>
+          </p:sp>
+        </mc:Fallback>
+      </mc:AlternateContent>
+    </p:spTree>
+    <p:extLst>
+      <p:ext uri="{BB962C8B-B14F-4D97-AF65-F5344CB8AC3E}">
+        <p14:creationId xmlns:p14="http://schemas.microsoft.com/office/powerpoint/2010/main" val="409288181"/>
+      </p:ext>
+    </p:extLst>
+  </p:cSld>
+  <p:clrMapOvr>
+    <a:masterClrMapping/>
+  </p:clrMapOvr>
+</p:sld>
+</file>
+
+<file path=ppt/slides/slide6.xml><?xml version="1.0" encoding="utf-8"?>
+<p:sld xmlns:a="http://schemas.openxmlformats.org/drawingml/2006/main" xmlns:r="http://schemas.openxmlformats.org/officeDocument/2006/relationships" xmlns:p="http://schemas.openxmlformats.org/presentationml/2006/main">
+  <p:cSld>
+    <p:spTree>
+      <p:nvGrpSpPr>
+        <p:cNvPr id="1" name=""/>
+        <p:cNvGrpSpPr/>
+        <p:nvPr/>
+      </p:nvGrpSpPr>
+      <p:grpSpPr>
+        <a:xfrm>
+          <a:off x="0" y="0"/>
+          <a:ext cx="0" cy="0"/>
+          <a:chOff x="0" y="0"/>
+          <a:chExt cx="0" cy="0"/>
+        </a:xfrm>
+      </p:grpSpPr>
+      <p:sp>
+        <p:nvSpPr>
+          <p:cNvPr id="4" name="Rectangle 3"/>
+          <p:cNvSpPr/>
+          <p:nvPr/>
+        </p:nvSpPr>
+        <p:spPr>
+          <a:xfrm>
+            <a:off x="2667000" y="1879600"/>
+            <a:ext cx="1409700" cy="850900"/>
+          </a:xfrm>
+          <a:prstGeom prst="rect">
+            <a:avLst/>
+          </a:prstGeom>
+          <a:solidFill>
+            <a:schemeClr val="accent1">
+              <a:lumMod val="20000"/>
+              <a:lumOff val="80000"/>
+            </a:schemeClr>
+          </a:solidFill>
+        </p:spPr>
+        <p:style>
+          <a:lnRef idx="2">
+            <a:schemeClr val="accent1">
+              <a:shade val="50000"/>
+            </a:schemeClr>
+          </a:lnRef>
+          <a:fillRef idx="1">
+            <a:schemeClr val="accent1"/>
+          </a:fillRef>
+          <a:effectRef idx="0">
+            <a:schemeClr val="accent1"/>
+          </a:effectRef>
+          <a:fontRef idx="minor">
+            <a:schemeClr val="lt1"/>
+          </a:fontRef>
+        </p:style>
+        <p:txBody>
+          <a:bodyPr rtlCol="0" anchor="ctr"/>
+          <a:lstStyle/>
+          <a:p>
+            <a:pPr algn="ctr"/>
+            <a:endParaRPr lang="en-AU"/>
+          </a:p>
+        </p:txBody>
+      </p:sp>
+      <p:sp>
+        <p:nvSpPr>
+          <p:cNvPr id="5" name="Rectangle 4"/>
+          <p:cNvSpPr/>
+          <p:nvPr/>
+        </p:nvSpPr>
+        <p:spPr>
+          <a:xfrm>
+            <a:off x="4826000" y="1879600"/>
+            <a:ext cx="1409700" cy="850900"/>
+          </a:xfrm>
+          <a:prstGeom prst="rect">
+            <a:avLst/>
+          </a:prstGeom>
+          <a:solidFill>
+            <a:schemeClr val="accent1">
+              <a:lumMod val="20000"/>
+              <a:lumOff val="80000"/>
+            </a:schemeClr>
+          </a:solidFill>
+        </p:spPr>
+        <p:style>
+          <a:lnRef idx="2">
+            <a:schemeClr val="accent1">
+              <a:shade val="50000"/>
+            </a:schemeClr>
+          </a:lnRef>
+          <a:fillRef idx="1">
+            <a:schemeClr val="accent1"/>
+          </a:fillRef>
+          <a:effectRef idx="0">
+            <a:schemeClr val="accent1"/>
+          </a:effectRef>
+          <a:fontRef idx="minor">
+            <a:schemeClr val="lt1"/>
+          </a:fontRef>
+        </p:style>
+        <p:txBody>
+          <a:bodyPr rtlCol="0" anchor="ctr"/>
+          <a:lstStyle/>
+          <a:p>
+            <a:pPr algn="ctr"/>
+            <a:endParaRPr lang="en-AU"/>
+          </a:p>
+        </p:txBody>
+      </p:sp>
+      <p:sp>
+        <p:nvSpPr>
+          <p:cNvPr id="6" name="Rectangle 5"/>
+          <p:cNvSpPr/>
+          <p:nvPr/>
+        </p:nvSpPr>
+        <p:spPr>
+          <a:xfrm>
+            <a:off x="6985000" y="1879600"/>
+            <a:ext cx="1409700" cy="850900"/>
+          </a:xfrm>
+          <a:prstGeom prst="rect">
+            <a:avLst/>
+          </a:prstGeom>
+          <a:solidFill>
+            <a:schemeClr val="accent1">
+              <a:lumMod val="20000"/>
+              <a:lumOff val="80000"/>
+            </a:schemeClr>
+          </a:solidFill>
+        </p:spPr>
+        <p:style>
+          <a:lnRef idx="2">
+            <a:schemeClr val="accent1">
+              <a:shade val="50000"/>
+            </a:schemeClr>
+          </a:lnRef>
+          <a:fillRef idx="1">
+            <a:schemeClr val="accent1"/>
+          </a:fillRef>
+          <a:effectRef idx="0">
+            <a:schemeClr val="accent1"/>
+          </a:effectRef>
+          <a:fontRef idx="minor">
+            <a:schemeClr val="lt1"/>
+          </a:fontRef>
+        </p:style>
+        <p:txBody>
+          <a:bodyPr rtlCol="0" anchor="ctr"/>
+          <a:lstStyle/>
+          <a:p>
+            <a:pPr algn="ctr"/>
+            <a:endParaRPr lang="en-AU"/>
+          </a:p>
+        </p:txBody>
+      </p:sp>
+      <p:sp>
+        <p:nvSpPr>
+          <p:cNvPr id="7" name="Rectangle 6"/>
+          <p:cNvSpPr/>
+          <p:nvPr/>
+        </p:nvSpPr>
+        <p:spPr>
+          <a:xfrm>
+            <a:off x="4826000" y="3505200"/>
+            <a:ext cx="1409700" cy="850900"/>
+          </a:xfrm>
+          <a:prstGeom prst="rect">
+            <a:avLst/>
+          </a:prstGeom>
+          <a:solidFill>
+            <a:schemeClr val="accent1">
+              <a:lumMod val="20000"/>
+              <a:lumOff val="80000"/>
+            </a:schemeClr>
+          </a:solidFill>
+        </p:spPr>
+        <p:style>
+          <a:lnRef idx="2">
+            <a:schemeClr val="accent1">
+              <a:shade val="50000"/>
+            </a:schemeClr>
+          </a:lnRef>
+          <a:fillRef idx="1">
+            <a:schemeClr val="accent1"/>
+          </a:fillRef>
+          <a:effectRef idx="0">
+            <a:schemeClr val="accent1"/>
+          </a:effectRef>
+          <a:fontRef idx="minor">
+            <a:schemeClr val="lt1"/>
+          </a:fontRef>
+        </p:style>
+        <p:txBody>
+          <a:bodyPr rtlCol="0" anchor="ctr"/>
+          <a:lstStyle/>
+          <a:p>
+            <a:pPr algn="ctr"/>
+            <a:endParaRPr lang="en-AU"/>
+          </a:p>
+        </p:txBody>
+      </p:sp>
+      <p:sp>
+        <p:nvSpPr>
+          <p:cNvPr id="10" name="Rectangle 9"/>
+          <p:cNvSpPr/>
+          <p:nvPr/>
+        </p:nvSpPr>
+        <p:spPr>
+          <a:xfrm>
+            <a:off x="9232900" y="1206500"/>
+            <a:ext cx="2273300" cy="3556000"/>
+          </a:xfrm>
+          <a:prstGeom prst="rect">
+            <a:avLst/>
+          </a:prstGeom>
+          <a:noFill/>
+          <a:ln>
+            <a:prstDash val="dash"/>
+          </a:ln>
+        </p:spPr>
+        <p:style>
+          <a:lnRef idx="2">
+            <a:schemeClr val="accent1">
+              <a:shade val="50000"/>
+            </a:schemeClr>
+          </a:lnRef>
+          <a:fillRef idx="1">
+            <a:schemeClr val="accent1"/>
+          </a:fillRef>
+          <a:effectRef idx="0">
+            <a:schemeClr val="accent1"/>
+          </a:effectRef>
+          <a:fontRef idx="minor">
+            <a:schemeClr val="lt1"/>
+          </a:fontRef>
+        </p:style>
+        <p:txBody>
+          <a:bodyPr rtlCol="0" anchor="ctr"/>
+          <a:lstStyle/>
+          <a:p>
+            <a:pPr algn="ctr"/>
+            <a:endParaRPr lang="en-AU"/>
+          </a:p>
+        </p:txBody>
+      </p:sp>
+      <p:sp>
+        <p:nvSpPr>
+          <p:cNvPr id="11" name="Rectangle 10"/>
+          <p:cNvSpPr/>
+          <p:nvPr/>
+        </p:nvSpPr>
+        <p:spPr>
+          <a:xfrm>
+            <a:off x="9690100" y="1701800"/>
+            <a:ext cx="1460500" cy="1181100"/>
+          </a:xfrm>
+          <a:prstGeom prst="rect">
+            <a:avLst/>
+          </a:prstGeom>
+          <a:solidFill>
+            <a:schemeClr val="accent1">
+              <a:lumMod val="20000"/>
+              <a:lumOff val="80000"/>
+            </a:schemeClr>
+          </a:solidFill>
+        </p:spPr>
+        <p:style>
+          <a:lnRef idx="2">
+            <a:schemeClr val="accent1">
+              <a:shade val="50000"/>
+            </a:schemeClr>
+          </a:lnRef>
+          <a:fillRef idx="1">
+            <a:schemeClr val="accent1"/>
+          </a:fillRef>
+          <a:effectRef idx="0">
+            <a:schemeClr val="accent1"/>
+          </a:effectRef>
+          <a:fontRef idx="minor">
+            <a:schemeClr val="lt1"/>
+          </a:fontRef>
+        </p:style>
+        <p:txBody>
+          <a:bodyPr rtlCol="0" anchor="ctr"/>
+          <a:lstStyle/>
+          <a:p>
+            <a:pPr algn="ctr"/>
+            <a:endParaRPr lang="en-AU"/>
+          </a:p>
+        </p:txBody>
+      </p:sp>
+      <p:sp>
+        <p:nvSpPr>
+          <p:cNvPr id="12" name="Oval 11"/>
+          <p:cNvSpPr/>
+          <p:nvPr/>
+        </p:nvSpPr>
+        <p:spPr>
+          <a:xfrm>
+            <a:off x="9779000" y="3346450"/>
+            <a:ext cx="1282700" cy="1282700"/>
+          </a:xfrm>
+          <a:prstGeom prst="ellipse">
+            <a:avLst/>
+          </a:prstGeom>
+          <a:solidFill>
+            <a:schemeClr val="accent1">
+              <a:lumMod val="20000"/>
+              <a:lumOff val="80000"/>
+            </a:schemeClr>
+          </a:solidFill>
+        </p:spPr>
+        <p:style>
+          <a:lnRef idx="2">
+            <a:schemeClr val="accent1">
+              <a:shade val="50000"/>
+            </a:schemeClr>
+          </a:lnRef>
+          <a:fillRef idx="1">
+            <a:schemeClr val="accent1"/>
+          </a:fillRef>
+          <a:effectRef idx="0">
+            <a:schemeClr val="accent1"/>
+          </a:effectRef>
+          <a:fontRef idx="minor">
+            <a:schemeClr val="lt1"/>
+          </a:fontRef>
+        </p:style>
+        <p:txBody>
+          <a:bodyPr rtlCol="0" anchor="ctr"/>
+          <a:lstStyle/>
+          <a:p>
+            <a:pPr algn="ctr"/>
+            <a:endParaRPr lang="en-AU"/>
+          </a:p>
+        </p:txBody>
+      </p:sp>
+      <p:cxnSp>
+        <p:nvCxnSpPr>
+          <p:cNvPr id="14" name="Straight Arrow Connector 13"/>
+          <p:cNvCxnSpPr>
+            <a:stCxn id="4" idx="3"/>
+            <a:endCxn id="5" idx="1"/>
+          </p:cNvCxnSpPr>
+          <p:nvPr/>
+        </p:nvCxnSpPr>
+        <p:spPr>
+          <a:xfrm>
+            <a:off x="4076700" y="2305050"/>
+            <a:ext cx="749300" cy="0"/>
+          </a:xfrm>
+          <a:prstGeom prst="straightConnector1">
+            <a:avLst/>
+          </a:prstGeom>
+          <a:ln>
+            <a:tailEnd type="triangle"/>
+          </a:ln>
+        </p:spPr>
+        <p:style>
+          <a:lnRef idx="1">
+            <a:schemeClr val="accent1"/>
+          </a:lnRef>
+          <a:fillRef idx="0">
+            <a:schemeClr val="accent1"/>
+          </a:fillRef>
+          <a:effectRef idx="0">
+            <a:schemeClr val="accent1"/>
+          </a:effectRef>
+          <a:fontRef idx="minor">
+            <a:schemeClr val="tx1"/>
+          </a:fontRef>
+        </p:style>
+      </p:cxnSp>
+      <p:cxnSp>
+        <p:nvCxnSpPr>
+          <p:cNvPr id="16" name="Straight Connector 15"/>
+          <p:cNvCxnSpPr>
+            <a:stCxn id="5" idx="3"/>
+            <a:endCxn id="6" idx="1"/>
+          </p:cNvCxnSpPr>
+          <p:nvPr/>
+        </p:nvCxnSpPr>
+        <p:spPr>
+          <a:xfrm>
+            <a:off x="6235700" y="2305050"/>
+            <a:ext cx="749300" cy="0"/>
+          </a:xfrm>
+          <a:prstGeom prst="line">
+            <a:avLst/>
+          </a:prstGeom>
+          <a:ln w="25400"/>
+        </p:spPr>
+        <p:style>
+          <a:lnRef idx="1">
+            <a:schemeClr val="accent1"/>
+          </a:lnRef>
+          <a:fillRef idx="0">
+            <a:schemeClr val="accent1"/>
+          </a:fillRef>
+          <a:effectRef idx="0">
+            <a:schemeClr val="accent1"/>
+          </a:effectRef>
+          <a:fontRef idx="minor">
+            <a:schemeClr val="tx1"/>
+          </a:fontRef>
+        </p:style>
+      </p:cxnSp>
+      <p:cxnSp>
+        <p:nvCxnSpPr>
+          <p:cNvPr id="18" name="Straight Connector 17"/>
+          <p:cNvCxnSpPr>
+            <a:stCxn id="6" idx="3"/>
+            <a:endCxn id="11" idx="1"/>
+          </p:cNvCxnSpPr>
+          <p:nvPr/>
+        </p:nvCxnSpPr>
+        <p:spPr>
+          <a:xfrm flipV="1">
+            <a:off x="8394700" y="2292350"/>
+            <a:ext cx="1295400" cy="12700"/>
+          </a:xfrm>
+          <a:prstGeom prst="line">
+            <a:avLst/>
+          </a:prstGeom>
+          <a:ln w="25400"/>
+        </p:spPr>
+        <p:style>
+          <a:lnRef idx="1">
+            <a:schemeClr val="accent1"/>
+          </a:lnRef>
+          <a:fillRef idx="0">
+            <a:schemeClr val="accent1"/>
+          </a:fillRef>
+          <a:effectRef idx="0">
+            <a:schemeClr val="accent1"/>
+          </a:effectRef>
+          <a:fontRef idx="minor">
+            <a:schemeClr val="tx1"/>
+          </a:fontRef>
+        </p:style>
+      </p:cxnSp>
+      <p:cxnSp>
+        <p:nvCxnSpPr>
+          <p:cNvPr id="22" name="Straight Arrow Connector 21"/>
+          <p:cNvCxnSpPr>
+            <a:stCxn id="5" idx="2"/>
+            <a:endCxn id="7" idx="0"/>
+          </p:cNvCxnSpPr>
+          <p:nvPr/>
+        </p:nvCxnSpPr>
+        <p:spPr>
+          <a:xfrm>
+            <a:off x="5530850" y="2730500"/>
+            <a:ext cx="0" cy="774700"/>
+          </a:xfrm>
+          <a:prstGeom prst="straightConnector1">
+            <a:avLst/>
+          </a:prstGeom>
+          <a:ln>
+            <a:headEnd type="triangle"/>
+            <a:tailEnd type="triangle"/>
+          </a:ln>
+        </p:spPr>
+        <p:style>
+          <a:lnRef idx="1">
+            <a:schemeClr val="accent1"/>
+          </a:lnRef>
+          <a:fillRef idx="0">
+            <a:schemeClr val="accent1"/>
+          </a:fillRef>
+          <a:effectRef idx="0">
+            <a:schemeClr val="accent1"/>
+          </a:effectRef>
+          <a:fontRef idx="minor">
+            <a:schemeClr val="tx1"/>
+          </a:fontRef>
+        </p:style>
+      </p:cxnSp>
+      <p:sp>
+        <p:nvSpPr>
+          <p:cNvPr id="23" name="TextBox 22"/>
+          <p:cNvSpPr txBox="1"/>
+          <p:nvPr/>
+        </p:nvSpPr>
+        <p:spPr>
+          <a:xfrm>
+            <a:off x="2732962" y="2107684"/>
+            <a:ext cx="1254838" cy="461665"/>
+          </a:xfrm>
+          <a:prstGeom prst="rect">
+            <a:avLst/>
+          </a:prstGeom>
+          <a:noFill/>
+        </p:spPr>
+        <p:txBody>
+          <a:bodyPr wrap="square" rtlCol="0">
+            <a:spAutoFit/>
+          </a:bodyPr>
+          <a:lstStyle/>
+          <a:p>
+            <a:r>
+              <a:rPr lang="en-AU" sz="1200" dirty="0" smtClean="0"/>
+              <a:t>Vehicle induced currents</a:t>
+            </a:r>
+            <a:endParaRPr lang="en-AU" sz="1200" dirty="0"/>
+          </a:p>
+        </p:txBody>
+      </p:sp>
+      <p:sp>
+        <p:nvSpPr>
+          <p:cNvPr id="24" name="TextBox 23"/>
+          <p:cNvSpPr txBox="1"/>
+          <p:nvPr/>
+        </p:nvSpPr>
+        <p:spPr>
+          <a:xfrm>
+            <a:off x="4980862" y="2107683"/>
+            <a:ext cx="1254838" cy="461665"/>
+          </a:xfrm>
+          <a:prstGeom prst="rect">
+            <a:avLst/>
+          </a:prstGeom>
+          <a:noFill/>
+        </p:spPr>
+        <p:txBody>
+          <a:bodyPr wrap="square" rtlCol="0">
+            <a:spAutoFit/>
+          </a:bodyPr>
+          <a:lstStyle/>
+          <a:p>
+            <a:r>
+              <a:rPr lang="en-AU" sz="1200" dirty="0" smtClean="0"/>
+              <a:t>Inductive loop wire</a:t>
+            </a:r>
+            <a:endParaRPr lang="en-AU" sz="1200" dirty="0"/>
+          </a:p>
+        </p:txBody>
+      </p:sp>
+      <p:sp>
+        <p:nvSpPr>
+          <p:cNvPr id="25" name="TextBox 24"/>
+          <p:cNvSpPr txBox="1"/>
+          <p:nvPr/>
+        </p:nvSpPr>
+        <p:spPr>
+          <a:xfrm>
+            <a:off x="4903431" y="3699817"/>
+            <a:ext cx="1254838" cy="461665"/>
+          </a:xfrm>
+          <a:prstGeom prst="rect">
+            <a:avLst/>
+          </a:prstGeom>
+          <a:noFill/>
+        </p:spPr>
+        <p:txBody>
+          <a:bodyPr wrap="square" rtlCol="0">
+            <a:spAutoFit/>
+          </a:bodyPr>
+          <a:lstStyle/>
+          <a:p>
+            <a:r>
+              <a:rPr lang="en-AU" sz="1200" dirty="0" smtClean="0"/>
+              <a:t>Reinforcing steel mesh or rebar</a:t>
+            </a:r>
+            <a:endParaRPr lang="en-AU" sz="1200" dirty="0"/>
+          </a:p>
+        </p:txBody>
+      </p:sp>
+      <p:sp>
+        <p:nvSpPr>
+          <p:cNvPr id="26" name="TextBox 25"/>
+          <p:cNvSpPr txBox="1"/>
+          <p:nvPr/>
+        </p:nvSpPr>
+        <p:spPr>
+          <a:xfrm>
+            <a:off x="7373581" y="2166550"/>
+            <a:ext cx="899238" cy="276999"/>
+          </a:xfrm>
+          <a:prstGeom prst="rect">
+            <a:avLst/>
+          </a:prstGeom>
+          <a:noFill/>
+        </p:spPr>
+        <p:txBody>
+          <a:bodyPr wrap="square" rtlCol="0">
+            <a:spAutoFit/>
+          </a:bodyPr>
+          <a:lstStyle/>
+          <a:p>
+            <a:r>
+              <a:rPr lang="en-AU" sz="1200" dirty="0" smtClean="0"/>
+              <a:t>Pull box</a:t>
+            </a:r>
+            <a:endParaRPr lang="en-AU" sz="1200" dirty="0"/>
+          </a:p>
+        </p:txBody>
+      </p:sp>
+      <p:sp>
+        <p:nvSpPr>
+          <p:cNvPr id="27" name="TextBox 26"/>
+          <p:cNvSpPr txBox="1"/>
+          <p:nvPr/>
+        </p:nvSpPr>
+        <p:spPr>
+          <a:xfrm>
+            <a:off x="6238666" y="1843385"/>
+            <a:ext cx="657434" cy="461665"/>
+          </a:xfrm>
+          <a:prstGeom prst="rect">
+            <a:avLst/>
+          </a:prstGeom>
+          <a:noFill/>
+        </p:spPr>
+        <p:txBody>
+          <a:bodyPr wrap="square" rtlCol="0">
+            <a:spAutoFit/>
+          </a:bodyPr>
+          <a:lstStyle/>
+          <a:p>
+            <a:r>
+              <a:rPr lang="en-AU" sz="1200" dirty="0" smtClean="0"/>
+              <a:t>Lead in wire</a:t>
+            </a:r>
+            <a:endParaRPr lang="en-AU" sz="1200" dirty="0"/>
+          </a:p>
+        </p:txBody>
+      </p:sp>
+      <p:sp>
+        <p:nvSpPr>
+          <p:cNvPr id="28" name="TextBox 27"/>
+          <p:cNvSpPr txBox="1"/>
+          <p:nvPr/>
+        </p:nvSpPr>
+        <p:spPr>
+          <a:xfrm>
+            <a:off x="8473866" y="1843385"/>
+            <a:ext cx="657434" cy="461665"/>
+          </a:xfrm>
+          <a:prstGeom prst="rect">
+            <a:avLst/>
+          </a:prstGeom>
+          <a:noFill/>
+        </p:spPr>
+        <p:txBody>
+          <a:bodyPr wrap="square" rtlCol="0">
+            <a:spAutoFit/>
+          </a:bodyPr>
+          <a:lstStyle/>
+          <a:p>
+            <a:r>
+              <a:rPr lang="en-AU" sz="1200" dirty="0" smtClean="0"/>
+              <a:t>Lead in cable</a:t>
+            </a:r>
+            <a:endParaRPr lang="en-AU" sz="1200" dirty="0"/>
+          </a:p>
+        </p:txBody>
+      </p:sp>
+      <p:sp>
+        <p:nvSpPr>
+          <p:cNvPr id="30" name="TextBox 29"/>
+          <p:cNvSpPr txBox="1"/>
+          <p:nvPr/>
+        </p:nvSpPr>
+        <p:spPr>
+          <a:xfrm>
+            <a:off x="9690100" y="1338818"/>
+            <a:ext cx="1307346" cy="276999"/>
+          </a:xfrm>
+          <a:prstGeom prst="rect">
+            <a:avLst/>
+          </a:prstGeom>
+          <a:noFill/>
+        </p:spPr>
+        <p:txBody>
+          <a:bodyPr wrap="none" rtlCol="0">
+            <a:spAutoFit/>
+          </a:bodyPr>
+          <a:lstStyle/>
+          <a:p>
+            <a:r>
+              <a:rPr lang="en-AU" sz="1200" dirty="0" smtClean="0"/>
+              <a:t>Controller cabinet</a:t>
+            </a:r>
+            <a:endParaRPr lang="en-AU" sz="1200" dirty="0"/>
+          </a:p>
+        </p:txBody>
+      </p:sp>
+      <p:sp>
+        <p:nvSpPr>
+          <p:cNvPr id="31" name="TextBox 30"/>
+          <p:cNvSpPr txBox="1"/>
+          <p:nvPr/>
+        </p:nvSpPr>
+        <p:spPr>
+          <a:xfrm>
+            <a:off x="9734173" y="1797218"/>
+            <a:ext cx="1460500" cy="1015663"/>
+          </a:xfrm>
+          <a:prstGeom prst="rect">
+            <a:avLst/>
+          </a:prstGeom>
+          <a:noFill/>
+        </p:spPr>
+        <p:txBody>
+          <a:bodyPr wrap="square" rtlCol="0">
+            <a:spAutoFit/>
+          </a:bodyPr>
+          <a:lstStyle/>
+          <a:p>
+            <a:r>
+              <a:rPr lang="en-AU" sz="1200" dirty="0" smtClean="0"/>
+              <a:t>Electronic unit containing tuning network, oscillator and </a:t>
+            </a:r>
+            <a:r>
+              <a:rPr lang="en-AU" sz="1200" smtClean="0"/>
+              <a:t>sensitivity settings</a:t>
+            </a:r>
+            <a:endParaRPr lang="en-AU" sz="1200" dirty="0"/>
+          </a:p>
+        </p:txBody>
+      </p:sp>
+      <p:cxnSp>
+        <p:nvCxnSpPr>
+          <p:cNvPr id="33" name="Straight Arrow Connector 32"/>
+          <p:cNvCxnSpPr>
+            <a:stCxn id="11" idx="2"/>
+            <a:endCxn id="12" idx="0"/>
+          </p:cNvCxnSpPr>
+          <p:nvPr/>
+        </p:nvCxnSpPr>
+        <p:spPr>
+          <a:xfrm>
+            <a:off x="10420350" y="2882900"/>
+            <a:ext cx="0" cy="463550"/>
+          </a:xfrm>
+          <a:prstGeom prst="straightConnector1">
+            <a:avLst/>
+          </a:prstGeom>
+          <a:ln>
+            <a:tailEnd type="triangle"/>
+          </a:ln>
+        </p:spPr>
+        <p:style>
+          <a:lnRef idx="1">
+            <a:schemeClr val="accent1"/>
+          </a:lnRef>
+          <a:fillRef idx="0">
+            <a:schemeClr val="accent1"/>
+          </a:fillRef>
+          <a:effectRef idx="0">
+            <a:schemeClr val="accent1"/>
+          </a:effectRef>
+          <a:fontRef idx="minor">
+            <a:schemeClr val="tx1"/>
+          </a:fontRef>
+        </p:style>
+      </p:cxnSp>
+      <p:sp>
+        <p:nvSpPr>
+          <p:cNvPr id="34" name="TextBox 33"/>
+          <p:cNvSpPr txBox="1"/>
+          <p:nvPr/>
+        </p:nvSpPr>
+        <p:spPr>
+          <a:xfrm>
+            <a:off x="9969877" y="3607483"/>
+            <a:ext cx="900946" cy="646331"/>
+          </a:xfrm>
+          <a:prstGeom prst="rect">
+            <a:avLst/>
+          </a:prstGeom>
+          <a:noFill/>
+        </p:spPr>
+        <p:txBody>
+          <a:bodyPr wrap="square" rtlCol="0">
+            <a:spAutoFit/>
+          </a:bodyPr>
+          <a:lstStyle/>
+          <a:p>
+            <a:r>
+              <a:rPr lang="en-AU" sz="1200" dirty="0" smtClean="0"/>
+              <a:t>Presence or pulse output</a:t>
+            </a:r>
+            <a:endParaRPr lang="en-AU" sz="1200" dirty="0"/>
+          </a:p>
+        </p:txBody>
+      </p:sp>
+    </p:spTree>
+    <p:extLst>
+      <p:ext uri="{BB962C8B-B14F-4D97-AF65-F5344CB8AC3E}">
+        <p14:creationId xmlns:p14="http://schemas.microsoft.com/office/powerpoint/2010/main" val="104065336"/>
       </p:ext>
     </p:extLst>
   </p:cSld>

--- a/latex-thesis/figures.pptx
+++ b/latex-thesis/figures.pptx
@@ -10071,14 +10071,14 @@
           <p:nvPr>
             <p:extLst>
               <p:ext uri="{D42A27DB-BD31-4B8C-83A1-F6EECF244321}">
-                <p14:modId xmlns:p14="http://schemas.microsoft.com/office/powerpoint/2010/main" val="454414916"/>
+                <p14:modId xmlns:p14="http://schemas.microsoft.com/office/powerpoint/2010/main" val="374828449"/>
               </p:ext>
             </p:extLst>
           </p:nvPr>
         </p:nvGraphicFramePr>
         <p:xfrm>
-          <a:off x="769251" y="1726795"/>
-          <a:ext cx="8387449" cy="3337560"/>
+          <a:off x="1480451" y="151995"/>
+          <a:ext cx="8387449" cy="4282440"/>
         </p:xfrm>
         <a:graphic>
           <a:graphicData uri="http://schemas.openxmlformats.org/drawingml/2006/table">
@@ -10101,10 +10101,10 @@
                     <a:p>
                       <a:pPr algn="ctr"/>
                       <a:r>
-                        <a:rPr lang="en-AU" sz="1200" smtClean="0"/>
+                        <a:rPr lang="en-AU" sz="1200" dirty="0" smtClean="0"/>
                         <a:t>Model</a:t>
                       </a:r>
-                      <a:endParaRPr lang="en-AU" sz="1200"/>
+                      <a:endParaRPr lang="en-AU" sz="1200" dirty="0"/>
                     </a:p>
                   </a:txBody>
                   <a:tcPr>
@@ -10137,10 +10137,10 @@
                     <a:p>
                       <a:pPr algn="ctr"/>
                       <a:r>
-                        <a:rPr lang="en-AU" sz="1200" smtClean="0"/>
-                        <a:t>Characteristics</a:t>
+                        <a:rPr lang="en-AU" sz="1200" dirty="0" smtClean="0"/>
+                        <a:t>Model characteristics</a:t>
                       </a:r>
-                      <a:endParaRPr lang="en-AU" sz="1200"/>
+                      <a:endParaRPr lang="en-AU" sz="1200" dirty="0"/>
                     </a:p>
                   </a:txBody>
                   <a:tcPr>
@@ -10173,12 +10173,12 @@
                     <a:p>
                       <a:pPr algn="ctr"/>
                       <a:r>
-                        <a:rPr lang="en-AU" sz="1200" dirty="0" smtClean="0"/>
-                        <a:t>Input </a:t>
+                        <a:rPr lang="en-AU" sz="1200" baseline="0" smtClean="0"/>
+                        <a:t>Data </a:t>
                       </a:r>
                       <a:r>
                         <a:rPr lang="en-AU" sz="1200" baseline="0" dirty="0" smtClean="0"/>
-                        <a:t>data</a:t>
+                        <a:t>characteristics</a:t>
                       </a:r>
                       <a:endParaRPr lang="en-AU" sz="1200" dirty="0" smtClean="0"/>
                     </a:p>
@@ -10405,7 +10405,7 @@
                     <a:bodyPr/>
                     <a:lstStyle/>
                     <a:p>
-                      <a:endParaRPr lang="en-AU" sz="1100"/>
+                      <a:endParaRPr lang="en-AU" sz="1100" dirty="0"/>
                     </a:p>
                   </a:txBody>
                   <a:tcPr>
@@ -10505,7 +10505,33 @@
                     <a:bodyPr/>
                     <a:lstStyle/>
                     <a:p>
-                      <a:endParaRPr lang="en-AU" sz="1100"/>
+                      <a:pPr marL="171450" indent="-171450">
+                        <a:buFont typeface="Arial" charset="0"/>
+                        <a:buChar char="•"/>
+                      </a:pPr>
+                      <a:r>
+                        <a:rPr lang="en-AU" sz="1100" dirty="0" smtClean="0"/>
+                        <a:t>focus</a:t>
+                      </a:r>
+                      <a:r>
+                        <a:rPr lang="en-AU" sz="1100" baseline="0" dirty="0" smtClean="0"/>
+                        <a:t> on mean, miss the extremes</a:t>
+                      </a:r>
+                      <a:endParaRPr lang="en-AU" sz="1100" dirty="0" smtClean="0"/>
+                    </a:p>
+                    <a:p>
+                      <a:pPr marL="171450" indent="-171450">
+                        <a:buFont typeface="Arial" charset="0"/>
+                        <a:buChar char="•"/>
+                      </a:pPr>
+                      <a:r>
+                        <a:rPr lang="en-AU" sz="1100" dirty="0" smtClean="0"/>
+                        <a:t>sensitive</a:t>
+                      </a:r>
+                      <a:r>
+                        <a:rPr lang="en-AU" sz="1100" baseline="0" dirty="0" smtClean="0"/>
+                        <a:t> to missing data</a:t>
+                      </a:r>
                     </a:p>
                   </a:txBody>
                   <a:tcPr/>
@@ -10518,12 +10544,8 @@
                     <a:lstStyle/>
                     <a:p>
                       <a:r>
-                        <a:rPr lang="en-AU" sz="1100" dirty="0" err="1" smtClean="0"/>
-                        <a:t>Kalman</a:t>
-                      </a:r>
-                      <a:r>
                         <a:rPr lang="en-AU" sz="1100" dirty="0" smtClean="0"/>
-                        <a:t> filtering</a:t>
+                        <a:t>Kalman filtering</a:t>
                       </a:r>
                       <a:endParaRPr lang="en-AU" sz="1100" dirty="0"/>
                     </a:p>
@@ -10624,14 +10646,38 @@
                         <a:buChar char="•"/>
                       </a:pPr>
                       <a:r>
-                        <a:rPr lang="en-AU" sz="1100" smtClean="0"/>
+                        <a:rPr lang="en-AU" sz="1100" dirty="0" smtClean="0"/>
                         <a:t>simple</a:t>
                       </a:r>
                       <a:r>
-                        <a:rPr lang="en-AU" sz="1100" baseline="0" smtClean="0"/>
-                        <a:t> model structure</a:t>
+                        <a:rPr lang="en-AU" sz="1100" baseline="0" dirty="0" smtClean="0"/>
+                        <a:t> model </a:t>
                       </a:r>
-                      <a:endParaRPr lang="en-AU" sz="1100"/>
+                      <a:r>
+                        <a:rPr lang="en-AU" sz="1100" baseline="0" dirty="0" smtClean="0"/>
+                        <a:t>structure</a:t>
+                      </a:r>
+                    </a:p>
+                    <a:p>
+                      <a:pPr marL="171450" indent="-171450">
+                        <a:buFont typeface="Arial" charset="0"/>
+                        <a:buChar char="•"/>
+                      </a:pPr>
+                      <a:r>
+                        <a:rPr lang="en-AU" sz="1100" baseline="0" dirty="0" smtClean="0"/>
+                        <a:t>multivariate modelling</a:t>
+                      </a:r>
+                    </a:p>
+                    <a:p>
+                      <a:pPr marL="171450" indent="-171450">
+                        <a:buFont typeface="Arial" charset="0"/>
+                        <a:buChar char="•"/>
+                      </a:pPr>
+                      <a:r>
+                        <a:rPr lang="en-AU" sz="1100" baseline="0" dirty="0" smtClean="0"/>
+                        <a:t>robustness to missing data</a:t>
+                      </a:r>
+                      <a:endParaRPr lang="en-AU" sz="1100" dirty="0"/>
                     </a:p>
                   </a:txBody>
                   <a:tcPr/>
@@ -10641,7 +10687,7 @@
                     <a:bodyPr/>
                     <a:lstStyle/>
                     <a:p>
-                      <a:endParaRPr lang="en-AU" sz="1100"/>
+                      <a:endParaRPr lang="en-AU" sz="1100" dirty="0"/>
                     </a:p>
                   </a:txBody>
                   <a:tcPr/>
@@ -10692,7 +10738,7 @@
                         <a:buChar char="•"/>
                       </a:pPr>
                       <a:r>
-                        <a:rPr lang="en-AU" sz="1100" smtClean="0"/>
+                        <a:rPr lang="en-AU" sz="1100" dirty="0" smtClean="0"/>
                         <a:t>able to map complex tempo-spatial relationships</a:t>
                       </a:r>
                     </a:p>
@@ -10702,11 +10748,11 @@
                         <a:buChar char="•"/>
                       </a:pPr>
                       <a:r>
-                        <a:rPr lang="en-AU" sz="1100" smtClean="0"/>
+                        <a:rPr lang="en-AU" sz="1100" dirty="0" smtClean="0"/>
                         <a:t>multivariate</a:t>
                       </a:r>
                       <a:r>
-                        <a:rPr lang="en-AU" sz="1100" baseline="0" smtClean="0"/>
+                        <a:rPr lang="en-AU" sz="1100" baseline="0" dirty="0" smtClean="0"/>
                         <a:t> modelling</a:t>
                       </a:r>
                     </a:p>
@@ -10716,9 +10762,67 @@
                         <a:buChar char="•"/>
                       </a:pPr>
                       <a:r>
-                        <a:rPr lang="en-AU" sz="1100" baseline="0" smtClean="0"/>
-                        <a:t>accurate multistep-ahead predictions</a:t>
+                        <a:rPr lang="en-AU" sz="1100" baseline="0" dirty="0" smtClean="0"/>
+                        <a:t>accurate multistep-ahead </a:t>
                       </a:r>
+                      <a:r>
+                        <a:rPr lang="en-AU" sz="1100" baseline="0" dirty="0" smtClean="0"/>
+                        <a:t>predictions</a:t>
+                      </a:r>
+                    </a:p>
+                    <a:p>
+                      <a:pPr marL="171450" indent="-171450">
+                        <a:buFont typeface="Arial" charset="0"/>
+                        <a:buChar char="•"/>
+                      </a:pPr>
+                      <a:r>
+                        <a:rPr lang="en-AU" sz="1100" baseline="0" dirty="0" smtClean="0"/>
+                        <a:t>robustness to missing data</a:t>
+                      </a:r>
+                      <a:endParaRPr lang="en-AU" sz="1100" dirty="0"/>
+                    </a:p>
+                  </a:txBody>
+                  <a:tcPr/>
+                </a:tc>
+                <a:tc>
+                  <a:txBody>
+                    <a:bodyPr/>
+                    <a:lstStyle/>
+                    <a:p>
+                      <a:r>
+                        <a:rPr lang="en-AU" sz="1100" dirty="0" smtClean="0"/>
+                        <a:t>data and computation </a:t>
+                      </a:r>
+                      <a:r>
+                        <a:rPr lang="en-AU" sz="1100" dirty="0" smtClean="0"/>
+                        <a:t>intensive</a:t>
+                      </a:r>
+                      <a:endParaRPr lang="en-AU" sz="1100" dirty="0"/>
+                    </a:p>
+                  </a:txBody>
+                  <a:tcPr/>
+                </a:tc>
+              </a:tr>
+              <a:tr h="0">
+                <a:tc>
+                  <a:txBody>
+                    <a:bodyPr/>
+                    <a:lstStyle/>
+                    <a:p>
+                      <a:r>
+                        <a:rPr lang="en-AU" sz="1100" dirty="0" smtClean="0"/>
+                        <a:t>Bayesian networks</a:t>
+                      </a:r>
+                      <a:endParaRPr lang="en-AU" sz="1100" dirty="0"/>
+                    </a:p>
+                  </a:txBody>
+                  <a:tcPr/>
+                </a:tc>
+                <a:tc>
+                  <a:txBody>
+                    <a:bodyPr/>
+                    <a:lstStyle/>
+                    <a:p>
                       <a:endParaRPr lang="en-AU" sz="1100"/>
                     </a:p>
                   </a:txBody>
@@ -10729,11 +10833,39 @@
                     <a:bodyPr/>
                     <a:lstStyle/>
                     <a:p>
+                      <a:endParaRPr lang="en-AU" sz="1100"/>
+                    </a:p>
+                  </a:txBody>
+                  <a:tcPr/>
+                </a:tc>
+                <a:tc>
+                  <a:txBody>
+                    <a:bodyPr/>
+                    <a:lstStyle/>
+                    <a:p>
+                      <a:pPr marL="171450" indent="-171450">
+                        <a:buFont typeface="Arial" charset="0"/>
+                        <a:buChar char="•"/>
+                      </a:pPr>
                       <a:r>
-                        <a:rPr lang="en-AU" sz="1100" smtClean="0"/>
-                        <a:t>data intensive</a:t>
+                        <a:rPr lang="en-AU" sz="1100" dirty="0" smtClean="0"/>
+                        <a:t>multivariate</a:t>
                       </a:r>
-                      <a:endParaRPr lang="en-AU" sz="1100"/>
+                      <a:r>
+                        <a:rPr lang="en-AU" sz="1100" baseline="0" dirty="0" smtClean="0"/>
+                        <a:t> modelling</a:t>
+                      </a:r>
+                      <a:endParaRPr lang="en-AU" sz="1100" dirty="0"/>
+                    </a:p>
+                  </a:txBody>
+                  <a:tcPr/>
+                </a:tc>
+                <a:tc>
+                  <a:txBody>
+                    <a:bodyPr/>
+                    <a:lstStyle/>
+                    <a:p>
+                      <a:endParaRPr lang="en-AU" sz="1100" dirty="0"/>
                     </a:p>
                   </a:txBody>
                   <a:tcPr/>
@@ -10850,13 +10982,13 @@
             <p:ph idx="1"/>
             <p:extLst>
               <p:ext uri="{D42A27DB-BD31-4B8C-83A1-F6EECF244321}">
-                <p14:modId xmlns:p14="http://schemas.microsoft.com/office/powerpoint/2010/main" val="841021650"/>
+                <p14:modId xmlns:p14="http://schemas.microsoft.com/office/powerpoint/2010/main" val="2108501481"/>
               </p:ext>
             </p:extLst>
           </p:nvPr>
         </p:nvGraphicFramePr>
         <p:xfrm>
-          <a:off x="775504" y="1825625"/>
+          <a:off x="1194604" y="492125"/>
           <a:ext cx="8417248" cy="3657600"/>
         </p:xfrm>
         <a:graphic>
@@ -10902,7 +11034,7 @@
                         <a:defRPr/>
                       </a:pPr>
                       <a:r>
-                        <a:rPr lang="en-US" sz="1200" b="1" kern="1200" smtClean="0">
+                        <a:rPr lang="en-US" sz="1200" b="1" kern="1200" dirty="0" smtClean="0">
                           <a:solidFill>
                             <a:schemeClr val="bg1">
                               <a:lumMod val="95000"/>
@@ -10915,7 +11047,7 @@
                         </a:rPr>
                         <a:t>Model</a:t>
                       </a:r>
-                      <a:endParaRPr lang="en-AU" sz="1200">
+                      <a:endParaRPr lang="en-AU" sz="1200" dirty="0">
                         <a:solidFill>
                           <a:schemeClr val="bg1">
                             <a:lumMod val="95000"/>

--- a/latex-thesis/figures.pptx
+++ b/latex-thesis/figures.pptx
@@ -9,8 +9,10 @@
     <p:sldId id="259" r:id="rId3"/>
     <p:sldId id="256" r:id="rId4"/>
     <p:sldId id="257" r:id="rId5"/>
-    <p:sldId id="260" r:id="rId6"/>
-    <p:sldId id="261" r:id="rId7"/>
+    <p:sldId id="262" r:id="rId6"/>
+    <p:sldId id="263" r:id="rId7"/>
+    <p:sldId id="260" r:id="rId8"/>
+    <p:sldId id="261" r:id="rId9"/>
   </p:sldIdLst>
   <p:sldSz cx="12192000" cy="6858000"/>
   <p:notesSz cx="6858000" cy="9144000"/>
@@ -10071,13 +10073,13 @@
           <p:nvPr>
             <p:extLst>
               <p:ext uri="{D42A27DB-BD31-4B8C-83A1-F6EECF244321}">
-                <p14:modId xmlns:p14="http://schemas.microsoft.com/office/powerpoint/2010/main" val="374828449"/>
+                <p14:modId xmlns:p14="http://schemas.microsoft.com/office/powerpoint/2010/main" val="1118885491"/>
               </p:ext>
             </p:extLst>
           </p:nvPr>
         </p:nvGraphicFramePr>
         <p:xfrm>
-          <a:off x="1480451" y="151995"/>
+          <a:off x="1632851" y="405995"/>
           <a:ext cx="8387449" cy="4282440"/>
         </p:xfrm>
         <a:graphic>
@@ -10173,12 +10175,8 @@
                     <a:p>
                       <a:pPr algn="ctr"/>
                       <a:r>
-                        <a:rPr lang="en-AU" sz="1200" baseline="0" smtClean="0"/>
-                        <a:t>Data </a:t>
-                      </a:r>
-                      <a:r>
                         <a:rPr lang="en-AU" sz="1200" baseline="0" dirty="0" smtClean="0"/>
-                        <a:t>characteristics</a:t>
+                        <a:t>Data characteristics</a:t>
                       </a:r>
                       <a:endParaRPr lang="en-AU" sz="1200" dirty="0" smtClean="0"/>
                     </a:p>
@@ -10982,14 +10980,14 @@
             <p:ph idx="1"/>
             <p:extLst>
               <p:ext uri="{D42A27DB-BD31-4B8C-83A1-F6EECF244321}">
-                <p14:modId xmlns:p14="http://schemas.microsoft.com/office/powerpoint/2010/main" val="2108501481"/>
+                <p14:modId xmlns:p14="http://schemas.microsoft.com/office/powerpoint/2010/main" val="124551257"/>
               </p:ext>
             </p:extLst>
           </p:nvPr>
         </p:nvGraphicFramePr>
         <p:xfrm>
-          <a:off x="1194604" y="492125"/>
-          <a:ext cx="8417248" cy="3657600"/>
+          <a:off x="1194604" y="492129"/>
+          <a:ext cx="8071448" cy="3710592"/>
         </p:xfrm>
         <a:graphic>
           <a:graphicData uri="http://schemas.openxmlformats.org/drawingml/2006/table">
@@ -10999,18 +10997,17 @@
               </a:tblPr>
               <a:tblGrid>
                 <a:gridCol w="1968818"/>
-                <a:gridCol w="644843"/>
-                <a:gridCol w="644843"/>
-                <a:gridCol w="644843"/>
-                <a:gridCol w="644843"/>
-                <a:gridCol w="644843"/>
-                <a:gridCol w="644843"/>
-                <a:gridCol w="644843"/>
-                <a:gridCol w="644843"/>
-                <a:gridCol w="644843"/>
-                <a:gridCol w="644843"/>
+                <a:gridCol w="678070"/>
+                <a:gridCol w="678070"/>
+                <a:gridCol w="678070"/>
+                <a:gridCol w="678070"/>
+                <a:gridCol w="678070"/>
+                <a:gridCol w="678070"/>
+                <a:gridCol w="678070"/>
+                <a:gridCol w="678070"/>
+                <a:gridCol w="678070"/>
               </a:tblGrid>
-              <a:tr h="153646">
+              <a:tr h="286941">
                 <a:tc>
                   <a:txBody>
                     <a:bodyPr/>
@@ -11079,12 +11076,302 @@
                     </a:lnBlToTr>
                   </a:tcPr>
                 </a:tc>
-                <a:tc gridSpan="2">
-                  <a:txBody>
-                    <a:bodyPr/>
-                    <a:lstStyle/>
-                    <a:p>
-                      <a:pPr marL="0" marR="0" indent="0" algn="ctr" defTabSz="914400" rtl="0" eaLnBrk="1" fontAlgn="auto" latinLnBrk="0" hangingPunct="1">
+                <a:tc gridSpan="3">
+                  <a:txBody>
+                    <a:bodyPr/>
+                    <a:lstStyle/>
+                    <a:p>
+                      <a:pPr algn="ctr"/>
+                      <a:r>
+                        <a:rPr lang="en-AU" sz="1200" dirty="0" smtClean="0">
+                          <a:solidFill>
+                            <a:schemeClr val="bg1">
+                              <a:lumMod val="95000"/>
+                            </a:schemeClr>
+                          </a:solidFill>
+                        </a:rPr>
+                        <a:t>MAE</a:t>
+                      </a:r>
+                      <a:endParaRPr lang="en-AU" sz="1200" dirty="0">
+                        <a:solidFill>
+                          <a:schemeClr val="bg1">
+                            <a:lumMod val="95000"/>
+                          </a:schemeClr>
+                        </a:solidFill>
+                      </a:endParaRPr>
+                    </a:p>
+                  </a:txBody>
+                  <a:tcPr>
+                    <a:lnL w="12700" cmpd="sng">
+                      <a:noFill/>
+                    </a:lnL>
+                    <a:lnR w="12700" cmpd="sng">
+                      <a:noFill/>
+                    </a:lnR>
+                    <a:lnT w="12700" cmpd="sng">
+                      <a:noFill/>
+                    </a:lnT>
+                    <a:lnB w="38100" cmpd="sng">
+                      <a:noFill/>
+                    </a:lnB>
+                    <a:lnTlToBr w="12700" cmpd="sng">
+                      <a:noFill/>
+                      <a:prstDash val="solid"/>
+                    </a:lnTlToBr>
+                    <a:lnBlToTr w="12700" cmpd="sng">
+                      <a:noFill/>
+                      <a:prstDash val="solid"/>
+                    </a:lnBlToTr>
+                  </a:tcPr>
+                </a:tc>
+                <a:tc hMerge="1">
+                  <a:txBody>
+                    <a:bodyPr/>
+                    <a:lstStyle/>
+                    <a:p>
+                      <a:endParaRPr lang="en-AU" sz="1200" dirty="0"/>
+                    </a:p>
+                  </a:txBody>
+                  <a:tcPr/>
+                </a:tc>
+                <a:tc hMerge="1">
+                  <a:txBody>
+                    <a:bodyPr/>
+                    <a:lstStyle/>
+                    <a:p>
+                      <a:pPr algn="ctr"/>
+                      <a:endParaRPr lang="en-AU" sz="1200" dirty="0">
+                        <a:solidFill>
+                          <a:schemeClr val="bg1">
+                            <a:lumMod val="95000"/>
+                          </a:schemeClr>
+                        </a:solidFill>
+                      </a:endParaRPr>
+                    </a:p>
+                  </a:txBody>
+                  <a:tcPr>
+                    <a:lnL w="12700" cmpd="sng">
+                      <a:noFill/>
+                    </a:lnL>
+                    <a:lnR w="12700" cmpd="sng">
+                      <a:noFill/>
+                    </a:lnR>
+                    <a:lnT w="12700" cmpd="sng">
+                      <a:noFill/>
+                    </a:lnT>
+                    <a:lnB w="38100" cmpd="sng">
+                      <a:noFill/>
+                    </a:lnB>
+                    <a:lnTlToBr w="12700" cmpd="sng">
+                      <a:noFill/>
+                      <a:prstDash val="solid"/>
+                    </a:lnTlToBr>
+                    <a:lnBlToTr w="12700" cmpd="sng">
+                      <a:noFill/>
+                      <a:prstDash val="solid"/>
+                    </a:lnBlToTr>
+                  </a:tcPr>
+                </a:tc>
+                <a:tc gridSpan="3">
+                  <a:txBody>
+                    <a:bodyPr/>
+                    <a:lstStyle/>
+                    <a:p>
+                      <a:pPr algn="ctr"/>
+                      <a:r>
+                        <a:rPr lang="en-AU" sz="1200" dirty="0" smtClean="0">
+                          <a:solidFill>
+                            <a:schemeClr val="bg1">
+                              <a:lumMod val="95000"/>
+                            </a:schemeClr>
+                          </a:solidFill>
+                        </a:rPr>
+                        <a:t>RMSE</a:t>
+                      </a:r>
+                      <a:endParaRPr lang="en-AU" sz="1200" dirty="0">
+                        <a:solidFill>
+                          <a:schemeClr val="bg1">
+                            <a:lumMod val="95000"/>
+                          </a:schemeClr>
+                        </a:solidFill>
+                      </a:endParaRPr>
+                    </a:p>
+                  </a:txBody>
+                  <a:tcPr>
+                    <a:lnL w="12700" cmpd="sng">
+                      <a:noFill/>
+                    </a:lnL>
+                    <a:lnR w="12700" cmpd="sng">
+                      <a:noFill/>
+                    </a:lnR>
+                    <a:lnT w="12700" cmpd="sng">
+                      <a:noFill/>
+                    </a:lnT>
+                    <a:lnB w="38100" cmpd="sng">
+                      <a:noFill/>
+                    </a:lnB>
+                    <a:lnTlToBr w="12700" cmpd="sng">
+                      <a:noFill/>
+                      <a:prstDash val="solid"/>
+                    </a:lnTlToBr>
+                    <a:lnBlToTr w="12700" cmpd="sng">
+                      <a:noFill/>
+                      <a:prstDash val="solid"/>
+                    </a:lnBlToTr>
+                  </a:tcPr>
+                </a:tc>
+                <a:tc hMerge="1">
+                  <a:txBody>
+                    <a:bodyPr/>
+                    <a:lstStyle/>
+                    <a:p>
+                      <a:endParaRPr lang="en-AU" sz="1200" dirty="0"/>
+                    </a:p>
+                  </a:txBody>
+                  <a:tcPr/>
+                </a:tc>
+                <a:tc hMerge="1">
+                  <a:txBody>
+                    <a:bodyPr/>
+                    <a:lstStyle/>
+                    <a:p>
+                      <a:pPr algn="ctr"/>
+                      <a:endParaRPr lang="en-AU" sz="1200" dirty="0">
+                        <a:solidFill>
+                          <a:schemeClr val="bg1">
+                            <a:lumMod val="95000"/>
+                          </a:schemeClr>
+                        </a:solidFill>
+                      </a:endParaRPr>
+                    </a:p>
+                  </a:txBody>
+                  <a:tcPr>
+                    <a:lnL w="12700" cmpd="sng">
+                      <a:noFill/>
+                    </a:lnL>
+                    <a:lnR w="12700" cmpd="sng">
+                      <a:noFill/>
+                    </a:lnR>
+                    <a:lnT w="12700" cmpd="sng">
+                      <a:noFill/>
+                    </a:lnT>
+                    <a:lnB w="38100" cmpd="sng">
+                      <a:noFill/>
+                    </a:lnB>
+                    <a:lnTlToBr w="12700" cmpd="sng">
+                      <a:noFill/>
+                      <a:prstDash val="solid"/>
+                    </a:lnTlToBr>
+                    <a:lnBlToTr w="12700" cmpd="sng">
+                      <a:noFill/>
+                      <a:prstDash val="solid"/>
+                    </a:lnBlToTr>
+                  </a:tcPr>
+                </a:tc>
+                <a:tc gridSpan="3">
+                  <a:txBody>
+                    <a:bodyPr/>
+                    <a:lstStyle/>
+                    <a:p>
+                      <a:pPr algn="ctr"/>
+                      <a:r>
+                        <a:rPr lang="en-AU" sz="1200" dirty="0" smtClean="0">
+                          <a:solidFill>
+                            <a:schemeClr val="bg1">
+                              <a:lumMod val="95000"/>
+                            </a:schemeClr>
+                          </a:solidFill>
+                        </a:rPr>
+                        <a:t>MAPE</a:t>
+                      </a:r>
+                      <a:endParaRPr lang="en-AU" sz="1200" dirty="0">
+                        <a:solidFill>
+                          <a:schemeClr val="bg1">
+                            <a:lumMod val="95000"/>
+                          </a:schemeClr>
+                        </a:solidFill>
+                      </a:endParaRPr>
+                    </a:p>
+                  </a:txBody>
+                  <a:tcPr>
+                    <a:lnL w="12700" cmpd="sng">
+                      <a:noFill/>
+                    </a:lnL>
+                    <a:lnR w="12700" cmpd="sng">
+                      <a:noFill/>
+                    </a:lnR>
+                    <a:lnT w="12700" cmpd="sng">
+                      <a:noFill/>
+                    </a:lnT>
+                    <a:lnB w="38100" cmpd="sng">
+                      <a:noFill/>
+                    </a:lnB>
+                    <a:lnTlToBr w="12700" cmpd="sng">
+                      <a:noFill/>
+                      <a:prstDash val="solid"/>
+                    </a:lnTlToBr>
+                    <a:lnBlToTr w="12700" cmpd="sng">
+                      <a:noFill/>
+                      <a:prstDash val="solid"/>
+                    </a:lnBlToTr>
+                  </a:tcPr>
+                </a:tc>
+                <a:tc hMerge="1">
+                  <a:txBody>
+                    <a:bodyPr/>
+                    <a:lstStyle/>
+                    <a:p>
+                      <a:endParaRPr lang="en-AU" sz="1200" dirty="0"/>
+                    </a:p>
+                  </a:txBody>
+                  <a:tcPr/>
+                </a:tc>
+                <a:tc hMerge="1">
+                  <a:txBody>
+                    <a:bodyPr/>
+                    <a:lstStyle/>
+                    <a:p>
+                      <a:pPr algn="ctr"/>
+                      <a:endParaRPr lang="en-AU" sz="1200" dirty="0">
+                        <a:solidFill>
+                          <a:schemeClr val="bg1">
+                            <a:lumMod val="95000"/>
+                          </a:schemeClr>
+                        </a:solidFill>
+                      </a:endParaRPr>
+                    </a:p>
+                  </a:txBody>
+                  <a:tcPr>
+                    <a:lnL w="12700" cmpd="sng">
+                      <a:noFill/>
+                    </a:lnL>
+                    <a:lnR w="12700" cmpd="sng">
+                      <a:noFill/>
+                    </a:lnR>
+                    <a:lnT w="12700" cmpd="sng">
+                      <a:noFill/>
+                    </a:lnT>
+                    <a:lnB w="38100" cmpd="sng">
+                      <a:noFill/>
+                    </a:lnB>
+                    <a:lnTlToBr w="12700" cmpd="sng">
+                      <a:noFill/>
+                      <a:prstDash val="solid"/>
+                    </a:lnTlToBr>
+                    <a:lnBlToTr w="12700" cmpd="sng">
+                      <a:noFill/>
+                      <a:prstDash val="solid"/>
+                    </a:lnBlToTr>
+                  </a:tcPr>
+                </a:tc>
+              </a:tr>
+              <a:tr h="286941">
+                <a:tc>
+                  <a:txBody>
+                    <a:bodyPr/>
+                    <a:lstStyle/>
+                    <a:p>
+                      <a:pPr marL="0" marR="0" indent="0" algn="l" defTabSz="914400" rtl="0" eaLnBrk="1" fontAlgn="auto" latinLnBrk="0" hangingPunct="1">
                         <a:lnSpc>
                           <a:spcPct val="100000"/>
                         </a:lnSpc>
@@ -11101,336 +11388,7 @@
                         <a:tabLst/>
                         <a:defRPr/>
                       </a:pPr>
-                      <a:r>
-                        <a:rPr lang="en-US" sz="1200" b="1" kern="1200" dirty="0" smtClean="0">
-                          <a:solidFill>
-                            <a:schemeClr val="bg1">
-                              <a:lumMod val="95000"/>
-                            </a:schemeClr>
-                          </a:solidFill>
-                          <a:effectLst/>
-                          <a:latin typeface="+mn-lt"/>
-                          <a:ea typeface="+mn-ea"/>
-                          <a:cs typeface="+mn-cs"/>
-                        </a:rPr>
-                        <a:t>ME</a:t>
-                      </a:r>
-                      <a:endParaRPr lang="en-AU" sz="1200" dirty="0">
-                        <a:solidFill>
-                          <a:schemeClr val="bg1">
-                            <a:lumMod val="95000"/>
-                          </a:schemeClr>
-                        </a:solidFill>
-                      </a:endParaRPr>
-                    </a:p>
-                  </a:txBody>
-                  <a:tcPr>
-                    <a:lnL w="12700" cmpd="sng">
-                      <a:noFill/>
-                    </a:lnL>
-                    <a:lnR w="12700" cmpd="sng">
-                      <a:noFill/>
-                    </a:lnR>
-                    <a:lnT w="12700" cmpd="sng">
-                      <a:noFill/>
-                    </a:lnT>
-                    <a:lnB w="38100" cmpd="sng">
-                      <a:noFill/>
-                    </a:lnB>
-                    <a:lnTlToBr w="12700" cmpd="sng">
-                      <a:noFill/>
-                      <a:prstDash val="solid"/>
-                    </a:lnTlToBr>
-                    <a:lnBlToTr w="12700" cmpd="sng">
-                      <a:noFill/>
-                      <a:prstDash val="solid"/>
-                    </a:lnBlToTr>
-                  </a:tcPr>
-                </a:tc>
-                <a:tc hMerge="1">
-                  <a:txBody>
-                    <a:bodyPr/>
-                    <a:lstStyle/>
-                    <a:p>
-                      <a:pPr marL="0" marR="0" indent="0" algn="l" defTabSz="914400" rtl="0" eaLnBrk="1" fontAlgn="auto" latinLnBrk="0" hangingPunct="1">
-                        <a:lnSpc>
-                          <a:spcPct val="100000"/>
-                        </a:lnSpc>
-                        <a:spcBef>
-                          <a:spcPts val="0"/>
-                        </a:spcBef>
-                        <a:spcAft>
-                          <a:spcPts val="0"/>
-                        </a:spcAft>
-                        <a:buClrTx/>
-                        <a:buSzTx/>
-                        <a:buFontTx/>
-                        <a:buNone/>
-                        <a:tabLst/>
-                        <a:defRPr/>
-                      </a:pPr>
-                      <a:endParaRPr lang="en-AU" sz="1200" dirty="0"/>
-                    </a:p>
-                  </a:txBody>
-                  <a:tcPr/>
-                </a:tc>
-                <a:tc gridSpan="2">
-                  <a:txBody>
-                    <a:bodyPr/>
-                    <a:lstStyle/>
-                    <a:p>
-                      <a:pPr algn="ctr"/>
-                      <a:r>
-                        <a:rPr lang="en-AU" sz="1200" smtClean="0">
-                          <a:solidFill>
-                            <a:schemeClr val="bg1">
-                              <a:lumMod val="95000"/>
-                            </a:schemeClr>
-                          </a:solidFill>
-                        </a:rPr>
-                        <a:t>MAE</a:t>
-                      </a:r>
-                      <a:endParaRPr lang="en-AU" sz="1200">
-                        <a:solidFill>
-                          <a:schemeClr val="bg1">
-                            <a:lumMod val="95000"/>
-                          </a:schemeClr>
-                        </a:solidFill>
-                      </a:endParaRPr>
-                    </a:p>
-                  </a:txBody>
-                  <a:tcPr>
-                    <a:lnL w="12700" cmpd="sng">
-                      <a:noFill/>
-                    </a:lnL>
-                    <a:lnR w="12700" cmpd="sng">
-                      <a:noFill/>
-                    </a:lnR>
-                    <a:lnT w="12700" cmpd="sng">
-                      <a:noFill/>
-                    </a:lnT>
-                    <a:lnB w="38100" cmpd="sng">
-                      <a:noFill/>
-                    </a:lnB>
-                    <a:lnTlToBr w="12700" cmpd="sng">
-                      <a:noFill/>
-                      <a:prstDash val="solid"/>
-                    </a:lnTlToBr>
-                    <a:lnBlToTr w="12700" cmpd="sng">
-                      <a:noFill/>
-                      <a:prstDash val="solid"/>
-                    </a:lnBlToTr>
-                  </a:tcPr>
-                </a:tc>
-                <a:tc hMerge="1">
-                  <a:txBody>
-                    <a:bodyPr/>
-                    <a:lstStyle/>
-                    <a:p>
-                      <a:endParaRPr lang="en-AU" sz="1200" dirty="0"/>
-                    </a:p>
-                  </a:txBody>
-                  <a:tcPr/>
-                </a:tc>
-                <a:tc gridSpan="2">
-                  <a:txBody>
-                    <a:bodyPr/>
-                    <a:lstStyle/>
-                    <a:p>
-                      <a:pPr algn="ctr"/>
-                      <a:r>
-                        <a:rPr lang="en-AU" sz="1200" smtClean="0">
-                          <a:solidFill>
-                            <a:schemeClr val="bg1">
-                              <a:lumMod val="95000"/>
-                            </a:schemeClr>
-                          </a:solidFill>
-                        </a:rPr>
-                        <a:t>RMSE</a:t>
-                      </a:r>
-                      <a:endParaRPr lang="en-AU" sz="1200">
-                        <a:solidFill>
-                          <a:schemeClr val="bg1">
-                            <a:lumMod val="95000"/>
-                          </a:schemeClr>
-                        </a:solidFill>
-                      </a:endParaRPr>
-                    </a:p>
-                  </a:txBody>
-                  <a:tcPr>
-                    <a:lnL w="12700" cmpd="sng">
-                      <a:noFill/>
-                    </a:lnL>
-                    <a:lnR w="12700" cmpd="sng">
-                      <a:noFill/>
-                    </a:lnR>
-                    <a:lnT w="12700" cmpd="sng">
-                      <a:noFill/>
-                    </a:lnT>
-                    <a:lnB w="38100" cmpd="sng">
-                      <a:noFill/>
-                    </a:lnB>
-                    <a:lnTlToBr w="12700" cmpd="sng">
-                      <a:noFill/>
-                      <a:prstDash val="solid"/>
-                    </a:lnTlToBr>
-                    <a:lnBlToTr w="12700" cmpd="sng">
-                      <a:noFill/>
-                      <a:prstDash val="solid"/>
-                    </a:lnBlToTr>
-                  </a:tcPr>
-                </a:tc>
-                <a:tc hMerge="1">
-                  <a:txBody>
-                    <a:bodyPr/>
-                    <a:lstStyle/>
-                    <a:p>
-                      <a:endParaRPr lang="en-AU" sz="1200" dirty="0"/>
-                    </a:p>
-                  </a:txBody>
-                  <a:tcPr/>
-                </a:tc>
-                <a:tc gridSpan="2">
-                  <a:txBody>
-                    <a:bodyPr/>
-                    <a:lstStyle/>
-                    <a:p>
-                      <a:pPr algn="ctr"/>
-                      <a:r>
-                        <a:rPr lang="en-AU" sz="1200" smtClean="0">
-                          <a:solidFill>
-                            <a:schemeClr val="bg1">
-                              <a:lumMod val="95000"/>
-                            </a:schemeClr>
-                          </a:solidFill>
-                        </a:rPr>
-                        <a:t>MPE</a:t>
-                      </a:r>
-                      <a:endParaRPr lang="en-AU" sz="1200">
-                        <a:solidFill>
-                          <a:schemeClr val="bg1">
-                            <a:lumMod val="95000"/>
-                          </a:schemeClr>
-                        </a:solidFill>
-                      </a:endParaRPr>
-                    </a:p>
-                  </a:txBody>
-                  <a:tcPr>
-                    <a:lnL w="12700" cmpd="sng">
-                      <a:noFill/>
-                    </a:lnL>
-                    <a:lnR w="12700" cmpd="sng">
-                      <a:noFill/>
-                    </a:lnR>
-                    <a:lnT w="12700" cmpd="sng">
-                      <a:noFill/>
-                    </a:lnT>
-                    <a:lnB w="38100" cmpd="sng">
-                      <a:noFill/>
-                    </a:lnB>
-                    <a:lnTlToBr w="12700" cmpd="sng">
-                      <a:noFill/>
-                      <a:prstDash val="solid"/>
-                    </a:lnTlToBr>
-                    <a:lnBlToTr w="12700" cmpd="sng">
-                      <a:noFill/>
-                      <a:prstDash val="solid"/>
-                    </a:lnBlToTr>
-                  </a:tcPr>
-                </a:tc>
-                <a:tc hMerge="1">
-                  <a:txBody>
-                    <a:bodyPr/>
-                    <a:lstStyle/>
-                    <a:p>
-                      <a:endParaRPr lang="en-AU" sz="1200" dirty="0"/>
-                    </a:p>
-                  </a:txBody>
-                  <a:tcPr/>
-                </a:tc>
-                <a:tc gridSpan="2">
-                  <a:txBody>
-                    <a:bodyPr/>
-                    <a:lstStyle/>
-                    <a:p>
-                      <a:pPr algn="ctr"/>
-                      <a:r>
-                        <a:rPr lang="en-AU" sz="1200" smtClean="0">
-                          <a:solidFill>
-                            <a:schemeClr val="bg1">
-                              <a:lumMod val="95000"/>
-                            </a:schemeClr>
-                          </a:solidFill>
-                        </a:rPr>
-                        <a:t>MAPE</a:t>
-                      </a:r>
-                      <a:endParaRPr lang="en-AU" sz="1200">
-                        <a:solidFill>
-                          <a:schemeClr val="bg1">
-                            <a:lumMod val="95000"/>
-                          </a:schemeClr>
-                        </a:solidFill>
-                      </a:endParaRPr>
-                    </a:p>
-                  </a:txBody>
-                  <a:tcPr>
-                    <a:lnL w="12700" cmpd="sng">
-                      <a:noFill/>
-                    </a:lnL>
-                    <a:lnR w="12700" cmpd="sng">
-                      <a:noFill/>
-                    </a:lnR>
-                    <a:lnT w="12700" cmpd="sng">
-                      <a:noFill/>
-                    </a:lnT>
-                    <a:lnB w="38100" cmpd="sng">
-                      <a:noFill/>
-                    </a:lnB>
-                    <a:lnTlToBr w="12700" cmpd="sng">
-                      <a:noFill/>
-                      <a:prstDash val="solid"/>
-                    </a:lnTlToBr>
-                    <a:lnBlToTr w="12700" cmpd="sng">
-                      <a:noFill/>
-                      <a:prstDash val="solid"/>
-                    </a:lnBlToTr>
-                  </a:tcPr>
-                </a:tc>
-                <a:tc hMerge="1">
-                  <a:txBody>
-                    <a:bodyPr/>
-                    <a:lstStyle/>
-                    <a:p>
-                      <a:endParaRPr lang="en-AU" sz="1200" dirty="0"/>
-                    </a:p>
-                  </a:txBody>
-                  <a:tcPr/>
-                </a:tc>
-              </a:tr>
-              <a:tr h="153646">
-                <a:tc>
-                  <a:txBody>
-                    <a:bodyPr/>
-                    <a:lstStyle/>
-                    <a:p>
-                      <a:pPr marL="0" marR="0" indent="0" algn="l" defTabSz="914400" rtl="0" eaLnBrk="1" fontAlgn="auto" latinLnBrk="0" hangingPunct="1">
-                        <a:lnSpc>
-                          <a:spcPct val="100000"/>
-                        </a:lnSpc>
-                        <a:spcBef>
-                          <a:spcPts val="0"/>
-                        </a:spcBef>
-                        <a:spcAft>
-                          <a:spcPts val="0"/>
-                        </a:spcAft>
-                        <a:buClrTx/>
-                        <a:buSzTx/>
-                        <a:buFontTx/>
-                        <a:buNone/>
-                        <a:tabLst/>
-                        <a:defRPr/>
-                      </a:pPr>
-                      <a:endParaRPr lang="en-AU" sz="1200" b="1" kern="1200">
+                      <a:endParaRPr lang="en-AU" sz="1200" b="1" kern="1200" dirty="0">
                         <a:solidFill>
                           <a:schemeClr val="bg1">
                             <a:lumMod val="95000"/>
@@ -11473,7 +11431,1872 @@
                     <a:bodyPr/>
                     <a:lstStyle/>
                     <a:p>
-                      <a:pPr marL="0" marR="0" indent="0" algn="l" defTabSz="914400" rtl="0" eaLnBrk="1" fontAlgn="auto" latinLnBrk="0" hangingPunct="1">
+                      <a:r>
+                        <a:rPr lang="en-AU" sz="1200" smtClean="0">
+                          <a:solidFill>
+                            <a:schemeClr val="bg1">
+                              <a:lumMod val="95000"/>
+                            </a:schemeClr>
+                          </a:solidFill>
+                        </a:rPr>
+                        <a:t>15 min</a:t>
+                      </a:r>
+                      <a:endParaRPr lang="en-AU" sz="1200">
+                        <a:solidFill>
+                          <a:schemeClr val="bg1">
+                            <a:lumMod val="95000"/>
+                          </a:schemeClr>
+                        </a:solidFill>
+                      </a:endParaRPr>
+                    </a:p>
+                  </a:txBody>
+                  <a:tcPr>
+                    <a:lnL w="12700" cmpd="sng">
+                      <a:noFill/>
+                    </a:lnL>
+                    <a:lnR w="12700" cmpd="sng">
+                      <a:noFill/>
+                    </a:lnR>
+                    <a:lnT w="38100" cmpd="sng">
+                      <a:noFill/>
+                    </a:lnT>
+                    <a:lnB w="12700" cmpd="sng">
+                      <a:noFill/>
+                    </a:lnB>
+                    <a:lnTlToBr w="12700" cmpd="sng">
+                      <a:noFill/>
+                      <a:prstDash val="solid"/>
+                    </a:lnTlToBr>
+                    <a:lnBlToTr w="12700" cmpd="sng">
+                      <a:noFill/>
+                      <a:prstDash val="solid"/>
+                    </a:lnBlToTr>
+                    <a:solidFill>
+                      <a:schemeClr val="accent1"/>
+                    </a:solidFill>
+                  </a:tcPr>
+                </a:tc>
+                <a:tc>
+                  <a:txBody>
+                    <a:bodyPr/>
+                    <a:lstStyle/>
+                    <a:p>
+                      <a:r>
+                        <a:rPr lang="en-AU" sz="1200" dirty="0" smtClean="0">
+                          <a:solidFill>
+                            <a:schemeClr val="bg1">
+                              <a:lumMod val="95000"/>
+                            </a:schemeClr>
+                          </a:solidFill>
+                        </a:rPr>
+                        <a:t>30 min</a:t>
+                      </a:r>
+                      <a:endParaRPr lang="en-AU" sz="1200" dirty="0">
+                        <a:solidFill>
+                          <a:schemeClr val="bg1">
+                            <a:lumMod val="95000"/>
+                          </a:schemeClr>
+                        </a:solidFill>
+                      </a:endParaRPr>
+                    </a:p>
+                  </a:txBody>
+                  <a:tcPr>
+                    <a:lnL w="12700" cmpd="sng">
+                      <a:noFill/>
+                    </a:lnL>
+                    <a:lnR w="12700" cmpd="sng">
+                      <a:noFill/>
+                    </a:lnR>
+                    <a:lnT w="38100" cmpd="sng">
+                      <a:noFill/>
+                    </a:lnT>
+                    <a:lnB w="12700" cmpd="sng">
+                      <a:noFill/>
+                    </a:lnB>
+                    <a:lnTlToBr w="12700" cmpd="sng">
+                      <a:noFill/>
+                      <a:prstDash val="solid"/>
+                    </a:lnTlToBr>
+                    <a:lnBlToTr w="12700" cmpd="sng">
+                      <a:noFill/>
+                      <a:prstDash val="solid"/>
+                    </a:lnBlToTr>
+                    <a:solidFill>
+                      <a:schemeClr val="accent1"/>
+                    </a:solidFill>
+                  </a:tcPr>
+                </a:tc>
+                <a:tc>
+                  <a:txBody>
+                    <a:bodyPr/>
+                    <a:lstStyle/>
+                    <a:p>
+                      <a:r>
+                        <a:rPr lang="en-AU" sz="1200" dirty="0" smtClean="0">
+                          <a:solidFill>
+                            <a:schemeClr val="bg1">
+                              <a:lumMod val="95000"/>
+                            </a:schemeClr>
+                          </a:solidFill>
+                        </a:rPr>
+                        <a:t>45 min</a:t>
+                      </a:r>
+                      <a:endParaRPr lang="en-AU" sz="1200" dirty="0">
+                        <a:solidFill>
+                          <a:schemeClr val="bg1">
+                            <a:lumMod val="95000"/>
+                          </a:schemeClr>
+                        </a:solidFill>
+                      </a:endParaRPr>
+                    </a:p>
+                  </a:txBody>
+                  <a:tcPr>
+                    <a:lnL w="12700" cmpd="sng">
+                      <a:noFill/>
+                    </a:lnL>
+                    <a:lnR w="12700" cmpd="sng">
+                      <a:noFill/>
+                    </a:lnR>
+                    <a:lnT w="38100" cmpd="sng">
+                      <a:noFill/>
+                    </a:lnT>
+                    <a:lnB w="12700" cmpd="sng">
+                      <a:noFill/>
+                    </a:lnB>
+                    <a:lnTlToBr w="12700" cmpd="sng">
+                      <a:noFill/>
+                      <a:prstDash val="solid"/>
+                    </a:lnTlToBr>
+                    <a:lnBlToTr w="12700" cmpd="sng">
+                      <a:noFill/>
+                      <a:prstDash val="solid"/>
+                    </a:lnBlToTr>
+                    <a:solidFill>
+                      <a:schemeClr val="accent1"/>
+                    </a:solidFill>
+                  </a:tcPr>
+                </a:tc>
+                <a:tc>
+                  <a:txBody>
+                    <a:bodyPr/>
+                    <a:lstStyle/>
+                    <a:p>
+                      <a:r>
+                        <a:rPr lang="en-AU" sz="1200" smtClean="0">
+                          <a:solidFill>
+                            <a:schemeClr val="bg1">
+                              <a:lumMod val="95000"/>
+                            </a:schemeClr>
+                          </a:solidFill>
+                        </a:rPr>
+                        <a:t>15 min</a:t>
+                      </a:r>
+                      <a:endParaRPr lang="en-AU" sz="1200">
+                        <a:solidFill>
+                          <a:schemeClr val="bg1">
+                            <a:lumMod val="95000"/>
+                          </a:schemeClr>
+                        </a:solidFill>
+                      </a:endParaRPr>
+                    </a:p>
+                  </a:txBody>
+                  <a:tcPr>
+                    <a:lnL w="12700" cmpd="sng">
+                      <a:noFill/>
+                    </a:lnL>
+                    <a:lnR w="12700" cmpd="sng">
+                      <a:noFill/>
+                    </a:lnR>
+                    <a:lnT w="38100" cmpd="sng">
+                      <a:noFill/>
+                    </a:lnT>
+                    <a:lnB w="12700" cmpd="sng">
+                      <a:noFill/>
+                    </a:lnB>
+                    <a:lnTlToBr w="12700" cmpd="sng">
+                      <a:noFill/>
+                      <a:prstDash val="solid"/>
+                    </a:lnTlToBr>
+                    <a:lnBlToTr w="12700" cmpd="sng">
+                      <a:noFill/>
+                      <a:prstDash val="solid"/>
+                    </a:lnBlToTr>
+                    <a:solidFill>
+                      <a:schemeClr val="accent1"/>
+                    </a:solidFill>
+                  </a:tcPr>
+                </a:tc>
+                <a:tc>
+                  <a:txBody>
+                    <a:bodyPr/>
+                    <a:lstStyle/>
+                    <a:p>
+                      <a:r>
+                        <a:rPr lang="en-AU" sz="1200" dirty="0" smtClean="0">
+                          <a:solidFill>
+                            <a:schemeClr val="bg1">
+                              <a:lumMod val="95000"/>
+                            </a:schemeClr>
+                          </a:solidFill>
+                        </a:rPr>
+                        <a:t>30 min</a:t>
+                      </a:r>
+                      <a:endParaRPr lang="en-AU" sz="1200" dirty="0">
+                        <a:solidFill>
+                          <a:schemeClr val="bg1">
+                            <a:lumMod val="95000"/>
+                          </a:schemeClr>
+                        </a:solidFill>
+                      </a:endParaRPr>
+                    </a:p>
+                  </a:txBody>
+                  <a:tcPr>
+                    <a:lnL w="12700" cmpd="sng">
+                      <a:noFill/>
+                    </a:lnL>
+                    <a:lnR w="12700" cmpd="sng">
+                      <a:noFill/>
+                    </a:lnR>
+                    <a:lnT w="38100" cmpd="sng">
+                      <a:noFill/>
+                    </a:lnT>
+                    <a:lnB w="12700" cmpd="sng">
+                      <a:noFill/>
+                    </a:lnB>
+                    <a:lnTlToBr w="12700" cmpd="sng">
+                      <a:noFill/>
+                      <a:prstDash val="solid"/>
+                    </a:lnTlToBr>
+                    <a:lnBlToTr w="12700" cmpd="sng">
+                      <a:noFill/>
+                      <a:prstDash val="solid"/>
+                    </a:lnBlToTr>
+                    <a:solidFill>
+                      <a:schemeClr val="accent1"/>
+                    </a:solidFill>
+                  </a:tcPr>
+                </a:tc>
+                <a:tc>
+                  <a:txBody>
+                    <a:bodyPr/>
+                    <a:lstStyle/>
+                    <a:p>
+                      <a:r>
+                        <a:rPr lang="en-AU" sz="1200" dirty="0" smtClean="0">
+                          <a:solidFill>
+                            <a:schemeClr val="bg1">
+                              <a:lumMod val="95000"/>
+                            </a:schemeClr>
+                          </a:solidFill>
+                        </a:rPr>
+                        <a:t>45 min</a:t>
+                      </a:r>
+                      <a:endParaRPr lang="en-AU" sz="1200" dirty="0">
+                        <a:solidFill>
+                          <a:schemeClr val="bg1">
+                            <a:lumMod val="95000"/>
+                          </a:schemeClr>
+                        </a:solidFill>
+                      </a:endParaRPr>
+                    </a:p>
+                  </a:txBody>
+                  <a:tcPr>
+                    <a:lnL w="12700" cmpd="sng">
+                      <a:noFill/>
+                    </a:lnL>
+                    <a:lnR w="12700" cmpd="sng">
+                      <a:noFill/>
+                    </a:lnR>
+                    <a:lnT w="38100" cmpd="sng">
+                      <a:noFill/>
+                    </a:lnT>
+                    <a:lnB w="12700" cmpd="sng">
+                      <a:noFill/>
+                    </a:lnB>
+                    <a:lnTlToBr w="12700" cmpd="sng">
+                      <a:noFill/>
+                      <a:prstDash val="solid"/>
+                    </a:lnTlToBr>
+                    <a:lnBlToTr w="12700" cmpd="sng">
+                      <a:noFill/>
+                      <a:prstDash val="solid"/>
+                    </a:lnBlToTr>
+                    <a:solidFill>
+                      <a:schemeClr val="accent1"/>
+                    </a:solidFill>
+                  </a:tcPr>
+                </a:tc>
+                <a:tc>
+                  <a:txBody>
+                    <a:bodyPr/>
+                    <a:lstStyle/>
+                    <a:p>
+                      <a:r>
+                        <a:rPr lang="en-AU" sz="1200" smtClean="0">
+                          <a:solidFill>
+                            <a:schemeClr val="bg1">
+                              <a:lumMod val="95000"/>
+                            </a:schemeClr>
+                          </a:solidFill>
+                        </a:rPr>
+                        <a:t>15 min</a:t>
+                      </a:r>
+                      <a:endParaRPr lang="en-AU" sz="1200">
+                        <a:solidFill>
+                          <a:schemeClr val="bg1">
+                            <a:lumMod val="95000"/>
+                          </a:schemeClr>
+                        </a:solidFill>
+                      </a:endParaRPr>
+                    </a:p>
+                  </a:txBody>
+                  <a:tcPr>
+                    <a:lnL w="12700" cmpd="sng">
+                      <a:noFill/>
+                    </a:lnL>
+                    <a:lnR w="12700" cmpd="sng">
+                      <a:noFill/>
+                    </a:lnR>
+                    <a:lnT w="38100" cmpd="sng">
+                      <a:noFill/>
+                    </a:lnT>
+                    <a:lnB w="12700" cmpd="sng">
+                      <a:noFill/>
+                    </a:lnB>
+                    <a:lnTlToBr w="12700" cmpd="sng">
+                      <a:noFill/>
+                      <a:prstDash val="solid"/>
+                    </a:lnTlToBr>
+                    <a:lnBlToTr w="12700" cmpd="sng">
+                      <a:noFill/>
+                      <a:prstDash val="solid"/>
+                    </a:lnBlToTr>
+                    <a:solidFill>
+                      <a:schemeClr val="accent1"/>
+                    </a:solidFill>
+                  </a:tcPr>
+                </a:tc>
+                <a:tc>
+                  <a:txBody>
+                    <a:bodyPr/>
+                    <a:lstStyle/>
+                    <a:p>
+                      <a:r>
+                        <a:rPr lang="en-AU" sz="1200" dirty="0" smtClean="0">
+                          <a:solidFill>
+                            <a:schemeClr val="bg1">
+                              <a:lumMod val="95000"/>
+                            </a:schemeClr>
+                          </a:solidFill>
+                        </a:rPr>
+                        <a:t>30 min</a:t>
+                      </a:r>
+                      <a:endParaRPr lang="en-AU" sz="1200" dirty="0">
+                        <a:solidFill>
+                          <a:schemeClr val="bg1">
+                            <a:lumMod val="95000"/>
+                          </a:schemeClr>
+                        </a:solidFill>
+                      </a:endParaRPr>
+                    </a:p>
+                  </a:txBody>
+                  <a:tcPr>
+                    <a:lnL w="12700" cmpd="sng">
+                      <a:noFill/>
+                    </a:lnL>
+                    <a:lnR w="12700" cmpd="sng">
+                      <a:noFill/>
+                    </a:lnR>
+                    <a:lnT w="38100" cmpd="sng">
+                      <a:noFill/>
+                    </a:lnT>
+                    <a:lnB w="12700" cmpd="sng">
+                      <a:noFill/>
+                    </a:lnB>
+                    <a:lnTlToBr w="12700" cmpd="sng">
+                      <a:noFill/>
+                      <a:prstDash val="solid"/>
+                    </a:lnTlToBr>
+                    <a:lnBlToTr w="12700" cmpd="sng">
+                      <a:noFill/>
+                      <a:prstDash val="solid"/>
+                    </a:lnBlToTr>
+                    <a:solidFill>
+                      <a:schemeClr val="accent1"/>
+                    </a:solidFill>
+                  </a:tcPr>
+                </a:tc>
+                <a:tc>
+                  <a:txBody>
+                    <a:bodyPr/>
+                    <a:lstStyle/>
+                    <a:p>
+                      <a:r>
+                        <a:rPr lang="en-AU" sz="1200" dirty="0" smtClean="0">
+                          <a:solidFill>
+                            <a:schemeClr val="bg1">
+                              <a:lumMod val="95000"/>
+                            </a:schemeClr>
+                          </a:solidFill>
+                        </a:rPr>
+                        <a:t>45 min</a:t>
+                      </a:r>
+                      <a:endParaRPr lang="en-AU" sz="1200" dirty="0">
+                        <a:solidFill>
+                          <a:schemeClr val="bg1">
+                            <a:lumMod val="95000"/>
+                          </a:schemeClr>
+                        </a:solidFill>
+                      </a:endParaRPr>
+                    </a:p>
+                  </a:txBody>
+                  <a:tcPr>
+                    <a:lnL w="12700" cmpd="sng">
+                      <a:noFill/>
+                    </a:lnL>
+                    <a:lnR w="12700" cmpd="sng">
+                      <a:noFill/>
+                    </a:lnR>
+                    <a:lnT w="38100" cmpd="sng">
+                      <a:noFill/>
+                    </a:lnT>
+                    <a:lnB w="12700" cmpd="sng">
+                      <a:noFill/>
+                    </a:lnB>
+                    <a:lnTlToBr w="12700" cmpd="sng">
+                      <a:noFill/>
+                      <a:prstDash val="solid"/>
+                    </a:lnTlToBr>
+                    <a:lnBlToTr w="12700" cmpd="sng">
+                      <a:noFill/>
+                      <a:prstDash val="solid"/>
+                    </a:lnBlToTr>
+                    <a:solidFill>
+                      <a:schemeClr val="accent1"/>
+                    </a:solidFill>
+                  </a:tcPr>
+                </a:tc>
+              </a:tr>
+              <a:tr h="270999">
+                <a:tc>
+                  <a:txBody>
+                    <a:bodyPr/>
+                    <a:lstStyle/>
+                    <a:p>
+                      <a:r>
+                        <a:rPr lang="en-AU" sz="1100" dirty="0" smtClean="0"/>
+                        <a:t>Naive</a:t>
+                      </a:r>
+                      <a:endParaRPr lang="en-AU" sz="1100" dirty="0"/>
+                    </a:p>
+                  </a:txBody>
+                  <a:tcPr>
+                    <a:lnT w="12700" cmpd="sng">
+                      <a:noFill/>
+                    </a:lnT>
+                  </a:tcPr>
+                </a:tc>
+                <a:tc>
+                  <a:txBody>
+                    <a:bodyPr/>
+                    <a:lstStyle/>
+                    <a:p>
+                      <a:pPr algn="ctr"/>
+                      <a:r>
+                        <a:rPr lang="en-AU" sz="1100" dirty="0" smtClean="0"/>
+                        <a:t>22.98</a:t>
+                      </a:r>
+                      <a:endParaRPr lang="en-AU" sz="1100" dirty="0"/>
+                    </a:p>
+                  </a:txBody>
+                  <a:tcPr anchor="ctr">
+                    <a:lnT w="12700" cmpd="sng">
+                      <a:noFill/>
+                    </a:lnT>
+                  </a:tcPr>
+                </a:tc>
+                <a:tc>
+                  <a:txBody>
+                    <a:bodyPr/>
+                    <a:lstStyle/>
+                    <a:p>
+                      <a:pPr algn="ctr"/>
+                      <a:r>
+                        <a:rPr lang="en-AU" sz="1100" dirty="0" smtClean="0"/>
+                        <a:t>44.87</a:t>
+                      </a:r>
+                      <a:endParaRPr lang="en-AU" sz="1100" dirty="0"/>
+                    </a:p>
+                  </a:txBody>
+                  <a:tcPr anchor="ctr">
+                    <a:lnT w="12700" cmpd="sng">
+                      <a:noFill/>
+                    </a:lnT>
+                  </a:tcPr>
+                </a:tc>
+                <a:tc>
+                  <a:txBody>
+                    <a:bodyPr/>
+                    <a:lstStyle/>
+                    <a:p>
+                      <a:pPr algn="ctr"/>
+                      <a:r>
+                        <a:rPr lang="en-AU" sz="1100" dirty="0" smtClean="0"/>
+                        <a:t>71.35</a:t>
+                      </a:r>
+                      <a:endParaRPr lang="en-AU" sz="1100" dirty="0"/>
+                    </a:p>
+                  </a:txBody>
+                  <a:tcPr anchor="ctr">
+                    <a:lnT w="12700" cmpd="sng">
+                      <a:noFill/>
+                    </a:lnT>
+                  </a:tcPr>
+                </a:tc>
+                <a:tc>
+                  <a:txBody>
+                    <a:bodyPr/>
+                    <a:lstStyle/>
+                    <a:p>
+                      <a:pPr algn="ctr"/>
+                      <a:r>
+                        <a:rPr lang="en-AU" sz="1100" dirty="0" smtClean="0"/>
+                        <a:t>33.15</a:t>
+                      </a:r>
+                      <a:endParaRPr lang="en-AU" sz="1100" dirty="0"/>
+                    </a:p>
+                  </a:txBody>
+                  <a:tcPr anchor="ctr">
+                    <a:lnT w="12700" cmpd="sng">
+                      <a:noFill/>
+                    </a:lnT>
+                  </a:tcPr>
+                </a:tc>
+                <a:tc>
+                  <a:txBody>
+                    <a:bodyPr/>
+                    <a:lstStyle/>
+                    <a:p>
+                      <a:pPr algn="ctr"/>
+                      <a:r>
+                        <a:rPr lang="en-AU" sz="1100" dirty="0" smtClean="0"/>
+                        <a:t>65.62</a:t>
+                      </a:r>
+                      <a:endParaRPr lang="en-AU" sz="1100" dirty="0"/>
+                    </a:p>
+                  </a:txBody>
+                  <a:tcPr anchor="ctr">
+                    <a:lnT w="12700" cmpd="sng">
+                      <a:noFill/>
+                    </a:lnT>
+                  </a:tcPr>
+                </a:tc>
+                <a:tc>
+                  <a:txBody>
+                    <a:bodyPr/>
+                    <a:lstStyle/>
+                    <a:p>
+                      <a:pPr algn="ctr"/>
+                      <a:r>
+                        <a:rPr lang="en-AU" sz="1100" dirty="0" smtClean="0"/>
+                        <a:t>104.70</a:t>
+                      </a:r>
+                      <a:endParaRPr lang="en-AU" sz="1100" dirty="0"/>
+                    </a:p>
+                  </a:txBody>
+                  <a:tcPr anchor="ctr">
+                    <a:lnT w="12700" cmpd="sng">
+                      <a:noFill/>
+                    </a:lnT>
+                  </a:tcPr>
+                </a:tc>
+                <a:tc>
+                  <a:txBody>
+                    <a:bodyPr/>
+                    <a:lstStyle/>
+                    <a:p>
+                      <a:pPr algn="ctr"/>
+                      <a:r>
+                        <a:rPr lang="en-AU" sz="1100" dirty="0" smtClean="0"/>
+                        <a:t>13.75</a:t>
+                      </a:r>
+                      <a:endParaRPr lang="en-AU" sz="1100" dirty="0"/>
+                    </a:p>
+                  </a:txBody>
+                  <a:tcPr anchor="ctr">
+                    <a:lnT w="12700" cmpd="sng">
+                      <a:noFill/>
+                    </a:lnT>
+                  </a:tcPr>
+                </a:tc>
+                <a:tc>
+                  <a:txBody>
+                    <a:bodyPr/>
+                    <a:lstStyle/>
+                    <a:p>
+                      <a:pPr algn="ctr"/>
+                      <a:r>
+                        <a:rPr lang="en-AU" sz="1100" dirty="0" smtClean="0"/>
+                        <a:t>14.05</a:t>
+                      </a:r>
+                      <a:endParaRPr lang="en-AU" sz="1100" dirty="0"/>
+                    </a:p>
+                  </a:txBody>
+                  <a:tcPr anchor="ctr">
+                    <a:lnT w="12700" cmpd="sng">
+                      <a:noFill/>
+                    </a:lnT>
+                  </a:tcPr>
+                </a:tc>
+                <a:tc>
+                  <a:txBody>
+                    <a:bodyPr/>
+                    <a:lstStyle/>
+                    <a:p>
+                      <a:pPr algn="ctr"/>
+                      <a:r>
+                        <a:rPr lang="en-AU" sz="1100" dirty="0" smtClean="0"/>
+                        <a:t>15.74</a:t>
+                      </a:r>
+                      <a:endParaRPr lang="en-AU" sz="1100" dirty="0"/>
+                    </a:p>
+                  </a:txBody>
+                  <a:tcPr anchor="ctr">
+                    <a:lnT w="12700" cmpd="sng">
+                      <a:noFill/>
+                    </a:lnT>
+                  </a:tcPr>
+                </a:tc>
+              </a:tr>
+              <a:tr h="270999">
+                <a:tc>
+                  <a:txBody>
+                    <a:bodyPr/>
+                    <a:lstStyle/>
+                    <a:p>
+                      <a:r>
+                        <a:rPr lang="en-AU" sz="1100" dirty="0" smtClean="0"/>
+                        <a:t>Linear</a:t>
+                      </a:r>
+                      <a:r>
+                        <a:rPr lang="en-AU" sz="1100" baseline="0" dirty="0" smtClean="0"/>
+                        <a:t> regression</a:t>
+                      </a:r>
+                      <a:endParaRPr lang="en-AU" sz="1100" dirty="0"/>
+                    </a:p>
+                  </a:txBody>
+                  <a:tcPr/>
+                </a:tc>
+                <a:tc>
+                  <a:txBody>
+                    <a:bodyPr/>
+                    <a:lstStyle/>
+                    <a:p>
+                      <a:pPr algn="ctr"/>
+                      <a:r>
+                        <a:rPr lang="en-AU" sz="1100" dirty="0" smtClean="0"/>
+                        <a:t>52.73</a:t>
+                      </a:r>
+                      <a:endParaRPr lang="en-AU" sz="1100" dirty="0"/>
+                    </a:p>
+                  </a:txBody>
+                  <a:tcPr anchor="ctr"/>
+                </a:tc>
+                <a:tc>
+                  <a:txBody>
+                    <a:bodyPr/>
+                    <a:lstStyle/>
+                    <a:p>
+                      <a:pPr algn="ctr"/>
+                      <a:r>
+                        <a:rPr lang="en-AU" sz="1100" dirty="0" smtClean="0"/>
+                        <a:t>101</a:t>
+                      </a:r>
+                      <a:endParaRPr lang="en-AU" sz="1100" dirty="0"/>
+                    </a:p>
+                  </a:txBody>
+                  <a:tcPr anchor="ctr"/>
+                </a:tc>
+                <a:tc>
+                  <a:txBody>
+                    <a:bodyPr/>
+                    <a:lstStyle/>
+                    <a:p>
+                      <a:pPr algn="ctr"/>
+                      <a:r>
+                        <a:rPr lang="en-AU" sz="1100" dirty="0" smtClean="0"/>
+                        <a:t>148.2</a:t>
+                      </a:r>
+                      <a:endParaRPr lang="en-AU" sz="1100" dirty="0"/>
+                    </a:p>
+                  </a:txBody>
+                  <a:tcPr anchor="ctr"/>
+                </a:tc>
+                <a:tc>
+                  <a:txBody>
+                    <a:bodyPr/>
+                    <a:lstStyle/>
+                    <a:p>
+                      <a:pPr algn="ctr"/>
+                      <a:r>
+                        <a:rPr lang="en-AU" sz="1100" dirty="0" smtClean="0"/>
+                        <a:t>78.59</a:t>
+                      </a:r>
+                      <a:endParaRPr lang="en-AU" sz="1100" dirty="0"/>
+                    </a:p>
+                  </a:txBody>
+                  <a:tcPr anchor="ctr"/>
+                </a:tc>
+                <a:tc>
+                  <a:txBody>
+                    <a:bodyPr/>
+                    <a:lstStyle/>
+                    <a:p>
+                      <a:pPr algn="ctr"/>
+                      <a:r>
+                        <a:rPr lang="en-AU" sz="1100" dirty="0" smtClean="0"/>
+                        <a:t>154</a:t>
+                      </a:r>
+                      <a:endParaRPr lang="en-AU" sz="1100" dirty="0"/>
+                    </a:p>
+                  </a:txBody>
+                  <a:tcPr anchor="ctr"/>
+                </a:tc>
+                <a:tc>
+                  <a:txBody>
+                    <a:bodyPr/>
+                    <a:lstStyle/>
+                    <a:p>
+                      <a:pPr algn="ctr"/>
+                      <a:r>
+                        <a:rPr lang="en-AU" sz="1100" dirty="0" smtClean="0"/>
+                        <a:t>228.8</a:t>
+                      </a:r>
+                      <a:endParaRPr lang="en-AU" sz="1100" dirty="0"/>
+                    </a:p>
+                  </a:txBody>
+                  <a:tcPr anchor="ctr"/>
+                </a:tc>
+                <a:tc>
+                  <a:txBody>
+                    <a:bodyPr/>
+                    <a:lstStyle/>
+                    <a:p>
+                      <a:pPr algn="ctr"/>
+                      <a:r>
+                        <a:rPr lang="en-AU" sz="1100" dirty="0" smtClean="0"/>
+                        <a:t>28.63</a:t>
+                      </a:r>
+                      <a:endParaRPr lang="en-AU" sz="1100" dirty="0"/>
+                    </a:p>
+                  </a:txBody>
+                  <a:tcPr anchor="ctr"/>
+                </a:tc>
+                <a:tc>
+                  <a:txBody>
+                    <a:bodyPr/>
+                    <a:lstStyle/>
+                    <a:p>
+                      <a:pPr algn="ctr"/>
+                      <a:r>
+                        <a:rPr lang="en-AU" sz="1100" dirty="0" smtClean="0"/>
+                        <a:t>27.54</a:t>
+                      </a:r>
+                      <a:endParaRPr lang="en-AU" sz="1100" dirty="0"/>
+                    </a:p>
+                  </a:txBody>
+                  <a:tcPr anchor="ctr"/>
+                </a:tc>
+                <a:tc>
+                  <a:txBody>
+                    <a:bodyPr/>
+                    <a:lstStyle/>
+                    <a:p>
+                      <a:pPr algn="ctr"/>
+                      <a:r>
+                        <a:rPr lang="en-AU" sz="1100" dirty="0" smtClean="0"/>
+                        <a:t>27.11</a:t>
+                      </a:r>
+                      <a:endParaRPr lang="en-AU" sz="1100" dirty="0"/>
+                    </a:p>
+                  </a:txBody>
+                  <a:tcPr anchor="ctr"/>
+                </a:tc>
+              </a:tr>
+              <a:tr h="270999">
+                <a:tc>
+                  <a:txBody>
+                    <a:bodyPr/>
+                    <a:lstStyle/>
+                    <a:p>
+                      <a:r>
+                        <a:rPr lang="en-AU" sz="1100" dirty="0" smtClean="0"/>
+                        <a:t>ARIMA</a:t>
+                      </a:r>
+                      <a:endParaRPr lang="en-AU" sz="1100" dirty="0"/>
+                    </a:p>
+                  </a:txBody>
+                  <a:tcPr/>
+                </a:tc>
+                <a:tc>
+                  <a:txBody>
+                    <a:bodyPr/>
+                    <a:lstStyle/>
+                    <a:p>
+                      <a:pPr algn="ctr"/>
+                      <a:r>
+                        <a:rPr lang="en-AU" sz="1100" dirty="0" smtClean="0"/>
+                        <a:t>21.20</a:t>
+                      </a:r>
+                      <a:endParaRPr lang="en-AU" sz="1100" dirty="0"/>
+                    </a:p>
+                  </a:txBody>
+                  <a:tcPr anchor="ctr"/>
+                </a:tc>
+                <a:tc>
+                  <a:txBody>
+                    <a:bodyPr/>
+                    <a:lstStyle/>
+                    <a:p>
+                      <a:pPr algn="ctr"/>
+                      <a:r>
+                        <a:rPr lang="en-AU" sz="1100" dirty="0" smtClean="0"/>
+                        <a:t>39.76</a:t>
+                      </a:r>
+                      <a:endParaRPr lang="en-AU" sz="1100" dirty="0"/>
+                    </a:p>
+                  </a:txBody>
+                  <a:tcPr anchor="ctr"/>
+                </a:tc>
+                <a:tc>
+                  <a:txBody>
+                    <a:bodyPr/>
+                    <a:lstStyle/>
+                    <a:p>
+                      <a:pPr algn="ctr"/>
+                      <a:r>
+                        <a:rPr lang="en-AU" sz="1100" dirty="0" smtClean="0"/>
+                        <a:t>62.85</a:t>
+                      </a:r>
+                      <a:endParaRPr lang="en-AU" sz="1100" dirty="0"/>
+                    </a:p>
+                  </a:txBody>
+                  <a:tcPr anchor="ctr"/>
+                </a:tc>
+                <a:tc>
+                  <a:txBody>
+                    <a:bodyPr/>
+                    <a:lstStyle/>
+                    <a:p>
+                      <a:pPr algn="ctr"/>
+                      <a:r>
+                        <a:rPr lang="en-AU" sz="1100" dirty="0" smtClean="0"/>
+                        <a:t>29.93</a:t>
+                      </a:r>
+                      <a:endParaRPr lang="en-AU" sz="1100" dirty="0"/>
+                    </a:p>
+                  </a:txBody>
+                  <a:tcPr anchor="ctr"/>
+                </a:tc>
+                <a:tc>
+                  <a:txBody>
+                    <a:bodyPr/>
+                    <a:lstStyle/>
+                    <a:p>
+                      <a:pPr algn="ctr"/>
+                      <a:r>
+                        <a:rPr lang="en-AU" sz="1100" dirty="0" smtClean="0"/>
+                        <a:t>57.09</a:t>
+                      </a:r>
+                      <a:endParaRPr lang="en-AU" sz="1100" dirty="0"/>
+                    </a:p>
+                  </a:txBody>
+                  <a:tcPr anchor="ctr"/>
+                </a:tc>
+                <a:tc>
+                  <a:txBody>
+                    <a:bodyPr/>
+                    <a:lstStyle/>
+                    <a:p>
+                      <a:pPr algn="ctr"/>
+                      <a:r>
+                        <a:rPr lang="en-AU" sz="1100" dirty="0" smtClean="0"/>
+                        <a:t>88.52</a:t>
+                      </a:r>
+                      <a:endParaRPr lang="en-AU" sz="1100" dirty="0"/>
+                    </a:p>
+                  </a:txBody>
+                  <a:tcPr anchor="ctr"/>
+                </a:tc>
+                <a:tc>
+                  <a:txBody>
+                    <a:bodyPr/>
+                    <a:lstStyle/>
+                    <a:p>
+                      <a:pPr algn="ctr"/>
+                      <a:r>
+                        <a:rPr lang="en-AU" sz="1100" dirty="0" smtClean="0"/>
+                        <a:t>12.42</a:t>
+                      </a:r>
+                      <a:endParaRPr lang="en-AU" sz="1100" dirty="0"/>
+                    </a:p>
+                  </a:txBody>
+                  <a:tcPr anchor="ctr"/>
+                </a:tc>
+                <a:tc>
+                  <a:txBody>
+                    <a:bodyPr/>
+                    <a:lstStyle/>
+                    <a:p>
+                      <a:pPr algn="ctr"/>
+                      <a:r>
+                        <a:rPr lang="en-AU" sz="1100" dirty="0" smtClean="0"/>
+                        <a:t>11.87</a:t>
+                      </a:r>
+                      <a:endParaRPr lang="en-AU" sz="1100" dirty="0"/>
+                    </a:p>
+                  </a:txBody>
+                  <a:tcPr anchor="ctr"/>
+                </a:tc>
+                <a:tc>
+                  <a:txBody>
+                    <a:bodyPr/>
+                    <a:lstStyle/>
+                    <a:p>
+                      <a:pPr algn="ctr"/>
+                      <a:r>
+                        <a:rPr lang="en-AU" sz="1100" dirty="0" smtClean="0"/>
+                        <a:t>12.56</a:t>
+                      </a:r>
+                      <a:endParaRPr lang="en-AU" sz="1100" dirty="0"/>
+                    </a:p>
+                  </a:txBody>
+                  <a:tcPr anchor="ctr"/>
+                </a:tc>
+              </a:tr>
+              <a:tr h="270999">
+                <a:tc>
+                  <a:txBody>
+                    <a:bodyPr/>
+                    <a:lstStyle/>
+                    <a:p>
+                      <a:r>
+                        <a:rPr lang="en-AU" sz="1100" dirty="0" smtClean="0"/>
+                        <a:t>Exponential </a:t>
+                      </a:r>
+                      <a:r>
+                        <a:rPr lang="en-AU" sz="1100" dirty="0" smtClean="0"/>
+                        <a:t>smoothing </a:t>
+                      </a:r>
+                    </a:p>
+                    <a:p>
+                      <a:r>
+                        <a:rPr lang="en-AU" sz="1100" dirty="0" smtClean="0"/>
+                        <a:t>using</a:t>
+                      </a:r>
+                      <a:r>
+                        <a:rPr lang="en-AU" sz="1100" baseline="0" dirty="0" smtClean="0"/>
+                        <a:t> </a:t>
+                      </a:r>
+                      <a:r>
+                        <a:rPr lang="en-AU" sz="1100" dirty="0" smtClean="0"/>
+                        <a:t>state space</a:t>
+                      </a:r>
+                      <a:r>
+                        <a:rPr lang="en-AU" sz="1100" baseline="0" dirty="0" smtClean="0"/>
+                        <a:t> model</a:t>
+                      </a:r>
+                      <a:endParaRPr lang="en-AU" sz="1100" dirty="0"/>
+                    </a:p>
+                  </a:txBody>
+                  <a:tcPr/>
+                </a:tc>
+                <a:tc>
+                  <a:txBody>
+                    <a:bodyPr/>
+                    <a:lstStyle/>
+                    <a:p>
+                      <a:pPr algn="ctr"/>
+                      <a:r>
+                        <a:rPr lang="en-AU" sz="1100" dirty="0" smtClean="0"/>
+                        <a:t>21.61</a:t>
+                      </a:r>
+                      <a:endParaRPr lang="en-AU" sz="1100" dirty="0"/>
+                    </a:p>
+                  </a:txBody>
+                  <a:tcPr anchor="ctr"/>
+                </a:tc>
+                <a:tc>
+                  <a:txBody>
+                    <a:bodyPr/>
+                    <a:lstStyle/>
+                    <a:p>
+                      <a:pPr algn="ctr"/>
+                      <a:r>
+                        <a:rPr lang="en-AU" sz="1100" dirty="0" smtClean="0"/>
+                        <a:t>42.25</a:t>
+                      </a:r>
+                      <a:endParaRPr lang="en-AU" sz="1100" dirty="0"/>
+                    </a:p>
+                  </a:txBody>
+                  <a:tcPr anchor="ctr"/>
+                </a:tc>
+                <a:tc>
+                  <a:txBody>
+                    <a:bodyPr/>
+                    <a:lstStyle/>
+                    <a:p>
+                      <a:pPr algn="ctr"/>
+                      <a:r>
+                        <a:rPr lang="en-AU" sz="1100" dirty="0" smtClean="0"/>
+                        <a:t>67.25</a:t>
+                      </a:r>
+                      <a:endParaRPr lang="en-AU" sz="1100" dirty="0"/>
+                    </a:p>
+                  </a:txBody>
+                  <a:tcPr anchor="ctr"/>
+                </a:tc>
+                <a:tc>
+                  <a:txBody>
+                    <a:bodyPr/>
+                    <a:lstStyle/>
+                    <a:p>
+                      <a:pPr algn="ctr"/>
+                      <a:r>
+                        <a:rPr lang="en-AU" sz="1100" dirty="0" smtClean="0"/>
+                        <a:t>31.12</a:t>
+                      </a:r>
+                      <a:endParaRPr lang="en-AU" sz="1100" dirty="0"/>
+                    </a:p>
+                  </a:txBody>
+                  <a:tcPr anchor="ctr"/>
+                </a:tc>
+                <a:tc>
+                  <a:txBody>
+                    <a:bodyPr/>
+                    <a:lstStyle/>
+                    <a:p>
+                      <a:pPr algn="ctr"/>
+                      <a:r>
+                        <a:rPr lang="en-AU" sz="1100" dirty="0" smtClean="0"/>
+                        <a:t>61.51</a:t>
+                      </a:r>
+                      <a:endParaRPr lang="en-AU" sz="1100" dirty="0"/>
+                    </a:p>
+                  </a:txBody>
+                  <a:tcPr anchor="ctr"/>
+                </a:tc>
+                <a:tc>
+                  <a:txBody>
+                    <a:bodyPr/>
+                    <a:lstStyle/>
+                    <a:p>
+                      <a:pPr algn="ctr"/>
+                      <a:r>
+                        <a:rPr lang="en-AU" sz="1100" dirty="0" smtClean="0"/>
+                        <a:t>96.83</a:t>
+                      </a:r>
+                      <a:endParaRPr lang="en-AU" sz="1100" dirty="0"/>
+                    </a:p>
+                  </a:txBody>
+                  <a:tcPr anchor="ctr"/>
+                </a:tc>
+                <a:tc>
+                  <a:txBody>
+                    <a:bodyPr/>
+                    <a:lstStyle/>
+                    <a:p>
+                      <a:pPr algn="ctr"/>
+                      <a:r>
+                        <a:rPr lang="en-AU" sz="1100" dirty="0" smtClean="0"/>
+                        <a:t>12.87</a:t>
+                      </a:r>
+                      <a:endParaRPr lang="en-AU" sz="1100" dirty="0"/>
+                    </a:p>
+                  </a:txBody>
+                  <a:tcPr anchor="ctr"/>
+                </a:tc>
+                <a:tc>
+                  <a:txBody>
+                    <a:bodyPr/>
+                    <a:lstStyle/>
+                    <a:p>
+                      <a:pPr algn="ctr"/>
+                      <a:r>
+                        <a:rPr lang="en-AU" sz="1100" dirty="0" smtClean="0"/>
+                        <a:t>12.95</a:t>
+                      </a:r>
+                      <a:endParaRPr lang="en-AU" sz="1100" dirty="0"/>
+                    </a:p>
+                  </a:txBody>
+                  <a:tcPr anchor="ctr"/>
+                </a:tc>
+                <a:tc>
+                  <a:txBody>
+                    <a:bodyPr/>
+                    <a:lstStyle/>
+                    <a:p>
+                      <a:pPr algn="ctr"/>
+                      <a:r>
+                        <a:rPr lang="en-AU" sz="1100" dirty="0" smtClean="0"/>
+                        <a:t>14.23</a:t>
+                      </a:r>
+                      <a:endParaRPr lang="en-AU" sz="1100" dirty="0"/>
+                    </a:p>
+                  </a:txBody>
+                  <a:tcPr anchor="ctr"/>
+                </a:tc>
+              </a:tr>
+              <a:tr h="270999">
+                <a:tc>
+                  <a:txBody>
+                    <a:bodyPr/>
+                    <a:lstStyle/>
+                    <a:p>
+                      <a:r>
+                        <a:rPr lang="en-AU" sz="1100" dirty="0" smtClean="0"/>
+                        <a:t>Neural</a:t>
+                      </a:r>
+                      <a:r>
+                        <a:rPr lang="en-AU" sz="1100" baseline="0" dirty="0" smtClean="0"/>
+                        <a:t> network autoregressive</a:t>
+                      </a:r>
+                      <a:endParaRPr lang="en-AU" sz="1100" dirty="0"/>
+                    </a:p>
+                  </a:txBody>
+                  <a:tcPr/>
+                </a:tc>
+                <a:tc>
+                  <a:txBody>
+                    <a:bodyPr/>
+                    <a:lstStyle/>
+                    <a:p>
+                      <a:pPr algn="ctr"/>
+                      <a:r>
+                        <a:rPr lang="en-AU" sz="1100" dirty="0" smtClean="0"/>
+                        <a:t>17.98</a:t>
+                      </a:r>
+                      <a:endParaRPr lang="en-AU" sz="1100" dirty="0"/>
+                    </a:p>
+                  </a:txBody>
+                  <a:tcPr anchor="ctr"/>
+                </a:tc>
+                <a:tc>
+                  <a:txBody>
+                    <a:bodyPr/>
+                    <a:lstStyle/>
+                    <a:p>
+                      <a:pPr algn="ctr"/>
+                      <a:r>
+                        <a:rPr lang="en-AU" sz="1100" dirty="0" smtClean="0"/>
+                        <a:t>30.01</a:t>
+                      </a:r>
+                      <a:endParaRPr lang="en-AU" sz="1100" dirty="0"/>
+                    </a:p>
+                  </a:txBody>
+                  <a:tcPr anchor="ctr"/>
+                </a:tc>
+                <a:tc>
+                  <a:txBody>
+                    <a:bodyPr/>
+                    <a:lstStyle/>
+                    <a:p>
+                      <a:pPr algn="ctr"/>
+                      <a:r>
+                        <a:rPr lang="en-AU" sz="1100" dirty="0" smtClean="0"/>
+                        <a:t>42.27</a:t>
+                      </a:r>
+                      <a:endParaRPr lang="en-AU" sz="1100" dirty="0"/>
+                    </a:p>
+                  </a:txBody>
+                  <a:tcPr anchor="ctr"/>
+                </a:tc>
+                <a:tc>
+                  <a:txBody>
+                    <a:bodyPr/>
+                    <a:lstStyle/>
+                    <a:p>
+                      <a:pPr algn="ctr"/>
+                      <a:r>
+                        <a:rPr lang="en-AU" sz="1100" dirty="0" smtClean="0"/>
+                        <a:t>24.85</a:t>
+                      </a:r>
+                      <a:endParaRPr lang="en-AU" sz="1100" dirty="0"/>
+                    </a:p>
+                  </a:txBody>
+                  <a:tcPr anchor="ctr"/>
+                </a:tc>
+                <a:tc>
+                  <a:txBody>
+                    <a:bodyPr/>
+                    <a:lstStyle/>
+                    <a:p>
+                      <a:pPr algn="ctr"/>
+                      <a:r>
+                        <a:rPr lang="en-AU" sz="1100" dirty="0" smtClean="0"/>
+                        <a:t>41.23</a:t>
+                      </a:r>
+                      <a:endParaRPr lang="en-AU" sz="1100" dirty="0"/>
+                    </a:p>
+                  </a:txBody>
+                  <a:tcPr anchor="ctr"/>
+                </a:tc>
+                <a:tc>
+                  <a:txBody>
+                    <a:bodyPr/>
+                    <a:lstStyle/>
+                    <a:p>
+                      <a:pPr algn="ctr"/>
+                      <a:r>
+                        <a:rPr lang="en-AU" sz="1100" dirty="0" smtClean="0"/>
+                        <a:t>56.73</a:t>
+                      </a:r>
+                      <a:endParaRPr lang="en-AU" sz="1100" dirty="0"/>
+                    </a:p>
+                  </a:txBody>
+                  <a:tcPr anchor="ctr"/>
+                </a:tc>
+                <a:tc>
+                  <a:txBody>
+                    <a:bodyPr/>
+                    <a:lstStyle/>
+                    <a:p>
+                      <a:pPr algn="ctr"/>
+                      <a:r>
+                        <a:rPr lang="en-AU" sz="1100" dirty="0" smtClean="0"/>
+                        <a:t>11.34</a:t>
+                      </a:r>
+                      <a:endParaRPr lang="en-AU" sz="1100" dirty="0"/>
+                    </a:p>
+                  </a:txBody>
+                  <a:tcPr anchor="ctr"/>
+                </a:tc>
+                <a:tc>
+                  <a:txBody>
+                    <a:bodyPr/>
+                    <a:lstStyle/>
+                    <a:p>
+                      <a:pPr algn="ctr"/>
+                      <a:r>
+                        <a:rPr lang="en-AU" sz="1100" dirty="0" smtClean="0"/>
+                        <a:t>10.04</a:t>
+                      </a:r>
+                      <a:endParaRPr lang="en-AU" sz="1100" dirty="0"/>
+                    </a:p>
+                  </a:txBody>
+                  <a:tcPr anchor="ctr"/>
+                </a:tc>
+                <a:tc>
+                  <a:txBody>
+                    <a:bodyPr/>
+                    <a:lstStyle/>
+                    <a:p>
+                      <a:pPr algn="ctr"/>
+                      <a:r>
+                        <a:rPr lang="en-AU" sz="1100" dirty="0" smtClean="0"/>
+                        <a:t>9.88</a:t>
+                      </a:r>
+                      <a:endParaRPr lang="en-AU" sz="1100" dirty="0"/>
+                    </a:p>
+                  </a:txBody>
+                  <a:tcPr anchor="ctr"/>
+                </a:tc>
+              </a:tr>
+              <a:tr h="270999">
+                <a:tc>
+                  <a:txBody>
+                    <a:bodyPr/>
+                    <a:lstStyle/>
+                    <a:p>
+                      <a:r>
+                        <a:rPr lang="en-AU" sz="1100" dirty="0" smtClean="0"/>
+                        <a:t>K-nearest neighbour</a:t>
+                      </a:r>
+                      <a:endParaRPr lang="en-AU" sz="1100" dirty="0"/>
+                    </a:p>
+                  </a:txBody>
+                  <a:tcPr/>
+                </a:tc>
+                <a:tc>
+                  <a:txBody>
+                    <a:bodyPr/>
+                    <a:lstStyle/>
+                    <a:p>
+                      <a:pPr algn="ctr"/>
+                      <a:r>
+                        <a:rPr lang="en-AU" sz="1100" dirty="0" smtClean="0"/>
+                        <a:t>17.96</a:t>
+                      </a:r>
+                      <a:endParaRPr lang="en-AU" sz="1100" dirty="0"/>
+                    </a:p>
+                  </a:txBody>
+                  <a:tcPr anchor="ctr"/>
+                </a:tc>
+                <a:tc>
+                  <a:txBody>
+                    <a:bodyPr/>
+                    <a:lstStyle/>
+                    <a:p>
+                      <a:pPr algn="ctr"/>
+                      <a:endParaRPr lang="en-AU" sz="1100" dirty="0"/>
+                    </a:p>
+                  </a:txBody>
+                  <a:tcPr anchor="ctr"/>
+                </a:tc>
+                <a:tc>
+                  <a:txBody>
+                    <a:bodyPr/>
+                    <a:lstStyle/>
+                    <a:p>
+                      <a:pPr algn="ctr"/>
+                      <a:endParaRPr lang="en-AU" sz="1100" dirty="0"/>
+                    </a:p>
+                  </a:txBody>
+                  <a:tcPr anchor="ctr"/>
+                </a:tc>
+                <a:tc>
+                  <a:txBody>
+                    <a:bodyPr/>
+                    <a:lstStyle/>
+                    <a:p>
+                      <a:pPr algn="ctr"/>
+                      <a:r>
+                        <a:rPr lang="en-AU" sz="1100" dirty="0" smtClean="0"/>
+                        <a:t>26.07</a:t>
+                      </a:r>
+                      <a:endParaRPr lang="en-AU" sz="1100" dirty="0"/>
+                    </a:p>
+                  </a:txBody>
+                  <a:tcPr anchor="ctr"/>
+                </a:tc>
+                <a:tc>
+                  <a:txBody>
+                    <a:bodyPr/>
+                    <a:lstStyle/>
+                    <a:p>
+                      <a:pPr algn="ctr"/>
+                      <a:endParaRPr lang="en-AU" sz="1100" dirty="0"/>
+                    </a:p>
+                  </a:txBody>
+                  <a:tcPr anchor="ctr"/>
+                </a:tc>
+                <a:tc>
+                  <a:txBody>
+                    <a:bodyPr/>
+                    <a:lstStyle/>
+                    <a:p>
+                      <a:pPr algn="ctr"/>
+                      <a:endParaRPr lang="en-AU" sz="1100" dirty="0"/>
+                    </a:p>
+                  </a:txBody>
+                  <a:tcPr anchor="ctr"/>
+                </a:tc>
+                <a:tc>
+                  <a:txBody>
+                    <a:bodyPr/>
+                    <a:lstStyle/>
+                    <a:p>
+                      <a:pPr algn="ctr"/>
+                      <a:r>
+                        <a:rPr lang="en-AU" sz="1100" dirty="0" smtClean="0"/>
+                        <a:t>11.74</a:t>
+                      </a:r>
+                      <a:endParaRPr lang="en-AU" sz="1100" dirty="0"/>
+                    </a:p>
+                  </a:txBody>
+                  <a:tcPr anchor="ctr"/>
+                </a:tc>
+                <a:tc>
+                  <a:txBody>
+                    <a:bodyPr/>
+                    <a:lstStyle/>
+                    <a:p>
+                      <a:pPr algn="ctr"/>
+                      <a:endParaRPr lang="en-AU" sz="1100" dirty="0"/>
+                    </a:p>
+                  </a:txBody>
+                  <a:tcPr anchor="ctr"/>
+                </a:tc>
+                <a:tc>
+                  <a:txBody>
+                    <a:bodyPr/>
+                    <a:lstStyle/>
+                    <a:p>
+                      <a:pPr algn="ctr"/>
+                      <a:endParaRPr lang="en-AU" sz="1100" dirty="0"/>
+                    </a:p>
+                  </a:txBody>
+                  <a:tcPr anchor="ctr"/>
+                </a:tc>
+              </a:tr>
+              <a:tr h="270999">
+                <a:tc>
+                  <a:txBody>
+                    <a:bodyPr/>
+                    <a:lstStyle/>
+                    <a:p>
+                      <a:r>
+                        <a:rPr lang="en-AU" sz="1100" smtClean="0"/>
+                        <a:t>Support vector</a:t>
+                      </a:r>
+                      <a:r>
+                        <a:rPr lang="en-AU" sz="1100" baseline="0" smtClean="0"/>
+                        <a:t> regression</a:t>
+                      </a:r>
+                      <a:endParaRPr lang="en-AU" sz="1100"/>
+                    </a:p>
+                  </a:txBody>
+                  <a:tcPr/>
+                </a:tc>
+                <a:tc>
+                  <a:txBody>
+                    <a:bodyPr/>
+                    <a:lstStyle/>
+                    <a:p>
+                      <a:pPr algn="ctr"/>
+                      <a:endParaRPr lang="en-AU" sz="1100" dirty="0"/>
+                    </a:p>
+                  </a:txBody>
+                  <a:tcPr anchor="ctr"/>
+                </a:tc>
+                <a:tc>
+                  <a:txBody>
+                    <a:bodyPr/>
+                    <a:lstStyle/>
+                    <a:p>
+                      <a:pPr algn="ctr"/>
+                      <a:endParaRPr lang="en-AU" sz="1100" dirty="0"/>
+                    </a:p>
+                  </a:txBody>
+                  <a:tcPr anchor="ctr"/>
+                </a:tc>
+                <a:tc>
+                  <a:txBody>
+                    <a:bodyPr/>
+                    <a:lstStyle/>
+                    <a:p>
+                      <a:pPr algn="ctr"/>
+                      <a:endParaRPr lang="en-AU" sz="1100" dirty="0"/>
+                    </a:p>
+                  </a:txBody>
+                  <a:tcPr anchor="ctr"/>
+                </a:tc>
+                <a:tc>
+                  <a:txBody>
+                    <a:bodyPr/>
+                    <a:lstStyle/>
+                    <a:p>
+                      <a:pPr algn="ctr"/>
+                      <a:endParaRPr lang="en-AU" sz="1100" dirty="0"/>
+                    </a:p>
+                  </a:txBody>
+                  <a:tcPr anchor="ctr"/>
+                </a:tc>
+                <a:tc>
+                  <a:txBody>
+                    <a:bodyPr/>
+                    <a:lstStyle/>
+                    <a:p>
+                      <a:pPr algn="ctr"/>
+                      <a:endParaRPr lang="en-AU" sz="1100" dirty="0"/>
+                    </a:p>
+                  </a:txBody>
+                  <a:tcPr anchor="ctr"/>
+                </a:tc>
+                <a:tc>
+                  <a:txBody>
+                    <a:bodyPr/>
+                    <a:lstStyle/>
+                    <a:p>
+                      <a:pPr algn="ctr"/>
+                      <a:endParaRPr lang="en-AU" sz="1100" dirty="0"/>
+                    </a:p>
+                  </a:txBody>
+                  <a:tcPr anchor="ctr"/>
+                </a:tc>
+                <a:tc>
+                  <a:txBody>
+                    <a:bodyPr/>
+                    <a:lstStyle/>
+                    <a:p>
+                      <a:pPr algn="ctr"/>
+                      <a:endParaRPr lang="en-AU" sz="1100" dirty="0"/>
+                    </a:p>
+                  </a:txBody>
+                  <a:tcPr anchor="ctr"/>
+                </a:tc>
+                <a:tc>
+                  <a:txBody>
+                    <a:bodyPr/>
+                    <a:lstStyle/>
+                    <a:p>
+                      <a:pPr algn="ctr"/>
+                      <a:endParaRPr lang="en-AU" sz="1100" dirty="0"/>
+                    </a:p>
+                  </a:txBody>
+                  <a:tcPr anchor="ctr"/>
+                </a:tc>
+                <a:tc>
+                  <a:txBody>
+                    <a:bodyPr/>
+                    <a:lstStyle/>
+                    <a:p>
+                      <a:pPr algn="ctr"/>
+                      <a:endParaRPr lang="en-AU" sz="1100" dirty="0"/>
+                    </a:p>
+                  </a:txBody>
+                  <a:tcPr anchor="ctr"/>
+                </a:tc>
+              </a:tr>
+              <a:tr h="270999">
+                <a:tc>
+                  <a:txBody>
+                    <a:bodyPr/>
+                    <a:lstStyle/>
+                    <a:p>
+                      <a:r>
+                        <a:rPr lang="en-AU" sz="1100" dirty="0" smtClean="0"/>
+                        <a:t>Deep RNN (Vanilla)</a:t>
+                      </a:r>
+                      <a:endParaRPr lang="en-AU" sz="1100" dirty="0"/>
+                    </a:p>
+                  </a:txBody>
+                  <a:tcPr/>
+                </a:tc>
+                <a:tc>
+                  <a:txBody>
+                    <a:bodyPr/>
+                    <a:lstStyle/>
+                    <a:p>
+                      <a:pPr algn="ctr"/>
+                      <a:r>
+                        <a:rPr lang="en-AU" sz="1100" dirty="0" smtClean="0"/>
+                        <a:t>24.73</a:t>
+                      </a:r>
+                      <a:endParaRPr lang="en-AU" sz="1100" dirty="0"/>
+                    </a:p>
+                  </a:txBody>
+                  <a:tcPr anchor="ctr"/>
+                </a:tc>
+                <a:tc>
+                  <a:txBody>
+                    <a:bodyPr/>
+                    <a:lstStyle/>
+                    <a:p>
+                      <a:pPr algn="ctr"/>
+                      <a:endParaRPr lang="en-AU" sz="1100" dirty="0"/>
+                    </a:p>
+                  </a:txBody>
+                  <a:tcPr anchor="ctr"/>
+                </a:tc>
+                <a:tc>
+                  <a:txBody>
+                    <a:bodyPr/>
+                    <a:lstStyle/>
+                    <a:p>
+                      <a:pPr algn="ctr"/>
+                      <a:endParaRPr lang="en-AU" sz="1100" dirty="0"/>
+                    </a:p>
+                  </a:txBody>
+                  <a:tcPr anchor="ctr"/>
+                </a:tc>
+                <a:tc>
+                  <a:txBody>
+                    <a:bodyPr/>
+                    <a:lstStyle/>
+                    <a:p>
+                      <a:pPr algn="ctr"/>
+                      <a:r>
+                        <a:rPr lang="en-AU" sz="1100" dirty="0" smtClean="0"/>
+                        <a:t>33.52</a:t>
+                      </a:r>
+                      <a:endParaRPr lang="en-AU" sz="1100" dirty="0"/>
+                    </a:p>
+                  </a:txBody>
+                  <a:tcPr anchor="ctr"/>
+                </a:tc>
+                <a:tc>
+                  <a:txBody>
+                    <a:bodyPr/>
+                    <a:lstStyle/>
+                    <a:p>
+                      <a:pPr algn="ctr"/>
+                      <a:endParaRPr lang="en-AU" sz="1100" dirty="0"/>
+                    </a:p>
+                  </a:txBody>
+                  <a:tcPr anchor="ctr"/>
+                </a:tc>
+                <a:tc>
+                  <a:txBody>
+                    <a:bodyPr/>
+                    <a:lstStyle/>
+                    <a:p>
+                      <a:pPr algn="ctr"/>
+                      <a:endParaRPr lang="en-AU" sz="1100" dirty="0"/>
+                    </a:p>
+                  </a:txBody>
+                  <a:tcPr anchor="ctr"/>
+                </a:tc>
+                <a:tc>
+                  <a:txBody>
+                    <a:bodyPr/>
+                    <a:lstStyle/>
+                    <a:p>
+                      <a:pPr algn="ctr"/>
+                      <a:r>
+                        <a:rPr lang="en-AU" sz="1100" dirty="0" smtClean="0"/>
+                        <a:t>15.91</a:t>
+                      </a:r>
+                      <a:endParaRPr lang="en-AU" sz="1100" dirty="0"/>
+                    </a:p>
+                  </a:txBody>
+                  <a:tcPr anchor="ctr"/>
+                </a:tc>
+                <a:tc>
+                  <a:txBody>
+                    <a:bodyPr/>
+                    <a:lstStyle/>
+                    <a:p>
+                      <a:pPr algn="ctr"/>
+                      <a:endParaRPr lang="en-AU" sz="1100" dirty="0"/>
+                    </a:p>
+                  </a:txBody>
+                  <a:tcPr anchor="ctr"/>
+                </a:tc>
+                <a:tc>
+                  <a:txBody>
+                    <a:bodyPr/>
+                    <a:lstStyle/>
+                    <a:p>
+                      <a:pPr algn="ctr"/>
+                      <a:endParaRPr lang="en-AU" sz="1100" dirty="0"/>
+                    </a:p>
+                  </a:txBody>
+                  <a:tcPr anchor="ctr"/>
+                </a:tc>
+              </a:tr>
+              <a:tr h="270999">
+                <a:tc>
+                  <a:txBody>
+                    <a:bodyPr/>
+                    <a:lstStyle/>
+                    <a:p>
+                      <a:r>
+                        <a:rPr lang="en-AU" sz="1100" dirty="0" smtClean="0"/>
+                        <a:t>Deep GRU</a:t>
+                      </a:r>
+                      <a:endParaRPr lang="en-AU" sz="1100" dirty="0"/>
+                    </a:p>
+                  </a:txBody>
+                  <a:tcPr/>
+                </a:tc>
+                <a:tc>
+                  <a:txBody>
+                    <a:bodyPr/>
+                    <a:lstStyle/>
+                    <a:p>
+                      <a:pPr algn="ctr"/>
+                      <a:r>
+                        <a:rPr lang="en-AU" sz="1100" dirty="0" smtClean="0"/>
+                        <a:t>23.01</a:t>
+                      </a:r>
+                      <a:endParaRPr lang="en-AU" sz="1100" dirty="0"/>
+                    </a:p>
+                  </a:txBody>
+                  <a:tcPr anchor="ctr"/>
+                </a:tc>
+                <a:tc>
+                  <a:txBody>
+                    <a:bodyPr/>
+                    <a:lstStyle/>
+                    <a:p>
+                      <a:pPr algn="ctr"/>
+                      <a:endParaRPr lang="en-AU" sz="1100" dirty="0"/>
+                    </a:p>
+                  </a:txBody>
+                  <a:tcPr anchor="ctr"/>
+                </a:tc>
+                <a:tc>
+                  <a:txBody>
+                    <a:bodyPr/>
+                    <a:lstStyle/>
+                    <a:p>
+                      <a:pPr algn="ctr"/>
+                      <a:endParaRPr lang="en-AU" sz="1100" dirty="0"/>
+                    </a:p>
+                  </a:txBody>
+                  <a:tcPr anchor="ctr"/>
+                </a:tc>
+                <a:tc>
+                  <a:txBody>
+                    <a:bodyPr/>
+                    <a:lstStyle/>
+                    <a:p>
+                      <a:pPr algn="ctr"/>
+                      <a:r>
+                        <a:rPr lang="en-AU" sz="1100" dirty="0" smtClean="0"/>
+                        <a:t>32.47</a:t>
+                      </a:r>
+                      <a:endParaRPr lang="en-AU" sz="1100" dirty="0"/>
+                    </a:p>
+                  </a:txBody>
+                  <a:tcPr anchor="ctr"/>
+                </a:tc>
+                <a:tc>
+                  <a:txBody>
+                    <a:bodyPr/>
+                    <a:lstStyle/>
+                    <a:p>
+                      <a:pPr algn="ctr"/>
+                      <a:endParaRPr lang="en-AU" sz="1100" dirty="0"/>
+                    </a:p>
+                  </a:txBody>
+                  <a:tcPr anchor="ctr"/>
+                </a:tc>
+                <a:tc>
+                  <a:txBody>
+                    <a:bodyPr/>
+                    <a:lstStyle/>
+                    <a:p>
+                      <a:pPr algn="ctr"/>
+                      <a:endParaRPr lang="en-AU" sz="1100" dirty="0"/>
+                    </a:p>
+                  </a:txBody>
+                  <a:tcPr anchor="ctr"/>
+                </a:tc>
+                <a:tc>
+                  <a:txBody>
+                    <a:bodyPr/>
+                    <a:lstStyle/>
+                    <a:p>
+                      <a:pPr algn="ctr"/>
+                      <a:r>
+                        <a:rPr lang="en-AU" sz="1100" dirty="0" smtClean="0"/>
+                        <a:t>13.69</a:t>
+                      </a:r>
+                      <a:endParaRPr lang="en-AU" sz="1100" dirty="0"/>
+                    </a:p>
+                  </a:txBody>
+                  <a:tcPr anchor="ctr"/>
+                </a:tc>
+                <a:tc>
+                  <a:txBody>
+                    <a:bodyPr/>
+                    <a:lstStyle/>
+                    <a:p>
+                      <a:pPr algn="ctr"/>
+                      <a:endParaRPr lang="en-AU" sz="1100" dirty="0"/>
+                    </a:p>
+                  </a:txBody>
+                  <a:tcPr anchor="ctr"/>
+                </a:tc>
+                <a:tc>
+                  <a:txBody>
+                    <a:bodyPr/>
+                    <a:lstStyle/>
+                    <a:p>
+                      <a:pPr algn="ctr"/>
+                      <a:endParaRPr lang="en-AU" sz="1100" dirty="0"/>
+                    </a:p>
+                  </a:txBody>
+                  <a:tcPr anchor="ctr"/>
+                </a:tc>
+              </a:tr>
+              <a:tr h="270999">
+                <a:tc>
+                  <a:txBody>
+                    <a:bodyPr/>
+                    <a:lstStyle/>
+                    <a:p>
+                      <a:r>
+                        <a:rPr lang="en-AU" sz="1100" dirty="0" smtClean="0"/>
+                        <a:t>Deep LSTM</a:t>
+                      </a:r>
+                      <a:endParaRPr lang="en-AU" sz="1100" dirty="0"/>
+                    </a:p>
+                  </a:txBody>
+                  <a:tcPr/>
+                </a:tc>
+                <a:tc>
+                  <a:txBody>
+                    <a:bodyPr/>
+                    <a:lstStyle/>
+                    <a:p>
+                      <a:pPr algn="ctr"/>
+                      <a:r>
+                        <a:rPr lang="en-AU" sz="1100" dirty="0" smtClean="0"/>
+                        <a:t>23.62</a:t>
+                      </a:r>
+                      <a:endParaRPr lang="en-AU" sz="1100" dirty="0"/>
+                    </a:p>
+                  </a:txBody>
+                  <a:tcPr anchor="ctr"/>
+                </a:tc>
+                <a:tc>
+                  <a:txBody>
+                    <a:bodyPr/>
+                    <a:lstStyle/>
+                    <a:p>
+                      <a:pPr algn="ctr"/>
+                      <a:endParaRPr lang="en-AU" sz="1100" dirty="0"/>
+                    </a:p>
+                  </a:txBody>
+                  <a:tcPr anchor="ctr"/>
+                </a:tc>
+                <a:tc>
+                  <a:txBody>
+                    <a:bodyPr/>
+                    <a:lstStyle/>
+                    <a:p>
+                      <a:pPr algn="ctr"/>
+                      <a:endParaRPr lang="en-AU" sz="1100" dirty="0"/>
+                    </a:p>
+                  </a:txBody>
+                  <a:tcPr anchor="ctr"/>
+                </a:tc>
+                <a:tc>
+                  <a:txBody>
+                    <a:bodyPr/>
+                    <a:lstStyle/>
+                    <a:p>
+                      <a:pPr algn="ctr"/>
+                      <a:r>
+                        <a:rPr lang="en-AU" sz="1100" dirty="0" smtClean="0"/>
+                        <a:t>33.44</a:t>
+                      </a:r>
+                      <a:endParaRPr lang="en-AU" sz="1100" dirty="0"/>
+                    </a:p>
+                  </a:txBody>
+                  <a:tcPr anchor="ctr"/>
+                </a:tc>
+                <a:tc>
+                  <a:txBody>
+                    <a:bodyPr/>
+                    <a:lstStyle/>
+                    <a:p>
+                      <a:pPr algn="ctr"/>
+                      <a:endParaRPr lang="en-AU" sz="1100" dirty="0"/>
+                    </a:p>
+                  </a:txBody>
+                  <a:tcPr anchor="ctr"/>
+                </a:tc>
+                <a:tc>
+                  <a:txBody>
+                    <a:bodyPr/>
+                    <a:lstStyle/>
+                    <a:p>
+                      <a:pPr algn="ctr"/>
+                      <a:endParaRPr lang="en-AU" sz="1100" dirty="0"/>
+                    </a:p>
+                  </a:txBody>
+                  <a:tcPr anchor="ctr"/>
+                </a:tc>
+                <a:tc>
+                  <a:txBody>
+                    <a:bodyPr/>
+                    <a:lstStyle/>
+                    <a:p>
+                      <a:pPr marL="0" marR="0" indent="0" algn="ctr" defTabSz="914400" rtl="0" eaLnBrk="1" fontAlgn="auto" latinLnBrk="0" hangingPunct="1">
                         <a:lnSpc>
                           <a:spcPct val="100000"/>
                         </a:lnSpc>
@@ -11491,519 +13314,37 @@
                         <a:defRPr/>
                       </a:pPr>
                       <a:r>
-                        <a:rPr lang="en-AU" sz="1200" smtClean="0">
-                          <a:solidFill>
-                            <a:schemeClr val="bg1">
-                              <a:lumMod val="95000"/>
-                            </a:schemeClr>
-                          </a:solidFill>
-                        </a:rPr>
-                        <a:t>15 min</a:t>
-                      </a:r>
-                      <a:endParaRPr lang="en-AU" sz="1200">
-                        <a:solidFill>
-                          <a:schemeClr val="bg1">
-                            <a:lumMod val="95000"/>
-                          </a:schemeClr>
-                        </a:solidFill>
-                      </a:endParaRPr>
-                    </a:p>
-                  </a:txBody>
-                  <a:tcPr>
-                    <a:lnL w="12700" cmpd="sng">
-                      <a:noFill/>
-                    </a:lnL>
-                    <a:lnR w="12700" cmpd="sng">
-                      <a:noFill/>
-                    </a:lnR>
-                    <a:lnT w="38100" cmpd="sng">
-                      <a:noFill/>
-                    </a:lnT>
-                    <a:lnB w="12700" cmpd="sng">
-                      <a:noFill/>
-                    </a:lnB>
-                    <a:lnTlToBr w="12700" cmpd="sng">
-                      <a:noFill/>
-                      <a:prstDash val="solid"/>
-                    </a:lnTlToBr>
-                    <a:lnBlToTr w="12700" cmpd="sng">
-                      <a:noFill/>
-                      <a:prstDash val="solid"/>
-                    </a:lnBlToTr>
-                    <a:solidFill>
-                      <a:schemeClr val="accent1"/>
-                    </a:solidFill>
-                  </a:tcPr>
-                </a:tc>
-                <a:tc>
-                  <a:txBody>
-                    <a:bodyPr/>
-                    <a:lstStyle/>
-                    <a:p>
-                      <a:pPr marL="0" marR="0" indent="0" algn="l" defTabSz="914400" rtl="0" eaLnBrk="1" fontAlgn="auto" latinLnBrk="0" hangingPunct="1">
-                        <a:lnSpc>
-                          <a:spcPct val="100000"/>
-                        </a:lnSpc>
-                        <a:spcBef>
-                          <a:spcPts val="0"/>
-                        </a:spcBef>
-                        <a:spcAft>
-                          <a:spcPts val="0"/>
-                        </a:spcAft>
-                        <a:buClrTx/>
-                        <a:buSzTx/>
-                        <a:buFontTx/>
-                        <a:buNone/>
-                        <a:tabLst/>
-                        <a:defRPr/>
-                      </a:pPr>
-                      <a:r>
-                        <a:rPr lang="en-AU" sz="1200" smtClean="0">
-                          <a:solidFill>
-                            <a:schemeClr val="bg1">
-                              <a:lumMod val="95000"/>
-                            </a:schemeClr>
-                          </a:solidFill>
-                        </a:rPr>
-                        <a:t>30 min</a:t>
-                      </a:r>
-                      <a:endParaRPr lang="en-AU" sz="1200">
-                        <a:solidFill>
-                          <a:schemeClr val="bg1">
-                            <a:lumMod val="95000"/>
-                          </a:schemeClr>
-                        </a:solidFill>
-                      </a:endParaRPr>
-                    </a:p>
-                  </a:txBody>
-                  <a:tcPr>
-                    <a:lnL w="12700" cmpd="sng">
-                      <a:noFill/>
-                    </a:lnL>
-                    <a:lnR w="12700" cmpd="sng">
-                      <a:noFill/>
-                    </a:lnR>
-                    <a:lnT w="38100" cmpd="sng">
-                      <a:noFill/>
-                    </a:lnT>
-                    <a:lnB w="12700" cmpd="sng">
-                      <a:noFill/>
-                    </a:lnB>
-                    <a:lnTlToBr w="12700" cmpd="sng">
-                      <a:noFill/>
-                      <a:prstDash val="solid"/>
-                    </a:lnTlToBr>
-                    <a:lnBlToTr w="12700" cmpd="sng">
-                      <a:noFill/>
-                      <a:prstDash val="solid"/>
-                    </a:lnBlToTr>
-                    <a:solidFill>
-                      <a:schemeClr val="accent1"/>
-                    </a:solidFill>
-                  </a:tcPr>
-                </a:tc>
-                <a:tc>
-                  <a:txBody>
-                    <a:bodyPr/>
-                    <a:lstStyle/>
-                    <a:p>
-                      <a:r>
-                        <a:rPr lang="en-AU" sz="1200" smtClean="0">
-                          <a:solidFill>
-                            <a:schemeClr val="bg1">
-                              <a:lumMod val="95000"/>
-                            </a:schemeClr>
-                          </a:solidFill>
-                        </a:rPr>
-                        <a:t>15 min</a:t>
-                      </a:r>
-                      <a:endParaRPr lang="en-AU" sz="1200">
-                        <a:solidFill>
-                          <a:schemeClr val="bg1">
-                            <a:lumMod val="95000"/>
-                          </a:schemeClr>
-                        </a:solidFill>
-                      </a:endParaRPr>
-                    </a:p>
-                  </a:txBody>
-                  <a:tcPr>
-                    <a:lnL w="12700" cmpd="sng">
-                      <a:noFill/>
-                    </a:lnL>
-                    <a:lnR w="12700" cmpd="sng">
-                      <a:noFill/>
-                    </a:lnR>
-                    <a:lnT w="38100" cmpd="sng">
-                      <a:noFill/>
-                    </a:lnT>
-                    <a:lnB w="12700" cmpd="sng">
-                      <a:noFill/>
-                    </a:lnB>
-                    <a:lnTlToBr w="12700" cmpd="sng">
-                      <a:noFill/>
-                      <a:prstDash val="solid"/>
-                    </a:lnTlToBr>
-                    <a:lnBlToTr w="12700" cmpd="sng">
-                      <a:noFill/>
-                      <a:prstDash val="solid"/>
-                    </a:lnBlToTr>
-                    <a:solidFill>
-                      <a:schemeClr val="accent1"/>
-                    </a:solidFill>
-                  </a:tcPr>
-                </a:tc>
-                <a:tc>
-                  <a:txBody>
-                    <a:bodyPr/>
-                    <a:lstStyle/>
-                    <a:p>
-                      <a:r>
-                        <a:rPr lang="en-AU" sz="1200" smtClean="0">
-                          <a:solidFill>
-                            <a:schemeClr val="bg1">
-                              <a:lumMod val="95000"/>
-                            </a:schemeClr>
-                          </a:solidFill>
-                        </a:rPr>
-                        <a:t>30 min</a:t>
-                      </a:r>
-                      <a:endParaRPr lang="en-AU" sz="1200">
-                        <a:solidFill>
-                          <a:schemeClr val="bg1">
-                            <a:lumMod val="95000"/>
-                          </a:schemeClr>
-                        </a:solidFill>
-                      </a:endParaRPr>
-                    </a:p>
-                  </a:txBody>
-                  <a:tcPr>
-                    <a:lnL w="12700" cmpd="sng">
-                      <a:noFill/>
-                    </a:lnL>
-                    <a:lnR w="12700" cmpd="sng">
-                      <a:noFill/>
-                    </a:lnR>
-                    <a:lnT w="38100" cmpd="sng">
-                      <a:noFill/>
-                    </a:lnT>
-                    <a:lnB w="12700" cmpd="sng">
-                      <a:noFill/>
-                    </a:lnB>
-                    <a:lnTlToBr w="12700" cmpd="sng">
-                      <a:noFill/>
-                      <a:prstDash val="solid"/>
-                    </a:lnTlToBr>
-                    <a:lnBlToTr w="12700" cmpd="sng">
-                      <a:noFill/>
-                      <a:prstDash val="solid"/>
-                    </a:lnBlToTr>
-                    <a:solidFill>
-                      <a:schemeClr val="accent1"/>
-                    </a:solidFill>
-                  </a:tcPr>
-                </a:tc>
-                <a:tc>
-                  <a:txBody>
-                    <a:bodyPr/>
-                    <a:lstStyle/>
-                    <a:p>
-                      <a:r>
-                        <a:rPr lang="en-AU" sz="1200" smtClean="0">
-                          <a:solidFill>
-                            <a:schemeClr val="bg1">
-                              <a:lumMod val="95000"/>
-                            </a:schemeClr>
-                          </a:solidFill>
-                        </a:rPr>
-                        <a:t>15 min</a:t>
-                      </a:r>
-                      <a:endParaRPr lang="en-AU" sz="1200">
-                        <a:solidFill>
-                          <a:schemeClr val="bg1">
-                            <a:lumMod val="95000"/>
-                          </a:schemeClr>
-                        </a:solidFill>
-                      </a:endParaRPr>
-                    </a:p>
-                  </a:txBody>
-                  <a:tcPr>
-                    <a:lnL w="12700" cmpd="sng">
-                      <a:noFill/>
-                    </a:lnL>
-                    <a:lnR w="12700" cmpd="sng">
-                      <a:noFill/>
-                    </a:lnR>
-                    <a:lnT w="38100" cmpd="sng">
-                      <a:noFill/>
-                    </a:lnT>
-                    <a:lnB w="12700" cmpd="sng">
-                      <a:noFill/>
-                    </a:lnB>
-                    <a:lnTlToBr w="12700" cmpd="sng">
-                      <a:noFill/>
-                      <a:prstDash val="solid"/>
-                    </a:lnTlToBr>
-                    <a:lnBlToTr w="12700" cmpd="sng">
-                      <a:noFill/>
-                      <a:prstDash val="solid"/>
-                    </a:lnBlToTr>
-                    <a:solidFill>
-                      <a:schemeClr val="accent1"/>
-                    </a:solidFill>
-                  </a:tcPr>
-                </a:tc>
-                <a:tc>
-                  <a:txBody>
-                    <a:bodyPr/>
-                    <a:lstStyle/>
-                    <a:p>
-                      <a:r>
-                        <a:rPr lang="en-AU" sz="1200" smtClean="0">
-                          <a:solidFill>
-                            <a:schemeClr val="bg1">
-                              <a:lumMod val="95000"/>
-                            </a:schemeClr>
-                          </a:solidFill>
-                        </a:rPr>
-                        <a:t>30 min</a:t>
-                      </a:r>
-                      <a:endParaRPr lang="en-AU" sz="1200">
-                        <a:solidFill>
-                          <a:schemeClr val="bg1">
-                            <a:lumMod val="95000"/>
-                          </a:schemeClr>
-                        </a:solidFill>
-                      </a:endParaRPr>
-                    </a:p>
-                  </a:txBody>
-                  <a:tcPr>
-                    <a:lnL w="12700" cmpd="sng">
-                      <a:noFill/>
-                    </a:lnL>
-                    <a:lnR w="12700" cmpd="sng">
-                      <a:noFill/>
-                    </a:lnR>
-                    <a:lnT w="38100" cmpd="sng">
-                      <a:noFill/>
-                    </a:lnT>
-                    <a:lnB w="12700" cmpd="sng">
-                      <a:noFill/>
-                    </a:lnB>
-                    <a:lnTlToBr w="12700" cmpd="sng">
-                      <a:noFill/>
-                      <a:prstDash val="solid"/>
-                    </a:lnTlToBr>
-                    <a:lnBlToTr w="12700" cmpd="sng">
-                      <a:noFill/>
-                      <a:prstDash val="solid"/>
-                    </a:lnBlToTr>
-                    <a:solidFill>
-                      <a:schemeClr val="accent1"/>
-                    </a:solidFill>
-                  </a:tcPr>
-                </a:tc>
-                <a:tc>
-                  <a:txBody>
-                    <a:bodyPr/>
-                    <a:lstStyle/>
-                    <a:p>
-                      <a:r>
-                        <a:rPr lang="en-AU" sz="1200" smtClean="0">
-                          <a:solidFill>
-                            <a:schemeClr val="bg1">
-                              <a:lumMod val="95000"/>
-                            </a:schemeClr>
-                          </a:solidFill>
-                        </a:rPr>
-                        <a:t>15 min</a:t>
-                      </a:r>
-                      <a:endParaRPr lang="en-AU" sz="1200">
-                        <a:solidFill>
-                          <a:schemeClr val="bg1">
-                            <a:lumMod val="95000"/>
-                          </a:schemeClr>
-                        </a:solidFill>
-                      </a:endParaRPr>
-                    </a:p>
-                  </a:txBody>
-                  <a:tcPr>
-                    <a:lnL w="12700" cmpd="sng">
-                      <a:noFill/>
-                    </a:lnL>
-                    <a:lnR w="12700" cmpd="sng">
-                      <a:noFill/>
-                    </a:lnR>
-                    <a:lnT w="38100" cmpd="sng">
-                      <a:noFill/>
-                    </a:lnT>
-                    <a:lnB w="12700" cmpd="sng">
-                      <a:noFill/>
-                    </a:lnB>
-                    <a:lnTlToBr w="12700" cmpd="sng">
-                      <a:noFill/>
-                      <a:prstDash val="solid"/>
-                    </a:lnTlToBr>
-                    <a:lnBlToTr w="12700" cmpd="sng">
-                      <a:noFill/>
-                      <a:prstDash val="solid"/>
-                    </a:lnBlToTr>
-                    <a:solidFill>
-                      <a:schemeClr val="accent1"/>
-                    </a:solidFill>
-                  </a:tcPr>
-                </a:tc>
-                <a:tc>
-                  <a:txBody>
-                    <a:bodyPr/>
-                    <a:lstStyle/>
-                    <a:p>
-                      <a:r>
-                        <a:rPr lang="en-AU" sz="1200" smtClean="0">
-                          <a:solidFill>
-                            <a:schemeClr val="bg1">
-                              <a:lumMod val="95000"/>
-                            </a:schemeClr>
-                          </a:solidFill>
-                        </a:rPr>
-                        <a:t>30 min</a:t>
-                      </a:r>
-                      <a:endParaRPr lang="en-AU" sz="1200">
-                        <a:solidFill>
-                          <a:schemeClr val="bg1">
-                            <a:lumMod val="95000"/>
-                          </a:schemeClr>
-                        </a:solidFill>
-                      </a:endParaRPr>
-                    </a:p>
-                  </a:txBody>
-                  <a:tcPr>
-                    <a:lnL w="12700" cmpd="sng">
-                      <a:noFill/>
-                    </a:lnL>
-                    <a:lnR w="12700" cmpd="sng">
-                      <a:noFill/>
-                    </a:lnR>
-                    <a:lnT w="38100" cmpd="sng">
-                      <a:noFill/>
-                    </a:lnT>
-                    <a:lnB w="12700" cmpd="sng">
-                      <a:noFill/>
-                    </a:lnB>
-                    <a:lnTlToBr w="12700" cmpd="sng">
-                      <a:noFill/>
-                      <a:prstDash val="solid"/>
-                    </a:lnTlToBr>
-                    <a:lnBlToTr w="12700" cmpd="sng">
-                      <a:noFill/>
-                      <a:prstDash val="solid"/>
-                    </a:lnBlToTr>
-                    <a:solidFill>
-                      <a:schemeClr val="accent1"/>
-                    </a:solidFill>
-                  </a:tcPr>
-                </a:tc>
-                <a:tc>
-                  <a:txBody>
-                    <a:bodyPr/>
-                    <a:lstStyle/>
-                    <a:p>
-                      <a:r>
-                        <a:rPr lang="en-AU" sz="1200" smtClean="0">
-                          <a:solidFill>
-                            <a:schemeClr val="bg1">
-                              <a:lumMod val="95000"/>
-                            </a:schemeClr>
-                          </a:solidFill>
-                        </a:rPr>
-                        <a:t>15 min</a:t>
-                      </a:r>
-                      <a:endParaRPr lang="en-AU" sz="1200">
-                        <a:solidFill>
-                          <a:schemeClr val="bg1">
-                            <a:lumMod val="95000"/>
-                          </a:schemeClr>
-                        </a:solidFill>
-                      </a:endParaRPr>
-                    </a:p>
-                  </a:txBody>
-                  <a:tcPr>
-                    <a:lnL w="12700" cmpd="sng">
-                      <a:noFill/>
-                    </a:lnL>
-                    <a:lnR w="12700" cmpd="sng">
-                      <a:noFill/>
-                    </a:lnR>
-                    <a:lnT w="38100" cmpd="sng">
-                      <a:noFill/>
-                    </a:lnT>
-                    <a:lnB w="12700" cmpd="sng">
-                      <a:noFill/>
-                    </a:lnB>
-                    <a:lnTlToBr w="12700" cmpd="sng">
-                      <a:noFill/>
-                      <a:prstDash val="solid"/>
-                    </a:lnTlToBr>
-                    <a:lnBlToTr w="12700" cmpd="sng">
-                      <a:noFill/>
-                      <a:prstDash val="solid"/>
-                    </a:lnBlToTr>
-                    <a:solidFill>
-                      <a:schemeClr val="accent1"/>
-                    </a:solidFill>
-                  </a:tcPr>
-                </a:tc>
-                <a:tc>
-                  <a:txBody>
-                    <a:bodyPr/>
-                    <a:lstStyle/>
-                    <a:p>
-                      <a:r>
-                        <a:rPr lang="en-AU" sz="1200" smtClean="0">
-                          <a:solidFill>
-                            <a:schemeClr val="bg1">
-                              <a:lumMod val="95000"/>
-                            </a:schemeClr>
-                          </a:solidFill>
-                        </a:rPr>
-                        <a:t>30 min</a:t>
-                      </a:r>
-                      <a:endParaRPr lang="en-AU" sz="1200">
-                        <a:solidFill>
-                          <a:schemeClr val="bg1">
-                            <a:lumMod val="95000"/>
-                          </a:schemeClr>
-                        </a:solidFill>
-                      </a:endParaRPr>
-                    </a:p>
-                  </a:txBody>
-                  <a:tcPr>
-                    <a:lnL w="12700" cmpd="sng">
-                      <a:noFill/>
-                    </a:lnL>
-                    <a:lnR w="12700" cmpd="sng">
-                      <a:noFill/>
-                    </a:lnR>
-                    <a:lnT w="38100" cmpd="sng">
-                      <a:noFill/>
-                    </a:lnT>
-                    <a:lnB w="12700" cmpd="sng">
-                      <a:noFill/>
-                    </a:lnB>
-                    <a:lnTlToBr w="12700" cmpd="sng">
-                      <a:noFill/>
-                      <a:prstDash val="solid"/>
-                    </a:lnTlToBr>
-                    <a:lnBlToTr w="12700" cmpd="sng">
-                      <a:noFill/>
-                      <a:prstDash val="solid"/>
-                    </a:lnBlToTr>
-                    <a:solidFill>
-                      <a:schemeClr val="accent1"/>
-                    </a:solidFill>
-                  </a:tcPr>
+                        <a:rPr lang="en-AU" sz="1100" dirty="0" smtClean="0"/>
+                        <a:t>15.87</a:t>
+                      </a:r>
+                    </a:p>
+                  </a:txBody>
+                  <a:tcPr anchor="ctr"/>
+                </a:tc>
+                <a:tc>
+                  <a:txBody>
+                    <a:bodyPr/>
+                    <a:lstStyle/>
+                    <a:p>
+                      <a:pPr algn="ctr"/>
+                      <a:endParaRPr lang="en-AU" sz="1100" dirty="0"/>
+                    </a:p>
+                  </a:txBody>
+                  <a:tcPr anchor="ctr"/>
+                </a:tc>
+                <a:tc>
+                  <a:txBody>
+                    <a:bodyPr/>
+                    <a:lstStyle/>
+                    <a:p>
+                      <a:pPr algn="ctr"/>
+                      <a:endParaRPr lang="en-AU" sz="1100" dirty="0"/>
+                    </a:p>
+                  </a:txBody>
+                  <a:tcPr anchor="ctr"/>
                 </a:tc>
               </a:tr>
-              <a:tr h="226167">
+              <a:tr h="270999">
                 <a:tc>
                   <a:txBody>
                     <a:bodyPr/>
@@ -12011,1823 +13352,151 @@
                     <a:p>
                       <a:r>
                         <a:rPr lang="en-AU" sz="1100" dirty="0" smtClean="0"/>
-                        <a:t>Historical averages</a:t>
+                        <a:t>Deep LSTM</a:t>
+                      </a:r>
+                      <a:r>
+                        <a:rPr lang="en-AU" sz="1100" baseline="0" dirty="0" smtClean="0"/>
+                        <a:t> (Multivariate)</a:t>
                       </a:r>
                       <a:endParaRPr lang="en-AU" sz="1100" dirty="0"/>
                     </a:p>
                   </a:txBody>
-                  <a:tcPr>
-                    <a:lnT w="12700" cmpd="sng">
-                      <a:noFill/>
-                    </a:lnT>
-                  </a:tcPr>
-                </a:tc>
-                <a:tc>
-                  <a:txBody>
-                    <a:bodyPr/>
-                    <a:lstStyle/>
-                    <a:p>
-                      <a:pPr marL="0" marR="0" indent="0" algn="l" defTabSz="914400" rtl="0" eaLnBrk="1" fontAlgn="auto" latinLnBrk="0" hangingPunct="1">
-                        <a:lnSpc>
-                          <a:spcPct val="100000"/>
-                        </a:lnSpc>
-                        <a:spcBef>
-                          <a:spcPts val="0"/>
-                        </a:spcBef>
-                        <a:spcAft>
-                          <a:spcPts val="0"/>
-                        </a:spcAft>
-                        <a:buClrTx/>
-                        <a:buSzTx/>
-                        <a:buFontTx/>
-                        <a:buNone/>
-                        <a:tabLst/>
-                        <a:defRPr/>
-                      </a:pPr>
-                      <a:r>
-                        <a:rPr lang="nb-NO" sz="1100" smtClean="0"/>
-                        <a:t>-11.50</a:t>
-                      </a:r>
+                  <a:tcPr/>
+                </a:tc>
+                <a:tc>
+                  <a:txBody>
+                    <a:bodyPr/>
+                    <a:lstStyle/>
+                    <a:p>
+                      <a:pPr algn="ctr"/>
                       <a:endParaRPr lang="en-AU" sz="1100"/>
                     </a:p>
                   </a:txBody>
-                  <a:tcPr>
-                    <a:lnT w="12700" cmpd="sng">
-                      <a:noFill/>
-                    </a:lnT>
-                  </a:tcPr>
-                </a:tc>
-                <a:tc>
-                  <a:txBody>
-                    <a:bodyPr/>
-                    <a:lstStyle/>
-                    <a:p>
-                      <a:r>
-                        <a:rPr lang="en-AU" sz="1100" smtClean="0"/>
-                        <a:t>-22.98</a:t>
-                      </a:r>
-                      <a:endParaRPr lang="en-AU" sz="1100"/>
-                    </a:p>
-                  </a:txBody>
-                  <a:tcPr>
-                    <a:lnT w="12700" cmpd="sng">
-                      <a:noFill/>
-                    </a:lnT>
-                  </a:tcPr>
-                </a:tc>
-                <a:tc>
-                  <a:txBody>
-                    <a:bodyPr/>
-                    <a:lstStyle/>
-                    <a:p>
-                      <a:r>
-                        <a:rPr lang="en-AU" sz="1100" smtClean="0"/>
-                        <a:t>48.15</a:t>
-                      </a:r>
-                      <a:endParaRPr lang="en-AU" sz="1100"/>
-                    </a:p>
-                  </a:txBody>
-                  <a:tcPr>
-                    <a:lnT w="12700" cmpd="sng">
-                      <a:noFill/>
-                    </a:lnT>
-                  </a:tcPr>
-                </a:tc>
-                <a:tc>
-                  <a:txBody>
-                    <a:bodyPr/>
-                    <a:lstStyle/>
-                    <a:p>
-                      <a:r>
-                        <a:rPr lang="en-AU" sz="1100" smtClean="0"/>
-                        <a:t>93.80</a:t>
-                      </a:r>
-                      <a:endParaRPr lang="en-AU" sz="1100"/>
-                    </a:p>
-                  </a:txBody>
-                  <a:tcPr>
-                    <a:lnT w="12700" cmpd="sng">
-                      <a:noFill/>
-                    </a:lnT>
-                  </a:tcPr>
-                </a:tc>
-                <a:tc>
-                  <a:txBody>
-                    <a:bodyPr/>
-                    <a:lstStyle/>
-                    <a:p>
-                      <a:r>
-                        <a:rPr lang="en-AU" sz="1100" smtClean="0"/>
-                        <a:t>61.76</a:t>
-                      </a:r>
-                      <a:endParaRPr lang="en-AU" sz="1100"/>
-                    </a:p>
-                  </a:txBody>
-                  <a:tcPr>
-                    <a:lnT w="12700" cmpd="sng">
-                      <a:noFill/>
-                    </a:lnT>
-                  </a:tcPr>
-                </a:tc>
-                <a:tc>
-                  <a:txBody>
-                    <a:bodyPr/>
-                    <a:lstStyle/>
-                    <a:p>
-                      <a:r>
-                        <a:rPr lang="en-AU" sz="1100" smtClean="0"/>
-                        <a:t>120.40</a:t>
-                      </a:r>
-                      <a:endParaRPr lang="en-AU" sz="1100"/>
-                    </a:p>
-                  </a:txBody>
-                  <a:tcPr>
-                    <a:lnT w="12700" cmpd="sng">
-                      <a:noFill/>
-                    </a:lnT>
-                  </a:tcPr>
-                </a:tc>
-                <a:tc>
-                  <a:txBody>
-                    <a:bodyPr/>
-                    <a:lstStyle/>
-                    <a:p>
-                      <a:r>
-                        <a:rPr lang="en-AU" sz="1100" smtClean="0"/>
-                        <a:t>-14.12</a:t>
-                      </a:r>
-                      <a:endParaRPr lang="en-AU" sz="1100"/>
-                    </a:p>
-                  </a:txBody>
-                  <a:tcPr>
-                    <a:lnT w="12700" cmpd="sng">
-                      <a:noFill/>
-                    </a:lnT>
-                  </a:tcPr>
-                </a:tc>
-                <a:tc>
-                  <a:txBody>
-                    <a:bodyPr/>
-                    <a:lstStyle/>
-                    <a:p>
-                      <a:r>
-                        <a:rPr lang="en-AU" sz="1100" smtClean="0"/>
-                        <a:t>-14.01</a:t>
-                      </a:r>
-                      <a:endParaRPr lang="en-AU" sz="1100"/>
-                    </a:p>
-                  </a:txBody>
-                  <a:tcPr>
-                    <a:lnT w="12700" cmpd="sng">
-                      <a:noFill/>
-                    </a:lnT>
-                  </a:tcPr>
-                </a:tc>
-                <a:tc>
-                  <a:txBody>
-                    <a:bodyPr/>
-                    <a:lstStyle/>
-                    <a:p>
-                      <a:r>
-                        <a:rPr lang="en-AU" sz="1100" smtClean="0"/>
-                        <a:t>54.79</a:t>
-                      </a:r>
-                      <a:endParaRPr lang="en-AU" sz="1100"/>
-                    </a:p>
-                  </a:txBody>
-                  <a:tcPr>
-                    <a:lnT w="12700" cmpd="sng">
-                      <a:noFill/>
-                    </a:lnT>
-                  </a:tcPr>
-                </a:tc>
-                <a:tc>
-                  <a:txBody>
-                    <a:bodyPr/>
-                    <a:lstStyle/>
-                    <a:p>
-                      <a:r>
-                        <a:rPr lang="en-AU" sz="1100" smtClean="0"/>
-                        <a:t>53.14</a:t>
-                      </a:r>
-                      <a:endParaRPr lang="en-AU" sz="1100"/>
-                    </a:p>
-                  </a:txBody>
-                  <a:tcPr>
-                    <a:lnT w="12700" cmpd="sng">
-                      <a:noFill/>
-                    </a:lnT>
-                  </a:tcPr>
-                </a:tc>
-              </a:tr>
-              <a:tr h="226167">
-                <a:tc>
-                  <a:txBody>
-                    <a:bodyPr/>
-                    <a:lstStyle/>
-                    <a:p>
-                      <a:r>
-                        <a:rPr lang="en-AU" sz="1100" smtClean="0"/>
-                        <a:t>Naive</a:t>
-                      </a:r>
-                      <a:endParaRPr lang="en-AU" sz="1100"/>
-                    </a:p>
-                  </a:txBody>
-                  <a:tcPr/>
-                </a:tc>
-                <a:tc>
-                  <a:txBody>
-                    <a:bodyPr/>
-                    <a:lstStyle/>
-                    <a:p>
-                      <a:r>
-                        <a:rPr lang="en-AU" sz="1100" smtClean="0"/>
-                        <a:t>-0.18</a:t>
-                      </a:r>
-                      <a:endParaRPr lang="en-AU" sz="1100"/>
-                    </a:p>
-                  </a:txBody>
-                  <a:tcPr/>
-                </a:tc>
-                <a:tc>
-                  <a:txBody>
-                    <a:bodyPr/>
-                    <a:lstStyle/>
-                    <a:p>
-                      <a:r>
-                        <a:rPr lang="en-AU" sz="1100" smtClean="0"/>
-                        <a:t>-0.34</a:t>
-                      </a:r>
-                      <a:endParaRPr lang="en-AU" sz="1100"/>
-                    </a:p>
-                  </a:txBody>
-                  <a:tcPr/>
-                </a:tc>
-                <a:tc>
-                  <a:txBody>
-                    <a:bodyPr/>
-                    <a:lstStyle/>
-                    <a:p>
-                      <a:r>
-                        <a:rPr lang="en-AU" sz="1100" smtClean="0"/>
-                        <a:t>15.79</a:t>
-                      </a:r>
-                      <a:endParaRPr lang="en-AU" sz="1100"/>
-                    </a:p>
-                  </a:txBody>
-                  <a:tcPr/>
-                </a:tc>
-                <a:tc>
-                  <a:txBody>
-                    <a:bodyPr/>
-                    <a:lstStyle/>
-                    <a:p>
-                      <a:r>
-                        <a:rPr lang="en-AU" sz="1100" smtClean="0"/>
-                        <a:t>30.88</a:t>
-                      </a:r>
-                      <a:endParaRPr lang="en-AU" sz="1100"/>
-                    </a:p>
-                  </a:txBody>
-                  <a:tcPr/>
-                </a:tc>
-                <a:tc>
-                  <a:txBody>
-                    <a:bodyPr/>
-                    <a:lstStyle/>
-                    <a:p>
-                      <a:r>
-                        <a:rPr lang="en-AU" sz="1100" smtClean="0"/>
-                        <a:t>25.48</a:t>
-                      </a:r>
-                      <a:endParaRPr lang="en-AU" sz="1100"/>
-                    </a:p>
-                  </a:txBody>
-                  <a:tcPr/>
-                </a:tc>
-                <a:tc>
-                  <a:txBody>
-                    <a:bodyPr/>
-                    <a:lstStyle/>
-                    <a:p>
-                      <a:r>
-                        <a:rPr lang="en-AU" sz="1100" smtClean="0"/>
-                        <a:t>49.21</a:t>
-                      </a:r>
-                      <a:endParaRPr lang="en-AU" sz="1100"/>
-                    </a:p>
-                  </a:txBody>
-                  <a:tcPr/>
-                </a:tc>
-                <a:tc>
-                  <a:txBody>
-                    <a:bodyPr/>
-                    <a:lstStyle/>
-                    <a:p>
-                      <a:r>
-                        <a:rPr lang="en-AU" sz="1100" smtClean="0"/>
-                        <a:t>-3.60</a:t>
-                      </a:r>
-                      <a:endParaRPr lang="en-AU" sz="1100"/>
-                    </a:p>
-                  </a:txBody>
-                  <a:tcPr/>
-                </a:tc>
-                <a:tc>
-                  <a:txBody>
-                    <a:bodyPr/>
-                    <a:lstStyle/>
-                    <a:p>
-                      <a:r>
-                        <a:rPr lang="en-AU" sz="1100" smtClean="0"/>
-                        <a:t>-4.16</a:t>
-                      </a:r>
-                      <a:endParaRPr lang="en-AU" sz="1100"/>
-                    </a:p>
-                  </a:txBody>
-                  <a:tcPr/>
-                </a:tc>
-                <a:tc>
-                  <a:txBody>
-                    <a:bodyPr/>
-                    <a:lstStyle/>
-                    <a:p>
-                      <a:r>
-                        <a:rPr lang="en-AU" sz="1100" smtClean="0"/>
-                        <a:t>20.52</a:t>
-                      </a:r>
-                      <a:endParaRPr lang="en-AU" sz="1100"/>
-                    </a:p>
-                  </a:txBody>
-                  <a:tcPr/>
-                </a:tc>
-                <a:tc>
-                  <a:txBody>
-                    <a:bodyPr/>
-                    <a:lstStyle/>
-                    <a:p>
-                      <a:r>
-                        <a:rPr lang="en-AU" sz="1100" smtClean="0"/>
-                        <a:t>19.73</a:t>
-                      </a:r>
-                      <a:endParaRPr lang="en-AU" sz="1100"/>
-                    </a:p>
-                  </a:txBody>
-                  <a:tcPr/>
-                </a:tc>
-              </a:tr>
-              <a:tr h="226167">
-                <a:tc>
-                  <a:txBody>
-                    <a:bodyPr/>
-                    <a:lstStyle/>
-                    <a:p>
-                      <a:r>
-                        <a:rPr lang="en-AU" sz="1100" dirty="0" smtClean="0"/>
-                        <a:t>Linear</a:t>
-                      </a:r>
-                      <a:r>
-                        <a:rPr lang="en-AU" sz="1100" baseline="0" dirty="0" smtClean="0"/>
-                        <a:t> regression</a:t>
-                      </a:r>
+                  <a:tcPr anchor="ctr"/>
+                </a:tc>
+                <a:tc>
+                  <a:txBody>
+                    <a:bodyPr/>
+                    <a:lstStyle/>
+                    <a:p>
+                      <a:pPr algn="ctr"/>
                       <a:endParaRPr lang="en-AU" sz="1100" dirty="0"/>
                     </a:p>
                   </a:txBody>
-                  <a:tcPr/>
-                </a:tc>
-                <a:tc>
-                  <a:txBody>
-                    <a:bodyPr/>
-                    <a:lstStyle/>
-                    <a:p>
-                      <a:r>
-                        <a:rPr lang="en-AU" sz="1100" smtClean="0"/>
-                        <a:t>-11.06</a:t>
-                      </a:r>
-                      <a:endParaRPr lang="en-AU" sz="1100"/>
-                    </a:p>
-                  </a:txBody>
-                  <a:tcPr/>
-                </a:tc>
-                <a:tc>
-                  <a:txBody>
-                    <a:bodyPr/>
-                    <a:lstStyle/>
-                    <a:p>
-                      <a:r>
-                        <a:rPr lang="en-AU" sz="1100" smtClean="0"/>
-                        <a:t>-22.09</a:t>
-                      </a:r>
-                      <a:endParaRPr lang="en-AU" sz="1100"/>
-                    </a:p>
-                  </a:txBody>
-                  <a:tcPr/>
-                </a:tc>
-                <a:tc>
-                  <a:txBody>
-                    <a:bodyPr/>
-                    <a:lstStyle/>
-                    <a:p>
-                      <a:r>
-                        <a:rPr lang="en-AU" sz="1100" smtClean="0"/>
-                        <a:t>48.08</a:t>
-                      </a:r>
-                      <a:endParaRPr lang="en-AU" sz="1100"/>
-                    </a:p>
-                  </a:txBody>
-                  <a:tcPr/>
-                </a:tc>
-                <a:tc>
-                  <a:txBody>
-                    <a:bodyPr/>
-                    <a:lstStyle/>
-                    <a:p>
-                      <a:r>
-                        <a:rPr lang="en-AU" sz="1100" smtClean="0"/>
-                        <a:t>93.53</a:t>
-                      </a:r>
-                      <a:endParaRPr lang="en-AU" sz="1100"/>
-                    </a:p>
-                  </a:txBody>
-                  <a:tcPr/>
-                </a:tc>
-                <a:tc>
-                  <a:txBody>
-                    <a:bodyPr/>
-                    <a:lstStyle/>
-                    <a:p>
-                      <a:r>
-                        <a:rPr lang="en-AU" sz="1100" smtClean="0"/>
-                        <a:t>61.81</a:t>
-                      </a:r>
-                      <a:endParaRPr lang="en-AU" sz="1100"/>
-                    </a:p>
-                  </a:txBody>
-                  <a:tcPr/>
-                </a:tc>
-                <a:tc>
-                  <a:txBody>
-                    <a:bodyPr/>
-                    <a:lstStyle/>
-                    <a:p>
-                      <a:r>
-                        <a:rPr lang="en-AU" sz="1100" smtClean="0"/>
-                        <a:t>120.50</a:t>
-                      </a:r>
-                      <a:endParaRPr lang="en-AU" sz="1100"/>
-                    </a:p>
-                  </a:txBody>
-                  <a:tcPr/>
-                </a:tc>
-                <a:tc>
-                  <a:txBody>
-                    <a:bodyPr/>
-                    <a:lstStyle/>
-                    <a:p>
-                      <a:endParaRPr lang="en-AU" sz="1100"/>
-                    </a:p>
-                  </a:txBody>
-                  <a:tcPr/>
-                </a:tc>
-                <a:tc>
-                  <a:txBody>
-                    <a:bodyPr/>
-                    <a:lstStyle/>
-                    <a:p>
-                      <a:endParaRPr lang="en-AU" sz="1100"/>
-                    </a:p>
-                  </a:txBody>
-                  <a:tcPr/>
-                </a:tc>
-                <a:tc>
-                  <a:txBody>
-                    <a:bodyPr/>
-                    <a:lstStyle/>
-                    <a:p>
-                      <a:r>
-                        <a:rPr lang="en-AU" sz="1100" smtClean="0"/>
-                        <a:t>55.36</a:t>
-                      </a:r>
-                      <a:endParaRPr lang="en-AU" sz="1100"/>
-                    </a:p>
-                  </a:txBody>
-                  <a:tcPr/>
-                </a:tc>
-                <a:tc>
-                  <a:txBody>
-                    <a:bodyPr/>
-                    <a:lstStyle/>
-                    <a:p>
-                      <a:r>
-                        <a:rPr lang="en-AU" sz="1100" smtClean="0"/>
-                        <a:t>53.57</a:t>
-                      </a:r>
-                      <a:endParaRPr lang="en-AU" sz="1100"/>
-                    </a:p>
-                  </a:txBody>
-                  <a:tcPr/>
-                </a:tc>
-              </a:tr>
-              <a:tr h="226167">
-                <a:tc>
-                  <a:txBody>
-                    <a:bodyPr/>
-                    <a:lstStyle/>
-                    <a:p>
-                      <a:r>
-                        <a:rPr lang="en-AU" sz="1100" smtClean="0"/>
-                        <a:t>ARIMA</a:t>
-                      </a:r>
-                      <a:endParaRPr lang="en-AU" sz="1100"/>
-                    </a:p>
-                  </a:txBody>
-                  <a:tcPr/>
-                </a:tc>
-                <a:tc>
-                  <a:txBody>
-                    <a:bodyPr/>
-                    <a:lstStyle/>
-                    <a:p>
-                      <a:r>
-                        <a:rPr lang="en-AU" sz="1100" smtClean="0"/>
-                        <a:t>0.63</a:t>
-                      </a:r>
-                      <a:endParaRPr lang="en-AU" sz="1100"/>
-                    </a:p>
-                  </a:txBody>
-                  <a:tcPr/>
-                </a:tc>
-                <a:tc>
-                  <a:txBody>
-                    <a:bodyPr/>
-                    <a:lstStyle/>
-                    <a:p>
-                      <a:r>
-                        <a:rPr lang="en-AU" sz="1100" smtClean="0"/>
-                        <a:t>2.13</a:t>
-                      </a:r>
-                      <a:endParaRPr lang="en-AU" sz="1100"/>
-                    </a:p>
-                  </a:txBody>
-                  <a:tcPr/>
-                </a:tc>
-                <a:tc>
-                  <a:txBody>
-                    <a:bodyPr/>
-                    <a:lstStyle/>
-                    <a:p>
-                      <a:r>
-                        <a:rPr lang="en-AU" sz="1100" smtClean="0"/>
-                        <a:t>15.33</a:t>
-                      </a:r>
-                      <a:endParaRPr lang="en-AU" sz="1100"/>
-                    </a:p>
-                  </a:txBody>
-                  <a:tcPr/>
-                </a:tc>
-                <a:tc>
-                  <a:txBody>
-                    <a:bodyPr/>
-                    <a:lstStyle/>
-                    <a:p>
-                      <a:r>
-                        <a:rPr lang="en-AU" sz="1100" smtClean="0"/>
-                        <a:t>29.85</a:t>
-                      </a:r>
-                      <a:endParaRPr lang="en-AU" sz="1100"/>
-                    </a:p>
-                  </a:txBody>
-                  <a:tcPr/>
-                </a:tc>
-                <a:tc>
-                  <a:txBody>
-                    <a:bodyPr/>
-                    <a:lstStyle/>
-                    <a:p>
-                      <a:r>
-                        <a:rPr lang="en-AU" sz="1100" smtClean="0"/>
-                        <a:t>23.52</a:t>
-                      </a:r>
-                      <a:endParaRPr lang="en-AU" sz="1100"/>
-                    </a:p>
-                  </a:txBody>
-                  <a:tcPr/>
-                </a:tc>
-                <a:tc>
-                  <a:txBody>
-                    <a:bodyPr/>
-                    <a:lstStyle/>
-                    <a:p>
-                      <a:r>
-                        <a:rPr lang="en-AU" sz="1100" smtClean="0"/>
-                        <a:t>45.39</a:t>
-                      </a:r>
-                      <a:endParaRPr lang="en-AU" sz="1100"/>
-                    </a:p>
-                  </a:txBody>
-                  <a:tcPr/>
-                </a:tc>
-                <a:tc>
-                  <a:txBody>
-                    <a:bodyPr/>
-                    <a:lstStyle/>
-                    <a:p>
-                      <a:endParaRPr lang="en-AU" sz="1100"/>
-                    </a:p>
-                  </a:txBody>
-                  <a:tcPr/>
-                </a:tc>
-                <a:tc>
-                  <a:txBody>
-                    <a:bodyPr/>
-                    <a:lstStyle/>
-                    <a:p>
-                      <a:endParaRPr lang="en-AU" sz="1100"/>
-                    </a:p>
-                  </a:txBody>
-                  <a:tcPr/>
-                </a:tc>
-                <a:tc>
-                  <a:txBody>
-                    <a:bodyPr/>
-                    <a:lstStyle/>
-                    <a:p>
-                      <a:r>
-                        <a:rPr lang="en-AU" sz="1100" smtClean="0"/>
-                        <a:t>31.71</a:t>
-                      </a:r>
-                      <a:endParaRPr lang="en-AU" sz="1100"/>
-                    </a:p>
-                  </a:txBody>
-                  <a:tcPr/>
-                </a:tc>
-                <a:tc>
-                  <a:txBody>
-                    <a:bodyPr/>
-                    <a:lstStyle/>
-                    <a:p>
-                      <a:r>
-                        <a:rPr lang="en-AU" sz="1100" smtClean="0"/>
-                        <a:t>25.87</a:t>
-                      </a:r>
-                      <a:endParaRPr lang="en-AU" sz="1100"/>
-                    </a:p>
-                  </a:txBody>
-                  <a:tcPr/>
-                </a:tc>
-              </a:tr>
-              <a:tr h="226167">
-                <a:tc>
-                  <a:txBody>
-                    <a:bodyPr/>
-                    <a:lstStyle/>
-                    <a:p>
-                      <a:r>
-                        <a:rPr lang="en-AU" sz="1100" smtClean="0"/>
-                        <a:t>Exponential smoothing</a:t>
-                      </a:r>
-                      <a:endParaRPr lang="en-AU" sz="1100"/>
-                    </a:p>
-                  </a:txBody>
-                  <a:tcPr/>
-                </a:tc>
-                <a:tc>
-                  <a:txBody>
-                    <a:bodyPr/>
-                    <a:lstStyle/>
-                    <a:p>
-                      <a:r>
-                        <a:rPr lang="en-AU" sz="1100" smtClean="0"/>
-                        <a:t>0.12</a:t>
-                      </a:r>
-                      <a:endParaRPr lang="en-AU" sz="1100"/>
-                    </a:p>
-                  </a:txBody>
-                  <a:tcPr/>
-                </a:tc>
-                <a:tc>
-                  <a:txBody>
-                    <a:bodyPr/>
-                    <a:lstStyle/>
-                    <a:p>
-                      <a:r>
-                        <a:rPr lang="en-AU" sz="1100" smtClean="0"/>
-                        <a:t>0.84</a:t>
-                      </a:r>
-                      <a:endParaRPr lang="en-AU" sz="1100"/>
-                    </a:p>
-                  </a:txBody>
-                  <a:tcPr/>
-                </a:tc>
-                <a:tc>
-                  <a:txBody>
-                    <a:bodyPr/>
-                    <a:lstStyle/>
-                    <a:p>
-                      <a:r>
-                        <a:rPr lang="en-AU" sz="1100" smtClean="0"/>
-                        <a:t>15.41</a:t>
-                      </a:r>
-                      <a:endParaRPr lang="en-AU" sz="1100"/>
-                    </a:p>
-                  </a:txBody>
-                  <a:tcPr/>
-                </a:tc>
-                <a:tc>
-                  <a:txBody>
-                    <a:bodyPr/>
-                    <a:lstStyle/>
-                    <a:p>
-                      <a:r>
-                        <a:rPr lang="en-AU" sz="1100" smtClean="0"/>
-                        <a:t>30.04</a:t>
-                      </a:r>
-                      <a:endParaRPr lang="en-AU" sz="1100"/>
-                    </a:p>
-                  </a:txBody>
-                  <a:tcPr/>
-                </a:tc>
-                <a:tc>
-                  <a:txBody>
-                    <a:bodyPr/>
-                    <a:lstStyle/>
-                    <a:p>
-                      <a:r>
-                        <a:rPr lang="en-AU" sz="1100" smtClean="0"/>
-                        <a:t>25.33</a:t>
-                      </a:r>
-                      <a:endParaRPr lang="en-AU" sz="1100"/>
-                    </a:p>
-                  </a:txBody>
-                  <a:tcPr/>
-                </a:tc>
-                <a:tc>
-                  <a:txBody>
-                    <a:bodyPr/>
-                    <a:lstStyle/>
-                    <a:p>
-                      <a:r>
-                        <a:rPr lang="en-AU" sz="1100" smtClean="0"/>
-                        <a:t>50.44</a:t>
-                      </a:r>
-                      <a:endParaRPr lang="en-AU" sz="1100"/>
-                    </a:p>
-                  </a:txBody>
-                  <a:tcPr/>
-                </a:tc>
-                <a:tc>
-                  <a:txBody>
-                    <a:bodyPr/>
-                    <a:lstStyle/>
-                    <a:p>
-                      <a:endParaRPr lang="en-AU" sz="1100"/>
-                    </a:p>
-                  </a:txBody>
-                  <a:tcPr/>
-                </a:tc>
-                <a:tc>
-                  <a:txBody>
-                    <a:bodyPr/>
-                    <a:lstStyle/>
-                    <a:p>
-                      <a:endParaRPr lang="en-AU" sz="1100"/>
-                    </a:p>
-                  </a:txBody>
-                  <a:tcPr/>
-                </a:tc>
-                <a:tc>
-                  <a:txBody>
-                    <a:bodyPr/>
-                    <a:lstStyle/>
-                    <a:p>
-                      <a:r>
-                        <a:rPr lang="en-AU" sz="1100" smtClean="0"/>
-                        <a:t>20.16</a:t>
-                      </a:r>
-                      <a:endParaRPr lang="en-AU" sz="1100"/>
-                    </a:p>
-                  </a:txBody>
-                  <a:tcPr/>
-                </a:tc>
-                <a:tc>
-                  <a:txBody>
-                    <a:bodyPr/>
-                    <a:lstStyle/>
-                    <a:p>
-                      <a:r>
-                        <a:rPr lang="en-AU" sz="1100" smtClean="0"/>
-                        <a:t>19.77</a:t>
-                      </a:r>
-                      <a:endParaRPr lang="en-AU" sz="1100"/>
-                    </a:p>
-                  </a:txBody>
-                  <a:tcPr/>
-                </a:tc>
-              </a:tr>
-              <a:tr h="226167">
-                <a:tc>
-                  <a:txBody>
-                    <a:bodyPr/>
-                    <a:lstStyle/>
-                    <a:p>
-                      <a:r>
-                        <a:rPr lang="en-AU" sz="1100" smtClean="0"/>
-                        <a:t>Neural</a:t>
-                      </a:r>
-                      <a:r>
-                        <a:rPr lang="en-AU" sz="1100" baseline="0" smtClean="0"/>
-                        <a:t> network autoregressive</a:t>
-                      </a:r>
-                      <a:endParaRPr lang="en-AU" sz="1100"/>
-                    </a:p>
-                  </a:txBody>
-                  <a:tcPr/>
-                </a:tc>
-                <a:tc>
-                  <a:txBody>
-                    <a:bodyPr/>
-                    <a:lstStyle/>
-                    <a:p>
-                      <a:r>
-                        <a:rPr lang="en-AU" sz="1100" smtClean="0"/>
-                        <a:t>-0.42</a:t>
-                      </a:r>
-                      <a:endParaRPr lang="en-AU" sz="1100"/>
-                    </a:p>
-                  </a:txBody>
-                  <a:tcPr/>
-                </a:tc>
-                <a:tc>
-                  <a:txBody>
-                    <a:bodyPr/>
-                    <a:lstStyle/>
-                    <a:p>
-                      <a:r>
-                        <a:rPr lang="en-AU" sz="1100" smtClean="0"/>
-                        <a:t>-0.29</a:t>
-                      </a:r>
-                      <a:endParaRPr lang="en-AU" sz="1100"/>
-                    </a:p>
-                  </a:txBody>
-                  <a:tcPr/>
-                </a:tc>
-                <a:tc>
-                  <a:txBody>
-                    <a:bodyPr/>
-                    <a:lstStyle/>
-                    <a:p>
-                      <a:r>
-                        <a:rPr lang="en-AU" sz="1100" smtClean="0"/>
-                        <a:t>16.20</a:t>
-                      </a:r>
-                      <a:endParaRPr lang="en-AU" sz="1100"/>
-                    </a:p>
-                  </a:txBody>
-                  <a:tcPr/>
-                </a:tc>
-                <a:tc>
-                  <a:txBody>
-                    <a:bodyPr/>
-                    <a:lstStyle/>
-                    <a:p>
-                      <a:r>
-                        <a:rPr lang="en-AU" sz="1100" smtClean="0"/>
-                        <a:t>28.93</a:t>
-                      </a:r>
-                      <a:endParaRPr lang="en-AU" sz="1100"/>
-                    </a:p>
-                  </a:txBody>
-                  <a:tcPr/>
-                </a:tc>
-                <a:tc>
-                  <a:txBody>
-                    <a:bodyPr/>
-                    <a:lstStyle/>
-                    <a:p>
-                      <a:r>
-                        <a:rPr lang="en-AU" sz="1100" smtClean="0"/>
-                        <a:t>24.95</a:t>
-                      </a:r>
-                      <a:endParaRPr lang="en-AU" sz="1100"/>
-                    </a:p>
-                  </a:txBody>
-                  <a:tcPr/>
-                </a:tc>
-                <a:tc>
-                  <a:txBody>
-                    <a:bodyPr/>
-                    <a:lstStyle/>
-                    <a:p>
-                      <a:r>
-                        <a:rPr lang="en-AU" sz="1100" smtClean="0"/>
-                        <a:t>42.96</a:t>
-                      </a:r>
-                      <a:endParaRPr lang="en-AU" sz="1100"/>
-                    </a:p>
-                  </a:txBody>
-                  <a:tcPr/>
-                </a:tc>
-                <a:tc>
-                  <a:txBody>
-                    <a:bodyPr/>
-                    <a:lstStyle/>
-                    <a:p>
-                      <a:endParaRPr lang="en-AU" sz="1100"/>
-                    </a:p>
-                  </a:txBody>
-                  <a:tcPr/>
-                </a:tc>
-                <a:tc>
-                  <a:txBody>
-                    <a:bodyPr/>
-                    <a:lstStyle/>
-                    <a:p>
-                      <a:endParaRPr lang="en-AU" sz="1100"/>
-                    </a:p>
-                  </a:txBody>
-                  <a:tcPr/>
-                </a:tc>
-                <a:tc>
-                  <a:txBody>
-                    <a:bodyPr/>
-                    <a:lstStyle/>
-                    <a:p>
-                      <a:r>
-                        <a:rPr lang="en-AU" sz="1100" smtClean="0"/>
-                        <a:t>18.65</a:t>
-                      </a:r>
-                      <a:endParaRPr lang="en-AU" sz="1100"/>
-                    </a:p>
-                  </a:txBody>
-                  <a:tcPr/>
-                </a:tc>
-                <a:tc>
-                  <a:txBody>
-                    <a:bodyPr/>
-                    <a:lstStyle/>
-                    <a:p>
-                      <a:r>
-                        <a:rPr lang="en-AU" sz="1100" smtClean="0"/>
-                        <a:t>16.62</a:t>
-                      </a:r>
-                      <a:endParaRPr lang="en-AU" sz="1100"/>
-                    </a:p>
-                  </a:txBody>
-                  <a:tcPr/>
-                </a:tc>
-              </a:tr>
-              <a:tr h="226167">
-                <a:tc>
-                  <a:txBody>
-                    <a:bodyPr/>
-                    <a:lstStyle/>
-                    <a:p>
-                      <a:r>
-                        <a:rPr lang="en-AU" sz="1100" smtClean="0"/>
-                        <a:t>K-nearest neighbour</a:t>
-                      </a:r>
-                      <a:endParaRPr lang="en-AU" sz="1100"/>
-                    </a:p>
-                  </a:txBody>
-                  <a:tcPr/>
-                </a:tc>
-                <a:tc>
-                  <a:txBody>
-                    <a:bodyPr/>
-                    <a:lstStyle/>
-                    <a:p>
-                      <a:endParaRPr lang="en-AU" sz="1100"/>
-                    </a:p>
-                  </a:txBody>
-                  <a:tcPr/>
-                </a:tc>
-                <a:tc>
-                  <a:txBody>
-                    <a:bodyPr/>
-                    <a:lstStyle/>
-                    <a:p>
-                      <a:endParaRPr lang="en-AU" sz="1100"/>
-                    </a:p>
-                  </a:txBody>
-                  <a:tcPr/>
-                </a:tc>
-                <a:tc>
-                  <a:txBody>
-                    <a:bodyPr/>
-                    <a:lstStyle/>
-                    <a:p>
-                      <a:r>
-                        <a:rPr lang="en-AU" sz="1100" smtClean="0"/>
-                        <a:t>14.24</a:t>
-                      </a:r>
-                      <a:endParaRPr lang="en-AU" sz="1100"/>
-                    </a:p>
-                  </a:txBody>
-                  <a:tcPr/>
-                </a:tc>
-                <a:tc>
-                  <a:txBody>
-                    <a:bodyPr/>
-                    <a:lstStyle/>
-                    <a:p>
-                      <a:r>
-                        <a:rPr lang="en-AU" sz="1100" smtClean="0"/>
-                        <a:t>25.78</a:t>
-                      </a:r>
-                      <a:endParaRPr lang="en-AU" sz="1100"/>
-                    </a:p>
-                  </a:txBody>
-                  <a:tcPr/>
-                </a:tc>
-                <a:tc>
-                  <a:txBody>
-                    <a:bodyPr/>
-                    <a:lstStyle/>
-                    <a:p>
-                      <a:r>
-                        <a:rPr lang="en-AU" sz="1100" smtClean="0"/>
-                        <a:t>20.73</a:t>
-                      </a:r>
-                      <a:endParaRPr lang="en-AU" sz="1100"/>
-                    </a:p>
-                  </a:txBody>
-                  <a:tcPr/>
-                </a:tc>
-                <a:tc>
-                  <a:txBody>
-                    <a:bodyPr/>
-                    <a:lstStyle/>
-                    <a:p>
-                      <a:r>
-                        <a:rPr lang="en-AU" sz="1100" smtClean="0"/>
-                        <a:t>39.00</a:t>
-                      </a:r>
-                      <a:endParaRPr lang="en-AU" sz="1100"/>
-                    </a:p>
-                  </a:txBody>
-                  <a:tcPr/>
-                </a:tc>
-                <a:tc>
-                  <a:txBody>
-                    <a:bodyPr/>
-                    <a:lstStyle/>
-                    <a:p>
-                      <a:endParaRPr lang="en-AU" sz="1100"/>
-                    </a:p>
-                  </a:txBody>
-                  <a:tcPr/>
-                </a:tc>
-                <a:tc>
-                  <a:txBody>
-                    <a:bodyPr/>
-                    <a:lstStyle/>
-                    <a:p>
-                      <a:endParaRPr lang="en-AU" sz="1100"/>
-                    </a:p>
-                  </a:txBody>
-                  <a:tcPr/>
-                </a:tc>
-                <a:tc>
-                  <a:txBody>
-                    <a:bodyPr/>
-                    <a:lstStyle/>
-                    <a:p>
-                      <a:r>
-                        <a:rPr lang="en-AU" sz="1100" smtClean="0"/>
-                        <a:t>17.44</a:t>
-                      </a:r>
-                      <a:endParaRPr lang="en-AU" sz="1100"/>
-                    </a:p>
-                  </a:txBody>
-                  <a:tcPr/>
-                </a:tc>
-                <a:tc>
-                  <a:txBody>
-                    <a:bodyPr/>
-                    <a:lstStyle/>
-                    <a:p>
-                      <a:r>
-                        <a:rPr lang="en-AU" sz="1100" smtClean="0"/>
-                        <a:t>15.10</a:t>
-                      </a:r>
-                      <a:endParaRPr lang="en-AU" sz="1100"/>
-                    </a:p>
-                  </a:txBody>
-                  <a:tcPr/>
-                </a:tc>
-              </a:tr>
-              <a:tr h="226167">
-                <a:tc>
-                  <a:txBody>
-                    <a:bodyPr/>
-                    <a:lstStyle/>
-                    <a:p>
-                      <a:r>
-                        <a:rPr lang="en-AU" sz="1100" smtClean="0"/>
-                        <a:t>Support vector</a:t>
-                      </a:r>
-                      <a:r>
-                        <a:rPr lang="en-AU" sz="1100" baseline="0" smtClean="0"/>
-                        <a:t> regression</a:t>
-                      </a:r>
-                      <a:endParaRPr lang="en-AU" sz="1100"/>
-                    </a:p>
-                  </a:txBody>
-                  <a:tcPr/>
-                </a:tc>
-                <a:tc>
-                  <a:txBody>
-                    <a:bodyPr/>
-                    <a:lstStyle/>
-                    <a:p>
-                      <a:endParaRPr lang="en-AU" sz="1100"/>
-                    </a:p>
-                  </a:txBody>
-                  <a:tcPr/>
-                </a:tc>
-                <a:tc>
-                  <a:txBody>
-                    <a:bodyPr/>
-                    <a:lstStyle/>
-                    <a:p>
-                      <a:endParaRPr lang="en-AU" sz="1100"/>
-                    </a:p>
-                  </a:txBody>
-                  <a:tcPr/>
-                </a:tc>
-                <a:tc>
-                  <a:txBody>
-                    <a:bodyPr/>
-                    <a:lstStyle/>
-                    <a:p>
-                      <a:r>
-                        <a:rPr lang="en-AU" sz="1100" smtClean="0"/>
-                        <a:t>16.26</a:t>
-                      </a:r>
-                      <a:endParaRPr lang="en-AU" sz="1100"/>
-                    </a:p>
-                  </a:txBody>
-                  <a:tcPr/>
-                </a:tc>
-                <a:tc>
-                  <a:txBody>
-                    <a:bodyPr/>
-                    <a:lstStyle/>
-                    <a:p>
-                      <a:r>
-                        <a:rPr lang="en-AU" sz="1100" smtClean="0"/>
-                        <a:t>32.79</a:t>
-                      </a:r>
-                      <a:endParaRPr lang="en-AU" sz="1100"/>
-                    </a:p>
-                  </a:txBody>
-                  <a:tcPr/>
-                </a:tc>
-                <a:tc>
-                  <a:txBody>
-                    <a:bodyPr/>
-                    <a:lstStyle/>
-                    <a:p>
-                      <a:r>
-                        <a:rPr lang="en-AU" sz="1100" smtClean="0"/>
-                        <a:t>21.33</a:t>
-                      </a:r>
-                      <a:endParaRPr lang="en-AU" sz="1100"/>
-                    </a:p>
-                  </a:txBody>
-                  <a:tcPr/>
-                </a:tc>
-                <a:tc>
-                  <a:txBody>
-                    <a:bodyPr/>
-                    <a:lstStyle/>
-                    <a:p>
-                      <a:r>
-                        <a:rPr lang="en-AU" sz="1100" smtClean="0"/>
-                        <a:t>42.55</a:t>
-                      </a:r>
-                      <a:endParaRPr lang="en-AU" sz="1100"/>
-                    </a:p>
-                  </a:txBody>
-                  <a:tcPr/>
-                </a:tc>
-                <a:tc>
-                  <a:txBody>
-                    <a:bodyPr/>
-                    <a:lstStyle/>
-                    <a:p>
-                      <a:endParaRPr lang="en-AU" sz="1100"/>
-                    </a:p>
-                  </a:txBody>
-                  <a:tcPr/>
-                </a:tc>
-                <a:tc>
-                  <a:txBody>
-                    <a:bodyPr/>
-                    <a:lstStyle/>
-                    <a:p>
-                      <a:endParaRPr lang="en-AU" sz="1100"/>
-                    </a:p>
-                  </a:txBody>
-                  <a:tcPr/>
-                </a:tc>
-                <a:tc>
-                  <a:txBody>
-                    <a:bodyPr/>
-                    <a:lstStyle/>
-                    <a:p>
-                      <a:r>
-                        <a:rPr lang="en-AU" sz="1100" smtClean="0"/>
-                        <a:t>31.48</a:t>
-                      </a:r>
-                      <a:endParaRPr lang="en-AU" sz="1100"/>
-                    </a:p>
-                  </a:txBody>
-                  <a:tcPr/>
-                </a:tc>
-                <a:tc>
-                  <a:txBody>
-                    <a:bodyPr/>
-                    <a:lstStyle/>
-                    <a:p>
-                      <a:r>
-                        <a:rPr lang="en-AU" sz="1100" smtClean="0"/>
-                        <a:t>30.19</a:t>
-                      </a:r>
-                      <a:endParaRPr lang="en-AU" sz="1100"/>
-                    </a:p>
-                  </a:txBody>
-                  <a:tcPr/>
-                </a:tc>
-              </a:tr>
-              <a:tr h="226167">
-                <a:tc>
-                  <a:txBody>
-                    <a:bodyPr/>
-                    <a:lstStyle/>
-                    <a:p>
-                      <a:r>
-                        <a:rPr lang="en-AU" sz="1100" smtClean="0"/>
-                        <a:t>Simple RNN</a:t>
-                      </a:r>
-                      <a:endParaRPr lang="en-AU" sz="1100"/>
-                    </a:p>
-                  </a:txBody>
-                  <a:tcPr/>
-                </a:tc>
-                <a:tc>
-                  <a:txBody>
-                    <a:bodyPr/>
-                    <a:lstStyle/>
-                    <a:p>
-                      <a:endParaRPr lang="en-AU" sz="1100"/>
-                    </a:p>
-                  </a:txBody>
-                  <a:tcPr/>
-                </a:tc>
-                <a:tc>
-                  <a:txBody>
-                    <a:bodyPr/>
-                    <a:lstStyle/>
-                    <a:p>
-                      <a:endParaRPr lang="en-AU" sz="1100"/>
-                    </a:p>
-                  </a:txBody>
-                  <a:tcPr/>
-                </a:tc>
-                <a:tc>
-                  <a:txBody>
-                    <a:bodyPr/>
-                    <a:lstStyle/>
-                    <a:p>
-                      <a:r>
-                        <a:rPr lang="en-AU" sz="1100" smtClean="0"/>
-                        <a:t>13.87</a:t>
-                      </a:r>
-                      <a:endParaRPr lang="en-AU" sz="1100"/>
-                    </a:p>
-                  </a:txBody>
-                  <a:tcPr/>
-                </a:tc>
-                <a:tc>
-                  <a:txBody>
-                    <a:bodyPr/>
-                    <a:lstStyle/>
-                    <a:p>
-                      <a:r>
-                        <a:rPr lang="en-AU" sz="1100" smtClean="0"/>
-                        <a:t>25.81</a:t>
-                      </a:r>
-                      <a:endParaRPr lang="en-AU" sz="1100"/>
-                    </a:p>
-                  </a:txBody>
-                  <a:tcPr/>
-                </a:tc>
-                <a:tc>
-                  <a:txBody>
-                    <a:bodyPr/>
-                    <a:lstStyle/>
-                    <a:p>
-                      <a:r>
-                        <a:rPr lang="en-AU" sz="1100" smtClean="0"/>
-                        <a:t>19.99</a:t>
-                      </a:r>
-                      <a:endParaRPr lang="en-AU" sz="1100"/>
-                    </a:p>
-                  </a:txBody>
-                  <a:tcPr/>
-                </a:tc>
-                <a:tc>
-                  <a:txBody>
-                    <a:bodyPr/>
-                    <a:lstStyle/>
-                    <a:p>
-                      <a:r>
-                        <a:rPr lang="en-AU" sz="1100" smtClean="0"/>
-                        <a:t>36.86</a:t>
-                      </a:r>
-                      <a:endParaRPr lang="en-AU" sz="1100"/>
-                    </a:p>
-                  </a:txBody>
-                  <a:tcPr/>
-                </a:tc>
-                <a:tc>
-                  <a:txBody>
-                    <a:bodyPr/>
-                    <a:lstStyle/>
-                    <a:p>
-                      <a:endParaRPr lang="en-AU" sz="1100"/>
-                    </a:p>
-                  </a:txBody>
-                  <a:tcPr/>
-                </a:tc>
-                <a:tc>
-                  <a:txBody>
-                    <a:bodyPr/>
-                    <a:lstStyle/>
-                    <a:p>
-                      <a:endParaRPr lang="en-AU" sz="1100"/>
-                    </a:p>
-                  </a:txBody>
-                  <a:tcPr/>
-                </a:tc>
-                <a:tc>
-                  <a:txBody>
-                    <a:bodyPr/>
-                    <a:lstStyle/>
-                    <a:p>
-                      <a:r>
-                        <a:rPr lang="en-AU" sz="1100" smtClean="0"/>
-                        <a:t>17.41</a:t>
-                      </a:r>
-                      <a:endParaRPr lang="en-AU" sz="1100"/>
-                    </a:p>
-                  </a:txBody>
-                  <a:tcPr/>
-                </a:tc>
-                <a:tc>
-                  <a:txBody>
-                    <a:bodyPr/>
-                    <a:lstStyle/>
-                    <a:p>
-                      <a:r>
-                        <a:rPr lang="en-AU" sz="1100" smtClean="0"/>
-                        <a:t>16.05</a:t>
-                      </a:r>
-                      <a:endParaRPr lang="en-AU" sz="1100"/>
-                    </a:p>
-                  </a:txBody>
-                  <a:tcPr/>
-                </a:tc>
-              </a:tr>
-              <a:tr h="226167">
-                <a:tc>
-                  <a:txBody>
-                    <a:bodyPr/>
-                    <a:lstStyle/>
-                    <a:p>
-                      <a:r>
-                        <a:rPr lang="en-AU" sz="1100" smtClean="0"/>
-                        <a:t>GRU</a:t>
-                      </a:r>
-                      <a:endParaRPr lang="en-AU" sz="1100"/>
-                    </a:p>
-                  </a:txBody>
-                  <a:tcPr/>
-                </a:tc>
-                <a:tc>
-                  <a:txBody>
-                    <a:bodyPr/>
-                    <a:lstStyle/>
-                    <a:p>
-                      <a:endParaRPr lang="en-AU" sz="1100"/>
-                    </a:p>
-                  </a:txBody>
-                  <a:tcPr/>
-                </a:tc>
-                <a:tc>
-                  <a:txBody>
-                    <a:bodyPr/>
-                    <a:lstStyle/>
-                    <a:p>
-                      <a:endParaRPr lang="en-AU" sz="1100"/>
-                    </a:p>
-                  </a:txBody>
-                  <a:tcPr/>
-                </a:tc>
-                <a:tc>
-                  <a:txBody>
-                    <a:bodyPr/>
-                    <a:lstStyle/>
-                    <a:p>
-                      <a:r>
-                        <a:rPr lang="en-AU" sz="1100" smtClean="0"/>
-                        <a:t>14.21</a:t>
-                      </a:r>
-                      <a:endParaRPr lang="en-AU" sz="1100"/>
-                    </a:p>
-                  </a:txBody>
-                  <a:tcPr/>
-                </a:tc>
-                <a:tc>
-                  <a:txBody>
-                    <a:bodyPr/>
-                    <a:lstStyle/>
-                    <a:p>
-                      <a:r>
-                        <a:rPr lang="en-AU" sz="1100" smtClean="0"/>
-                        <a:t>27.85</a:t>
-                      </a:r>
-                      <a:endParaRPr lang="en-AU" sz="1100"/>
-                    </a:p>
-                  </a:txBody>
-                  <a:tcPr/>
-                </a:tc>
-                <a:tc>
-                  <a:txBody>
-                    <a:bodyPr/>
-                    <a:lstStyle/>
-                    <a:p>
-                      <a:r>
-                        <a:rPr lang="en-AU" sz="1100" smtClean="0"/>
-                        <a:t>20.31</a:t>
-                      </a:r>
-                      <a:endParaRPr lang="en-AU" sz="1100"/>
-                    </a:p>
-                  </a:txBody>
-                  <a:tcPr/>
-                </a:tc>
-                <a:tc>
-                  <a:txBody>
-                    <a:bodyPr/>
-                    <a:lstStyle/>
-                    <a:p>
-                      <a:r>
-                        <a:rPr lang="en-AU" sz="1100" smtClean="0"/>
-                        <a:t>39.59</a:t>
-                      </a:r>
-                      <a:endParaRPr lang="en-AU" sz="1100"/>
-                    </a:p>
-                  </a:txBody>
-                  <a:tcPr/>
-                </a:tc>
-                <a:tc>
-                  <a:txBody>
-                    <a:bodyPr/>
-                    <a:lstStyle/>
-                    <a:p>
-                      <a:endParaRPr lang="en-AU" sz="1100"/>
-                    </a:p>
-                  </a:txBody>
-                  <a:tcPr/>
-                </a:tc>
-                <a:tc>
-                  <a:txBody>
-                    <a:bodyPr/>
-                    <a:lstStyle/>
-                    <a:p>
-                      <a:endParaRPr lang="en-AU" sz="1100"/>
-                    </a:p>
-                  </a:txBody>
-                  <a:tcPr/>
-                </a:tc>
-                <a:tc>
-                  <a:txBody>
-                    <a:bodyPr/>
-                    <a:lstStyle/>
-                    <a:p>
-                      <a:r>
-                        <a:rPr lang="en-AU" sz="1100" smtClean="0"/>
-                        <a:t>18.14</a:t>
-                      </a:r>
-                      <a:endParaRPr lang="en-AU" sz="1100"/>
-                    </a:p>
-                  </a:txBody>
-                  <a:tcPr/>
-                </a:tc>
-                <a:tc>
-                  <a:txBody>
-                    <a:bodyPr/>
-                    <a:lstStyle/>
-                    <a:p>
-                      <a:r>
-                        <a:rPr lang="en-AU" sz="1100" smtClean="0"/>
-                        <a:t>18.62</a:t>
-                      </a:r>
-                      <a:endParaRPr lang="en-AU" sz="1100"/>
-                    </a:p>
-                  </a:txBody>
-                  <a:tcPr/>
-                </a:tc>
-              </a:tr>
-              <a:tr h="226167">
-                <a:tc>
-                  <a:txBody>
-                    <a:bodyPr/>
-                    <a:lstStyle/>
-                    <a:p>
-                      <a:r>
-                        <a:rPr lang="en-AU" sz="1100" smtClean="0"/>
-                        <a:t>LSTM</a:t>
-                      </a:r>
-                      <a:endParaRPr lang="en-AU" sz="1100"/>
-                    </a:p>
-                  </a:txBody>
-                  <a:tcPr/>
-                </a:tc>
-                <a:tc>
-                  <a:txBody>
-                    <a:bodyPr/>
-                    <a:lstStyle/>
-                    <a:p>
-                      <a:endParaRPr lang="en-AU" sz="1100"/>
-                    </a:p>
-                  </a:txBody>
-                  <a:tcPr/>
-                </a:tc>
-                <a:tc>
-                  <a:txBody>
-                    <a:bodyPr/>
-                    <a:lstStyle/>
-                    <a:p>
-                      <a:endParaRPr lang="en-AU" sz="1100"/>
-                    </a:p>
-                  </a:txBody>
-                  <a:tcPr/>
-                </a:tc>
-                <a:tc>
-                  <a:txBody>
-                    <a:bodyPr/>
-                    <a:lstStyle/>
-                    <a:p>
-                      <a:r>
-                        <a:rPr lang="en-AU" sz="1100" smtClean="0"/>
-                        <a:t>13.97</a:t>
-                      </a:r>
-                      <a:endParaRPr lang="en-AU" sz="1100"/>
-                    </a:p>
-                  </a:txBody>
-                  <a:tcPr/>
-                </a:tc>
-                <a:tc>
-                  <a:txBody>
-                    <a:bodyPr/>
-                    <a:lstStyle/>
-                    <a:p>
-                      <a:r>
-                        <a:rPr lang="en-AU" sz="1100" smtClean="0"/>
-                        <a:t>31.12</a:t>
-                      </a:r>
-                      <a:endParaRPr lang="en-AU" sz="1100"/>
-                    </a:p>
-                  </a:txBody>
-                  <a:tcPr/>
-                </a:tc>
-                <a:tc>
-                  <a:txBody>
-                    <a:bodyPr/>
-                    <a:lstStyle/>
-                    <a:p>
-                      <a:r>
-                        <a:rPr lang="en-AU" sz="1100" smtClean="0"/>
-                        <a:t>20.28</a:t>
-                      </a:r>
-                      <a:endParaRPr lang="en-AU" sz="1100"/>
-                    </a:p>
-                  </a:txBody>
-                  <a:tcPr/>
-                </a:tc>
-                <a:tc>
-                  <a:txBody>
-                    <a:bodyPr/>
-                    <a:lstStyle/>
-                    <a:p>
-                      <a:r>
-                        <a:rPr lang="en-AU" sz="1100" smtClean="0"/>
-                        <a:t>42.69</a:t>
-                      </a:r>
-                      <a:endParaRPr lang="en-AU" sz="1100"/>
-                    </a:p>
-                  </a:txBody>
-                  <a:tcPr/>
-                </a:tc>
-                <a:tc>
-                  <a:txBody>
-                    <a:bodyPr/>
-                    <a:lstStyle/>
-                    <a:p>
-                      <a:endParaRPr lang="en-AU" sz="1100"/>
-                    </a:p>
-                  </a:txBody>
-                  <a:tcPr/>
-                </a:tc>
-                <a:tc>
-                  <a:txBody>
-                    <a:bodyPr/>
-                    <a:lstStyle/>
-                    <a:p>
-                      <a:endParaRPr lang="en-AU" sz="1100"/>
-                    </a:p>
-                  </a:txBody>
-                  <a:tcPr/>
-                </a:tc>
-                <a:tc>
-                  <a:txBody>
-                    <a:bodyPr/>
-                    <a:lstStyle/>
-                    <a:p>
-                      <a:r>
-                        <a:rPr lang="en-AU" sz="1100" smtClean="0"/>
-                        <a:t>17.64</a:t>
-                      </a:r>
-                      <a:endParaRPr lang="en-AU" sz="1100"/>
-                    </a:p>
-                  </a:txBody>
-                  <a:tcPr/>
-                </a:tc>
-                <a:tc>
-                  <a:txBody>
-                    <a:bodyPr/>
-                    <a:lstStyle/>
-                    <a:p>
-                      <a:r>
-                        <a:rPr lang="en-AU" sz="1100" smtClean="0"/>
-                        <a:t>19.16</a:t>
-                      </a:r>
-                      <a:endParaRPr lang="en-AU" sz="1100"/>
-                    </a:p>
-                  </a:txBody>
-                  <a:tcPr/>
-                </a:tc>
-              </a:tr>
-              <a:tr h="226167">
-                <a:tc>
-                  <a:txBody>
-                    <a:bodyPr/>
-                    <a:lstStyle/>
-                    <a:p>
-                      <a:r>
-                        <a:rPr lang="en-AU" sz="1100" smtClean="0"/>
-                        <a:t>LSTM</a:t>
-                      </a:r>
-                      <a:r>
-                        <a:rPr lang="en-AU" sz="1100" baseline="0" smtClean="0"/>
-                        <a:t> (Multiple locations)</a:t>
-                      </a:r>
-                      <a:endParaRPr lang="en-AU" sz="1100"/>
-                    </a:p>
-                  </a:txBody>
-                  <a:tcPr/>
-                </a:tc>
-                <a:tc>
-                  <a:txBody>
-                    <a:bodyPr/>
-                    <a:lstStyle/>
-                    <a:p>
-                      <a:endParaRPr lang="en-AU" sz="1100"/>
-                    </a:p>
-                  </a:txBody>
-                  <a:tcPr/>
-                </a:tc>
-                <a:tc>
-                  <a:txBody>
-                    <a:bodyPr/>
-                    <a:lstStyle/>
-                    <a:p>
-                      <a:endParaRPr lang="en-AU" sz="1100"/>
-                    </a:p>
-                  </a:txBody>
-                  <a:tcPr/>
-                </a:tc>
-                <a:tc>
-                  <a:txBody>
-                    <a:bodyPr/>
-                    <a:lstStyle/>
-                    <a:p>
-                      <a:r>
-                        <a:rPr lang="en-AU" sz="1100" smtClean="0"/>
-                        <a:t>15.14</a:t>
-                      </a:r>
-                      <a:endParaRPr lang="en-AU" sz="1100"/>
-                    </a:p>
-                  </a:txBody>
-                  <a:tcPr/>
-                </a:tc>
-                <a:tc>
-                  <a:txBody>
-                    <a:bodyPr/>
-                    <a:lstStyle/>
-                    <a:p>
-                      <a:r>
-                        <a:rPr lang="en-AU" sz="1100" smtClean="0"/>
-                        <a:t>18.25</a:t>
-                      </a:r>
-                      <a:endParaRPr lang="en-AU" sz="1100"/>
-                    </a:p>
-                  </a:txBody>
-                  <a:tcPr/>
-                </a:tc>
-                <a:tc>
-                  <a:txBody>
-                    <a:bodyPr/>
-                    <a:lstStyle/>
-                    <a:p>
-                      <a:r>
-                        <a:rPr lang="en-AU" sz="1100" smtClean="0"/>
-                        <a:t>21.90</a:t>
-                      </a:r>
-                      <a:endParaRPr lang="en-AU" sz="1100"/>
-                    </a:p>
-                  </a:txBody>
-                  <a:tcPr/>
-                </a:tc>
-                <a:tc>
-                  <a:txBody>
-                    <a:bodyPr/>
-                    <a:lstStyle/>
-                    <a:p>
-                      <a:r>
-                        <a:rPr lang="en-AU" sz="1100" smtClean="0"/>
-                        <a:t>25.36</a:t>
-                      </a:r>
-                      <a:endParaRPr lang="en-AU" sz="1100"/>
-                    </a:p>
-                  </a:txBody>
-                  <a:tcPr/>
-                </a:tc>
-                <a:tc>
-                  <a:txBody>
-                    <a:bodyPr/>
-                    <a:lstStyle/>
-                    <a:p>
-                      <a:endParaRPr lang="en-AU" sz="1100"/>
-                    </a:p>
-                  </a:txBody>
-                  <a:tcPr/>
-                </a:tc>
-                <a:tc>
-                  <a:txBody>
-                    <a:bodyPr/>
-                    <a:lstStyle/>
-                    <a:p>
-                      <a:endParaRPr lang="en-AU" sz="1100"/>
-                    </a:p>
-                  </a:txBody>
-                  <a:tcPr/>
-                </a:tc>
-                <a:tc>
-                  <a:txBody>
-                    <a:bodyPr/>
-                    <a:lstStyle/>
-                    <a:p>
-                      <a:r>
-                        <a:rPr lang="en-AU" sz="1100" smtClean="0"/>
-                        <a:t>17.77</a:t>
-                      </a:r>
-                      <a:endParaRPr lang="en-AU" sz="1100"/>
-                    </a:p>
-                  </a:txBody>
-                  <a:tcPr/>
-                </a:tc>
-                <a:tc>
-                  <a:txBody>
-                    <a:bodyPr/>
-                    <a:lstStyle/>
-                    <a:p>
-                      <a:r>
-                        <a:rPr lang="en-AU" sz="1100" dirty="0" smtClean="0"/>
-                        <a:t>21.78</a:t>
-                      </a:r>
+                  <a:tcPr anchor="ctr"/>
+                </a:tc>
+                <a:tc>
+                  <a:txBody>
+                    <a:bodyPr/>
+                    <a:lstStyle/>
+                    <a:p>
+                      <a:pPr algn="ctr"/>
                       <a:endParaRPr lang="en-AU" sz="1100" dirty="0"/>
                     </a:p>
                   </a:txBody>
-                  <a:tcPr/>
+                  <a:tcPr anchor="ctr"/>
+                </a:tc>
+                <a:tc>
+                  <a:txBody>
+                    <a:bodyPr/>
+                    <a:lstStyle/>
+                    <a:p>
+                      <a:pPr algn="ctr"/>
+                      <a:endParaRPr lang="en-AU" sz="1100" dirty="0"/>
+                    </a:p>
+                  </a:txBody>
+                  <a:tcPr anchor="ctr"/>
+                </a:tc>
+                <a:tc>
+                  <a:txBody>
+                    <a:bodyPr/>
+                    <a:lstStyle/>
+                    <a:p>
+                      <a:pPr algn="ctr"/>
+                      <a:endParaRPr lang="en-AU" sz="1100" dirty="0"/>
+                    </a:p>
+                  </a:txBody>
+                  <a:tcPr anchor="ctr"/>
+                </a:tc>
+                <a:tc>
+                  <a:txBody>
+                    <a:bodyPr/>
+                    <a:lstStyle/>
+                    <a:p>
+                      <a:pPr algn="ctr"/>
+                      <a:endParaRPr lang="en-AU" sz="1100" dirty="0"/>
+                    </a:p>
+                  </a:txBody>
+                  <a:tcPr anchor="ctr"/>
+                </a:tc>
+                <a:tc>
+                  <a:txBody>
+                    <a:bodyPr/>
+                    <a:lstStyle/>
+                    <a:p>
+                      <a:pPr algn="ctr"/>
+                      <a:endParaRPr lang="en-AU" sz="1100" dirty="0"/>
+                    </a:p>
+                  </a:txBody>
+                  <a:tcPr anchor="ctr"/>
+                </a:tc>
+                <a:tc>
+                  <a:txBody>
+                    <a:bodyPr/>
+                    <a:lstStyle/>
+                    <a:p>
+                      <a:pPr algn="ctr"/>
+                      <a:endParaRPr lang="en-AU" sz="1100" dirty="0"/>
+                    </a:p>
+                  </a:txBody>
+                  <a:tcPr anchor="ctr"/>
+                </a:tc>
+                <a:tc>
+                  <a:txBody>
+                    <a:bodyPr/>
+                    <a:lstStyle/>
+                    <a:p>
+                      <a:pPr algn="ctr"/>
+                      <a:endParaRPr lang="en-AU" sz="1100" dirty="0"/>
+                    </a:p>
+                  </a:txBody>
+                  <a:tcPr anchor="ctr"/>
                 </a:tc>
               </a:tr>
             </a:tbl>
           </a:graphicData>
         </a:graphic>
       </p:graphicFrame>
+      <p:sp>
+        <p:nvSpPr>
+          <p:cNvPr id="3" name="TextBox 2"/>
+          <p:cNvSpPr txBox="1"/>
+          <p:nvPr/>
+        </p:nvSpPr>
+        <p:spPr>
+          <a:xfrm>
+            <a:off x="1727200" y="4914900"/>
+            <a:ext cx="7506157" cy="369332"/>
+          </a:xfrm>
+          <a:prstGeom prst="rect">
+            <a:avLst/>
+          </a:prstGeom>
+          <a:noFill/>
+        </p:spPr>
+        <p:txBody>
+          <a:bodyPr wrap="none" rtlCol="0">
+            <a:spAutoFit/>
+          </a:bodyPr>
+          <a:lstStyle/>
+          <a:p>
+            <a:r>
+              <a:rPr lang="en-AU" dirty="0" smtClean="0"/>
+              <a:t>Table showing the test accuracies when predicting for the month of June 2013</a:t>
+            </a:r>
+            <a:endParaRPr lang="en-AU" dirty="0"/>
+          </a:p>
+        </p:txBody>
+      </p:sp>
     </p:spTree>
     <p:extLst>
       <p:ext uri="{BB962C8B-B14F-4D97-AF65-F5344CB8AC3E}">
@@ -13838,10 +13507,3927 @@
   <p:clrMapOvr>
     <a:masterClrMapping/>
   </p:clrMapOvr>
+  <p:timing>
+    <p:tnLst>
+      <p:par>
+        <p:cTn id="1" dur="indefinite" restart="never" nodeType="tmRoot"/>
+      </p:par>
+    </p:tnLst>
+  </p:timing>
 </p:sld>
 </file>
 
 <file path=ppt/slides/slide5.xml><?xml version="1.0" encoding="utf-8"?>
+<p:sld xmlns:a="http://schemas.openxmlformats.org/drawingml/2006/main" xmlns:r="http://schemas.openxmlformats.org/officeDocument/2006/relationships" xmlns:p="http://schemas.openxmlformats.org/presentationml/2006/main">
+  <p:cSld>
+    <p:spTree>
+      <p:nvGrpSpPr>
+        <p:cNvPr id="1" name=""/>
+        <p:cNvGrpSpPr/>
+        <p:nvPr/>
+      </p:nvGrpSpPr>
+      <p:grpSpPr>
+        <a:xfrm>
+          <a:off x="0" y="0"/>
+          <a:ext cx="0" cy="0"/>
+          <a:chOff x="0" y="0"/>
+          <a:chExt cx="0" cy="0"/>
+        </a:xfrm>
+      </p:grpSpPr>
+      <p:graphicFrame>
+        <p:nvGraphicFramePr>
+          <p:cNvPr id="4" name="Content Placeholder 3"/>
+          <p:cNvGraphicFramePr>
+            <a:graphicFrameLocks noGrp="1"/>
+          </p:cNvGraphicFramePr>
+          <p:nvPr>
+            <p:ph idx="1"/>
+            <p:extLst>
+              <p:ext uri="{D42A27DB-BD31-4B8C-83A1-F6EECF244321}">
+                <p14:modId xmlns:p14="http://schemas.microsoft.com/office/powerpoint/2010/main" val="2036675833"/>
+              </p:ext>
+            </p:extLst>
+          </p:nvPr>
+        </p:nvGraphicFramePr>
+        <p:xfrm>
+          <a:off x="1575604" y="352429"/>
+          <a:ext cx="3910797" cy="5225825"/>
+        </p:xfrm>
+        <a:graphic>
+          <a:graphicData uri="http://schemas.openxmlformats.org/drawingml/2006/table">
+            <a:tbl>
+              <a:tblPr firstRow="1" bandRow="1">
+                <a:tableStyleId>{5C22544A-7EE6-4342-B048-85BDC9FD1C3A}</a:tableStyleId>
+              </a:tblPr>
+              <a:tblGrid>
+                <a:gridCol w="1047417"/>
+                <a:gridCol w="1047417"/>
+                <a:gridCol w="620254"/>
+                <a:gridCol w="1195709"/>
+              </a:tblGrid>
+              <a:tr h="287003">
+                <a:tc>
+                  <a:txBody>
+                    <a:bodyPr/>
+                    <a:lstStyle/>
+                    <a:p>
+                      <a:pPr marL="0" marR="0" indent="0" algn="ctr" defTabSz="914400" rtl="0" eaLnBrk="1" fontAlgn="auto" latinLnBrk="0" hangingPunct="1">
+                        <a:lnSpc>
+                          <a:spcPct val="100000"/>
+                        </a:lnSpc>
+                        <a:spcBef>
+                          <a:spcPts val="0"/>
+                        </a:spcBef>
+                        <a:spcAft>
+                          <a:spcPts val="0"/>
+                        </a:spcAft>
+                        <a:buClrTx/>
+                        <a:buSzTx/>
+                        <a:buFontTx/>
+                        <a:buNone/>
+                        <a:tabLst/>
+                        <a:defRPr/>
+                      </a:pPr>
+                      <a:r>
+                        <a:rPr lang="en-AU" sz="1200" dirty="0" smtClean="0">
+                          <a:solidFill>
+                            <a:schemeClr val="bg1">
+                              <a:lumMod val="95000"/>
+                            </a:schemeClr>
+                          </a:solidFill>
+                        </a:rPr>
+                        <a:t>Day</a:t>
+                      </a:r>
+                      <a:endParaRPr lang="en-AU" sz="1200" dirty="0">
+                        <a:solidFill>
+                          <a:schemeClr val="bg1">
+                            <a:lumMod val="95000"/>
+                          </a:schemeClr>
+                        </a:solidFill>
+                      </a:endParaRPr>
+                    </a:p>
+                  </a:txBody>
+                  <a:tcPr>
+                    <a:lnL w="12700" cmpd="sng">
+                      <a:noFill/>
+                    </a:lnL>
+                    <a:lnR w="12700" cmpd="sng">
+                      <a:noFill/>
+                    </a:lnR>
+                    <a:lnT w="12700" cmpd="sng">
+                      <a:noFill/>
+                    </a:lnT>
+                    <a:lnB w="38100" cmpd="sng">
+                      <a:noFill/>
+                    </a:lnB>
+                    <a:lnTlToBr w="12700" cmpd="sng">
+                      <a:noFill/>
+                      <a:prstDash val="solid"/>
+                    </a:lnTlToBr>
+                    <a:lnBlToTr w="12700" cmpd="sng">
+                      <a:noFill/>
+                      <a:prstDash val="solid"/>
+                    </a:lnBlToTr>
+                  </a:tcPr>
+                </a:tc>
+                <a:tc>
+                  <a:txBody>
+                    <a:bodyPr/>
+                    <a:lstStyle/>
+                    <a:p>
+                      <a:pPr marL="0" marR="0" indent="0" algn="ctr" defTabSz="914400" rtl="0" eaLnBrk="1" fontAlgn="auto" latinLnBrk="0" hangingPunct="1">
+                        <a:lnSpc>
+                          <a:spcPct val="100000"/>
+                        </a:lnSpc>
+                        <a:spcBef>
+                          <a:spcPts val="0"/>
+                        </a:spcBef>
+                        <a:spcAft>
+                          <a:spcPts val="0"/>
+                        </a:spcAft>
+                        <a:buClrTx/>
+                        <a:buSzTx/>
+                        <a:buFontTx/>
+                        <a:buNone/>
+                        <a:tabLst/>
+                        <a:defRPr/>
+                      </a:pPr>
+                      <a:r>
+                        <a:rPr lang="en-AU" sz="1200" dirty="0" smtClean="0">
+                          <a:solidFill>
+                            <a:schemeClr val="bg1">
+                              <a:lumMod val="95000"/>
+                            </a:schemeClr>
+                          </a:solidFill>
+                        </a:rPr>
+                        <a:t>Date</a:t>
+                      </a:r>
+                      <a:endParaRPr lang="en-AU" sz="1200" dirty="0">
+                        <a:solidFill>
+                          <a:schemeClr val="bg1">
+                            <a:lumMod val="95000"/>
+                          </a:schemeClr>
+                        </a:solidFill>
+                      </a:endParaRPr>
+                    </a:p>
+                  </a:txBody>
+                  <a:tcPr>
+                    <a:lnL w="12700" cmpd="sng">
+                      <a:noFill/>
+                    </a:lnL>
+                    <a:lnR w="12700" cmpd="sng">
+                      <a:noFill/>
+                    </a:lnR>
+                    <a:lnT w="12700" cmpd="sng">
+                      <a:noFill/>
+                    </a:lnT>
+                    <a:lnB w="38100" cmpd="sng">
+                      <a:noFill/>
+                    </a:lnB>
+                    <a:lnTlToBr w="12700" cmpd="sng">
+                      <a:noFill/>
+                      <a:prstDash val="solid"/>
+                    </a:lnTlToBr>
+                    <a:lnBlToTr w="12700" cmpd="sng">
+                      <a:noFill/>
+                      <a:prstDash val="solid"/>
+                    </a:lnBlToTr>
+                  </a:tcPr>
+                </a:tc>
+                <a:tc>
+                  <a:txBody>
+                    <a:bodyPr/>
+                    <a:lstStyle/>
+                    <a:p>
+                      <a:pPr marL="0" marR="0" indent="0" algn="ctr" defTabSz="914400" rtl="0" eaLnBrk="1" fontAlgn="auto" latinLnBrk="0" hangingPunct="1">
+                        <a:lnSpc>
+                          <a:spcPct val="100000"/>
+                        </a:lnSpc>
+                        <a:spcBef>
+                          <a:spcPts val="0"/>
+                        </a:spcBef>
+                        <a:spcAft>
+                          <a:spcPts val="0"/>
+                        </a:spcAft>
+                        <a:buClrTx/>
+                        <a:buSzTx/>
+                        <a:buFontTx/>
+                        <a:buNone/>
+                        <a:tabLst/>
+                        <a:defRPr/>
+                      </a:pPr>
+                      <a:r>
+                        <a:rPr lang="en-AU" sz="1200" dirty="0" smtClean="0">
+                          <a:solidFill>
+                            <a:schemeClr val="bg1">
+                              <a:lumMod val="95000"/>
+                            </a:schemeClr>
+                          </a:solidFill>
+                        </a:rPr>
+                        <a:t>Time</a:t>
+                      </a:r>
+                      <a:endParaRPr lang="en-AU" sz="1200" dirty="0">
+                        <a:solidFill>
+                          <a:schemeClr val="bg1">
+                            <a:lumMod val="95000"/>
+                          </a:schemeClr>
+                        </a:solidFill>
+                      </a:endParaRPr>
+                    </a:p>
+                  </a:txBody>
+                  <a:tcPr>
+                    <a:lnL w="12700" cmpd="sng">
+                      <a:noFill/>
+                    </a:lnL>
+                    <a:lnR w="12700" cmpd="sng">
+                      <a:noFill/>
+                    </a:lnR>
+                    <a:lnT w="12700" cmpd="sng">
+                      <a:noFill/>
+                    </a:lnT>
+                    <a:lnB w="38100" cmpd="sng">
+                      <a:noFill/>
+                    </a:lnB>
+                    <a:lnTlToBr w="12700" cmpd="sng">
+                      <a:noFill/>
+                      <a:prstDash val="solid"/>
+                    </a:lnTlToBr>
+                    <a:lnBlToTr w="12700" cmpd="sng">
+                      <a:noFill/>
+                      <a:prstDash val="solid"/>
+                    </a:lnBlToTr>
+                  </a:tcPr>
+                </a:tc>
+                <a:tc>
+                  <a:txBody>
+                    <a:bodyPr/>
+                    <a:lstStyle/>
+                    <a:p>
+                      <a:pPr marL="0" marR="0" indent="0" algn="ctr" defTabSz="914400" rtl="0" eaLnBrk="1" fontAlgn="auto" latinLnBrk="0" hangingPunct="1">
+                        <a:lnSpc>
+                          <a:spcPct val="100000"/>
+                        </a:lnSpc>
+                        <a:spcBef>
+                          <a:spcPts val="0"/>
+                        </a:spcBef>
+                        <a:spcAft>
+                          <a:spcPts val="0"/>
+                        </a:spcAft>
+                        <a:buClrTx/>
+                        <a:buSzTx/>
+                        <a:buFontTx/>
+                        <a:buNone/>
+                        <a:tabLst/>
+                        <a:defRPr/>
+                      </a:pPr>
+                      <a:r>
+                        <a:rPr lang="en-AU" sz="1200" dirty="0" smtClean="0">
+                          <a:solidFill>
+                            <a:schemeClr val="bg1">
+                              <a:lumMod val="95000"/>
+                            </a:schemeClr>
+                          </a:solidFill>
+                        </a:rPr>
+                        <a:t>Severity</a:t>
+                      </a:r>
+                      <a:endParaRPr lang="en-AU" sz="1200" dirty="0">
+                        <a:solidFill>
+                          <a:schemeClr val="bg1">
+                            <a:lumMod val="95000"/>
+                          </a:schemeClr>
+                        </a:solidFill>
+                      </a:endParaRPr>
+                    </a:p>
+                  </a:txBody>
+                  <a:tcPr>
+                    <a:lnL w="12700" cmpd="sng">
+                      <a:noFill/>
+                    </a:lnL>
+                    <a:lnR w="12700" cmpd="sng">
+                      <a:noFill/>
+                    </a:lnR>
+                    <a:lnT w="12700" cmpd="sng">
+                      <a:noFill/>
+                    </a:lnT>
+                    <a:lnB w="38100" cmpd="sng">
+                      <a:noFill/>
+                    </a:lnB>
+                    <a:lnTlToBr w="12700" cmpd="sng">
+                      <a:noFill/>
+                      <a:prstDash val="solid"/>
+                    </a:lnTlToBr>
+                    <a:lnBlToTr w="12700" cmpd="sng">
+                      <a:noFill/>
+                      <a:prstDash val="solid"/>
+                    </a:lnBlToTr>
+                  </a:tcPr>
+                </a:tc>
+              </a:tr>
+              <a:tr h="274379">
+                <a:tc>
+                  <a:txBody>
+                    <a:bodyPr/>
+                    <a:lstStyle/>
+                    <a:p>
+                      <a:pPr marL="0" marR="0" indent="0" algn="l" defTabSz="914400" rtl="0" eaLnBrk="1" fontAlgn="auto" latinLnBrk="0" hangingPunct="1">
+                        <a:lnSpc>
+                          <a:spcPct val="100000"/>
+                        </a:lnSpc>
+                        <a:spcBef>
+                          <a:spcPts val="0"/>
+                        </a:spcBef>
+                        <a:spcAft>
+                          <a:spcPts val="0"/>
+                        </a:spcAft>
+                        <a:buClrTx/>
+                        <a:buSzTx/>
+                        <a:buFontTx/>
+                        <a:buNone/>
+                        <a:tabLst/>
+                        <a:defRPr/>
+                      </a:pPr>
+                      <a:r>
+                        <a:rPr lang="en-AU" sz="1200" dirty="0" smtClean="0"/>
+                        <a:t>Monday</a:t>
+                      </a:r>
+                      <a:endParaRPr lang="en-AU" sz="1200" dirty="0"/>
+                    </a:p>
+                  </a:txBody>
+                  <a:tcPr>
+                    <a:lnT w="12700" cmpd="sng">
+                      <a:noFill/>
+                    </a:lnT>
+                    <a:lnB w="12700" cmpd="sng">
+                      <a:noFill/>
+                    </a:lnB>
+                  </a:tcPr>
+                </a:tc>
+                <a:tc>
+                  <a:txBody>
+                    <a:bodyPr/>
+                    <a:lstStyle/>
+                    <a:p>
+                      <a:pPr marL="0" marR="0" indent="0" algn="l" defTabSz="914400" rtl="0" eaLnBrk="1" fontAlgn="auto" latinLnBrk="0" hangingPunct="1">
+                        <a:lnSpc>
+                          <a:spcPct val="100000"/>
+                        </a:lnSpc>
+                        <a:spcBef>
+                          <a:spcPts val="0"/>
+                        </a:spcBef>
+                        <a:spcAft>
+                          <a:spcPts val="0"/>
+                        </a:spcAft>
+                        <a:buClrTx/>
+                        <a:buSzTx/>
+                        <a:buFontTx/>
+                        <a:buNone/>
+                        <a:tabLst/>
+                        <a:defRPr/>
+                      </a:pPr>
+                      <a:r>
+                        <a:rPr lang="is-IS" sz="1200" dirty="0" smtClean="0"/>
+                        <a:t>01/08/2010</a:t>
+                      </a:r>
+                      <a:endParaRPr lang="en-AU" sz="1200" dirty="0"/>
+                    </a:p>
+                  </a:txBody>
+                  <a:tcPr>
+                    <a:lnT w="12700" cmpd="sng">
+                      <a:noFill/>
+                    </a:lnT>
+                    <a:lnB w="12700" cmpd="sng">
+                      <a:noFill/>
+                    </a:lnB>
+                  </a:tcPr>
+                </a:tc>
+                <a:tc>
+                  <a:txBody>
+                    <a:bodyPr/>
+                    <a:lstStyle/>
+                    <a:p>
+                      <a:pPr marL="0" marR="0" indent="0" algn="l" defTabSz="914400" rtl="0" eaLnBrk="1" fontAlgn="auto" latinLnBrk="0" hangingPunct="1">
+                        <a:lnSpc>
+                          <a:spcPct val="100000"/>
+                        </a:lnSpc>
+                        <a:spcBef>
+                          <a:spcPts val="0"/>
+                        </a:spcBef>
+                        <a:spcAft>
+                          <a:spcPts val="0"/>
+                        </a:spcAft>
+                        <a:buClrTx/>
+                        <a:buSzTx/>
+                        <a:buFontTx/>
+                        <a:buNone/>
+                        <a:tabLst/>
+                        <a:defRPr/>
+                      </a:pPr>
+                      <a:r>
+                        <a:rPr lang="hr-HR" sz="1200" dirty="0" smtClean="0"/>
+                        <a:t>01.24</a:t>
+                      </a:r>
+                      <a:endParaRPr lang="en-AU" sz="1200" dirty="0"/>
+                    </a:p>
+                  </a:txBody>
+                  <a:tcPr>
+                    <a:lnT w="12700" cmpd="sng">
+                      <a:noFill/>
+                    </a:lnT>
+                    <a:lnB w="12700" cmpd="sng">
+                      <a:noFill/>
+                    </a:lnB>
+                  </a:tcPr>
+                </a:tc>
+                <a:tc>
+                  <a:txBody>
+                    <a:bodyPr/>
+                    <a:lstStyle/>
+                    <a:p>
+                      <a:pPr marL="0" marR="0" indent="0" algn="l" defTabSz="914400" rtl="0" eaLnBrk="1" fontAlgn="auto" latinLnBrk="0" hangingPunct="1">
+                        <a:lnSpc>
+                          <a:spcPct val="100000"/>
+                        </a:lnSpc>
+                        <a:spcBef>
+                          <a:spcPts val="0"/>
+                        </a:spcBef>
+                        <a:spcAft>
+                          <a:spcPts val="0"/>
+                        </a:spcAft>
+                        <a:buClrTx/>
+                        <a:buSzTx/>
+                        <a:buFontTx/>
+                        <a:buNone/>
+                        <a:tabLst/>
+                        <a:defRPr/>
+                      </a:pPr>
+                      <a:r>
+                        <a:rPr lang="en-AU" sz="1200" dirty="0" smtClean="0"/>
+                        <a:t>Other injury </a:t>
+                      </a:r>
+                      <a:endParaRPr lang="en-AU" sz="1200" dirty="0"/>
+                    </a:p>
+                  </a:txBody>
+                  <a:tcPr>
+                    <a:lnT w="12700" cmpd="sng">
+                      <a:noFill/>
+                    </a:lnT>
+                    <a:lnB w="12700" cmpd="sng">
+                      <a:noFill/>
+                    </a:lnB>
+                  </a:tcPr>
+                </a:tc>
+              </a:tr>
+              <a:tr h="274379">
+                <a:tc>
+                  <a:txBody>
+                    <a:bodyPr/>
+                    <a:lstStyle/>
+                    <a:p>
+                      <a:pPr marL="0" marR="0" indent="0" algn="l" defTabSz="914400" rtl="0" eaLnBrk="1" fontAlgn="auto" latinLnBrk="0" hangingPunct="1">
+                        <a:lnSpc>
+                          <a:spcPct val="100000"/>
+                        </a:lnSpc>
+                        <a:spcBef>
+                          <a:spcPts val="0"/>
+                        </a:spcBef>
+                        <a:spcAft>
+                          <a:spcPts val="0"/>
+                        </a:spcAft>
+                        <a:buClrTx/>
+                        <a:buSzTx/>
+                        <a:buFontTx/>
+                        <a:buNone/>
+                        <a:tabLst/>
+                        <a:defRPr/>
+                      </a:pPr>
+                      <a:r>
+                        <a:rPr lang="en-AU" sz="1200" dirty="0" smtClean="0"/>
+                        <a:t>Wednesday</a:t>
+                      </a:r>
+                      <a:endParaRPr lang="en-AU" sz="1200" dirty="0"/>
+                    </a:p>
+                  </a:txBody>
+                  <a:tcPr>
+                    <a:lnT w="12700" cmpd="sng">
+                      <a:noFill/>
+                    </a:lnT>
+                    <a:lnB w="12700" cmpd="sng">
+                      <a:noFill/>
+                    </a:lnB>
+                  </a:tcPr>
+                </a:tc>
+                <a:tc>
+                  <a:txBody>
+                    <a:bodyPr/>
+                    <a:lstStyle/>
+                    <a:p>
+                      <a:pPr marL="0" marR="0" indent="0" algn="l" defTabSz="914400" rtl="0" eaLnBrk="1" fontAlgn="auto" latinLnBrk="0" hangingPunct="1">
+                        <a:lnSpc>
+                          <a:spcPct val="100000"/>
+                        </a:lnSpc>
+                        <a:spcBef>
+                          <a:spcPts val="0"/>
+                        </a:spcBef>
+                        <a:spcAft>
+                          <a:spcPts val="0"/>
+                        </a:spcAft>
+                        <a:buClrTx/>
+                        <a:buSzTx/>
+                        <a:buFontTx/>
+                        <a:buNone/>
+                        <a:tabLst/>
+                        <a:defRPr/>
+                      </a:pPr>
+                      <a:r>
+                        <a:rPr lang="is-IS" sz="1200" dirty="0" smtClean="0"/>
+                        <a:t>10/11/2010</a:t>
+                      </a:r>
+                      <a:endParaRPr lang="en-AU" sz="1200" dirty="0"/>
+                    </a:p>
+                  </a:txBody>
+                  <a:tcPr>
+                    <a:lnT w="12700" cmpd="sng">
+                      <a:noFill/>
+                    </a:lnT>
+                    <a:lnB w="12700" cmpd="sng">
+                      <a:noFill/>
+                    </a:lnB>
+                  </a:tcPr>
+                </a:tc>
+                <a:tc>
+                  <a:txBody>
+                    <a:bodyPr/>
+                    <a:lstStyle/>
+                    <a:p>
+                      <a:pPr marL="0" marR="0" indent="0" algn="l" defTabSz="914400" rtl="0" eaLnBrk="1" fontAlgn="auto" latinLnBrk="0" hangingPunct="1">
+                        <a:lnSpc>
+                          <a:spcPct val="100000"/>
+                        </a:lnSpc>
+                        <a:spcBef>
+                          <a:spcPts val="0"/>
+                        </a:spcBef>
+                        <a:spcAft>
+                          <a:spcPts val="0"/>
+                        </a:spcAft>
+                        <a:buClrTx/>
+                        <a:buSzTx/>
+                        <a:buFontTx/>
+                        <a:buNone/>
+                        <a:tabLst/>
+                        <a:defRPr/>
+                      </a:pPr>
+                      <a:r>
+                        <a:rPr lang="hr-HR" sz="1200" dirty="0" smtClean="0"/>
+                        <a:t>13.00</a:t>
+                      </a:r>
+                      <a:endParaRPr lang="en-AU" sz="1200" dirty="0"/>
+                    </a:p>
+                  </a:txBody>
+                  <a:tcPr>
+                    <a:lnT w="12700" cmpd="sng">
+                      <a:noFill/>
+                    </a:lnT>
+                    <a:lnB w="12700" cmpd="sng">
+                      <a:noFill/>
+                    </a:lnB>
+                  </a:tcPr>
+                </a:tc>
+                <a:tc>
+                  <a:txBody>
+                    <a:bodyPr/>
+                    <a:lstStyle/>
+                    <a:p>
+                      <a:pPr marL="0" marR="0" indent="0" algn="l" defTabSz="914400" rtl="0" eaLnBrk="1" fontAlgn="auto" latinLnBrk="0" hangingPunct="1">
+                        <a:lnSpc>
+                          <a:spcPct val="100000"/>
+                        </a:lnSpc>
+                        <a:spcBef>
+                          <a:spcPts val="0"/>
+                        </a:spcBef>
+                        <a:spcAft>
+                          <a:spcPts val="0"/>
+                        </a:spcAft>
+                        <a:buClrTx/>
+                        <a:buSzTx/>
+                        <a:buFontTx/>
+                        <a:buNone/>
+                        <a:tabLst/>
+                        <a:defRPr/>
+                      </a:pPr>
+                      <a:r>
+                        <a:rPr lang="en-AU" sz="1200" dirty="0" smtClean="0"/>
+                        <a:t>Other injury </a:t>
+                      </a:r>
+                      <a:endParaRPr lang="en-AU" sz="1200" dirty="0"/>
+                    </a:p>
+                  </a:txBody>
+                  <a:tcPr>
+                    <a:lnT w="12700" cmpd="sng">
+                      <a:noFill/>
+                    </a:lnT>
+                    <a:lnB w="12700" cmpd="sng">
+                      <a:noFill/>
+                    </a:lnB>
+                  </a:tcPr>
+                </a:tc>
+              </a:tr>
+              <a:tr h="274379">
+                <a:tc>
+                  <a:txBody>
+                    <a:bodyPr/>
+                    <a:lstStyle/>
+                    <a:p>
+                      <a:pPr marL="0" marR="0" indent="0" algn="l" defTabSz="914400" rtl="0" eaLnBrk="1" fontAlgn="auto" latinLnBrk="0" hangingPunct="1">
+                        <a:lnSpc>
+                          <a:spcPct val="100000"/>
+                        </a:lnSpc>
+                        <a:spcBef>
+                          <a:spcPts val="0"/>
+                        </a:spcBef>
+                        <a:spcAft>
+                          <a:spcPts val="0"/>
+                        </a:spcAft>
+                        <a:buClrTx/>
+                        <a:buSzTx/>
+                        <a:buFontTx/>
+                        <a:buNone/>
+                        <a:tabLst/>
+                        <a:defRPr/>
+                      </a:pPr>
+                      <a:r>
+                        <a:rPr lang="en-AU" sz="1200" dirty="0" smtClean="0"/>
+                        <a:t>Friday</a:t>
+                      </a:r>
+                      <a:endParaRPr lang="en-AU" sz="1200" dirty="0"/>
+                    </a:p>
+                  </a:txBody>
+                  <a:tcPr>
+                    <a:lnT w="12700" cmpd="sng">
+                      <a:noFill/>
+                    </a:lnT>
+                    <a:lnB w="12700" cmpd="sng">
+                      <a:noFill/>
+                    </a:lnB>
+                  </a:tcPr>
+                </a:tc>
+                <a:tc>
+                  <a:txBody>
+                    <a:bodyPr/>
+                    <a:lstStyle/>
+                    <a:p>
+                      <a:pPr marL="0" marR="0" indent="0" algn="l" defTabSz="914400" rtl="0" eaLnBrk="1" fontAlgn="auto" latinLnBrk="0" hangingPunct="1">
+                        <a:lnSpc>
+                          <a:spcPct val="100000"/>
+                        </a:lnSpc>
+                        <a:spcBef>
+                          <a:spcPts val="0"/>
+                        </a:spcBef>
+                        <a:spcAft>
+                          <a:spcPts val="0"/>
+                        </a:spcAft>
+                        <a:buClrTx/>
+                        <a:buSzTx/>
+                        <a:buFontTx/>
+                        <a:buNone/>
+                        <a:tabLst/>
+                        <a:defRPr/>
+                      </a:pPr>
+                      <a:r>
+                        <a:rPr lang="is-IS" sz="1200" dirty="0" smtClean="0"/>
+                        <a:t>12/11/2010</a:t>
+                      </a:r>
+                      <a:endParaRPr lang="en-AU" sz="1200" dirty="0"/>
+                    </a:p>
+                  </a:txBody>
+                  <a:tcPr>
+                    <a:lnT w="12700" cmpd="sng">
+                      <a:noFill/>
+                    </a:lnT>
+                    <a:lnB w="12700" cmpd="sng">
+                      <a:noFill/>
+                    </a:lnB>
+                  </a:tcPr>
+                </a:tc>
+                <a:tc>
+                  <a:txBody>
+                    <a:bodyPr/>
+                    <a:lstStyle/>
+                    <a:p>
+                      <a:pPr marL="0" marR="0" indent="0" algn="l" defTabSz="914400" rtl="0" eaLnBrk="1" fontAlgn="auto" latinLnBrk="0" hangingPunct="1">
+                        <a:lnSpc>
+                          <a:spcPct val="100000"/>
+                        </a:lnSpc>
+                        <a:spcBef>
+                          <a:spcPts val="0"/>
+                        </a:spcBef>
+                        <a:spcAft>
+                          <a:spcPts val="0"/>
+                        </a:spcAft>
+                        <a:buClrTx/>
+                        <a:buSzTx/>
+                        <a:buFontTx/>
+                        <a:buNone/>
+                        <a:tabLst/>
+                        <a:defRPr/>
+                      </a:pPr>
+                      <a:r>
+                        <a:rPr lang="hr-HR" sz="1200" dirty="0" smtClean="0"/>
+                        <a:t>22.00</a:t>
+                      </a:r>
+                      <a:endParaRPr lang="en-AU" sz="1200" dirty="0"/>
+                    </a:p>
+                  </a:txBody>
+                  <a:tcPr>
+                    <a:lnT w="12700" cmpd="sng">
+                      <a:noFill/>
+                    </a:lnT>
+                    <a:lnB w="12700" cmpd="sng">
+                      <a:noFill/>
+                    </a:lnB>
+                  </a:tcPr>
+                </a:tc>
+                <a:tc>
+                  <a:txBody>
+                    <a:bodyPr/>
+                    <a:lstStyle/>
+                    <a:p>
+                      <a:pPr marL="0" marR="0" indent="0" algn="l" defTabSz="914400" rtl="0" eaLnBrk="1" fontAlgn="auto" latinLnBrk="0" hangingPunct="1">
+                        <a:lnSpc>
+                          <a:spcPct val="100000"/>
+                        </a:lnSpc>
+                        <a:spcBef>
+                          <a:spcPts val="0"/>
+                        </a:spcBef>
+                        <a:spcAft>
+                          <a:spcPts val="0"/>
+                        </a:spcAft>
+                        <a:buClrTx/>
+                        <a:buSzTx/>
+                        <a:buFontTx/>
+                        <a:buNone/>
+                        <a:tabLst/>
+                        <a:defRPr/>
+                      </a:pPr>
+                      <a:r>
+                        <a:rPr lang="en-AU" sz="1200" dirty="0" smtClean="0"/>
+                        <a:t>Other injury </a:t>
+                      </a:r>
+                      <a:endParaRPr lang="en-AU" sz="1200" dirty="0"/>
+                    </a:p>
+                  </a:txBody>
+                  <a:tcPr>
+                    <a:lnT w="12700" cmpd="sng">
+                      <a:noFill/>
+                    </a:lnT>
+                    <a:lnB w="12700" cmpd="sng">
+                      <a:noFill/>
+                    </a:lnB>
+                  </a:tcPr>
+                </a:tc>
+              </a:tr>
+              <a:tr h="274379">
+                <a:tc>
+                  <a:txBody>
+                    <a:bodyPr/>
+                    <a:lstStyle/>
+                    <a:p>
+                      <a:pPr marL="0" marR="0" indent="0" algn="l" defTabSz="914400" rtl="0" eaLnBrk="1" fontAlgn="auto" latinLnBrk="0" hangingPunct="1">
+                        <a:lnSpc>
+                          <a:spcPct val="100000"/>
+                        </a:lnSpc>
+                        <a:spcBef>
+                          <a:spcPts val="0"/>
+                        </a:spcBef>
+                        <a:spcAft>
+                          <a:spcPts val="0"/>
+                        </a:spcAft>
+                        <a:buClrTx/>
+                        <a:buSzTx/>
+                        <a:buFontTx/>
+                        <a:buNone/>
+                        <a:tabLst/>
+                        <a:defRPr/>
+                      </a:pPr>
+                      <a:r>
+                        <a:rPr lang="en-AU" sz="1200" dirty="0" smtClean="0"/>
+                        <a:t>Saturday</a:t>
+                      </a:r>
+                      <a:endParaRPr lang="en-AU" sz="1200" dirty="0"/>
+                    </a:p>
+                  </a:txBody>
+                  <a:tcPr>
+                    <a:lnT w="12700" cmpd="sng">
+                      <a:noFill/>
+                    </a:lnT>
+                    <a:lnB w="12700" cmpd="sng">
+                      <a:noFill/>
+                    </a:lnB>
+                  </a:tcPr>
+                </a:tc>
+                <a:tc>
+                  <a:txBody>
+                    <a:bodyPr/>
+                    <a:lstStyle/>
+                    <a:p>
+                      <a:pPr marL="0" marR="0" indent="0" algn="l" defTabSz="914400" rtl="0" eaLnBrk="1" fontAlgn="auto" latinLnBrk="0" hangingPunct="1">
+                        <a:lnSpc>
+                          <a:spcPct val="100000"/>
+                        </a:lnSpc>
+                        <a:spcBef>
+                          <a:spcPts val="0"/>
+                        </a:spcBef>
+                        <a:spcAft>
+                          <a:spcPts val="0"/>
+                        </a:spcAft>
+                        <a:buClrTx/>
+                        <a:buSzTx/>
+                        <a:buFontTx/>
+                        <a:buNone/>
+                        <a:tabLst/>
+                        <a:defRPr/>
+                      </a:pPr>
+                      <a:r>
+                        <a:rPr lang="is-IS" sz="1200" dirty="0" smtClean="0"/>
+                        <a:t>18/01/2011</a:t>
+                      </a:r>
+                      <a:endParaRPr lang="en-AU" sz="1200" dirty="0"/>
+                    </a:p>
+                  </a:txBody>
+                  <a:tcPr>
+                    <a:lnT w="12700" cmpd="sng">
+                      <a:noFill/>
+                    </a:lnT>
+                    <a:lnB w="12700" cmpd="sng">
+                      <a:noFill/>
+                    </a:lnB>
+                  </a:tcPr>
+                </a:tc>
+                <a:tc>
+                  <a:txBody>
+                    <a:bodyPr/>
+                    <a:lstStyle/>
+                    <a:p>
+                      <a:pPr marL="0" marR="0" indent="0" algn="l" defTabSz="914400" rtl="0" eaLnBrk="1" fontAlgn="auto" latinLnBrk="0" hangingPunct="1">
+                        <a:lnSpc>
+                          <a:spcPct val="100000"/>
+                        </a:lnSpc>
+                        <a:spcBef>
+                          <a:spcPts val="0"/>
+                        </a:spcBef>
+                        <a:spcAft>
+                          <a:spcPts val="0"/>
+                        </a:spcAft>
+                        <a:buClrTx/>
+                        <a:buSzTx/>
+                        <a:buFontTx/>
+                        <a:buNone/>
+                        <a:tabLst/>
+                        <a:defRPr/>
+                      </a:pPr>
+                      <a:r>
+                        <a:rPr lang="nb-NO" sz="1200" dirty="0" smtClean="0"/>
+                        <a:t>21.30</a:t>
+                      </a:r>
+                      <a:endParaRPr lang="en-AU" sz="1200" dirty="0"/>
+                    </a:p>
+                  </a:txBody>
+                  <a:tcPr>
+                    <a:lnT w="12700" cmpd="sng">
+                      <a:noFill/>
+                    </a:lnT>
+                    <a:lnB w="12700" cmpd="sng">
+                      <a:noFill/>
+                    </a:lnB>
+                  </a:tcPr>
+                </a:tc>
+                <a:tc>
+                  <a:txBody>
+                    <a:bodyPr/>
+                    <a:lstStyle/>
+                    <a:p>
+                      <a:pPr marL="0" marR="0" indent="0" algn="l" defTabSz="914400" rtl="0" eaLnBrk="1" fontAlgn="auto" latinLnBrk="0" hangingPunct="1">
+                        <a:lnSpc>
+                          <a:spcPct val="100000"/>
+                        </a:lnSpc>
+                        <a:spcBef>
+                          <a:spcPts val="0"/>
+                        </a:spcBef>
+                        <a:spcAft>
+                          <a:spcPts val="0"/>
+                        </a:spcAft>
+                        <a:buClrTx/>
+                        <a:buSzTx/>
+                        <a:buFontTx/>
+                        <a:buNone/>
+                        <a:tabLst/>
+                        <a:defRPr/>
+                      </a:pPr>
+                      <a:r>
+                        <a:rPr lang="en-AU" sz="1200" dirty="0" smtClean="0"/>
+                        <a:t>Other injury </a:t>
+                      </a:r>
+                      <a:endParaRPr lang="en-AU" sz="1200" dirty="0"/>
+                    </a:p>
+                  </a:txBody>
+                  <a:tcPr>
+                    <a:lnT w="12700" cmpd="sng">
+                      <a:noFill/>
+                    </a:lnT>
+                    <a:lnB w="12700" cmpd="sng">
+                      <a:noFill/>
+                    </a:lnB>
+                  </a:tcPr>
+                </a:tc>
+              </a:tr>
+              <a:tr h="274379">
+                <a:tc>
+                  <a:txBody>
+                    <a:bodyPr/>
+                    <a:lstStyle/>
+                    <a:p>
+                      <a:pPr marL="0" marR="0" indent="0" algn="l" defTabSz="914400" rtl="0" eaLnBrk="1" fontAlgn="auto" latinLnBrk="0" hangingPunct="1">
+                        <a:lnSpc>
+                          <a:spcPct val="100000"/>
+                        </a:lnSpc>
+                        <a:spcBef>
+                          <a:spcPts val="0"/>
+                        </a:spcBef>
+                        <a:spcAft>
+                          <a:spcPts val="0"/>
+                        </a:spcAft>
+                        <a:buClrTx/>
+                        <a:buSzTx/>
+                        <a:buFontTx/>
+                        <a:buNone/>
+                        <a:tabLst/>
+                        <a:defRPr/>
+                      </a:pPr>
+                      <a:r>
+                        <a:rPr lang="en-AU" sz="1200" dirty="0" smtClean="0"/>
+                        <a:t>Monday</a:t>
+                      </a:r>
+                      <a:endParaRPr lang="en-AU" sz="1200" dirty="0"/>
+                    </a:p>
+                  </a:txBody>
+                  <a:tcPr>
+                    <a:lnT w="12700" cmpd="sng">
+                      <a:noFill/>
+                    </a:lnT>
+                  </a:tcPr>
+                </a:tc>
+                <a:tc>
+                  <a:txBody>
+                    <a:bodyPr/>
+                    <a:lstStyle/>
+                    <a:p>
+                      <a:pPr marL="0" marR="0" indent="0" algn="l" defTabSz="914400" rtl="0" eaLnBrk="1" fontAlgn="auto" latinLnBrk="0" hangingPunct="1">
+                        <a:lnSpc>
+                          <a:spcPct val="100000"/>
+                        </a:lnSpc>
+                        <a:spcBef>
+                          <a:spcPts val="0"/>
+                        </a:spcBef>
+                        <a:spcAft>
+                          <a:spcPts val="0"/>
+                        </a:spcAft>
+                        <a:buClrTx/>
+                        <a:buSzTx/>
+                        <a:buFontTx/>
+                        <a:buNone/>
+                        <a:tabLst/>
+                        <a:defRPr/>
+                      </a:pPr>
+                      <a:r>
+                        <a:rPr lang="is-IS" sz="1200" b="0" i="0" kern="1200" dirty="0" smtClean="0">
+                          <a:solidFill>
+                            <a:schemeClr val="dk1"/>
+                          </a:solidFill>
+                          <a:effectLst/>
+                          <a:latin typeface="+mn-lt"/>
+                          <a:ea typeface="+mn-ea"/>
+                          <a:cs typeface="+mn-cs"/>
+                        </a:rPr>
+                        <a:t>07/03/2011</a:t>
+                      </a:r>
+                      <a:endParaRPr lang="en-AU" sz="1200" dirty="0"/>
+                    </a:p>
+                  </a:txBody>
+                  <a:tcPr>
+                    <a:lnT w="12700" cmpd="sng">
+                      <a:noFill/>
+                    </a:lnT>
+                  </a:tcPr>
+                </a:tc>
+                <a:tc>
+                  <a:txBody>
+                    <a:bodyPr/>
+                    <a:lstStyle/>
+                    <a:p>
+                      <a:pPr marL="0" marR="0" indent="0" algn="l" defTabSz="914400" rtl="0" eaLnBrk="1" fontAlgn="auto" latinLnBrk="0" hangingPunct="1">
+                        <a:lnSpc>
+                          <a:spcPct val="100000"/>
+                        </a:lnSpc>
+                        <a:spcBef>
+                          <a:spcPts val="0"/>
+                        </a:spcBef>
+                        <a:spcAft>
+                          <a:spcPts val="0"/>
+                        </a:spcAft>
+                        <a:buClrTx/>
+                        <a:buSzTx/>
+                        <a:buFontTx/>
+                        <a:buNone/>
+                        <a:tabLst/>
+                        <a:defRPr/>
+                      </a:pPr>
+                      <a:r>
+                        <a:rPr lang="hr-HR" sz="1200" dirty="0" smtClean="0"/>
+                        <a:t>07.38</a:t>
+                      </a:r>
+                      <a:endParaRPr lang="en-AU" sz="1200" dirty="0"/>
+                    </a:p>
+                  </a:txBody>
+                  <a:tcPr>
+                    <a:lnT w="12700" cmpd="sng">
+                      <a:noFill/>
+                    </a:lnT>
+                  </a:tcPr>
+                </a:tc>
+                <a:tc>
+                  <a:txBody>
+                    <a:bodyPr/>
+                    <a:lstStyle/>
+                    <a:p>
+                      <a:r>
+                        <a:rPr lang="en-AU" sz="1200" dirty="0" smtClean="0"/>
+                        <a:t>Serious injury</a:t>
+                      </a:r>
+                      <a:endParaRPr lang="en-AU" sz="1200" dirty="0"/>
+                    </a:p>
+                  </a:txBody>
+                  <a:tcPr>
+                    <a:lnT w="12700" cmpd="sng">
+                      <a:noFill/>
+                    </a:lnT>
+                  </a:tcPr>
+                </a:tc>
+              </a:tr>
+              <a:tr h="274379">
+                <a:tc>
+                  <a:txBody>
+                    <a:bodyPr/>
+                    <a:lstStyle/>
+                    <a:p>
+                      <a:pPr marL="0" marR="0" indent="0" algn="l" defTabSz="914400" rtl="0" eaLnBrk="1" fontAlgn="auto" latinLnBrk="0" hangingPunct="1">
+                        <a:lnSpc>
+                          <a:spcPct val="100000"/>
+                        </a:lnSpc>
+                        <a:spcBef>
+                          <a:spcPts val="0"/>
+                        </a:spcBef>
+                        <a:spcAft>
+                          <a:spcPts val="0"/>
+                        </a:spcAft>
+                        <a:buClrTx/>
+                        <a:buSzTx/>
+                        <a:buFontTx/>
+                        <a:buNone/>
+                        <a:tabLst/>
+                        <a:defRPr/>
+                      </a:pPr>
+                      <a:r>
+                        <a:rPr lang="en-AU" sz="1200" dirty="0" smtClean="0"/>
+                        <a:t>Wednesday</a:t>
+                      </a:r>
+                      <a:endParaRPr lang="en-AU" sz="1200" dirty="0"/>
+                    </a:p>
+                  </a:txBody>
+                  <a:tcPr/>
+                </a:tc>
+                <a:tc>
+                  <a:txBody>
+                    <a:bodyPr/>
+                    <a:lstStyle/>
+                    <a:p>
+                      <a:pPr marL="0" marR="0" indent="0" algn="l" defTabSz="914400" rtl="0" eaLnBrk="1" fontAlgn="auto" latinLnBrk="0" hangingPunct="1">
+                        <a:lnSpc>
+                          <a:spcPct val="100000"/>
+                        </a:lnSpc>
+                        <a:spcBef>
+                          <a:spcPts val="0"/>
+                        </a:spcBef>
+                        <a:spcAft>
+                          <a:spcPts val="0"/>
+                        </a:spcAft>
+                        <a:buClrTx/>
+                        <a:buSzTx/>
+                        <a:buFontTx/>
+                        <a:buNone/>
+                        <a:tabLst/>
+                        <a:defRPr/>
+                      </a:pPr>
+                      <a:r>
+                        <a:rPr lang="is-IS" sz="1200" dirty="0" smtClean="0"/>
+                        <a:t>11/05/2011</a:t>
+                      </a:r>
+                      <a:endParaRPr lang="en-AU" sz="1200" dirty="0"/>
+                    </a:p>
+                  </a:txBody>
+                  <a:tcPr/>
+                </a:tc>
+                <a:tc>
+                  <a:txBody>
+                    <a:bodyPr/>
+                    <a:lstStyle/>
+                    <a:p>
+                      <a:pPr marL="0" marR="0" indent="0" algn="l" defTabSz="914400" rtl="0" eaLnBrk="1" fontAlgn="auto" latinLnBrk="0" hangingPunct="1">
+                        <a:lnSpc>
+                          <a:spcPct val="100000"/>
+                        </a:lnSpc>
+                        <a:spcBef>
+                          <a:spcPts val="0"/>
+                        </a:spcBef>
+                        <a:spcAft>
+                          <a:spcPts val="0"/>
+                        </a:spcAft>
+                        <a:buClrTx/>
+                        <a:buSzTx/>
+                        <a:buFontTx/>
+                        <a:buNone/>
+                        <a:tabLst/>
+                        <a:defRPr/>
+                      </a:pPr>
+                      <a:r>
+                        <a:rPr lang="hr-HR" sz="1200" dirty="0" smtClean="0"/>
+                        <a:t>12.30</a:t>
+                      </a:r>
+                      <a:endParaRPr lang="en-AU" sz="1200" dirty="0"/>
+                    </a:p>
+                  </a:txBody>
+                  <a:tcPr/>
+                </a:tc>
+                <a:tc>
+                  <a:txBody>
+                    <a:bodyPr/>
+                    <a:lstStyle/>
+                    <a:p>
+                      <a:pPr marL="0" marR="0" indent="0" algn="l" defTabSz="914400" rtl="0" eaLnBrk="1" fontAlgn="auto" latinLnBrk="0" hangingPunct="1">
+                        <a:lnSpc>
+                          <a:spcPct val="100000"/>
+                        </a:lnSpc>
+                        <a:spcBef>
+                          <a:spcPts val="0"/>
+                        </a:spcBef>
+                        <a:spcAft>
+                          <a:spcPts val="0"/>
+                        </a:spcAft>
+                        <a:buClrTx/>
+                        <a:buSzTx/>
+                        <a:buFontTx/>
+                        <a:buNone/>
+                        <a:tabLst/>
+                        <a:defRPr/>
+                      </a:pPr>
+                      <a:r>
+                        <a:rPr lang="en-AU" sz="1200" dirty="0" smtClean="0"/>
+                        <a:t>Other injury </a:t>
+                      </a:r>
+                      <a:endParaRPr lang="en-AU" sz="1200" dirty="0"/>
+                    </a:p>
+                  </a:txBody>
+                  <a:tcPr/>
+                </a:tc>
+              </a:tr>
+              <a:tr h="274379">
+                <a:tc>
+                  <a:txBody>
+                    <a:bodyPr/>
+                    <a:lstStyle/>
+                    <a:p>
+                      <a:pPr marL="0" marR="0" indent="0" algn="l" defTabSz="914400" rtl="0" eaLnBrk="1" fontAlgn="auto" latinLnBrk="0" hangingPunct="1">
+                        <a:lnSpc>
+                          <a:spcPct val="100000"/>
+                        </a:lnSpc>
+                        <a:spcBef>
+                          <a:spcPts val="0"/>
+                        </a:spcBef>
+                        <a:spcAft>
+                          <a:spcPts val="0"/>
+                        </a:spcAft>
+                        <a:buClrTx/>
+                        <a:buSzTx/>
+                        <a:buFontTx/>
+                        <a:buNone/>
+                        <a:tabLst/>
+                        <a:defRPr/>
+                      </a:pPr>
+                      <a:r>
+                        <a:rPr lang="en-AU" sz="1200" dirty="0" smtClean="0"/>
+                        <a:t>Saturday</a:t>
+                      </a:r>
+                      <a:endParaRPr lang="en-AU" sz="1200" dirty="0"/>
+                    </a:p>
+                  </a:txBody>
+                  <a:tcPr/>
+                </a:tc>
+                <a:tc>
+                  <a:txBody>
+                    <a:bodyPr/>
+                    <a:lstStyle/>
+                    <a:p>
+                      <a:pPr marL="0" marR="0" indent="0" algn="l" defTabSz="914400" rtl="0" eaLnBrk="1" fontAlgn="auto" latinLnBrk="0" hangingPunct="1">
+                        <a:lnSpc>
+                          <a:spcPct val="100000"/>
+                        </a:lnSpc>
+                        <a:spcBef>
+                          <a:spcPts val="0"/>
+                        </a:spcBef>
+                        <a:spcAft>
+                          <a:spcPts val="0"/>
+                        </a:spcAft>
+                        <a:buClrTx/>
+                        <a:buSzTx/>
+                        <a:buFontTx/>
+                        <a:buNone/>
+                        <a:tabLst/>
+                        <a:defRPr/>
+                      </a:pPr>
+                      <a:r>
+                        <a:rPr lang="is-IS" sz="1200" dirty="0" smtClean="0"/>
+                        <a:t>21/05/2011</a:t>
+                      </a:r>
+                      <a:endParaRPr lang="en-AU" sz="1200" dirty="0"/>
+                    </a:p>
+                  </a:txBody>
+                  <a:tcPr/>
+                </a:tc>
+                <a:tc>
+                  <a:txBody>
+                    <a:bodyPr/>
+                    <a:lstStyle/>
+                    <a:p>
+                      <a:pPr marL="0" marR="0" indent="0" algn="l" defTabSz="914400" rtl="0" eaLnBrk="1" fontAlgn="auto" latinLnBrk="0" hangingPunct="1">
+                        <a:lnSpc>
+                          <a:spcPct val="100000"/>
+                        </a:lnSpc>
+                        <a:spcBef>
+                          <a:spcPts val="0"/>
+                        </a:spcBef>
+                        <a:spcAft>
+                          <a:spcPts val="0"/>
+                        </a:spcAft>
+                        <a:buClrTx/>
+                        <a:buSzTx/>
+                        <a:buFontTx/>
+                        <a:buNone/>
+                        <a:tabLst/>
+                        <a:defRPr/>
+                      </a:pPr>
+                      <a:r>
+                        <a:rPr lang="nb-NO" sz="1200" dirty="0" smtClean="0"/>
+                        <a:t>01.30</a:t>
+                      </a:r>
+                      <a:endParaRPr lang="en-AU" sz="1200" dirty="0"/>
+                    </a:p>
+                  </a:txBody>
+                  <a:tcPr/>
+                </a:tc>
+                <a:tc>
+                  <a:txBody>
+                    <a:bodyPr/>
+                    <a:lstStyle/>
+                    <a:p>
+                      <a:pPr marL="0" marR="0" indent="0" algn="l" defTabSz="914400" rtl="0" eaLnBrk="1" fontAlgn="auto" latinLnBrk="0" hangingPunct="1">
+                        <a:lnSpc>
+                          <a:spcPct val="100000"/>
+                        </a:lnSpc>
+                        <a:spcBef>
+                          <a:spcPts val="0"/>
+                        </a:spcBef>
+                        <a:spcAft>
+                          <a:spcPts val="0"/>
+                        </a:spcAft>
+                        <a:buClrTx/>
+                        <a:buSzTx/>
+                        <a:buFontTx/>
+                        <a:buNone/>
+                        <a:tabLst/>
+                        <a:defRPr/>
+                      </a:pPr>
+                      <a:r>
+                        <a:rPr lang="en-AU" sz="1200" dirty="0" smtClean="0"/>
+                        <a:t>Serious injury</a:t>
+                      </a:r>
+                      <a:endParaRPr lang="en-AU" sz="1200" dirty="0"/>
+                    </a:p>
+                  </a:txBody>
+                  <a:tcPr/>
+                </a:tc>
+              </a:tr>
+              <a:tr h="274379">
+                <a:tc>
+                  <a:txBody>
+                    <a:bodyPr/>
+                    <a:lstStyle/>
+                    <a:p>
+                      <a:pPr marL="0" marR="0" indent="0" algn="l" defTabSz="914400" rtl="0" eaLnBrk="1" fontAlgn="auto" latinLnBrk="0" hangingPunct="1">
+                        <a:lnSpc>
+                          <a:spcPct val="100000"/>
+                        </a:lnSpc>
+                        <a:spcBef>
+                          <a:spcPts val="0"/>
+                        </a:spcBef>
+                        <a:spcAft>
+                          <a:spcPts val="0"/>
+                        </a:spcAft>
+                        <a:buClrTx/>
+                        <a:buSzTx/>
+                        <a:buFontTx/>
+                        <a:buNone/>
+                        <a:tabLst/>
+                        <a:defRPr/>
+                      </a:pPr>
+                      <a:r>
+                        <a:rPr lang="en-AU" sz="1200" dirty="0" smtClean="0"/>
+                        <a:t>Wednesday</a:t>
+                      </a:r>
+                      <a:endParaRPr lang="en-AU" sz="1200" dirty="0"/>
+                    </a:p>
+                  </a:txBody>
+                  <a:tcPr/>
+                </a:tc>
+                <a:tc>
+                  <a:txBody>
+                    <a:bodyPr/>
+                    <a:lstStyle/>
+                    <a:p>
+                      <a:pPr marL="0" marR="0" indent="0" algn="l" defTabSz="914400" rtl="0" eaLnBrk="1" fontAlgn="auto" latinLnBrk="0" hangingPunct="1">
+                        <a:lnSpc>
+                          <a:spcPct val="100000"/>
+                        </a:lnSpc>
+                        <a:spcBef>
+                          <a:spcPts val="0"/>
+                        </a:spcBef>
+                        <a:spcAft>
+                          <a:spcPts val="0"/>
+                        </a:spcAft>
+                        <a:buClrTx/>
+                        <a:buSzTx/>
+                        <a:buFontTx/>
+                        <a:buNone/>
+                        <a:tabLst/>
+                        <a:defRPr/>
+                      </a:pPr>
+                      <a:r>
+                        <a:rPr lang="is-IS" sz="1200" dirty="0" smtClean="0"/>
+                        <a:t>28/09/2011</a:t>
+                      </a:r>
+                      <a:endParaRPr lang="en-AU" sz="1200" dirty="0"/>
+                    </a:p>
+                  </a:txBody>
+                  <a:tcPr/>
+                </a:tc>
+                <a:tc>
+                  <a:txBody>
+                    <a:bodyPr/>
+                    <a:lstStyle/>
+                    <a:p>
+                      <a:pPr marL="0" marR="0" indent="0" algn="l" defTabSz="914400" rtl="0" eaLnBrk="1" fontAlgn="auto" latinLnBrk="0" hangingPunct="1">
+                        <a:lnSpc>
+                          <a:spcPct val="100000"/>
+                        </a:lnSpc>
+                        <a:spcBef>
+                          <a:spcPts val="0"/>
+                        </a:spcBef>
+                        <a:spcAft>
+                          <a:spcPts val="0"/>
+                        </a:spcAft>
+                        <a:buClrTx/>
+                        <a:buSzTx/>
+                        <a:buFontTx/>
+                        <a:buNone/>
+                        <a:tabLst/>
+                        <a:defRPr/>
+                      </a:pPr>
+                      <a:r>
+                        <a:rPr lang="nb-NO" sz="1200" dirty="0" smtClean="0"/>
+                        <a:t>10.20</a:t>
+                      </a:r>
+                      <a:endParaRPr lang="en-AU" sz="1200" dirty="0"/>
+                    </a:p>
+                  </a:txBody>
+                  <a:tcPr/>
+                </a:tc>
+                <a:tc>
+                  <a:txBody>
+                    <a:bodyPr/>
+                    <a:lstStyle/>
+                    <a:p>
+                      <a:pPr marL="0" marR="0" indent="0" algn="l" defTabSz="914400" rtl="0" eaLnBrk="1" fontAlgn="auto" latinLnBrk="0" hangingPunct="1">
+                        <a:lnSpc>
+                          <a:spcPct val="100000"/>
+                        </a:lnSpc>
+                        <a:spcBef>
+                          <a:spcPts val="0"/>
+                        </a:spcBef>
+                        <a:spcAft>
+                          <a:spcPts val="0"/>
+                        </a:spcAft>
+                        <a:buClrTx/>
+                        <a:buSzTx/>
+                        <a:buFontTx/>
+                        <a:buNone/>
+                        <a:tabLst/>
+                        <a:defRPr/>
+                      </a:pPr>
+                      <a:r>
+                        <a:rPr lang="en-AU" sz="1200" dirty="0" smtClean="0"/>
+                        <a:t>Other injury </a:t>
+                      </a:r>
+                      <a:endParaRPr lang="en-AU" sz="1200" dirty="0"/>
+                    </a:p>
+                  </a:txBody>
+                  <a:tcPr/>
+                </a:tc>
+              </a:tr>
+              <a:tr h="274379">
+                <a:tc>
+                  <a:txBody>
+                    <a:bodyPr/>
+                    <a:lstStyle/>
+                    <a:p>
+                      <a:pPr marL="0" marR="0" indent="0" algn="l" defTabSz="914400" rtl="0" eaLnBrk="1" fontAlgn="auto" latinLnBrk="0" hangingPunct="1">
+                        <a:lnSpc>
+                          <a:spcPct val="100000"/>
+                        </a:lnSpc>
+                        <a:spcBef>
+                          <a:spcPts val="0"/>
+                        </a:spcBef>
+                        <a:spcAft>
+                          <a:spcPts val="0"/>
+                        </a:spcAft>
+                        <a:buClrTx/>
+                        <a:buSzTx/>
+                        <a:buFontTx/>
+                        <a:buNone/>
+                        <a:tabLst/>
+                        <a:defRPr/>
+                      </a:pPr>
+                      <a:r>
+                        <a:rPr lang="en-AU" sz="1200" dirty="0" smtClean="0"/>
+                        <a:t>Friday</a:t>
+                      </a:r>
+                      <a:endParaRPr lang="en-AU" sz="1200" dirty="0"/>
+                    </a:p>
+                  </a:txBody>
+                  <a:tcPr/>
+                </a:tc>
+                <a:tc>
+                  <a:txBody>
+                    <a:bodyPr/>
+                    <a:lstStyle/>
+                    <a:p>
+                      <a:pPr marL="0" marR="0" indent="0" algn="l" defTabSz="914400" rtl="0" eaLnBrk="1" fontAlgn="auto" latinLnBrk="0" hangingPunct="1">
+                        <a:lnSpc>
+                          <a:spcPct val="100000"/>
+                        </a:lnSpc>
+                        <a:spcBef>
+                          <a:spcPts val="0"/>
+                        </a:spcBef>
+                        <a:spcAft>
+                          <a:spcPts val="0"/>
+                        </a:spcAft>
+                        <a:buClrTx/>
+                        <a:buSzTx/>
+                        <a:buFontTx/>
+                        <a:buNone/>
+                        <a:tabLst/>
+                        <a:defRPr/>
+                      </a:pPr>
+                      <a:r>
+                        <a:rPr lang="is-IS" sz="1200" dirty="0" smtClean="0"/>
+                        <a:t>16/03/2012</a:t>
+                      </a:r>
+                      <a:endParaRPr lang="en-AU" sz="1200" dirty="0"/>
+                    </a:p>
+                  </a:txBody>
+                  <a:tcPr/>
+                </a:tc>
+                <a:tc>
+                  <a:txBody>
+                    <a:bodyPr/>
+                    <a:lstStyle/>
+                    <a:p>
+                      <a:pPr marL="0" marR="0" indent="0" algn="l" defTabSz="914400" rtl="0" eaLnBrk="1" fontAlgn="auto" latinLnBrk="0" hangingPunct="1">
+                        <a:lnSpc>
+                          <a:spcPct val="100000"/>
+                        </a:lnSpc>
+                        <a:spcBef>
+                          <a:spcPts val="0"/>
+                        </a:spcBef>
+                        <a:spcAft>
+                          <a:spcPts val="0"/>
+                        </a:spcAft>
+                        <a:buClrTx/>
+                        <a:buSzTx/>
+                        <a:buFontTx/>
+                        <a:buNone/>
+                        <a:tabLst/>
+                        <a:defRPr/>
+                      </a:pPr>
+                      <a:r>
+                        <a:rPr lang="nb-NO" sz="1200" dirty="0" smtClean="0"/>
+                        <a:t>17.30</a:t>
+                      </a:r>
+                      <a:endParaRPr lang="en-AU" sz="1200" dirty="0"/>
+                    </a:p>
+                  </a:txBody>
+                  <a:tcPr/>
+                </a:tc>
+                <a:tc>
+                  <a:txBody>
+                    <a:bodyPr/>
+                    <a:lstStyle/>
+                    <a:p>
+                      <a:pPr marL="0" marR="0" indent="0" algn="l" defTabSz="914400" rtl="0" eaLnBrk="1" fontAlgn="auto" latinLnBrk="0" hangingPunct="1">
+                        <a:lnSpc>
+                          <a:spcPct val="100000"/>
+                        </a:lnSpc>
+                        <a:spcBef>
+                          <a:spcPts val="0"/>
+                        </a:spcBef>
+                        <a:spcAft>
+                          <a:spcPts val="0"/>
+                        </a:spcAft>
+                        <a:buClrTx/>
+                        <a:buSzTx/>
+                        <a:buFontTx/>
+                        <a:buNone/>
+                        <a:tabLst/>
+                        <a:defRPr/>
+                      </a:pPr>
+                      <a:r>
+                        <a:rPr lang="en-AU" sz="1200" dirty="0" smtClean="0"/>
+                        <a:t>Serious injury </a:t>
+                      </a:r>
+                      <a:endParaRPr lang="en-AU" sz="1200" dirty="0"/>
+                    </a:p>
+                  </a:txBody>
+                  <a:tcPr/>
+                </a:tc>
+              </a:tr>
+              <a:tr h="274379">
+                <a:tc>
+                  <a:txBody>
+                    <a:bodyPr/>
+                    <a:lstStyle/>
+                    <a:p>
+                      <a:pPr marL="0" marR="0" indent="0" algn="l" defTabSz="914400" rtl="0" eaLnBrk="1" fontAlgn="auto" latinLnBrk="0" hangingPunct="1">
+                        <a:lnSpc>
+                          <a:spcPct val="100000"/>
+                        </a:lnSpc>
+                        <a:spcBef>
+                          <a:spcPts val="0"/>
+                        </a:spcBef>
+                        <a:spcAft>
+                          <a:spcPts val="0"/>
+                        </a:spcAft>
+                        <a:buClrTx/>
+                        <a:buSzTx/>
+                        <a:buFontTx/>
+                        <a:buNone/>
+                        <a:tabLst/>
+                        <a:defRPr/>
+                      </a:pPr>
+                      <a:r>
+                        <a:rPr lang="en-AU" sz="1200" dirty="0" smtClean="0"/>
+                        <a:t>Tuesday</a:t>
+                      </a:r>
+                      <a:endParaRPr lang="en-AU" sz="1200" dirty="0"/>
+                    </a:p>
+                  </a:txBody>
+                  <a:tcPr/>
+                </a:tc>
+                <a:tc>
+                  <a:txBody>
+                    <a:bodyPr/>
+                    <a:lstStyle/>
+                    <a:p>
+                      <a:pPr marL="0" marR="0" indent="0" algn="l" defTabSz="914400" rtl="0" eaLnBrk="1" fontAlgn="auto" latinLnBrk="0" hangingPunct="1">
+                        <a:lnSpc>
+                          <a:spcPct val="100000"/>
+                        </a:lnSpc>
+                        <a:spcBef>
+                          <a:spcPts val="0"/>
+                        </a:spcBef>
+                        <a:spcAft>
+                          <a:spcPts val="0"/>
+                        </a:spcAft>
+                        <a:buClrTx/>
+                        <a:buSzTx/>
+                        <a:buFontTx/>
+                        <a:buNone/>
+                        <a:tabLst/>
+                        <a:defRPr/>
+                      </a:pPr>
+                      <a:r>
+                        <a:rPr lang="is-IS" sz="1200" dirty="0" smtClean="0"/>
+                        <a:t>24/07/2012</a:t>
+                      </a:r>
+                      <a:endParaRPr lang="en-AU" sz="1200" dirty="0"/>
+                    </a:p>
+                  </a:txBody>
+                  <a:tcPr/>
+                </a:tc>
+                <a:tc>
+                  <a:txBody>
+                    <a:bodyPr/>
+                    <a:lstStyle/>
+                    <a:p>
+                      <a:pPr marL="0" marR="0" indent="0" algn="l" defTabSz="914400" rtl="0" eaLnBrk="1" fontAlgn="auto" latinLnBrk="0" hangingPunct="1">
+                        <a:lnSpc>
+                          <a:spcPct val="100000"/>
+                        </a:lnSpc>
+                        <a:spcBef>
+                          <a:spcPts val="0"/>
+                        </a:spcBef>
+                        <a:spcAft>
+                          <a:spcPts val="0"/>
+                        </a:spcAft>
+                        <a:buClrTx/>
+                        <a:buSzTx/>
+                        <a:buFontTx/>
+                        <a:buNone/>
+                        <a:tabLst/>
+                        <a:defRPr/>
+                      </a:pPr>
+                      <a:r>
+                        <a:rPr lang="hr-HR" sz="1200" dirty="0" smtClean="0"/>
+                        <a:t>14.50</a:t>
+                      </a:r>
+                      <a:endParaRPr lang="en-AU" sz="1200" dirty="0"/>
+                    </a:p>
+                  </a:txBody>
+                  <a:tcPr/>
+                </a:tc>
+                <a:tc>
+                  <a:txBody>
+                    <a:bodyPr/>
+                    <a:lstStyle/>
+                    <a:p>
+                      <a:pPr marL="0" marR="0" indent="0" algn="l" defTabSz="914400" rtl="0" eaLnBrk="1" fontAlgn="auto" latinLnBrk="0" hangingPunct="1">
+                        <a:lnSpc>
+                          <a:spcPct val="100000"/>
+                        </a:lnSpc>
+                        <a:spcBef>
+                          <a:spcPts val="0"/>
+                        </a:spcBef>
+                        <a:spcAft>
+                          <a:spcPts val="0"/>
+                        </a:spcAft>
+                        <a:buClrTx/>
+                        <a:buSzTx/>
+                        <a:buFontTx/>
+                        <a:buNone/>
+                        <a:tabLst/>
+                        <a:defRPr/>
+                      </a:pPr>
+                      <a:r>
+                        <a:rPr lang="en-AU" sz="1200" dirty="0" smtClean="0"/>
+                        <a:t>Other injury</a:t>
+                      </a:r>
+                      <a:endParaRPr lang="en-AU" sz="1200" dirty="0"/>
+                    </a:p>
+                  </a:txBody>
+                  <a:tcPr/>
+                </a:tc>
+              </a:tr>
+              <a:tr h="274379">
+                <a:tc>
+                  <a:txBody>
+                    <a:bodyPr/>
+                    <a:lstStyle/>
+                    <a:p>
+                      <a:pPr marL="0" marR="0" indent="0" algn="l" defTabSz="914400" rtl="0" eaLnBrk="1" fontAlgn="auto" latinLnBrk="0" hangingPunct="1">
+                        <a:lnSpc>
+                          <a:spcPct val="100000"/>
+                        </a:lnSpc>
+                        <a:spcBef>
+                          <a:spcPts val="0"/>
+                        </a:spcBef>
+                        <a:spcAft>
+                          <a:spcPts val="0"/>
+                        </a:spcAft>
+                        <a:buClrTx/>
+                        <a:buSzTx/>
+                        <a:buFontTx/>
+                        <a:buNone/>
+                        <a:tabLst/>
+                        <a:defRPr/>
+                      </a:pPr>
+                      <a:r>
+                        <a:rPr lang="en-AU" sz="1200" dirty="0" smtClean="0"/>
+                        <a:t>Wednesday</a:t>
+                      </a:r>
+                      <a:endParaRPr lang="en-AU" sz="1200" dirty="0"/>
+                    </a:p>
+                  </a:txBody>
+                  <a:tcPr/>
+                </a:tc>
+                <a:tc>
+                  <a:txBody>
+                    <a:bodyPr/>
+                    <a:lstStyle/>
+                    <a:p>
+                      <a:pPr marL="0" marR="0" indent="0" algn="l" defTabSz="914400" rtl="0" eaLnBrk="1" fontAlgn="auto" latinLnBrk="0" hangingPunct="1">
+                        <a:lnSpc>
+                          <a:spcPct val="100000"/>
+                        </a:lnSpc>
+                        <a:spcBef>
+                          <a:spcPts val="0"/>
+                        </a:spcBef>
+                        <a:spcAft>
+                          <a:spcPts val="0"/>
+                        </a:spcAft>
+                        <a:buClrTx/>
+                        <a:buSzTx/>
+                        <a:buFontTx/>
+                        <a:buNone/>
+                        <a:tabLst/>
+                        <a:defRPr/>
+                      </a:pPr>
+                      <a:r>
+                        <a:rPr lang="is-IS" sz="1200" dirty="0" smtClean="0"/>
+                        <a:t>10/10/2012</a:t>
+                      </a:r>
+                      <a:endParaRPr lang="en-AU" sz="1200" dirty="0"/>
+                    </a:p>
+                  </a:txBody>
+                  <a:tcPr/>
+                </a:tc>
+                <a:tc>
+                  <a:txBody>
+                    <a:bodyPr/>
+                    <a:lstStyle/>
+                    <a:p>
+                      <a:pPr marL="0" marR="0" indent="0" algn="l" defTabSz="914400" rtl="0" eaLnBrk="1" fontAlgn="auto" latinLnBrk="0" hangingPunct="1">
+                        <a:lnSpc>
+                          <a:spcPct val="100000"/>
+                        </a:lnSpc>
+                        <a:spcBef>
+                          <a:spcPts val="0"/>
+                        </a:spcBef>
+                        <a:spcAft>
+                          <a:spcPts val="0"/>
+                        </a:spcAft>
+                        <a:buClrTx/>
+                        <a:buSzTx/>
+                        <a:buFontTx/>
+                        <a:buNone/>
+                        <a:tabLst/>
+                        <a:defRPr/>
+                      </a:pPr>
+                      <a:r>
+                        <a:rPr lang="hr-HR" sz="1200" dirty="0" smtClean="0"/>
+                        <a:t>14.40</a:t>
+                      </a:r>
+                      <a:endParaRPr lang="en-AU" sz="1200" dirty="0"/>
+                    </a:p>
+                  </a:txBody>
+                  <a:tcPr/>
+                </a:tc>
+                <a:tc>
+                  <a:txBody>
+                    <a:bodyPr/>
+                    <a:lstStyle/>
+                    <a:p>
+                      <a:pPr marL="0" marR="0" indent="0" algn="l" defTabSz="914400" rtl="0" eaLnBrk="1" fontAlgn="auto" latinLnBrk="0" hangingPunct="1">
+                        <a:lnSpc>
+                          <a:spcPct val="100000"/>
+                        </a:lnSpc>
+                        <a:spcBef>
+                          <a:spcPts val="0"/>
+                        </a:spcBef>
+                        <a:spcAft>
+                          <a:spcPts val="0"/>
+                        </a:spcAft>
+                        <a:buClrTx/>
+                        <a:buSzTx/>
+                        <a:buFontTx/>
+                        <a:buNone/>
+                        <a:tabLst/>
+                        <a:defRPr/>
+                      </a:pPr>
+                      <a:r>
+                        <a:rPr lang="en-AU" sz="1200" dirty="0" smtClean="0"/>
+                        <a:t>Other injury </a:t>
+                      </a:r>
+                      <a:endParaRPr lang="en-AU" sz="1200" dirty="0"/>
+                    </a:p>
+                  </a:txBody>
+                  <a:tcPr/>
+                </a:tc>
+              </a:tr>
+              <a:tr h="274379">
+                <a:tc>
+                  <a:txBody>
+                    <a:bodyPr/>
+                    <a:lstStyle/>
+                    <a:p>
+                      <a:pPr marL="0" marR="0" indent="0" algn="l" defTabSz="914400" rtl="0" eaLnBrk="1" fontAlgn="auto" latinLnBrk="0" hangingPunct="1">
+                        <a:lnSpc>
+                          <a:spcPct val="100000"/>
+                        </a:lnSpc>
+                        <a:spcBef>
+                          <a:spcPts val="0"/>
+                        </a:spcBef>
+                        <a:spcAft>
+                          <a:spcPts val="0"/>
+                        </a:spcAft>
+                        <a:buClrTx/>
+                        <a:buSzTx/>
+                        <a:buFontTx/>
+                        <a:buNone/>
+                        <a:tabLst/>
+                        <a:defRPr/>
+                      </a:pPr>
+                      <a:r>
+                        <a:rPr lang="en-AU" sz="1200" dirty="0" smtClean="0"/>
+                        <a:t>Friday</a:t>
+                      </a:r>
+                      <a:endParaRPr lang="en-AU" sz="1200" dirty="0"/>
+                    </a:p>
+                  </a:txBody>
+                  <a:tcPr/>
+                </a:tc>
+                <a:tc>
+                  <a:txBody>
+                    <a:bodyPr/>
+                    <a:lstStyle/>
+                    <a:p>
+                      <a:pPr marL="0" marR="0" indent="0" algn="l" defTabSz="914400" rtl="0" eaLnBrk="1" fontAlgn="auto" latinLnBrk="0" hangingPunct="1">
+                        <a:lnSpc>
+                          <a:spcPct val="100000"/>
+                        </a:lnSpc>
+                        <a:spcBef>
+                          <a:spcPts val="0"/>
+                        </a:spcBef>
+                        <a:spcAft>
+                          <a:spcPts val="0"/>
+                        </a:spcAft>
+                        <a:buClrTx/>
+                        <a:buSzTx/>
+                        <a:buFontTx/>
+                        <a:buNone/>
+                        <a:tabLst/>
+                        <a:defRPr/>
+                      </a:pPr>
+                      <a:r>
+                        <a:rPr lang="is-IS" sz="1200" dirty="0" smtClean="0"/>
+                        <a:t>02/11/2012</a:t>
+                      </a:r>
+                      <a:endParaRPr lang="en-AU" sz="1200" dirty="0"/>
+                    </a:p>
+                  </a:txBody>
+                  <a:tcPr/>
+                </a:tc>
+                <a:tc>
+                  <a:txBody>
+                    <a:bodyPr/>
+                    <a:lstStyle/>
+                    <a:p>
+                      <a:pPr marL="0" marR="0" indent="0" algn="l" defTabSz="914400" rtl="0" eaLnBrk="1" fontAlgn="auto" latinLnBrk="0" hangingPunct="1">
+                        <a:lnSpc>
+                          <a:spcPct val="100000"/>
+                        </a:lnSpc>
+                        <a:spcBef>
+                          <a:spcPts val="0"/>
+                        </a:spcBef>
+                        <a:spcAft>
+                          <a:spcPts val="0"/>
+                        </a:spcAft>
+                        <a:buClrTx/>
+                        <a:buSzTx/>
+                        <a:buFontTx/>
+                        <a:buNone/>
+                        <a:tabLst/>
+                        <a:defRPr/>
+                      </a:pPr>
+                      <a:r>
+                        <a:rPr lang="nb-NO" sz="1200" dirty="0" smtClean="0"/>
+                        <a:t>15.18</a:t>
+                      </a:r>
+                      <a:endParaRPr lang="en-AU" sz="1200" dirty="0"/>
+                    </a:p>
+                  </a:txBody>
+                  <a:tcPr/>
+                </a:tc>
+                <a:tc>
+                  <a:txBody>
+                    <a:bodyPr/>
+                    <a:lstStyle/>
+                    <a:p>
+                      <a:pPr marL="0" marR="0" indent="0" algn="l" defTabSz="914400" rtl="0" eaLnBrk="1" fontAlgn="auto" latinLnBrk="0" hangingPunct="1">
+                        <a:lnSpc>
+                          <a:spcPct val="100000"/>
+                        </a:lnSpc>
+                        <a:spcBef>
+                          <a:spcPts val="0"/>
+                        </a:spcBef>
+                        <a:spcAft>
+                          <a:spcPts val="0"/>
+                        </a:spcAft>
+                        <a:buClrTx/>
+                        <a:buSzTx/>
+                        <a:buFontTx/>
+                        <a:buNone/>
+                        <a:tabLst/>
+                        <a:defRPr/>
+                      </a:pPr>
+                      <a:r>
+                        <a:rPr lang="en-AU" sz="1200" dirty="0" smtClean="0"/>
+                        <a:t>Other injury </a:t>
+                      </a:r>
+                      <a:endParaRPr lang="en-AU" sz="1200" dirty="0"/>
+                    </a:p>
+                  </a:txBody>
+                  <a:tcPr/>
+                </a:tc>
+              </a:tr>
+              <a:tr h="274379">
+                <a:tc>
+                  <a:txBody>
+                    <a:bodyPr/>
+                    <a:lstStyle/>
+                    <a:p>
+                      <a:pPr marL="0" marR="0" indent="0" algn="l" defTabSz="914400" rtl="0" eaLnBrk="1" fontAlgn="auto" latinLnBrk="0" hangingPunct="1">
+                        <a:lnSpc>
+                          <a:spcPct val="100000"/>
+                        </a:lnSpc>
+                        <a:spcBef>
+                          <a:spcPts val="0"/>
+                        </a:spcBef>
+                        <a:spcAft>
+                          <a:spcPts val="0"/>
+                        </a:spcAft>
+                        <a:buClrTx/>
+                        <a:buSzTx/>
+                        <a:buFontTx/>
+                        <a:buNone/>
+                        <a:tabLst/>
+                        <a:defRPr/>
+                      </a:pPr>
+                      <a:r>
+                        <a:rPr lang="en-AU" sz="1200" dirty="0" smtClean="0"/>
+                        <a:t>Saturday</a:t>
+                      </a:r>
+                      <a:endParaRPr lang="en-AU" sz="1200" dirty="0"/>
+                    </a:p>
+                  </a:txBody>
+                  <a:tcPr/>
+                </a:tc>
+                <a:tc>
+                  <a:txBody>
+                    <a:bodyPr/>
+                    <a:lstStyle/>
+                    <a:p>
+                      <a:pPr marL="0" marR="0" indent="0" algn="l" defTabSz="914400" rtl="0" eaLnBrk="1" fontAlgn="auto" latinLnBrk="0" hangingPunct="1">
+                        <a:lnSpc>
+                          <a:spcPct val="100000"/>
+                        </a:lnSpc>
+                        <a:spcBef>
+                          <a:spcPts val="0"/>
+                        </a:spcBef>
+                        <a:spcAft>
+                          <a:spcPts val="0"/>
+                        </a:spcAft>
+                        <a:buClrTx/>
+                        <a:buSzTx/>
+                        <a:buFontTx/>
+                        <a:buNone/>
+                        <a:tabLst/>
+                        <a:defRPr/>
+                      </a:pPr>
+                      <a:r>
+                        <a:rPr lang="is-IS" sz="1200" dirty="0" smtClean="0"/>
+                        <a:t>17/11/2012</a:t>
+                      </a:r>
+                      <a:endParaRPr lang="en-AU" sz="1200" dirty="0"/>
+                    </a:p>
+                  </a:txBody>
+                  <a:tcPr/>
+                </a:tc>
+                <a:tc>
+                  <a:txBody>
+                    <a:bodyPr/>
+                    <a:lstStyle/>
+                    <a:p>
+                      <a:pPr marL="0" marR="0" indent="0" algn="l" defTabSz="914400" rtl="0" eaLnBrk="1" fontAlgn="auto" latinLnBrk="0" hangingPunct="1">
+                        <a:lnSpc>
+                          <a:spcPct val="100000"/>
+                        </a:lnSpc>
+                        <a:spcBef>
+                          <a:spcPts val="0"/>
+                        </a:spcBef>
+                        <a:spcAft>
+                          <a:spcPts val="0"/>
+                        </a:spcAft>
+                        <a:buClrTx/>
+                        <a:buSzTx/>
+                        <a:buFontTx/>
+                        <a:buNone/>
+                        <a:tabLst/>
+                        <a:defRPr/>
+                      </a:pPr>
+                      <a:r>
+                        <a:rPr lang="hr-HR" sz="1200" dirty="0" smtClean="0"/>
+                        <a:t>23.35</a:t>
+                      </a:r>
+                      <a:endParaRPr lang="en-AU" sz="1200" dirty="0"/>
+                    </a:p>
+                  </a:txBody>
+                  <a:tcPr/>
+                </a:tc>
+                <a:tc>
+                  <a:txBody>
+                    <a:bodyPr/>
+                    <a:lstStyle/>
+                    <a:p>
+                      <a:pPr marL="0" marR="0" indent="0" algn="l" defTabSz="914400" rtl="0" eaLnBrk="1" fontAlgn="auto" latinLnBrk="0" hangingPunct="1">
+                        <a:lnSpc>
+                          <a:spcPct val="100000"/>
+                        </a:lnSpc>
+                        <a:spcBef>
+                          <a:spcPts val="0"/>
+                        </a:spcBef>
+                        <a:spcAft>
+                          <a:spcPts val="0"/>
+                        </a:spcAft>
+                        <a:buClrTx/>
+                        <a:buSzTx/>
+                        <a:buFontTx/>
+                        <a:buNone/>
+                        <a:tabLst/>
+                        <a:defRPr/>
+                      </a:pPr>
+                      <a:r>
+                        <a:rPr lang="en-AU" sz="1200" dirty="0" smtClean="0"/>
+                        <a:t>Other injury </a:t>
+                      </a:r>
+                      <a:endParaRPr lang="en-AU" sz="1200" dirty="0"/>
+                    </a:p>
+                  </a:txBody>
+                  <a:tcPr/>
+                </a:tc>
+              </a:tr>
+              <a:tr h="274379">
+                <a:tc>
+                  <a:txBody>
+                    <a:bodyPr/>
+                    <a:lstStyle/>
+                    <a:p>
+                      <a:pPr marL="0" marR="0" indent="0" algn="l" defTabSz="914400" rtl="0" eaLnBrk="1" fontAlgn="auto" latinLnBrk="0" hangingPunct="1">
+                        <a:lnSpc>
+                          <a:spcPct val="100000"/>
+                        </a:lnSpc>
+                        <a:spcBef>
+                          <a:spcPts val="0"/>
+                        </a:spcBef>
+                        <a:spcAft>
+                          <a:spcPts val="0"/>
+                        </a:spcAft>
+                        <a:buClrTx/>
+                        <a:buSzTx/>
+                        <a:buFontTx/>
+                        <a:buNone/>
+                        <a:tabLst/>
+                        <a:defRPr/>
+                      </a:pPr>
+                      <a:r>
+                        <a:rPr lang="en-AU" sz="1200" dirty="0" smtClean="0"/>
+                        <a:t>Friday</a:t>
+                      </a:r>
+                      <a:endParaRPr lang="en-AU" sz="1200" dirty="0"/>
+                    </a:p>
+                  </a:txBody>
+                  <a:tcPr/>
+                </a:tc>
+                <a:tc>
+                  <a:txBody>
+                    <a:bodyPr/>
+                    <a:lstStyle/>
+                    <a:p>
+                      <a:pPr marL="0" marR="0" indent="0" algn="l" defTabSz="914400" rtl="0" eaLnBrk="1" fontAlgn="auto" latinLnBrk="0" hangingPunct="1">
+                        <a:lnSpc>
+                          <a:spcPct val="100000"/>
+                        </a:lnSpc>
+                        <a:spcBef>
+                          <a:spcPts val="0"/>
+                        </a:spcBef>
+                        <a:spcAft>
+                          <a:spcPts val="0"/>
+                        </a:spcAft>
+                        <a:buClrTx/>
+                        <a:buSzTx/>
+                        <a:buFontTx/>
+                        <a:buNone/>
+                        <a:tabLst/>
+                        <a:defRPr/>
+                      </a:pPr>
+                      <a:r>
+                        <a:rPr lang="is-IS" sz="1200" dirty="0" smtClean="0"/>
+                        <a:t>30/11/2012</a:t>
+                      </a:r>
+                      <a:endParaRPr lang="en-AU" sz="1200" dirty="0"/>
+                    </a:p>
+                  </a:txBody>
+                  <a:tcPr/>
+                </a:tc>
+                <a:tc>
+                  <a:txBody>
+                    <a:bodyPr/>
+                    <a:lstStyle/>
+                    <a:p>
+                      <a:pPr marL="0" marR="0" indent="0" algn="l" defTabSz="914400" rtl="0" eaLnBrk="1" fontAlgn="auto" latinLnBrk="0" hangingPunct="1">
+                        <a:lnSpc>
+                          <a:spcPct val="100000"/>
+                        </a:lnSpc>
+                        <a:spcBef>
+                          <a:spcPts val="0"/>
+                        </a:spcBef>
+                        <a:spcAft>
+                          <a:spcPts val="0"/>
+                        </a:spcAft>
+                        <a:buClrTx/>
+                        <a:buSzTx/>
+                        <a:buFontTx/>
+                        <a:buNone/>
+                        <a:tabLst/>
+                        <a:defRPr/>
+                      </a:pPr>
+                      <a:r>
+                        <a:rPr lang="is-IS" sz="1200" dirty="0" smtClean="0"/>
+                        <a:t>23.05</a:t>
+                      </a:r>
+                      <a:endParaRPr lang="en-AU" sz="1200" dirty="0"/>
+                    </a:p>
+                  </a:txBody>
+                  <a:tcPr/>
+                </a:tc>
+                <a:tc>
+                  <a:txBody>
+                    <a:bodyPr/>
+                    <a:lstStyle/>
+                    <a:p>
+                      <a:pPr marL="0" marR="0" indent="0" algn="l" defTabSz="914400" rtl="0" eaLnBrk="1" fontAlgn="auto" latinLnBrk="0" hangingPunct="1">
+                        <a:lnSpc>
+                          <a:spcPct val="100000"/>
+                        </a:lnSpc>
+                        <a:spcBef>
+                          <a:spcPts val="0"/>
+                        </a:spcBef>
+                        <a:spcAft>
+                          <a:spcPts val="0"/>
+                        </a:spcAft>
+                        <a:buClrTx/>
+                        <a:buSzTx/>
+                        <a:buFontTx/>
+                        <a:buNone/>
+                        <a:tabLst/>
+                        <a:defRPr/>
+                      </a:pPr>
+                      <a:r>
+                        <a:rPr lang="en-AU" sz="1200" dirty="0" smtClean="0"/>
+                        <a:t>Serious injury </a:t>
+                      </a:r>
+                      <a:endParaRPr lang="en-AU" sz="1200" dirty="0"/>
+                    </a:p>
+                  </a:txBody>
+                  <a:tcPr/>
+                </a:tc>
+              </a:tr>
+              <a:tr h="274379">
+                <a:tc>
+                  <a:txBody>
+                    <a:bodyPr/>
+                    <a:lstStyle/>
+                    <a:p>
+                      <a:pPr marL="0" marR="0" indent="0" algn="l" defTabSz="914400" rtl="0" eaLnBrk="1" fontAlgn="auto" latinLnBrk="0" hangingPunct="1">
+                        <a:lnSpc>
+                          <a:spcPct val="100000"/>
+                        </a:lnSpc>
+                        <a:spcBef>
+                          <a:spcPts val="0"/>
+                        </a:spcBef>
+                        <a:spcAft>
+                          <a:spcPts val="0"/>
+                        </a:spcAft>
+                        <a:buClrTx/>
+                        <a:buSzTx/>
+                        <a:buFontTx/>
+                        <a:buNone/>
+                        <a:tabLst/>
+                        <a:defRPr/>
+                      </a:pPr>
+                      <a:r>
+                        <a:rPr lang="en-AU" sz="1200" dirty="0" smtClean="0"/>
+                        <a:t>Friday</a:t>
+                      </a:r>
+                      <a:endParaRPr lang="en-AU" sz="1200" dirty="0"/>
+                    </a:p>
+                  </a:txBody>
+                  <a:tcPr/>
+                </a:tc>
+                <a:tc>
+                  <a:txBody>
+                    <a:bodyPr/>
+                    <a:lstStyle/>
+                    <a:p>
+                      <a:pPr marL="0" marR="0" indent="0" algn="l" defTabSz="914400" rtl="0" eaLnBrk="1" fontAlgn="auto" latinLnBrk="0" hangingPunct="1">
+                        <a:lnSpc>
+                          <a:spcPct val="100000"/>
+                        </a:lnSpc>
+                        <a:spcBef>
+                          <a:spcPts val="0"/>
+                        </a:spcBef>
+                        <a:spcAft>
+                          <a:spcPts val="0"/>
+                        </a:spcAft>
+                        <a:buClrTx/>
+                        <a:buSzTx/>
+                        <a:buFontTx/>
+                        <a:buNone/>
+                        <a:tabLst/>
+                        <a:defRPr/>
+                      </a:pPr>
+                      <a:r>
+                        <a:rPr lang="is-IS" sz="1200" dirty="0" smtClean="0"/>
+                        <a:t>15/03/2013</a:t>
+                      </a:r>
+                      <a:endParaRPr lang="en-AU" sz="1200" dirty="0"/>
+                    </a:p>
+                  </a:txBody>
+                  <a:tcPr/>
+                </a:tc>
+                <a:tc>
+                  <a:txBody>
+                    <a:bodyPr/>
+                    <a:lstStyle/>
+                    <a:p>
+                      <a:pPr marL="0" marR="0" indent="0" algn="l" defTabSz="914400" rtl="0" eaLnBrk="1" fontAlgn="auto" latinLnBrk="0" hangingPunct="1">
+                        <a:lnSpc>
+                          <a:spcPct val="100000"/>
+                        </a:lnSpc>
+                        <a:spcBef>
+                          <a:spcPts val="0"/>
+                        </a:spcBef>
+                        <a:spcAft>
+                          <a:spcPts val="0"/>
+                        </a:spcAft>
+                        <a:buClrTx/>
+                        <a:buSzTx/>
+                        <a:buFontTx/>
+                        <a:buNone/>
+                        <a:tabLst/>
+                        <a:defRPr/>
+                      </a:pPr>
+                      <a:r>
+                        <a:rPr lang="nb-NO" sz="1200" dirty="0" smtClean="0"/>
+                        <a:t>10.40</a:t>
+                      </a:r>
+                      <a:endParaRPr lang="en-AU" sz="1200" dirty="0"/>
+                    </a:p>
+                  </a:txBody>
+                  <a:tcPr/>
+                </a:tc>
+                <a:tc>
+                  <a:txBody>
+                    <a:bodyPr/>
+                    <a:lstStyle/>
+                    <a:p>
+                      <a:pPr marL="0" marR="0" indent="0" algn="l" defTabSz="914400" rtl="0" eaLnBrk="1" fontAlgn="auto" latinLnBrk="0" hangingPunct="1">
+                        <a:lnSpc>
+                          <a:spcPct val="100000"/>
+                        </a:lnSpc>
+                        <a:spcBef>
+                          <a:spcPts val="0"/>
+                        </a:spcBef>
+                        <a:spcAft>
+                          <a:spcPts val="0"/>
+                        </a:spcAft>
+                        <a:buClrTx/>
+                        <a:buSzTx/>
+                        <a:buFontTx/>
+                        <a:buNone/>
+                        <a:tabLst/>
+                        <a:defRPr/>
+                      </a:pPr>
+                      <a:r>
+                        <a:rPr lang="en-AU" sz="1200" dirty="0" smtClean="0"/>
+                        <a:t>Other injury</a:t>
+                      </a:r>
+                      <a:endParaRPr lang="en-AU" sz="1200" dirty="0"/>
+                    </a:p>
+                  </a:txBody>
+                  <a:tcPr/>
+                </a:tc>
+              </a:tr>
+              <a:tr h="274379">
+                <a:tc>
+                  <a:txBody>
+                    <a:bodyPr/>
+                    <a:lstStyle/>
+                    <a:p>
+                      <a:pPr marL="0" marR="0" indent="0" algn="l" defTabSz="914400" rtl="0" eaLnBrk="1" fontAlgn="auto" latinLnBrk="0" hangingPunct="1">
+                        <a:lnSpc>
+                          <a:spcPct val="100000"/>
+                        </a:lnSpc>
+                        <a:spcBef>
+                          <a:spcPts val="0"/>
+                        </a:spcBef>
+                        <a:spcAft>
+                          <a:spcPts val="0"/>
+                        </a:spcAft>
+                        <a:buClrTx/>
+                        <a:buSzTx/>
+                        <a:buFontTx/>
+                        <a:buNone/>
+                        <a:tabLst/>
+                        <a:defRPr/>
+                      </a:pPr>
+                      <a:r>
+                        <a:rPr lang="en-AU" sz="1200" dirty="0" smtClean="0"/>
+                        <a:t>Wednesday</a:t>
+                      </a:r>
+                      <a:endParaRPr lang="en-AU" sz="1200" dirty="0"/>
+                    </a:p>
+                  </a:txBody>
+                  <a:tcPr/>
+                </a:tc>
+                <a:tc>
+                  <a:txBody>
+                    <a:bodyPr/>
+                    <a:lstStyle/>
+                    <a:p>
+                      <a:pPr marL="0" marR="0" indent="0" algn="l" defTabSz="914400" rtl="0" eaLnBrk="1" fontAlgn="auto" latinLnBrk="0" hangingPunct="1">
+                        <a:lnSpc>
+                          <a:spcPct val="100000"/>
+                        </a:lnSpc>
+                        <a:spcBef>
+                          <a:spcPts val="0"/>
+                        </a:spcBef>
+                        <a:spcAft>
+                          <a:spcPts val="0"/>
+                        </a:spcAft>
+                        <a:buClrTx/>
+                        <a:buSzTx/>
+                        <a:buFontTx/>
+                        <a:buNone/>
+                        <a:tabLst/>
+                        <a:defRPr/>
+                      </a:pPr>
+                      <a:r>
+                        <a:rPr lang="is-IS" sz="1200" dirty="0" smtClean="0"/>
+                        <a:t>15/05/2013</a:t>
+                      </a:r>
+                      <a:endParaRPr lang="en-AU" sz="1200" dirty="0"/>
+                    </a:p>
+                  </a:txBody>
+                  <a:tcPr/>
+                </a:tc>
+                <a:tc>
+                  <a:txBody>
+                    <a:bodyPr/>
+                    <a:lstStyle/>
+                    <a:p>
+                      <a:pPr marL="0" marR="0" indent="0" algn="l" defTabSz="914400" rtl="0" eaLnBrk="1" fontAlgn="auto" latinLnBrk="0" hangingPunct="1">
+                        <a:lnSpc>
+                          <a:spcPct val="100000"/>
+                        </a:lnSpc>
+                        <a:spcBef>
+                          <a:spcPts val="0"/>
+                        </a:spcBef>
+                        <a:spcAft>
+                          <a:spcPts val="0"/>
+                        </a:spcAft>
+                        <a:buClrTx/>
+                        <a:buSzTx/>
+                        <a:buFontTx/>
+                        <a:buNone/>
+                        <a:tabLst/>
+                        <a:defRPr/>
+                      </a:pPr>
+                      <a:r>
+                        <a:rPr lang="nb-NO" sz="1200" dirty="0" smtClean="0"/>
+                        <a:t>20.00</a:t>
+                      </a:r>
+                      <a:endParaRPr lang="en-AU" sz="1200" dirty="0"/>
+                    </a:p>
+                  </a:txBody>
+                  <a:tcPr/>
+                </a:tc>
+                <a:tc>
+                  <a:txBody>
+                    <a:bodyPr/>
+                    <a:lstStyle/>
+                    <a:p>
+                      <a:pPr marL="0" marR="0" indent="0" algn="l" defTabSz="914400" rtl="0" eaLnBrk="1" fontAlgn="auto" latinLnBrk="0" hangingPunct="1">
+                        <a:lnSpc>
+                          <a:spcPct val="100000"/>
+                        </a:lnSpc>
+                        <a:spcBef>
+                          <a:spcPts val="0"/>
+                        </a:spcBef>
+                        <a:spcAft>
+                          <a:spcPts val="0"/>
+                        </a:spcAft>
+                        <a:buClrTx/>
+                        <a:buSzTx/>
+                        <a:buFontTx/>
+                        <a:buNone/>
+                        <a:tabLst/>
+                        <a:defRPr/>
+                      </a:pPr>
+                      <a:r>
+                        <a:rPr lang="en-AU" sz="1200" dirty="0" smtClean="0"/>
+                        <a:t>Other injury </a:t>
+                      </a:r>
+                      <a:endParaRPr lang="en-AU" sz="1200" dirty="0"/>
+                    </a:p>
+                  </a:txBody>
+                  <a:tcPr/>
+                </a:tc>
+              </a:tr>
+              <a:tr h="274379">
+                <a:tc>
+                  <a:txBody>
+                    <a:bodyPr/>
+                    <a:lstStyle/>
+                    <a:p>
+                      <a:pPr marL="0" marR="0" indent="0" algn="l" defTabSz="914400" rtl="0" eaLnBrk="1" fontAlgn="auto" latinLnBrk="0" hangingPunct="1">
+                        <a:lnSpc>
+                          <a:spcPct val="100000"/>
+                        </a:lnSpc>
+                        <a:spcBef>
+                          <a:spcPts val="0"/>
+                        </a:spcBef>
+                        <a:spcAft>
+                          <a:spcPts val="0"/>
+                        </a:spcAft>
+                        <a:buClrTx/>
+                        <a:buSzTx/>
+                        <a:buFontTx/>
+                        <a:buNone/>
+                        <a:tabLst/>
+                        <a:defRPr/>
+                      </a:pPr>
+                      <a:r>
+                        <a:rPr lang="en-AU" sz="1200" dirty="0" smtClean="0"/>
+                        <a:t>Wednesday</a:t>
+                      </a:r>
+                      <a:endParaRPr lang="en-AU" sz="1200" dirty="0"/>
+                    </a:p>
+                  </a:txBody>
+                  <a:tcPr/>
+                </a:tc>
+                <a:tc>
+                  <a:txBody>
+                    <a:bodyPr/>
+                    <a:lstStyle/>
+                    <a:p>
+                      <a:pPr marL="0" marR="0" indent="0" algn="l" defTabSz="914400" rtl="0" eaLnBrk="1" fontAlgn="auto" latinLnBrk="0" hangingPunct="1">
+                        <a:lnSpc>
+                          <a:spcPct val="100000"/>
+                        </a:lnSpc>
+                        <a:spcBef>
+                          <a:spcPts val="0"/>
+                        </a:spcBef>
+                        <a:spcAft>
+                          <a:spcPts val="0"/>
+                        </a:spcAft>
+                        <a:buClrTx/>
+                        <a:buSzTx/>
+                        <a:buFontTx/>
+                        <a:buNone/>
+                        <a:tabLst/>
+                        <a:defRPr/>
+                      </a:pPr>
+                      <a:r>
+                        <a:rPr lang="is-IS" sz="1200" dirty="0" smtClean="0"/>
+                        <a:t>03/07/2013</a:t>
+                      </a:r>
+                      <a:endParaRPr lang="en-AU" sz="1200" dirty="0"/>
+                    </a:p>
+                  </a:txBody>
+                  <a:tcPr/>
+                </a:tc>
+                <a:tc>
+                  <a:txBody>
+                    <a:bodyPr/>
+                    <a:lstStyle/>
+                    <a:p>
+                      <a:pPr marL="0" marR="0" indent="0" algn="l" defTabSz="914400" rtl="0" eaLnBrk="1" fontAlgn="auto" latinLnBrk="0" hangingPunct="1">
+                        <a:lnSpc>
+                          <a:spcPct val="100000"/>
+                        </a:lnSpc>
+                        <a:spcBef>
+                          <a:spcPts val="0"/>
+                        </a:spcBef>
+                        <a:spcAft>
+                          <a:spcPts val="0"/>
+                        </a:spcAft>
+                        <a:buClrTx/>
+                        <a:buSzTx/>
+                        <a:buFontTx/>
+                        <a:buNone/>
+                        <a:tabLst/>
+                        <a:defRPr/>
+                      </a:pPr>
+                      <a:r>
+                        <a:rPr lang="hr-HR" sz="1200" dirty="0" smtClean="0"/>
+                        <a:t>13.30</a:t>
+                      </a:r>
+                      <a:endParaRPr lang="en-AU" sz="1200" dirty="0"/>
+                    </a:p>
+                  </a:txBody>
+                  <a:tcPr/>
+                </a:tc>
+                <a:tc>
+                  <a:txBody>
+                    <a:bodyPr/>
+                    <a:lstStyle/>
+                    <a:p>
+                      <a:pPr marL="0" marR="0" indent="0" algn="l" defTabSz="914400" rtl="0" eaLnBrk="1" fontAlgn="auto" latinLnBrk="0" hangingPunct="1">
+                        <a:lnSpc>
+                          <a:spcPct val="100000"/>
+                        </a:lnSpc>
+                        <a:spcBef>
+                          <a:spcPts val="0"/>
+                        </a:spcBef>
+                        <a:spcAft>
+                          <a:spcPts val="0"/>
+                        </a:spcAft>
+                        <a:buClrTx/>
+                        <a:buSzTx/>
+                        <a:buFontTx/>
+                        <a:buNone/>
+                        <a:tabLst/>
+                        <a:defRPr/>
+                      </a:pPr>
+                      <a:r>
+                        <a:rPr lang="en-AU" sz="1200" dirty="0" smtClean="0"/>
+                        <a:t>Other injury </a:t>
+                      </a:r>
+                      <a:endParaRPr lang="en-AU" sz="1200" dirty="0"/>
+                    </a:p>
+                  </a:txBody>
+                  <a:tcPr/>
+                </a:tc>
+              </a:tr>
+              <a:tr h="274379">
+                <a:tc>
+                  <a:txBody>
+                    <a:bodyPr/>
+                    <a:lstStyle/>
+                    <a:p>
+                      <a:pPr marL="0" marR="0" indent="0" algn="l" defTabSz="914400" rtl="0" eaLnBrk="1" fontAlgn="auto" latinLnBrk="0" hangingPunct="1">
+                        <a:lnSpc>
+                          <a:spcPct val="100000"/>
+                        </a:lnSpc>
+                        <a:spcBef>
+                          <a:spcPts val="0"/>
+                        </a:spcBef>
+                        <a:spcAft>
+                          <a:spcPts val="0"/>
+                        </a:spcAft>
+                        <a:buClrTx/>
+                        <a:buSzTx/>
+                        <a:buFontTx/>
+                        <a:buNone/>
+                        <a:tabLst/>
+                        <a:defRPr/>
+                      </a:pPr>
+                      <a:r>
+                        <a:rPr lang="en-AU" sz="1200" dirty="0" smtClean="0"/>
+                        <a:t>Wednesday</a:t>
+                      </a:r>
+                      <a:endParaRPr lang="en-AU" sz="1200" dirty="0"/>
+                    </a:p>
+                  </a:txBody>
+                  <a:tcPr/>
+                </a:tc>
+                <a:tc>
+                  <a:txBody>
+                    <a:bodyPr/>
+                    <a:lstStyle/>
+                    <a:p>
+                      <a:pPr marL="0" marR="0" indent="0" algn="l" defTabSz="914400" rtl="0" eaLnBrk="1" fontAlgn="auto" latinLnBrk="0" hangingPunct="1">
+                        <a:lnSpc>
+                          <a:spcPct val="100000"/>
+                        </a:lnSpc>
+                        <a:spcBef>
+                          <a:spcPts val="0"/>
+                        </a:spcBef>
+                        <a:spcAft>
+                          <a:spcPts val="0"/>
+                        </a:spcAft>
+                        <a:buClrTx/>
+                        <a:buSzTx/>
+                        <a:buFontTx/>
+                        <a:buNone/>
+                        <a:tabLst/>
+                        <a:defRPr/>
+                      </a:pPr>
+                      <a:r>
+                        <a:rPr lang="is-IS" sz="1200" dirty="0" smtClean="0"/>
+                        <a:t>28/08/2013</a:t>
+                      </a:r>
+                      <a:endParaRPr lang="en-AU" sz="1200" dirty="0"/>
+                    </a:p>
+                  </a:txBody>
+                  <a:tcPr/>
+                </a:tc>
+                <a:tc>
+                  <a:txBody>
+                    <a:bodyPr/>
+                    <a:lstStyle/>
+                    <a:p>
+                      <a:r>
+                        <a:rPr lang="hr-HR" sz="1200" dirty="0" smtClean="0"/>
+                        <a:t>13.50</a:t>
+                      </a:r>
+                      <a:endParaRPr lang="en-AU" sz="1200" dirty="0"/>
+                    </a:p>
+                  </a:txBody>
+                  <a:tcPr/>
+                </a:tc>
+                <a:tc>
+                  <a:txBody>
+                    <a:bodyPr/>
+                    <a:lstStyle/>
+                    <a:p>
+                      <a:pPr marL="0" marR="0" indent="0" algn="l" defTabSz="914400" rtl="0" eaLnBrk="1" fontAlgn="auto" latinLnBrk="0" hangingPunct="1">
+                        <a:lnSpc>
+                          <a:spcPct val="100000"/>
+                        </a:lnSpc>
+                        <a:spcBef>
+                          <a:spcPts val="0"/>
+                        </a:spcBef>
+                        <a:spcAft>
+                          <a:spcPts val="0"/>
+                        </a:spcAft>
+                        <a:buClrTx/>
+                        <a:buSzTx/>
+                        <a:buFontTx/>
+                        <a:buNone/>
+                        <a:tabLst/>
+                        <a:defRPr/>
+                      </a:pPr>
+                      <a:r>
+                        <a:rPr lang="en-AU" sz="1200" dirty="0" smtClean="0"/>
+                        <a:t>Other injury </a:t>
+                      </a:r>
+                      <a:endParaRPr lang="en-AU" sz="1200" dirty="0"/>
+                    </a:p>
+                  </a:txBody>
+                  <a:tcPr/>
+                </a:tc>
+              </a:tr>
+            </a:tbl>
+          </a:graphicData>
+        </a:graphic>
+      </p:graphicFrame>
+    </p:spTree>
+    <p:extLst>
+      <p:ext uri="{BB962C8B-B14F-4D97-AF65-F5344CB8AC3E}">
+        <p14:creationId xmlns:p14="http://schemas.microsoft.com/office/powerpoint/2010/main" val="26269315"/>
+      </p:ext>
+    </p:extLst>
+  </p:cSld>
+  <p:clrMapOvr>
+    <a:masterClrMapping/>
+  </p:clrMapOvr>
+  <p:timing>
+    <p:tnLst>
+      <p:par>
+        <p:cTn id="1" dur="indefinite" restart="never" nodeType="tmRoot"/>
+      </p:par>
+    </p:tnLst>
+  </p:timing>
+</p:sld>
+</file>
+
+<file path=ppt/slides/slide6.xml><?xml version="1.0" encoding="utf-8"?>
+<p:sld xmlns:a="http://schemas.openxmlformats.org/drawingml/2006/main" xmlns:r="http://schemas.openxmlformats.org/officeDocument/2006/relationships" xmlns:p="http://schemas.openxmlformats.org/presentationml/2006/main">
+  <p:cSld>
+    <p:spTree>
+      <p:nvGrpSpPr>
+        <p:cNvPr id="1" name=""/>
+        <p:cNvGrpSpPr/>
+        <p:nvPr/>
+      </p:nvGrpSpPr>
+      <p:grpSpPr>
+        <a:xfrm>
+          <a:off x="0" y="0"/>
+          <a:ext cx="0" cy="0"/>
+          <a:chOff x="0" y="0"/>
+          <a:chExt cx="0" cy="0"/>
+        </a:xfrm>
+      </p:grpSpPr>
+      <p:graphicFrame>
+        <p:nvGraphicFramePr>
+          <p:cNvPr id="6" name="Content Placeholder 3"/>
+          <p:cNvGraphicFramePr>
+            <a:graphicFrameLocks noGrp="1"/>
+          </p:cNvGraphicFramePr>
+          <p:nvPr>
+            <p:ph idx="1"/>
+            <p:extLst>
+              <p:ext uri="{D42A27DB-BD31-4B8C-83A1-F6EECF244321}">
+                <p14:modId xmlns:p14="http://schemas.microsoft.com/office/powerpoint/2010/main" val="1258010977"/>
+              </p:ext>
+            </p:extLst>
+          </p:nvPr>
+        </p:nvGraphicFramePr>
+        <p:xfrm>
+          <a:off x="1575604" y="352429"/>
+          <a:ext cx="3749517" cy="3030793"/>
+        </p:xfrm>
+        <a:graphic>
+          <a:graphicData uri="http://schemas.openxmlformats.org/drawingml/2006/table">
+            <a:tbl>
+              <a:tblPr firstRow="1" bandRow="1">
+                <a:tableStyleId>{5C22544A-7EE6-4342-B048-85BDC9FD1C3A}</a:tableStyleId>
+              </a:tblPr>
+              <a:tblGrid>
+                <a:gridCol w="1047417"/>
+                <a:gridCol w="1047417"/>
+                <a:gridCol w="1654683"/>
+              </a:tblGrid>
+              <a:tr h="287003">
+                <a:tc>
+                  <a:txBody>
+                    <a:bodyPr/>
+                    <a:lstStyle/>
+                    <a:p>
+                      <a:pPr marL="0" marR="0" indent="0" algn="ctr" defTabSz="914400" rtl="0" eaLnBrk="1" fontAlgn="auto" latinLnBrk="0" hangingPunct="1">
+                        <a:lnSpc>
+                          <a:spcPct val="100000"/>
+                        </a:lnSpc>
+                        <a:spcBef>
+                          <a:spcPts val="0"/>
+                        </a:spcBef>
+                        <a:spcAft>
+                          <a:spcPts val="0"/>
+                        </a:spcAft>
+                        <a:buClrTx/>
+                        <a:buSzTx/>
+                        <a:buFontTx/>
+                        <a:buNone/>
+                        <a:tabLst/>
+                        <a:defRPr/>
+                      </a:pPr>
+                      <a:r>
+                        <a:rPr lang="en-AU" sz="1200" dirty="0" smtClean="0">
+                          <a:solidFill>
+                            <a:schemeClr val="bg1">
+                              <a:lumMod val="95000"/>
+                            </a:schemeClr>
+                          </a:solidFill>
+                        </a:rPr>
+                        <a:t>Day</a:t>
+                      </a:r>
+                      <a:endParaRPr lang="en-AU" sz="1200" dirty="0">
+                        <a:solidFill>
+                          <a:schemeClr val="bg1">
+                            <a:lumMod val="95000"/>
+                          </a:schemeClr>
+                        </a:solidFill>
+                      </a:endParaRPr>
+                    </a:p>
+                  </a:txBody>
+                  <a:tcPr>
+                    <a:lnL w="12700" cmpd="sng">
+                      <a:noFill/>
+                    </a:lnL>
+                    <a:lnR w="12700" cmpd="sng">
+                      <a:noFill/>
+                    </a:lnR>
+                    <a:lnT w="12700" cmpd="sng">
+                      <a:noFill/>
+                    </a:lnT>
+                    <a:lnB w="38100" cmpd="sng">
+                      <a:noFill/>
+                    </a:lnB>
+                    <a:lnTlToBr w="12700" cmpd="sng">
+                      <a:noFill/>
+                      <a:prstDash val="solid"/>
+                    </a:lnTlToBr>
+                    <a:lnBlToTr w="12700" cmpd="sng">
+                      <a:noFill/>
+                      <a:prstDash val="solid"/>
+                    </a:lnBlToTr>
+                  </a:tcPr>
+                </a:tc>
+                <a:tc>
+                  <a:txBody>
+                    <a:bodyPr/>
+                    <a:lstStyle/>
+                    <a:p>
+                      <a:pPr marL="0" marR="0" indent="0" algn="ctr" defTabSz="914400" rtl="0" eaLnBrk="1" fontAlgn="auto" latinLnBrk="0" hangingPunct="1">
+                        <a:lnSpc>
+                          <a:spcPct val="100000"/>
+                        </a:lnSpc>
+                        <a:spcBef>
+                          <a:spcPts val="0"/>
+                        </a:spcBef>
+                        <a:spcAft>
+                          <a:spcPts val="0"/>
+                        </a:spcAft>
+                        <a:buClrTx/>
+                        <a:buSzTx/>
+                        <a:buFontTx/>
+                        <a:buNone/>
+                        <a:tabLst/>
+                        <a:defRPr/>
+                      </a:pPr>
+                      <a:r>
+                        <a:rPr lang="en-AU" sz="1200" dirty="0" smtClean="0">
+                          <a:solidFill>
+                            <a:schemeClr val="bg1">
+                              <a:lumMod val="95000"/>
+                            </a:schemeClr>
+                          </a:solidFill>
+                        </a:rPr>
+                        <a:t>Date</a:t>
+                      </a:r>
+                      <a:endParaRPr lang="en-AU" sz="1200" dirty="0">
+                        <a:solidFill>
+                          <a:schemeClr val="bg1">
+                            <a:lumMod val="95000"/>
+                          </a:schemeClr>
+                        </a:solidFill>
+                      </a:endParaRPr>
+                    </a:p>
+                  </a:txBody>
+                  <a:tcPr>
+                    <a:lnL w="12700" cmpd="sng">
+                      <a:noFill/>
+                    </a:lnL>
+                    <a:lnR w="12700" cmpd="sng">
+                      <a:noFill/>
+                    </a:lnR>
+                    <a:lnT w="12700" cmpd="sng">
+                      <a:noFill/>
+                    </a:lnT>
+                    <a:lnB w="38100" cmpd="sng">
+                      <a:noFill/>
+                    </a:lnB>
+                    <a:lnTlToBr w="12700" cmpd="sng">
+                      <a:noFill/>
+                      <a:prstDash val="solid"/>
+                    </a:lnTlToBr>
+                    <a:lnBlToTr w="12700" cmpd="sng">
+                      <a:noFill/>
+                      <a:prstDash val="solid"/>
+                    </a:lnBlToTr>
+                  </a:tcPr>
+                </a:tc>
+                <a:tc>
+                  <a:txBody>
+                    <a:bodyPr/>
+                    <a:lstStyle/>
+                    <a:p>
+                      <a:pPr marL="0" marR="0" indent="0" algn="ctr" defTabSz="914400" rtl="0" eaLnBrk="1" fontAlgn="auto" latinLnBrk="0" hangingPunct="1">
+                        <a:lnSpc>
+                          <a:spcPct val="100000"/>
+                        </a:lnSpc>
+                        <a:spcBef>
+                          <a:spcPts val="0"/>
+                        </a:spcBef>
+                        <a:spcAft>
+                          <a:spcPts val="0"/>
+                        </a:spcAft>
+                        <a:buClrTx/>
+                        <a:buSzTx/>
+                        <a:buFontTx/>
+                        <a:buNone/>
+                        <a:tabLst/>
+                        <a:defRPr/>
+                      </a:pPr>
+                      <a:r>
+                        <a:rPr lang="en-AU" sz="1200" dirty="0" smtClean="0">
+                          <a:solidFill>
+                            <a:schemeClr val="bg1">
+                              <a:lumMod val="95000"/>
+                            </a:schemeClr>
+                          </a:solidFill>
+                        </a:rPr>
+                        <a:t>Holiday</a:t>
+                      </a:r>
+                      <a:endParaRPr lang="en-AU" sz="1200" dirty="0">
+                        <a:solidFill>
+                          <a:schemeClr val="bg1">
+                            <a:lumMod val="95000"/>
+                          </a:schemeClr>
+                        </a:solidFill>
+                      </a:endParaRPr>
+                    </a:p>
+                  </a:txBody>
+                  <a:tcPr>
+                    <a:lnL w="12700" cmpd="sng">
+                      <a:noFill/>
+                    </a:lnL>
+                    <a:lnR w="12700" cmpd="sng">
+                      <a:noFill/>
+                    </a:lnR>
+                    <a:lnT w="12700" cmpd="sng">
+                      <a:noFill/>
+                    </a:lnT>
+                    <a:lnB w="38100" cmpd="sng">
+                      <a:noFill/>
+                    </a:lnB>
+                    <a:lnTlToBr w="12700" cmpd="sng">
+                      <a:noFill/>
+                      <a:prstDash val="solid"/>
+                    </a:lnTlToBr>
+                    <a:lnBlToTr w="12700" cmpd="sng">
+                      <a:noFill/>
+                      <a:prstDash val="solid"/>
+                    </a:lnBlToTr>
+                  </a:tcPr>
+                </a:tc>
+              </a:tr>
+              <a:tr h="274379">
+                <a:tc>
+                  <a:txBody>
+                    <a:bodyPr/>
+                    <a:lstStyle/>
+                    <a:p>
+                      <a:pPr marL="0" marR="0" indent="0" algn="l" defTabSz="914400" rtl="0" eaLnBrk="1" fontAlgn="auto" latinLnBrk="0" hangingPunct="1">
+                        <a:lnSpc>
+                          <a:spcPct val="100000"/>
+                        </a:lnSpc>
+                        <a:spcBef>
+                          <a:spcPts val="0"/>
+                        </a:spcBef>
+                        <a:spcAft>
+                          <a:spcPts val="0"/>
+                        </a:spcAft>
+                        <a:buClrTx/>
+                        <a:buSzTx/>
+                        <a:buFontTx/>
+                        <a:buNone/>
+                        <a:tabLst/>
+                        <a:defRPr/>
+                      </a:pPr>
+                      <a:r>
+                        <a:rPr lang="en-AU" sz="1200" dirty="0" smtClean="0"/>
+                        <a:t>Monday</a:t>
+                      </a:r>
+                      <a:endParaRPr lang="en-AU" sz="1200" dirty="0"/>
+                    </a:p>
+                  </a:txBody>
+                  <a:tcPr>
+                    <a:lnT w="12700" cmpd="sng">
+                      <a:noFill/>
+                    </a:lnT>
+                  </a:tcPr>
+                </a:tc>
+                <a:tc>
+                  <a:txBody>
+                    <a:bodyPr/>
+                    <a:lstStyle/>
+                    <a:p>
+                      <a:pPr marL="0" marR="0" indent="0" algn="l" defTabSz="914400" rtl="0" eaLnBrk="1" fontAlgn="auto" latinLnBrk="0" hangingPunct="1">
+                        <a:lnSpc>
+                          <a:spcPct val="100000"/>
+                        </a:lnSpc>
+                        <a:spcBef>
+                          <a:spcPts val="0"/>
+                        </a:spcBef>
+                        <a:spcAft>
+                          <a:spcPts val="0"/>
+                        </a:spcAft>
+                        <a:buClrTx/>
+                        <a:buSzTx/>
+                        <a:buFontTx/>
+                        <a:buNone/>
+                        <a:tabLst/>
+                        <a:defRPr/>
+                      </a:pPr>
+                      <a:r>
+                        <a:rPr lang="en-AU" sz="1200" dirty="0" smtClean="0"/>
+                        <a:t>02/01/2012</a:t>
+                      </a:r>
+                      <a:endParaRPr lang="en-AU" sz="1200" dirty="0"/>
+                    </a:p>
+                  </a:txBody>
+                  <a:tcPr>
+                    <a:lnT w="12700" cmpd="sng">
+                      <a:noFill/>
+                    </a:lnT>
+                  </a:tcPr>
+                </a:tc>
+                <a:tc>
+                  <a:txBody>
+                    <a:bodyPr/>
+                    <a:lstStyle/>
+                    <a:p>
+                      <a:pPr marL="0" marR="0" indent="0" algn="l" defTabSz="914400" rtl="0" eaLnBrk="1" fontAlgn="auto" latinLnBrk="0" hangingPunct="1">
+                        <a:lnSpc>
+                          <a:spcPct val="100000"/>
+                        </a:lnSpc>
+                        <a:spcBef>
+                          <a:spcPts val="0"/>
+                        </a:spcBef>
+                        <a:spcAft>
+                          <a:spcPts val="0"/>
+                        </a:spcAft>
+                        <a:buClrTx/>
+                        <a:buSzTx/>
+                        <a:buFontTx/>
+                        <a:buNone/>
+                        <a:tabLst/>
+                        <a:defRPr/>
+                      </a:pPr>
+                      <a:r>
+                        <a:rPr lang="en-AU" sz="1200" dirty="0" smtClean="0"/>
+                        <a:t>New year’s day (in lieu)</a:t>
+                      </a:r>
+                      <a:endParaRPr lang="en-AU" sz="1200" dirty="0"/>
+                    </a:p>
+                  </a:txBody>
+                  <a:tcPr>
+                    <a:lnT w="12700" cmpd="sng">
+                      <a:noFill/>
+                    </a:lnT>
+                  </a:tcPr>
+                </a:tc>
+              </a:tr>
+              <a:tr h="274379">
+                <a:tc>
+                  <a:txBody>
+                    <a:bodyPr/>
+                    <a:lstStyle/>
+                    <a:p>
+                      <a:pPr marL="0" marR="0" indent="0" algn="l" defTabSz="914400" rtl="0" eaLnBrk="1" fontAlgn="auto" latinLnBrk="0" hangingPunct="1">
+                        <a:lnSpc>
+                          <a:spcPct val="100000"/>
+                        </a:lnSpc>
+                        <a:spcBef>
+                          <a:spcPts val="0"/>
+                        </a:spcBef>
+                        <a:spcAft>
+                          <a:spcPts val="0"/>
+                        </a:spcAft>
+                        <a:buClrTx/>
+                        <a:buSzTx/>
+                        <a:buFontTx/>
+                        <a:buNone/>
+                        <a:tabLst/>
+                        <a:defRPr/>
+                      </a:pPr>
+                      <a:r>
+                        <a:rPr lang="en-AU" sz="1200" dirty="0" smtClean="0"/>
+                        <a:t>Thursday</a:t>
+                      </a:r>
+                      <a:endParaRPr lang="en-AU" sz="1200" dirty="0"/>
+                    </a:p>
+                  </a:txBody>
+                  <a:tcPr/>
+                </a:tc>
+                <a:tc>
+                  <a:txBody>
+                    <a:bodyPr/>
+                    <a:lstStyle/>
+                    <a:p>
+                      <a:pPr marL="0" marR="0" indent="0" algn="l" defTabSz="914400" rtl="0" eaLnBrk="1" fontAlgn="auto" latinLnBrk="0" hangingPunct="1">
+                        <a:lnSpc>
+                          <a:spcPct val="100000"/>
+                        </a:lnSpc>
+                        <a:spcBef>
+                          <a:spcPts val="0"/>
+                        </a:spcBef>
+                        <a:spcAft>
+                          <a:spcPts val="0"/>
+                        </a:spcAft>
+                        <a:buClrTx/>
+                        <a:buSzTx/>
+                        <a:buFontTx/>
+                        <a:buNone/>
+                        <a:tabLst/>
+                        <a:defRPr/>
+                      </a:pPr>
+                      <a:r>
+                        <a:rPr lang="en-AU" sz="1200" dirty="0" smtClean="0"/>
+                        <a:t>26/01/2012</a:t>
+                      </a:r>
+                      <a:endParaRPr lang="en-AU" sz="1200" dirty="0"/>
+                    </a:p>
+                  </a:txBody>
+                  <a:tcPr/>
+                </a:tc>
+                <a:tc>
+                  <a:txBody>
+                    <a:bodyPr/>
+                    <a:lstStyle/>
+                    <a:p>
+                      <a:pPr marL="0" marR="0" indent="0" algn="l" defTabSz="914400" rtl="0" eaLnBrk="1" fontAlgn="auto" latinLnBrk="0" hangingPunct="1">
+                        <a:lnSpc>
+                          <a:spcPct val="100000"/>
+                        </a:lnSpc>
+                        <a:spcBef>
+                          <a:spcPts val="0"/>
+                        </a:spcBef>
+                        <a:spcAft>
+                          <a:spcPts val="0"/>
+                        </a:spcAft>
+                        <a:buClrTx/>
+                        <a:buSzTx/>
+                        <a:buFontTx/>
+                        <a:buNone/>
+                        <a:tabLst/>
+                        <a:defRPr/>
+                      </a:pPr>
+                      <a:r>
+                        <a:rPr lang="en-AU" sz="1200" dirty="0" smtClean="0"/>
+                        <a:t>Australia day</a:t>
+                      </a:r>
+                      <a:endParaRPr lang="en-AU" sz="1200" dirty="0"/>
+                    </a:p>
+                  </a:txBody>
+                  <a:tcPr/>
+                </a:tc>
+              </a:tr>
+              <a:tr h="274379">
+                <a:tc>
+                  <a:txBody>
+                    <a:bodyPr/>
+                    <a:lstStyle/>
+                    <a:p>
+                      <a:pPr marL="0" marR="0" indent="0" algn="l" defTabSz="914400" rtl="0" eaLnBrk="1" fontAlgn="auto" latinLnBrk="0" hangingPunct="1">
+                        <a:lnSpc>
+                          <a:spcPct val="100000"/>
+                        </a:lnSpc>
+                        <a:spcBef>
+                          <a:spcPts val="0"/>
+                        </a:spcBef>
+                        <a:spcAft>
+                          <a:spcPts val="0"/>
+                        </a:spcAft>
+                        <a:buClrTx/>
+                        <a:buSzTx/>
+                        <a:buFontTx/>
+                        <a:buNone/>
+                        <a:tabLst/>
+                        <a:defRPr/>
+                      </a:pPr>
+                      <a:r>
+                        <a:rPr lang="en-AU" sz="1200" dirty="0" smtClean="0"/>
+                        <a:t>Monday</a:t>
+                      </a:r>
+                      <a:endParaRPr lang="en-AU" sz="1200" dirty="0"/>
+                    </a:p>
+                  </a:txBody>
+                  <a:tcPr/>
+                </a:tc>
+                <a:tc>
+                  <a:txBody>
+                    <a:bodyPr/>
+                    <a:lstStyle/>
+                    <a:p>
+                      <a:pPr marL="0" marR="0" indent="0" algn="l" defTabSz="914400" rtl="0" eaLnBrk="1" fontAlgn="auto" latinLnBrk="0" hangingPunct="1">
+                        <a:lnSpc>
+                          <a:spcPct val="100000"/>
+                        </a:lnSpc>
+                        <a:spcBef>
+                          <a:spcPts val="0"/>
+                        </a:spcBef>
+                        <a:spcAft>
+                          <a:spcPts val="0"/>
+                        </a:spcAft>
+                        <a:buClrTx/>
+                        <a:buSzTx/>
+                        <a:buFontTx/>
+                        <a:buNone/>
+                        <a:tabLst/>
+                        <a:defRPr/>
+                      </a:pPr>
+                      <a:r>
+                        <a:rPr lang="en-AU" sz="1200" dirty="0" smtClean="0"/>
+                        <a:t>12/01/2012</a:t>
+                      </a:r>
+                      <a:endParaRPr lang="en-AU" sz="1200" dirty="0"/>
+                    </a:p>
+                  </a:txBody>
+                  <a:tcPr/>
+                </a:tc>
+                <a:tc>
+                  <a:txBody>
+                    <a:bodyPr/>
+                    <a:lstStyle/>
+                    <a:p>
+                      <a:r>
+                        <a:rPr lang="en-AU" sz="1200" dirty="0" smtClean="0"/>
+                        <a:t>Labour day</a:t>
+                      </a:r>
+                      <a:endParaRPr lang="en-AU" sz="1200" dirty="0"/>
+                    </a:p>
+                  </a:txBody>
+                  <a:tcPr/>
+                </a:tc>
+              </a:tr>
+              <a:tr h="274379">
+                <a:tc>
+                  <a:txBody>
+                    <a:bodyPr/>
+                    <a:lstStyle/>
+                    <a:p>
+                      <a:pPr marL="0" marR="0" indent="0" algn="l" defTabSz="914400" rtl="0" eaLnBrk="1" fontAlgn="auto" latinLnBrk="0" hangingPunct="1">
+                        <a:lnSpc>
+                          <a:spcPct val="100000"/>
+                        </a:lnSpc>
+                        <a:spcBef>
+                          <a:spcPts val="0"/>
+                        </a:spcBef>
+                        <a:spcAft>
+                          <a:spcPts val="0"/>
+                        </a:spcAft>
+                        <a:buClrTx/>
+                        <a:buSzTx/>
+                        <a:buFontTx/>
+                        <a:buNone/>
+                        <a:tabLst/>
+                        <a:defRPr/>
+                      </a:pPr>
+                      <a:r>
+                        <a:rPr lang="en-AU" sz="1200" dirty="0" smtClean="0"/>
+                        <a:t>Friday</a:t>
+                      </a:r>
+                      <a:endParaRPr lang="en-AU" sz="1200" dirty="0"/>
+                    </a:p>
+                  </a:txBody>
+                  <a:tcPr/>
+                </a:tc>
+                <a:tc>
+                  <a:txBody>
+                    <a:bodyPr/>
+                    <a:lstStyle/>
+                    <a:p>
+                      <a:pPr marL="0" marR="0" indent="0" algn="l" defTabSz="914400" rtl="0" eaLnBrk="1" fontAlgn="auto" latinLnBrk="0" hangingPunct="1">
+                        <a:lnSpc>
+                          <a:spcPct val="100000"/>
+                        </a:lnSpc>
+                        <a:spcBef>
+                          <a:spcPts val="0"/>
+                        </a:spcBef>
+                        <a:spcAft>
+                          <a:spcPts val="0"/>
+                        </a:spcAft>
+                        <a:buClrTx/>
+                        <a:buSzTx/>
+                        <a:buFontTx/>
+                        <a:buNone/>
+                        <a:tabLst/>
+                        <a:defRPr/>
+                      </a:pPr>
+                      <a:r>
+                        <a:rPr lang="en-AU" sz="1200" dirty="0" smtClean="0"/>
+                        <a:t>06/04/2012</a:t>
+                      </a:r>
+                      <a:endParaRPr lang="en-AU" sz="1200" dirty="0"/>
+                    </a:p>
+                  </a:txBody>
+                  <a:tcPr/>
+                </a:tc>
+                <a:tc>
+                  <a:txBody>
+                    <a:bodyPr/>
+                    <a:lstStyle/>
+                    <a:p>
+                      <a:pPr marL="0" marR="0" indent="0" algn="l" defTabSz="914400" rtl="0" eaLnBrk="1" fontAlgn="auto" latinLnBrk="0" hangingPunct="1">
+                        <a:lnSpc>
+                          <a:spcPct val="100000"/>
+                        </a:lnSpc>
+                        <a:spcBef>
+                          <a:spcPts val="0"/>
+                        </a:spcBef>
+                        <a:spcAft>
+                          <a:spcPts val="0"/>
+                        </a:spcAft>
+                        <a:buClrTx/>
+                        <a:buSzTx/>
+                        <a:buFontTx/>
+                        <a:buNone/>
+                        <a:tabLst/>
+                        <a:defRPr/>
+                      </a:pPr>
+                      <a:r>
+                        <a:rPr lang="en-AU" sz="1200" dirty="0" smtClean="0"/>
+                        <a:t>Good Friday</a:t>
+                      </a:r>
+                      <a:endParaRPr lang="en-AU" sz="1200" dirty="0"/>
+                    </a:p>
+                  </a:txBody>
+                  <a:tcPr/>
+                </a:tc>
+              </a:tr>
+              <a:tr h="274379">
+                <a:tc>
+                  <a:txBody>
+                    <a:bodyPr/>
+                    <a:lstStyle/>
+                    <a:p>
+                      <a:pPr marL="0" marR="0" indent="0" algn="l" defTabSz="914400" rtl="0" eaLnBrk="1" fontAlgn="auto" latinLnBrk="0" hangingPunct="1">
+                        <a:lnSpc>
+                          <a:spcPct val="100000"/>
+                        </a:lnSpc>
+                        <a:spcBef>
+                          <a:spcPts val="0"/>
+                        </a:spcBef>
+                        <a:spcAft>
+                          <a:spcPts val="0"/>
+                        </a:spcAft>
+                        <a:buClrTx/>
+                        <a:buSzTx/>
+                        <a:buFontTx/>
+                        <a:buNone/>
+                        <a:tabLst/>
+                        <a:defRPr/>
+                      </a:pPr>
+                      <a:r>
+                        <a:rPr lang="en-AU" sz="1200" dirty="0" smtClean="0"/>
+                        <a:t>Monday</a:t>
+                      </a:r>
+                      <a:endParaRPr lang="en-AU" sz="1200" dirty="0"/>
+                    </a:p>
+                  </a:txBody>
+                  <a:tcPr/>
+                </a:tc>
+                <a:tc>
+                  <a:txBody>
+                    <a:bodyPr/>
+                    <a:lstStyle/>
+                    <a:p>
+                      <a:pPr marL="0" marR="0" indent="0" algn="l" defTabSz="914400" rtl="0" eaLnBrk="1" fontAlgn="auto" latinLnBrk="0" hangingPunct="1">
+                        <a:lnSpc>
+                          <a:spcPct val="100000"/>
+                        </a:lnSpc>
+                        <a:spcBef>
+                          <a:spcPts val="0"/>
+                        </a:spcBef>
+                        <a:spcAft>
+                          <a:spcPts val="0"/>
+                        </a:spcAft>
+                        <a:buClrTx/>
+                        <a:buSzTx/>
+                        <a:buFontTx/>
+                        <a:buNone/>
+                        <a:tabLst/>
+                        <a:defRPr/>
+                      </a:pPr>
+                      <a:r>
+                        <a:rPr lang="en-AU" sz="1200" dirty="0" smtClean="0"/>
+                        <a:t>09/04/2012</a:t>
+                      </a:r>
+                      <a:endParaRPr lang="en-AU" sz="1200" dirty="0"/>
+                    </a:p>
+                  </a:txBody>
+                  <a:tcPr/>
+                </a:tc>
+                <a:tc>
+                  <a:txBody>
+                    <a:bodyPr/>
+                    <a:lstStyle/>
+                    <a:p>
+                      <a:pPr marL="0" marR="0" indent="0" algn="l" defTabSz="914400" rtl="0" eaLnBrk="1" fontAlgn="auto" latinLnBrk="0" hangingPunct="1">
+                        <a:lnSpc>
+                          <a:spcPct val="100000"/>
+                        </a:lnSpc>
+                        <a:spcBef>
+                          <a:spcPts val="0"/>
+                        </a:spcBef>
+                        <a:spcAft>
+                          <a:spcPts val="0"/>
+                        </a:spcAft>
+                        <a:buClrTx/>
+                        <a:buSzTx/>
+                        <a:buFontTx/>
+                        <a:buNone/>
+                        <a:tabLst/>
+                        <a:defRPr/>
+                      </a:pPr>
+                      <a:r>
+                        <a:rPr lang="en-AU" sz="1200" dirty="0" smtClean="0"/>
+                        <a:t>Easter Monday</a:t>
+                      </a:r>
+                      <a:endParaRPr lang="en-AU" sz="1200" dirty="0"/>
+                    </a:p>
+                  </a:txBody>
+                  <a:tcPr/>
+                </a:tc>
+              </a:tr>
+              <a:tr h="274379">
+                <a:tc>
+                  <a:txBody>
+                    <a:bodyPr/>
+                    <a:lstStyle/>
+                    <a:p>
+                      <a:pPr marL="0" marR="0" indent="0" algn="l" defTabSz="914400" rtl="0" eaLnBrk="1" fontAlgn="auto" latinLnBrk="0" hangingPunct="1">
+                        <a:lnSpc>
+                          <a:spcPct val="100000"/>
+                        </a:lnSpc>
+                        <a:spcBef>
+                          <a:spcPts val="0"/>
+                        </a:spcBef>
+                        <a:spcAft>
+                          <a:spcPts val="0"/>
+                        </a:spcAft>
+                        <a:buClrTx/>
+                        <a:buSzTx/>
+                        <a:buFontTx/>
+                        <a:buNone/>
+                        <a:tabLst/>
+                        <a:defRPr/>
+                      </a:pPr>
+                      <a:r>
+                        <a:rPr lang="en-AU" sz="1200" dirty="0" smtClean="0"/>
+                        <a:t>Wednesday</a:t>
+                      </a:r>
+                      <a:endParaRPr lang="en-AU" sz="1200" dirty="0"/>
+                    </a:p>
+                  </a:txBody>
+                  <a:tcPr/>
+                </a:tc>
+                <a:tc>
+                  <a:txBody>
+                    <a:bodyPr/>
+                    <a:lstStyle/>
+                    <a:p>
+                      <a:pPr marL="0" marR="0" indent="0" algn="l" defTabSz="914400" rtl="0" eaLnBrk="1" fontAlgn="auto" latinLnBrk="0" hangingPunct="1">
+                        <a:lnSpc>
+                          <a:spcPct val="100000"/>
+                        </a:lnSpc>
+                        <a:spcBef>
+                          <a:spcPts val="0"/>
+                        </a:spcBef>
+                        <a:spcAft>
+                          <a:spcPts val="0"/>
+                        </a:spcAft>
+                        <a:buClrTx/>
+                        <a:buSzTx/>
+                        <a:buFontTx/>
+                        <a:buNone/>
+                        <a:tabLst/>
+                        <a:defRPr/>
+                      </a:pPr>
+                      <a:r>
+                        <a:rPr lang="en-AU" sz="1200" dirty="0" smtClean="0"/>
+                        <a:t>25/04/2012</a:t>
+                      </a:r>
+                      <a:endParaRPr lang="en-AU" sz="1200" dirty="0"/>
+                    </a:p>
+                  </a:txBody>
+                  <a:tcPr/>
+                </a:tc>
+                <a:tc>
+                  <a:txBody>
+                    <a:bodyPr/>
+                    <a:lstStyle/>
+                    <a:p>
+                      <a:pPr marL="0" marR="0" indent="0" algn="l" defTabSz="914400" rtl="0" eaLnBrk="1" fontAlgn="auto" latinLnBrk="0" hangingPunct="1">
+                        <a:lnSpc>
+                          <a:spcPct val="100000"/>
+                        </a:lnSpc>
+                        <a:spcBef>
+                          <a:spcPts val="0"/>
+                        </a:spcBef>
+                        <a:spcAft>
+                          <a:spcPts val="0"/>
+                        </a:spcAft>
+                        <a:buClrTx/>
+                        <a:buSzTx/>
+                        <a:buFontTx/>
+                        <a:buNone/>
+                        <a:tabLst/>
+                        <a:defRPr/>
+                      </a:pPr>
+                      <a:r>
+                        <a:rPr lang="en-AU" sz="1200" dirty="0" smtClean="0"/>
+                        <a:t>ANZAC day</a:t>
+                      </a:r>
+                      <a:endParaRPr lang="en-AU" sz="1200" dirty="0"/>
+                    </a:p>
+                  </a:txBody>
+                  <a:tcPr/>
+                </a:tc>
+              </a:tr>
+              <a:tr h="274379">
+                <a:tc>
+                  <a:txBody>
+                    <a:bodyPr/>
+                    <a:lstStyle/>
+                    <a:p>
+                      <a:pPr marL="0" marR="0" indent="0" algn="l" defTabSz="914400" rtl="0" eaLnBrk="1" fontAlgn="auto" latinLnBrk="0" hangingPunct="1">
+                        <a:lnSpc>
+                          <a:spcPct val="100000"/>
+                        </a:lnSpc>
+                        <a:spcBef>
+                          <a:spcPts val="0"/>
+                        </a:spcBef>
+                        <a:spcAft>
+                          <a:spcPts val="0"/>
+                        </a:spcAft>
+                        <a:buClrTx/>
+                        <a:buSzTx/>
+                        <a:buFontTx/>
+                        <a:buNone/>
+                        <a:tabLst/>
+                        <a:defRPr/>
+                      </a:pPr>
+                      <a:r>
+                        <a:rPr lang="en-AU" sz="1200" dirty="0" smtClean="0"/>
+                        <a:t>Monday</a:t>
+                      </a:r>
+                      <a:endParaRPr lang="en-AU" sz="1200" dirty="0"/>
+                    </a:p>
+                  </a:txBody>
+                  <a:tcPr/>
+                </a:tc>
+                <a:tc>
+                  <a:txBody>
+                    <a:bodyPr/>
+                    <a:lstStyle/>
+                    <a:p>
+                      <a:pPr marL="0" marR="0" indent="0" algn="l" defTabSz="914400" rtl="0" eaLnBrk="1" fontAlgn="auto" latinLnBrk="0" hangingPunct="1">
+                        <a:lnSpc>
+                          <a:spcPct val="100000"/>
+                        </a:lnSpc>
+                        <a:spcBef>
+                          <a:spcPts val="0"/>
+                        </a:spcBef>
+                        <a:spcAft>
+                          <a:spcPts val="0"/>
+                        </a:spcAft>
+                        <a:buClrTx/>
+                        <a:buSzTx/>
+                        <a:buFontTx/>
+                        <a:buNone/>
+                        <a:tabLst/>
+                        <a:defRPr/>
+                      </a:pPr>
+                      <a:r>
+                        <a:rPr lang="en-AU" sz="1200" dirty="0" smtClean="0"/>
+                        <a:t>11/06/2012</a:t>
+                      </a:r>
+                      <a:endParaRPr lang="en-AU" sz="1200" dirty="0"/>
+                    </a:p>
+                  </a:txBody>
+                  <a:tcPr/>
+                </a:tc>
+                <a:tc>
+                  <a:txBody>
+                    <a:bodyPr/>
+                    <a:lstStyle/>
+                    <a:p>
+                      <a:pPr marL="0" marR="0" indent="0" algn="l" defTabSz="914400" rtl="0" eaLnBrk="1" fontAlgn="auto" latinLnBrk="0" hangingPunct="1">
+                        <a:lnSpc>
+                          <a:spcPct val="100000"/>
+                        </a:lnSpc>
+                        <a:spcBef>
+                          <a:spcPts val="0"/>
+                        </a:spcBef>
+                        <a:spcAft>
+                          <a:spcPts val="0"/>
+                        </a:spcAft>
+                        <a:buClrTx/>
+                        <a:buSzTx/>
+                        <a:buFontTx/>
+                        <a:buNone/>
+                        <a:tabLst/>
+                        <a:defRPr/>
+                      </a:pPr>
+                      <a:r>
+                        <a:rPr lang="en-AU" sz="1200" dirty="0" smtClean="0"/>
+                        <a:t>Queen’s birthday</a:t>
+                      </a:r>
+                      <a:endParaRPr lang="en-AU" sz="1200" dirty="0"/>
+                    </a:p>
+                  </a:txBody>
+                  <a:tcPr/>
+                </a:tc>
+              </a:tr>
+              <a:tr h="274379">
+                <a:tc>
+                  <a:txBody>
+                    <a:bodyPr/>
+                    <a:lstStyle/>
+                    <a:p>
+                      <a:pPr marL="0" marR="0" indent="0" algn="l" defTabSz="914400" rtl="0" eaLnBrk="1" fontAlgn="auto" latinLnBrk="0" hangingPunct="1">
+                        <a:lnSpc>
+                          <a:spcPct val="100000"/>
+                        </a:lnSpc>
+                        <a:spcBef>
+                          <a:spcPts val="0"/>
+                        </a:spcBef>
+                        <a:spcAft>
+                          <a:spcPts val="0"/>
+                        </a:spcAft>
+                        <a:buClrTx/>
+                        <a:buSzTx/>
+                        <a:buFontTx/>
+                        <a:buNone/>
+                        <a:tabLst/>
+                        <a:defRPr/>
+                      </a:pPr>
+                      <a:r>
+                        <a:rPr lang="en-AU" sz="1200" dirty="0" smtClean="0"/>
+                        <a:t>Tuesday</a:t>
+                      </a:r>
+                      <a:endParaRPr lang="en-AU" sz="1200" dirty="0"/>
+                    </a:p>
+                  </a:txBody>
+                  <a:tcPr/>
+                </a:tc>
+                <a:tc>
+                  <a:txBody>
+                    <a:bodyPr/>
+                    <a:lstStyle/>
+                    <a:p>
+                      <a:pPr marL="0" marR="0" indent="0" algn="l" defTabSz="914400" rtl="0" eaLnBrk="1" fontAlgn="auto" latinLnBrk="0" hangingPunct="1">
+                        <a:lnSpc>
+                          <a:spcPct val="100000"/>
+                        </a:lnSpc>
+                        <a:spcBef>
+                          <a:spcPts val="0"/>
+                        </a:spcBef>
+                        <a:spcAft>
+                          <a:spcPts val="0"/>
+                        </a:spcAft>
+                        <a:buClrTx/>
+                        <a:buSzTx/>
+                        <a:buFontTx/>
+                        <a:buNone/>
+                        <a:tabLst/>
+                        <a:defRPr/>
+                      </a:pPr>
+                      <a:r>
+                        <a:rPr lang="en-AU" sz="1200" dirty="0" smtClean="0"/>
+                        <a:t>06/11/2012</a:t>
+                      </a:r>
+                      <a:endParaRPr lang="en-AU" sz="1200" dirty="0"/>
+                    </a:p>
+                  </a:txBody>
+                  <a:tcPr/>
+                </a:tc>
+                <a:tc>
+                  <a:txBody>
+                    <a:bodyPr/>
+                    <a:lstStyle/>
+                    <a:p>
+                      <a:pPr marL="0" marR="0" indent="0" algn="l" defTabSz="914400" rtl="0" eaLnBrk="1" fontAlgn="auto" latinLnBrk="0" hangingPunct="1">
+                        <a:lnSpc>
+                          <a:spcPct val="100000"/>
+                        </a:lnSpc>
+                        <a:spcBef>
+                          <a:spcPts val="0"/>
+                        </a:spcBef>
+                        <a:spcAft>
+                          <a:spcPts val="0"/>
+                        </a:spcAft>
+                        <a:buClrTx/>
+                        <a:buSzTx/>
+                        <a:buFontTx/>
+                        <a:buNone/>
+                        <a:tabLst/>
+                        <a:defRPr/>
+                      </a:pPr>
+                      <a:r>
+                        <a:rPr lang="en-AU" sz="1200" dirty="0" smtClean="0"/>
+                        <a:t>Melbourne cup day</a:t>
+                      </a:r>
+                      <a:endParaRPr lang="en-AU" sz="1200" dirty="0"/>
+                    </a:p>
+                  </a:txBody>
+                  <a:tcPr/>
+                </a:tc>
+              </a:tr>
+              <a:tr h="274379">
+                <a:tc>
+                  <a:txBody>
+                    <a:bodyPr/>
+                    <a:lstStyle/>
+                    <a:p>
+                      <a:pPr marL="0" marR="0" indent="0" algn="l" defTabSz="914400" rtl="0" eaLnBrk="1" fontAlgn="auto" latinLnBrk="0" hangingPunct="1">
+                        <a:lnSpc>
+                          <a:spcPct val="100000"/>
+                        </a:lnSpc>
+                        <a:spcBef>
+                          <a:spcPts val="0"/>
+                        </a:spcBef>
+                        <a:spcAft>
+                          <a:spcPts val="0"/>
+                        </a:spcAft>
+                        <a:buClrTx/>
+                        <a:buSzTx/>
+                        <a:buFontTx/>
+                        <a:buNone/>
+                        <a:tabLst/>
+                        <a:defRPr/>
+                      </a:pPr>
+                      <a:r>
+                        <a:rPr lang="en-AU" sz="1200" dirty="0" smtClean="0"/>
+                        <a:t>Tuesday</a:t>
+                      </a:r>
+                      <a:endParaRPr lang="en-AU" sz="1200" dirty="0"/>
+                    </a:p>
+                  </a:txBody>
+                  <a:tcPr/>
+                </a:tc>
+                <a:tc>
+                  <a:txBody>
+                    <a:bodyPr/>
+                    <a:lstStyle/>
+                    <a:p>
+                      <a:pPr marL="0" marR="0" indent="0" algn="l" defTabSz="914400" rtl="0" eaLnBrk="1" fontAlgn="auto" latinLnBrk="0" hangingPunct="1">
+                        <a:lnSpc>
+                          <a:spcPct val="100000"/>
+                        </a:lnSpc>
+                        <a:spcBef>
+                          <a:spcPts val="0"/>
+                        </a:spcBef>
+                        <a:spcAft>
+                          <a:spcPts val="0"/>
+                        </a:spcAft>
+                        <a:buClrTx/>
+                        <a:buSzTx/>
+                        <a:buFontTx/>
+                        <a:buNone/>
+                        <a:tabLst/>
+                        <a:defRPr/>
+                      </a:pPr>
+                      <a:r>
+                        <a:rPr lang="en-AU" sz="1200" dirty="0" smtClean="0"/>
+                        <a:t>25/12/2012</a:t>
+                      </a:r>
+                      <a:endParaRPr lang="en-AU" sz="1200" dirty="0"/>
+                    </a:p>
+                  </a:txBody>
+                  <a:tcPr/>
+                </a:tc>
+                <a:tc>
+                  <a:txBody>
+                    <a:bodyPr/>
+                    <a:lstStyle/>
+                    <a:p>
+                      <a:pPr marL="0" marR="0" indent="0" algn="l" defTabSz="914400" rtl="0" eaLnBrk="1" fontAlgn="auto" latinLnBrk="0" hangingPunct="1">
+                        <a:lnSpc>
+                          <a:spcPct val="100000"/>
+                        </a:lnSpc>
+                        <a:spcBef>
+                          <a:spcPts val="0"/>
+                        </a:spcBef>
+                        <a:spcAft>
+                          <a:spcPts val="0"/>
+                        </a:spcAft>
+                        <a:buClrTx/>
+                        <a:buSzTx/>
+                        <a:buFontTx/>
+                        <a:buNone/>
+                        <a:tabLst/>
+                        <a:defRPr/>
+                      </a:pPr>
+                      <a:r>
+                        <a:rPr lang="en-AU" sz="1200" dirty="0" smtClean="0"/>
+                        <a:t>Christmas day</a:t>
+                      </a:r>
+                      <a:endParaRPr lang="en-AU" sz="1200" dirty="0"/>
+                    </a:p>
+                  </a:txBody>
+                  <a:tcPr/>
+                </a:tc>
+              </a:tr>
+              <a:tr h="274379">
+                <a:tc>
+                  <a:txBody>
+                    <a:bodyPr/>
+                    <a:lstStyle/>
+                    <a:p>
+                      <a:pPr marL="0" marR="0" indent="0" algn="l" defTabSz="914400" rtl="0" eaLnBrk="1" fontAlgn="auto" latinLnBrk="0" hangingPunct="1">
+                        <a:lnSpc>
+                          <a:spcPct val="100000"/>
+                        </a:lnSpc>
+                        <a:spcBef>
+                          <a:spcPts val="0"/>
+                        </a:spcBef>
+                        <a:spcAft>
+                          <a:spcPts val="0"/>
+                        </a:spcAft>
+                        <a:buClrTx/>
+                        <a:buSzTx/>
+                        <a:buFontTx/>
+                        <a:buNone/>
+                        <a:tabLst/>
+                        <a:defRPr/>
+                      </a:pPr>
+                      <a:r>
+                        <a:rPr lang="en-AU" sz="1200" dirty="0" smtClean="0"/>
+                        <a:t>Wednesday</a:t>
+                      </a:r>
+                      <a:endParaRPr lang="en-AU" sz="1200" dirty="0"/>
+                    </a:p>
+                  </a:txBody>
+                  <a:tcPr/>
+                </a:tc>
+                <a:tc>
+                  <a:txBody>
+                    <a:bodyPr/>
+                    <a:lstStyle/>
+                    <a:p>
+                      <a:pPr marL="0" marR="0" indent="0" algn="l" defTabSz="914400" rtl="0" eaLnBrk="1" fontAlgn="auto" latinLnBrk="0" hangingPunct="1">
+                        <a:lnSpc>
+                          <a:spcPct val="100000"/>
+                        </a:lnSpc>
+                        <a:spcBef>
+                          <a:spcPts val="0"/>
+                        </a:spcBef>
+                        <a:spcAft>
+                          <a:spcPts val="0"/>
+                        </a:spcAft>
+                        <a:buClrTx/>
+                        <a:buSzTx/>
+                        <a:buFontTx/>
+                        <a:buNone/>
+                        <a:tabLst/>
+                        <a:defRPr/>
+                      </a:pPr>
+                      <a:r>
+                        <a:rPr lang="en-AU" sz="1200" dirty="0" smtClean="0"/>
+                        <a:t>26/12/2012</a:t>
+                      </a:r>
+                      <a:endParaRPr lang="en-AU" sz="1200" dirty="0"/>
+                    </a:p>
+                  </a:txBody>
+                  <a:tcPr/>
+                </a:tc>
+                <a:tc>
+                  <a:txBody>
+                    <a:bodyPr/>
+                    <a:lstStyle/>
+                    <a:p>
+                      <a:pPr marL="0" marR="0" indent="0" algn="l" defTabSz="914400" rtl="0" eaLnBrk="1" fontAlgn="auto" latinLnBrk="0" hangingPunct="1">
+                        <a:lnSpc>
+                          <a:spcPct val="100000"/>
+                        </a:lnSpc>
+                        <a:spcBef>
+                          <a:spcPts val="0"/>
+                        </a:spcBef>
+                        <a:spcAft>
+                          <a:spcPts val="0"/>
+                        </a:spcAft>
+                        <a:buClrTx/>
+                        <a:buSzTx/>
+                        <a:buFontTx/>
+                        <a:buNone/>
+                        <a:tabLst/>
+                        <a:defRPr/>
+                      </a:pPr>
+                      <a:r>
+                        <a:rPr lang="en-AU" sz="1200" dirty="0" smtClean="0"/>
+                        <a:t>Boxing day</a:t>
+                      </a:r>
+                      <a:endParaRPr lang="en-AU" sz="1200" dirty="0"/>
+                    </a:p>
+                  </a:txBody>
+                  <a:tcPr/>
+                </a:tc>
+              </a:tr>
+            </a:tbl>
+          </a:graphicData>
+        </a:graphic>
+      </p:graphicFrame>
+    </p:spTree>
+    <p:extLst>
+      <p:ext uri="{BB962C8B-B14F-4D97-AF65-F5344CB8AC3E}">
+        <p14:creationId xmlns:p14="http://schemas.microsoft.com/office/powerpoint/2010/main" val="1056390277"/>
+      </p:ext>
+    </p:extLst>
+  </p:cSld>
+  <p:clrMapOvr>
+    <a:masterClrMapping/>
+  </p:clrMapOvr>
+  <p:timing>
+    <p:tnLst>
+      <p:par>
+        <p:cTn id="1" dur="indefinite" restart="never" nodeType="tmRoot"/>
+      </p:par>
+    </p:tnLst>
+  </p:timing>
+</p:sld>
+</file>
+
+<file path=ppt/slides/slide7.xml><?xml version="1.0" encoding="utf-8"?>
 <p:sld xmlns:a="http://schemas.openxmlformats.org/drawingml/2006/main" xmlns:r="http://schemas.openxmlformats.org/officeDocument/2006/relationships" xmlns:p="http://schemas.openxmlformats.org/presentationml/2006/main">
   <p:cSld>
     <p:spTree>
@@ -16090,7 +19676,7 @@
 </p:sld>
 </file>
 
-<file path=ppt/slides/slide6.xml><?xml version="1.0" encoding="utf-8"?>
+<file path=ppt/slides/slide8.xml><?xml version="1.0" encoding="utf-8"?>
 <p:sld xmlns:a="http://schemas.openxmlformats.org/drawingml/2006/main" xmlns:r="http://schemas.openxmlformats.org/officeDocument/2006/relationships" xmlns:p="http://schemas.openxmlformats.org/presentationml/2006/main">
   <p:cSld>
     <p:spTree>

--- a/latex-thesis/figures.pptx
+++ b/latex-thesis/figures.pptx
@@ -9,10 +9,11 @@
     <p:sldId id="259" r:id="rId3"/>
     <p:sldId id="256" r:id="rId4"/>
     <p:sldId id="257" r:id="rId5"/>
-    <p:sldId id="262" r:id="rId6"/>
-    <p:sldId id="263" r:id="rId7"/>
-    <p:sldId id="260" r:id="rId8"/>
-    <p:sldId id="261" r:id="rId9"/>
+    <p:sldId id="264" r:id="rId6"/>
+    <p:sldId id="262" r:id="rId7"/>
+    <p:sldId id="263" r:id="rId8"/>
+    <p:sldId id="260" r:id="rId9"/>
+    <p:sldId id="261" r:id="rId10"/>
   </p:sldIdLst>
   <p:sldSz cx="12192000" cy="6858000"/>
   <p:notesSz cx="6858000" cy="9144000"/>
@@ -10073,14 +10074,14 @@
           <p:nvPr>
             <p:extLst>
               <p:ext uri="{D42A27DB-BD31-4B8C-83A1-F6EECF244321}">
-                <p14:modId xmlns:p14="http://schemas.microsoft.com/office/powerpoint/2010/main" val="1118885491"/>
+                <p14:modId xmlns:p14="http://schemas.microsoft.com/office/powerpoint/2010/main" val="820094647"/>
               </p:ext>
             </p:extLst>
           </p:nvPr>
         </p:nvGraphicFramePr>
         <p:xfrm>
           <a:off x="1632851" y="405995"/>
-          <a:ext cx="8387449" cy="4282440"/>
+          <a:ext cx="8147799" cy="5608320"/>
         </p:xfrm>
         <a:graphic>
           <a:graphicData uri="http://schemas.openxmlformats.org/drawingml/2006/table">
@@ -10090,8 +10091,7 @@
               </a:tblPr>
               <a:tblGrid>
                 <a:gridCol w="1627400"/>
-                <a:gridCol w="1136650"/>
-                <a:gridCol w="1295718"/>
+                <a:gridCol w="2192718"/>
                 <a:gridCol w="2247900"/>
                 <a:gridCol w="2079781"/>
               </a:tblGrid>
@@ -10140,7 +10140,15 @@
                       <a:pPr algn="ctr"/>
                       <a:r>
                         <a:rPr lang="en-AU" sz="1200" dirty="0" smtClean="0"/>
-                        <a:t>Model characteristics</a:t>
+                        <a:t>Model  and data</a:t>
+                      </a:r>
+                      <a:r>
+                        <a:rPr lang="en-AU" sz="1200" baseline="0" dirty="0" smtClean="0"/>
+                        <a:t> </a:t>
+                      </a:r>
+                      <a:r>
+                        <a:rPr lang="en-AU" sz="1200" dirty="0" smtClean="0"/>
+                        <a:t>characteristics</a:t>
                       </a:r>
                       <a:endParaRPr lang="en-AU" sz="1200" dirty="0"/>
                     </a:p>
@@ -10175,10 +10183,10 @@
                     <a:p>
                       <a:pPr algn="ctr"/>
                       <a:r>
-                        <a:rPr lang="en-AU" sz="1200" baseline="0" dirty="0" smtClean="0"/>
-                        <a:t>Data characteristics</a:t>
-                      </a:r>
-                      <a:endParaRPr lang="en-AU" sz="1200" dirty="0" smtClean="0"/>
+                        <a:rPr lang="en-AU" sz="1200" dirty="0" smtClean="0"/>
+                        <a:t>Advantages</a:t>
+                      </a:r>
+                      <a:endParaRPr lang="en-AU" sz="1200" dirty="0"/>
                     </a:p>
                   </a:txBody>
                   <a:tcPr>
@@ -10212,7 +10220,7 @@
                       <a:pPr algn="ctr"/>
                       <a:r>
                         <a:rPr lang="en-AU" sz="1200" smtClean="0"/>
-                        <a:t>Advantages</a:t>
+                        <a:t>Disadvantages</a:t>
                       </a:r>
                       <a:endParaRPr lang="en-AU" sz="1200"/>
                     </a:p>
@@ -10240,42 +10248,6 @@
                     </a:lnBlToTr>
                   </a:tcPr>
                 </a:tc>
-                <a:tc>
-                  <a:txBody>
-                    <a:bodyPr/>
-                    <a:lstStyle/>
-                    <a:p>
-                      <a:pPr algn="ctr"/>
-                      <a:r>
-                        <a:rPr lang="en-AU" sz="1200" smtClean="0"/>
-                        <a:t>Disadvantages</a:t>
-                      </a:r>
-                      <a:endParaRPr lang="en-AU" sz="1200"/>
-                    </a:p>
-                  </a:txBody>
-                  <a:tcPr>
-                    <a:lnL w="12700" cmpd="sng">
-                      <a:noFill/>
-                    </a:lnL>
-                    <a:lnR w="12700" cmpd="sng">
-                      <a:noFill/>
-                    </a:lnR>
-                    <a:lnT w="12700" cmpd="sng">
-                      <a:noFill/>
-                    </a:lnT>
-                    <a:lnB w="38100" cmpd="sng">
-                      <a:noFill/>
-                    </a:lnB>
-                    <a:lnTlToBr w="12700" cmpd="sng">
-                      <a:noFill/>
-                      <a:prstDash val="solid"/>
-                    </a:lnTlToBr>
-                    <a:lnBlToTr w="12700" cmpd="sng">
-                      <a:noFill/>
-                      <a:prstDash val="solid"/>
-                    </a:lnBlToTr>
-                  </a:tcPr>
-                </a:tc>
               </a:tr>
               <a:tr h="0">
                 <a:tc>
@@ -10284,30 +10256,10 @@
                     <a:lstStyle/>
                     <a:p>
                       <a:r>
-                        <a:rPr lang="en-AU" sz="1100" smtClean="0"/>
+                        <a:rPr lang="en-AU" sz="1100" dirty="0" smtClean="0"/>
                         <a:t>Exponential smoothing</a:t>
                       </a:r>
-                      <a:endParaRPr lang="en-AU" sz="1100"/>
-                    </a:p>
-                  </a:txBody>
-                  <a:tcPr>
-                    <a:lnT w="38100" cmpd="sng">
-                      <a:noFill/>
-                    </a:lnT>
-                  </a:tcPr>
-                </a:tc>
-                <a:tc>
-                  <a:txBody>
-                    <a:bodyPr/>
-                    <a:lstStyle/>
-                    <a:p>
-                      <a:r>
-                        <a:rPr lang="en-AU" sz="1100" smtClean="0"/>
-                        <a:t>linear</a:t>
-                      </a:r>
-                    </a:p>
-                    <a:p>
-                      <a:endParaRPr lang="en-AU" sz="1100"/>
+                      <a:endParaRPr lang="en-AU" sz="1100" dirty="0"/>
                     </a:p>
                   </a:txBody>
                   <a:tcPr>
@@ -10326,8 +10278,22 @@
                         <a:buChar char="•"/>
                       </a:pPr>
                       <a:r>
-                        <a:rPr lang="en-AU" sz="1100" smtClean="0"/>
-                        <a:t>deterministic</a:t>
+                        <a:rPr lang="en-AU" sz="1100" dirty="0" smtClean="0"/>
+                        <a:t>both linear</a:t>
+                      </a:r>
+                      <a:r>
+                        <a:rPr lang="en-AU" sz="1100" baseline="0" dirty="0" smtClean="0"/>
+                        <a:t> and non-linear</a:t>
+                      </a:r>
+                    </a:p>
+                    <a:p>
+                      <a:pPr marL="0" indent="0">
+                        <a:buFont typeface="Arial" charset="0"/>
+                        <a:buNone/>
+                      </a:pPr>
+                      <a:r>
+                        <a:rPr lang="en-AU" sz="1100" i="1" baseline="0" dirty="0" smtClean="0"/>
+                        <a:t>data requirements</a:t>
                       </a:r>
                     </a:p>
                     <a:p>
@@ -10336,8 +10302,8 @@
                         <a:buChar char="•"/>
                       </a:pPr>
                       <a:r>
-                        <a:rPr lang="en-AU" sz="1100" smtClean="0"/>
-                        <a:t>stationarity</a:t>
+                        <a:rPr lang="en-AU" sz="1100" dirty="0" smtClean="0"/>
+                        <a:t>deterministic</a:t>
                       </a:r>
                     </a:p>
                     <a:p>
@@ -10346,12 +10312,8 @@
                         <a:buChar char="•"/>
                       </a:pPr>
                       <a:r>
-                        <a:rPr lang="en-AU" sz="1100" smtClean="0"/>
-                        <a:t>small</a:t>
-                      </a:r>
-                      <a:r>
-                        <a:rPr lang="en-AU" sz="1100" baseline="0" smtClean="0"/>
-                        <a:t> quantity</a:t>
+                        <a:rPr lang="en-AU" sz="1100" dirty="0" smtClean="0"/>
+                        <a:t>stationarity</a:t>
                       </a:r>
                     </a:p>
                     <a:p>
@@ -10360,36 +10322,24 @@
                         <a:buChar char="•"/>
                       </a:pPr>
                       <a:r>
-                        <a:rPr lang="en-AU" sz="1100" baseline="0" smtClean="0"/>
-                        <a:t>continuity</a:t>
-                      </a:r>
-                      <a:endParaRPr lang="en-AU" sz="1100" smtClean="0"/>
-                    </a:p>
-                  </a:txBody>
-                  <a:tcPr>
-                    <a:lnT w="38100" cmpd="sng">
-                      <a:noFill/>
-                    </a:lnT>
-                  </a:tcPr>
-                </a:tc>
-                <a:tc>
-                  <a:txBody>
-                    <a:bodyPr/>
-                    <a:lstStyle/>
+                        <a:rPr lang="en-AU" sz="1100" dirty="0" smtClean="0"/>
+                        <a:t>small</a:t>
+                      </a:r>
+                      <a:r>
+                        <a:rPr lang="en-AU" sz="1100" baseline="0" dirty="0" smtClean="0"/>
+                        <a:t> quantity</a:t>
+                      </a:r>
+                    </a:p>
                     <a:p>
                       <a:pPr marL="171450" indent="-171450">
                         <a:buFont typeface="Arial" charset="0"/>
                         <a:buChar char="•"/>
                       </a:pPr>
                       <a:r>
-                        <a:rPr lang="en-AU" sz="1100" smtClean="0"/>
-                        <a:t>small</a:t>
-                      </a:r>
-                      <a:r>
-                        <a:rPr lang="en-AU" sz="1100" baseline="0" smtClean="0"/>
-                        <a:t> quantity of data needed</a:t>
-                      </a:r>
-                      <a:endParaRPr lang="en-AU" sz="1100"/>
+                        <a:rPr lang="en-AU" sz="1100" baseline="0" dirty="0" smtClean="0"/>
+                        <a:t>continuity</a:t>
+                      </a:r>
+                      <a:endParaRPr lang="en-AU" sz="1100" dirty="0" smtClean="0"/>
                     </a:p>
                   </a:txBody>
                   <a:tcPr>
@@ -10397,46 +10347,6 @@
                       <a:noFill/>
                     </a:lnT>
                   </a:tcPr>
-                </a:tc>
-                <a:tc>
-                  <a:txBody>
-                    <a:bodyPr/>
-                    <a:lstStyle/>
-                    <a:p>
-                      <a:endParaRPr lang="en-AU" sz="1100" dirty="0"/>
-                    </a:p>
-                  </a:txBody>
-                  <a:tcPr>
-                    <a:lnT w="38100" cmpd="sng">
-                      <a:noFill/>
-                    </a:lnT>
-                  </a:tcPr>
-                </a:tc>
-              </a:tr>
-              <a:tr h="0">
-                <a:tc>
-                  <a:txBody>
-                    <a:bodyPr/>
-                    <a:lstStyle/>
-                    <a:p>
-                      <a:r>
-                        <a:rPr lang="en-AU" sz="1100" smtClean="0"/>
-                        <a:t>ARIMA</a:t>
-                      </a:r>
-                      <a:endParaRPr lang="en-AU" sz="1100"/>
-                    </a:p>
-                  </a:txBody>
-                  <a:tcPr/>
-                </a:tc>
-                <a:tc>
-                  <a:txBody>
-                    <a:bodyPr/>
-                    <a:lstStyle/>
-                    <a:p>
-                      <a:endParaRPr lang="en-AU" sz="1100"/>
-                    </a:p>
-                  </a:txBody>
-                  <a:tcPr/>
                 </a:tc>
                 <a:tc>
                   <a:txBody>
@@ -10449,17 +10359,33 @@
                       </a:pPr>
                       <a:r>
                         <a:rPr lang="en-AU" sz="1100" smtClean="0"/>
-                        <a:t>stochastic</a:t>
-                      </a:r>
-                    </a:p>
+                        <a:t>small</a:t>
+                      </a:r>
+                      <a:r>
+                        <a:rPr lang="en-AU" sz="1100" baseline="0" smtClean="0"/>
+                        <a:t> quantity of data needed</a:t>
+                      </a:r>
+                      <a:endParaRPr lang="en-AU" sz="1100"/>
+                    </a:p>
+                  </a:txBody>
+                  <a:tcPr>
+                    <a:lnT w="38100" cmpd="sng">
+                      <a:noFill/>
+                    </a:lnT>
+                  </a:tcPr>
+                </a:tc>
+                <a:tc>
+                  <a:txBody>
+                    <a:bodyPr/>
+                    <a:lstStyle/>
                     <a:p>
                       <a:pPr marL="171450" indent="-171450">
                         <a:buFont typeface="Arial" charset="0"/>
                         <a:buChar char="•"/>
                       </a:pPr>
                       <a:r>
-                        <a:rPr lang="en-AU" sz="1100" smtClean="0"/>
-                        <a:t>non-stationarity</a:t>
+                        <a:rPr lang="en-AU" sz="1100" dirty="0" smtClean="0"/>
+                        <a:t>multivariate modelling is not possible</a:t>
                       </a:r>
                     </a:p>
                     <a:p>
@@ -10468,12 +10394,32 @@
                         <a:buChar char="•"/>
                       </a:pPr>
                       <a:r>
+                        <a:rPr lang="en-AU" sz="1100" dirty="0" smtClean="0"/>
+                        <a:t>Prediction</a:t>
+                      </a:r>
+                      <a:r>
+                        <a:rPr lang="en-AU" sz="1100" baseline="0" dirty="0" smtClean="0"/>
+                        <a:t> accuracy is low</a:t>
+                      </a:r>
+                      <a:endParaRPr lang="en-AU" sz="1100" dirty="0"/>
+                    </a:p>
+                  </a:txBody>
+                  <a:tcPr>
+                    <a:lnT w="38100" cmpd="sng">
+                      <a:noFill/>
+                    </a:lnT>
+                  </a:tcPr>
+                </a:tc>
+              </a:tr>
+              <a:tr h="0">
+                <a:tc>
+                  <a:txBody>
+                    <a:bodyPr/>
+                    <a:lstStyle/>
+                    <a:p>
+                      <a:r>
                         <a:rPr lang="en-AU" sz="1100" smtClean="0"/>
-                        <a:t>small</a:t>
-                      </a:r>
-                      <a:r>
-                        <a:rPr lang="en-AU" sz="1100" baseline="0" smtClean="0"/>
-                        <a:t> quantity</a:t>
+                        <a:t>ARIMA</a:t>
                       </a:r>
                       <a:endParaRPr lang="en-AU" sz="1100"/>
                     </a:p>
@@ -10490,18 +10436,25 @@
                         <a:buChar char="•"/>
                       </a:pPr>
                       <a:r>
-                        <a:rPr lang="en-AU" sz="1100" smtClean="0"/>
-                        <a:t>well established theoretical background</a:t>
-                      </a:r>
-                      <a:endParaRPr lang="en-AU" sz="1100"/>
-                    </a:p>
-                  </a:txBody>
-                  <a:tcPr/>
-                </a:tc>
-                <a:tc>
-                  <a:txBody>
-                    <a:bodyPr/>
-                    <a:lstStyle/>
+                        <a:rPr lang="en-AU" sz="1100" dirty="0" smtClean="0"/>
+                        <a:t>linear</a:t>
+                      </a:r>
+                      <a:endParaRPr lang="en-AU" sz="1100" dirty="0"/>
+                    </a:p>
+                    <a:p>
+                      <a:pPr marL="0" indent="0">
+                        <a:buFont typeface="Arial" charset="0"/>
+                        <a:buNone/>
+                      </a:pPr>
+                      <a:r>
+                        <a:rPr lang="en-AU" sz="1100" i="1" dirty="0" smtClean="0"/>
+                        <a:t>dat</a:t>
+                      </a:r>
+                      <a:r>
+                        <a:rPr lang="en-AU" sz="1100" i="1" baseline="0" dirty="0" smtClean="0"/>
+                        <a:t>a requirements</a:t>
+                      </a:r>
+                    </a:p>
                     <a:p>
                       <a:pPr marL="171450" indent="-171450">
                         <a:buFont typeface="Arial" charset="0"/>
@@ -10509,13 +10462,8 @@
                       </a:pPr>
                       <a:r>
                         <a:rPr lang="en-AU" sz="1100" dirty="0" smtClean="0"/>
-                        <a:t>focus</a:t>
-                      </a:r>
-                      <a:r>
-                        <a:rPr lang="en-AU" sz="1100" baseline="0" dirty="0" smtClean="0"/>
-                        <a:t> on mean, miss the extremes</a:t>
-                      </a:r>
-                      <a:endParaRPr lang="en-AU" sz="1100" dirty="0" smtClean="0"/>
+                        <a:t>stochastic</a:t>
+                      </a:r>
                     </a:p>
                     <a:p>
                       <a:pPr marL="171450" indent="-171450">
@@ -10524,112 +10472,23 @@
                       </a:pPr>
                       <a:r>
                         <a:rPr lang="en-AU" sz="1100" dirty="0" smtClean="0"/>
-                        <a:t>sensitive</a:t>
-                      </a:r>
-                      <a:r>
-                        <a:rPr lang="en-AU" sz="1100" baseline="0" dirty="0" smtClean="0"/>
-                        <a:t> to missing data</a:t>
-                      </a:r>
-                    </a:p>
-                  </a:txBody>
-                  <a:tcPr/>
-                </a:tc>
-              </a:tr>
-              <a:tr h="0">
-                <a:tc>
-                  <a:txBody>
-                    <a:bodyPr/>
-                    <a:lstStyle/>
-                    <a:p>
-                      <a:r>
-                        <a:rPr lang="en-AU" sz="1100" dirty="0" smtClean="0"/>
-                        <a:t>Kalman filtering</a:t>
-                      </a:r>
-                      <a:endParaRPr lang="en-AU" sz="1100" dirty="0"/>
-                    </a:p>
-                  </a:txBody>
-                  <a:tcPr/>
-                </a:tc>
-                <a:tc>
-                  <a:txBody>
-                    <a:bodyPr/>
-                    <a:lstStyle/>
-                    <a:p>
-                      <a:endParaRPr lang="en-AU" sz="1100"/>
-                    </a:p>
-                  </a:txBody>
-                  <a:tcPr/>
-                </a:tc>
-                <a:tc>
-                  <a:txBody>
-                    <a:bodyPr/>
-                    <a:lstStyle/>
-                    <a:p>
-                      <a:endParaRPr lang="en-AU" sz="1100"/>
-                    </a:p>
-                  </a:txBody>
-                  <a:tcPr/>
-                </a:tc>
-                <a:tc>
-                  <a:txBody>
-                    <a:bodyPr/>
-                    <a:lstStyle/>
+                        <a:t>non-stationarity</a:t>
+                      </a:r>
+                    </a:p>
                     <a:p>
                       <a:pPr marL="171450" indent="-171450">
                         <a:buFont typeface="Arial" charset="0"/>
                         <a:buChar char="•"/>
                       </a:pPr>
                       <a:r>
-                        <a:rPr lang="en-AU" sz="1100" smtClean="0"/>
-                        <a:t>multivariate modelling</a:t>
-                      </a:r>
-                      <a:endParaRPr lang="en-AU" sz="1100"/>
-                    </a:p>
-                  </a:txBody>
-                  <a:tcPr/>
-                </a:tc>
-                <a:tc>
-                  <a:txBody>
-                    <a:bodyPr/>
-                    <a:lstStyle/>
-                    <a:p>
-                      <a:endParaRPr lang="en-AU" sz="1100"/>
-                    </a:p>
-                  </a:txBody>
-                  <a:tcPr/>
-                </a:tc>
-              </a:tr>
-              <a:tr h="0">
-                <a:tc>
-                  <a:txBody>
-                    <a:bodyPr/>
-                    <a:lstStyle/>
-                    <a:p>
-                      <a:r>
-                        <a:rPr lang="en-AU" sz="1100" smtClean="0"/>
-                        <a:t>Nearest neighbour</a:t>
-                      </a:r>
-                      <a:endParaRPr lang="en-AU" sz="1100"/>
-                    </a:p>
-                  </a:txBody>
-                  <a:tcPr/>
-                </a:tc>
-                <a:tc>
-                  <a:txBody>
-                    <a:bodyPr/>
-                    <a:lstStyle/>
-                    <a:p>
-                      <a:endParaRPr lang="en-AU" sz="1100"/>
-                    </a:p>
-                  </a:txBody>
-                  <a:tcPr/>
-                </a:tc>
-                <a:tc>
-                  <a:txBody>
-                    <a:bodyPr/>
-                    <a:lstStyle/>
-                    <a:p>
-                      <a:endParaRPr lang="en-AU" sz="1100"/>
+                        <a:rPr lang="en-AU" sz="1100" dirty="0" smtClean="0"/>
+                        <a:t>small</a:t>
+                      </a:r>
+                      <a:r>
+                        <a:rPr lang="en-AU" sz="1100" baseline="0" dirty="0" smtClean="0"/>
+                        <a:t> quantity</a:t>
+                      </a:r>
+                      <a:endParaRPr lang="en-AU" sz="1100" dirty="0" smtClean="0"/>
                     </a:p>
                   </a:txBody>
                   <a:tcPr/>
@@ -10644,17 +10503,45 @@
                         <a:buChar char="•"/>
                       </a:pPr>
                       <a:r>
+                        <a:rPr lang="en-AU" sz="1100" smtClean="0"/>
+                        <a:t>well established theoretical background</a:t>
+                      </a:r>
+                      <a:endParaRPr lang="en-AU" sz="1100"/>
+                    </a:p>
+                  </a:txBody>
+                  <a:tcPr/>
+                </a:tc>
+                <a:tc>
+                  <a:txBody>
+                    <a:bodyPr/>
+                    <a:lstStyle/>
+                    <a:p>
+                      <a:pPr marL="171450" marR="0" indent="-171450" algn="l" defTabSz="914400" rtl="0" eaLnBrk="1" fontAlgn="auto" latinLnBrk="0" hangingPunct="1">
+                        <a:lnSpc>
+                          <a:spcPct val="100000"/>
+                        </a:lnSpc>
+                        <a:spcBef>
+                          <a:spcPts val="0"/>
+                        </a:spcBef>
+                        <a:spcAft>
+                          <a:spcPts val="0"/>
+                        </a:spcAft>
+                        <a:buClrTx/>
+                        <a:buSzTx/>
+                        <a:buFont typeface="Arial" charset="0"/>
+                        <a:buChar char="•"/>
+                        <a:tabLst/>
+                        <a:defRPr/>
+                      </a:pPr>
+                      <a:r>
                         <a:rPr lang="en-AU" sz="1100" dirty="0" smtClean="0"/>
-                        <a:t>simple</a:t>
+                        <a:t>focus</a:t>
                       </a:r>
                       <a:r>
                         <a:rPr lang="en-AU" sz="1100" baseline="0" dirty="0" smtClean="0"/>
-                        <a:t> model </a:t>
-                      </a:r>
-                      <a:r>
-                        <a:rPr lang="en-AU" sz="1100" baseline="0" dirty="0" smtClean="0"/>
-                        <a:t>structure</a:t>
-                      </a:r>
+                        <a:t> on mean, miss the extremes, , the accuracy is low for extremes.</a:t>
+                      </a:r>
+                      <a:endParaRPr lang="en-AU" sz="1100" dirty="0" smtClean="0"/>
                     </a:p>
                     <a:p>
                       <a:pPr marL="171450" indent="-171450">
@@ -10662,18 +10549,111 @@
                         <a:buChar char="•"/>
                       </a:pPr>
                       <a:r>
+                        <a:rPr lang="en-AU" sz="1100" dirty="0" smtClean="0"/>
+                        <a:t>sensitive</a:t>
+                      </a:r>
+                      <a:r>
                         <a:rPr lang="en-AU" sz="1100" baseline="0" dirty="0" smtClean="0"/>
-                        <a:t>multivariate modelling</a:t>
-                      </a:r>
-                    </a:p>
+                        <a:t> to missing data</a:t>
+                      </a:r>
+                    </a:p>
+                  </a:txBody>
+                  <a:tcPr/>
+                </a:tc>
+              </a:tr>
+              <a:tr h="0">
+                <a:tc>
+                  <a:txBody>
+                    <a:bodyPr/>
+                    <a:lstStyle/>
+                    <a:p>
+                      <a:r>
+                        <a:rPr lang="en-AU" sz="1100" dirty="0" smtClean="0"/>
+                        <a:t>Kalman filtering</a:t>
+                      </a:r>
+                      <a:endParaRPr lang="en-AU" sz="1100" dirty="0"/>
+                    </a:p>
+                  </a:txBody>
+                  <a:tcPr/>
+                </a:tc>
+                <a:tc>
+                  <a:txBody>
+                    <a:bodyPr/>
+                    <a:lstStyle/>
+                    <a:p>
+                      <a:pPr marL="0" marR="0" indent="0" algn="l" defTabSz="914400" rtl="0" eaLnBrk="1" fontAlgn="auto" latinLnBrk="0" hangingPunct="1">
+                        <a:lnSpc>
+                          <a:spcPct val="100000"/>
+                        </a:lnSpc>
+                        <a:spcBef>
+                          <a:spcPts val="0"/>
+                        </a:spcBef>
+                        <a:spcAft>
+                          <a:spcPts val="0"/>
+                        </a:spcAft>
+                        <a:buClrTx/>
+                        <a:buSzTx/>
+                        <a:buFont typeface="Arial" charset="0"/>
+                        <a:buNone/>
+                        <a:tabLst/>
+                        <a:defRPr/>
+                      </a:pPr>
+                      <a:r>
+                        <a:rPr lang="en-AU" sz="1100" i="1" dirty="0" smtClean="0"/>
+                        <a:t>dat</a:t>
+                      </a:r>
+                      <a:r>
+                        <a:rPr lang="en-AU" sz="1100" i="1" baseline="0" dirty="0" smtClean="0"/>
+                        <a:t>a requirements</a:t>
+                      </a:r>
+                      <a:endParaRPr lang="en-AU" sz="1100" dirty="0" smtClean="0"/>
+                    </a:p>
+                    <a:p>
+                      <a:pPr marL="171450" marR="0" indent="-171450" algn="l" defTabSz="914400" rtl="0" eaLnBrk="1" fontAlgn="auto" latinLnBrk="0" hangingPunct="1">
+                        <a:lnSpc>
+                          <a:spcPct val="100000"/>
+                        </a:lnSpc>
+                        <a:spcBef>
+                          <a:spcPts val="0"/>
+                        </a:spcBef>
+                        <a:spcAft>
+                          <a:spcPts val="0"/>
+                        </a:spcAft>
+                        <a:buClrTx/>
+                        <a:buSzTx/>
+                        <a:buFont typeface="Arial" charset="0"/>
+                        <a:buChar char="•"/>
+                        <a:tabLst/>
+                        <a:defRPr/>
+                      </a:pPr>
+                      <a:r>
+                        <a:rPr lang="en-AU" sz="1100" dirty="0" smtClean="0"/>
+                        <a:t>stochastic</a:t>
+                      </a:r>
+                      <a:r>
+                        <a:rPr lang="en-AU" sz="1100" baseline="0" dirty="0" smtClean="0"/>
+                        <a:t> Gaussian</a:t>
+                      </a:r>
+                      <a:endParaRPr lang="en-AU" sz="1100" dirty="0" smtClean="0"/>
+                    </a:p>
+                    <a:p>
+                      <a:endParaRPr lang="en-AU" sz="1100" dirty="0"/>
+                    </a:p>
+                  </a:txBody>
+                  <a:tcPr/>
+                </a:tc>
+                <a:tc>
+                  <a:txBody>
+                    <a:bodyPr/>
+                    <a:lstStyle/>
                     <a:p>
                       <a:pPr marL="171450" indent="-171450">
                         <a:buFont typeface="Arial" charset="0"/>
                         <a:buChar char="•"/>
                       </a:pPr>
                       <a:r>
-                        <a:rPr lang="en-AU" sz="1100" baseline="0" dirty="0" smtClean="0"/>
-                        <a:t>robustness to missing data</a:t>
+                        <a:rPr lang="en-AU" sz="1100" dirty="0" smtClean="0"/>
+                        <a:t>multivariate modelling</a:t>
                       </a:r>
                       <a:endParaRPr lang="en-AU" sz="1100" dirty="0"/>
                     </a:p>
@@ -10685,7 +10665,7 @@
                     <a:bodyPr/>
                     <a:lstStyle/>
                     <a:p>
-                      <a:endParaRPr lang="en-AU" sz="1100" dirty="0"/>
+                      <a:endParaRPr lang="en-AU" sz="1100"/>
                     </a:p>
                   </a:txBody>
                   <a:tcPr/>
@@ -10699,28 +10679,8 @@
                     <a:p>
                       <a:r>
                         <a:rPr lang="en-AU" sz="1100" smtClean="0"/>
-                        <a:t>Neural networks</a:t>
-                      </a:r>
-                      <a:endParaRPr lang="en-AU" sz="1100"/>
-                    </a:p>
-                  </a:txBody>
-                  <a:tcPr/>
-                </a:tc>
-                <a:tc>
-                  <a:txBody>
-                    <a:bodyPr/>
-                    <a:lstStyle/>
-                    <a:p>
-                      <a:endParaRPr lang="en-AU" sz="1100"/>
-                    </a:p>
-                  </a:txBody>
-                  <a:tcPr/>
-                </a:tc>
-                <a:tc>
-                  <a:txBody>
-                    <a:bodyPr/>
-                    <a:lstStyle/>
-                    <a:p>
+                        <a:t>Nearest neighbour</a:t>
+                      </a:r>
                       <a:endParaRPr lang="en-AU" sz="1100"/>
                     </a:p>
                   </a:txBody>
@@ -10737,9 +10697,17 @@
                       </a:pPr>
                       <a:r>
                         <a:rPr lang="en-AU" sz="1100" dirty="0" smtClean="0"/>
-                        <a:t>able to map complex tempo-spatial relationships</a:t>
-                      </a:r>
-                    </a:p>
+                        <a:t>non-linear</a:t>
+                      </a:r>
+                      <a:endParaRPr lang="en-AU" sz="1100" dirty="0"/>
+                    </a:p>
+                  </a:txBody>
+                  <a:tcPr/>
+                </a:tc>
+                <a:tc>
+                  <a:txBody>
+                    <a:bodyPr/>
+                    <a:lstStyle/>
                     <a:p>
                       <a:pPr marL="171450" indent="-171450">
                         <a:buFont typeface="Arial" charset="0"/>
@@ -10747,11 +10715,15 @@
                       </a:pPr>
                       <a:r>
                         <a:rPr lang="en-AU" sz="1100" dirty="0" smtClean="0"/>
-                        <a:t>multivariate</a:t>
+                        <a:t>simple</a:t>
                       </a:r>
                       <a:r>
                         <a:rPr lang="en-AU" sz="1100" baseline="0" dirty="0" smtClean="0"/>
-                        <a:t> modelling</a:t>
+                        <a:t> model </a:t>
+                      </a:r>
+                      <a:r>
+                        <a:rPr lang="en-AU" sz="1100" baseline="0" dirty="0" smtClean="0"/>
+                        <a:t>structure</a:t>
                       </a:r>
                     </a:p>
                     <a:p>
@@ -10761,11 +10733,7 @@
                       </a:pPr>
                       <a:r>
                         <a:rPr lang="en-AU" sz="1100" baseline="0" dirty="0" smtClean="0"/>
-                        <a:t>accurate multistep-ahead </a:t>
-                      </a:r>
-                      <a:r>
-                        <a:rPr lang="en-AU" sz="1100" baseline="0" dirty="0" smtClean="0"/>
-                        <a:t>predictions</a:t>
+                        <a:t>multivariate modelling</a:t>
                       </a:r>
                     </a:p>
                     <a:p>
@@ -10787,14 +10755,6 @@
                     <a:bodyPr/>
                     <a:lstStyle/>
                     <a:p>
-                      <a:r>
-                        <a:rPr lang="en-AU" sz="1100" dirty="0" smtClean="0"/>
-                        <a:t>data and computation </a:t>
-                      </a:r>
-                      <a:r>
-                        <a:rPr lang="en-AU" sz="1100" dirty="0" smtClean="0"/>
-                        <a:t>intensive</a:t>
-                      </a:r>
                       <a:endParaRPr lang="en-AU" sz="1100" dirty="0"/>
                     </a:p>
                   </a:txBody>
@@ -10808,29 +10768,9 @@
                     <a:lstStyle/>
                     <a:p>
                       <a:r>
-                        <a:rPr lang="en-AU" sz="1100" dirty="0" smtClean="0"/>
-                        <a:t>Bayesian networks</a:t>
-                      </a:r>
-                      <a:endParaRPr lang="en-AU" sz="1100" dirty="0"/>
-                    </a:p>
-                  </a:txBody>
-                  <a:tcPr/>
-                </a:tc>
-                <a:tc>
-                  <a:txBody>
-                    <a:bodyPr/>
-                    <a:lstStyle/>
-                    <a:p>
-                      <a:endParaRPr lang="en-AU" sz="1100"/>
-                    </a:p>
-                  </a:txBody>
-                  <a:tcPr/>
-                </a:tc>
-                <a:tc>
-                  <a:txBody>
-                    <a:bodyPr/>
-                    <a:lstStyle/>
-                    <a:p>
+                        <a:rPr lang="en-AU" sz="1100" smtClean="0"/>
+                        <a:t>Neural networks</a:t>
+                      </a:r>
                       <a:endParaRPr lang="en-AU" sz="1100"/>
                     </a:p>
                   </a:txBody>
@@ -10847,12 +10787,64 @@
                       </a:pPr>
                       <a:r>
                         <a:rPr lang="en-AU" sz="1100" dirty="0" smtClean="0"/>
+                        <a:t>non-linear</a:t>
+                      </a:r>
+                      <a:endParaRPr lang="en-AU" sz="1100" dirty="0"/>
+                    </a:p>
+                  </a:txBody>
+                  <a:tcPr/>
+                </a:tc>
+                <a:tc>
+                  <a:txBody>
+                    <a:bodyPr/>
+                    <a:lstStyle/>
+                    <a:p>
+                      <a:pPr marL="171450" indent="-171450">
+                        <a:buFont typeface="Arial" charset="0"/>
+                        <a:buChar char="•"/>
+                      </a:pPr>
+                      <a:r>
+                        <a:rPr lang="en-AU" sz="1100" dirty="0" smtClean="0"/>
+                        <a:t>able to map complex tempo-spatial relationships</a:t>
+                      </a:r>
+                    </a:p>
+                    <a:p>
+                      <a:pPr marL="171450" indent="-171450">
+                        <a:buFont typeface="Arial" charset="0"/>
+                        <a:buChar char="•"/>
+                      </a:pPr>
+                      <a:r>
+                        <a:rPr lang="en-AU" sz="1100" dirty="0" smtClean="0"/>
                         <a:t>multivariate</a:t>
                       </a:r>
                       <a:r>
                         <a:rPr lang="en-AU" sz="1100" baseline="0" dirty="0" smtClean="0"/>
                         <a:t> modelling</a:t>
                       </a:r>
+                    </a:p>
+                    <a:p>
+                      <a:pPr marL="171450" indent="-171450">
+                        <a:buFont typeface="Arial" charset="0"/>
+                        <a:buChar char="•"/>
+                      </a:pPr>
+                      <a:r>
+                        <a:rPr lang="en-AU" sz="1100" baseline="0" dirty="0" smtClean="0"/>
+                        <a:t>accurate multistep-ahead </a:t>
+                      </a:r>
+                      <a:r>
+                        <a:rPr lang="en-AU" sz="1100" baseline="0" dirty="0" smtClean="0"/>
+                        <a:t>predictions</a:t>
+                      </a:r>
+                    </a:p>
+                    <a:p>
+                      <a:pPr marL="171450" indent="-171450">
+                        <a:buFont typeface="Arial" charset="0"/>
+                        <a:buChar char="•"/>
+                      </a:pPr>
+                      <a:r>
+                        <a:rPr lang="en-AU" sz="1100" baseline="0" dirty="0" smtClean="0"/>
+                        <a:t>robustness to missing data</a:t>
+                      </a:r>
                       <a:endParaRPr lang="en-AU" sz="1100" dirty="0"/>
                     </a:p>
                   </a:txBody>
@@ -10863,7 +10855,14 @@
                     <a:bodyPr/>
                     <a:lstStyle/>
                     <a:p>
-                      <a:endParaRPr lang="en-AU" sz="1100" dirty="0"/>
+                      <a:pPr marL="171450" indent="-171450">
+                        <a:buFont typeface="Arial" charset="0"/>
+                        <a:buChar char="•"/>
+                      </a:pPr>
+                      <a:r>
+                        <a:rPr lang="en-AU" sz="1100" dirty="0" smtClean="0"/>
+                        <a:t>data and computation intensive</a:t>
+                      </a:r>
                     </a:p>
                   </a:txBody>
                   <a:tcPr/>
@@ -10876,6 +10875,109 @@
                     <a:lstStyle/>
                     <a:p>
                       <a:r>
+                        <a:rPr lang="en-AU" sz="1100" dirty="0" smtClean="0"/>
+                        <a:t>Bayesian networks</a:t>
+                      </a:r>
+                      <a:endParaRPr lang="en-AU" sz="1100" dirty="0"/>
+                    </a:p>
+                  </a:txBody>
+                  <a:tcPr/>
+                </a:tc>
+                <a:tc>
+                  <a:txBody>
+                    <a:bodyPr/>
+                    <a:lstStyle/>
+                    <a:p>
+                      <a:endParaRPr lang="en-AU" sz="1100"/>
+                    </a:p>
+                  </a:txBody>
+                  <a:tcPr/>
+                </a:tc>
+                <a:tc>
+                  <a:txBody>
+                    <a:bodyPr/>
+                    <a:lstStyle/>
+                    <a:p>
+                      <a:pPr marL="171450" indent="-171450">
+                        <a:buFont typeface="Arial" charset="0"/>
+                        <a:buChar char="•"/>
+                      </a:pPr>
+                      <a:r>
+                        <a:rPr lang="en-AU" sz="1100" dirty="0" smtClean="0"/>
+                        <a:t>multivariate</a:t>
+                      </a:r>
+                      <a:r>
+                        <a:rPr lang="en-AU" sz="1100" baseline="0" dirty="0" smtClean="0"/>
+                        <a:t> modelling</a:t>
+                      </a:r>
+                    </a:p>
+                    <a:p>
+                      <a:pPr marL="171450" marR="0" indent="-171450" algn="l" defTabSz="914400" rtl="0" eaLnBrk="1" fontAlgn="auto" latinLnBrk="0" hangingPunct="1">
+                        <a:lnSpc>
+                          <a:spcPct val="100000"/>
+                        </a:lnSpc>
+                        <a:spcBef>
+                          <a:spcPts val="0"/>
+                        </a:spcBef>
+                        <a:spcAft>
+                          <a:spcPts val="0"/>
+                        </a:spcAft>
+                        <a:buClrTx/>
+                        <a:buSzTx/>
+                        <a:buFont typeface="Arial" charset="0"/>
+                        <a:buChar char="•"/>
+                        <a:tabLst/>
+                        <a:defRPr/>
+                      </a:pPr>
+                      <a:r>
+                        <a:rPr lang="en-AU" sz="1100" baseline="0" dirty="0" smtClean="0"/>
+                        <a:t>robustness to missing data</a:t>
+                      </a:r>
+                      <a:endParaRPr lang="en-AU" sz="1100" dirty="0" smtClean="0"/>
+                    </a:p>
+                  </a:txBody>
+                  <a:tcPr/>
+                </a:tc>
+                <a:tc>
+                  <a:txBody>
+                    <a:bodyPr/>
+                    <a:lstStyle/>
+                    <a:p>
+                      <a:pPr marL="171450" indent="-171450">
+                        <a:buFont typeface="Arial" charset="0"/>
+                        <a:buChar char="•"/>
+                      </a:pPr>
+                      <a:r>
+                        <a:rPr lang="en-AU" sz="1100" dirty="0" smtClean="0"/>
+                        <a:t>computational</a:t>
+                      </a:r>
+                      <a:r>
+                        <a:rPr lang="en-AU" sz="1100" baseline="0" dirty="0" smtClean="0"/>
+                        <a:t> difficulty</a:t>
+                      </a:r>
+                    </a:p>
+                    <a:p>
+                      <a:pPr marL="171450" indent="-171450">
+                        <a:buFont typeface="Arial" charset="0"/>
+                        <a:buChar char="•"/>
+                      </a:pPr>
+                      <a:r>
+                        <a:rPr lang="en-AU" sz="1100" baseline="0" dirty="0" smtClean="0"/>
+                        <a:t>relies on the quality of prior knowledge</a:t>
+                      </a:r>
+                      <a:endParaRPr lang="en-AU" sz="1100" dirty="0"/>
+                    </a:p>
+                  </a:txBody>
+                  <a:tcPr/>
+                </a:tc>
+              </a:tr>
+              <a:tr h="0">
+                <a:tc>
+                  <a:txBody>
+                    <a:bodyPr/>
+                    <a:lstStyle/>
+                    <a:p>
+                      <a:r>
                         <a:rPr lang="en-AU" sz="1100" smtClean="0"/>
                         <a:t>Support vector</a:t>
                       </a:r>
@@ -10893,7 +10995,35 @@
                     <a:bodyPr/>
                     <a:lstStyle/>
                     <a:p>
-                      <a:endParaRPr lang="en-AU" sz="1100"/>
+                      <a:pPr marL="171450" marR="0" indent="-171450" algn="l" defTabSz="914400" rtl="0" eaLnBrk="1" fontAlgn="auto" latinLnBrk="0" hangingPunct="1">
+                        <a:lnSpc>
+                          <a:spcPct val="100000"/>
+                        </a:lnSpc>
+                        <a:spcBef>
+                          <a:spcPts val="0"/>
+                        </a:spcBef>
+                        <a:spcAft>
+                          <a:spcPts val="0"/>
+                        </a:spcAft>
+                        <a:buClrTx/>
+                        <a:buSzTx/>
+                        <a:buFont typeface="Arial" charset="0"/>
+                        <a:buChar char="•"/>
+                        <a:tabLst/>
+                        <a:defRPr/>
+                      </a:pPr>
+                      <a:r>
+                        <a:rPr lang="en-AU" sz="1100" dirty="0" smtClean="0"/>
+                        <a:t>both linear</a:t>
+                      </a:r>
+                      <a:r>
+                        <a:rPr lang="en-AU" sz="1100" baseline="0" dirty="0" smtClean="0"/>
+                        <a:t> and non-linear</a:t>
+                      </a:r>
+                      <a:endParaRPr lang="en-AU" sz="1100" dirty="0" smtClean="0"/>
+                    </a:p>
+                    <a:p>
+                      <a:endParaRPr lang="en-AU" sz="1100" dirty="0"/>
                     </a:p>
                   </a:txBody>
                   <a:tcPr/>
@@ -10903,7 +11033,15 @@
                     <a:bodyPr/>
                     <a:lstStyle/>
                     <a:p>
-                      <a:endParaRPr lang="en-AU" sz="1100"/>
+                      <a:pPr marL="171450" indent="-171450">
+                        <a:buFont typeface="Arial" charset="0"/>
+                        <a:buChar char="•"/>
+                      </a:pPr>
+                      <a:r>
+                        <a:rPr lang="en-AU" sz="1100" dirty="0" smtClean="0"/>
+                        <a:t>can model high dimensional data</a:t>
+                      </a:r>
+                      <a:endParaRPr lang="en-AU" sz="1100" dirty="0"/>
                     </a:p>
                   </a:txBody>
                   <a:tcPr/>
@@ -10913,16 +11051,18 @@
                     <a:bodyPr/>
                     <a:lstStyle/>
                     <a:p>
-                      <a:endParaRPr lang="en-AU" sz="1100"/>
-                    </a:p>
-                  </a:txBody>
-                  <a:tcPr/>
-                </a:tc>
-                <a:tc>
-                  <a:txBody>
-                    <a:bodyPr/>
-                    <a:lstStyle/>
-                    <a:p>
+                      <a:pPr marL="171450" indent="-171450">
+                        <a:buFont typeface="Arial" charset="0"/>
+                        <a:buChar char="•"/>
+                      </a:pPr>
+                      <a:r>
+                        <a:rPr lang="en-AU" sz="1100" dirty="0" smtClean="0"/>
+                        <a:t>computational</a:t>
+                      </a:r>
+                      <a:r>
+                        <a:rPr lang="en-AU" sz="1100" baseline="0" dirty="0" smtClean="0"/>
+                        <a:t> intensive</a:t>
+                      </a:r>
                       <a:endParaRPr lang="en-AU" sz="1100" dirty="0"/>
                     </a:p>
                   </a:txBody>
@@ -10980,14 +11120,14 @@
             <p:ph idx="1"/>
             <p:extLst>
               <p:ext uri="{D42A27DB-BD31-4B8C-83A1-F6EECF244321}">
-                <p14:modId xmlns:p14="http://schemas.microsoft.com/office/powerpoint/2010/main" val="124551257"/>
+                <p14:modId xmlns:p14="http://schemas.microsoft.com/office/powerpoint/2010/main" val="327677383"/>
               </p:ext>
             </p:extLst>
           </p:nvPr>
         </p:nvGraphicFramePr>
         <p:xfrm>
           <a:off x="1194604" y="492129"/>
-          <a:ext cx="8071448" cy="3710592"/>
+          <a:ext cx="8071448" cy="4096869"/>
         </p:xfrm>
         <a:graphic>
           <a:graphicData uri="http://schemas.openxmlformats.org/drawingml/2006/table">
@@ -11904,7 +12044,7 @@
                       <a:pPr algn="ctr"/>
                       <a:r>
                         <a:rPr lang="en-AU" sz="1100" dirty="0" smtClean="0"/>
-                        <a:t>22.98</a:t>
+                        <a:t>22.90</a:t>
                       </a:r>
                       <a:endParaRPr lang="en-AU" sz="1100" dirty="0"/>
                     </a:p>
@@ -11923,7 +12063,7 @@
                       <a:pPr algn="ctr"/>
                       <a:r>
                         <a:rPr lang="en-AU" sz="1100" dirty="0" smtClean="0"/>
-                        <a:t>44.87</a:t>
+                        <a:t>44.67</a:t>
                       </a:r>
                       <a:endParaRPr lang="en-AU" sz="1100" dirty="0"/>
                     </a:p>
@@ -11942,7 +12082,7 @@
                       <a:pPr algn="ctr"/>
                       <a:r>
                         <a:rPr lang="en-AU" sz="1100" dirty="0" smtClean="0"/>
-                        <a:t>71.35</a:t>
+                        <a:t>70.25</a:t>
                       </a:r>
                       <a:endParaRPr lang="en-AU" sz="1100" dirty="0"/>
                     </a:p>
@@ -11961,7 +12101,7 @@
                       <a:pPr algn="ctr"/>
                       <a:r>
                         <a:rPr lang="en-AU" sz="1100" dirty="0" smtClean="0"/>
-                        <a:t>33.15</a:t>
+                        <a:t>33.07</a:t>
                       </a:r>
                       <a:endParaRPr lang="en-AU" sz="1100" dirty="0"/>
                     </a:p>
@@ -11980,7 +12120,7 @@
                       <a:pPr algn="ctr"/>
                       <a:r>
                         <a:rPr lang="en-AU" sz="1100" dirty="0" smtClean="0"/>
-                        <a:t>65.62</a:t>
+                        <a:t>65.24</a:t>
                       </a:r>
                       <a:endParaRPr lang="en-AU" sz="1100" dirty="0"/>
                     </a:p>
@@ -11999,7 +12139,7 @@
                       <a:pPr algn="ctr"/>
                       <a:r>
                         <a:rPr lang="en-AU" sz="1100" dirty="0" smtClean="0"/>
-                        <a:t>104.70</a:t>
+                        <a:t>103.20</a:t>
                       </a:r>
                       <a:endParaRPr lang="en-AU" sz="1100" dirty="0"/>
                     </a:p>
@@ -12018,7 +12158,7 @@
                       <a:pPr algn="ctr"/>
                       <a:r>
                         <a:rPr lang="en-AU" sz="1100" dirty="0" smtClean="0"/>
-                        <a:t>13.75</a:t>
+                        <a:t>13.62</a:t>
                       </a:r>
                       <a:endParaRPr lang="en-AU" sz="1100" dirty="0"/>
                     </a:p>
@@ -12037,7 +12177,7 @@
                       <a:pPr algn="ctr"/>
                       <a:r>
                         <a:rPr lang="en-AU" sz="1100" dirty="0" smtClean="0"/>
-                        <a:t>14.05</a:t>
+                        <a:t>13.83</a:t>
                       </a:r>
                       <a:endParaRPr lang="en-AU" sz="1100" dirty="0"/>
                     </a:p>
@@ -12056,7 +12196,7 @@
                       <a:pPr algn="ctr"/>
                       <a:r>
                         <a:rPr lang="en-AU" sz="1100" dirty="0" smtClean="0"/>
-                        <a:t>15.74</a:t>
+                        <a:t>15.24</a:t>
                       </a:r>
                       <a:endParaRPr lang="en-AU" sz="1100" dirty="0"/>
                     </a:p>
@@ -12095,7 +12235,7 @@
                       <a:pPr algn="ctr"/>
                       <a:r>
                         <a:rPr lang="en-AU" sz="1100" dirty="0" smtClean="0"/>
-                        <a:t>52.73</a:t>
+                        <a:t>53.10</a:t>
                       </a:r>
                       <a:endParaRPr lang="en-AU" sz="1100" dirty="0"/>
                     </a:p>
@@ -12110,7 +12250,7 @@
                       <a:pPr algn="ctr"/>
                       <a:r>
                         <a:rPr lang="en-AU" sz="1100" dirty="0" smtClean="0"/>
-                        <a:t>101</a:t>
+                        <a:t>101.80</a:t>
                       </a:r>
                       <a:endParaRPr lang="en-AU" sz="1100" dirty="0"/>
                     </a:p>
@@ -12125,7 +12265,7 @@
                       <a:pPr algn="ctr"/>
                       <a:r>
                         <a:rPr lang="en-AU" sz="1100" dirty="0" smtClean="0"/>
-                        <a:t>148.2</a:t>
+                        <a:t>149.40</a:t>
                       </a:r>
                       <a:endParaRPr lang="en-AU" sz="1100" dirty="0"/>
                     </a:p>
@@ -12140,7 +12280,7 @@
                       <a:pPr algn="ctr"/>
                       <a:r>
                         <a:rPr lang="en-AU" sz="1100" dirty="0" smtClean="0"/>
-                        <a:t>78.59</a:t>
+                        <a:t>78.80</a:t>
                       </a:r>
                       <a:endParaRPr lang="en-AU" sz="1100" dirty="0"/>
                     </a:p>
@@ -12155,7 +12295,7 @@
                       <a:pPr algn="ctr"/>
                       <a:r>
                         <a:rPr lang="en-AU" sz="1100" dirty="0" smtClean="0"/>
-                        <a:t>154</a:t>
+                        <a:t>154.40</a:t>
                       </a:r>
                       <a:endParaRPr lang="en-AU" sz="1100" dirty="0"/>
                     </a:p>
@@ -12170,7 +12310,7 @@
                       <a:pPr algn="ctr"/>
                       <a:r>
                         <a:rPr lang="en-AU" sz="1100" dirty="0" smtClean="0"/>
-                        <a:t>228.8</a:t>
+                        <a:t>229.40</a:t>
                       </a:r>
                       <a:endParaRPr lang="en-AU" sz="1100" dirty="0"/>
                     </a:p>
@@ -12185,7 +12325,7 @@
                       <a:pPr algn="ctr"/>
                       <a:r>
                         <a:rPr lang="en-AU" sz="1100" dirty="0" smtClean="0"/>
-                        <a:t>28.63</a:t>
+                        <a:t>29.00</a:t>
                       </a:r>
                       <a:endParaRPr lang="en-AU" sz="1100" dirty="0"/>
                     </a:p>
@@ -12200,7 +12340,7 @@
                       <a:pPr algn="ctr"/>
                       <a:r>
                         <a:rPr lang="en-AU" sz="1100" dirty="0" smtClean="0"/>
-                        <a:t>27.54</a:t>
+                        <a:t>27.91</a:t>
                       </a:r>
                       <a:endParaRPr lang="en-AU" sz="1100" dirty="0"/>
                     </a:p>
@@ -12215,7 +12355,7 @@
                       <a:pPr algn="ctr"/>
                       <a:r>
                         <a:rPr lang="en-AU" sz="1100" dirty="0" smtClean="0"/>
-                        <a:t>27.11</a:t>
+                        <a:t>27.50</a:t>
                       </a:r>
                       <a:endParaRPr lang="en-AU" sz="1100" dirty="0"/>
                     </a:p>
@@ -12246,7 +12386,7 @@
                       <a:pPr algn="ctr"/>
                       <a:r>
                         <a:rPr lang="en-AU" sz="1100" dirty="0" smtClean="0"/>
-                        <a:t>21.20</a:t>
+                        <a:t>21.14</a:t>
                       </a:r>
                       <a:endParaRPr lang="en-AU" sz="1100" dirty="0"/>
                     </a:p>
@@ -12261,7 +12401,7 @@
                       <a:pPr algn="ctr"/>
                       <a:r>
                         <a:rPr lang="en-AU" sz="1100" dirty="0" smtClean="0"/>
-                        <a:t>39.76</a:t>
+                        <a:t>39.61</a:t>
                       </a:r>
                       <a:endParaRPr lang="en-AU" sz="1100" dirty="0"/>
                     </a:p>
@@ -12276,7 +12416,7 @@
                       <a:pPr algn="ctr"/>
                       <a:r>
                         <a:rPr lang="en-AU" sz="1100" dirty="0" smtClean="0"/>
-                        <a:t>62.85</a:t>
+                        <a:t>62.09</a:t>
                       </a:r>
                       <a:endParaRPr lang="en-AU" sz="1100" dirty="0"/>
                     </a:p>
@@ -12291,7 +12431,7 @@
                       <a:pPr algn="ctr"/>
                       <a:r>
                         <a:rPr lang="en-AU" sz="1100" dirty="0" smtClean="0"/>
-                        <a:t>29.93</a:t>
+                        <a:t>21.87</a:t>
                       </a:r>
                       <a:endParaRPr lang="en-AU" sz="1100" dirty="0"/>
                     </a:p>
@@ -12306,7 +12446,7 @@
                       <a:pPr algn="ctr"/>
                       <a:r>
                         <a:rPr lang="en-AU" sz="1100" dirty="0" smtClean="0"/>
-                        <a:t>57.09</a:t>
+                        <a:t>56.88</a:t>
                       </a:r>
                       <a:endParaRPr lang="en-AU" sz="1100" dirty="0"/>
                     </a:p>
@@ -12321,7 +12461,7 @@
                       <a:pPr algn="ctr"/>
                       <a:r>
                         <a:rPr lang="en-AU" sz="1100" dirty="0" smtClean="0"/>
-                        <a:t>88.52</a:t>
+                        <a:t>87.46</a:t>
                       </a:r>
                       <a:endParaRPr lang="en-AU" sz="1100" dirty="0"/>
                     </a:p>
@@ -12336,7 +12476,7 @@
                       <a:pPr algn="ctr"/>
                       <a:r>
                         <a:rPr lang="en-AU" sz="1100" dirty="0" smtClean="0"/>
-                        <a:t>12.42</a:t>
+                        <a:t>12.33</a:t>
                       </a:r>
                       <a:endParaRPr lang="en-AU" sz="1100" dirty="0"/>
                     </a:p>
@@ -12351,7 +12491,7 @@
                       <a:pPr algn="ctr"/>
                       <a:r>
                         <a:rPr lang="en-AU" sz="1100" dirty="0" smtClean="0"/>
-                        <a:t>11.87</a:t>
+                        <a:t>11.75</a:t>
                       </a:r>
                       <a:endParaRPr lang="en-AU" sz="1100" dirty="0"/>
                     </a:p>
@@ -12366,7 +12506,7 @@
                       <a:pPr algn="ctr"/>
                       <a:r>
                         <a:rPr lang="en-AU" sz="1100" dirty="0" smtClean="0"/>
-                        <a:t>12.56</a:t>
+                        <a:t>12.30</a:t>
                       </a:r>
                       <a:endParaRPr lang="en-AU" sz="1100" dirty="0"/>
                     </a:p>
@@ -12386,30 +12526,42 @@
                       </a:r>
                       <a:r>
                         <a:rPr lang="en-AU" sz="1100" dirty="0" smtClean="0"/>
-                        <a:t>smoothing </a:t>
-                      </a:r>
-                    </a:p>
-                    <a:p>
+                        <a:t>smoothing</a:t>
+                      </a:r>
+                      <a:endParaRPr lang="en-AU" sz="1100" dirty="0"/>
+                    </a:p>
+                  </a:txBody>
+                  <a:tcPr/>
+                </a:tc>
+                <a:tc>
+                  <a:txBody>
+                    <a:bodyPr/>
+                    <a:lstStyle/>
+                    <a:p>
+                      <a:pPr algn="ctr"/>
                       <a:r>
                         <a:rPr lang="en-AU" sz="1100" dirty="0" smtClean="0"/>
-                        <a:t>using</a:t>
-                      </a:r>
-                      <a:r>
-                        <a:rPr lang="en-AU" sz="1100" baseline="0" dirty="0" smtClean="0"/>
-                        <a:t> </a:t>
-                      </a:r>
+                        <a:t>21.48</a:t>
+                      </a:r>
+                      <a:endParaRPr lang="en-AU" sz="1100" dirty="0"/>
+                    </a:p>
+                  </a:txBody>
+                  <a:tcPr anchor="ctr"/>
+                </a:tc>
+                <a:tc>
+                  <a:txBody>
+                    <a:bodyPr/>
+                    <a:lstStyle/>
+                    <a:p>
+                      <a:pPr algn="ctr"/>
                       <a:r>
                         <a:rPr lang="en-AU" sz="1100" dirty="0" smtClean="0"/>
-                        <a:t>state space</a:t>
-                      </a:r>
-                      <a:r>
-                        <a:rPr lang="en-AU" sz="1100" baseline="0" dirty="0" smtClean="0"/>
-                        <a:t> model</a:t>
+                        <a:t>41.83</a:t>
                       </a:r>
                       <a:endParaRPr lang="en-AU" sz="1100" dirty="0"/>
                     </a:p>
                   </a:txBody>
-                  <a:tcPr/>
+                  <a:tcPr anchor="ctr"/>
                 </a:tc>
                 <a:tc>
                   <a:txBody>
@@ -12419,7 +12571,7 @@
                       <a:pPr algn="ctr"/>
                       <a:r>
                         <a:rPr lang="en-AU" sz="1100" dirty="0" smtClean="0"/>
-                        <a:t>21.61</a:t>
+                        <a:t>65.96</a:t>
                       </a:r>
                       <a:endParaRPr lang="en-AU" sz="1100" dirty="0"/>
                     </a:p>
@@ -12434,7 +12586,7 @@
                       <a:pPr algn="ctr"/>
                       <a:r>
                         <a:rPr lang="en-AU" sz="1100" dirty="0" smtClean="0"/>
-                        <a:t>42.25</a:t>
+                        <a:t>30.98</a:t>
                       </a:r>
                       <a:endParaRPr lang="en-AU" sz="1100" dirty="0"/>
                     </a:p>
@@ -12449,7 +12601,7 @@
                       <a:pPr algn="ctr"/>
                       <a:r>
                         <a:rPr lang="en-AU" sz="1100" dirty="0" smtClean="0"/>
-                        <a:t>67.25</a:t>
+                        <a:t>60.99</a:t>
                       </a:r>
                       <a:endParaRPr lang="en-AU" sz="1100" dirty="0"/>
                     </a:p>
@@ -12464,7 +12616,7 @@
                       <a:pPr algn="ctr"/>
                       <a:r>
                         <a:rPr lang="en-AU" sz="1100" dirty="0" smtClean="0"/>
-                        <a:t>31.12</a:t>
+                        <a:t>95.06</a:t>
                       </a:r>
                       <a:endParaRPr lang="en-AU" sz="1100" dirty="0"/>
                     </a:p>
@@ -12479,7 +12631,7 @@
                       <a:pPr algn="ctr"/>
                       <a:r>
                         <a:rPr lang="en-AU" sz="1100" dirty="0" smtClean="0"/>
-                        <a:t>61.51</a:t>
+                        <a:t>12.74</a:t>
                       </a:r>
                       <a:endParaRPr lang="en-AU" sz="1100" dirty="0"/>
                     </a:p>
@@ -12494,7 +12646,7 @@
                       <a:pPr algn="ctr"/>
                       <a:r>
                         <a:rPr lang="en-AU" sz="1100" dirty="0" smtClean="0"/>
-                        <a:t>96.83</a:t>
+                        <a:t>12.74</a:t>
                       </a:r>
                       <a:endParaRPr lang="en-AU" sz="1100" dirty="0"/>
                     </a:p>
@@ -12509,37 +12661,7 @@
                       <a:pPr algn="ctr"/>
                       <a:r>
                         <a:rPr lang="en-AU" sz="1100" dirty="0" smtClean="0"/>
-                        <a:t>12.87</a:t>
-                      </a:r>
-                      <a:endParaRPr lang="en-AU" sz="1100" dirty="0"/>
-                    </a:p>
-                  </a:txBody>
-                  <a:tcPr anchor="ctr"/>
-                </a:tc>
-                <a:tc>
-                  <a:txBody>
-                    <a:bodyPr/>
-                    <a:lstStyle/>
-                    <a:p>
-                      <a:pPr algn="ctr"/>
-                      <a:r>
-                        <a:rPr lang="en-AU" sz="1100" dirty="0" smtClean="0"/>
-                        <a:t>12.95</a:t>
-                      </a:r>
-                      <a:endParaRPr lang="en-AU" sz="1100" dirty="0"/>
-                    </a:p>
-                  </a:txBody>
-                  <a:tcPr anchor="ctr"/>
-                </a:tc>
-                <a:tc>
-                  <a:txBody>
-                    <a:bodyPr/>
-                    <a:lstStyle/>
-                    <a:p>
-                      <a:pPr algn="ctr"/>
-                      <a:r>
-                        <a:rPr lang="en-AU" sz="1100" dirty="0" smtClean="0"/>
-                        <a:t>14.23</a:t>
+                        <a:t>13.78</a:t>
                       </a:r>
                       <a:endParaRPr lang="en-AU" sz="1100" dirty="0"/>
                     </a:p>
@@ -12574,7 +12696,7 @@
                       <a:pPr algn="ctr"/>
                       <a:r>
                         <a:rPr lang="en-AU" sz="1100" dirty="0" smtClean="0"/>
-                        <a:t>17.98</a:t>
+                        <a:t>18.13</a:t>
                       </a:r>
                       <a:endParaRPr lang="en-AU" sz="1100" dirty="0"/>
                     </a:p>
@@ -12589,7 +12711,7 @@
                       <a:pPr algn="ctr"/>
                       <a:r>
                         <a:rPr lang="en-AU" sz="1100" dirty="0" smtClean="0"/>
-                        <a:t>30.01</a:t>
+                        <a:t>30.23</a:t>
                       </a:r>
                       <a:endParaRPr lang="en-AU" sz="1100" dirty="0"/>
                     </a:p>
@@ -12604,7 +12726,7 @@
                       <a:pPr algn="ctr"/>
                       <a:r>
                         <a:rPr lang="en-AU" sz="1100" dirty="0" smtClean="0"/>
-                        <a:t>42.27</a:t>
+                        <a:t>42.39</a:t>
                       </a:r>
                       <a:endParaRPr lang="en-AU" sz="1100" dirty="0"/>
                     </a:p>
@@ -12619,7 +12741,7 @@
                       <a:pPr algn="ctr"/>
                       <a:r>
                         <a:rPr lang="en-AU" sz="1100" dirty="0" smtClean="0"/>
-                        <a:t>24.85</a:t>
+                        <a:t>24.84</a:t>
                       </a:r>
                       <a:endParaRPr lang="en-AU" sz="1100" dirty="0"/>
                     </a:p>
@@ -12634,7 +12756,7 @@
                       <a:pPr algn="ctr"/>
                       <a:r>
                         <a:rPr lang="en-AU" sz="1100" dirty="0" smtClean="0"/>
-                        <a:t>41.23</a:t>
+                        <a:t>41.02</a:t>
                       </a:r>
                       <a:endParaRPr lang="en-AU" sz="1100" dirty="0"/>
                     </a:p>
@@ -12649,7 +12771,7 @@
                       <a:pPr algn="ctr"/>
                       <a:r>
                         <a:rPr lang="en-AU" sz="1100" dirty="0" smtClean="0"/>
-                        <a:t>56.73</a:t>
+                        <a:t>56.22</a:t>
                       </a:r>
                       <a:endParaRPr lang="en-AU" sz="1100" dirty="0"/>
                     </a:p>
@@ -12664,7 +12786,7 @@
                       <a:pPr algn="ctr"/>
                       <a:r>
                         <a:rPr lang="en-AU" sz="1100" dirty="0" smtClean="0"/>
-                        <a:t>11.34</a:t>
+                        <a:t>11.42</a:t>
                       </a:r>
                       <a:endParaRPr lang="en-AU" sz="1100" dirty="0"/>
                     </a:p>
@@ -12679,7 +12801,7 @@
                       <a:pPr algn="ctr"/>
                       <a:r>
                         <a:rPr lang="en-AU" sz="1100" dirty="0" smtClean="0"/>
-                        <a:t>10.04</a:t>
+                        <a:t>10.09</a:t>
                       </a:r>
                       <a:endParaRPr lang="en-AU" sz="1100" dirty="0"/>
                     </a:p>
@@ -12694,7 +12816,7 @@
                       <a:pPr algn="ctr"/>
                       <a:r>
                         <a:rPr lang="en-AU" sz="1100" dirty="0" smtClean="0"/>
-                        <a:t>9.88</a:t>
+                        <a:t>9.95</a:t>
                       </a:r>
                       <a:endParaRPr lang="en-AU" sz="1100" dirty="0"/>
                     </a:p>
@@ -12725,544 +12847,7 @@
                       <a:pPr algn="ctr"/>
                       <a:r>
                         <a:rPr lang="en-AU" sz="1100" dirty="0" smtClean="0"/>
-                        <a:t>17.96</a:t>
-                      </a:r>
-                      <a:endParaRPr lang="en-AU" sz="1100" dirty="0"/>
-                    </a:p>
-                  </a:txBody>
-                  <a:tcPr anchor="ctr"/>
-                </a:tc>
-                <a:tc>
-                  <a:txBody>
-                    <a:bodyPr/>
-                    <a:lstStyle/>
-                    <a:p>
-                      <a:pPr algn="ctr"/>
-                      <a:endParaRPr lang="en-AU" sz="1100" dirty="0"/>
-                    </a:p>
-                  </a:txBody>
-                  <a:tcPr anchor="ctr"/>
-                </a:tc>
-                <a:tc>
-                  <a:txBody>
-                    <a:bodyPr/>
-                    <a:lstStyle/>
-                    <a:p>
-                      <a:pPr algn="ctr"/>
-                      <a:endParaRPr lang="en-AU" sz="1100" dirty="0"/>
-                    </a:p>
-                  </a:txBody>
-                  <a:tcPr anchor="ctr"/>
-                </a:tc>
-                <a:tc>
-                  <a:txBody>
-                    <a:bodyPr/>
-                    <a:lstStyle/>
-                    <a:p>
-                      <a:pPr algn="ctr"/>
-                      <a:r>
-                        <a:rPr lang="en-AU" sz="1100" dirty="0" smtClean="0"/>
-                        <a:t>26.07</a:t>
-                      </a:r>
-                      <a:endParaRPr lang="en-AU" sz="1100" dirty="0"/>
-                    </a:p>
-                  </a:txBody>
-                  <a:tcPr anchor="ctr"/>
-                </a:tc>
-                <a:tc>
-                  <a:txBody>
-                    <a:bodyPr/>
-                    <a:lstStyle/>
-                    <a:p>
-                      <a:pPr algn="ctr"/>
-                      <a:endParaRPr lang="en-AU" sz="1100" dirty="0"/>
-                    </a:p>
-                  </a:txBody>
-                  <a:tcPr anchor="ctr"/>
-                </a:tc>
-                <a:tc>
-                  <a:txBody>
-                    <a:bodyPr/>
-                    <a:lstStyle/>
-                    <a:p>
-                      <a:pPr algn="ctr"/>
-                      <a:endParaRPr lang="en-AU" sz="1100" dirty="0"/>
-                    </a:p>
-                  </a:txBody>
-                  <a:tcPr anchor="ctr"/>
-                </a:tc>
-                <a:tc>
-                  <a:txBody>
-                    <a:bodyPr/>
-                    <a:lstStyle/>
-                    <a:p>
-                      <a:pPr algn="ctr"/>
-                      <a:r>
-                        <a:rPr lang="en-AU" sz="1100" dirty="0" smtClean="0"/>
-                        <a:t>11.74</a:t>
-                      </a:r>
-                      <a:endParaRPr lang="en-AU" sz="1100" dirty="0"/>
-                    </a:p>
-                  </a:txBody>
-                  <a:tcPr anchor="ctr"/>
-                </a:tc>
-                <a:tc>
-                  <a:txBody>
-                    <a:bodyPr/>
-                    <a:lstStyle/>
-                    <a:p>
-                      <a:pPr algn="ctr"/>
-                      <a:endParaRPr lang="en-AU" sz="1100" dirty="0"/>
-                    </a:p>
-                  </a:txBody>
-                  <a:tcPr anchor="ctr"/>
-                </a:tc>
-                <a:tc>
-                  <a:txBody>
-                    <a:bodyPr/>
-                    <a:lstStyle/>
-                    <a:p>
-                      <a:pPr algn="ctr"/>
-                      <a:endParaRPr lang="en-AU" sz="1100" dirty="0"/>
-                    </a:p>
-                  </a:txBody>
-                  <a:tcPr anchor="ctr"/>
-                </a:tc>
-              </a:tr>
-              <a:tr h="270999">
-                <a:tc>
-                  <a:txBody>
-                    <a:bodyPr/>
-                    <a:lstStyle/>
-                    <a:p>
-                      <a:r>
-                        <a:rPr lang="en-AU" sz="1100" smtClean="0"/>
-                        <a:t>Support vector</a:t>
-                      </a:r>
-                      <a:r>
-                        <a:rPr lang="en-AU" sz="1100" baseline="0" smtClean="0"/>
-                        <a:t> regression</a:t>
-                      </a:r>
-                      <a:endParaRPr lang="en-AU" sz="1100"/>
-                    </a:p>
-                  </a:txBody>
-                  <a:tcPr/>
-                </a:tc>
-                <a:tc>
-                  <a:txBody>
-                    <a:bodyPr/>
-                    <a:lstStyle/>
-                    <a:p>
-                      <a:pPr algn="ctr"/>
-                      <a:endParaRPr lang="en-AU" sz="1100" dirty="0"/>
-                    </a:p>
-                  </a:txBody>
-                  <a:tcPr anchor="ctr"/>
-                </a:tc>
-                <a:tc>
-                  <a:txBody>
-                    <a:bodyPr/>
-                    <a:lstStyle/>
-                    <a:p>
-                      <a:pPr algn="ctr"/>
-                      <a:endParaRPr lang="en-AU" sz="1100" dirty="0"/>
-                    </a:p>
-                  </a:txBody>
-                  <a:tcPr anchor="ctr"/>
-                </a:tc>
-                <a:tc>
-                  <a:txBody>
-                    <a:bodyPr/>
-                    <a:lstStyle/>
-                    <a:p>
-                      <a:pPr algn="ctr"/>
-                      <a:endParaRPr lang="en-AU" sz="1100" dirty="0"/>
-                    </a:p>
-                  </a:txBody>
-                  <a:tcPr anchor="ctr"/>
-                </a:tc>
-                <a:tc>
-                  <a:txBody>
-                    <a:bodyPr/>
-                    <a:lstStyle/>
-                    <a:p>
-                      <a:pPr algn="ctr"/>
-                      <a:endParaRPr lang="en-AU" sz="1100" dirty="0"/>
-                    </a:p>
-                  </a:txBody>
-                  <a:tcPr anchor="ctr"/>
-                </a:tc>
-                <a:tc>
-                  <a:txBody>
-                    <a:bodyPr/>
-                    <a:lstStyle/>
-                    <a:p>
-                      <a:pPr algn="ctr"/>
-                      <a:endParaRPr lang="en-AU" sz="1100" dirty="0"/>
-                    </a:p>
-                  </a:txBody>
-                  <a:tcPr anchor="ctr"/>
-                </a:tc>
-                <a:tc>
-                  <a:txBody>
-                    <a:bodyPr/>
-                    <a:lstStyle/>
-                    <a:p>
-                      <a:pPr algn="ctr"/>
-                      <a:endParaRPr lang="en-AU" sz="1100" dirty="0"/>
-                    </a:p>
-                  </a:txBody>
-                  <a:tcPr anchor="ctr"/>
-                </a:tc>
-                <a:tc>
-                  <a:txBody>
-                    <a:bodyPr/>
-                    <a:lstStyle/>
-                    <a:p>
-                      <a:pPr algn="ctr"/>
-                      <a:endParaRPr lang="en-AU" sz="1100" dirty="0"/>
-                    </a:p>
-                  </a:txBody>
-                  <a:tcPr anchor="ctr"/>
-                </a:tc>
-                <a:tc>
-                  <a:txBody>
-                    <a:bodyPr/>
-                    <a:lstStyle/>
-                    <a:p>
-                      <a:pPr algn="ctr"/>
-                      <a:endParaRPr lang="en-AU" sz="1100" dirty="0"/>
-                    </a:p>
-                  </a:txBody>
-                  <a:tcPr anchor="ctr"/>
-                </a:tc>
-                <a:tc>
-                  <a:txBody>
-                    <a:bodyPr/>
-                    <a:lstStyle/>
-                    <a:p>
-                      <a:pPr algn="ctr"/>
-                      <a:endParaRPr lang="en-AU" sz="1100" dirty="0"/>
-                    </a:p>
-                  </a:txBody>
-                  <a:tcPr anchor="ctr"/>
-                </a:tc>
-              </a:tr>
-              <a:tr h="270999">
-                <a:tc>
-                  <a:txBody>
-                    <a:bodyPr/>
-                    <a:lstStyle/>
-                    <a:p>
-                      <a:r>
-                        <a:rPr lang="en-AU" sz="1100" dirty="0" smtClean="0"/>
-                        <a:t>Deep RNN (Vanilla)</a:t>
-                      </a:r>
-                      <a:endParaRPr lang="en-AU" sz="1100" dirty="0"/>
-                    </a:p>
-                  </a:txBody>
-                  <a:tcPr/>
-                </a:tc>
-                <a:tc>
-                  <a:txBody>
-                    <a:bodyPr/>
-                    <a:lstStyle/>
-                    <a:p>
-                      <a:pPr algn="ctr"/>
-                      <a:r>
-                        <a:rPr lang="en-AU" sz="1100" dirty="0" smtClean="0"/>
-                        <a:t>24.73</a:t>
-                      </a:r>
-                      <a:endParaRPr lang="en-AU" sz="1100" dirty="0"/>
-                    </a:p>
-                  </a:txBody>
-                  <a:tcPr anchor="ctr"/>
-                </a:tc>
-                <a:tc>
-                  <a:txBody>
-                    <a:bodyPr/>
-                    <a:lstStyle/>
-                    <a:p>
-                      <a:pPr algn="ctr"/>
-                      <a:endParaRPr lang="en-AU" sz="1100" dirty="0"/>
-                    </a:p>
-                  </a:txBody>
-                  <a:tcPr anchor="ctr"/>
-                </a:tc>
-                <a:tc>
-                  <a:txBody>
-                    <a:bodyPr/>
-                    <a:lstStyle/>
-                    <a:p>
-                      <a:pPr algn="ctr"/>
-                      <a:endParaRPr lang="en-AU" sz="1100" dirty="0"/>
-                    </a:p>
-                  </a:txBody>
-                  <a:tcPr anchor="ctr"/>
-                </a:tc>
-                <a:tc>
-                  <a:txBody>
-                    <a:bodyPr/>
-                    <a:lstStyle/>
-                    <a:p>
-                      <a:pPr algn="ctr"/>
-                      <a:r>
-                        <a:rPr lang="en-AU" sz="1100" dirty="0" smtClean="0"/>
-                        <a:t>33.52</a:t>
-                      </a:r>
-                      <a:endParaRPr lang="en-AU" sz="1100" dirty="0"/>
-                    </a:p>
-                  </a:txBody>
-                  <a:tcPr anchor="ctr"/>
-                </a:tc>
-                <a:tc>
-                  <a:txBody>
-                    <a:bodyPr/>
-                    <a:lstStyle/>
-                    <a:p>
-                      <a:pPr algn="ctr"/>
-                      <a:endParaRPr lang="en-AU" sz="1100" dirty="0"/>
-                    </a:p>
-                  </a:txBody>
-                  <a:tcPr anchor="ctr"/>
-                </a:tc>
-                <a:tc>
-                  <a:txBody>
-                    <a:bodyPr/>
-                    <a:lstStyle/>
-                    <a:p>
-                      <a:pPr algn="ctr"/>
-                      <a:endParaRPr lang="en-AU" sz="1100" dirty="0"/>
-                    </a:p>
-                  </a:txBody>
-                  <a:tcPr anchor="ctr"/>
-                </a:tc>
-                <a:tc>
-                  <a:txBody>
-                    <a:bodyPr/>
-                    <a:lstStyle/>
-                    <a:p>
-                      <a:pPr algn="ctr"/>
-                      <a:r>
-                        <a:rPr lang="en-AU" sz="1100" dirty="0" smtClean="0"/>
-                        <a:t>15.91</a:t>
-                      </a:r>
-                      <a:endParaRPr lang="en-AU" sz="1100" dirty="0"/>
-                    </a:p>
-                  </a:txBody>
-                  <a:tcPr anchor="ctr"/>
-                </a:tc>
-                <a:tc>
-                  <a:txBody>
-                    <a:bodyPr/>
-                    <a:lstStyle/>
-                    <a:p>
-                      <a:pPr algn="ctr"/>
-                      <a:endParaRPr lang="en-AU" sz="1100" dirty="0"/>
-                    </a:p>
-                  </a:txBody>
-                  <a:tcPr anchor="ctr"/>
-                </a:tc>
-                <a:tc>
-                  <a:txBody>
-                    <a:bodyPr/>
-                    <a:lstStyle/>
-                    <a:p>
-                      <a:pPr algn="ctr"/>
-                      <a:endParaRPr lang="en-AU" sz="1100" dirty="0"/>
-                    </a:p>
-                  </a:txBody>
-                  <a:tcPr anchor="ctr"/>
-                </a:tc>
-              </a:tr>
-              <a:tr h="270999">
-                <a:tc>
-                  <a:txBody>
-                    <a:bodyPr/>
-                    <a:lstStyle/>
-                    <a:p>
-                      <a:r>
-                        <a:rPr lang="en-AU" sz="1100" dirty="0" smtClean="0"/>
-                        <a:t>Deep GRU</a:t>
-                      </a:r>
-                      <a:endParaRPr lang="en-AU" sz="1100" dirty="0"/>
-                    </a:p>
-                  </a:txBody>
-                  <a:tcPr/>
-                </a:tc>
-                <a:tc>
-                  <a:txBody>
-                    <a:bodyPr/>
-                    <a:lstStyle/>
-                    <a:p>
-                      <a:pPr algn="ctr"/>
-                      <a:r>
-                        <a:rPr lang="en-AU" sz="1100" dirty="0" smtClean="0"/>
-                        <a:t>23.01</a:t>
-                      </a:r>
-                      <a:endParaRPr lang="en-AU" sz="1100" dirty="0"/>
-                    </a:p>
-                  </a:txBody>
-                  <a:tcPr anchor="ctr"/>
-                </a:tc>
-                <a:tc>
-                  <a:txBody>
-                    <a:bodyPr/>
-                    <a:lstStyle/>
-                    <a:p>
-                      <a:pPr algn="ctr"/>
-                      <a:endParaRPr lang="en-AU" sz="1100" dirty="0"/>
-                    </a:p>
-                  </a:txBody>
-                  <a:tcPr anchor="ctr"/>
-                </a:tc>
-                <a:tc>
-                  <a:txBody>
-                    <a:bodyPr/>
-                    <a:lstStyle/>
-                    <a:p>
-                      <a:pPr algn="ctr"/>
-                      <a:endParaRPr lang="en-AU" sz="1100" dirty="0"/>
-                    </a:p>
-                  </a:txBody>
-                  <a:tcPr anchor="ctr"/>
-                </a:tc>
-                <a:tc>
-                  <a:txBody>
-                    <a:bodyPr/>
-                    <a:lstStyle/>
-                    <a:p>
-                      <a:pPr algn="ctr"/>
-                      <a:r>
-                        <a:rPr lang="en-AU" sz="1100" dirty="0" smtClean="0"/>
-                        <a:t>32.47</a:t>
-                      </a:r>
-                      <a:endParaRPr lang="en-AU" sz="1100" dirty="0"/>
-                    </a:p>
-                  </a:txBody>
-                  <a:tcPr anchor="ctr"/>
-                </a:tc>
-                <a:tc>
-                  <a:txBody>
-                    <a:bodyPr/>
-                    <a:lstStyle/>
-                    <a:p>
-                      <a:pPr algn="ctr"/>
-                      <a:endParaRPr lang="en-AU" sz="1100" dirty="0"/>
-                    </a:p>
-                  </a:txBody>
-                  <a:tcPr anchor="ctr"/>
-                </a:tc>
-                <a:tc>
-                  <a:txBody>
-                    <a:bodyPr/>
-                    <a:lstStyle/>
-                    <a:p>
-                      <a:pPr algn="ctr"/>
-                      <a:endParaRPr lang="en-AU" sz="1100" dirty="0"/>
-                    </a:p>
-                  </a:txBody>
-                  <a:tcPr anchor="ctr"/>
-                </a:tc>
-                <a:tc>
-                  <a:txBody>
-                    <a:bodyPr/>
-                    <a:lstStyle/>
-                    <a:p>
-                      <a:pPr algn="ctr"/>
-                      <a:r>
-                        <a:rPr lang="en-AU" sz="1100" dirty="0" smtClean="0"/>
-                        <a:t>13.69</a:t>
-                      </a:r>
-                      <a:endParaRPr lang="en-AU" sz="1100" dirty="0"/>
-                    </a:p>
-                  </a:txBody>
-                  <a:tcPr anchor="ctr"/>
-                </a:tc>
-                <a:tc>
-                  <a:txBody>
-                    <a:bodyPr/>
-                    <a:lstStyle/>
-                    <a:p>
-                      <a:pPr algn="ctr"/>
-                      <a:endParaRPr lang="en-AU" sz="1100" dirty="0"/>
-                    </a:p>
-                  </a:txBody>
-                  <a:tcPr anchor="ctr"/>
-                </a:tc>
-                <a:tc>
-                  <a:txBody>
-                    <a:bodyPr/>
-                    <a:lstStyle/>
-                    <a:p>
-                      <a:pPr algn="ctr"/>
-                      <a:endParaRPr lang="en-AU" sz="1100" dirty="0"/>
-                    </a:p>
-                  </a:txBody>
-                  <a:tcPr anchor="ctr"/>
-                </a:tc>
-              </a:tr>
-              <a:tr h="270999">
-                <a:tc>
-                  <a:txBody>
-                    <a:bodyPr/>
-                    <a:lstStyle/>
-                    <a:p>
-                      <a:r>
-                        <a:rPr lang="en-AU" sz="1100" dirty="0" smtClean="0"/>
-                        <a:t>Deep LSTM</a:t>
-                      </a:r>
-                      <a:endParaRPr lang="en-AU" sz="1100" dirty="0"/>
-                    </a:p>
-                  </a:txBody>
-                  <a:tcPr/>
-                </a:tc>
-                <a:tc>
-                  <a:txBody>
-                    <a:bodyPr/>
-                    <a:lstStyle/>
-                    <a:p>
-                      <a:pPr algn="ctr"/>
-                      <a:r>
-                        <a:rPr lang="en-AU" sz="1100" dirty="0" smtClean="0"/>
-                        <a:t>23.62</a:t>
-                      </a:r>
-                      <a:endParaRPr lang="en-AU" sz="1100" dirty="0"/>
-                    </a:p>
-                  </a:txBody>
-                  <a:tcPr anchor="ctr"/>
-                </a:tc>
-                <a:tc>
-                  <a:txBody>
-                    <a:bodyPr/>
-                    <a:lstStyle/>
-                    <a:p>
-                      <a:pPr algn="ctr"/>
-                      <a:endParaRPr lang="en-AU" sz="1100" dirty="0"/>
-                    </a:p>
-                  </a:txBody>
-                  <a:tcPr anchor="ctr"/>
-                </a:tc>
-                <a:tc>
-                  <a:txBody>
-                    <a:bodyPr/>
-                    <a:lstStyle/>
-                    <a:p>
-                      <a:pPr algn="ctr"/>
-                      <a:endParaRPr lang="en-AU" sz="1100" dirty="0"/>
-                    </a:p>
-                  </a:txBody>
-                  <a:tcPr anchor="ctr"/>
-                </a:tc>
-                <a:tc>
-                  <a:txBody>
-                    <a:bodyPr/>
-                    <a:lstStyle/>
-                    <a:p>
-                      <a:pPr algn="ctr"/>
-                      <a:r>
-                        <a:rPr lang="en-AU" sz="1100" dirty="0" smtClean="0"/>
-                        <a:t>33.44</a:t>
+                        <a:t>19.30</a:t>
                       </a:r>
                       <a:endParaRPr lang="en-AU" sz="1100" dirty="0"/>
                     </a:p>
@@ -13315,7 +12900,7 @@
                       </a:pPr>
                       <a:r>
                         <a:rPr lang="en-AU" sz="1100" dirty="0" smtClean="0"/>
-                        <a:t>15.87</a:t>
+                        <a:t>26.00</a:t>
                       </a:r>
                     </a:p>
                   </a:txBody>
@@ -13343,6 +12928,43 @@
                   </a:txBody>
                   <a:tcPr anchor="ctr"/>
                 </a:tc>
+                <a:tc>
+                  <a:txBody>
+                    <a:bodyPr/>
+                    <a:lstStyle/>
+                    <a:p>
+                      <a:pPr algn="ctr"/>
+                      <a:r>
+                        <a:rPr lang="en-AU" sz="1100" dirty="0" smtClean="0"/>
+                        <a:t>13.37</a:t>
+                      </a:r>
+                      <a:endParaRPr lang="en-AU" sz="1100" dirty="0"/>
+                    </a:p>
+                  </a:txBody>
+                  <a:tcPr anchor="ctr"/>
+                </a:tc>
+                <a:tc>
+                  <a:txBody>
+                    <a:bodyPr/>
+                    <a:lstStyle/>
+                    <a:p>
+                      <a:pPr algn="ctr"/>
+                      <a:endParaRPr lang="en-AU" sz="1100" dirty="0"/>
+                    </a:p>
+                  </a:txBody>
+                  <a:tcPr anchor="ctr"/>
+                </a:tc>
+                <a:tc>
+                  <a:txBody>
+                    <a:bodyPr/>
+                    <a:lstStyle/>
+                    <a:p>
+                      <a:pPr algn="ctr"/>
+                      <a:endParaRPr lang="en-AU" sz="1100" dirty="0"/>
+                    </a:p>
+                  </a:txBody>
+                  <a:tcPr anchor="ctr"/>
+                </a:tc>
               </a:tr>
               <a:tr h="270999">
                 <a:tc>
@@ -13352,6 +12974,857 @@
                     <a:p>
                       <a:r>
                         <a:rPr lang="en-AU" sz="1100" dirty="0" smtClean="0"/>
+                        <a:t>Support vector</a:t>
+                      </a:r>
+                      <a:r>
+                        <a:rPr lang="en-AU" sz="1100" baseline="0" dirty="0" smtClean="0"/>
+                        <a:t> regression</a:t>
+                      </a:r>
+                      <a:endParaRPr lang="en-AU" sz="1100" dirty="0"/>
+                    </a:p>
+                  </a:txBody>
+                  <a:tcPr/>
+                </a:tc>
+                <a:tc>
+                  <a:txBody>
+                    <a:bodyPr/>
+                    <a:lstStyle/>
+                    <a:p>
+                      <a:pPr algn="ctr"/>
+                      <a:r>
+                        <a:rPr lang="en-AU" sz="1100" dirty="0" smtClean="0"/>
+                        <a:t>17.82</a:t>
+                      </a:r>
+                      <a:endParaRPr lang="en-AU" sz="1100" dirty="0"/>
+                    </a:p>
+                  </a:txBody>
+                  <a:tcPr anchor="ctr"/>
+                </a:tc>
+                <a:tc>
+                  <a:txBody>
+                    <a:bodyPr/>
+                    <a:lstStyle/>
+                    <a:p>
+                      <a:pPr algn="ctr"/>
+                      <a:endParaRPr lang="en-AU" sz="1100" dirty="0"/>
+                    </a:p>
+                  </a:txBody>
+                  <a:tcPr anchor="ctr"/>
+                </a:tc>
+                <a:tc>
+                  <a:txBody>
+                    <a:bodyPr/>
+                    <a:lstStyle/>
+                    <a:p>
+                      <a:pPr algn="ctr"/>
+                      <a:endParaRPr lang="en-AU" sz="1100" dirty="0"/>
+                    </a:p>
+                  </a:txBody>
+                  <a:tcPr anchor="ctr"/>
+                </a:tc>
+                <a:tc>
+                  <a:txBody>
+                    <a:bodyPr/>
+                    <a:lstStyle/>
+                    <a:p>
+                      <a:pPr algn="ctr"/>
+                      <a:r>
+                        <a:rPr lang="en-AU" sz="1100" dirty="0" smtClean="0"/>
+                        <a:t>24.85</a:t>
+                      </a:r>
+                      <a:endParaRPr lang="en-AU" sz="1100" dirty="0"/>
+                    </a:p>
+                  </a:txBody>
+                  <a:tcPr anchor="ctr"/>
+                </a:tc>
+                <a:tc>
+                  <a:txBody>
+                    <a:bodyPr/>
+                    <a:lstStyle/>
+                    <a:p>
+                      <a:pPr algn="ctr"/>
+                      <a:endParaRPr lang="en-AU" sz="1100" dirty="0"/>
+                    </a:p>
+                  </a:txBody>
+                  <a:tcPr anchor="ctr"/>
+                </a:tc>
+                <a:tc>
+                  <a:txBody>
+                    <a:bodyPr/>
+                    <a:lstStyle/>
+                    <a:p>
+                      <a:pPr algn="ctr"/>
+                      <a:endParaRPr lang="en-AU" sz="1100" dirty="0"/>
+                    </a:p>
+                  </a:txBody>
+                  <a:tcPr anchor="ctr"/>
+                </a:tc>
+                <a:tc>
+                  <a:txBody>
+                    <a:bodyPr/>
+                    <a:lstStyle/>
+                    <a:p>
+                      <a:pPr algn="ctr"/>
+                      <a:r>
+                        <a:rPr lang="en-AU" sz="1100" dirty="0" smtClean="0"/>
+                        <a:t>11.51</a:t>
+                      </a:r>
+                      <a:endParaRPr lang="en-AU" sz="1100" dirty="0"/>
+                    </a:p>
+                  </a:txBody>
+                  <a:tcPr anchor="ctr"/>
+                </a:tc>
+                <a:tc>
+                  <a:txBody>
+                    <a:bodyPr/>
+                    <a:lstStyle/>
+                    <a:p>
+                      <a:pPr algn="ctr"/>
+                      <a:endParaRPr lang="en-AU" sz="1100" dirty="0"/>
+                    </a:p>
+                  </a:txBody>
+                  <a:tcPr anchor="ctr"/>
+                </a:tc>
+                <a:tc>
+                  <a:txBody>
+                    <a:bodyPr/>
+                    <a:lstStyle/>
+                    <a:p>
+                      <a:pPr algn="ctr"/>
+                      <a:endParaRPr lang="en-AU" sz="1100" dirty="0"/>
+                    </a:p>
+                  </a:txBody>
+                  <a:tcPr anchor="ctr"/>
+                </a:tc>
+              </a:tr>
+              <a:tr h="270999">
+                <a:tc>
+                  <a:txBody>
+                    <a:bodyPr/>
+                    <a:lstStyle/>
+                    <a:p>
+                      <a:r>
+                        <a:rPr lang="en-AU" sz="1100" dirty="0" smtClean="0"/>
+                        <a:t>Deep Simple RNN</a:t>
+                      </a:r>
+                      <a:endParaRPr lang="en-AU" sz="1100" dirty="0"/>
+                    </a:p>
+                  </a:txBody>
+                  <a:tcPr/>
+                </a:tc>
+                <a:tc>
+                  <a:txBody>
+                    <a:bodyPr/>
+                    <a:lstStyle/>
+                    <a:p>
+                      <a:pPr algn="ctr"/>
+                      <a:r>
+                        <a:rPr lang="en-AU" sz="1100" dirty="0" smtClean="0"/>
+                        <a:t>18.60</a:t>
+                      </a:r>
+                      <a:endParaRPr lang="en-AU" sz="1100" dirty="0"/>
+                    </a:p>
+                  </a:txBody>
+                  <a:tcPr anchor="ctr"/>
+                </a:tc>
+                <a:tc>
+                  <a:txBody>
+                    <a:bodyPr/>
+                    <a:lstStyle/>
+                    <a:p>
+                      <a:pPr algn="ctr"/>
+                      <a:endParaRPr lang="en-AU" sz="1100" dirty="0"/>
+                    </a:p>
+                  </a:txBody>
+                  <a:tcPr anchor="ctr"/>
+                </a:tc>
+                <a:tc>
+                  <a:txBody>
+                    <a:bodyPr/>
+                    <a:lstStyle/>
+                    <a:p>
+                      <a:pPr algn="ctr"/>
+                      <a:endParaRPr lang="en-AU" sz="1100" dirty="0"/>
+                    </a:p>
+                  </a:txBody>
+                  <a:tcPr anchor="ctr"/>
+                </a:tc>
+                <a:tc>
+                  <a:txBody>
+                    <a:bodyPr/>
+                    <a:lstStyle/>
+                    <a:p>
+                      <a:pPr algn="ctr"/>
+                      <a:r>
+                        <a:rPr lang="en-AU" sz="1100" dirty="0" smtClean="0"/>
+                        <a:t>25.98</a:t>
+                      </a:r>
+                      <a:endParaRPr lang="en-AU" sz="1100" dirty="0"/>
+                    </a:p>
+                  </a:txBody>
+                  <a:tcPr anchor="ctr"/>
+                </a:tc>
+                <a:tc>
+                  <a:txBody>
+                    <a:bodyPr/>
+                    <a:lstStyle/>
+                    <a:p>
+                      <a:pPr algn="ctr"/>
+                      <a:endParaRPr lang="en-AU" sz="1100" dirty="0"/>
+                    </a:p>
+                  </a:txBody>
+                  <a:tcPr anchor="ctr"/>
+                </a:tc>
+                <a:tc>
+                  <a:txBody>
+                    <a:bodyPr/>
+                    <a:lstStyle/>
+                    <a:p>
+                      <a:pPr algn="ctr"/>
+                      <a:endParaRPr lang="en-AU" sz="1100" dirty="0"/>
+                    </a:p>
+                  </a:txBody>
+                  <a:tcPr anchor="ctr"/>
+                </a:tc>
+                <a:tc>
+                  <a:txBody>
+                    <a:bodyPr/>
+                    <a:lstStyle/>
+                    <a:p>
+                      <a:pPr algn="ctr"/>
+                      <a:r>
+                        <a:rPr lang="en-AU" sz="1100" dirty="0" smtClean="0"/>
+                        <a:t>11.89</a:t>
+                      </a:r>
+                      <a:endParaRPr lang="en-AU" sz="1100" dirty="0"/>
+                    </a:p>
+                  </a:txBody>
+                  <a:tcPr anchor="ctr"/>
+                </a:tc>
+                <a:tc>
+                  <a:txBody>
+                    <a:bodyPr/>
+                    <a:lstStyle/>
+                    <a:p>
+                      <a:pPr algn="ctr"/>
+                      <a:endParaRPr lang="en-AU" sz="1100" dirty="0"/>
+                    </a:p>
+                  </a:txBody>
+                  <a:tcPr anchor="ctr"/>
+                </a:tc>
+                <a:tc>
+                  <a:txBody>
+                    <a:bodyPr/>
+                    <a:lstStyle/>
+                    <a:p>
+                      <a:pPr algn="ctr"/>
+                      <a:endParaRPr lang="en-AU" sz="1100" dirty="0"/>
+                    </a:p>
+                  </a:txBody>
+                  <a:tcPr anchor="ctr"/>
+                </a:tc>
+              </a:tr>
+              <a:tr h="270999">
+                <a:tc>
+                  <a:txBody>
+                    <a:bodyPr/>
+                    <a:lstStyle/>
+                    <a:p>
+                      <a:r>
+                        <a:rPr lang="en-AU" sz="1100" dirty="0" smtClean="0"/>
+                        <a:t>Deep GRU</a:t>
+                      </a:r>
+                      <a:endParaRPr lang="en-AU" sz="1100" dirty="0"/>
+                    </a:p>
+                  </a:txBody>
+                  <a:tcPr/>
+                </a:tc>
+                <a:tc>
+                  <a:txBody>
+                    <a:bodyPr/>
+                    <a:lstStyle/>
+                    <a:p>
+                      <a:pPr algn="ctr"/>
+                      <a:r>
+                        <a:rPr lang="en-AU" sz="1100" dirty="0" smtClean="0"/>
+                        <a:t>18.50</a:t>
+                      </a:r>
+                      <a:endParaRPr lang="en-AU" sz="1100" dirty="0"/>
+                    </a:p>
+                  </a:txBody>
+                  <a:tcPr anchor="ctr"/>
+                </a:tc>
+                <a:tc>
+                  <a:txBody>
+                    <a:bodyPr/>
+                    <a:lstStyle/>
+                    <a:p>
+                      <a:pPr algn="ctr"/>
+                      <a:endParaRPr lang="en-AU" sz="1100" dirty="0"/>
+                    </a:p>
+                  </a:txBody>
+                  <a:tcPr anchor="ctr"/>
+                </a:tc>
+                <a:tc>
+                  <a:txBody>
+                    <a:bodyPr/>
+                    <a:lstStyle/>
+                    <a:p>
+                      <a:pPr algn="ctr"/>
+                      <a:endParaRPr lang="en-AU" sz="1100" dirty="0"/>
+                    </a:p>
+                  </a:txBody>
+                  <a:tcPr anchor="ctr"/>
+                </a:tc>
+                <a:tc>
+                  <a:txBody>
+                    <a:bodyPr/>
+                    <a:lstStyle/>
+                    <a:p>
+                      <a:pPr algn="ctr"/>
+                      <a:r>
+                        <a:rPr lang="en-AU" sz="1100" dirty="0" smtClean="0"/>
+                        <a:t>25.73</a:t>
+                      </a:r>
+                      <a:endParaRPr lang="en-AU" sz="1100" dirty="0"/>
+                    </a:p>
+                  </a:txBody>
+                  <a:tcPr anchor="ctr"/>
+                </a:tc>
+                <a:tc>
+                  <a:txBody>
+                    <a:bodyPr/>
+                    <a:lstStyle/>
+                    <a:p>
+                      <a:pPr algn="ctr"/>
+                      <a:endParaRPr lang="en-AU" sz="1100" dirty="0"/>
+                    </a:p>
+                  </a:txBody>
+                  <a:tcPr anchor="ctr"/>
+                </a:tc>
+                <a:tc>
+                  <a:txBody>
+                    <a:bodyPr/>
+                    <a:lstStyle/>
+                    <a:p>
+                      <a:pPr algn="ctr"/>
+                      <a:endParaRPr lang="en-AU" sz="1100" dirty="0"/>
+                    </a:p>
+                  </a:txBody>
+                  <a:tcPr anchor="ctr"/>
+                </a:tc>
+                <a:tc>
+                  <a:txBody>
+                    <a:bodyPr/>
+                    <a:lstStyle/>
+                    <a:p>
+                      <a:pPr algn="ctr"/>
+                      <a:r>
+                        <a:rPr lang="en-AU" sz="1100" dirty="0" smtClean="0"/>
+                        <a:t>11.85</a:t>
+                      </a:r>
+                      <a:endParaRPr lang="en-AU" sz="1100" dirty="0"/>
+                    </a:p>
+                  </a:txBody>
+                  <a:tcPr anchor="ctr"/>
+                </a:tc>
+                <a:tc>
+                  <a:txBody>
+                    <a:bodyPr/>
+                    <a:lstStyle/>
+                    <a:p>
+                      <a:pPr algn="ctr"/>
+                      <a:endParaRPr lang="en-AU" sz="1100" dirty="0"/>
+                    </a:p>
+                  </a:txBody>
+                  <a:tcPr anchor="ctr"/>
+                </a:tc>
+                <a:tc>
+                  <a:txBody>
+                    <a:bodyPr/>
+                    <a:lstStyle/>
+                    <a:p>
+                      <a:pPr algn="ctr"/>
+                      <a:endParaRPr lang="en-AU" sz="1100" dirty="0"/>
+                    </a:p>
+                  </a:txBody>
+                  <a:tcPr anchor="ctr"/>
+                </a:tc>
+              </a:tr>
+              <a:tr h="270999">
+                <a:tc>
+                  <a:txBody>
+                    <a:bodyPr/>
+                    <a:lstStyle/>
+                    <a:p>
+                      <a:r>
+                        <a:rPr lang="en-AU" sz="1100" dirty="0" smtClean="0"/>
+                        <a:t>Deep LSTM</a:t>
+                      </a:r>
+                      <a:endParaRPr lang="en-AU" sz="1100" dirty="0"/>
+                    </a:p>
+                  </a:txBody>
+                  <a:tcPr/>
+                </a:tc>
+                <a:tc>
+                  <a:txBody>
+                    <a:bodyPr/>
+                    <a:lstStyle/>
+                    <a:p>
+                      <a:pPr algn="ctr"/>
+                      <a:r>
+                        <a:rPr lang="nb-NO" sz="1100" dirty="0" smtClean="0"/>
+                        <a:t>17.55</a:t>
+                      </a:r>
+                      <a:endParaRPr lang="en-AU" sz="1100" dirty="0"/>
+                    </a:p>
+                  </a:txBody>
+                  <a:tcPr anchor="ctr"/>
+                </a:tc>
+                <a:tc>
+                  <a:txBody>
+                    <a:bodyPr/>
+                    <a:lstStyle/>
+                    <a:p>
+                      <a:pPr algn="ctr"/>
+                      <a:endParaRPr lang="en-AU" sz="1100" dirty="0"/>
+                    </a:p>
+                  </a:txBody>
+                  <a:tcPr anchor="ctr"/>
+                </a:tc>
+                <a:tc>
+                  <a:txBody>
+                    <a:bodyPr/>
+                    <a:lstStyle/>
+                    <a:p>
+                      <a:pPr algn="ctr"/>
+                      <a:endParaRPr lang="en-AU" sz="1100" dirty="0"/>
+                    </a:p>
+                  </a:txBody>
+                  <a:tcPr anchor="ctr"/>
+                </a:tc>
+                <a:tc>
+                  <a:txBody>
+                    <a:bodyPr/>
+                    <a:lstStyle/>
+                    <a:p>
+                      <a:pPr algn="ctr"/>
+                      <a:r>
+                        <a:rPr lang="hr-HR" sz="1100" dirty="0" smtClean="0"/>
+                        <a:t>24.25</a:t>
+                      </a:r>
+                      <a:endParaRPr lang="en-AU" sz="1100" dirty="0"/>
+                    </a:p>
+                  </a:txBody>
+                  <a:tcPr anchor="ctr"/>
+                </a:tc>
+                <a:tc>
+                  <a:txBody>
+                    <a:bodyPr/>
+                    <a:lstStyle/>
+                    <a:p>
+                      <a:pPr algn="ctr"/>
+                      <a:endParaRPr lang="en-AU" sz="1100" dirty="0"/>
+                    </a:p>
+                  </a:txBody>
+                  <a:tcPr anchor="ctr"/>
+                </a:tc>
+                <a:tc>
+                  <a:txBody>
+                    <a:bodyPr/>
+                    <a:lstStyle/>
+                    <a:p>
+                      <a:pPr algn="ctr"/>
+                      <a:endParaRPr lang="en-AU" sz="1100" dirty="0"/>
+                    </a:p>
+                  </a:txBody>
+                  <a:tcPr anchor="ctr"/>
+                </a:tc>
+                <a:tc>
+                  <a:txBody>
+                    <a:bodyPr/>
+                    <a:lstStyle/>
+                    <a:p>
+                      <a:pPr marL="0" marR="0" indent="0" algn="ctr" defTabSz="914400" rtl="0" eaLnBrk="1" fontAlgn="auto" latinLnBrk="0" hangingPunct="1">
+                        <a:lnSpc>
+                          <a:spcPct val="100000"/>
+                        </a:lnSpc>
+                        <a:spcBef>
+                          <a:spcPts val="0"/>
+                        </a:spcBef>
+                        <a:spcAft>
+                          <a:spcPts val="0"/>
+                        </a:spcAft>
+                        <a:buClrTx/>
+                        <a:buSzTx/>
+                        <a:buFontTx/>
+                        <a:buNone/>
+                        <a:tabLst/>
+                        <a:defRPr/>
+                      </a:pPr>
+                      <a:r>
+                        <a:rPr lang="en-AU" sz="1100" dirty="0" smtClean="0"/>
+                        <a:t>11.86</a:t>
+                      </a:r>
+                    </a:p>
+                  </a:txBody>
+                  <a:tcPr anchor="ctr"/>
+                </a:tc>
+                <a:tc>
+                  <a:txBody>
+                    <a:bodyPr/>
+                    <a:lstStyle/>
+                    <a:p>
+                      <a:pPr algn="ctr"/>
+                      <a:endParaRPr lang="en-AU" sz="1100" dirty="0"/>
+                    </a:p>
+                  </a:txBody>
+                  <a:tcPr anchor="ctr"/>
+                </a:tc>
+                <a:tc>
+                  <a:txBody>
+                    <a:bodyPr/>
+                    <a:lstStyle/>
+                    <a:p>
+                      <a:pPr algn="ctr"/>
+                      <a:endParaRPr lang="en-AU" sz="1100" dirty="0"/>
+                    </a:p>
+                  </a:txBody>
+                  <a:tcPr anchor="ctr"/>
+                </a:tc>
+              </a:tr>
+              <a:tr h="270999">
+                <a:tc>
+                  <a:txBody>
+                    <a:bodyPr/>
+                    <a:lstStyle/>
+                    <a:p>
+                      <a:pPr marL="0" marR="0" indent="0" algn="l" defTabSz="914400" rtl="0" eaLnBrk="1" fontAlgn="auto" latinLnBrk="0" hangingPunct="1">
+                        <a:lnSpc>
+                          <a:spcPct val="100000"/>
+                        </a:lnSpc>
+                        <a:spcBef>
+                          <a:spcPts val="0"/>
+                        </a:spcBef>
+                        <a:spcAft>
+                          <a:spcPts val="0"/>
+                        </a:spcAft>
+                        <a:buClrTx/>
+                        <a:buSzTx/>
+                        <a:buFontTx/>
+                        <a:buNone/>
+                        <a:tabLst/>
+                        <a:defRPr/>
+                      </a:pPr>
+                      <a:r>
+                        <a:rPr lang="en-AU" sz="1100" dirty="0" smtClean="0"/>
+                        <a:t>Deep Simple RNN(Multivariate)</a:t>
+                      </a:r>
+                    </a:p>
+                  </a:txBody>
+                  <a:tcPr/>
+                </a:tc>
+                <a:tc>
+                  <a:txBody>
+                    <a:bodyPr/>
+                    <a:lstStyle/>
+                    <a:p>
+                      <a:pPr algn="ctr"/>
+                      <a:r>
+                        <a:rPr lang="en-AU" sz="1100" dirty="0" smtClean="0"/>
+                        <a:t>17.39</a:t>
+                      </a:r>
+                      <a:endParaRPr lang="en-AU" sz="1100" dirty="0"/>
+                    </a:p>
+                  </a:txBody>
+                  <a:tcPr anchor="ctr"/>
+                </a:tc>
+                <a:tc>
+                  <a:txBody>
+                    <a:bodyPr/>
+                    <a:lstStyle/>
+                    <a:p>
+                      <a:pPr algn="ctr"/>
+                      <a:r>
+                        <a:rPr lang="en-AU" sz="1100" dirty="0" smtClean="0"/>
+                        <a:t>19.51</a:t>
+                      </a:r>
+                      <a:endParaRPr lang="en-AU" sz="1100" dirty="0"/>
+                    </a:p>
+                  </a:txBody>
+                  <a:tcPr anchor="ctr"/>
+                </a:tc>
+                <a:tc>
+                  <a:txBody>
+                    <a:bodyPr/>
+                    <a:lstStyle/>
+                    <a:p>
+                      <a:pPr algn="ctr"/>
+                      <a:endParaRPr lang="en-AU" sz="1100" dirty="0"/>
+                    </a:p>
+                  </a:txBody>
+                  <a:tcPr anchor="ctr"/>
+                </a:tc>
+                <a:tc>
+                  <a:txBody>
+                    <a:bodyPr/>
+                    <a:lstStyle/>
+                    <a:p>
+                      <a:pPr algn="ctr"/>
+                      <a:r>
+                        <a:rPr lang="en-AU" sz="1100" dirty="0" smtClean="0"/>
+                        <a:t>24.33</a:t>
+                      </a:r>
+                      <a:endParaRPr lang="en-AU" sz="1100" dirty="0"/>
+                    </a:p>
+                  </a:txBody>
+                  <a:tcPr anchor="ctr"/>
+                </a:tc>
+                <a:tc>
+                  <a:txBody>
+                    <a:bodyPr/>
+                    <a:lstStyle/>
+                    <a:p>
+                      <a:pPr algn="ctr"/>
+                      <a:r>
+                        <a:rPr lang="en-AU" sz="1100" dirty="0" smtClean="0"/>
+                        <a:t>25.26</a:t>
+                      </a:r>
+                      <a:endParaRPr lang="en-AU" sz="1100" dirty="0"/>
+                    </a:p>
+                  </a:txBody>
+                  <a:tcPr anchor="ctr"/>
+                </a:tc>
+                <a:tc>
+                  <a:txBody>
+                    <a:bodyPr/>
+                    <a:lstStyle/>
+                    <a:p>
+                      <a:pPr algn="ctr"/>
+                      <a:endParaRPr lang="en-AU" sz="1100" dirty="0"/>
+                    </a:p>
+                  </a:txBody>
+                  <a:tcPr anchor="ctr"/>
+                </a:tc>
+                <a:tc>
+                  <a:txBody>
+                    <a:bodyPr/>
+                    <a:lstStyle/>
+                    <a:p>
+                      <a:pPr marL="0" marR="0" indent="0" algn="ctr" defTabSz="914400" rtl="0" eaLnBrk="1" fontAlgn="auto" latinLnBrk="0" hangingPunct="1">
+                        <a:lnSpc>
+                          <a:spcPct val="100000"/>
+                        </a:lnSpc>
+                        <a:spcBef>
+                          <a:spcPts val="0"/>
+                        </a:spcBef>
+                        <a:spcAft>
+                          <a:spcPts val="0"/>
+                        </a:spcAft>
+                        <a:buClrTx/>
+                        <a:buSzTx/>
+                        <a:buFontTx/>
+                        <a:buNone/>
+                        <a:tabLst/>
+                        <a:defRPr/>
+                      </a:pPr>
+                      <a:r>
+                        <a:rPr lang="en-AU" sz="1100" dirty="0" smtClean="0"/>
+                        <a:t>10.38</a:t>
+                      </a:r>
+                    </a:p>
+                  </a:txBody>
+                  <a:tcPr anchor="ctr"/>
+                </a:tc>
+                <a:tc>
+                  <a:txBody>
+                    <a:bodyPr/>
+                    <a:lstStyle/>
+                    <a:p>
+                      <a:pPr algn="ctr"/>
+                      <a:r>
+                        <a:rPr lang="en-AU" sz="1100" dirty="0" smtClean="0"/>
+                        <a:t>16.07</a:t>
+                      </a:r>
+                      <a:endParaRPr lang="en-AU" sz="1100" dirty="0"/>
+                    </a:p>
+                  </a:txBody>
+                  <a:tcPr anchor="ctr"/>
+                </a:tc>
+                <a:tc>
+                  <a:txBody>
+                    <a:bodyPr/>
+                    <a:lstStyle/>
+                    <a:p>
+                      <a:pPr algn="ctr"/>
+                      <a:endParaRPr lang="en-AU" sz="1100" dirty="0"/>
+                    </a:p>
+                  </a:txBody>
+                  <a:tcPr anchor="ctr"/>
+                </a:tc>
+              </a:tr>
+              <a:tr h="270999">
+                <a:tc>
+                  <a:txBody>
+                    <a:bodyPr/>
+                    <a:lstStyle/>
+                    <a:p>
+                      <a:r>
+                        <a:rPr lang="en-AU" sz="1100" dirty="0" smtClean="0"/>
+                        <a:t>Deep GRU(Multivariate)</a:t>
+                      </a:r>
+                      <a:endParaRPr lang="en-AU" sz="1100" dirty="0"/>
+                    </a:p>
+                  </a:txBody>
+                  <a:tcPr/>
+                </a:tc>
+                <a:tc>
+                  <a:txBody>
+                    <a:bodyPr/>
+                    <a:lstStyle/>
+                    <a:p>
+                      <a:pPr algn="ctr"/>
+                      <a:r>
+                        <a:rPr lang="en-AU" sz="1100" dirty="0" smtClean="0"/>
+                        <a:t>18.13</a:t>
+                      </a:r>
+                      <a:endParaRPr lang="en-AU" sz="1100" dirty="0"/>
+                    </a:p>
+                  </a:txBody>
+                  <a:tcPr anchor="ctr"/>
+                </a:tc>
+                <a:tc>
+                  <a:txBody>
+                    <a:bodyPr/>
+                    <a:lstStyle/>
+                    <a:p>
+                      <a:pPr algn="ctr"/>
+                      <a:r>
+                        <a:rPr lang="en-AU" sz="1100" dirty="0" smtClean="0"/>
+                        <a:t>16.51</a:t>
+                      </a:r>
+                      <a:endParaRPr lang="en-AU" sz="1100" dirty="0"/>
+                    </a:p>
+                  </a:txBody>
+                  <a:tcPr anchor="ctr"/>
+                </a:tc>
+                <a:tc>
+                  <a:txBody>
+                    <a:bodyPr/>
+                    <a:lstStyle/>
+                    <a:p>
+                      <a:pPr algn="ctr"/>
+                      <a:endParaRPr lang="en-AU" sz="1100" dirty="0"/>
+                    </a:p>
+                  </a:txBody>
+                  <a:tcPr anchor="ctr"/>
+                </a:tc>
+                <a:tc>
+                  <a:txBody>
+                    <a:bodyPr/>
+                    <a:lstStyle/>
+                    <a:p>
+                      <a:pPr algn="ctr"/>
+                      <a:r>
+                        <a:rPr lang="en-AU" sz="1100" dirty="0" smtClean="0"/>
+                        <a:t>24.30</a:t>
+                      </a:r>
+                      <a:endParaRPr lang="en-AU" sz="1100" dirty="0"/>
+                    </a:p>
+                  </a:txBody>
+                  <a:tcPr anchor="ctr"/>
+                </a:tc>
+                <a:tc>
+                  <a:txBody>
+                    <a:bodyPr/>
+                    <a:lstStyle/>
+                    <a:p>
+                      <a:pPr algn="ctr"/>
+                      <a:r>
+                        <a:rPr lang="en-AU" sz="1100" dirty="0" smtClean="0"/>
+                        <a:t>21.78</a:t>
+                      </a:r>
+                      <a:endParaRPr lang="en-AU" sz="1100" dirty="0"/>
+                    </a:p>
+                  </a:txBody>
+                  <a:tcPr anchor="ctr"/>
+                </a:tc>
+                <a:tc>
+                  <a:txBody>
+                    <a:bodyPr/>
+                    <a:lstStyle/>
+                    <a:p>
+                      <a:pPr algn="ctr"/>
+                      <a:endParaRPr lang="en-AU" sz="1100" dirty="0"/>
+                    </a:p>
+                  </a:txBody>
+                  <a:tcPr anchor="ctr"/>
+                </a:tc>
+                <a:tc>
+                  <a:txBody>
+                    <a:bodyPr/>
+                    <a:lstStyle/>
+                    <a:p>
+                      <a:pPr marL="0" marR="0" indent="0" algn="ctr" defTabSz="914400" rtl="0" eaLnBrk="1" fontAlgn="auto" latinLnBrk="0" hangingPunct="1">
+                        <a:lnSpc>
+                          <a:spcPct val="100000"/>
+                        </a:lnSpc>
+                        <a:spcBef>
+                          <a:spcPts val="0"/>
+                        </a:spcBef>
+                        <a:spcAft>
+                          <a:spcPts val="0"/>
+                        </a:spcAft>
+                        <a:buClrTx/>
+                        <a:buSzTx/>
+                        <a:buFontTx/>
+                        <a:buNone/>
+                        <a:tabLst/>
+                        <a:defRPr/>
+                      </a:pPr>
+                      <a:r>
+                        <a:rPr lang="en-AU" sz="1100" dirty="0" smtClean="0"/>
+                        <a:t>12.68</a:t>
+                      </a:r>
+                    </a:p>
+                  </a:txBody>
+                  <a:tcPr anchor="ctr"/>
+                </a:tc>
+                <a:tc>
+                  <a:txBody>
+                    <a:bodyPr/>
+                    <a:lstStyle/>
+                    <a:p>
+                      <a:pPr algn="ctr"/>
+                      <a:r>
+                        <a:rPr lang="en-AU" sz="1100" dirty="0" smtClean="0"/>
+                        <a:t>10.99</a:t>
+                      </a:r>
+                      <a:endParaRPr lang="en-AU" sz="1100" dirty="0"/>
+                    </a:p>
+                  </a:txBody>
+                  <a:tcPr anchor="ctr"/>
+                </a:tc>
+                <a:tc>
+                  <a:txBody>
+                    <a:bodyPr/>
+                    <a:lstStyle/>
+                    <a:p>
+                      <a:pPr algn="ctr"/>
+                      <a:endParaRPr lang="en-AU" sz="1100" dirty="0"/>
+                    </a:p>
+                  </a:txBody>
+                  <a:tcPr anchor="ctr"/>
+                </a:tc>
+              </a:tr>
+              <a:tr h="270999">
+                <a:tc>
+                  <a:txBody>
+                    <a:bodyPr/>
+                    <a:lstStyle/>
+                    <a:p>
+                      <a:r>
+                        <a:rPr lang="en-AU" sz="1100" dirty="0" smtClean="0"/>
                         <a:t>Deep LSTM</a:t>
                       </a:r>
                       <a:r>
@@ -13369,7 +13842,26 @@
                     <a:lstStyle/>
                     <a:p>
                       <a:pPr algn="ctr"/>
-                      <a:endParaRPr lang="en-AU" sz="1100"/>
+                      <a:r>
+                        <a:rPr lang="hr-HR" sz="1100" dirty="0" smtClean="0"/>
+                        <a:t>16.46</a:t>
+                      </a:r>
+                      <a:endParaRPr lang="en-AU" sz="1100" dirty="0"/>
+                    </a:p>
+                  </a:txBody>
+                  <a:tcPr anchor="ctr"/>
+                </a:tc>
+                <a:tc>
+                  <a:txBody>
+                    <a:bodyPr/>
+                    <a:lstStyle/>
+                    <a:p>
+                      <a:pPr algn="ctr"/>
+                      <a:r>
+                        <a:rPr lang="hr-HR" sz="1100" dirty="0" smtClean="0"/>
+                        <a:t>13.73</a:t>
+                      </a:r>
+                      <a:endParaRPr lang="en-AU" sz="1100" dirty="0"/>
                     </a:p>
                   </a:txBody>
                   <a:tcPr anchor="ctr"/>
@@ -13391,6 +13883,25 @@
                     <a:lstStyle/>
                     <a:p>
                       <a:pPr algn="ctr"/>
+                      <a:r>
+                        <a:rPr lang="hr-HR" sz="1100" dirty="0" smtClean="0"/>
+                        <a:t>18.92</a:t>
+                      </a:r>
+                      <a:endParaRPr lang="en-AU" sz="1100" dirty="0"/>
+                    </a:p>
+                  </a:txBody>
+                  <a:tcPr anchor="ctr"/>
+                </a:tc>
+                <a:tc>
+                  <a:txBody>
+                    <a:bodyPr/>
+                    <a:lstStyle/>
+                    <a:p>
+                      <a:pPr algn="ctr"/>
+                      <a:r>
+                        <a:rPr lang="en-AU" sz="1100" dirty="0" smtClean="0"/>
+                        <a:t>22.89</a:t>
+                      </a:r>
                       <a:endParaRPr lang="en-AU" sz="1100" dirty="0"/>
                     </a:p>
                   </a:txBody>
@@ -13413,6 +13924,10 @@
                     <a:lstStyle/>
                     <a:p>
                       <a:pPr algn="ctr"/>
+                      <a:r>
+                        <a:rPr lang="en-AU" sz="1100" dirty="0" smtClean="0"/>
+                        <a:t>11.17</a:t>
+                      </a:r>
                       <a:endParaRPr lang="en-AU" sz="1100" dirty="0"/>
                     </a:p>
                   </a:txBody>
@@ -13424,28 +13939,10 @@
                     <a:lstStyle/>
                     <a:p>
                       <a:pPr algn="ctr"/>
-                      <a:endParaRPr lang="en-AU" sz="1100" dirty="0"/>
-                    </a:p>
-                  </a:txBody>
-                  <a:tcPr anchor="ctr"/>
-                </a:tc>
-                <a:tc>
-                  <a:txBody>
-                    <a:bodyPr/>
-                    <a:lstStyle/>
-                    <a:p>
-                      <a:pPr algn="ctr"/>
-                      <a:endParaRPr lang="en-AU" sz="1100" dirty="0"/>
-                    </a:p>
-                  </a:txBody>
-                  <a:tcPr anchor="ctr"/>
-                </a:tc>
-                <a:tc>
-                  <a:txBody>
-                    <a:bodyPr/>
-                    <a:lstStyle/>
-                    <a:p>
-                      <a:pPr algn="ctr"/>
+                      <a:r>
+                        <a:rPr lang="hr-HR" sz="1100" smtClean="0"/>
+                        <a:t>8.54</a:t>
+                      </a:r>
                       <a:endParaRPr lang="en-AU" sz="1100" dirty="0"/>
                     </a:p>
                   </a:txBody>
@@ -13536,6 +14033,719 @@
       </p:grpSpPr>
       <p:graphicFrame>
         <p:nvGraphicFramePr>
+          <p:cNvPr id="4" name="Table 3"/>
+          <p:cNvGraphicFramePr>
+            <a:graphicFrameLocks noGrp="1"/>
+          </p:cNvGraphicFramePr>
+          <p:nvPr>
+            <p:extLst>
+              <p:ext uri="{D42A27DB-BD31-4B8C-83A1-F6EECF244321}">
+                <p14:modId xmlns:p14="http://schemas.microsoft.com/office/powerpoint/2010/main" val="884672133"/>
+              </p:ext>
+            </p:extLst>
+          </p:nvPr>
+        </p:nvGraphicFramePr>
+        <p:xfrm>
+          <a:off x="2806700" y="949325"/>
+          <a:ext cx="3044064" cy="3980187"/>
+        </p:xfrm>
+        <a:graphic>
+          <a:graphicData uri="http://schemas.openxmlformats.org/drawingml/2006/table">
+            <a:tbl>
+              <a:tblPr firstRow="1" bandRow="1">
+                <a:tableStyleId>{5C22544A-7EE6-4342-B048-85BDC9FD1C3A}</a:tableStyleId>
+              </a:tblPr>
+              <a:tblGrid>
+                <a:gridCol w="1968818"/>
+                <a:gridCol w="1075246"/>
+              </a:tblGrid>
+              <a:tr h="286941">
+                <a:tc>
+                  <a:txBody>
+                    <a:bodyPr/>
+                    <a:lstStyle/>
+                    <a:p>
+                      <a:pPr marL="0" marR="0" indent="0" algn="ctr" defTabSz="914400" rtl="0" eaLnBrk="1" fontAlgn="auto" latinLnBrk="0" hangingPunct="1">
+                        <a:lnSpc>
+                          <a:spcPct val="100000"/>
+                        </a:lnSpc>
+                        <a:spcBef>
+                          <a:spcPts val="0"/>
+                        </a:spcBef>
+                        <a:spcAft>
+                          <a:spcPts val="0"/>
+                        </a:spcAft>
+                        <a:buClrTx/>
+                        <a:buSzTx/>
+                        <a:buFontTx/>
+                        <a:buNone/>
+                        <a:tabLst/>
+                        <a:defRPr/>
+                      </a:pPr>
+                      <a:r>
+                        <a:rPr lang="en-US" sz="1200" b="1" kern="1200" dirty="0" smtClean="0">
+                          <a:solidFill>
+                            <a:schemeClr val="bg1">
+                              <a:lumMod val="95000"/>
+                            </a:schemeClr>
+                          </a:solidFill>
+                          <a:effectLst/>
+                          <a:latin typeface="+mn-lt"/>
+                          <a:ea typeface="+mn-ea"/>
+                          <a:cs typeface="+mn-cs"/>
+                        </a:rPr>
+                        <a:t>Model</a:t>
+                      </a:r>
+                      <a:endParaRPr lang="en-AU" sz="1200" dirty="0">
+                        <a:solidFill>
+                          <a:schemeClr val="bg1">
+                            <a:lumMod val="95000"/>
+                          </a:schemeClr>
+                        </a:solidFill>
+                      </a:endParaRPr>
+                    </a:p>
+                  </a:txBody>
+                  <a:tcPr>
+                    <a:lnL w="12700" cmpd="sng">
+                      <a:noFill/>
+                    </a:lnL>
+                    <a:lnR w="12700" cmpd="sng">
+                      <a:noFill/>
+                    </a:lnR>
+                    <a:lnT w="12700" cmpd="sng">
+                      <a:noFill/>
+                    </a:lnT>
+                    <a:lnB w="38100" cmpd="sng">
+                      <a:noFill/>
+                    </a:lnB>
+                    <a:lnTlToBr w="12700" cmpd="sng">
+                      <a:noFill/>
+                      <a:prstDash val="solid"/>
+                    </a:lnTlToBr>
+                    <a:lnBlToTr w="12700" cmpd="sng">
+                      <a:noFill/>
+                      <a:prstDash val="solid"/>
+                    </a:lnBlToTr>
+                  </a:tcPr>
+                </a:tc>
+                <a:tc>
+                  <a:txBody>
+                    <a:bodyPr/>
+                    <a:lstStyle/>
+                    <a:p>
+                      <a:pPr algn="ctr"/>
+                      <a:r>
+                        <a:rPr lang="en-AU" sz="1200" dirty="0" smtClean="0">
+                          <a:solidFill>
+                            <a:schemeClr val="bg1">
+                              <a:lumMod val="95000"/>
+                            </a:schemeClr>
+                          </a:solidFill>
+                        </a:rPr>
+                        <a:t>Training</a:t>
+                      </a:r>
+                      <a:r>
+                        <a:rPr lang="en-AU" sz="1200" baseline="0" dirty="0" smtClean="0">
+                          <a:solidFill>
+                            <a:schemeClr val="bg1">
+                              <a:lumMod val="95000"/>
+                            </a:schemeClr>
+                          </a:solidFill>
+                        </a:rPr>
+                        <a:t> </a:t>
+                      </a:r>
+                      <a:r>
+                        <a:rPr lang="en-AU" sz="1200" dirty="0" smtClean="0">
+                          <a:solidFill>
+                            <a:schemeClr val="bg1">
+                              <a:lumMod val="95000"/>
+                            </a:schemeClr>
+                          </a:solidFill>
+                        </a:rPr>
+                        <a:t>Time (Secs)</a:t>
+                      </a:r>
+                      <a:endParaRPr lang="en-AU" sz="1200" dirty="0">
+                        <a:solidFill>
+                          <a:schemeClr val="bg1">
+                            <a:lumMod val="95000"/>
+                          </a:schemeClr>
+                        </a:solidFill>
+                      </a:endParaRPr>
+                    </a:p>
+                  </a:txBody>
+                  <a:tcPr>
+                    <a:lnL w="12700" cmpd="sng">
+                      <a:noFill/>
+                    </a:lnL>
+                    <a:lnR w="12700" cmpd="sng">
+                      <a:noFill/>
+                    </a:lnR>
+                    <a:lnT w="12700" cmpd="sng">
+                      <a:noFill/>
+                    </a:lnT>
+                    <a:lnB w="38100" cmpd="sng">
+                      <a:noFill/>
+                    </a:lnB>
+                    <a:lnTlToBr w="12700" cmpd="sng">
+                      <a:noFill/>
+                      <a:prstDash val="solid"/>
+                    </a:lnTlToBr>
+                    <a:lnBlToTr w="12700" cmpd="sng">
+                      <a:noFill/>
+                      <a:prstDash val="solid"/>
+                    </a:lnBlToTr>
+                  </a:tcPr>
+                </a:tc>
+              </a:tr>
+              <a:tr h="270999">
+                <a:tc>
+                  <a:txBody>
+                    <a:bodyPr/>
+                    <a:lstStyle/>
+                    <a:p>
+                      <a:r>
+                        <a:rPr lang="en-AU" sz="1100" dirty="0" smtClean="0"/>
+                        <a:t>Naive</a:t>
+                      </a:r>
+                      <a:endParaRPr lang="en-AU" sz="1100" dirty="0"/>
+                    </a:p>
+                  </a:txBody>
+                  <a:tcPr>
+                    <a:lnT w="38100" cmpd="sng">
+                      <a:noFill/>
+                    </a:lnT>
+                    <a:lnB w="12700" cmpd="sng">
+                      <a:noFill/>
+                    </a:lnB>
+                  </a:tcPr>
+                </a:tc>
+                <a:tc>
+                  <a:txBody>
+                    <a:bodyPr/>
+                    <a:lstStyle/>
+                    <a:p>
+                      <a:pPr algn="ctr"/>
+                      <a:r>
+                        <a:rPr lang="hr-HR" sz="1100" dirty="0" smtClean="0"/>
+                        <a:t>0.013</a:t>
+                      </a:r>
+                      <a:endParaRPr lang="en-AU" sz="1100" dirty="0"/>
+                    </a:p>
+                  </a:txBody>
+                  <a:tcPr anchor="ctr">
+                    <a:lnT w="38100" cmpd="sng">
+                      <a:noFill/>
+                    </a:lnT>
+                    <a:lnB w="12700" cmpd="sng">
+                      <a:noFill/>
+                    </a:lnB>
+                  </a:tcPr>
+                </a:tc>
+              </a:tr>
+              <a:tr h="270999">
+                <a:tc>
+                  <a:txBody>
+                    <a:bodyPr/>
+                    <a:lstStyle/>
+                    <a:p>
+                      <a:r>
+                        <a:rPr lang="en-AU" sz="1100" dirty="0" smtClean="0"/>
+                        <a:t>Linear</a:t>
+                      </a:r>
+                      <a:r>
+                        <a:rPr lang="en-AU" sz="1100" baseline="0" dirty="0" smtClean="0"/>
+                        <a:t> regression</a:t>
+                      </a:r>
+                      <a:endParaRPr lang="en-AU" sz="1100" dirty="0"/>
+                    </a:p>
+                  </a:txBody>
+                  <a:tcPr>
+                    <a:lnT w="38100" cmpd="sng">
+                      <a:noFill/>
+                    </a:lnT>
+                    <a:lnB w="12700" cmpd="sng">
+                      <a:noFill/>
+                    </a:lnB>
+                  </a:tcPr>
+                </a:tc>
+                <a:tc>
+                  <a:txBody>
+                    <a:bodyPr/>
+                    <a:lstStyle/>
+                    <a:p>
+                      <a:pPr algn="ctr"/>
+                      <a:r>
+                        <a:rPr lang="nb-NO" sz="1100" dirty="0" smtClean="0"/>
+                        <a:t>0.173</a:t>
+                      </a:r>
+                      <a:endParaRPr lang="en-AU" sz="1100" dirty="0"/>
+                    </a:p>
+                  </a:txBody>
+                  <a:tcPr anchor="ctr">
+                    <a:lnT w="38100" cmpd="sng">
+                      <a:noFill/>
+                    </a:lnT>
+                    <a:lnB w="12700" cmpd="sng">
+                      <a:noFill/>
+                    </a:lnB>
+                  </a:tcPr>
+                </a:tc>
+              </a:tr>
+              <a:tr h="270999">
+                <a:tc>
+                  <a:txBody>
+                    <a:bodyPr/>
+                    <a:lstStyle/>
+                    <a:p>
+                      <a:r>
+                        <a:rPr lang="en-AU" sz="1100" dirty="0" smtClean="0"/>
+                        <a:t>ARIMA</a:t>
+                      </a:r>
+                      <a:endParaRPr lang="en-AU" sz="1100" dirty="0"/>
+                    </a:p>
+                  </a:txBody>
+                  <a:tcPr>
+                    <a:lnT w="38100" cmpd="sng">
+                      <a:noFill/>
+                    </a:lnT>
+                    <a:lnB w="12700" cmpd="sng">
+                      <a:noFill/>
+                    </a:lnB>
+                  </a:tcPr>
+                </a:tc>
+                <a:tc>
+                  <a:txBody>
+                    <a:bodyPr/>
+                    <a:lstStyle/>
+                    <a:p>
+                      <a:pPr algn="ctr"/>
+                      <a:r>
+                        <a:rPr lang="pl-PL" sz="1100" dirty="0" smtClean="0"/>
+                        <a:t>1060.10</a:t>
+                      </a:r>
+                      <a:endParaRPr lang="en-AU" sz="1100" dirty="0"/>
+                    </a:p>
+                  </a:txBody>
+                  <a:tcPr anchor="ctr">
+                    <a:lnT w="38100" cmpd="sng">
+                      <a:noFill/>
+                    </a:lnT>
+                    <a:lnB w="12700" cmpd="sng">
+                      <a:noFill/>
+                    </a:lnB>
+                  </a:tcPr>
+                </a:tc>
+              </a:tr>
+              <a:tr h="270999">
+                <a:tc>
+                  <a:txBody>
+                    <a:bodyPr/>
+                    <a:lstStyle/>
+                    <a:p>
+                      <a:r>
+                        <a:rPr lang="en-AU" sz="1100" dirty="0" smtClean="0"/>
+                        <a:t>Exponential smoothing</a:t>
+                      </a:r>
+                      <a:endParaRPr lang="en-AU" sz="1100" dirty="0"/>
+                    </a:p>
+                  </a:txBody>
+                  <a:tcPr>
+                    <a:lnT w="38100" cmpd="sng">
+                      <a:noFill/>
+                    </a:lnT>
+                    <a:lnB w="12700" cmpd="sng">
+                      <a:noFill/>
+                    </a:lnB>
+                  </a:tcPr>
+                </a:tc>
+                <a:tc>
+                  <a:txBody>
+                    <a:bodyPr/>
+                    <a:lstStyle/>
+                    <a:p>
+                      <a:pPr algn="ctr"/>
+                      <a:r>
+                        <a:rPr lang="nb-NO" sz="1100" dirty="0" smtClean="0"/>
+                        <a:t>10.02</a:t>
+                      </a:r>
+                      <a:endParaRPr lang="en-AU" sz="1100" dirty="0"/>
+                    </a:p>
+                  </a:txBody>
+                  <a:tcPr anchor="ctr">
+                    <a:lnT w="38100" cmpd="sng">
+                      <a:noFill/>
+                    </a:lnT>
+                    <a:lnB w="12700" cmpd="sng">
+                      <a:noFill/>
+                    </a:lnB>
+                  </a:tcPr>
+                </a:tc>
+              </a:tr>
+              <a:tr h="270999">
+                <a:tc>
+                  <a:txBody>
+                    <a:bodyPr/>
+                    <a:lstStyle/>
+                    <a:p>
+                      <a:r>
+                        <a:rPr lang="en-AU" sz="1100" dirty="0" smtClean="0"/>
+                        <a:t>Neural</a:t>
+                      </a:r>
+                      <a:r>
+                        <a:rPr lang="en-AU" sz="1100" baseline="0" dirty="0" smtClean="0"/>
+                        <a:t> network autoregressive</a:t>
+                      </a:r>
+                      <a:endParaRPr lang="en-AU" sz="1100" dirty="0"/>
+                    </a:p>
+                  </a:txBody>
+                  <a:tcPr>
+                    <a:lnT w="38100" cmpd="sng">
+                      <a:noFill/>
+                    </a:lnT>
+                    <a:lnB w="12700" cmpd="sng">
+                      <a:noFill/>
+                    </a:lnB>
+                  </a:tcPr>
+                </a:tc>
+                <a:tc>
+                  <a:txBody>
+                    <a:bodyPr/>
+                    <a:lstStyle/>
+                    <a:p>
+                      <a:pPr algn="ctr"/>
+                      <a:r>
+                        <a:rPr lang="is-IS" sz="1100" dirty="0" smtClean="0"/>
+                        <a:t>238.94</a:t>
+                      </a:r>
+                      <a:endParaRPr lang="en-AU" sz="1100" dirty="0"/>
+                    </a:p>
+                  </a:txBody>
+                  <a:tcPr anchor="ctr">
+                    <a:lnT w="38100" cmpd="sng">
+                      <a:noFill/>
+                    </a:lnT>
+                    <a:lnB w="12700" cmpd="sng">
+                      <a:noFill/>
+                    </a:lnB>
+                  </a:tcPr>
+                </a:tc>
+              </a:tr>
+              <a:tr h="270999">
+                <a:tc>
+                  <a:txBody>
+                    <a:bodyPr/>
+                    <a:lstStyle/>
+                    <a:p>
+                      <a:r>
+                        <a:rPr lang="en-AU" sz="1100" dirty="0" smtClean="0"/>
+                        <a:t>K-nearest neighbour</a:t>
+                      </a:r>
+                      <a:endParaRPr lang="en-AU" sz="1100" dirty="0"/>
+                    </a:p>
+                  </a:txBody>
+                  <a:tcPr>
+                    <a:lnT w="38100" cmpd="sng">
+                      <a:noFill/>
+                    </a:lnT>
+                  </a:tcPr>
+                </a:tc>
+                <a:tc>
+                  <a:txBody>
+                    <a:bodyPr/>
+                    <a:lstStyle/>
+                    <a:p>
+                      <a:pPr algn="ctr"/>
+                      <a:r>
+                        <a:rPr lang="en-AU" sz="1100" dirty="0" smtClean="0"/>
+                        <a:t>15.24</a:t>
+                      </a:r>
+                      <a:endParaRPr lang="en-AU" sz="1100" dirty="0"/>
+                    </a:p>
+                  </a:txBody>
+                  <a:tcPr anchor="ctr">
+                    <a:lnT w="38100" cmpd="sng">
+                      <a:noFill/>
+                    </a:lnT>
+                  </a:tcPr>
+                </a:tc>
+              </a:tr>
+              <a:tr h="270999">
+                <a:tc>
+                  <a:txBody>
+                    <a:bodyPr/>
+                    <a:lstStyle/>
+                    <a:p>
+                      <a:r>
+                        <a:rPr lang="en-AU" sz="1100" dirty="0" smtClean="0"/>
+                        <a:t>Support vector</a:t>
+                      </a:r>
+                      <a:r>
+                        <a:rPr lang="en-AU" sz="1100" baseline="0" dirty="0" smtClean="0"/>
+                        <a:t> regression</a:t>
+                      </a:r>
+                      <a:endParaRPr lang="en-AU" sz="1100" dirty="0"/>
+                    </a:p>
+                  </a:txBody>
+                  <a:tcPr/>
+                </a:tc>
+                <a:tc>
+                  <a:txBody>
+                    <a:bodyPr/>
+                    <a:lstStyle/>
+                    <a:p>
+                      <a:pPr algn="ctr"/>
+                      <a:r>
+                        <a:rPr lang="hr-HR" sz="1100" dirty="0" smtClean="0"/>
+                        <a:t>17808.57</a:t>
+                      </a:r>
+                      <a:endParaRPr lang="en-AU" sz="1100" dirty="0"/>
+                    </a:p>
+                  </a:txBody>
+                  <a:tcPr anchor="ctr"/>
+                </a:tc>
+              </a:tr>
+              <a:tr h="270999">
+                <a:tc>
+                  <a:txBody>
+                    <a:bodyPr/>
+                    <a:lstStyle/>
+                    <a:p>
+                      <a:r>
+                        <a:rPr lang="en-AU" sz="1100" dirty="0" smtClean="0"/>
+                        <a:t>Deep Simple RNN</a:t>
+                      </a:r>
+                      <a:endParaRPr lang="en-AU" sz="1100" dirty="0"/>
+                    </a:p>
+                  </a:txBody>
+                  <a:tcPr/>
+                </a:tc>
+                <a:tc>
+                  <a:txBody>
+                    <a:bodyPr/>
+                    <a:lstStyle/>
+                    <a:p>
+                      <a:pPr algn="ctr"/>
+                      <a:r>
+                        <a:rPr lang="en-AU" sz="1100" dirty="0" smtClean="0"/>
+                        <a:t>304.84</a:t>
+                      </a:r>
+                      <a:endParaRPr lang="en-AU" sz="1100" dirty="0"/>
+                    </a:p>
+                  </a:txBody>
+                  <a:tcPr anchor="ctr"/>
+                </a:tc>
+              </a:tr>
+              <a:tr h="270999">
+                <a:tc>
+                  <a:txBody>
+                    <a:bodyPr/>
+                    <a:lstStyle/>
+                    <a:p>
+                      <a:r>
+                        <a:rPr lang="en-AU" sz="1100" dirty="0" smtClean="0"/>
+                        <a:t>Deep GRU</a:t>
+                      </a:r>
+                      <a:endParaRPr lang="en-AU" sz="1100" dirty="0"/>
+                    </a:p>
+                  </a:txBody>
+                  <a:tcPr/>
+                </a:tc>
+                <a:tc>
+                  <a:txBody>
+                    <a:bodyPr/>
+                    <a:lstStyle/>
+                    <a:p>
+                      <a:pPr algn="ctr"/>
+                      <a:r>
+                        <a:rPr lang="en-AU" sz="1100" dirty="0" smtClean="0"/>
+                        <a:t>1153.33</a:t>
+                      </a:r>
+                      <a:endParaRPr lang="en-AU" sz="1100" dirty="0"/>
+                    </a:p>
+                  </a:txBody>
+                  <a:tcPr anchor="ctr"/>
+                </a:tc>
+              </a:tr>
+              <a:tr h="270999">
+                <a:tc>
+                  <a:txBody>
+                    <a:bodyPr/>
+                    <a:lstStyle/>
+                    <a:p>
+                      <a:r>
+                        <a:rPr lang="en-AU" sz="1100" dirty="0" smtClean="0"/>
+                        <a:t>Deep LSTM</a:t>
+                      </a:r>
+                      <a:endParaRPr lang="en-AU" sz="1100" dirty="0"/>
+                    </a:p>
+                  </a:txBody>
+                  <a:tcPr/>
+                </a:tc>
+                <a:tc>
+                  <a:txBody>
+                    <a:bodyPr/>
+                    <a:lstStyle/>
+                    <a:p>
+                      <a:pPr algn="ctr"/>
+                      <a:r>
+                        <a:rPr lang="en-AU" sz="1100" dirty="0" smtClean="0"/>
+                        <a:t>1952.54</a:t>
+                      </a:r>
+                      <a:endParaRPr lang="en-AU" sz="1100" dirty="0"/>
+                    </a:p>
+                  </a:txBody>
+                  <a:tcPr anchor="ctr"/>
+                </a:tc>
+              </a:tr>
+              <a:tr h="270999">
+                <a:tc>
+                  <a:txBody>
+                    <a:bodyPr/>
+                    <a:lstStyle/>
+                    <a:p>
+                      <a:pPr marL="0" marR="0" indent="0" algn="l" defTabSz="914400" rtl="0" eaLnBrk="1" fontAlgn="auto" latinLnBrk="0" hangingPunct="1">
+                        <a:lnSpc>
+                          <a:spcPct val="100000"/>
+                        </a:lnSpc>
+                        <a:spcBef>
+                          <a:spcPts val="0"/>
+                        </a:spcBef>
+                        <a:spcAft>
+                          <a:spcPts val="0"/>
+                        </a:spcAft>
+                        <a:buClrTx/>
+                        <a:buSzTx/>
+                        <a:buFontTx/>
+                        <a:buNone/>
+                        <a:tabLst/>
+                        <a:defRPr/>
+                      </a:pPr>
+                      <a:r>
+                        <a:rPr lang="en-AU" sz="1100" dirty="0" smtClean="0"/>
+                        <a:t>Deep Simple RNN(Multivariate)</a:t>
+                      </a:r>
+                    </a:p>
+                  </a:txBody>
+                  <a:tcPr/>
+                </a:tc>
+                <a:tc>
+                  <a:txBody>
+                    <a:bodyPr/>
+                    <a:lstStyle/>
+                    <a:p>
+                      <a:pPr algn="ctr"/>
+                      <a:r>
+                        <a:rPr lang="nb-NO" sz="1100" dirty="0" smtClean="0"/>
+                        <a:t>825.69</a:t>
+                      </a:r>
+                      <a:endParaRPr lang="en-AU" sz="1100" dirty="0"/>
+                    </a:p>
+                  </a:txBody>
+                  <a:tcPr anchor="ctr"/>
+                </a:tc>
+              </a:tr>
+              <a:tr h="270999">
+                <a:tc>
+                  <a:txBody>
+                    <a:bodyPr/>
+                    <a:lstStyle/>
+                    <a:p>
+                      <a:r>
+                        <a:rPr lang="en-AU" sz="1100" dirty="0" smtClean="0"/>
+                        <a:t>Deep GRU(Multivariate)</a:t>
+                      </a:r>
+                      <a:endParaRPr lang="en-AU" sz="1100" dirty="0"/>
+                    </a:p>
+                  </a:txBody>
+                  <a:tcPr/>
+                </a:tc>
+                <a:tc>
+                  <a:txBody>
+                    <a:bodyPr/>
+                    <a:lstStyle/>
+                    <a:p>
+                      <a:pPr algn="ctr"/>
+                      <a:r>
+                        <a:rPr lang="nb-NO" sz="1100" dirty="0" smtClean="0"/>
+                        <a:t>2895.62</a:t>
+                      </a:r>
+                      <a:endParaRPr lang="en-AU" sz="1100" dirty="0"/>
+                    </a:p>
+                  </a:txBody>
+                  <a:tcPr anchor="ctr"/>
+                </a:tc>
+              </a:tr>
+              <a:tr h="270999">
+                <a:tc>
+                  <a:txBody>
+                    <a:bodyPr/>
+                    <a:lstStyle/>
+                    <a:p>
+                      <a:r>
+                        <a:rPr lang="en-AU" sz="1100" dirty="0" smtClean="0"/>
+                        <a:t>Deep LSTM</a:t>
+                      </a:r>
+                      <a:r>
+                        <a:rPr lang="en-AU" sz="1100" baseline="0" dirty="0" smtClean="0"/>
+                        <a:t> (Multivariate)</a:t>
+                      </a:r>
+                      <a:endParaRPr lang="en-AU" sz="1100" dirty="0"/>
+                    </a:p>
+                  </a:txBody>
+                  <a:tcPr/>
+                </a:tc>
+                <a:tc>
+                  <a:txBody>
+                    <a:bodyPr/>
+                    <a:lstStyle/>
+                    <a:p>
+                      <a:pPr algn="ctr"/>
+                      <a:r>
+                        <a:rPr lang="nb-NO" sz="1100" dirty="0" smtClean="0"/>
+                        <a:t>3465.49</a:t>
+                      </a:r>
+                      <a:endParaRPr lang="en-AU" sz="1100" dirty="0"/>
+                    </a:p>
+                  </a:txBody>
+                  <a:tcPr anchor="ctr"/>
+                </a:tc>
+              </a:tr>
+            </a:tbl>
+          </a:graphicData>
+        </a:graphic>
+      </p:graphicFrame>
+    </p:spTree>
+    <p:extLst>
+      <p:ext uri="{BB962C8B-B14F-4D97-AF65-F5344CB8AC3E}">
+        <p14:creationId xmlns:p14="http://schemas.microsoft.com/office/powerpoint/2010/main" val="99226179"/>
+      </p:ext>
+    </p:extLst>
+  </p:cSld>
+  <p:clrMapOvr>
+    <a:masterClrMapping/>
+  </p:clrMapOvr>
+</p:sld>
+</file>
+
+<file path=ppt/slides/slide6.xml><?xml version="1.0" encoding="utf-8"?>
+<p:sld xmlns:a="http://schemas.openxmlformats.org/drawingml/2006/main" xmlns:r="http://schemas.openxmlformats.org/officeDocument/2006/relationships" xmlns:p="http://schemas.openxmlformats.org/presentationml/2006/main">
+  <p:cSld>
+    <p:spTree>
+      <p:nvGrpSpPr>
+        <p:cNvPr id="1" name=""/>
+        <p:cNvGrpSpPr/>
+        <p:nvPr/>
+      </p:nvGrpSpPr>
+      <p:grpSpPr>
+        <a:xfrm>
+          <a:off x="0" y="0"/>
+          <a:ext cx="0" cy="0"/>
+          <a:chOff x="0" y="0"/>
+          <a:chExt cx="0" cy="0"/>
+        </a:xfrm>
+      </p:grpSpPr>
+      <p:graphicFrame>
+        <p:nvGraphicFramePr>
           <p:cNvPr id="4" name="Content Placeholder 3"/>
           <p:cNvGraphicFramePr>
             <a:graphicFrameLocks noGrp="1"/>
@@ -16217,7 +17427,7 @@
 </p:sld>
 </file>
 
-<file path=ppt/slides/slide6.xml><?xml version="1.0" encoding="utf-8"?>
+<file path=ppt/slides/slide7.xml><?xml version="1.0" encoding="utf-8"?>
 <p:sld xmlns:a="http://schemas.openxmlformats.org/drawingml/2006/main" xmlns:r="http://schemas.openxmlformats.org/officeDocument/2006/relationships" xmlns:p="http://schemas.openxmlformats.org/presentationml/2006/main">
   <p:cSld>
     <p:spTree>
@@ -17427,7 +18637,7 @@
 </p:sld>
 </file>
 
-<file path=ppt/slides/slide7.xml><?xml version="1.0" encoding="utf-8"?>
+<file path=ppt/slides/slide8.xml><?xml version="1.0" encoding="utf-8"?>
 <p:sld xmlns:a="http://schemas.openxmlformats.org/drawingml/2006/main" xmlns:r="http://schemas.openxmlformats.org/officeDocument/2006/relationships" xmlns:p="http://schemas.openxmlformats.org/presentationml/2006/main">
   <p:cSld>
     <p:spTree>
@@ -19676,7 +20886,7 @@
 </p:sld>
 </file>
 
-<file path=ppt/slides/slide8.xml><?xml version="1.0" encoding="utf-8"?>
+<file path=ppt/slides/slide9.xml><?xml version="1.0" encoding="utf-8"?>
 <p:sld xmlns:a="http://schemas.openxmlformats.org/drawingml/2006/main" xmlns:r="http://schemas.openxmlformats.org/officeDocument/2006/relationships" xmlns:p="http://schemas.openxmlformats.org/presentationml/2006/main">
   <p:cSld>
     <p:spTree>

--- a/latex-thesis/figures.pptx
+++ b/latex-thesis/figures.pptx
@@ -11551,702 +11551,6 @@
           </a:fontRef>
         </p:style>
       </p:cxnSp>
-      <mc:AlternateContent xmlns:mc="http://schemas.openxmlformats.org/markup-compatibility/2006">
-        <mc:Choice xmlns:a14="http://schemas.microsoft.com/office/drawing/2010/main" Requires="a14">
-          <p:sp>
-            <p:nvSpPr>
-              <p:cNvPr id="48" name="Rounded Rectangle 47"/>
-              <p:cNvSpPr/>
-              <p:nvPr/>
-            </p:nvSpPr>
-            <p:spPr>
-              <a:xfrm>
-                <a:off x="3915760" y="4953000"/>
-                <a:ext cx="1295400" cy="406400"/>
-              </a:xfrm>
-              <a:prstGeom prst="roundRect">
-                <a:avLst/>
-              </a:prstGeom>
-              <a:ln w="12700">
-                <a:solidFill>
-                  <a:schemeClr val="accent1">
-                    <a:shade val="50000"/>
-                  </a:schemeClr>
-                </a:solidFill>
-              </a:ln>
-            </p:spPr>
-            <p:style>
-              <a:lnRef idx="2">
-                <a:schemeClr val="accent1">
-                  <a:shade val="50000"/>
-                </a:schemeClr>
-              </a:lnRef>
-              <a:fillRef idx="1">
-                <a:schemeClr val="accent1"/>
-              </a:fillRef>
-              <a:effectRef idx="0">
-                <a:schemeClr val="accent1"/>
-              </a:effectRef>
-              <a:fontRef idx="minor">
-                <a:schemeClr val="lt1"/>
-              </a:fontRef>
-            </p:style>
-            <p:txBody>
-              <a:bodyPr rtlCol="0" anchor="ctr"/>
-              <a:lstStyle/>
-              <a:p>
-                <a:pPr algn="ctr"/>
-                <a14:m>
-                  <m:oMathPara xmlns:m="http://schemas.openxmlformats.org/officeDocument/2006/math">
-                    <m:oMathParaPr>
-                      <m:jc m:val="centerGroup"/>
-                    </m:oMathParaPr>
-                    <m:oMath xmlns:m="http://schemas.openxmlformats.org/officeDocument/2006/math">
-                      <m:r>
-                        <a:rPr lang="en-AU" sz="900" i="1" smtClean="0">
-                          <a:solidFill>
-                            <a:prstClr val="white"/>
-                          </a:solidFill>
-                          <a:latin typeface="Cambria Math" charset="0"/>
-                        </a:rPr>
-                        <m:t>𝑥</m:t>
-                      </m:r>
-                      <m:r>
-                        <a:rPr lang="en-AU" sz="900" i="1" baseline="30000" smtClean="0">
-                          <a:solidFill>
-                            <a:prstClr val="white"/>
-                          </a:solidFill>
-                          <a:latin typeface="Cambria Math" charset="0"/>
-                        </a:rPr>
-                        <m:t>1</m:t>
-                      </m:r>
-                      <m:r>
-                        <a:rPr lang="en-AU" sz="900" i="1" baseline="-25000" smtClean="0">
-                          <a:solidFill>
-                            <a:prstClr val="white"/>
-                          </a:solidFill>
-                          <a:latin typeface="Cambria Math" charset="0"/>
-                        </a:rPr>
-                        <m:t>𝑡</m:t>
-                      </m:r>
-                      <m:r>
-                        <a:rPr lang="en-AU" sz="900" i="1" baseline="-25000" smtClean="0">
-                          <a:solidFill>
-                            <a:prstClr val="white"/>
-                          </a:solidFill>
-                          <a:latin typeface="Cambria Math" charset="0"/>
-                        </a:rPr>
-                        <m:t>−1, </m:t>
-                      </m:r>
-                      <m:r>
-                        <a:rPr lang="en-AU" sz="900" i="1" smtClean="0">
-                          <a:solidFill>
-                            <a:prstClr val="white"/>
-                          </a:solidFill>
-                          <a:latin typeface="Cambria Math" charset="0"/>
-                        </a:rPr>
-                        <m:t>𝑥</m:t>
-                      </m:r>
-                      <m:r>
-                        <a:rPr lang="en-AU" sz="900" i="1" baseline="30000" smtClean="0">
-                          <a:solidFill>
-                            <a:prstClr val="white"/>
-                          </a:solidFill>
-                          <a:latin typeface="Cambria Math" charset="0"/>
-                        </a:rPr>
-                        <m:t>2</m:t>
-                      </m:r>
-                      <m:r>
-                        <a:rPr lang="en-AU" sz="900" i="1" baseline="-25000" smtClean="0">
-                          <a:solidFill>
-                            <a:prstClr val="white"/>
-                          </a:solidFill>
-                          <a:latin typeface="Cambria Math" charset="0"/>
-                        </a:rPr>
-                        <m:t>𝑡</m:t>
-                      </m:r>
-                      <m:r>
-                        <a:rPr lang="en-AU" sz="900" i="1" baseline="-25000" smtClean="0">
-                          <a:solidFill>
-                            <a:prstClr val="white"/>
-                          </a:solidFill>
-                          <a:latin typeface="Cambria Math" charset="0"/>
-                        </a:rPr>
-                        <m:t>−1 …</m:t>
-                      </m:r>
-                      <m:r>
-                        <a:rPr lang="en-AU" sz="900" i="1" smtClean="0">
-                          <a:solidFill>
-                            <a:prstClr val="white"/>
-                          </a:solidFill>
-                          <a:latin typeface="Cambria Math" charset="0"/>
-                        </a:rPr>
-                        <m:t>𝑥</m:t>
-                      </m:r>
-                      <m:r>
-                        <a:rPr lang="en-AU" sz="900" i="1" baseline="30000">
-                          <a:solidFill>
-                            <a:prstClr val="white"/>
-                          </a:solidFill>
-                          <a:latin typeface="Cambria Math" charset="0"/>
-                        </a:rPr>
-                        <m:t>𝑛</m:t>
-                      </m:r>
-                      <m:r>
-                        <a:rPr lang="en-AU" sz="900" i="1" baseline="-25000" smtClean="0">
-                          <a:solidFill>
-                            <a:prstClr val="white"/>
-                          </a:solidFill>
-                          <a:latin typeface="Cambria Math" charset="0"/>
-                        </a:rPr>
-                        <m:t>𝑡</m:t>
-                      </m:r>
-                      <m:r>
-                        <a:rPr lang="en-AU" sz="900" i="1" baseline="-25000" smtClean="0">
-                          <a:solidFill>
-                            <a:prstClr val="white"/>
-                          </a:solidFill>
-                          <a:latin typeface="Cambria Math" charset="0"/>
-                        </a:rPr>
-                        <m:t>−1</m:t>
-                      </m:r>
-                    </m:oMath>
-                  </m:oMathPara>
-                </a14:m>
-                <a:endParaRPr lang="en-AU" sz="900" baseline="-25000" dirty="0">
-                  <a:solidFill>
-                    <a:prstClr val="white"/>
-                  </a:solidFill>
-                </a:endParaRPr>
-              </a:p>
-            </p:txBody>
-          </p:sp>
-        </mc:Choice>
-        <mc:Fallback>
-          <p:sp>
-            <p:nvSpPr>
-              <p:cNvPr id="48" name="Rounded Rectangle 47"/>
-              <p:cNvSpPr>
-                <a:spLocks noRot="1" noChangeAspect="1" noMove="1" noResize="1" noEditPoints="1" noAdjustHandles="1" noChangeArrowheads="1" noChangeShapeType="1" noTextEdit="1"/>
-              </p:cNvSpPr>
-              <p:nvPr/>
-            </p:nvSpPr>
-            <p:spPr>
-              <a:xfrm>
-                <a:off x="3915760" y="4953000"/>
-                <a:ext cx="1295400" cy="406400"/>
-              </a:xfrm>
-              <a:prstGeom prst="roundRect">
-                <a:avLst/>
-              </a:prstGeom>
-              <a:blipFill rotWithShape="0">
-                <a:blip r:embed="rId5"/>
-                <a:stretch>
-                  <a:fillRect b="-19118"/>
-                </a:stretch>
-              </a:blipFill>
-              <a:ln w="12700">
-                <a:solidFill>
-                  <a:schemeClr val="accent1">
-                    <a:shade val="50000"/>
-                  </a:schemeClr>
-                </a:solidFill>
-              </a:ln>
-            </p:spPr>
-            <p:txBody>
-              <a:bodyPr/>
-              <a:lstStyle/>
-              <a:p>
-                <a:r>
-                  <a:rPr lang="en-AU">
-                    <a:noFill/>
-                  </a:rPr>
-                  <a:t> </a:t>
-                </a:r>
-              </a:p>
-            </p:txBody>
-          </p:sp>
-        </mc:Fallback>
-      </mc:AlternateContent>
-      <mc:AlternateContent xmlns:mc="http://schemas.openxmlformats.org/markup-compatibility/2006">
-        <mc:Choice xmlns:a14="http://schemas.microsoft.com/office/drawing/2010/main" Requires="a14">
-          <p:sp>
-            <p:nvSpPr>
-              <p:cNvPr id="49" name="Rounded Rectangle 48"/>
-              <p:cNvSpPr/>
-              <p:nvPr/>
-            </p:nvSpPr>
-            <p:spPr>
-              <a:xfrm>
-                <a:off x="3910395" y="5422900"/>
-                <a:ext cx="1295400" cy="406400"/>
-              </a:xfrm>
-              <a:prstGeom prst="roundRect">
-                <a:avLst/>
-              </a:prstGeom>
-              <a:ln w="12700">
-                <a:solidFill>
-                  <a:schemeClr val="accent1">
-                    <a:shade val="50000"/>
-                  </a:schemeClr>
-                </a:solidFill>
-              </a:ln>
-            </p:spPr>
-            <p:style>
-              <a:lnRef idx="2">
-                <a:schemeClr val="accent1">
-                  <a:shade val="50000"/>
-                </a:schemeClr>
-              </a:lnRef>
-              <a:fillRef idx="1">
-                <a:schemeClr val="accent1"/>
-              </a:fillRef>
-              <a:effectRef idx="0">
-                <a:schemeClr val="accent1"/>
-              </a:effectRef>
-              <a:fontRef idx="minor">
-                <a:schemeClr val="lt1"/>
-              </a:fontRef>
-            </p:style>
-            <p:txBody>
-              <a:bodyPr rtlCol="0" anchor="ctr"/>
-              <a:lstStyle/>
-              <a:p>
-                <a:pPr lvl="0" algn="ctr"/>
-                <a14:m>
-                  <m:oMathPara xmlns:m="http://schemas.openxmlformats.org/officeDocument/2006/math">
-                    <m:oMathParaPr>
-                      <m:jc m:val="centerGroup"/>
-                    </m:oMathParaPr>
-                    <m:oMath xmlns:m="http://schemas.openxmlformats.org/officeDocument/2006/math">
-                      <m:r>
-                        <a:rPr lang="en-AU" sz="900" i="1" smtClean="0">
-                          <a:solidFill>
-                            <a:prstClr val="white"/>
-                          </a:solidFill>
-                          <a:latin typeface="Cambria Math" charset="0"/>
-                        </a:rPr>
-                        <m:t>𝑥</m:t>
-                      </m:r>
-                      <m:r>
-                        <a:rPr lang="en-AU" sz="900" i="1" baseline="30000" smtClean="0">
-                          <a:solidFill>
-                            <a:prstClr val="white"/>
-                          </a:solidFill>
-                          <a:latin typeface="Cambria Math" charset="0"/>
-                        </a:rPr>
-                        <m:t>1</m:t>
-                      </m:r>
-                      <m:r>
-                        <a:rPr lang="en-AU" sz="900" i="1" baseline="-25000" smtClean="0">
-                          <a:solidFill>
-                            <a:prstClr val="white"/>
-                          </a:solidFill>
-                          <a:latin typeface="Cambria Math" charset="0"/>
-                        </a:rPr>
-                        <m:t>𝑡</m:t>
-                      </m:r>
-                      <m:r>
-                        <a:rPr lang="en-AU" sz="900" i="1" baseline="-25000" smtClean="0">
-                          <a:solidFill>
-                            <a:prstClr val="white"/>
-                          </a:solidFill>
-                          <a:latin typeface="Cambria Math" charset="0"/>
-                        </a:rPr>
-                        <m:t>−2, </m:t>
-                      </m:r>
-                      <m:r>
-                        <a:rPr lang="en-AU" sz="900" i="1" smtClean="0">
-                          <a:solidFill>
-                            <a:prstClr val="white"/>
-                          </a:solidFill>
-                          <a:latin typeface="Cambria Math" charset="0"/>
-                        </a:rPr>
-                        <m:t>𝑥</m:t>
-                      </m:r>
-                      <m:r>
-                        <a:rPr lang="en-AU" sz="900" i="1" baseline="30000" smtClean="0">
-                          <a:solidFill>
-                            <a:prstClr val="white"/>
-                          </a:solidFill>
-                          <a:latin typeface="Cambria Math" charset="0"/>
-                        </a:rPr>
-                        <m:t>2</m:t>
-                      </m:r>
-                      <m:r>
-                        <a:rPr lang="en-AU" sz="900" i="1" baseline="-25000" smtClean="0">
-                          <a:solidFill>
-                            <a:prstClr val="white"/>
-                          </a:solidFill>
-                          <a:latin typeface="Cambria Math" charset="0"/>
-                        </a:rPr>
-                        <m:t>𝑡</m:t>
-                      </m:r>
-                      <m:r>
-                        <a:rPr lang="en-AU" sz="900" i="1" baseline="-25000" smtClean="0">
-                          <a:solidFill>
-                            <a:prstClr val="white"/>
-                          </a:solidFill>
-                          <a:latin typeface="Cambria Math" charset="0"/>
-                        </a:rPr>
-                        <m:t>−2 …</m:t>
-                      </m:r>
-                      <m:r>
-                        <a:rPr lang="en-AU" sz="900" i="1" smtClean="0">
-                          <a:solidFill>
-                            <a:prstClr val="white"/>
-                          </a:solidFill>
-                          <a:latin typeface="Cambria Math" charset="0"/>
-                        </a:rPr>
-                        <m:t>𝑥</m:t>
-                      </m:r>
-                      <m:r>
-                        <a:rPr lang="en-AU" sz="900" i="1" baseline="30000" smtClean="0">
-                          <a:solidFill>
-                            <a:prstClr val="white"/>
-                          </a:solidFill>
-                          <a:latin typeface="Cambria Math" charset="0"/>
-                        </a:rPr>
-                        <m:t>𝑛</m:t>
-                      </m:r>
-                      <m:r>
-                        <a:rPr lang="en-AU" sz="900" i="1" baseline="-25000" smtClean="0">
-                          <a:solidFill>
-                            <a:prstClr val="white"/>
-                          </a:solidFill>
-                          <a:latin typeface="Cambria Math" charset="0"/>
-                        </a:rPr>
-                        <m:t>𝑡</m:t>
-                      </m:r>
-                      <m:r>
-                        <a:rPr lang="en-AU" sz="900" i="1" baseline="-25000" smtClean="0">
-                          <a:solidFill>
-                            <a:prstClr val="white"/>
-                          </a:solidFill>
-                          <a:latin typeface="Cambria Math" charset="0"/>
-                        </a:rPr>
-                        <m:t>−2</m:t>
-                      </m:r>
-                    </m:oMath>
-                  </m:oMathPara>
-                </a14:m>
-                <a:endParaRPr lang="en-AU" sz="900" baseline="-25000" dirty="0">
-                  <a:solidFill>
-                    <a:prstClr val="white"/>
-                  </a:solidFill>
-                </a:endParaRPr>
-              </a:p>
-            </p:txBody>
-          </p:sp>
-        </mc:Choice>
-        <mc:Fallback>
-          <p:sp>
-            <p:nvSpPr>
-              <p:cNvPr id="49" name="Rounded Rectangle 48"/>
-              <p:cNvSpPr>
-                <a:spLocks noRot="1" noChangeAspect="1" noMove="1" noResize="1" noEditPoints="1" noAdjustHandles="1" noChangeArrowheads="1" noChangeShapeType="1" noTextEdit="1"/>
-              </p:cNvSpPr>
-              <p:nvPr/>
-            </p:nvSpPr>
-            <p:spPr>
-              <a:xfrm>
-                <a:off x="3910395" y="5422900"/>
-                <a:ext cx="1295400" cy="406400"/>
-              </a:xfrm>
-              <a:prstGeom prst="roundRect">
-                <a:avLst/>
-              </a:prstGeom>
-              <a:blipFill rotWithShape="0">
-                <a:blip r:embed="rId6"/>
-                <a:stretch>
-                  <a:fillRect b="-19118"/>
-                </a:stretch>
-              </a:blipFill>
-              <a:ln w="12700">
-                <a:solidFill>
-                  <a:schemeClr val="accent1">
-                    <a:shade val="50000"/>
-                  </a:schemeClr>
-                </a:solidFill>
-              </a:ln>
-            </p:spPr>
-            <p:txBody>
-              <a:bodyPr/>
-              <a:lstStyle/>
-              <a:p>
-                <a:r>
-                  <a:rPr lang="en-AU">
-                    <a:noFill/>
-                  </a:rPr>
-                  <a:t> </a:t>
-                </a:r>
-              </a:p>
-            </p:txBody>
-          </p:sp>
-        </mc:Fallback>
-      </mc:AlternateContent>
-      <mc:AlternateContent xmlns:mc="http://schemas.openxmlformats.org/markup-compatibility/2006">
-        <mc:Choice xmlns:a14="http://schemas.microsoft.com/office/drawing/2010/main" Requires="a14">
-          <p:sp>
-            <p:nvSpPr>
-              <p:cNvPr id="50" name="Rounded Rectangle 49"/>
-              <p:cNvSpPr/>
-              <p:nvPr/>
-            </p:nvSpPr>
-            <p:spPr>
-              <a:xfrm>
-                <a:off x="3910395" y="6055320"/>
-                <a:ext cx="1346200" cy="406400"/>
-              </a:xfrm>
-              <a:prstGeom prst="roundRect">
-                <a:avLst/>
-              </a:prstGeom>
-              <a:ln w="12700">
-                <a:solidFill>
-                  <a:schemeClr val="accent1">
-                    <a:shade val="50000"/>
-                  </a:schemeClr>
-                </a:solidFill>
-              </a:ln>
-            </p:spPr>
-            <p:style>
-              <a:lnRef idx="2">
-                <a:schemeClr val="accent1">
-                  <a:shade val="50000"/>
-                </a:schemeClr>
-              </a:lnRef>
-              <a:fillRef idx="1">
-                <a:schemeClr val="accent1"/>
-              </a:fillRef>
-              <a:effectRef idx="0">
-                <a:schemeClr val="accent1"/>
-              </a:effectRef>
-              <a:fontRef idx="minor">
-                <a:schemeClr val="lt1"/>
-              </a:fontRef>
-            </p:style>
-            <p:txBody>
-              <a:bodyPr rtlCol="0" anchor="ctr"/>
-              <a:lstStyle/>
-              <a:p>
-                <a:pPr lvl="0" algn="ctr"/>
-                <a14:m>
-                  <m:oMathPara xmlns:m="http://schemas.openxmlformats.org/officeDocument/2006/math">
-                    <m:oMathParaPr>
-                      <m:jc m:val="centerGroup"/>
-                    </m:oMathParaPr>
-                    <m:oMath xmlns:m="http://schemas.openxmlformats.org/officeDocument/2006/math">
-                      <m:r>
-                        <a:rPr lang="en-AU" sz="900" i="1" smtClean="0">
-                          <a:solidFill>
-                            <a:prstClr val="white"/>
-                          </a:solidFill>
-                          <a:latin typeface="Cambria Math" charset="0"/>
-                        </a:rPr>
-                        <m:t>𝑥</m:t>
-                      </m:r>
-                      <m:r>
-                        <a:rPr lang="en-AU" sz="900" i="1" baseline="30000" smtClean="0">
-                          <a:solidFill>
-                            <a:prstClr val="white"/>
-                          </a:solidFill>
-                          <a:latin typeface="Cambria Math" charset="0"/>
-                        </a:rPr>
-                        <m:t>1</m:t>
-                      </m:r>
-                      <m:r>
-                        <a:rPr lang="en-AU" sz="900" i="1" baseline="-25000" smtClean="0">
-                          <a:solidFill>
-                            <a:prstClr val="white"/>
-                          </a:solidFill>
-                          <a:latin typeface="Cambria Math" charset="0"/>
-                        </a:rPr>
-                        <m:t>𝑡</m:t>
-                      </m:r>
-                      <m:r>
-                        <a:rPr lang="en-AU" sz="900" i="1" baseline="-25000" smtClean="0">
-                          <a:solidFill>
-                            <a:prstClr val="white"/>
-                          </a:solidFill>
-                          <a:latin typeface="Cambria Math" charset="0"/>
-                        </a:rPr>
-                        <m:t>−</m:t>
-                      </m:r>
-                      <m:r>
-                        <a:rPr lang="en-AU" sz="900" i="1" baseline="-25000" smtClean="0">
-                          <a:solidFill>
-                            <a:prstClr val="white"/>
-                          </a:solidFill>
-                          <a:latin typeface="Cambria Math" charset="0"/>
-                        </a:rPr>
-                        <m:t>𝑚</m:t>
-                      </m:r>
-                      <m:r>
-                        <a:rPr lang="en-AU" sz="900" i="1" smtClean="0">
-                          <a:solidFill>
-                            <a:prstClr val="white"/>
-                          </a:solidFill>
-                          <a:latin typeface="Cambria Math" charset="0"/>
-                        </a:rPr>
-                        <m:t>, </m:t>
-                      </m:r>
-                      <m:r>
-                        <a:rPr lang="en-AU" sz="900" i="1" smtClean="0">
-                          <a:solidFill>
-                            <a:prstClr val="white"/>
-                          </a:solidFill>
-                          <a:latin typeface="Cambria Math" charset="0"/>
-                        </a:rPr>
-                        <m:t>𝑥</m:t>
-                      </m:r>
-                      <m:r>
-                        <a:rPr lang="en-AU" sz="900" i="1" baseline="30000" smtClean="0">
-                          <a:solidFill>
-                            <a:prstClr val="white"/>
-                          </a:solidFill>
-                          <a:latin typeface="Cambria Math" charset="0"/>
-                        </a:rPr>
-                        <m:t>2</m:t>
-                      </m:r>
-                      <m:r>
-                        <a:rPr lang="en-AU" sz="900" i="1" baseline="-25000" smtClean="0">
-                          <a:solidFill>
-                            <a:prstClr val="white"/>
-                          </a:solidFill>
-                          <a:latin typeface="Cambria Math" charset="0"/>
-                        </a:rPr>
-                        <m:t>𝑡</m:t>
-                      </m:r>
-                      <m:r>
-                        <a:rPr lang="en-AU" sz="900" i="1" baseline="-25000" smtClean="0">
-                          <a:solidFill>
-                            <a:prstClr val="white"/>
-                          </a:solidFill>
-                          <a:latin typeface="Cambria Math" charset="0"/>
-                        </a:rPr>
-                        <m:t>−</m:t>
-                      </m:r>
-                      <m:r>
-                        <a:rPr lang="en-AU" sz="900" i="1" baseline="-25000" smtClean="0">
-                          <a:solidFill>
-                            <a:prstClr val="white"/>
-                          </a:solidFill>
-                          <a:latin typeface="Cambria Math" charset="0"/>
-                        </a:rPr>
-                        <m:t>𝑚</m:t>
-                      </m:r>
-                      <m:r>
-                        <a:rPr lang="en-AU" sz="900" i="1" baseline="-25000" smtClean="0">
-                          <a:solidFill>
-                            <a:prstClr val="white"/>
-                          </a:solidFill>
-                          <a:latin typeface="Cambria Math" charset="0"/>
-                        </a:rPr>
-                        <m:t> …</m:t>
-                      </m:r>
-                      <m:r>
-                        <a:rPr lang="en-AU" sz="900" i="1" smtClean="0">
-                          <a:solidFill>
-                            <a:prstClr val="white"/>
-                          </a:solidFill>
-                          <a:latin typeface="Cambria Math" charset="0"/>
-                        </a:rPr>
-                        <m:t>𝑥</m:t>
-                      </m:r>
-                      <m:r>
-                        <a:rPr lang="en-AU" sz="900" i="1" baseline="30000" smtClean="0">
-                          <a:solidFill>
-                            <a:prstClr val="white"/>
-                          </a:solidFill>
-                          <a:latin typeface="Cambria Math" charset="0"/>
-                        </a:rPr>
-                        <m:t>𝑛</m:t>
-                      </m:r>
-                      <m:r>
-                        <a:rPr lang="en-AU" sz="900" i="1" baseline="-25000" smtClean="0">
-                          <a:solidFill>
-                            <a:prstClr val="white"/>
-                          </a:solidFill>
-                          <a:latin typeface="Cambria Math" charset="0"/>
-                        </a:rPr>
-                        <m:t>𝑡</m:t>
-                      </m:r>
-                      <m:r>
-                        <a:rPr lang="en-AU" sz="900" i="1" baseline="-25000" smtClean="0">
-                          <a:solidFill>
-                            <a:prstClr val="white"/>
-                          </a:solidFill>
-                          <a:latin typeface="Cambria Math" charset="0"/>
-                        </a:rPr>
-                        <m:t>−</m:t>
-                      </m:r>
-                      <m:r>
-                        <a:rPr lang="en-AU" sz="900" i="1" baseline="-25000" smtClean="0">
-                          <a:solidFill>
-                            <a:prstClr val="white"/>
-                          </a:solidFill>
-                          <a:latin typeface="Cambria Math" charset="0"/>
-                        </a:rPr>
-                        <m:t>𝑚</m:t>
-                      </m:r>
-                    </m:oMath>
-                  </m:oMathPara>
-                </a14:m>
-                <a:endParaRPr lang="en-AU" sz="900" baseline="-25000" dirty="0">
-                  <a:solidFill>
-                    <a:prstClr val="white"/>
-                  </a:solidFill>
-                </a:endParaRPr>
-              </a:p>
-            </p:txBody>
-          </p:sp>
-        </mc:Choice>
-        <mc:Fallback>
-          <p:sp>
-            <p:nvSpPr>
-              <p:cNvPr id="50" name="Rounded Rectangle 49"/>
-              <p:cNvSpPr>
-                <a:spLocks noRot="1" noChangeAspect="1" noMove="1" noResize="1" noEditPoints="1" noAdjustHandles="1" noChangeArrowheads="1" noChangeShapeType="1" noTextEdit="1"/>
-              </p:cNvSpPr>
-              <p:nvPr/>
-            </p:nvSpPr>
-            <p:spPr>
-              <a:xfrm>
-                <a:off x="3910395" y="6055320"/>
-                <a:ext cx="1346200" cy="406400"/>
-              </a:xfrm>
-              <a:prstGeom prst="roundRect">
-                <a:avLst/>
-              </a:prstGeom>
-              <a:blipFill rotWithShape="0">
-                <a:blip r:embed="rId7"/>
-                <a:stretch>
-                  <a:fillRect b="-17391"/>
-                </a:stretch>
-              </a:blipFill>
-              <a:ln w="12700">
-                <a:solidFill>
-                  <a:schemeClr val="accent1">
-                    <a:shade val="50000"/>
-                  </a:schemeClr>
-                </a:solidFill>
-              </a:ln>
-            </p:spPr>
-            <p:txBody>
-              <a:bodyPr/>
-              <a:lstStyle/>
-              <a:p>
-                <a:r>
-                  <a:rPr lang="en-AU">
-                    <a:noFill/>
-                  </a:rPr>
-                  <a:t> </a:t>
-                </a:r>
-              </a:p>
-            </p:txBody>
-          </p:sp>
-        </mc:Fallback>
-      </mc:AlternateContent>
       <p:cxnSp>
         <p:nvCxnSpPr>
           <p:cNvPr id="53" name="Elbow Connector 52"/>
@@ -12284,80 +11588,791 @@
           </a:fontRef>
         </p:style>
       </p:cxnSp>
-      <p:sp>
-        <p:nvSpPr>
-          <p:cNvPr id="56" name="Rectangle 55"/>
-          <p:cNvSpPr/>
+      <p:grpSp>
+        <p:nvGrpSpPr>
+          <p:cNvPr id="64" name="Group 63"/>
+          <p:cNvGrpSpPr/>
           <p:nvPr/>
-        </p:nvSpPr>
-        <p:spPr>
+        </p:nvGrpSpPr>
+        <p:grpSpPr>
           <a:xfrm>
-            <a:off x="3835400" y="4889500"/>
+            <a:off x="3948715" y="4889500"/>
             <a:ext cx="1443420" cy="1663700"/>
+            <a:chOff x="3835400" y="4889500"/>
+            <a:chExt cx="1443420" cy="1663700"/>
           </a:xfrm>
-          <a:prstGeom prst="rect">
-            <a:avLst/>
-          </a:prstGeom>
-          <a:noFill/>
-        </p:spPr>
-        <p:style>
-          <a:lnRef idx="2">
-            <a:schemeClr val="accent1">
-              <a:shade val="50000"/>
-            </a:schemeClr>
-          </a:lnRef>
-          <a:fillRef idx="1">
-            <a:schemeClr val="accent1"/>
-          </a:fillRef>
-          <a:effectRef idx="0">
-            <a:schemeClr val="accent1"/>
-          </a:effectRef>
-          <a:fontRef idx="minor">
-            <a:schemeClr val="lt1"/>
-          </a:fontRef>
-        </p:style>
-        <p:txBody>
-          <a:bodyPr rtlCol="0" anchor="ctr"/>
-          <a:lstStyle/>
-          <a:p>
-            <a:pPr algn="ctr"/>
-            <a:endParaRPr lang="en-AU"/>
-          </a:p>
-        </p:txBody>
-      </p:sp>
-      <p:cxnSp>
-        <p:nvCxnSpPr>
-          <p:cNvPr id="58" name="Straight Connector 57"/>
-          <p:cNvCxnSpPr/>
-          <p:nvPr/>
-        </p:nvCxnSpPr>
-        <p:spPr>
-          <a:xfrm>
-            <a:off x="4547365" y="5862240"/>
-            <a:ext cx="1205" cy="203200"/>
-          </a:xfrm>
-          <a:prstGeom prst="line">
-            <a:avLst/>
-          </a:prstGeom>
-          <a:ln w="22225">
-            <a:prstDash val="sysDot"/>
-          </a:ln>
-        </p:spPr>
-        <p:style>
-          <a:lnRef idx="1">
-            <a:schemeClr val="accent1"/>
-          </a:lnRef>
-          <a:fillRef idx="0">
-            <a:schemeClr val="accent1"/>
-          </a:fillRef>
-          <a:effectRef idx="0">
-            <a:schemeClr val="accent1"/>
-          </a:effectRef>
-          <a:fontRef idx="minor">
-            <a:schemeClr val="tx1"/>
-          </a:fontRef>
-        </p:style>
-      </p:cxnSp>
+        </p:grpSpPr>
+        <mc:AlternateContent xmlns:mc="http://schemas.openxmlformats.org/markup-compatibility/2006">
+          <mc:Choice xmlns:a14="http://schemas.microsoft.com/office/drawing/2010/main" Requires="a14">
+            <p:sp>
+              <p:nvSpPr>
+                <p:cNvPr id="48" name="Rounded Rectangle 47"/>
+                <p:cNvSpPr/>
+                <p:nvPr/>
+              </p:nvSpPr>
+              <p:spPr>
+                <a:xfrm>
+                  <a:off x="3915760" y="4953000"/>
+                  <a:ext cx="1295400" cy="406400"/>
+                </a:xfrm>
+                <a:prstGeom prst="roundRect">
+                  <a:avLst/>
+                </a:prstGeom>
+                <a:ln w="12700">
+                  <a:solidFill>
+                    <a:schemeClr val="accent1">
+                      <a:shade val="50000"/>
+                    </a:schemeClr>
+                  </a:solidFill>
+                </a:ln>
+              </p:spPr>
+              <p:style>
+                <a:lnRef idx="2">
+                  <a:schemeClr val="accent1">
+                    <a:shade val="50000"/>
+                  </a:schemeClr>
+                </a:lnRef>
+                <a:fillRef idx="1">
+                  <a:schemeClr val="accent1"/>
+                </a:fillRef>
+                <a:effectRef idx="0">
+                  <a:schemeClr val="accent1"/>
+                </a:effectRef>
+                <a:fontRef idx="minor">
+                  <a:schemeClr val="lt1"/>
+                </a:fontRef>
+              </p:style>
+              <p:txBody>
+                <a:bodyPr rtlCol="0" anchor="ctr"/>
+                <a:lstStyle/>
+                <a:p>
+                  <a:pPr algn="ctr"/>
+                  <a14:m>
+                    <m:oMathPara xmlns:m="http://schemas.openxmlformats.org/officeDocument/2006/math">
+                      <m:oMathParaPr>
+                        <m:jc m:val="centerGroup"/>
+                      </m:oMathParaPr>
+                      <m:oMath xmlns:m="http://schemas.openxmlformats.org/officeDocument/2006/math">
+                        <m:r>
+                          <a:rPr lang="en-AU" sz="900" i="1" smtClean="0">
+                            <a:solidFill>
+                              <a:prstClr val="white"/>
+                            </a:solidFill>
+                            <a:latin typeface="Cambria Math" charset="0"/>
+                          </a:rPr>
+                          <m:t>𝑥</m:t>
+                        </m:r>
+                        <m:r>
+                          <a:rPr lang="en-AU" sz="900" i="1" baseline="30000" smtClean="0">
+                            <a:solidFill>
+                              <a:prstClr val="white"/>
+                            </a:solidFill>
+                            <a:latin typeface="Cambria Math" charset="0"/>
+                          </a:rPr>
+                          <m:t>1</m:t>
+                        </m:r>
+                        <m:r>
+                          <a:rPr lang="en-AU" sz="900" i="1" baseline="-25000" smtClean="0">
+                            <a:solidFill>
+                              <a:prstClr val="white"/>
+                            </a:solidFill>
+                            <a:latin typeface="Cambria Math" charset="0"/>
+                          </a:rPr>
+                          <m:t>𝑡</m:t>
+                        </m:r>
+                        <m:r>
+                          <a:rPr lang="en-AU" sz="900" i="1" baseline="-25000" smtClean="0">
+                            <a:solidFill>
+                              <a:prstClr val="white"/>
+                            </a:solidFill>
+                            <a:latin typeface="Cambria Math" charset="0"/>
+                          </a:rPr>
+                          <m:t>−1, </m:t>
+                        </m:r>
+                        <m:r>
+                          <a:rPr lang="en-AU" sz="900" i="1" smtClean="0">
+                            <a:solidFill>
+                              <a:prstClr val="white"/>
+                            </a:solidFill>
+                            <a:latin typeface="Cambria Math" charset="0"/>
+                          </a:rPr>
+                          <m:t>𝑥</m:t>
+                        </m:r>
+                        <m:r>
+                          <a:rPr lang="en-AU" sz="900" i="1" baseline="30000" smtClean="0">
+                            <a:solidFill>
+                              <a:prstClr val="white"/>
+                            </a:solidFill>
+                            <a:latin typeface="Cambria Math" charset="0"/>
+                          </a:rPr>
+                          <m:t>2</m:t>
+                        </m:r>
+                        <m:r>
+                          <a:rPr lang="en-AU" sz="900" i="1" baseline="-25000" smtClean="0">
+                            <a:solidFill>
+                              <a:prstClr val="white"/>
+                            </a:solidFill>
+                            <a:latin typeface="Cambria Math" charset="0"/>
+                          </a:rPr>
+                          <m:t>𝑡</m:t>
+                        </m:r>
+                        <m:r>
+                          <a:rPr lang="en-AU" sz="900" i="1" baseline="-25000" smtClean="0">
+                            <a:solidFill>
+                              <a:prstClr val="white"/>
+                            </a:solidFill>
+                            <a:latin typeface="Cambria Math" charset="0"/>
+                          </a:rPr>
+                          <m:t>−1 …</m:t>
+                        </m:r>
+                        <m:r>
+                          <a:rPr lang="en-AU" sz="900" i="1" smtClean="0">
+                            <a:solidFill>
+                              <a:prstClr val="white"/>
+                            </a:solidFill>
+                            <a:latin typeface="Cambria Math" charset="0"/>
+                          </a:rPr>
+                          <m:t>𝑥</m:t>
+                        </m:r>
+                        <m:r>
+                          <a:rPr lang="en-AU" sz="900" i="1" baseline="30000">
+                            <a:solidFill>
+                              <a:prstClr val="white"/>
+                            </a:solidFill>
+                            <a:latin typeface="Cambria Math" charset="0"/>
+                          </a:rPr>
+                          <m:t>𝑛</m:t>
+                        </m:r>
+                        <m:r>
+                          <a:rPr lang="en-AU" sz="900" i="1" baseline="-25000" smtClean="0">
+                            <a:solidFill>
+                              <a:prstClr val="white"/>
+                            </a:solidFill>
+                            <a:latin typeface="Cambria Math" charset="0"/>
+                          </a:rPr>
+                          <m:t>𝑡</m:t>
+                        </m:r>
+                        <m:r>
+                          <a:rPr lang="en-AU" sz="900" i="1" baseline="-25000" smtClean="0">
+                            <a:solidFill>
+                              <a:prstClr val="white"/>
+                            </a:solidFill>
+                            <a:latin typeface="Cambria Math" charset="0"/>
+                          </a:rPr>
+                          <m:t>−1</m:t>
+                        </m:r>
+                      </m:oMath>
+                    </m:oMathPara>
+                  </a14:m>
+                  <a:endParaRPr lang="en-AU" sz="900" baseline="-25000" dirty="0">
+                    <a:solidFill>
+                      <a:prstClr val="white"/>
+                    </a:solidFill>
+                  </a:endParaRPr>
+                </a:p>
+              </p:txBody>
+            </p:sp>
+          </mc:Choice>
+          <mc:Fallback>
+            <p:sp>
+              <p:nvSpPr>
+                <p:cNvPr id="48" name="Rounded Rectangle 47"/>
+                <p:cNvSpPr>
+                  <a:spLocks noRot="1" noChangeAspect="1" noMove="1" noResize="1" noEditPoints="1" noAdjustHandles="1" noChangeArrowheads="1" noChangeShapeType="1" noTextEdit="1"/>
+                </p:cNvSpPr>
+                <p:nvPr/>
+              </p:nvSpPr>
+              <p:spPr>
+                <a:xfrm>
+                  <a:off x="3915760" y="4953000"/>
+                  <a:ext cx="1295400" cy="406400"/>
+                </a:xfrm>
+                <a:prstGeom prst="roundRect">
+                  <a:avLst/>
+                </a:prstGeom>
+                <a:blipFill rotWithShape="0">
+                  <a:blip r:embed="rId5"/>
+                  <a:stretch>
+                    <a:fillRect b="-19118"/>
+                  </a:stretch>
+                </a:blipFill>
+                <a:ln w="12700">
+                  <a:solidFill>
+                    <a:schemeClr val="accent1">
+                      <a:shade val="50000"/>
+                    </a:schemeClr>
+                  </a:solidFill>
+                </a:ln>
+              </p:spPr>
+              <p:txBody>
+                <a:bodyPr/>
+                <a:lstStyle/>
+                <a:p>
+                  <a:r>
+                    <a:rPr lang="en-AU">
+                      <a:noFill/>
+                    </a:rPr>
+                    <a:t> </a:t>
+                  </a:r>
+                </a:p>
+              </p:txBody>
+            </p:sp>
+          </mc:Fallback>
+        </mc:AlternateContent>
+        <mc:AlternateContent xmlns:mc="http://schemas.openxmlformats.org/markup-compatibility/2006">
+          <mc:Choice xmlns:a14="http://schemas.microsoft.com/office/drawing/2010/main" Requires="a14">
+            <p:sp>
+              <p:nvSpPr>
+                <p:cNvPr id="49" name="Rounded Rectangle 48"/>
+                <p:cNvSpPr/>
+                <p:nvPr/>
+              </p:nvSpPr>
+              <p:spPr>
+                <a:xfrm>
+                  <a:off x="3910395" y="5422900"/>
+                  <a:ext cx="1295400" cy="406400"/>
+                </a:xfrm>
+                <a:prstGeom prst="roundRect">
+                  <a:avLst/>
+                </a:prstGeom>
+                <a:ln w="12700">
+                  <a:solidFill>
+                    <a:schemeClr val="accent1">
+                      <a:shade val="50000"/>
+                    </a:schemeClr>
+                  </a:solidFill>
+                </a:ln>
+              </p:spPr>
+              <p:style>
+                <a:lnRef idx="2">
+                  <a:schemeClr val="accent1">
+                    <a:shade val="50000"/>
+                  </a:schemeClr>
+                </a:lnRef>
+                <a:fillRef idx="1">
+                  <a:schemeClr val="accent1"/>
+                </a:fillRef>
+                <a:effectRef idx="0">
+                  <a:schemeClr val="accent1"/>
+                </a:effectRef>
+                <a:fontRef idx="minor">
+                  <a:schemeClr val="lt1"/>
+                </a:fontRef>
+              </p:style>
+              <p:txBody>
+                <a:bodyPr rtlCol="0" anchor="ctr"/>
+                <a:lstStyle/>
+                <a:p>
+                  <a:pPr lvl="0" algn="ctr"/>
+                  <a14:m>
+                    <m:oMathPara xmlns:m="http://schemas.openxmlformats.org/officeDocument/2006/math">
+                      <m:oMathParaPr>
+                        <m:jc m:val="centerGroup"/>
+                      </m:oMathParaPr>
+                      <m:oMath xmlns:m="http://schemas.openxmlformats.org/officeDocument/2006/math">
+                        <m:r>
+                          <a:rPr lang="en-AU" sz="900" i="1" smtClean="0">
+                            <a:solidFill>
+                              <a:prstClr val="white"/>
+                            </a:solidFill>
+                            <a:latin typeface="Cambria Math" charset="0"/>
+                          </a:rPr>
+                          <m:t>𝑥</m:t>
+                        </m:r>
+                        <m:r>
+                          <a:rPr lang="en-AU" sz="900" i="1" baseline="30000" smtClean="0">
+                            <a:solidFill>
+                              <a:prstClr val="white"/>
+                            </a:solidFill>
+                            <a:latin typeface="Cambria Math" charset="0"/>
+                          </a:rPr>
+                          <m:t>1</m:t>
+                        </m:r>
+                        <m:r>
+                          <a:rPr lang="en-AU" sz="900" i="1" baseline="-25000" smtClean="0">
+                            <a:solidFill>
+                              <a:prstClr val="white"/>
+                            </a:solidFill>
+                            <a:latin typeface="Cambria Math" charset="0"/>
+                          </a:rPr>
+                          <m:t>𝑡</m:t>
+                        </m:r>
+                        <m:r>
+                          <a:rPr lang="en-AU" sz="900" i="1" baseline="-25000" smtClean="0">
+                            <a:solidFill>
+                              <a:prstClr val="white"/>
+                            </a:solidFill>
+                            <a:latin typeface="Cambria Math" charset="0"/>
+                          </a:rPr>
+                          <m:t>−2, </m:t>
+                        </m:r>
+                        <m:r>
+                          <a:rPr lang="en-AU" sz="900" i="1" smtClean="0">
+                            <a:solidFill>
+                              <a:prstClr val="white"/>
+                            </a:solidFill>
+                            <a:latin typeface="Cambria Math" charset="0"/>
+                          </a:rPr>
+                          <m:t>𝑥</m:t>
+                        </m:r>
+                        <m:r>
+                          <a:rPr lang="en-AU" sz="900" i="1" baseline="30000" smtClean="0">
+                            <a:solidFill>
+                              <a:prstClr val="white"/>
+                            </a:solidFill>
+                            <a:latin typeface="Cambria Math" charset="0"/>
+                          </a:rPr>
+                          <m:t>2</m:t>
+                        </m:r>
+                        <m:r>
+                          <a:rPr lang="en-AU" sz="900" i="1" baseline="-25000" smtClean="0">
+                            <a:solidFill>
+                              <a:prstClr val="white"/>
+                            </a:solidFill>
+                            <a:latin typeface="Cambria Math" charset="0"/>
+                          </a:rPr>
+                          <m:t>𝑡</m:t>
+                        </m:r>
+                        <m:r>
+                          <a:rPr lang="en-AU" sz="900" i="1" baseline="-25000" smtClean="0">
+                            <a:solidFill>
+                              <a:prstClr val="white"/>
+                            </a:solidFill>
+                            <a:latin typeface="Cambria Math" charset="0"/>
+                          </a:rPr>
+                          <m:t>−2 …</m:t>
+                        </m:r>
+                        <m:r>
+                          <a:rPr lang="en-AU" sz="900" i="1" smtClean="0">
+                            <a:solidFill>
+                              <a:prstClr val="white"/>
+                            </a:solidFill>
+                            <a:latin typeface="Cambria Math" charset="0"/>
+                          </a:rPr>
+                          <m:t>𝑥</m:t>
+                        </m:r>
+                        <m:r>
+                          <a:rPr lang="en-AU" sz="900" i="1" baseline="30000" smtClean="0">
+                            <a:solidFill>
+                              <a:prstClr val="white"/>
+                            </a:solidFill>
+                            <a:latin typeface="Cambria Math" charset="0"/>
+                          </a:rPr>
+                          <m:t>𝑛</m:t>
+                        </m:r>
+                        <m:r>
+                          <a:rPr lang="en-AU" sz="900" i="1" baseline="-25000" smtClean="0">
+                            <a:solidFill>
+                              <a:prstClr val="white"/>
+                            </a:solidFill>
+                            <a:latin typeface="Cambria Math" charset="0"/>
+                          </a:rPr>
+                          <m:t>𝑡</m:t>
+                        </m:r>
+                        <m:r>
+                          <a:rPr lang="en-AU" sz="900" i="1" baseline="-25000" smtClean="0">
+                            <a:solidFill>
+                              <a:prstClr val="white"/>
+                            </a:solidFill>
+                            <a:latin typeface="Cambria Math" charset="0"/>
+                          </a:rPr>
+                          <m:t>−2</m:t>
+                        </m:r>
+                      </m:oMath>
+                    </m:oMathPara>
+                  </a14:m>
+                  <a:endParaRPr lang="en-AU" sz="900" baseline="-25000" dirty="0">
+                    <a:solidFill>
+                      <a:prstClr val="white"/>
+                    </a:solidFill>
+                  </a:endParaRPr>
+                </a:p>
+              </p:txBody>
+            </p:sp>
+          </mc:Choice>
+          <mc:Fallback>
+            <p:sp>
+              <p:nvSpPr>
+                <p:cNvPr id="49" name="Rounded Rectangle 48"/>
+                <p:cNvSpPr>
+                  <a:spLocks noRot="1" noChangeAspect="1" noMove="1" noResize="1" noEditPoints="1" noAdjustHandles="1" noChangeArrowheads="1" noChangeShapeType="1" noTextEdit="1"/>
+                </p:cNvSpPr>
+                <p:nvPr/>
+              </p:nvSpPr>
+              <p:spPr>
+                <a:xfrm>
+                  <a:off x="3910395" y="5422900"/>
+                  <a:ext cx="1295400" cy="406400"/>
+                </a:xfrm>
+                <a:prstGeom prst="roundRect">
+                  <a:avLst/>
+                </a:prstGeom>
+                <a:blipFill rotWithShape="0">
+                  <a:blip r:embed="rId6"/>
+                  <a:stretch>
+                    <a:fillRect b="-19118"/>
+                  </a:stretch>
+                </a:blipFill>
+                <a:ln w="12700">
+                  <a:solidFill>
+                    <a:schemeClr val="accent1">
+                      <a:shade val="50000"/>
+                    </a:schemeClr>
+                  </a:solidFill>
+                </a:ln>
+              </p:spPr>
+              <p:txBody>
+                <a:bodyPr/>
+                <a:lstStyle/>
+                <a:p>
+                  <a:r>
+                    <a:rPr lang="en-AU">
+                      <a:noFill/>
+                    </a:rPr>
+                    <a:t> </a:t>
+                  </a:r>
+                </a:p>
+              </p:txBody>
+            </p:sp>
+          </mc:Fallback>
+        </mc:AlternateContent>
+        <mc:AlternateContent xmlns:mc="http://schemas.openxmlformats.org/markup-compatibility/2006">
+          <mc:Choice xmlns:a14="http://schemas.microsoft.com/office/drawing/2010/main" Requires="a14">
+            <p:sp>
+              <p:nvSpPr>
+                <p:cNvPr id="50" name="Rounded Rectangle 49"/>
+                <p:cNvSpPr/>
+                <p:nvPr/>
+              </p:nvSpPr>
+              <p:spPr>
+                <a:xfrm>
+                  <a:off x="3910395" y="6055320"/>
+                  <a:ext cx="1346200" cy="406400"/>
+                </a:xfrm>
+                <a:prstGeom prst="roundRect">
+                  <a:avLst/>
+                </a:prstGeom>
+                <a:ln w="12700">
+                  <a:solidFill>
+                    <a:schemeClr val="accent1">
+                      <a:shade val="50000"/>
+                    </a:schemeClr>
+                  </a:solidFill>
+                </a:ln>
+              </p:spPr>
+              <p:style>
+                <a:lnRef idx="2">
+                  <a:schemeClr val="accent1">
+                    <a:shade val="50000"/>
+                  </a:schemeClr>
+                </a:lnRef>
+                <a:fillRef idx="1">
+                  <a:schemeClr val="accent1"/>
+                </a:fillRef>
+                <a:effectRef idx="0">
+                  <a:schemeClr val="accent1"/>
+                </a:effectRef>
+                <a:fontRef idx="minor">
+                  <a:schemeClr val="lt1"/>
+                </a:fontRef>
+              </p:style>
+              <p:txBody>
+                <a:bodyPr rtlCol="0" anchor="ctr"/>
+                <a:lstStyle/>
+                <a:p>
+                  <a:pPr lvl="0" algn="ctr"/>
+                  <a14:m>
+                    <m:oMathPara xmlns:m="http://schemas.openxmlformats.org/officeDocument/2006/math">
+                      <m:oMathParaPr>
+                        <m:jc m:val="centerGroup"/>
+                      </m:oMathParaPr>
+                      <m:oMath xmlns:m="http://schemas.openxmlformats.org/officeDocument/2006/math">
+                        <m:r>
+                          <a:rPr lang="en-AU" sz="900" i="1" smtClean="0">
+                            <a:solidFill>
+                              <a:prstClr val="white"/>
+                            </a:solidFill>
+                            <a:latin typeface="Cambria Math" charset="0"/>
+                          </a:rPr>
+                          <m:t>𝑥</m:t>
+                        </m:r>
+                        <m:r>
+                          <a:rPr lang="en-AU" sz="900" i="1" baseline="30000" smtClean="0">
+                            <a:solidFill>
+                              <a:prstClr val="white"/>
+                            </a:solidFill>
+                            <a:latin typeface="Cambria Math" charset="0"/>
+                          </a:rPr>
+                          <m:t>1</m:t>
+                        </m:r>
+                        <m:r>
+                          <a:rPr lang="en-AU" sz="900" i="1" baseline="-25000" smtClean="0">
+                            <a:solidFill>
+                              <a:prstClr val="white"/>
+                            </a:solidFill>
+                            <a:latin typeface="Cambria Math" charset="0"/>
+                          </a:rPr>
+                          <m:t>𝑡</m:t>
+                        </m:r>
+                        <m:r>
+                          <a:rPr lang="en-AU" sz="900" i="1" baseline="-25000" smtClean="0">
+                            <a:solidFill>
+                              <a:prstClr val="white"/>
+                            </a:solidFill>
+                            <a:latin typeface="Cambria Math" charset="0"/>
+                          </a:rPr>
+                          <m:t>−</m:t>
+                        </m:r>
+                        <m:r>
+                          <a:rPr lang="en-AU" sz="900" i="1" baseline="-25000" smtClean="0">
+                            <a:solidFill>
+                              <a:prstClr val="white"/>
+                            </a:solidFill>
+                            <a:latin typeface="Cambria Math" charset="0"/>
+                          </a:rPr>
+                          <m:t>𝑚</m:t>
+                        </m:r>
+                        <m:r>
+                          <a:rPr lang="en-AU" sz="900" i="1" smtClean="0">
+                            <a:solidFill>
+                              <a:prstClr val="white"/>
+                            </a:solidFill>
+                            <a:latin typeface="Cambria Math" charset="0"/>
+                          </a:rPr>
+                          <m:t>, </m:t>
+                        </m:r>
+                        <m:r>
+                          <a:rPr lang="en-AU" sz="900" i="1" smtClean="0">
+                            <a:solidFill>
+                              <a:prstClr val="white"/>
+                            </a:solidFill>
+                            <a:latin typeface="Cambria Math" charset="0"/>
+                          </a:rPr>
+                          <m:t>𝑥</m:t>
+                        </m:r>
+                        <m:r>
+                          <a:rPr lang="en-AU" sz="900" i="1" baseline="30000" smtClean="0">
+                            <a:solidFill>
+                              <a:prstClr val="white"/>
+                            </a:solidFill>
+                            <a:latin typeface="Cambria Math" charset="0"/>
+                          </a:rPr>
+                          <m:t>2</m:t>
+                        </m:r>
+                        <m:r>
+                          <a:rPr lang="en-AU" sz="900" i="1" baseline="-25000" smtClean="0">
+                            <a:solidFill>
+                              <a:prstClr val="white"/>
+                            </a:solidFill>
+                            <a:latin typeface="Cambria Math" charset="0"/>
+                          </a:rPr>
+                          <m:t>𝑡</m:t>
+                        </m:r>
+                        <m:r>
+                          <a:rPr lang="en-AU" sz="900" i="1" baseline="-25000" smtClean="0">
+                            <a:solidFill>
+                              <a:prstClr val="white"/>
+                            </a:solidFill>
+                            <a:latin typeface="Cambria Math" charset="0"/>
+                          </a:rPr>
+                          <m:t>−</m:t>
+                        </m:r>
+                        <m:r>
+                          <a:rPr lang="en-AU" sz="900" i="1" baseline="-25000" smtClean="0">
+                            <a:solidFill>
+                              <a:prstClr val="white"/>
+                            </a:solidFill>
+                            <a:latin typeface="Cambria Math" charset="0"/>
+                          </a:rPr>
+                          <m:t>𝑚</m:t>
+                        </m:r>
+                        <m:r>
+                          <a:rPr lang="en-AU" sz="900" i="1" baseline="-25000" smtClean="0">
+                            <a:solidFill>
+                              <a:prstClr val="white"/>
+                            </a:solidFill>
+                            <a:latin typeface="Cambria Math" charset="0"/>
+                          </a:rPr>
+                          <m:t> …</m:t>
+                        </m:r>
+                        <m:r>
+                          <a:rPr lang="en-AU" sz="900" i="1" smtClean="0">
+                            <a:solidFill>
+                              <a:prstClr val="white"/>
+                            </a:solidFill>
+                            <a:latin typeface="Cambria Math" charset="0"/>
+                          </a:rPr>
+                          <m:t>𝑥</m:t>
+                        </m:r>
+                        <m:r>
+                          <a:rPr lang="en-AU" sz="900" i="1" baseline="30000" smtClean="0">
+                            <a:solidFill>
+                              <a:prstClr val="white"/>
+                            </a:solidFill>
+                            <a:latin typeface="Cambria Math" charset="0"/>
+                          </a:rPr>
+                          <m:t>𝑛</m:t>
+                        </m:r>
+                        <m:r>
+                          <a:rPr lang="en-AU" sz="900" i="1" baseline="-25000" smtClean="0">
+                            <a:solidFill>
+                              <a:prstClr val="white"/>
+                            </a:solidFill>
+                            <a:latin typeface="Cambria Math" charset="0"/>
+                          </a:rPr>
+                          <m:t>𝑡</m:t>
+                        </m:r>
+                        <m:r>
+                          <a:rPr lang="en-AU" sz="900" i="1" baseline="-25000" smtClean="0">
+                            <a:solidFill>
+                              <a:prstClr val="white"/>
+                            </a:solidFill>
+                            <a:latin typeface="Cambria Math" charset="0"/>
+                          </a:rPr>
+                          <m:t>−</m:t>
+                        </m:r>
+                        <m:r>
+                          <a:rPr lang="en-AU" sz="900" i="1" baseline="-25000" smtClean="0">
+                            <a:solidFill>
+                              <a:prstClr val="white"/>
+                            </a:solidFill>
+                            <a:latin typeface="Cambria Math" charset="0"/>
+                          </a:rPr>
+                          <m:t>𝑚</m:t>
+                        </m:r>
+                      </m:oMath>
+                    </m:oMathPara>
+                  </a14:m>
+                  <a:endParaRPr lang="en-AU" sz="900" baseline="-25000" dirty="0">
+                    <a:solidFill>
+                      <a:prstClr val="white"/>
+                    </a:solidFill>
+                  </a:endParaRPr>
+                </a:p>
+              </p:txBody>
+            </p:sp>
+          </mc:Choice>
+          <mc:Fallback>
+            <p:sp>
+              <p:nvSpPr>
+                <p:cNvPr id="50" name="Rounded Rectangle 49"/>
+                <p:cNvSpPr>
+                  <a:spLocks noRot="1" noChangeAspect="1" noMove="1" noResize="1" noEditPoints="1" noAdjustHandles="1" noChangeArrowheads="1" noChangeShapeType="1" noTextEdit="1"/>
+                </p:cNvSpPr>
+                <p:nvPr/>
+              </p:nvSpPr>
+              <p:spPr>
+                <a:xfrm>
+                  <a:off x="3910395" y="6055320"/>
+                  <a:ext cx="1346200" cy="406400"/>
+                </a:xfrm>
+                <a:prstGeom prst="roundRect">
+                  <a:avLst/>
+                </a:prstGeom>
+                <a:blipFill rotWithShape="0">
+                  <a:blip r:embed="rId7"/>
+                  <a:stretch>
+                    <a:fillRect b="-17391"/>
+                  </a:stretch>
+                </a:blipFill>
+                <a:ln w="12700">
+                  <a:solidFill>
+                    <a:schemeClr val="accent1">
+                      <a:shade val="50000"/>
+                    </a:schemeClr>
+                  </a:solidFill>
+                </a:ln>
+              </p:spPr>
+              <p:txBody>
+                <a:bodyPr/>
+                <a:lstStyle/>
+                <a:p>
+                  <a:r>
+                    <a:rPr lang="en-AU">
+                      <a:noFill/>
+                    </a:rPr>
+                    <a:t> </a:t>
+                  </a:r>
+                </a:p>
+              </p:txBody>
+            </p:sp>
+          </mc:Fallback>
+        </mc:AlternateContent>
+        <p:sp>
+          <p:nvSpPr>
+            <p:cNvPr id="56" name="Rectangle 55"/>
+            <p:cNvSpPr/>
+            <p:nvPr/>
+          </p:nvSpPr>
+          <p:spPr>
+            <a:xfrm>
+              <a:off x="3835400" y="4889500"/>
+              <a:ext cx="1443420" cy="1663700"/>
+            </a:xfrm>
+            <a:prstGeom prst="rect">
+              <a:avLst/>
+            </a:prstGeom>
+            <a:noFill/>
+          </p:spPr>
+          <p:style>
+            <a:lnRef idx="2">
+              <a:schemeClr val="accent1">
+                <a:shade val="50000"/>
+              </a:schemeClr>
+            </a:lnRef>
+            <a:fillRef idx="1">
+              <a:schemeClr val="accent1"/>
+            </a:fillRef>
+            <a:effectRef idx="0">
+              <a:schemeClr val="accent1"/>
+            </a:effectRef>
+            <a:fontRef idx="minor">
+              <a:schemeClr val="lt1"/>
+            </a:fontRef>
+          </p:style>
+          <p:txBody>
+            <a:bodyPr rtlCol="0" anchor="ctr"/>
+            <a:lstStyle/>
+            <a:p>
+              <a:pPr algn="ctr"/>
+              <a:endParaRPr lang="en-AU"/>
+            </a:p>
+          </p:txBody>
+        </p:sp>
+        <p:cxnSp>
+          <p:nvCxnSpPr>
+            <p:cNvPr id="58" name="Straight Connector 57"/>
+            <p:cNvCxnSpPr/>
+            <p:nvPr/>
+          </p:nvCxnSpPr>
+          <p:spPr>
+            <a:xfrm>
+              <a:off x="4547365" y="5862240"/>
+              <a:ext cx="1205" cy="203200"/>
+            </a:xfrm>
+            <a:prstGeom prst="line">
+              <a:avLst/>
+            </a:prstGeom>
+            <a:ln w="22225">
+              <a:prstDash val="sysDot"/>
+            </a:ln>
+          </p:spPr>
+          <p:style>
+            <a:lnRef idx="1">
+              <a:schemeClr val="accent1"/>
+            </a:lnRef>
+            <a:fillRef idx="0">
+              <a:schemeClr val="accent1"/>
+            </a:fillRef>
+            <a:effectRef idx="0">
+              <a:schemeClr val="accent1"/>
+            </a:effectRef>
+            <a:fontRef idx="minor">
+              <a:schemeClr val="tx1"/>
+            </a:fontRef>
+          </p:style>
+        </p:cxnSp>
+      </p:grpSp>
     </p:spTree>
     <p:extLst>
       <p:ext uri="{BB962C8B-B14F-4D97-AF65-F5344CB8AC3E}">
@@ -13542,14 +13557,14 @@
             <p:ph idx="1"/>
             <p:extLst>
               <p:ext uri="{D42A27DB-BD31-4B8C-83A1-F6EECF244321}">
-                <p14:modId xmlns:p14="http://schemas.microsoft.com/office/powerpoint/2010/main" val="1027570281"/>
+                <p14:modId xmlns:p14="http://schemas.microsoft.com/office/powerpoint/2010/main" val="606729353"/>
               </p:ext>
             </p:extLst>
           </p:nvPr>
         </p:nvGraphicFramePr>
         <p:xfrm>
           <a:off x="1194604" y="492129"/>
-          <a:ext cx="8098435" cy="4096869"/>
+          <a:ext cx="8071448" cy="4096869"/>
         </p:xfrm>
         <a:graphic>
           <a:graphicData uri="http://schemas.openxmlformats.org/drawingml/2006/table">
@@ -13558,7 +13573,7 @@
                 <a:tableStyleId>{5C22544A-7EE6-4342-B048-85BDC9FD1C3A}</a:tableStyleId>
               </a:tblPr>
               <a:tblGrid>
-                <a:gridCol w="1995805"/>
+                <a:gridCol w="1968818"/>
                 <a:gridCol w="678070"/>
                 <a:gridCol w="678070"/>
                 <a:gridCol w="678070"/>
@@ -15099,7 +15114,11 @@
                       </a:r>
                       <a:r>
                         <a:rPr lang="en-AU" sz="1100" baseline="0" dirty="0" smtClean="0"/>
-                        <a:t> network autoregressive</a:t>
+                        <a:t> network </a:t>
+                      </a:r>
+                      <a:r>
+                        <a:rPr lang="en-AU" sz="1100" baseline="0" dirty="0" smtClean="0"/>
+                        <a:t>autoregression</a:t>
                       </a:r>
                       <a:endParaRPr lang="en-AU" sz="1100" dirty="0"/>
                     </a:p>
@@ -15448,6 +15467,10 @@
                     <a:lstStyle/>
                     <a:p>
                       <a:pPr algn="ctr"/>
+                      <a:r>
+                        <a:rPr lang="hr-HR" sz="1100" dirty="0" smtClean="0"/>
+                        <a:t>28.64</a:t>
+                      </a:r>
                       <a:endParaRPr lang="en-AU" sz="1100" dirty="0"/>
                     </a:p>
                   </a:txBody>
@@ -15459,6 +15482,10 @@
                     <a:lstStyle/>
                     <a:p>
                       <a:pPr algn="ctr"/>
+                      <a:r>
+                        <a:rPr lang="nb-NO" sz="1100" dirty="0" smtClean="0"/>
+                        <a:t>40.52</a:t>
+                      </a:r>
                       <a:endParaRPr lang="en-AU" sz="1100" dirty="0"/>
                     </a:p>
                   </a:txBody>
@@ -15485,6 +15512,14 @@
                     <a:lstStyle/>
                     <a:p>
                       <a:pPr algn="ctr"/>
+                      <a:r>
+                        <a:rPr lang="uk-UA" sz="1100" dirty="0" smtClean="0"/>
+                        <a:t>39.9</a:t>
+                      </a:r>
+                      <a:r>
+                        <a:rPr lang="en-AU" sz="1100" dirty="0" smtClean="0"/>
+                        <a:t>2</a:t>
+                      </a:r>
                       <a:endParaRPr lang="en-AU" sz="1100" dirty="0"/>
                     </a:p>
                   </a:txBody>
@@ -15496,6 +15531,10 @@
                     <a:lstStyle/>
                     <a:p>
                       <a:pPr algn="ctr"/>
+                      <a:r>
+                        <a:rPr lang="nb-NO" sz="1100" dirty="0" smtClean="0"/>
+                        <a:t>55.70</a:t>
+                      </a:r>
                       <a:endParaRPr lang="en-AU" sz="1100" dirty="0"/>
                     </a:p>
                   </a:txBody>
@@ -15522,6 +15561,10 @@
                     <a:lstStyle/>
                     <a:p>
                       <a:pPr algn="ctr"/>
+                      <a:r>
+                        <a:rPr lang="hr-HR" sz="1100" dirty="0" smtClean="0"/>
+                        <a:t>9.00</a:t>
+                      </a:r>
                       <a:endParaRPr lang="en-AU" sz="1100" dirty="0"/>
                     </a:p>
                   </a:txBody>
@@ -15533,6 +15576,10 @@
                     <a:lstStyle/>
                     <a:p>
                       <a:pPr algn="ctr"/>
+                      <a:r>
+                        <a:rPr lang="hr-HR" sz="1100" dirty="0" smtClean="0"/>
+                        <a:t>8.45</a:t>
+                      </a:r>
                       <a:endParaRPr lang="en-AU" sz="1100" dirty="0"/>
                     </a:p>
                   </a:txBody>
@@ -15547,7 +15594,11 @@
                     <a:p>
                       <a:r>
                         <a:rPr lang="en-AU" sz="1100" dirty="0" smtClean="0"/>
-                        <a:t>Deep Simple RNN</a:t>
+                        <a:t>Simple </a:t>
+                      </a:r>
+                      <a:r>
+                        <a:rPr lang="en-AU" sz="1100" dirty="0" smtClean="0"/>
+                        <a:t>RNN</a:t>
                       </a:r>
                       <a:endParaRPr lang="en-AU" sz="1100" dirty="0"/>
                     </a:p>
@@ -15575,6 +15626,10 @@
                     <a:lstStyle/>
                     <a:p>
                       <a:pPr algn="ctr"/>
+                      <a:r>
+                        <a:rPr lang="hr-HR" sz="1100" dirty="0" smtClean="0"/>
+                        <a:t>29.63</a:t>
+                      </a:r>
                       <a:endParaRPr lang="en-AU" sz="1100" dirty="0"/>
                     </a:p>
                   </a:txBody>
@@ -15586,6 +15641,10 @@
                     <a:lstStyle/>
                     <a:p>
                       <a:pPr algn="ctr"/>
+                      <a:r>
+                        <a:rPr lang="fi-FI" sz="1100" dirty="0" smtClean="0"/>
+                        <a:t>42.87</a:t>
+                      </a:r>
                       <a:endParaRPr lang="en-AU" sz="1100" dirty="0"/>
                     </a:p>
                   </a:txBody>
@@ -15612,6 +15671,10 @@
                     <a:lstStyle/>
                     <a:p>
                       <a:pPr algn="ctr"/>
+                      <a:r>
+                        <a:rPr lang="hr-HR" sz="1100" dirty="0" smtClean="0"/>
+                        <a:t>40.08</a:t>
+                      </a:r>
                       <a:endParaRPr lang="en-AU" sz="1100" dirty="0"/>
                     </a:p>
                   </a:txBody>
@@ -15623,6 +15686,10 @@
                     <a:lstStyle/>
                     <a:p>
                       <a:pPr algn="ctr"/>
+                      <a:r>
+                        <a:rPr lang="hr-HR" sz="1100" dirty="0" smtClean="0"/>
+                        <a:t>59.52</a:t>
+                      </a:r>
                       <a:endParaRPr lang="en-AU" sz="1100" dirty="0"/>
                     </a:p>
                   </a:txBody>
@@ -15649,6 +15716,10 @@
                     <a:lstStyle/>
                     <a:p>
                       <a:pPr algn="ctr"/>
+                      <a:r>
+                        <a:rPr lang="hr-HR" sz="1100" dirty="0" smtClean="0"/>
+                        <a:t>9.72</a:t>
+                      </a:r>
                       <a:endParaRPr lang="en-AU" sz="1100" dirty="0"/>
                     </a:p>
                   </a:txBody>
@@ -15660,6 +15731,10 @@
                     <a:lstStyle/>
                     <a:p>
                       <a:pPr algn="ctr"/>
+                      <a:r>
+                        <a:rPr lang="hr-HR" sz="1100" dirty="0" smtClean="0"/>
+                        <a:t>8.90</a:t>
+                      </a:r>
                       <a:endParaRPr lang="en-AU" sz="1100" dirty="0"/>
                     </a:p>
                   </a:txBody>
@@ -15674,7 +15749,7 @@
                     <a:p>
                       <a:r>
                         <a:rPr lang="en-AU" sz="1100" dirty="0" smtClean="0"/>
-                        <a:t>Deep GRU</a:t>
+                        <a:t>GRU</a:t>
                       </a:r>
                       <a:endParaRPr lang="en-AU" sz="1100" dirty="0"/>
                     </a:p>
@@ -15688,7 +15763,7 @@
                     <a:p>
                       <a:pPr algn="ctr"/>
                       <a:r>
-                        <a:rPr lang="en-AU" sz="1100" dirty="0" smtClean="0"/>
+                        <a:rPr lang="en-AU" sz="1100" smtClean="0"/>
                         <a:t>18.04</a:t>
                       </a:r>
                       <a:endParaRPr lang="en-AU" sz="1100" dirty="0"/>
@@ -15702,6 +15777,10 @@
                     <a:lstStyle/>
                     <a:p>
                       <a:pPr algn="ctr"/>
+                      <a:r>
+                        <a:rPr lang="it-IT" sz="1100" dirty="0" smtClean="0"/>
+                        <a:t>30.89</a:t>
+                      </a:r>
                       <a:endParaRPr lang="en-AU" sz="1100" dirty="0"/>
                     </a:p>
                   </a:txBody>
@@ -15713,6 +15792,10 @@
                     <a:lstStyle/>
                     <a:p>
                       <a:pPr algn="ctr"/>
+                      <a:r>
+                        <a:rPr lang="hr-HR" sz="1100" dirty="0" smtClean="0"/>
+                        <a:t>43.17</a:t>
+                      </a:r>
                       <a:endParaRPr lang="en-AU" sz="1100" dirty="0"/>
                     </a:p>
                   </a:txBody>
@@ -15739,6 +15822,10 @@
                     <a:lstStyle/>
                     <a:p>
                       <a:pPr algn="ctr"/>
+                      <a:r>
+                        <a:rPr lang="hr-HR" sz="1100" dirty="0" smtClean="0"/>
+                        <a:t>42.08</a:t>
+                      </a:r>
                       <a:endParaRPr lang="en-AU" sz="1100" dirty="0"/>
                     </a:p>
                   </a:txBody>
@@ -15750,6 +15837,10 @@
                     <a:lstStyle/>
                     <a:p>
                       <a:pPr algn="ctr"/>
+                      <a:r>
+                        <a:rPr lang="nb-NO" sz="1100" dirty="0" smtClean="0"/>
+                        <a:t>57.45</a:t>
+                      </a:r>
                       <a:endParaRPr lang="en-AU" sz="1100" dirty="0"/>
                     </a:p>
                   </a:txBody>
@@ -15776,6 +15867,10 @@
                     <a:lstStyle/>
                     <a:p>
                       <a:pPr algn="ctr"/>
+                      <a:r>
+                        <a:rPr lang="nb-NO" sz="1100" dirty="0" smtClean="0"/>
+                        <a:t>10.14</a:t>
+                      </a:r>
                       <a:endParaRPr lang="en-AU" sz="1100" dirty="0"/>
                     </a:p>
                   </a:txBody>
@@ -15787,6 +15882,10 @@
                     <a:lstStyle/>
                     <a:p>
                       <a:pPr algn="ctr"/>
+                      <a:r>
+                        <a:rPr lang="hr-HR" sz="1100" dirty="0" smtClean="0"/>
+                        <a:t>8.83</a:t>
+                      </a:r>
                       <a:endParaRPr lang="en-AU" sz="1100" dirty="0"/>
                     </a:p>
                   </a:txBody>
@@ -15801,7 +15900,7 @@
                     <a:p>
                       <a:r>
                         <a:rPr lang="en-AU" sz="1100" dirty="0" smtClean="0"/>
-                        <a:t>Deep LSTM</a:t>
+                        <a:t>LSTM</a:t>
                       </a:r>
                       <a:endParaRPr lang="en-AU" sz="1100" dirty="0"/>
                     </a:p>
@@ -15829,6 +15928,10 @@
                     <a:lstStyle/>
                     <a:p>
                       <a:pPr algn="ctr"/>
+                      <a:r>
+                        <a:rPr lang="nb-NO" sz="1100" dirty="0" smtClean="0"/>
+                        <a:t>30.17</a:t>
+                      </a:r>
                       <a:endParaRPr lang="en-AU" sz="1100" dirty="0"/>
                     </a:p>
                   </a:txBody>
@@ -15840,6 +15943,10 @@
                     <a:lstStyle/>
                     <a:p>
                       <a:pPr algn="ctr"/>
+                      <a:r>
+                        <a:rPr lang="nb-NO" sz="1100" dirty="0" smtClean="0"/>
+                        <a:t>41.36</a:t>
+                      </a:r>
                       <a:endParaRPr lang="en-AU" sz="1100" dirty="0"/>
                     </a:p>
                   </a:txBody>
@@ -15866,6 +15973,10 @@
                     <a:lstStyle/>
                     <a:p>
                       <a:pPr algn="ctr"/>
+                      <a:r>
+                        <a:rPr lang="nb-NO" sz="1100" dirty="0" smtClean="0"/>
+                        <a:t>41.60</a:t>
+                      </a:r>
                       <a:endParaRPr lang="en-AU" sz="1100" dirty="0"/>
                     </a:p>
                   </a:txBody>
@@ -15877,6 +15988,10 @@
                     <a:lstStyle/>
                     <a:p>
                       <a:pPr algn="ctr"/>
+                      <a:r>
+                        <a:rPr lang="hr-HR" sz="1100" dirty="0" smtClean="0"/>
+                        <a:t>56.70</a:t>
+                      </a:r>
                       <a:endParaRPr lang="en-AU" sz="1100" dirty="0"/>
                     </a:p>
                   </a:txBody>
@@ -15919,6 +16034,10 @@
                     <a:lstStyle/>
                     <a:p>
                       <a:pPr algn="ctr"/>
+                      <a:r>
+                        <a:rPr lang="hr-HR" sz="1100" dirty="0" smtClean="0"/>
+                        <a:t>9.39</a:t>
+                      </a:r>
                       <a:endParaRPr lang="en-AU" sz="1100" dirty="0"/>
                     </a:p>
                   </a:txBody>
@@ -15930,6 +16049,10 @@
                     <a:lstStyle/>
                     <a:p>
                       <a:pPr algn="ctr"/>
+                      <a:r>
+                        <a:rPr lang="hr-HR" sz="1100" dirty="0" smtClean="0"/>
+                        <a:t>8.36</a:t>
+                      </a:r>
                       <a:endParaRPr lang="en-AU" sz="1100" dirty="0"/>
                     </a:p>
                   </a:txBody>
@@ -15961,7 +16084,11 @@
                       </a:pPr>
                       <a:r>
                         <a:rPr lang="en-AU" sz="1100" dirty="0" smtClean="0"/>
-                        <a:t>Deep Simple RNN(Multivariate)</a:t>
+                        <a:t>Simple RNN (</a:t>
+                      </a:r>
+                      <a:r>
+                        <a:rPr lang="en-AU" sz="1100" dirty="0" smtClean="0"/>
+                        <a:t>Multivariate)</a:t>
                       </a:r>
                     </a:p>
                   </a:txBody>
@@ -15974,8 +16101,8 @@
                     <a:p>
                       <a:pPr algn="ctr"/>
                       <a:r>
-                        <a:rPr lang="en-AU" sz="1100" dirty="0" smtClean="0"/>
-                        <a:t>17.39</a:t>
+                        <a:rPr lang="nb-NO" sz="1100" dirty="0" smtClean="0"/>
+                        <a:t>17.60</a:t>
                       </a:r>
                       <a:endParaRPr lang="en-AU" sz="1100" dirty="0"/>
                     </a:p>
@@ -15988,6 +16115,10 @@
                     <a:lstStyle/>
                     <a:p>
                       <a:pPr algn="ctr"/>
+                      <a:r>
+                        <a:rPr lang="hr-HR" sz="1100" dirty="0" smtClean="0"/>
+                        <a:t>28.98</a:t>
+                      </a:r>
                       <a:endParaRPr lang="en-AU" sz="1100" dirty="0"/>
                     </a:p>
                   </a:txBody>
@@ -15999,6 +16130,10 @@
                     <a:lstStyle/>
                     <a:p>
                       <a:pPr algn="ctr"/>
+                      <a:r>
+                        <a:rPr lang="hr-HR" sz="1100" dirty="0" smtClean="0"/>
+                        <a:t>42.96</a:t>
+                      </a:r>
                       <a:endParaRPr lang="en-AU" sz="1100" dirty="0"/>
                     </a:p>
                   </a:txBody>
@@ -16011,8 +16146,8 @@
                     <a:p>
                       <a:pPr algn="ctr"/>
                       <a:r>
-                        <a:rPr lang="en-AU" sz="1100" dirty="0" smtClean="0"/>
-                        <a:t>24.33</a:t>
+                        <a:rPr lang="hr-HR" sz="1100" dirty="0" smtClean="0"/>
+                        <a:t>24.08</a:t>
                       </a:r>
                       <a:endParaRPr lang="en-AU" sz="1100" dirty="0"/>
                     </a:p>
@@ -16025,6 +16160,10 @@
                     <a:lstStyle/>
                     <a:p>
                       <a:pPr algn="ctr"/>
+                      <a:r>
+                        <a:rPr lang="hr-HR" sz="1100" dirty="0" smtClean="0"/>
+                        <a:t>38.99</a:t>
+                      </a:r>
                       <a:endParaRPr lang="en-AU" sz="1100" dirty="0"/>
                     </a:p>
                   </a:txBody>
@@ -16036,6 +16175,10 @@
                     <a:lstStyle/>
                     <a:p>
                       <a:pPr algn="ctr"/>
+                      <a:r>
+                        <a:rPr lang="nb-NO" sz="1100" dirty="0" smtClean="0"/>
+                        <a:t>55.82</a:t>
+                      </a:r>
                       <a:endParaRPr lang="en-AU" sz="1100" dirty="0"/>
                     </a:p>
                   </a:txBody>
@@ -16064,9 +16207,10 @@
                         <a:defRPr/>
                       </a:pPr>
                       <a:r>
-                        <a:rPr lang="en-AU" sz="1100" b="1" dirty="0" smtClean="0"/>
-                        <a:t>10.38</a:t>
-                      </a:r>
+                        <a:rPr lang="nb-NO" sz="1100" dirty="0" smtClean="0"/>
+                        <a:t>11.71</a:t>
+                      </a:r>
+                      <a:endParaRPr lang="en-AU" sz="1100" b="1" dirty="0" smtClean="0"/>
                     </a:p>
                   </a:txBody>
                   <a:tcPr anchor="ctr"/>
@@ -16077,6 +16221,10 @@
                     <a:lstStyle/>
                     <a:p>
                       <a:pPr algn="ctr"/>
+                      <a:r>
+                        <a:rPr lang="hr-HR" sz="1100" dirty="0" smtClean="0"/>
+                        <a:t>9.93</a:t>
+                      </a:r>
                       <a:endParaRPr lang="en-AU" sz="1100" dirty="0"/>
                     </a:p>
                   </a:txBody>
@@ -16088,6 +16236,10 @@
                     <a:lstStyle/>
                     <a:p>
                       <a:pPr algn="ctr"/>
+                      <a:r>
+                        <a:rPr lang="nb-NO" sz="1100" dirty="0" smtClean="0"/>
+                        <a:t>10.17</a:t>
+                      </a:r>
                       <a:endParaRPr lang="en-AU" sz="1100" dirty="0"/>
                     </a:p>
                   </a:txBody>
@@ -16102,7 +16254,11 @@
                     <a:p>
                       <a:r>
                         <a:rPr lang="en-AU" sz="1100" dirty="0" smtClean="0"/>
-                        <a:t>Deep GRU(Multivariate)</a:t>
+                        <a:t>GRU (Multivariate</a:t>
+                      </a:r>
+                      <a:r>
+                        <a:rPr lang="en-AU" sz="1100" dirty="0" smtClean="0"/>
+                        <a:t>)</a:t>
                       </a:r>
                       <a:endParaRPr lang="en-AU" sz="1100" dirty="0"/>
                     </a:p>
@@ -16116,10 +16272,10 @@
                     <a:p>
                       <a:pPr algn="ctr"/>
                       <a:r>
-                        <a:rPr lang="en-AU" sz="1100" dirty="0" smtClean="0"/>
-                        <a:t>18.13</a:t>
-                      </a:r>
-                      <a:endParaRPr lang="en-AU" sz="1100" dirty="0"/>
+                        <a:rPr lang="hr-HR" sz="1100" b="1" dirty="0" smtClean="0"/>
+                        <a:t>16.88</a:t>
+                      </a:r>
+                      <a:endParaRPr lang="en-AU" sz="1100" b="1" dirty="0"/>
                     </a:p>
                   </a:txBody>
                   <a:tcPr anchor="ctr"/>
@@ -16130,6 +16286,10 @@
                     <a:lstStyle/>
                     <a:p>
                       <a:pPr algn="ctr"/>
+                      <a:r>
+                        <a:rPr lang="nb-NO" sz="1100" dirty="0" smtClean="0"/>
+                        <a:t>27.97</a:t>
+                      </a:r>
                       <a:endParaRPr lang="en-AU" sz="1100" dirty="0"/>
                     </a:p>
                   </a:txBody>
@@ -16141,6 +16301,10 @@
                     <a:lstStyle/>
                     <a:p>
                       <a:pPr algn="ctr"/>
+                      <a:r>
+                        <a:rPr lang="uk-UA" sz="1100" dirty="0" smtClean="0"/>
+                        <a:t>38.39</a:t>
+                      </a:r>
                       <a:endParaRPr lang="en-AU" sz="1100" dirty="0"/>
                     </a:p>
                   </a:txBody>
@@ -16153,10 +16317,10 @@
                     <a:p>
                       <a:pPr algn="ctr"/>
                       <a:r>
-                        <a:rPr lang="en-AU" sz="1100" dirty="0" smtClean="0"/>
-                        <a:t>24.30</a:t>
-                      </a:r>
-                      <a:endParaRPr lang="en-AU" sz="1100" dirty="0"/>
+                        <a:rPr lang="hr-HR" sz="1100" b="1" dirty="0" smtClean="0"/>
+                        <a:t>23.24</a:t>
+                      </a:r>
+                      <a:endParaRPr lang="en-AU" sz="1100" b="1" dirty="0"/>
                     </a:p>
                   </a:txBody>
                   <a:tcPr anchor="ctr"/>
@@ -16167,6 +16331,10 @@
                     <a:lstStyle/>
                     <a:p>
                       <a:pPr algn="ctr"/>
+                      <a:r>
+                        <a:rPr lang="hr-HR" sz="1100" dirty="0" smtClean="0"/>
+                        <a:t>38.73</a:t>
+                      </a:r>
                       <a:endParaRPr lang="en-AU" sz="1100" dirty="0"/>
                     </a:p>
                   </a:txBody>
@@ -16178,6 +16346,10 @@
                     <a:lstStyle/>
                     <a:p>
                       <a:pPr algn="ctr"/>
+                      <a:r>
+                        <a:rPr lang="nb-NO" sz="1100" dirty="0" smtClean="0"/>
+                        <a:t>51.47</a:t>
+                      </a:r>
                       <a:endParaRPr lang="en-AU" sz="1100" dirty="0"/>
                     </a:p>
                   </a:txBody>
@@ -16206,9 +16378,10 @@
                         <a:defRPr/>
                       </a:pPr>
                       <a:r>
-                        <a:rPr lang="en-AU" sz="1100" dirty="0" smtClean="0"/>
-                        <a:t>12.68</a:t>
-                      </a:r>
+                        <a:rPr lang="it-IT" sz="1100" b="1" dirty="0" smtClean="0"/>
+                        <a:t>10.68</a:t>
+                      </a:r>
+                      <a:endParaRPr lang="en-AU" sz="1100" b="1" dirty="0" smtClean="0"/>
                     </a:p>
                   </a:txBody>
                   <a:tcPr anchor="ctr"/>
@@ -16219,6 +16392,10 @@
                     <a:lstStyle/>
                     <a:p>
                       <a:pPr algn="ctr"/>
+                      <a:r>
+                        <a:rPr lang="hr-HR" sz="1100" dirty="0" smtClean="0"/>
+                        <a:t>8.51</a:t>
+                      </a:r>
                       <a:endParaRPr lang="en-AU" sz="1100" dirty="0"/>
                     </a:p>
                   </a:txBody>
@@ -16230,6 +16407,10 @@
                     <a:lstStyle/>
                     <a:p>
                       <a:pPr algn="ctr"/>
+                      <a:r>
+                        <a:rPr lang="nb-NO" sz="1100" dirty="0" smtClean="0"/>
+                        <a:t>7.59</a:t>
+                      </a:r>
                       <a:endParaRPr lang="en-AU" sz="1100" dirty="0"/>
                     </a:p>
                   </a:txBody>
@@ -16244,11 +16425,15 @@
                     <a:p>
                       <a:r>
                         <a:rPr lang="en-AU" sz="1100" dirty="0" smtClean="0"/>
-                        <a:t>Deep LSTM</a:t>
+                        <a:t>LSTM</a:t>
                       </a:r>
                       <a:r>
                         <a:rPr lang="en-AU" sz="1100" baseline="0" dirty="0" smtClean="0"/>
-                        <a:t> (Multivariate)</a:t>
+                        <a:t> </a:t>
+                      </a:r>
+                      <a:r>
+                        <a:rPr lang="en-AU" sz="1100" baseline="0" dirty="0" smtClean="0"/>
+                        <a:t>(Multivariate)</a:t>
                       </a:r>
                       <a:endParaRPr lang="en-AU" sz="1100" dirty="0"/>
                     </a:p>
@@ -16263,7 +16448,7 @@
                       <a:pPr algn="ctr"/>
                       <a:r>
                         <a:rPr lang="hr-HR" sz="1100" dirty="0" smtClean="0"/>
-                        <a:t>16.46</a:t>
+                        <a:t>16.89</a:t>
                       </a:r>
                       <a:endParaRPr lang="en-AU" sz="1100" dirty="0"/>
                     </a:p>
@@ -16276,7 +16461,11 @@
                     <a:lstStyle/>
                     <a:p>
                       <a:pPr algn="ctr"/>
-                      <a:endParaRPr lang="en-AU" sz="1100" dirty="0"/>
+                      <a:r>
+                        <a:rPr lang="hr-HR" sz="1100" b="1" dirty="0" smtClean="0"/>
+                        <a:t>27.24</a:t>
+                      </a:r>
+                      <a:endParaRPr lang="en-AU" sz="1100" b="1" dirty="0"/>
                     </a:p>
                   </a:txBody>
                   <a:tcPr anchor="ctr"/>
@@ -16287,7 +16476,11 @@
                     <a:lstStyle/>
                     <a:p>
                       <a:pPr algn="ctr"/>
-                      <a:endParaRPr lang="en-AU" sz="1100" dirty="0"/>
+                      <a:r>
+                        <a:rPr lang="hr-HR" sz="1100" b="1" dirty="0" smtClean="0"/>
+                        <a:t>38.16</a:t>
+                      </a:r>
+                      <a:endParaRPr lang="en-AU" sz="1100" b="1" dirty="0"/>
                     </a:p>
                   </a:txBody>
                   <a:tcPr anchor="ctr"/>
@@ -16300,7 +16493,7 @@
                       <a:pPr algn="ctr"/>
                       <a:r>
                         <a:rPr lang="hr-HR" sz="1100" dirty="0" smtClean="0"/>
-                        <a:t>18.92</a:t>
+                        <a:t>23.33</a:t>
                       </a:r>
                       <a:endParaRPr lang="en-AU" sz="1100" dirty="0"/>
                     </a:p>
@@ -16312,7 +16505,42 @@
                     <a:bodyPr/>
                     <a:lstStyle/>
                     <a:p>
+                      <a:pPr marL="0" marR="0" indent="0" algn="ctr" defTabSz="914400" rtl="0" eaLnBrk="1" fontAlgn="auto" latinLnBrk="0" hangingPunct="1">
+                        <a:lnSpc>
+                          <a:spcPct val="100000"/>
+                        </a:lnSpc>
+                        <a:spcBef>
+                          <a:spcPts val="0"/>
+                        </a:spcBef>
+                        <a:spcAft>
+                          <a:spcPts val="0"/>
+                        </a:spcAft>
+                        <a:buClrTx/>
+                        <a:buSzTx/>
+                        <a:buFontTx/>
+                        <a:buNone/>
+                        <a:tabLst/>
+                        <a:defRPr/>
+                      </a:pPr>
+                      <a:r>
+                        <a:rPr lang="nb-NO" sz="1100" b="1" dirty="0" smtClean="0"/>
+                        <a:t>37.34</a:t>
+                      </a:r>
+                      <a:endParaRPr lang="en-AU" sz="1100" b="1" dirty="0" smtClean="0"/>
+                    </a:p>
+                  </a:txBody>
+                  <a:tcPr anchor="ctr"/>
+                </a:tc>
+                <a:tc>
+                  <a:txBody>
+                    <a:bodyPr/>
+                    <a:lstStyle/>
+                    <a:p>
                       <a:pPr algn="ctr"/>
+                      <a:r>
+                        <a:rPr lang="hr-HR" sz="1100" dirty="0" smtClean="0"/>
+                        <a:t>51.24</a:t>
+                      </a:r>
                       <a:endParaRPr lang="en-AU" sz="1100" dirty="0"/>
                     </a:p>
                   </a:txBody>
@@ -16324,7 +16552,11 @@
                     <a:lstStyle/>
                     <a:p>
                       <a:pPr algn="ctr"/>
-                      <a:endParaRPr lang="en-AU" sz="1100" dirty="0"/>
+                      <a:r>
+                        <a:rPr lang="hr-HR" sz="1100" dirty="0" smtClean="0"/>
+                        <a:t>11.14</a:t>
+                      </a:r>
+                      <a:endParaRPr lang="en-AU" sz="1100" b="0" dirty="0"/>
                     </a:p>
                   </a:txBody>
                   <a:tcPr anchor="ctr"/>
@@ -16336,10 +16568,10 @@
                     <a:p>
                       <a:pPr algn="ctr"/>
                       <a:r>
-                        <a:rPr lang="en-AU" sz="1100" b="0" dirty="0" smtClean="0"/>
-                        <a:t>11.17</a:t>
-                      </a:r>
-                      <a:endParaRPr lang="en-AU" sz="1100" b="0" dirty="0"/>
+                        <a:rPr lang="hr-HR" sz="1100" b="1" dirty="0" smtClean="0"/>
+                        <a:t>8.38</a:t>
+                      </a:r>
+                      <a:endParaRPr lang="en-AU" sz="1100" b="1" dirty="0"/>
                     </a:p>
                   </a:txBody>
                   <a:tcPr anchor="ctr"/>
@@ -16350,17 +16582,10 @@
                     <a:lstStyle/>
                     <a:p>
                       <a:pPr algn="ctr"/>
-                      <a:endParaRPr lang="en-AU" sz="1100" b="1" dirty="0"/>
-                    </a:p>
-                  </a:txBody>
-                  <a:tcPr anchor="ctr"/>
-                </a:tc>
-                <a:tc>
-                  <a:txBody>
-                    <a:bodyPr/>
-                    <a:lstStyle/>
-                    <a:p>
-                      <a:pPr algn="ctr"/>
+                      <a:r>
+                        <a:rPr lang="nb-NO" sz="1100" b="1" dirty="0" smtClean="0"/>
+                        <a:t>7.30</a:t>
+                      </a:r>
                       <a:endParaRPr lang="en-AU" sz="1100" b="1" dirty="0"/>
                     </a:p>
                   </a:txBody>
@@ -16418,7 +16643,7 @@
             <p:ph idx="1"/>
             <p:extLst>
               <p:ext uri="{D42A27DB-BD31-4B8C-83A1-F6EECF244321}">
-                <p14:modId xmlns:p14="http://schemas.microsoft.com/office/powerpoint/2010/main" val="1718625320"/>
+                <p14:modId xmlns:p14="http://schemas.microsoft.com/office/powerpoint/2010/main" val="1026736582"/>
               </p:ext>
             </p:extLst>
           </p:nvPr>
@@ -17342,7 +17567,7 @@
                       <a:pPr algn="ctr"/>
                       <a:r>
                         <a:rPr lang="hr-HR" sz="1100" dirty="0" smtClean="0"/>
-                        <a:t>18.81</a:t>
+                        <a:t>18.47</a:t>
                       </a:r>
                       <a:endParaRPr lang="en-AU" sz="1100" dirty="0"/>
                     </a:p>
@@ -17359,6 +17584,10 @@
                     <a:lstStyle/>
                     <a:p>
                       <a:pPr algn="ctr"/>
+                      <a:r>
+                        <a:rPr lang="hr-HR" sz="1100" dirty="0" smtClean="0"/>
+                        <a:t>34.84</a:t>
+                      </a:r>
                       <a:endParaRPr lang="en-AU" sz="1100" dirty="0"/>
                     </a:p>
                   </a:txBody>
@@ -17374,6 +17603,10 @@
                     <a:lstStyle/>
                     <a:p>
                       <a:pPr algn="ctr"/>
+                      <a:r>
+                        <a:rPr lang="hr-HR" sz="1100" dirty="0" smtClean="0"/>
+                        <a:t>49.53</a:t>
+                      </a:r>
                       <a:endParaRPr lang="en-AU" sz="1100" dirty="0"/>
                     </a:p>
                   </a:txBody>
@@ -17390,8 +17623,8 @@
                     <a:p>
                       <a:pPr algn="ctr"/>
                       <a:r>
-                        <a:rPr lang="nb-NO" sz="1100" dirty="0" smtClean="0"/>
-                        <a:t>27.49</a:t>
+                        <a:rPr lang="hr-HR" sz="1100" dirty="0" smtClean="0"/>
+                        <a:t>26.89</a:t>
                       </a:r>
                       <a:endParaRPr lang="en-AU" sz="1100" dirty="0"/>
                     </a:p>
@@ -17408,6 +17641,10 @@
                     <a:lstStyle/>
                     <a:p>
                       <a:pPr algn="ctr"/>
+                      <a:r>
+                        <a:rPr lang="hr-HR" sz="1100" dirty="0" smtClean="0"/>
+                        <a:t>49.38</a:t>
+                      </a:r>
                       <a:endParaRPr lang="en-AU" sz="1100" dirty="0"/>
                     </a:p>
                   </a:txBody>
@@ -17423,6 +17660,10 @@
                     <a:lstStyle/>
                     <a:p>
                       <a:pPr algn="ctr"/>
+                      <a:r>
+                        <a:rPr lang="hr-HR" sz="1100" dirty="0" smtClean="0"/>
+                        <a:t>74.42</a:t>
+                      </a:r>
                       <a:endParaRPr lang="en-AU" sz="1100" dirty="0"/>
                     </a:p>
                   </a:txBody>
@@ -17440,7 +17681,7 @@
                       <a:pPr algn="ctr"/>
                       <a:r>
                         <a:rPr lang="hr-HR" sz="1100" dirty="0" smtClean="0"/>
-                        <a:t>14.32</a:t>
+                        <a:t>13.44</a:t>
                       </a:r>
                       <a:endParaRPr lang="en-AU" sz="1100" dirty="0"/>
                     </a:p>
@@ -17457,6 +17698,10 @@
                     <a:lstStyle/>
                     <a:p>
                       <a:pPr algn="ctr"/>
+                      <a:r>
+                        <a:rPr lang="nb-NO" sz="1100" dirty="0" smtClean="0"/>
+                        <a:t>11.28</a:t>
+                      </a:r>
                       <a:endParaRPr lang="en-AU" sz="1100" dirty="0"/>
                     </a:p>
                   </a:txBody>
@@ -17472,6 +17717,10 @@
                     <a:lstStyle/>
                     <a:p>
                       <a:pPr algn="ctr"/>
+                      <a:r>
+                        <a:rPr lang="nb-NO" sz="1100" dirty="0" smtClean="0"/>
+                        <a:t>10.76</a:t>
+                      </a:r>
                       <a:endParaRPr lang="en-AU" sz="1100" dirty="0"/>
                     </a:p>
                   </a:txBody>
@@ -17489,7 +17738,7 @@
                     <a:lstStyle/>
                     <a:p>
                       <a:r>
-                        <a:rPr lang="is-IS" sz="1100" smtClean="0"/>
+                        <a:rPr lang="is-IS" sz="1100" dirty="0" smtClean="0"/>
                         <a:t>16912</a:t>
                       </a:r>
                       <a:endParaRPr lang="en-AU" sz="1100" dirty="0"/>
@@ -17505,7 +17754,7 @@
                       <a:pPr algn="ctr"/>
                       <a:r>
                         <a:rPr lang="hr-HR" sz="1100" dirty="0" smtClean="0"/>
-                        <a:t>33.51</a:t>
+                        <a:t>33.71</a:t>
                       </a:r>
                       <a:endParaRPr lang="en-AU" sz="1100" dirty="0"/>
                     </a:p>
@@ -17518,6 +17767,10 @@
                     <a:lstStyle/>
                     <a:p>
                       <a:pPr algn="ctr"/>
+                      <a:r>
+                        <a:rPr lang="hr-HR" sz="1100" dirty="0" smtClean="0"/>
+                        <a:t>59.98</a:t>
+                      </a:r>
                       <a:endParaRPr lang="en-AU" sz="1100" dirty="0"/>
                     </a:p>
                   </a:txBody>
@@ -17529,6 +17782,10 @@
                     <a:lstStyle/>
                     <a:p>
                       <a:pPr algn="ctr"/>
+                      <a:r>
+                        <a:rPr lang="uk-UA" sz="1100" dirty="0" smtClean="0"/>
+                        <a:t>80.77</a:t>
+                      </a:r>
                       <a:endParaRPr lang="en-AU" sz="1100" dirty="0"/>
                     </a:p>
                   </a:txBody>
@@ -17541,8 +17798,23 @@
                     <a:p>
                       <a:pPr algn="ctr"/>
                       <a:r>
+                        <a:rPr lang="hr-HR" sz="1100" dirty="0" smtClean="0"/>
+                        <a:t>46.29</a:t>
+                      </a:r>
+                      <a:endParaRPr lang="en-AU" sz="1100" dirty="0"/>
+                    </a:p>
+                  </a:txBody>
+                  <a:tcPr anchor="ctr"/>
+                </a:tc>
+                <a:tc>
+                  <a:txBody>
+                    <a:bodyPr/>
+                    <a:lstStyle/>
+                    <a:p>
+                      <a:pPr algn="ctr"/>
+                      <a:r>
                         <a:rPr lang="nb-NO" sz="1100" dirty="0" smtClean="0"/>
-                        <a:t>45.93</a:t>
+                        <a:t>80.60</a:t>
                       </a:r>
                       <a:endParaRPr lang="en-AU" sz="1100" dirty="0"/>
                     </a:p>
@@ -17555,6 +17827,10 @@
                     <a:lstStyle/>
                     <a:p>
                       <a:pPr algn="ctr"/>
+                      <a:r>
+                        <a:rPr lang="hr-HR" sz="1100" dirty="0" smtClean="0"/>
+                        <a:t>114.66</a:t>
+                      </a:r>
                       <a:endParaRPr lang="en-AU" sz="1100" dirty="0"/>
                     </a:p>
                   </a:txBody>
@@ -17566,6 +17842,10 @@
                     <a:lstStyle/>
                     <a:p>
                       <a:pPr algn="ctr"/>
+                      <a:r>
+                        <a:rPr lang="nb-NO" sz="1100" dirty="0" smtClean="0"/>
+                        <a:t>11.78</a:t>
+                      </a:r>
                       <a:endParaRPr lang="en-AU" sz="1100" dirty="0"/>
                     </a:p>
                   </a:txBody>
@@ -17578,31 +17858,24 @@
                     <a:p>
                       <a:pPr algn="ctr"/>
                       <a:r>
+                        <a:rPr lang="nb-NO" sz="1100" dirty="0" smtClean="0"/>
+                        <a:t>10.63</a:t>
+                      </a:r>
+                      <a:endParaRPr lang="en-AU" sz="1100" dirty="0"/>
+                    </a:p>
+                  </a:txBody>
+                  <a:tcPr anchor="ctr"/>
+                </a:tc>
+                <a:tc>
+                  <a:txBody>
+                    <a:bodyPr/>
+                    <a:lstStyle/>
+                    <a:p>
+                      <a:pPr algn="ctr"/>
+                      <a:r>
                         <a:rPr lang="hr-HR" sz="1100" dirty="0" smtClean="0"/>
-                        <a:t>12.24</a:t>
-                      </a:r>
-                      <a:endParaRPr lang="en-AU" sz="1100" dirty="0"/>
-                    </a:p>
-                  </a:txBody>
-                  <a:tcPr anchor="ctr"/>
-                </a:tc>
-                <a:tc>
-                  <a:txBody>
-                    <a:bodyPr/>
-                    <a:lstStyle/>
-                    <a:p>
-                      <a:pPr algn="ctr"/>
-                      <a:endParaRPr lang="en-AU" sz="1100" dirty="0"/>
-                    </a:p>
-                  </a:txBody>
-                  <a:tcPr anchor="ctr"/>
-                </a:tc>
-                <a:tc>
-                  <a:txBody>
-                    <a:bodyPr/>
-                    <a:lstStyle/>
-                    <a:p>
-                      <a:pPr algn="ctr"/>
+                        <a:t>8.26</a:t>
+                      </a:r>
                       <a:endParaRPr lang="en-AU" sz="1100" dirty="0"/>
                     </a:p>
                   </a:txBody>
@@ -17616,7 +17889,7 @@
                     <a:lstStyle/>
                     <a:p>
                       <a:r>
-                        <a:rPr lang="is-IS" sz="1100" smtClean="0"/>
+                        <a:rPr lang="is-IS" sz="1100" dirty="0" smtClean="0"/>
                         <a:t>16913</a:t>
                       </a:r>
                       <a:endParaRPr lang="en-AU" sz="1100" dirty="0"/>
@@ -17632,7 +17905,7 @@
                       <a:pPr algn="ctr"/>
                       <a:r>
                         <a:rPr lang="hr-HR" sz="1100" dirty="0" smtClean="0"/>
-                        <a:t>16.45</a:t>
+                        <a:t>16.89</a:t>
                       </a:r>
                       <a:endParaRPr lang="en-AU" sz="1100" dirty="0"/>
                     </a:p>
@@ -17645,6 +17918,10 @@
                     <a:lstStyle/>
                     <a:p>
                       <a:pPr algn="ctr"/>
+                      <a:r>
+                        <a:rPr lang="hr-HR" sz="1100" dirty="0" smtClean="0"/>
+                        <a:t>27.24</a:t>
+                      </a:r>
                       <a:endParaRPr lang="en-AU" sz="1100" dirty="0"/>
                     </a:p>
                   </a:txBody>
@@ -17656,6 +17933,10 @@
                     <a:lstStyle/>
                     <a:p>
                       <a:pPr algn="ctr"/>
+                      <a:r>
+                        <a:rPr lang="hr-HR" sz="1100" dirty="0" smtClean="0"/>
+                        <a:t>38.16</a:t>
+                      </a:r>
                       <a:endParaRPr lang="en-AU" sz="1100" dirty="0"/>
                     </a:p>
                   </a:txBody>
@@ -17669,7 +17950,7 @@
                       <a:pPr algn="ctr"/>
                       <a:r>
                         <a:rPr lang="hr-HR" sz="1100" dirty="0" smtClean="0"/>
-                        <a:t>22.77</a:t>
+                        <a:t>23.33</a:t>
                       </a:r>
                       <a:endParaRPr lang="en-AU" sz="1100" dirty="0"/>
                     </a:p>
@@ -17682,6 +17963,10 @@
                     <a:lstStyle/>
                     <a:p>
                       <a:pPr algn="ctr"/>
+                      <a:r>
+                        <a:rPr lang="nb-NO" sz="1100" dirty="0" smtClean="0"/>
+                        <a:t>37.34</a:t>
+                      </a:r>
                       <a:endParaRPr lang="en-AU" sz="1100" dirty="0"/>
                     </a:p>
                   </a:txBody>
@@ -17693,6 +17978,10 @@
                     <a:lstStyle/>
                     <a:p>
                       <a:pPr algn="ctr"/>
+                      <a:r>
+                        <a:rPr lang="hr-HR" sz="1100" dirty="0" smtClean="0"/>
+                        <a:t>51.24</a:t>
+                      </a:r>
                       <a:endParaRPr lang="en-AU" sz="1100" dirty="0"/>
                     </a:p>
                   </a:txBody>
@@ -17705,31 +17994,39 @@
                     <a:p>
                       <a:pPr algn="ctr"/>
                       <a:r>
+                        <a:rPr lang="hr-HR" sz="1100" dirty="0" smtClean="0"/>
+                        <a:t>11.14</a:t>
+                      </a:r>
+                      <a:endParaRPr lang="en-AU" sz="1100" dirty="0"/>
+                    </a:p>
+                  </a:txBody>
+                  <a:tcPr anchor="ctr"/>
+                </a:tc>
+                <a:tc>
+                  <a:txBody>
+                    <a:bodyPr/>
+                    <a:lstStyle/>
+                    <a:p>
+                      <a:pPr algn="ctr"/>
+                      <a:r>
+                        <a:rPr lang="hr-HR" sz="1100" dirty="0" smtClean="0"/>
+                        <a:t>8.38</a:t>
+                      </a:r>
+                      <a:endParaRPr lang="en-AU" sz="1100" dirty="0"/>
+                    </a:p>
+                  </a:txBody>
+                  <a:tcPr anchor="ctr"/>
+                </a:tc>
+                <a:tc>
+                  <a:txBody>
+                    <a:bodyPr/>
+                    <a:lstStyle/>
+                    <a:p>
+                      <a:pPr algn="ctr"/>
+                      <a:r>
                         <a:rPr lang="nb-NO" sz="1100" dirty="0" smtClean="0"/>
-                        <a:t>11.37</a:t>
-                      </a:r>
-                      <a:endParaRPr lang="en-AU" sz="1100" dirty="0"/>
-                    </a:p>
-                  </a:txBody>
-                  <a:tcPr anchor="ctr"/>
-                </a:tc>
-                <a:tc>
-                  <a:txBody>
-                    <a:bodyPr/>
-                    <a:lstStyle/>
-                    <a:p>
-                      <a:pPr algn="ctr"/>
-                      <a:endParaRPr lang="en-AU" sz="1100" dirty="0"/>
-                    </a:p>
-                  </a:txBody>
-                  <a:tcPr anchor="ctr"/>
-                </a:tc>
-                <a:tc>
-                  <a:txBody>
-                    <a:bodyPr/>
-                    <a:lstStyle/>
-                    <a:p>
-                      <a:pPr algn="ctr"/>
+                        <a:t>7.30</a:t>
+                      </a:r>
                       <a:endParaRPr lang="en-AU" sz="1100" dirty="0"/>
                     </a:p>
                   </a:txBody>
@@ -17743,7 +18040,7 @@
                     <a:lstStyle/>
                     <a:p>
                       <a:r>
-                        <a:rPr lang="is-IS" sz="1100" smtClean="0"/>
+                        <a:rPr lang="is-IS" sz="1100" dirty="0" smtClean="0"/>
                         <a:t>278</a:t>
                       </a:r>
                       <a:endParaRPr lang="en-AU" sz="1100" dirty="0"/>
@@ -17758,8 +18055,23 @@
                     <a:p>
                       <a:pPr algn="ctr"/>
                       <a:r>
+                        <a:rPr lang="nb-NO" sz="1100" dirty="0" smtClean="0"/>
+                        <a:t>21.60</a:t>
+                      </a:r>
+                      <a:endParaRPr lang="en-AU" sz="1100" dirty="0"/>
+                    </a:p>
+                  </a:txBody>
+                  <a:tcPr anchor="ctr"/>
+                </a:tc>
+                <a:tc>
+                  <a:txBody>
+                    <a:bodyPr/>
+                    <a:lstStyle/>
+                    <a:p>
+                      <a:pPr algn="ctr"/>
+                      <a:r>
                         <a:rPr lang="hr-HR" sz="1100" dirty="0" smtClean="0"/>
-                        <a:t>22.13</a:t>
+                        <a:t>42.08</a:t>
                       </a:r>
                       <a:endParaRPr lang="en-AU" sz="1100" dirty="0"/>
                     </a:p>
@@ -17772,6 +18084,10 @@
                     <a:lstStyle/>
                     <a:p>
                       <a:pPr algn="ctr"/>
+                      <a:r>
+                        <a:rPr lang="hr-HR" sz="1100" dirty="0" smtClean="0"/>
+                        <a:t>63.19</a:t>
+                      </a:r>
                       <a:endParaRPr lang="en-AU" sz="1100" dirty="0"/>
                     </a:p>
                   </a:txBody>
@@ -17783,6 +18099,10 @@
                     <a:lstStyle/>
                     <a:p>
                       <a:pPr algn="ctr"/>
+                      <a:r>
+                        <a:rPr lang="nb-NO" sz="1100" dirty="0" smtClean="0"/>
+                        <a:t>31.12</a:t>
+                      </a:r>
                       <a:endParaRPr lang="en-AU" sz="1100" dirty="0"/>
                     </a:p>
                   </a:txBody>
@@ -17796,7 +18116,7 @@
                       <a:pPr algn="ctr"/>
                       <a:r>
                         <a:rPr lang="nb-NO" sz="1100" dirty="0" smtClean="0"/>
-                        <a:t>31.52</a:t>
+                        <a:t>60.70</a:t>
                       </a:r>
                       <a:endParaRPr lang="en-AU" sz="1100" dirty="0"/>
                     </a:p>
@@ -17809,6 +18129,10 @@
                     <a:lstStyle/>
                     <a:p>
                       <a:pPr algn="ctr"/>
+                      <a:r>
+                        <a:rPr lang="hr-HR" sz="1100" dirty="0" smtClean="0"/>
+                        <a:t>89.36</a:t>
+                      </a:r>
                       <a:endParaRPr lang="en-AU" sz="1100" dirty="0"/>
                     </a:p>
                   </a:txBody>
@@ -17820,6 +18144,10 @@
                     <a:lstStyle/>
                     <a:p>
                       <a:pPr algn="ctr"/>
+                      <a:r>
+                        <a:rPr lang="hr-HR" sz="1100" dirty="0" smtClean="0"/>
+                        <a:t>9.16</a:t>
+                      </a:r>
                       <a:endParaRPr lang="en-AU" sz="1100" dirty="0"/>
                     </a:p>
                   </a:txBody>
@@ -17833,7 +18161,7 @@
                       <a:pPr algn="ctr"/>
                       <a:r>
                         <a:rPr lang="hr-HR" sz="1100" dirty="0" smtClean="0"/>
-                        <a:t>9.58</a:t>
+                        <a:t>8.48</a:t>
                       </a:r>
                       <a:endParaRPr lang="en-AU" sz="1100" dirty="0"/>
                     </a:p>
@@ -17846,17 +18174,10 @@
                     <a:lstStyle/>
                     <a:p>
                       <a:pPr algn="ctr"/>
-                      <a:endParaRPr lang="en-AU" sz="1100" dirty="0"/>
-                    </a:p>
-                  </a:txBody>
-                  <a:tcPr anchor="ctr"/>
-                </a:tc>
-                <a:tc>
-                  <a:txBody>
-                    <a:bodyPr/>
-                    <a:lstStyle/>
-                    <a:p>
-                      <a:pPr algn="ctr"/>
+                      <a:r>
+                        <a:rPr lang="hr-HR" sz="1100" dirty="0" smtClean="0"/>
+                        <a:t>8.95</a:t>
+                      </a:r>
                       <a:endParaRPr lang="en-AU" sz="1100" dirty="0"/>
                     </a:p>
                   </a:txBody>
@@ -17870,7 +18191,7 @@
                     <a:lstStyle/>
                     <a:p>
                       <a:r>
-                        <a:rPr lang="is-IS" sz="1100" smtClean="0"/>
+                        <a:rPr lang="is-IS" sz="1100" dirty="0" smtClean="0"/>
                         <a:t>10528</a:t>
                       </a:r>
                       <a:endParaRPr lang="en-AU" sz="1100" dirty="0"/>
@@ -17885,8 +18206,113 @@
                     <a:p>
                       <a:pPr algn="ctr"/>
                       <a:r>
+                        <a:rPr lang="hr-HR" sz="1100" dirty="0" smtClean="0"/>
+                        <a:t>48.64</a:t>
+                      </a:r>
+                      <a:endParaRPr lang="en-AU" sz="1100" dirty="0"/>
+                    </a:p>
+                  </a:txBody>
+                  <a:tcPr anchor="ctr"/>
+                </a:tc>
+                <a:tc>
+                  <a:txBody>
+                    <a:bodyPr/>
+                    <a:lstStyle/>
+                    <a:p>
+                      <a:pPr algn="ctr"/>
+                      <a:r>
+                        <a:rPr lang="hr-HR" sz="1100" dirty="0" smtClean="0"/>
+                        <a:t>98.37</a:t>
+                      </a:r>
+                      <a:endParaRPr lang="en-AU" sz="1100" dirty="0"/>
+                    </a:p>
+                  </a:txBody>
+                  <a:tcPr anchor="ctr"/>
+                </a:tc>
+                <a:tc>
+                  <a:txBody>
+                    <a:bodyPr/>
+                    <a:lstStyle/>
+                    <a:p>
+                      <a:pPr algn="ctr"/>
+                      <a:r>
+                        <a:rPr lang="hr-HR" sz="1100" dirty="0" smtClean="0"/>
+                        <a:t>146.92</a:t>
+                      </a:r>
+                      <a:endParaRPr lang="en-AU" sz="1100" dirty="0"/>
+                    </a:p>
+                  </a:txBody>
+                  <a:tcPr anchor="ctr"/>
+                </a:tc>
+                <a:tc>
+                  <a:txBody>
+                    <a:bodyPr/>
+                    <a:lstStyle/>
+                    <a:p>
+                      <a:pPr algn="ctr"/>
+                      <a:r>
+                        <a:rPr lang="hr-HR" sz="1100" dirty="0" smtClean="0"/>
+                        <a:t>73.22</a:t>
+                      </a:r>
+                      <a:endParaRPr lang="en-AU" sz="1100" dirty="0"/>
+                    </a:p>
+                  </a:txBody>
+                  <a:tcPr anchor="ctr"/>
+                </a:tc>
+                <a:tc>
+                  <a:txBody>
+                    <a:bodyPr/>
+                    <a:lstStyle/>
+                    <a:p>
+                      <a:pPr algn="ctr"/>
+                      <a:r>
+                        <a:rPr lang="hr-HR" sz="1100" dirty="0" smtClean="0"/>
+                        <a:t>153.22</a:t>
+                      </a:r>
+                      <a:endParaRPr lang="en-AU" sz="1100" dirty="0"/>
+                    </a:p>
+                  </a:txBody>
+                  <a:tcPr anchor="ctr"/>
+                </a:tc>
+                <a:tc>
+                  <a:txBody>
+                    <a:bodyPr/>
+                    <a:lstStyle/>
+                    <a:p>
+                      <a:pPr algn="ctr"/>
+                      <a:r>
+                        <a:rPr lang="is-IS" sz="1100" dirty="0" smtClean="0"/>
+                        <a:t>217.89</a:t>
+                      </a:r>
+                      <a:endParaRPr lang="en-AU" sz="1100" dirty="0"/>
+                    </a:p>
+                  </a:txBody>
+                  <a:tcPr anchor="ctr"/>
+                </a:tc>
+                <a:tc>
+                  <a:txBody>
+                    <a:bodyPr/>
+                    <a:lstStyle/>
+                    <a:p>
+                      <a:pPr algn="ctr"/>
+                      <a:r>
+                        <a:rPr lang="uk-UA" sz="1100" dirty="0" smtClean="0"/>
+                        <a:t>8.39</a:t>
+                      </a:r>
+                      <a:endParaRPr lang="en-AU" sz="1100" dirty="0"/>
+                    </a:p>
+                  </a:txBody>
+                  <a:tcPr anchor="ctr"/>
+                </a:tc>
+                <a:tc>
+                  <a:txBody>
+                    <a:bodyPr/>
+                    <a:lstStyle/>
+                    <a:p>
+                      <a:pPr algn="ctr"/>
+                      <a:r>
                         <a:rPr lang="nb-NO" sz="1100" dirty="0" smtClean="0"/>
-                        <a:t>50.59</a:t>
+                        <a:t>7.66</a:t>
                       </a:r>
                       <a:endParaRPr lang="en-AU" sz="1100" dirty="0"/>
                     </a:p>
@@ -17899,91 +18325,10 @@
                     <a:lstStyle/>
                     <a:p>
                       <a:pPr algn="ctr"/>
-                      <a:endParaRPr lang="en-AU" sz="1100" dirty="0"/>
-                    </a:p>
-                  </a:txBody>
-                  <a:tcPr anchor="ctr"/>
-                </a:tc>
-                <a:tc>
-                  <a:txBody>
-                    <a:bodyPr/>
-                    <a:lstStyle/>
-                    <a:p>
-                      <a:pPr algn="ctr"/>
-                      <a:endParaRPr lang="en-AU" sz="1100" dirty="0"/>
-                    </a:p>
-                  </a:txBody>
-                  <a:tcPr anchor="ctr"/>
-                </a:tc>
-                <a:tc>
-                  <a:txBody>
-                    <a:bodyPr/>
-                    <a:lstStyle/>
-                    <a:p>
-                      <a:pPr algn="ctr"/>
-                      <a:r>
-                        <a:rPr lang="hr-HR" sz="1100" dirty="0" smtClean="0"/>
-                        <a:t>76.28</a:t>
-                      </a:r>
-                      <a:endParaRPr lang="en-AU" sz="1100" dirty="0"/>
-                    </a:p>
-                  </a:txBody>
-                  <a:tcPr anchor="ctr"/>
-                </a:tc>
-                <a:tc>
-                  <a:txBody>
-                    <a:bodyPr/>
-                    <a:lstStyle/>
-                    <a:p>
-                      <a:pPr algn="ctr"/>
-                      <a:endParaRPr lang="en-AU" sz="1100" dirty="0"/>
-                    </a:p>
-                  </a:txBody>
-                  <a:tcPr anchor="ctr"/>
-                </a:tc>
-                <a:tc>
-                  <a:txBody>
-                    <a:bodyPr/>
-                    <a:lstStyle/>
-                    <a:p>
-                      <a:pPr algn="ctr"/>
-                      <a:endParaRPr lang="en-AU" sz="1100" dirty="0"/>
-                    </a:p>
-                  </a:txBody>
-                  <a:tcPr anchor="ctr"/>
-                </a:tc>
-                <a:tc>
-                  <a:txBody>
-                    <a:bodyPr/>
-                    <a:lstStyle/>
-                    <a:p>
-                      <a:pPr algn="ctr"/>
-                      <a:r>
-                        <a:rPr lang="hr-HR" sz="1100" dirty="0" smtClean="0"/>
-                        <a:t>8.43</a:t>
-                      </a:r>
-                      <a:endParaRPr lang="en-AU" sz="1100" dirty="0"/>
-                    </a:p>
-                  </a:txBody>
-                  <a:tcPr anchor="ctr"/>
-                </a:tc>
-                <a:tc>
-                  <a:txBody>
-                    <a:bodyPr/>
-                    <a:lstStyle/>
-                    <a:p>
-                      <a:pPr algn="ctr"/>
-                      <a:endParaRPr lang="en-AU" sz="1100" dirty="0"/>
-                    </a:p>
-                  </a:txBody>
-                  <a:tcPr anchor="ctr"/>
-                </a:tc>
-                <a:tc>
-                  <a:txBody>
-                    <a:bodyPr/>
-                    <a:lstStyle/>
-                    <a:p>
-                      <a:pPr algn="ctr"/>
+                      <a:r>
+                        <a:rPr lang="nb-NO" sz="1100" dirty="0" smtClean="0"/>
+                        <a:t>7.47</a:t>
+                      </a:r>
                       <a:endParaRPr lang="en-AU" sz="1100" dirty="0"/>
                     </a:p>
                   </a:txBody>
@@ -17997,7 +18342,7 @@
                     <a:lstStyle/>
                     <a:p>
                       <a:r>
-                        <a:rPr lang="is-IS" sz="1100" smtClean="0"/>
+                        <a:rPr lang="is-IS" sz="1100" dirty="0" smtClean="0"/>
                         <a:t>16515</a:t>
                       </a:r>
                       <a:endParaRPr lang="en-AU" sz="1100" dirty="0"/>
@@ -18013,7 +18358,7 @@
                       <a:pPr algn="ctr"/>
                       <a:r>
                         <a:rPr lang="hr-HR" sz="1100" dirty="0" smtClean="0"/>
-                        <a:t>13.18</a:t>
+                        <a:t>13.00</a:t>
                       </a:r>
                       <a:endParaRPr lang="en-AU" sz="1100" dirty="0"/>
                     </a:p>
@@ -18026,6 +18371,10 @@
                     <a:lstStyle/>
                     <a:p>
                       <a:pPr algn="ctr"/>
+                      <a:r>
+                        <a:rPr lang="nb-NO" sz="1100" dirty="0" smtClean="0"/>
+                        <a:t>25.47</a:t>
+                      </a:r>
                       <a:endParaRPr lang="en-AU" sz="1100" dirty="0"/>
                     </a:p>
                   </a:txBody>
@@ -18037,6 +18386,10 @@
                     <a:lstStyle/>
                     <a:p>
                       <a:pPr algn="ctr"/>
+                      <a:r>
+                        <a:rPr lang="hr-HR" sz="1100" dirty="0" smtClean="0"/>
+                        <a:t>36.98</a:t>
+                      </a:r>
                       <a:endParaRPr lang="en-AU" sz="1100" dirty="0"/>
                     </a:p>
                   </a:txBody>
@@ -18066,7 +18419,7 @@
                       </a:pPr>
                       <a:r>
                         <a:rPr lang="hr-HR" sz="1100" dirty="0" smtClean="0"/>
-                        <a:t>18.64</a:t>
+                        <a:t>18.13</a:t>
                       </a:r>
                       <a:endParaRPr lang="en-AU" sz="1100" dirty="0" smtClean="0"/>
                     </a:p>
@@ -18079,6 +18432,10 @@
                     <a:lstStyle/>
                     <a:p>
                       <a:pPr algn="ctr"/>
+                      <a:r>
+                        <a:rPr lang="hr-HR" sz="1100" dirty="0" smtClean="0"/>
+                        <a:t>35.06</a:t>
+                      </a:r>
                       <a:endParaRPr lang="en-AU" sz="1100" dirty="0"/>
                     </a:p>
                   </a:txBody>
@@ -18090,6 +18447,14 @@
                     <a:lstStyle/>
                     <a:p>
                       <a:pPr algn="ctr"/>
+                      <a:r>
+                        <a:rPr lang="uk-UA" sz="1100" dirty="0" smtClean="0"/>
+                        <a:t>51.5</a:t>
+                      </a:r>
+                      <a:r>
+                        <a:rPr lang="en-AU" sz="1100" dirty="0" smtClean="0"/>
+                        <a:t>2</a:t>
+                      </a:r>
                       <a:endParaRPr lang="en-AU" sz="1100" dirty="0"/>
                     </a:p>
                   </a:txBody>
@@ -18103,7 +18468,7 @@
                       <a:pPr algn="ctr"/>
                       <a:r>
                         <a:rPr lang="hr-HR" sz="1100" dirty="0" smtClean="0"/>
-                        <a:t>9.33</a:t>
+                        <a:t>9.09</a:t>
                       </a:r>
                       <a:endParaRPr lang="en-AU" sz="1100" dirty="0"/>
                     </a:p>
@@ -18116,6 +18481,10 @@
                     <a:lstStyle/>
                     <a:p>
                       <a:pPr algn="ctr"/>
+                      <a:r>
+                        <a:rPr lang="hr-HR" sz="1100" dirty="0" smtClean="0"/>
+                        <a:t>9.17</a:t>
+                      </a:r>
                       <a:endParaRPr lang="en-AU" sz="1100" dirty="0"/>
                     </a:p>
                   </a:txBody>
@@ -18127,6 +18496,10 @@
                     <a:lstStyle/>
                     <a:p>
                       <a:pPr algn="ctr"/>
+                      <a:r>
+                        <a:rPr lang="hr-HR" sz="1100" dirty="0" smtClean="0"/>
+                        <a:t>8.74</a:t>
+                      </a:r>
                       <a:endParaRPr lang="en-AU" sz="1100" dirty="0"/>
                     </a:p>
                   </a:txBody>
@@ -18155,8 +18528,23 @@
                     <a:p>
                       <a:pPr algn="ctr"/>
                       <a:r>
+                        <a:rPr lang="fi-FI" sz="1100" dirty="0" smtClean="0"/>
+                        <a:t>9.79</a:t>
+                      </a:r>
+                      <a:endParaRPr lang="en-AU" sz="1100" dirty="0"/>
+                    </a:p>
+                  </a:txBody>
+                  <a:tcPr anchor="ctr"/>
+                </a:tc>
+                <a:tc>
+                  <a:txBody>
+                    <a:bodyPr/>
+                    <a:lstStyle/>
+                    <a:p>
+                      <a:pPr algn="ctr"/>
+                      <a:r>
                         <a:rPr lang="hr-HR" sz="1100" dirty="0" smtClean="0"/>
-                        <a:t>9.85</a:t>
+                        <a:t>16.58</a:t>
                       </a:r>
                       <a:endParaRPr lang="en-AU" sz="1100" dirty="0"/>
                     </a:p>
@@ -18169,6 +18557,10 @@
                     <a:lstStyle/>
                     <a:p>
                       <a:pPr algn="ctr"/>
+                      <a:r>
+                        <a:rPr lang="is-IS" sz="1100" dirty="0" smtClean="0"/>
+                        <a:t>23.06</a:t>
+                      </a:r>
                       <a:endParaRPr lang="en-AU" sz="1100" dirty="0"/>
                     </a:p>
                   </a:txBody>
@@ -18180,6 +18572,10 @@
                     <a:lstStyle/>
                     <a:p>
                       <a:pPr algn="ctr"/>
+                      <a:r>
+                        <a:rPr lang="hr-HR" sz="1100" dirty="0" smtClean="0"/>
+                        <a:t>13.91</a:t>
+                      </a:r>
                       <a:endParaRPr lang="en-AU" sz="1100" dirty="0"/>
                     </a:p>
                   </a:txBody>
@@ -18192,8 +18588,8 @@
                     <a:p>
                       <a:pPr algn="ctr"/>
                       <a:r>
-                        <a:rPr lang="fi-FI" sz="1100" dirty="0" smtClean="0"/>
-                        <a:t>13.87</a:t>
+                        <a:rPr lang="is-IS" sz="1100" dirty="0" smtClean="0"/>
+                        <a:t>23.05</a:t>
                       </a:r>
                       <a:endParaRPr lang="en-AU" sz="1100" dirty="0"/>
                     </a:p>
@@ -18206,6 +18602,10 @@
                     <a:lstStyle/>
                     <a:p>
                       <a:pPr algn="ctr"/>
+                      <a:r>
+                        <a:rPr lang="hr-HR" sz="1100" dirty="0" smtClean="0"/>
+                        <a:t>32.37</a:t>
+                      </a:r>
                       <a:endParaRPr lang="en-AU" sz="1100" dirty="0"/>
                     </a:p>
                   </a:txBody>
@@ -18217,6 +18617,10 @@
                     <a:lstStyle/>
                     <a:p>
                       <a:pPr algn="ctr"/>
+                      <a:r>
+                        <a:rPr lang="hr-HR" sz="1100" dirty="0" smtClean="0"/>
+                        <a:t>12.91</a:t>
+                      </a:r>
                       <a:endParaRPr lang="en-AU" sz="1100" dirty="0"/>
                     </a:p>
                   </a:txBody>
@@ -18229,31 +18633,24 @@
                     <a:p>
                       <a:pPr algn="ctr"/>
                       <a:r>
+                        <a:rPr lang="nb-NO" sz="1100" dirty="0" smtClean="0"/>
+                        <a:t>11.13</a:t>
+                      </a:r>
+                      <a:endParaRPr lang="en-AU" sz="1100" dirty="0"/>
+                    </a:p>
+                  </a:txBody>
+                  <a:tcPr anchor="ctr"/>
+                </a:tc>
+                <a:tc>
+                  <a:txBody>
+                    <a:bodyPr/>
+                    <a:lstStyle/>
+                    <a:p>
+                      <a:pPr algn="ctr"/>
+                      <a:r>
                         <a:rPr lang="hr-HR" sz="1100" dirty="0" smtClean="0"/>
-                        <a:t>12.98</a:t>
-                      </a:r>
-                      <a:endParaRPr lang="en-AU" sz="1100" dirty="0"/>
-                    </a:p>
-                  </a:txBody>
-                  <a:tcPr anchor="ctr"/>
-                </a:tc>
-                <a:tc>
-                  <a:txBody>
-                    <a:bodyPr/>
-                    <a:lstStyle/>
-                    <a:p>
-                      <a:pPr algn="ctr"/>
-                      <a:endParaRPr lang="en-AU" sz="1100" dirty="0"/>
-                    </a:p>
-                  </a:txBody>
-                  <a:tcPr anchor="ctr"/>
-                </a:tc>
-                <a:tc>
-                  <a:txBody>
-                    <a:bodyPr/>
-                    <a:lstStyle/>
-                    <a:p>
-                      <a:pPr algn="ctr"/>
+                        <a:t>9.34</a:t>
+                      </a:r>
                       <a:endParaRPr lang="en-AU" sz="1100" dirty="0"/>
                     </a:p>
                   </a:txBody>
@@ -18267,7 +18664,7 @@
                     <a:lstStyle/>
                     <a:p>
                       <a:r>
-                        <a:rPr lang="is-IS" sz="1100" smtClean="0"/>
+                        <a:rPr lang="is-IS" sz="1100" dirty="0" smtClean="0"/>
                         <a:t>16551</a:t>
                       </a:r>
                       <a:endParaRPr lang="en-AU" sz="1100" dirty="0"/>
@@ -18283,7 +18680,7 @@
                       <a:pPr algn="ctr"/>
                       <a:r>
                         <a:rPr lang="hr-HR" sz="1100" dirty="0" smtClean="0"/>
-                        <a:t>9.80</a:t>
+                        <a:t>9.45</a:t>
                       </a:r>
                       <a:endParaRPr lang="en-AU" sz="1100" dirty="0"/>
                     </a:p>
@@ -18296,6 +18693,10 @@
                     <a:lstStyle/>
                     <a:p>
                       <a:pPr algn="ctr"/>
+                      <a:r>
+                        <a:rPr lang="nb-NO" sz="1100" dirty="0" smtClean="0"/>
+                        <a:t>17.91</a:t>
+                      </a:r>
                       <a:endParaRPr lang="en-AU" sz="1100" dirty="0"/>
                     </a:p>
                   </a:txBody>
@@ -18307,6 +18708,10 @@
                     <a:lstStyle/>
                     <a:p>
                       <a:pPr algn="ctr"/>
+                      <a:r>
+                        <a:rPr lang="hr-HR" sz="1100" dirty="0" smtClean="0"/>
+                        <a:t>25.13</a:t>
+                      </a:r>
                       <a:endParaRPr lang="en-AU" sz="1100" dirty="0"/>
                     </a:p>
                   </a:txBody>
@@ -18319,8 +18724,53 @@
                     <a:p>
                       <a:pPr algn="ctr"/>
                       <a:r>
+                        <a:rPr lang="hr-HR" sz="1100" dirty="0" smtClean="0"/>
+                        <a:t>14.38</a:t>
+                      </a:r>
+                      <a:endParaRPr lang="en-AU" sz="1100" dirty="0"/>
+                    </a:p>
+                  </a:txBody>
+                  <a:tcPr anchor="ctr"/>
+                </a:tc>
+                <a:tc>
+                  <a:txBody>
+                    <a:bodyPr/>
+                    <a:lstStyle/>
+                    <a:p>
+                      <a:pPr algn="ctr"/>
+                      <a:r>
+                        <a:rPr lang="is-IS" sz="1100" dirty="0" smtClean="0"/>
+                        <a:t>26.04</a:t>
+                      </a:r>
+                      <a:endParaRPr lang="en-AU" sz="1100" dirty="0"/>
+                    </a:p>
+                  </a:txBody>
+                  <a:tcPr anchor="ctr"/>
+                </a:tc>
+                <a:tc>
+                  <a:txBody>
+                    <a:bodyPr/>
+                    <a:lstStyle/>
+                    <a:p>
+                      <a:pPr algn="ctr"/>
+                      <a:r>
+                        <a:rPr lang="hr-HR" sz="1100" dirty="0" smtClean="0"/>
+                        <a:t>36.69</a:t>
+                      </a:r>
+                      <a:endParaRPr lang="en-AU" sz="1100" dirty="0"/>
+                    </a:p>
+                  </a:txBody>
+                  <a:tcPr anchor="ctr"/>
+                </a:tc>
+                <a:tc>
+                  <a:txBody>
+                    <a:bodyPr/>
+                    <a:lstStyle/>
+                    <a:p>
+                      <a:pPr algn="ctr"/>
+                      <a:r>
                         <a:rPr lang="nb-NO" sz="1100" dirty="0" smtClean="0"/>
-                        <a:t>15.22</a:t>
+                        <a:t>15.04</a:t>
                       </a:r>
                       <a:endParaRPr lang="en-AU" sz="1100" dirty="0"/>
                     </a:p>
@@ -18333,6 +18783,10 @@
                     <a:lstStyle/>
                     <a:p>
                       <a:pPr algn="ctr"/>
+                      <a:r>
+                        <a:rPr lang="nb-NO" sz="1100" dirty="0" smtClean="0"/>
+                        <a:t>15.34</a:t>
+                      </a:r>
                       <a:endParaRPr lang="en-AU" sz="1100" dirty="0"/>
                     </a:p>
                   </a:txBody>
@@ -18344,43 +18798,10 @@
                     <a:lstStyle/>
                     <a:p>
                       <a:pPr algn="ctr"/>
-                      <a:endParaRPr lang="en-AU" sz="1100" dirty="0"/>
-                    </a:p>
-                  </a:txBody>
-                  <a:tcPr anchor="ctr"/>
-                </a:tc>
-                <a:tc>
-                  <a:txBody>
-                    <a:bodyPr/>
-                    <a:lstStyle/>
-                    <a:p>
-                      <a:pPr algn="ctr"/>
-                      <a:r>
-                        <a:rPr lang="nb-NO" sz="1100" dirty="0" smtClean="0"/>
-                        <a:t>17.52</a:t>
-                      </a:r>
-                      <a:endParaRPr lang="en-AU" sz="1100" dirty="0"/>
-                    </a:p>
-                  </a:txBody>
-                  <a:tcPr anchor="ctr"/>
-                </a:tc>
-                <a:tc>
-                  <a:txBody>
-                    <a:bodyPr/>
-                    <a:lstStyle/>
-                    <a:p>
-                      <a:pPr algn="ctr"/>
-                      <a:endParaRPr lang="en-AU" sz="1100" dirty="0"/>
-                    </a:p>
-                  </a:txBody>
-                  <a:tcPr anchor="ctr"/>
-                </a:tc>
-                <a:tc>
-                  <a:txBody>
-                    <a:bodyPr/>
-                    <a:lstStyle/>
-                    <a:p>
-                      <a:pPr algn="ctr"/>
+                      <a:r>
+                        <a:rPr lang="hr-HR" sz="1100" dirty="0" smtClean="0"/>
+                        <a:t>14.24</a:t>
+                      </a:r>
                       <a:endParaRPr lang="en-AU" sz="1100" dirty="0"/>
                     </a:p>
                   </a:txBody>
@@ -18394,7 +18815,7 @@
                     <a:lstStyle/>
                     <a:p>
                       <a:r>
-                        <a:rPr lang="is-IS" sz="1100" smtClean="0"/>
+                        <a:rPr lang="is-IS" sz="1100" dirty="0" smtClean="0"/>
                         <a:t>6297</a:t>
                       </a:r>
                       <a:endParaRPr lang="en-AU" sz="1100" dirty="0"/>
@@ -18410,7 +18831,7 @@
                       <a:pPr algn="ctr"/>
                       <a:r>
                         <a:rPr lang="nb-NO" sz="1100" dirty="0" smtClean="0"/>
-                        <a:t>20.12</a:t>
+                        <a:t>21.20</a:t>
                       </a:r>
                       <a:endParaRPr lang="en-AU" sz="1100" dirty="0"/>
                     </a:p>
@@ -18423,6 +18844,10 @@
                     <a:lstStyle/>
                     <a:p>
                       <a:pPr algn="ctr"/>
+                      <a:r>
+                        <a:rPr lang="hr-HR" sz="1100" dirty="0" smtClean="0"/>
+                        <a:t>40.26</a:t>
+                      </a:r>
                       <a:endParaRPr lang="en-AU" sz="1100" dirty="0"/>
                     </a:p>
                   </a:txBody>
@@ -18434,6 +18859,10 @@
                     <a:lstStyle/>
                     <a:p>
                       <a:pPr algn="ctr"/>
+                      <a:r>
+                        <a:rPr lang="hr-HR" sz="1100" dirty="0" smtClean="0"/>
+                        <a:t>55.26</a:t>
+                      </a:r>
                       <a:endParaRPr lang="en-AU" sz="1100" dirty="0"/>
                     </a:p>
                   </a:txBody>
@@ -18447,7 +18876,7 @@
                       <a:pPr algn="ctr"/>
                       <a:r>
                         <a:rPr lang="hr-HR" sz="1100" dirty="0" smtClean="0"/>
-                        <a:t>28.97</a:t>
+                        <a:t>29.19</a:t>
                       </a:r>
                       <a:endParaRPr lang="en-AU" sz="1100" dirty="0"/>
                     </a:p>
@@ -18460,6 +18889,10 @@
                     <a:lstStyle/>
                     <a:p>
                       <a:pPr algn="ctr"/>
+                      <a:r>
+                        <a:rPr lang="nb-NO" sz="1100" dirty="0" smtClean="0"/>
+                        <a:t>57.29</a:t>
+                      </a:r>
                       <a:endParaRPr lang="en-AU" sz="1100" dirty="0"/>
                     </a:p>
                   </a:txBody>
@@ -18471,6 +18904,10 @@
                     <a:lstStyle/>
                     <a:p>
                       <a:pPr algn="ctr"/>
+                      <a:r>
+                        <a:rPr lang="fi-FI" sz="1100" dirty="0" smtClean="0"/>
+                        <a:t>79.54</a:t>
+                      </a:r>
                       <a:endParaRPr lang="en-AU" sz="1100" dirty="0"/>
                     </a:p>
                   </a:txBody>
@@ -18484,7 +18921,7 @@
                       <a:pPr algn="ctr"/>
                       <a:r>
                         <a:rPr lang="hr-HR" sz="1100" dirty="0" smtClean="0"/>
-                        <a:t>14.48</a:t>
+                        <a:t>16.67</a:t>
                       </a:r>
                       <a:endParaRPr lang="en-AU" sz="1100" dirty="0"/>
                     </a:p>
@@ -18497,6 +18934,10 @@
                     <a:lstStyle/>
                     <a:p>
                       <a:pPr algn="ctr"/>
+                      <a:r>
+                        <a:rPr lang="nb-NO" sz="1100" dirty="0" smtClean="0"/>
+                        <a:t>11.39</a:t>
+                      </a:r>
                       <a:endParaRPr lang="en-AU" sz="1100" dirty="0"/>
                     </a:p>
                   </a:txBody>
@@ -18508,6 +18949,10 @@
                     <a:lstStyle/>
                     <a:p>
                       <a:pPr algn="ctr"/>
+                      <a:r>
+                        <a:rPr lang="nb-NO" sz="1100" dirty="0" smtClean="0"/>
+                        <a:t>11.60</a:t>
+                      </a:r>
                       <a:endParaRPr lang="en-AU" sz="1100" dirty="0"/>
                     </a:p>
                   </a:txBody>
@@ -18521,7 +18966,7 @@
                     <a:lstStyle/>
                     <a:p>
                       <a:r>
-                        <a:rPr lang="is-IS" sz="1100" smtClean="0"/>
+                        <a:rPr lang="is-IS" sz="1100" dirty="0" smtClean="0"/>
                         <a:t>16537</a:t>
                       </a:r>
                       <a:endParaRPr lang="en-AU" sz="1100" dirty="0"/>
@@ -18537,7 +18982,7 @@
                       <a:pPr algn="ctr"/>
                       <a:r>
                         <a:rPr lang="hr-HR" sz="1100" dirty="0" smtClean="0"/>
-                        <a:t>20.25</a:t>
+                        <a:t>19.20</a:t>
                       </a:r>
                       <a:endParaRPr lang="en-AU" sz="1100" dirty="0"/>
                     </a:p>
@@ -18550,6 +18995,10 @@
                     <a:lstStyle/>
                     <a:p>
                       <a:pPr algn="ctr"/>
+                      <a:r>
+                        <a:rPr lang="hr-HR" sz="1100" dirty="0" smtClean="0"/>
+                        <a:t>33.95</a:t>
+                      </a:r>
                       <a:endParaRPr lang="en-AU" sz="1100" dirty="0"/>
                     </a:p>
                   </a:txBody>
@@ -18561,6 +19010,10 @@
                     <a:lstStyle/>
                     <a:p>
                       <a:pPr algn="ctr"/>
+                      <a:r>
+                        <a:rPr lang="hr-HR" sz="1100" dirty="0" smtClean="0"/>
+                        <a:t>48.66</a:t>
+                      </a:r>
                       <a:endParaRPr lang="en-AU" sz="1100" dirty="0"/>
                     </a:p>
                   </a:txBody>
@@ -18573,31 +19026,39 @@
                     <a:p>
                       <a:pPr algn="ctr"/>
                       <a:r>
+                        <a:rPr lang="nb-NO" sz="1100" dirty="0" smtClean="0"/>
+                        <a:t>27.58</a:t>
+                      </a:r>
+                      <a:endParaRPr lang="en-AU" sz="1100" dirty="0"/>
+                    </a:p>
+                  </a:txBody>
+                  <a:tcPr anchor="ctr"/>
+                </a:tc>
+                <a:tc>
+                  <a:txBody>
+                    <a:bodyPr/>
+                    <a:lstStyle/>
+                    <a:p>
+                      <a:pPr algn="ctr"/>
+                      <a:r>
+                        <a:rPr lang="nb-NO" sz="1100" dirty="0" smtClean="0"/>
+                        <a:t>47.74</a:t>
+                      </a:r>
+                      <a:endParaRPr lang="en-AU" sz="1100" dirty="0"/>
+                    </a:p>
+                  </a:txBody>
+                  <a:tcPr anchor="ctr"/>
+                </a:tc>
+                <a:tc>
+                  <a:txBody>
+                    <a:bodyPr/>
+                    <a:lstStyle/>
+                    <a:p>
+                      <a:pPr algn="ctr"/>
+                      <a:r>
                         <a:rPr lang="hr-HR" sz="1100" dirty="0" smtClean="0"/>
-                        <a:t>28.75</a:t>
-                      </a:r>
-                      <a:endParaRPr lang="en-AU" sz="1100" dirty="0"/>
-                    </a:p>
-                  </a:txBody>
-                  <a:tcPr anchor="ctr"/>
-                </a:tc>
-                <a:tc>
-                  <a:txBody>
-                    <a:bodyPr/>
-                    <a:lstStyle/>
-                    <a:p>
-                      <a:pPr algn="ctr"/>
-                      <a:endParaRPr lang="en-AU" sz="1100" dirty="0"/>
-                    </a:p>
-                  </a:txBody>
-                  <a:tcPr anchor="ctr"/>
-                </a:tc>
-                <a:tc>
-                  <a:txBody>
-                    <a:bodyPr/>
-                    <a:lstStyle/>
-                    <a:p>
-                      <a:pPr algn="ctr"/>
+                        <a:t>69.04</a:t>
+                      </a:r>
                       <a:endParaRPr lang="en-AU" sz="1100" dirty="0"/>
                     </a:p>
                   </a:txBody>
@@ -18626,8 +19087,8 @@
                         <a:defRPr/>
                       </a:pPr>
                       <a:r>
-                        <a:rPr lang="hr-HR" sz="1100" dirty="0" smtClean="0"/>
-                        <a:t>16.63</a:t>
+                        <a:rPr lang="nb-NO" sz="1100" dirty="0" smtClean="0"/>
+                        <a:t>15.86</a:t>
                       </a:r>
                       <a:endParaRPr lang="en-AU" sz="1100" dirty="0" smtClean="0"/>
                     </a:p>
@@ -18640,6 +19101,10 @@
                     <a:lstStyle/>
                     <a:p>
                       <a:pPr algn="ctr"/>
+                      <a:r>
+                        <a:rPr lang="nb-NO" sz="1100" dirty="0" smtClean="0"/>
+                        <a:t>11.55</a:t>
+                      </a:r>
                       <a:endParaRPr lang="en-AU" sz="1100" dirty="0"/>
                     </a:p>
                   </a:txBody>
@@ -18651,6 +19116,10 @@
                     <a:lstStyle/>
                     <a:p>
                       <a:pPr algn="ctr"/>
+                      <a:r>
+                        <a:rPr lang="nb-NO" sz="1100" dirty="0" smtClean="0"/>
+                        <a:t>11.15</a:t>
+                      </a:r>
                       <a:endParaRPr lang="en-AU" sz="1100" dirty="0"/>
                     </a:p>
                   </a:txBody>
@@ -18681,7 +19150,7 @@
                         <a:defRPr/>
                       </a:pPr>
                       <a:r>
-                        <a:rPr lang="is-IS" sz="1100" smtClean="0"/>
+                        <a:rPr lang="is-IS" sz="1100" dirty="0" smtClean="0"/>
                         <a:t>16538</a:t>
                       </a:r>
                       <a:endParaRPr lang="en-AU" sz="1100" dirty="0" smtClean="0"/>
@@ -18696,8 +19165,23 @@
                     <a:p>
                       <a:pPr algn="ctr"/>
                       <a:r>
+                        <a:rPr lang="nb-NO" sz="1100" dirty="0" smtClean="0"/>
+                        <a:t>10.33</a:t>
+                      </a:r>
+                      <a:endParaRPr lang="en-AU" sz="1100" dirty="0"/>
+                    </a:p>
+                  </a:txBody>
+                  <a:tcPr anchor="ctr"/>
+                </a:tc>
+                <a:tc>
+                  <a:txBody>
+                    <a:bodyPr/>
+                    <a:lstStyle/>
+                    <a:p>
+                      <a:pPr algn="ctr"/>
+                      <a:r>
                         <a:rPr lang="hr-HR" sz="1100" dirty="0" smtClean="0"/>
-                        <a:t>9.80</a:t>
+                        <a:t>18.04</a:t>
                       </a:r>
                       <a:endParaRPr lang="en-AU" sz="1100" dirty="0"/>
                     </a:p>
@@ -18710,6 +19194,10 @@
                     <a:lstStyle/>
                     <a:p>
                       <a:pPr algn="ctr"/>
+                      <a:r>
+                        <a:rPr lang="hr-HR" sz="1100" dirty="0" smtClean="0"/>
+                        <a:t>24.70</a:t>
+                      </a:r>
                       <a:endParaRPr lang="en-AU" sz="1100" dirty="0"/>
                     </a:p>
                   </a:txBody>
@@ -18721,6 +19209,10 @@
                     <a:lstStyle/>
                     <a:p>
                       <a:pPr algn="ctr"/>
+                      <a:r>
+                        <a:rPr lang="hr-HR" sz="1100" dirty="0" smtClean="0"/>
+                        <a:t>14.89</a:t>
+                      </a:r>
                       <a:endParaRPr lang="en-AU" sz="1100" dirty="0"/>
                     </a:p>
                   </a:txBody>
@@ -18733,31 +19225,24 @@
                     <a:p>
                       <a:pPr algn="ctr"/>
                       <a:r>
+                        <a:rPr lang="nb-NO" sz="1100" dirty="0" smtClean="0"/>
+                        <a:t>25.56</a:t>
+                      </a:r>
+                      <a:endParaRPr lang="en-AU" sz="1100" dirty="0"/>
+                    </a:p>
+                  </a:txBody>
+                  <a:tcPr anchor="ctr"/>
+                </a:tc>
+                <a:tc>
+                  <a:txBody>
+                    <a:bodyPr/>
+                    <a:lstStyle/>
+                    <a:p>
+                      <a:pPr algn="ctr"/>
+                      <a:r>
                         <a:rPr lang="hr-HR" sz="1100" dirty="0" smtClean="0"/>
-                        <a:t>14.52</a:t>
-                      </a:r>
-                      <a:endParaRPr lang="en-AU" sz="1100" dirty="0"/>
-                    </a:p>
-                  </a:txBody>
-                  <a:tcPr anchor="ctr"/>
-                </a:tc>
-                <a:tc>
-                  <a:txBody>
-                    <a:bodyPr/>
-                    <a:lstStyle/>
-                    <a:p>
-                      <a:pPr algn="ctr"/>
-                      <a:endParaRPr lang="en-AU" sz="1100" dirty="0"/>
-                    </a:p>
-                  </a:txBody>
-                  <a:tcPr anchor="ctr"/>
-                </a:tc>
-                <a:tc>
-                  <a:txBody>
-                    <a:bodyPr/>
-                    <a:lstStyle/>
-                    <a:p>
-                      <a:pPr algn="ctr"/>
+                        <a:t>36.03</a:t>
+                      </a:r>
                       <a:endParaRPr lang="en-AU" sz="1100" dirty="0"/>
                     </a:p>
                   </a:txBody>
@@ -18786,10 +19271,25 @@
                         <a:defRPr/>
                       </a:pPr>
                       <a:r>
+                        <a:rPr lang="nb-NO" sz="1100" dirty="0" smtClean="0"/>
+                        <a:t>21.61</a:t>
+                      </a:r>
+                      <a:endParaRPr lang="en-AU" sz="1100" dirty="0" smtClean="0"/>
+                    </a:p>
+                  </a:txBody>
+                  <a:tcPr anchor="ctr"/>
+                </a:tc>
+                <a:tc>
+                  <a:txBody>
+                    <a:bodyPr/>
+                    <a:lstStyle/>
+                    <a:p>
+                      <a:pPr algn="ctr"/>
+                      <a:r>
                         <a:rPr lang="hr-HR" sz="1100" dirty="0" smtClean="0"/>
-                        <a:t>16.88</a:t>
-                      </a:r>
-                      <a:endParaRPr lang="en-AU" sz="1100" dirty="0" smtClean="0"/>
+                        <a:t>12.33</a:t>
+                      </a:r>
+                      <a:endParaRPr lang="en-AU" sz="1100" dirty="0"/>
                     </a:p>
                   </a:txBody>
                   <a:tcPr anchor="ctr"/>
@@ -18800,17 +19300,10 @@
                     <a:lstStyle/>
                     <a:p>
                       <a:pPr algn="ctr"/>
-                      <a:endParaRPr lang="en-AU" sz="1100" dirty="0"/>
-                    </a:p>
-                  </a:txBody>
-                  <a:tcPr anchor="ctr"/>
-                </a:tc>
-                <a:tc>
-                  <a:txBody>
-                    <a:bodyPr/>
-                    <a:lstStyle/>
-                    <a:p>
-                      <a:pPr algn="ctr"/>
+                      <a:r>
+                        <a:rPr lang="nb-NO" sz="1100" dirty="0" smtClean="0"/>
+                        <a:t>11.38</a:t>
+                      </a:r>
                       <a:endParaRPr lang="en-AU" sz="1100" dirty="0"/>
                     </a:p>
                   </a:txBody>

--- a/latex-thesis/figures.pptx
+++ b/latex-thesis/figures.pptx
@@ -13557,7 +13557,7 @@
             <p:ph idx="1"/>
             <p:extLst>
               <p:ext uri="{D42A27DB-BD31-4B8C-83A1-F6EECF244321}">
-                <p14:modId xmlns:p14="http://schemas.microsoft.com/office/powerpoint/2010/main" val="606729353"/>
+                <p14:modId xmlns:p14="http://schemas.microsoft.com/office/powerpoint/2010/main" val="204342358"/>
               </p:ext>
             </p:extLst>
           </p:nvPr>
